--- a/docs/slides/01/01_intro.pptx
+++ b/docs/slides/01/01_intro.pptx
@@ -2176,7 +2176,7 @@
           </a:ln>
           <a:extLst>
             <a:ext uri="{C572A759-6A51-4108-AA02-DFA0A04FC94B}">
-              <ma14:wrappingTextBoxFlag xmlns:ma14="http://schemas.microsoft.com/office/mac/drawingml/2011/main" val="1"/>
+              <ma14:wrappingTextBoxFlag xmlns:ma14="http://schemas.microsoft.com/office/mac/drawingml/2011/main" xmlns="" val="1"/>
             </a:ext>
           </a:extLst>
         </p:spPr>
@@ -2215,7 +2215,7 @@
           </a:ln>
           <a:extLst>
             <a:ext uri="{C572A759-6A51-4108-AA02-DFA0A04FC94B}">
-              <ma14:wrappingTextBoxFlag xmlns:ma14="http://schemas.microsoft.com/office/mac/drawingml/2011/main" val="1"/>
+              <ma14:wrappingTextBoxFlag xmlns:ma14="http://schemas.microsoft.com/office/mac/drawingml/2011/main" xmlns="" val="1"/>
             </a:ext>
           </a:extLst>
         </p:spPr>
@@ -3358,23 +3358,7 @@
           <a:p>
             <a:r>
               <a:rPr lang="en-US" dirty="0" smtClean="0"/>
-              <a:t>I like math, but, in contrast to </a:t>
-            </a:r>
-            <a:r>
-              <a:rPr lang="en-US" dirty="0" smtClean="0"/>
-              <a:t>lecturers </a:t>
-            </a:r>
-            <a:r>
-              <a:rPr lang="en-US" dirty="0" smtClean="0"/>
-              <a:t>of previous </a:t>
-            </a:r>
-            <a:r>
-              <a:rPr lang="en-US" dirty="0" smtClean="0"/>
-              <a:t>years or in other universities, I </a:t>
-            </a:r>
-            <a:r>
-              <a:rPr lang="en-US" dirty="0" smtClean="0"/>
-              <a:t>put more emphasis on the programming side…</a:t>
+              <a:t>I like math, but, in contrast to lecturers of previous years or in other universities, I put more emphasis on the programming side…</a:t>
             </a:r>
           </a:p>
           <a:p>
@@ -3779,6 +3763,10 @@
           </p:nvPr>
         </p:nvSpPr>
         <p:spPr>
+          <a:xfrm>
+            <a:off x="395926" y="2603500"/>
+            <a:ext cx="12292552" cy="6286500"/>
+          </a:xfrm>
           <a:prstGeom prst="rect">
             <a:avLst/>
           </a:prstGeom>
@@ -3789,11 +3777,7 @@
           <a:p>
             <a:r>
               <a:rPr lang="en-US" dirty="0" smtClean="0"/>
-              <a:t>3 hour written </a:t>
-            </a:r>
-            <a:r>
-              <a:rPr lang="en-US" dirty="0" smtClean="0"/>
-              <a:t>exam</a:t>
+              <a:t>3 hour written exam</a:t>
             </a:r>
           </a:p>
           <a:p>
@@ -3806,29 +3790,49 @@
             <a:pPr lvl="1"/>
             <a:r>
               <a:rPr lang="en-US" dirty="0" smtClean="0"/>
-              <a:t>1 per “Foundation” lesson (so 8), and 2 from the “Advanced” topic</a:t>
-            </a:r>
+              <a:t>1 per “Foundation” lesson (so </a:t>
+            </a:r>
+            <a:r>
+              <a:rPr lang="en-US" dirty="0" smtClean="0"/>
+              <a:t>9), </a:t>
+            </a:r>
+            <a:r>
+              <a:rPr lang="en-US" dirty="0" smtClean="0"/>
+              <a:t>and </a:t>
+            </a:r>
+            <a:r>
+              <a:rPr lang="en-US" dirty="0" smtClean="0"/>
+              <a:t>1 </a:t>
+            </a:r>
+            <a:r>
+              <a:rPr lang="en-US" dirty="0" smtClean="0"/>
+              <a:t>from the “Advanced” </a:t>
+            </a:r>
+            <a:r>
+              <a:rPr lang="en-US" dirty="0" smtClean="0"/>
+              <a:t>topics</a:t>
+            </a:r>
+            <a:endParaRPr lang="en-US" dirty="0" smtClean="0"/>
           </a:p>
           <a:p>
             <a:pPr lvl="1"/>
             <a:r>
               <a:rPr lang="en-US" dirty="0" smtClean="0"/>
-              <a:t>Note: this might change in the actual exam</a:t>
-            </a:r>
-            <a:endParaRPr lang="en-US" dirty="0" smtClean="0"/>
-          </a:p>
-          <a:p>
-            <a:r>
-              <a:rPr lang="en-US" dirty="0" smtClean="0"/>
-              <a:t>Expect </a:t>
-            </a:r>
-            <a:r>
-              <a:rPr lang="en-US" dirty="0" smtClean="0"/>
-              <a:t>theoretical questions and also the writing of code on </a:t>
-            </a:r>
-            <a:r>
-              <a:rPr lang="en-US" dirty="0" smtClean="0"/>
-              <a:t>paper</a:t>
+              <a:t>Note: </a:t>
+            </a:r>
+            <a:r>
+              <a:rPr lang="en-US" i="1" dirty="0" smtClean="0"/>
+              <a:t>this might change in the actual exam</a:t>
+            </a:r>
+          </a:p>
+          <a:p>
+            <a:r>
+              <a:rPr lang="en-US" dirty="0" smtClean="0"/>
+              <a:t>Expect theoretical questions and also the writing of code on </a:t>
+            </a:r>
+            <a:r>
+              <a:rPr lang="en-US" dirty="0" smtClean="0"/>
+              <a:t>paper (at least 1, but no more than 5)</a:t>
             </a:r>
             <a:endParaRPr dirty="0" smtClean="0"/>
           </a:p>
@@ -4253,11 +4257,7 @@
             </a:r>
             <a:r>
               <a:rPr sz="4400" dirty="0" smtClean="0"/>
-              <a:t>or </a:t>
-            </a:r>
-            <a:r>
-              <a:rPr sz="4400" dirty="0" smtClean="0"/>
-              <a:t>announcements, and questions of general interest for the whole class</a:t>
+              <a:t>or announcements, and questions of general interest for the whole class</a:t>
             </a:r>
             <a:endParaRPr lang="en-US" sz="4400" dirty="0" smtClean="0"/>
           </a:p>
@@ -4272,11 +4272,7 @@
             </a:r>
             <a:r>
               <a:rPr lang="en-US" sz="4400" dirty="0" smtClean="0"/>
-              <a:t> sending me </a:t>
-            </a:r>
-            <a:r>
-              <a:rPr lang="en-US" sz="4400" dirty="0" smtClean="0"/>
-              <a:t>emails</a:t>
+              <a:t> sending me emails</a:t>
             </a:r>
           </a:p>
           <a:p>
@@ -4569,18 +4565,18 @@
             </a:r>
             <a:r>
               <a:rPr dirty="0" smtClean="0"/>
-              <a:t>a </a:t>
-            </a:r>
-            <a:r>
-              <a:rPr dirty="0" smtClean="0"/>
-              <a:t>weak</a:t>
+              <a:t>a weak</a:t>
             </a:r>
             <a:endParaRPr lang="en-US" dirty="0" smtClean="0"/>
           </a:p>
           <a:p>
             <a:r>
               <a:rPr lang="en-US" dirty="0" smtClean="0"/>
-              <a:t>Class 1-8: </a:t>
+              <a:t>Class </a:t>
+            </a:r>
+            <a:r>
+              <a:rPr lang="en-US" dirty="0" smtClean="0"/>
+              <a:t>1-9: </a:t>
             </a:r>
             <a:r>
               <a:rPr lang="en-US" i="1" dirty="0" smtClean="0"/>
@@ -4588,13 +4584,29 @@
             </a:r>
             <a:r>
               <a:rPr lang="en-US" dirty="0" smtClean="0"/>
-              <a:t>, algorithms and data structure that all of you will need to know if you are going to work as a developer</a:t>
-            </a:r>
-          </a:p>
-          <a:p>
-            <a:r>
-              <a:rPr lang="en-US" dirty="0" smtClean="0"/>
-              <a:t>Class 9-12: </a:t>
+              <a:t>, algorithms and data </a:t>
+            </a:r>
+            <a:r>
+              <a:rPr lang="en-US" dirty="0" smtClean="0"/>
+              <a:t>structures </a:t>
+            </a:r>
+            <a:r>
+              <a:rPr lang="en-US" dirty="0" smtClean="0"/>
+              <a:t>that all of you will need to know if you are going to work as a developer</a:t>
+            </a:r>
+          </a:p>
+          <a:p>
+            <a:r>
+              <a:rPr lang="en-US" dirty="0" smtClean="0"/>
+              <a:t>Class </a:t>
+            </a:r>
+            <a:r>
+              <a:rPr lang="en-US" dirty="0" smtClean="0"/>
+              <a:t>10-12</a:t>
+            </a:r>
+            <a:r>
+              <a:rPr lang="en-US" dirty="0" smtClean="0"/>
+              <a:t>: </a:t>
             </a:r>
             <a:r>
               <a:rPr lang="en-US" i="1" dirty="0" smtClean="0"/>
@@ -4604,7 +4616,6 @@
               <a:rPr lang="en-US" dirty="0" smtClean="0"/>
               <a:t>, interesting and important topics, but that not all of you will need in your daily jobs</a:t>
             </a:r>
-            <a:endParaRPr lang="en-US" dirty="0" smtClean="0"/>
           </a:p>
           <a:p>
             <a:r>
@@ -4707,7 +4718,7 @@
           <a:p>
             <a:pPr marL="742950" indent="-742950">
               <a:spcBef>
-                <a:spcPts val="2400"/>
+                <a:spcPts val="1200"/>
               </a:spcBef>
               <a:buFont typeface="+mj-lt"/>
               <a:buAutoNum type="arabicPeriod"/>
@@ -4720,7 +4731,7 @@
           <a:p>
             <a:pPr marL="742950" indent="-742950">
               <a:spcBef>
-                <a:spcPts val="2400"/>
+                <a:spcPts val="1200"/>
               </a:spcBef>
               <a:buFont typeface="+mj-lt"/>
               <a:buAutoNum type="arabicPeriod"/>
@@ -4733,7 +4744,7 @@
           <a:p>
             <a:pPr marL="742950" indent="-742950">
               <a:spcBef>
-                <a:spcPts val="2400"/>
+                <a:spcPts val="1200"/>
               </a:spcBef>
               <a:buFont typeface="+mj-lt"/>
               <a:buAutoNum type="arabicPeriod"/>
@@ -4746,7 +4757,7 @@
           <a:p>
             <a:pPr marL="742950" indent="-742950">
               <a:spcBef>
-                <a:spcPts val="2400"/>
+                <a:spcPts val="1200"/>
               </a:spcBef>
               <a:buFont typeface="+mj-lt"/>
               <a:buAutoNum type="arabicPeriod"/>
@@ -4759,7 +4770,7 @@
           <a:p>
             <a:pPr marL="742950" indent="-742950">
               <a:spcBef>
-                <a:spcPts val="2400"/>
+                <a:spcPts val="1200"/>
               </a:spcBef>
               <a:buFont typeface="+mj-lt"/>
               <a:buAutoNum type="arabicPeriod"/>
@@ -4772,7 +4783,7 @@
           <a:p>
             <a:pPr marL="742950" indent="-742950">
               <a:spcBef>
-                <a:spcPts val="2400"/>
+                <a:spcPts val="1200"/>
               </a:spcBef>
               <a:buFont typeface="+mj-lt"/>
               <a:buAutoNum type="arabicPeriod"/>
@@ -4785,7 +4796,7 @@
           <a:p>
             <a:pPr marL="742950" indent="-742950">
               <a:spcBef>
-                <a:spcPts val="2400"/>
+                <a:spcPts val="1200"/>
               </a:spcBef>
               <a:buFont typeface="+mj-lt"/>
               <a:buAutoNum type="arabicPeriod"/>
@@ -4798,16 +4809,28 @@
           <a:p>
             <a:pPr marL="742950" indent="-742950">
               <a:spcBef>
-                <a:spcPts val="2400"/>
+                <a:spcPts val="1200"/>
               </a:spcBef>
               <a:buFont typeface="+mj-lt"/>
               <a:buAutoNum type="arabicPeriod"/>
             </a:pPr>
             <a:r>
+              <a:rPr lang="en-US" dirty="0"/>
+              <a:t>Graphs</a:t>
+            </a:r>
+          </a:p>
+          <a:p>
+            <a:pPr marL="742950" indent="-742950">
+              <a:spcBef>
+                <a:spcPts val="1200"/>
+              </a:spcBef>
+              <a:buFont typeface="+mj-lt"/>
+              <a:buAutoNum type="arabicPeriod"/>
+            </a:pPr>
+            <a:r>
               <a:rPr lang="en-US" dirty="0" smtClean="0"/>
               <a:t>Regular Expressions</a:t>
             </a:r>
-            <a:endParaRPr lang="en-US" dirty="0" smtClean="0"/>
           </a:p>
         </p:txBody>
       </p:sp>
@@ -4821,7 +4844,7 @@
         </p:nvSpPr>
         <p:spPr>
           <a:xfrm>
-            <a:off x="7133741" y="2262753"/>
+            <a:off x="7133741" y="1838547"/>
             <a:ext cx="5667859" cy="4132020"/>
           </a:xfrm>
           <a:prstGeom prst="rect">
@@ -4832,7 +4855,7 @@
           </a:ln>
           <a:extLst>
             <a:ext uri="{C572A759-6A51-4108-AA02-DFA0A04FC94B}">
-              <ma14:wrappingTextBoxFlag xmlns:ma14="http://schemas.microsoft.com/office/mac/drawingml/2011/main" val="1"/>
+              <ma14:wrappingTextBoxFlag xmlns:ma14="http://schemas.microsoft.com/office/mac/drawingml/2011/main" xmlns="" val="1"/>
             </a:ext>
           </a:extLst>
         </p:spPr>
@@ -5109,12 +5132,17 @@
                 <a:spcPts val="2400"/>
               </a:spcBef>
               <a:buFont typeface="+mj-lt"/>
-              <a:buAutoNum type="arabicPeriod" startAt="9"/>
+              <a:buAutoNum type="arabicPeriod" startAt="10"/>
             </a:pPr>
             <a:r>
-              <a:rPr lang="en-US" dirty="0" smtClean="0"/>
-              <a:t>Optimization Algorithms</a:t>
-            </a:r>
+              <a:rPr lang="en-US" dirty="0"/>
+              <a:t>Optimization </a:t>
+            </a:r>
+            <a:r>
+              <a:rPr lang="en-US" dirty="0" smtClean="0"/>
+              <a:t>Algorithms</a:t>
+            </a:r>
+            <a:endParaRPr lang="en-US" dirty="0" smtClean="0"/>
           </a:p>
           <a:p>
             <a:pPr marL="742950" indent="-742950" hangingPunct="1">
@@ -5122,12 +5150,13 @@
                 <a:spcPts val="2400"/>
               </a:spcBef>
               <a:buFont typeface="+mj-lt"/>
-              <a:buAutoNum type="arabicPeriod" startAt="9"/>
+              <a:buAutoNum type="arabicPeriod" startAt="10"/>
             </a:pPr>
             <a:r>
               <a:rPr lang="en-US" dirty="0" smtClean="0"/>
               <a:t>Evolutionary Algorithms</a:t>
             </a:r>
+            <a:endParaRPr lang="en-US" dirty="0" smtClean="0"/>
           </a:p>
           <a:p>
             <a:pPr marL="742950" indent="-742950" hangingPunct="1">
@@ -5135,26 +5164,12 @@
                 <a:spcPts val="2400"/>
               </a:spcBef>
               <a:buFont typeface="+mj-lt"/>
-              <a:buAutoNum type="arabicPeriod" startAt="9"/>
+              <a:buAutoNum type="arabicPeriod" startAt="10"/>
             </a:pPr>
             <a:r>
               <a:rPr lang="en-US" dirty="0" smtClean="0"/>
-              <a:t>Graphs</a:t>
-            </a:r>
-          </a:p>
-          <a:p>
-            <a:pPr marL="742950" indent="-742950" hangingPunct="1">
-              <a:spcBef>
-                <a:spcPts val="2400"/>
-              </a:spcBef>
-              <a:buFont typeface="+mj-lt"/>
-              <a:buAutoNum type="arabicPeriod" startAt="9"/>
-            </a:pPr>
-            <a:r>
-              <a:rPr lang="en-US" dirty="0" smtClean="0"/>
               <a:t>Data Compression</a:t>
             </a:r>
-            <a:endParaRPr lang="en-US" dirty="0" smtClean="0"/>
           </a:p>
         </p:txBody>
       </p:sp>
@@ -5179,7 +5194,7 @@
           </a:ln>
           <a:extLst>
             <a:ext uri="{C572A759-6A51-4108-AA02-DFA0A04FC94B}">
-              <ma14:wrappingTextBoxFlag xmlns:ma14="http://schemas.microsoft.com/office/mac/drawingml/2011/main" val="1"/>
+              <ma14:wrappingTextBoxFlag xmlns:ma14="http://schemas.microsoft.com/office/mac/drawingml/2011/main" xmlns="" val="1"/>
             </a:ext>
           </a:extLst>
         </p:spPr>
@@ -5538,22 +5553,14 @@
             <a:pPr lvl="1"/>
             <a:r>
               <a:rPr lang="en-US" dirty="0" smtClean="0"/>
-              <a:t>2-3 </a:t>
-            </a:r>
-            <a:r>
-              <a:rPr lang="en-US" dirty="0" smtClean="0"/>
-              <a:t>hours of lecture: code and slides</a:t>
+              <a:t>2-3 hours of lecture: code and slides</a:t>
             </a:r>
           </a:p>
           <a:p>
             <a:pPr lvl="1"/>
             <a:r>
               <a:rPr lang="en-US" dirty="0" smtClean="0"/>
-              <a:t>1-2 </a:t>
-            </a:r>
-            <a:r>
-              <a:rPr lang="en-US" dirty="0" smtClean="0"/>
-              <a:t>hours in which you should do exercises and get help</a:t>
+              <a:t>1-2 hours in which you should do exercises and get help</a:t>
             </a:r>
           </a:p>
           <a:p>
@@ -5563,15 +5570,7 @@
             </a:r>
             <a:r>
               <a:rPr lang="en-US" dirty="0" smtClean="0"/>
-              <a:t>: the </a:t>
-            </a:r>
-            <a:r>
-              <a:rPr lang="en-US" dirty="0" smtClean="0"/>
-              <a:t>1-2 </a:t>
-            </a:r>
-            <a:r>
-              <a:rPr lang="en-US" dirty="0" smtClean="0"/>
-              <a:t>hours after lecture is not only for exercises. If you are falling behind, or you need some more revision, you can ask for my help on anything related to coding</a:t>
+              <a:t>: the 1-2 hours after lecture is not only for exercises. If you are falling behind, or you need some more revision, you can ask for my help on anything related to coding</a:t>
             </a:r>
           </a:p>
         </p:txBody>
@@ -5844,11 +5843,7 @@
             </a:r>
             <a:r>
               <a:rPr lang="en-US" dirty="0" smtClean="0"/>
-              <a:t>and corrections </a:t>
-            </a:r>
-            <a:r>
-              <a:rPr lang="en-US" dirty="0" smtClean="0"/>
-              <a:t>can</a:t>
+              <a:t>and corrections can</a:t>
             </a:r>
             <a:r>
               <a:rPr dirty="0" smtClean="0"/>

--- a/docs/slides/01/01_intro.pptx
+++ b/docs/slides/01/01_intro.pptx
@@ -2176,7 +2176,7 @@
           </a:ln>
           <a:extLst>
             <a:ext uri="{C572A759-6A51-4108-AA02-DFA0A04FC94B}">
-              <ma14:wrappingTextBoxFlag xmlns:ma14="http://schemas.microsoft.com/office/mac/drawingml/2011/main" xmlns="" val="1"/>
+              <ma14:wrappingTextBoxFlag xmlns="" xmlns:ma14="http://schemas.microsoft.com/office/mac/drawingml/2011/main" val="1"/>
             </a:ext>
           </a:extLst>
         </p:spPr>
@@ -2215,7 +2215,7 @@
           </a:ln>
           <a:extLst>
             <a:ext uri="{C572A759-6A51-4108-AA02-DFA0A04FC94B}">
-              <ma14:wrappingTextBoxFlag xmlns:ma14="http://schemas.microsoft.com/office/mac/drawingml/2011/main" xmlns="" val="1"/>
+              <ma14:wrappingTextBoxFlag xmlns="" xmlns:ma14="http://schemas.microsoft.com/office/mac/drawingml/2011/main" val="1"/>
             </a:ext>
           </a:extLst>
         </p:spPr>
@@ -3790,49 +3790,26 @@
             <a:pPr lvl="1"/>
             <a:r>
               <a:rPr lang="en-US" dirty="0" smtClean="0"/>
-              <a:t>1 per “Foundation” lesson (so </a:t>
-            </a:r>
-            <a:r>
-              <a:rPr lang="en-US" dirty="0" smtClean="0"/>
-              <a:t>9), </a:t>
-            </a:r>
-            <a:r>
-              <a:rPr lang="en-US" dirty="0" smtClean="0"/>
-              <a:t>and </a:t>
-            </a:r>
-            <a:r>
-              <a:rPr lang="en-US" dirty="0" smtClean="0"/>
-              <a:t>1 </a:t>
-            </a:r>
-            <a:r>
-              <a:rPr lang="en-US" dirty="0" smtClean="0"/>
-              <a:t>from the “Advanced” </a:t>
-            </a:r>
-            <a:r>
-              <a:rPr lang="en-US" dirty="0" smtClean="0"/>
-              <a:t>topics</a:t>
+              <a:t>Based on slides and all code in the repository</a:t>
             </a:r>
             <a:endParaRPr lang="en-US" dirty="0" smtClean="0"/>
           </a:p>
           <a:p>
-            <a:pPr lvl="1"/>
-            <a:r>
-              <a:rPr lang="en-US" dirty="0" smtClean="0"/>
-              <a:t>Note: </a:t>
-            </a:r>
-            <a:r>
-              <a:rPr lang="en-US" i="1" dirty="0" smtClean="0"/>
-              <a:t>this might change in the actual exam</a:t>
-            </a:r>
-          </a:p>
-          <a:p>
-            <a:r>
-              <a:rPr lang="en-US" dirty="0" smtClean="0"/>
-              <a:t>Expect theoretical questions and also the writing of code on </a:t>
-            </a:r>
-            <a:r>
-              <a:rPr lang="en-US" dirty="0" smtClean="0"/>
-              <a:t>paper (at least 1, but no more than 5)</a:t>
+            <a:r>
+              <a:rPr lang="en-US" smtClean="0"/>
+              <a:t>Expect </a:t>
+            </a:r>
+            <a:r>
+              <a:rPr lang="en-US" dirty="0" smtClean="0"/>
+              <a:t>theoretical questions and also the writing of code on paper (at least 1, but no more </a:t>
+            </a:r>
+            <a:r>
+              <a:rPr lang="en-US" smtClean="0"/>
+              <a:t>than </a:t>
+            </a:r>
+            <a:r>
+              <a:rPr lang="en-US" smtClean="0"/>
+              <a:t>50%)</a:t>
             </a:r>
             <a:endParaRPr dirty="0" smtClean="0"/>
           </a:p>
@@ -4572,11 +4549,7 @@
           <a:p>
             <a:r>
               <a:rPr lang="en-US" dirty="0" smtClean="0"/>
-              <a:t>Class </a:t>
-            </a:r>
-            <a:r>
-              <a:rPr lang="en-US" dirty="0" smtClean="0"/>
-              <a:t>1-9: </a:t>
+              <a:t>Class 1-9: </a:t>
             </a:r>
             <a:r>
               <a:rPr lang="en-US" i="1" dirty="0" smtClean="0"/>
@@ -4584,29 +4557,13 @@
             </a:r>
             <a:r>
               <a:rPr lang="en-US" dirty="0" smtClean="0"/>
-              <a:t>, algorithms and data </a:t>
-            </a:r>
-            <a:r>
-              <a:rPr lang="en-US" dirty="0" smtClean="0"/>
-              <a:t>structures </a:t>
-            </a:r>
-            <a:r>
-              <a:rPr lang="en-US" dirty="0" smtClean="0"/>
-              <a:t>that all of you will need to know if you are going to work as a developer</a:t>
-            </a:r>
-          </a:p>
-          <a:p>
-            <a:r>
-              <a:rPr lang="en-US" dirty="0" smtClean="0"/>
-              <a:t>Class </a:t>
-            </a:r>
-            <a:r>
-              <a:rPr lang="en-US" dirty="0" smtClean="0"/>
-              <a:t>10-12</a:t>
-            </a:r>
-            <a:r>
-              <a:rPr lang="en-US" dirty="0" smtClean="0"/>
-              <a:t>: </a:t>
+              <a:t>, algorithms and data structures that all of you will need to know if you are going to work as a developer</a:t>
+            </a:r>
+          </a:p>
+          <a:p>
+            <a:r>
+              <a:rPr lang="en-US" dirty="0" smtClean="0"/>
+              <a:t>Class 10-12: </a:t>
             </a:r>
             <a:r>
               <a:rPr lang="en-US" i="1" dirty="0" smtClean="0"/>
@@ -4855,7 +4812,7 @@
           </a:ln>
           <a:extLst>
             <a:ext uri="{C572A759-6A51-4108-AA02-DFA0A04FC94B}">
-              <ma14:wrappingTextBoxFlag xmlns:ma14="http://schemas.microsoft.com/office/mac/drawingml/2011/main" xmlns="" val="1"/>
+              <ma14:wrappingTextBoxFlag xmlns="" xmlns:ma14="http://schemas.microsoft.com/office/mac/drawingml/2011/main" val="1"/>
             </a:ext>
           </a:extLst>
         </p:spPr>
@@ -5142,7 +5099,6 @@
               <a:rPr lang="en-US" dirty="0" smtClean="0"/>
               <a:t>Algorithms</a:t>
             </a:r>
-            <a:endParaRPr lang="en-US" dirty="0" smtClean="0"/>
           </a:p>
           <a:p>
             <a:pPr marL="742950" indent="-742950" hangingPunct="1">
@@ -5156,7 +5112,6 @@
               <a:rPr lang="en-US" dirty="0" smtClean="0"/>
               <a:t>Evolutionary Algorithms</a:t>
             </a:r>
-            <a:endParaRPr lang="en-US" dirty="0" smtClean="0"/>
           </a:p>
           <a:p>
             <a:pPr marL="742950" indent="-742950" hangingPunct="1">
@@ -5194,7 +5149,7 @@
           </a:ln>
           <a:extLst>
             <a:ext uri="{C572A759-6A51-4108-AA02-DFA0A04FC94B}">
-              <ma14:wrappingTextBoxFlag xmlns:ma14="http://schemas.microsoft.com/office/mac/drawingml/2011/main" xmlns="" val="1"/>
+              <ma14:wrappingTextBoxFlag xmlns="" xmlns:ma14="http://schemas.microsoft.com/office/mac/drawingml/2011/main" val="1"/>
             </a:ext>
           </a:extLst>
         </p:spPr>

--- a/docs/slides/01/01_intro.pptx
+++ b/docs/slides/01/01_intro.pptx
@@ -5,7 +5,7 @@
     <p:sldMasterId id="2147483648" r:id="rId1"/>
   </p:sldMasterIdLst>
   <p:notesMasterIdLst>
-    <p:notesMasterId r:id="rId23"/>
+    <p:notesMasterId r:id="rId33"/>
   </p:notesMasterIdLst>
   <p:sldIdLst>
     <p:sldId id="287" r:id="rId2"/>
@@ -26,9 +26,19 @@
     <p:sldId id="288" r:id="rId17"/>
     <p:sldId id="290" r:id="rId18"/>
     <p:sldId id="292" r:id="rId19"/>
-    <p:sldId id="293" r:id="rId20"/>
-    <p:sldId id="291" r:id="rId21"/>
-    <p:sldId id="294" r:id="rId22"/>
+    <p:sldId id="295" r:id="rId20"/>
+    <p:sldId id="296" r:id="rId21"/>
+    <p:sldId id="293" r:id="rId22"/>
+    <p:sldId id="291" r:id="rId23"/>
+    <p:sldId id="297" r:id="rId24"/>
+    <p:sldId id="298" r:id="rId25"/>
+    <p:sldId id="299" r:id="rId26"/>
+    <p:sldId id="301" r:id="rId27"/>
+    <p:sldId id="302" r:id="rId28"/>
+    <p:sldId id="300" r:id="rId29"/>
+    <p:sldId id="303" r:id="rId30"/>
+    <p:sldId id="304" r:id="rId31"/>
+    <p:sldId id="294" r:id="rId32"/>
   </p:sldIdLst>
   <p:sldSz cx="13004800" cy="9753600"/>
   <p:notesSz cx="6858000" cy="9144000"/>
@@ -3453,7 +3463,7 @@
           </a:p>
           <a:p>
             <a:r>
-              <a:rPr lang="en-US" dirty="0" smtClean="0"/>
+              <a:rPr lang="en-US" b="1" dirty="0" smtClean="0"/>
               <a:t>Slides will often just be a quick overview of what we will cover in the code</a:t>
             </a:r>
           </a:p>
@@ -3570,10 +3580,6 @@
             <a:endParaRPr dirty="0"/>
           </a:p>
           <a:p>
-            <a:r>
-              <a:rPr dirty="0" smtClean="0"/>
-              <a:t>Maven</a:t>
-            </a:r>
             <a:endParaRPr lang="en-US" dirty="0" smtClean="0"/>
           </a:p>
         </p:txBody>
@@ -3765,14 +3771,16 @@
         <p:spPr>
           <a:xfrm>
             <a:off x="395926" y="2603500"/>
-            <a:ext cx="12292552" cy="6286500"/>
+            <a:ext cx="12292552" cy="6710182"/>
           </a:xfrm>
           <a:prstGeom prst="rect">
             <a:avLst/>
           </a:prstGeom>
         </p:spPr>
         <p:txBody>
-          <a:bodyPr/>
+          <a:bodyPr>
+            <a:normAutofit lnSpcReduction="10000"/>
+          </a:bodyPr>
           <a:lstStyle/>
           <a:p>
             <a:r>
@@ -3792,24 +3800,83 @@
               <a:rPr lang="en-US" dirty="0" smtClean="0"/>
               <a:t>Based on slides and all code in the repository</a:t>
             </a:r>
+          </a:p>
+          <a:p>
+            <a:pPr lvl="1"/>
+            <a:r>
+              <a:rPr lang="en-US" dirty="0" smtClean="0"/>
+              <a:t>Note: this might change… but if so, you will be told before the exam</a:t>
+            </a:r>
+          </a:p>
+          <a:p>
+            <a:r>
+              <a:rPr lang="en-US" dirty="0" smtClean="0"/>
+              <a:t>Expect theoretical questions and also the writing of code on paper (at least 1, but no more than 50%)</a:t>
+            </a:r>
+          </a:p>
+          <a:p>
+            <a:r>
+              <a:rPr lang="en-US" dirty="0" smtClean="0"/>
+              <a:t>The exam is based on what covered in the </a:t>
+            </a:r>
+            <a:r>
+              <a:rPr lang="en-US" dirty="0" err="1" smtClean="0"/>
+              <a:t>Git</a:t>
+            </a:r>
+            <a:r>
+              <a:rPr lang="en-US" dirty="0" smtClean="0"/>
+              <a:t> repository</a:t>
+            </a:r>
+          </a:p>
+          <a:p>
+            <a:pPr lvl="1"/>
+            <a:r>
+              <a:rPr lang="en-US" dirty="0"/>
+              <a:t>t</a:t>
+            </a:r>
+            <a:r>
+              <a:rPr lang="en-US" dirty="0" smtClean="0"/>
+              <a:t>he book </a:t>
+            </a:r>
+            <a:r>
+              <a:rPr lang="en-US" dirty="0" smtClean="0"/>
+              <a:t>just gives </a:t>
+            </a:r>
+            <a:r>
+              <a:rPr lang="en-US" dirty="0" smtClean="0"/>
+              <a:t>you extra </a:t>
+            </a:r>
+            <a:r>
+              <a:rPr lang="en-US" dirty="0" smtClean="0"/>
+              <a:t>info </a:t>
+            </a:r>
+            <a:r>
+              <a:rPr lang="en-US" dirty="0" smtClean="0"/>
+              <a:t>and </a:t>
+            </a:r>
+            <a:r>
+              <a:rPr lang="en-US" dirty="0" smtClean="0"/>
+              <a:t>clarifications</a:t>
+            </a:r>
             <a:endParaRPr lang="en-US" dirty="0" smtClean="0"/>
           </a:p>
           <a:p>
-            <a:r>
-              <a:rPr lang="en-US" smtClean="0"/>
-              <a:t>Expect </a:t>
-            </a:r>
-            <a:r>
-              <a:rPr lang="en-US" dirty="0" smtClean="0"/>
-              <a:t>theoretical questions and also the writing of code on paper (at least 1, but no more </a:t>
-            </a:r>
-            <a:r>
-              <a:rPr lang="en-US" smtClean="0"/>
-              <a:t>than </a:t>
-            </a:r>
-            <a:r>
-              <a:rPr lang="en-US" smtClean="0"/>
-              <a:t>50%)</a:t>
+            <a:pPr lvl="1"/>
+            <a:r>
+              <a:rPr lang="en-US" dirty="0"/>
+              <a:t>e</a:t>
+            </a:r>
+            <a:r>
+              <a:rPr lang="en-US" dirty="0" smtClean="0"/>
+              <a:t>xam is based on code in the </a:t>
+            </a:r>
+            <a:r>
+              <a:rPr lang="en-US" dirty="0" err="1" smtClean="0"/>
+              <a:t>Git</a:t>
+            </a:r>
+            <a:r>
+              <a:rPr lang="en-US" dirty="0" smtClean="0"/>
+              <a:t> repository, NOT the one of the book </a:t>
             </a:r>
             <a:endParaRPr dirty="0" smtClean="0"/>
           </a:p>
@@ -3900,15 +3967,15 @@
           <a:p>
             <a:r>
               <a:rPr lang="en-US" dirty="0" smtClean="0"/>
-              <a:t>Not uncommon that more than </a:t>
-            </a:r>
-            <a:r>
-              <a:rPr lang="en-US" b="1" dirty="0" smtClean="0"/>
-              <a:t>50%</a:t>
-            </a:r>
-            <a:r>
-              <a:rPr lang="en-US" dirty="0" smtClean="0"/>
-              <a:t> of students </a:t>
+              <a:t>Not uncommon that </a:t>
+            </a:r>
+            <a:r>
+              <a:rPr lang="en-US" i="1" dirty="0" smtClean="0"/>
+              <a:t>many</a:t>
+            </a:r>
+            <a:r>
+              <a:rPr lang="en-US" dirty="0" smtClean="0"/>
+              <a:t> students </a:t>
             </a:r>
             <a:r>
               <a:rPr lang="en-US" b="1" dirty="0" smtClean="0"/>
@@ -4053,7 +4120,7 @@
       </p:grpSpPr>
       <p:sp>
         <p:nvSpPr>
-          <p:cNvPr id="2" name="Title 1"/>
+          <p:cNvPr id="3" name="Title 2"/>
           <p:cNvSpPr>
             <a:spLocks noGrp="1"/>
           </p:cNvSpPr>
@@ -4066,7 +4133,101 @@
           <a:bodyPr/>
           <a:lstStyle/>
           <a:p>
-            <a:endParaRPr lang="en-US"/>
+            <a:r>
+              <a:rPr lang="en-US" dirty="0" smtClean="0"/>
+              <a:t>Containers</a:t>
+            </a:r>
+            <a:endParaRPr lang="en-US" dirty="0"/>
+          </a:p>
+        </p:txBody>
+      </p:sp>
+      <p:sp>
+        <p:nvSpPr>
+          <p:cNvPr id="4" name="Text Placeholder 3"/>
+          <p:cNvSpPr>
+            <a:spLocks noGrp="1"/>
+          </p:cNvSpPr>
+          <p:nvPr>
+            <p:ph type="body" idx="1"/>
+          </p:nvPr>
+        </p:nvSpPr>
+        <p:spPr>
+          <a:xfrm>
+            <a:off x="395925" y="2603499"/>
+            <a:ext cx="12367967" cy="6955280"/>
+          </a:xfrm>
+        </p:spPr>
+        <p:txBody>
+          <a:bodyPr/>
+          <a:lstStyle/>
+          <a:p>
+            <a:r>
+              <a:rPr lang="en-US" dirty="0" smtClean="0"/>
+              <a:t>When writing programs, need to manipulate data</a:t>
+            </a:r>
+          </a:p>
+          <a:p>
+            <a:pPr lvl="1"/>
+            <a:r>
+              <a:rPr lang="en-US" dirty="0"/>
+              <a:t>e</a:t>
+            </a:r>
+            <a:r>
+              <a:rPr lang="en-US" dirty="0" smtClean="0"/>
+              <a:t>.g., adding songs to a playlist</a:t>
+            </a:r>
+          </a:p>
+          <a:p>
+            <a:pPr lvl="1"/>
+            <a:r>
+              <a:rPr lang="en-US" dirty="0"/>
+              <a:t>e</a:t>
+            </a:r>
+            <a:r>
+              <a:rPr lang="en-US" dirty="0" smtClean="0"/>
+              <a:t>.g., adding an item on a shopping cart like on Amazon</a:t>
+            </a:r>
+          </a:p>
+          <a:p>
+            <a:r>
+              <a:rPr lang="en-US" i="1" dirty="0" smtClean="0"/>
+              <a:t>Adding</a:t>
+            </a:r>
+            <a:r>
+              <a:rPr lang="en-US" dirty="0" smtClean="0"/>
+              <a:t>, </a:t>
+            </a:r>
+            <a:r>
+              <a:rPr lang="en-US" i="1" dirty="0" smtClean="0"/>
+              <a:t>removing</a:t>
+            </a:r>
+            <a:r>
+              <a:rPr lang="en-US" dirty="0" smtClean="0"/>
+              <a:t> and </a:t>
+            </a:r>
+            <a:r>
+              <a:rPr lang="en-US" i="1" dirty="0" smtClean="0"/>
+              <a:t>searching</a:t>
+            </a:r>
+            <a:r>
+              <a:rPr lang="en-US" dirty="0" smtClean="0"/>
+              <a:t> for elements</a:t>
+            </a:r>
+          </a:p>
+          <a:p>
+            <a:r>
+              <a:rPr lang="en-US" dirty="0" smtClean="0"/>
+              <a:t>Different </a:t>
+            </a:r>
+            <a:r>
+              <a:rPr lang="en-US" i="1" dirty="0" smtClean="0"/>
+              <a:t>data structures</a:t>
+            </a:r>
+            <a:r>
+              <a:rPr lang="en-US" dirty="0" smtClean="0"/>
+              <a:t> with different properties  </a:t>
+            </a:r>
+            <a:endParaRPr lang="en-US" dirty="0"/>
           </a:p>
         </p:txBody>
       </p:sp>
@@ -4118,16 +4279,549 @@
           <a:p>
             <a:r>
               <a:rPr lang="en-US" dirty="0" smtClean="0"/>
-              <a:t>Unit Testing</a:t>
+              <a:t>Arrays</a:t>
             </a:r>
             <a:endParaRPr lang="en-US" dirty="0"/>
           </a:p>
         </p:txBody>
       </p:sp>
+      <p:sp>
+        <p:nvSpPr>
+          <p:cNvPr id="3" name="Text Placeholder 2"/>
+          <p:cNvSpPr>
+            <a:spLocks noGrp="1"/>
+          </p:cNvSpPr>
+          <p:nvPr>
+            <p:ph type="body" idx="1"/>
+          </p:nvPr>
+        </p:nvSpPr>
+        <p:spPr>
+          <a:xfrm>
+            <a:off x="669303" y="4996206"/>
+            <a:ext cx="11382996" cy="2922833"/>
+          </a:xfrm>
+        </p:spPr>
+        <p:txBody>
+          <a:bodyPr/>
+          <a:lstStyle/>
+          <a:p>
+            <a:r>
+              <a:rPr lang="en-US" dirty="0" smtClean="0"/>
+              <a:t>Easy, direct access to all elements</a:t>
+            </a:r>
+          </a:p>
+          <a:p>
+            <a:r>
+              <a:rPr lang="en-US" dirty="0" smtClean="0"/>
+              <a:t>Possible issues when deleting elements (</a:t>
+            </a:r>
+            <a:r>
+              <a:rPr lang="en-US" dirty="0" err="1" smtClean="0"/>
+              <a:t>ie</a:t>
+            </a:r>
+            <a:r>
+              <a:rPr lang="en-US" dirty="0" smtClean="0"/>
+              <a:t> holes)</a:t>
+            </a:r>
+          </a:p>
+          <a:p>
+            <a:r>
+              <a:rPr lang="en-US" dirty="0" smtClean="0"/>
+              <a:t>Fixed size, decided at creation</a:t>
+            </a:r>
+            <a:endParaRPr lang="en-US" dirty="0"/>
+          </a:p>
+        </p:txBody>
+      </p:sp>
+      <p:sp>
+        <p:nvSpPr>
+          <p:cNvPr id="7" name="Rectangle 3"/>
+          <p:cNvSpPr>
+            <a:spLocks noChangeArrowheads="1"/>
+          </p:cNvSpPr>
+          <p:nvPr/>
+        </p:nvSpPr>
+        <p:spPr bwMode="auto">
+          <a:xfrm>
+            <a:off x="669303" y="2881018"/>
+            <a:ext cx="5505253" cy="1384995"/>
+          </a:xfrm>
+          <a:prstGeom prst="rect">
+            <a:avLst/>
+          </a:prstGeom>
+          <a:solidFill>
+            <a:srgbClr val="FFFFFF"/>
+          </a:solidFill>
+          <a:ln>
+            <a:noFill/>
+          </a:ln>
+          <a:effectLst/>
+          <a:extLst>
+            <a:ext uri="{91240B29-F687-4F45-9708-019B960494DF}">
+              <a14:hiddenLine xmlns:a14="http://schemas.microsoft.com/office/drawing/2010/main" w="9525">
+                <a:solidFill>
+                  <a:schemeClr val="tx1"/>
+                </a:solidFill>
+                <a:miter lim="800000"/>
+                <a:headEnd/>
+                <a:tailEnd/>
+              </a14:hiddenLine>
+            </a:ext>
+            <a:ext uri="{AF507438-7753-43E0-B8FC-AC1667EBCBE1}">
+              <a14:hiddenEffects xmlns:a14="http://schemas.microsoft.com/office/drawing/2010/main">
+                <a:effectLst>
+                  <a:outerShdw dist="35921" dir="2700000" algn="ctr" rotWithShape="0">
+                    <a:schemeClr val="bg2"/>
+                  </a:outerShdw>
+                </a:effectLst>
+              </a14:hiddenEffects>
+            </a:ext>
+          </a:extLst>
+        </p:spPr>
+        <p:txBody>
+          <a:bodyPr vert="horz" wrap="square" lIns="91440" tIns="45720" rIns="91440" bIns="45720" numCol="1" anchor="ctr" anchorCtr="0" compatLnSpc="1">
+            <a:prstTxWarp prst="textNoShape">
+              <a:avLst/>
+            </a:prstTxWarp>
+            <a:spAutoFit/>
+          </a:bodyPr>
+          <a:lstStyle/>
+          <a:p>
+            <a:pPr marL="0" marR="0" lvl="0" indent="0" algn="l" defTabSz="914400" rtl="0" eaLnBrk="0" fontAlgn="base" latinLnBrk="0" hangingPunct="0">
+              <a:lnSpc>
+                <a:spcPct val="100000"/>
+              </a:lnSpc>
+              <a:spcBef>
+                <a:spcPct val="0"/>
+              </a:spcBef>
+              <a:spcAft>
+                <a:spcPct val="0"/>
+              </a:spcAft>
+              <a:buClrTx/>
+              <a:buSzTx/>
+              <a:buFontTx/>
+              <a:buNone/>
+              <a:tabLst/>
+            </a:pPr>
+            <a:r>
+              <a:rPr kumimoji="0" lang="en-US" altLang="en-US" sz="2800" b="1" i="0" u="none" strike="noStrike" cap="none" normalizeH="0" baseline="0" dirty="0" err="1" smtClean="0">
+                <a:ln>
+                  <a:noFill/>
+                </a:ln>
+                <a:solidFill>
+                  <a:srgbClr val="000080"/>
+                </a:solidFill>
+                <a:effectLst/>
+                <a:latin typeface="Courier New" panose="02070309020205020404" pitchFamily="49" charset="0"/>
+                <a:cs typeface="Courier New" panose="02070309020205020404" pitchFamily="49" charset="0"/>
+              </a:rPr>
+              <a:t>int</a:t>
+            </a:r>
+            <a:r>
+              <a:rPr kumimoji="0" lang="en-US" altLang="en-US" sz="2800" b="0" i="0" u="none" strike="noStrike" cap="none" normalizeH="0" baseline="0" dirty="0" smtClean="0">
+                <a:ln>
+                  <a:noFill/>
+                </a:ln>
+                <a:solidFill>
+                  <a:srgbClr val="000000"/>
+                </a:solidFill>
+                <a:effectLst/>
+                <a:latin typeface="Courier New" panose="02070309020205020404" pitchFamily="49" charset="0"/>
+                <a:cs typeface="Courier New" panose="02070309020205020404" pitchFamily="49" charset="0"/>
+              </a:rPr>
+              <a:t>[] array = </a:t>
+            </a:r>
+            <a:r>
+              <a:rPr kumimoji="0" lang="en-US" altLang="en-US" sz="2800" b="1" i="0" u="none" strike="noStrike" cap="none" normalizeH="0" baseline="0" dirty="0" smtClean="0">
+                <a:ln>
+                  <a:noFill/>
+                </a:ln>
+                <a:solidFill>
+                  <a:srgbClr val="000080"/>
+                </a:solidFill>
+                <a:effectLst/>
+                <a:latin typeface="Courier New" panose="02070309020205020404" pitchFamily="49" charset="0"/>
+                <a:cs typeface="Courier New" panose="02070309020205020404" pitchFamily="49" charset="0"/>
+              </a:rPr>
+              <a:t>new </a:t>
+            </a:r>
+            <a:r>
+              <a:rPr kumimoji="0" lang="en-US" altLang="en-US" sz="2800" b="1" i="0" u="none" strike="noStrike" cap="none" normalizeH="0" baseline="0" dirty="0" err="1" smtClean="0">
+                <a:ln>
+                  <a:noFill/>
+                </a:ln>
+                <a:solidFill>
+                  <a:srgbClr val="000080"/>
+                </a:solidFill>
+                <a:effectLst/>
+                <a:latin typeface="Courier New" panose="02070309020205020404" pitchFamily="49" charset="0"/>
+                <a:cs typeface="Courier New" panose="02070309020205020404" pitchFamily="49" charset="0"/>
+              </a:rPr>
+              <a:t>int</a:t>
+            </a:r>
+            <a:r>
+              <a:rPr kumimoji="0" lang="en-US" altLang="en-US" sz="2800" b="0" i="0" u="none" strike="noStrike" cap="none" normalizeH="0" baseline="0" dirty="0" smtClean="0">
+                <a:ln>
+                  <a:noFill/>
+                </a:ln>
+                <a:solidFill>
+                  <a:srgbClr val="000000"/>
+                </a:solidFill>
+                <a:effectLst/>
+                <a:latin typeface="Courier New" panose="02070309020205020404" pitchFamily="49" charset="0"/>
+                <a:cs typeface="Courier New" panose="02070309020205020404" pitchFamily="49" charset="0"/>
+              </a:rPr>
+              <a:t>[</a:t>
+            </a:r>
+            <a:r>
+              <a:rPr kumimoji="0" lang="en-US" altLang="en-US" sz="2800" b="0" i="0" u="none" strike="noStrike" cap="none" normalizeH="0" baseline="0" dirty="0" smtClean="0">
+                <a:ln>
+                  <a:noFill/>
+                </a:ln>
+                <a:solidFill>
+                  <a:srgbClr val="0000FF"/>
+                </a:solidFill>
+                <a:effectLst/>
+                <a:latin typeface="Courier New" panose="02070309020205020404" pitchFamily="49" charset="0"/>
+                <a:cs typeface="Courier New" panose="02070309020205020404" pitchFamily="49" charset="0"/>
+              </a:rPr>
+              <a:t>3</a:t>
+            </a:r>
+            <a:r>
+              <a:rPr kumimoji="0" lang="en-US" altLang="en-US" sz="2800" b="0" i="0" u="none" strike="noStrike" cap="none" normalizeH="0" baseline="0" dirty="0" smtClean="0">
+                <a:ln>
+                  <a:noFill/>
+                </a:ln>
+                <a:solidFill>
+                  <a:srgbClr val="000000"/>
+                </a:solidFill>
+                <a:effectLst/>
+                <a:latin typeface="Courier New" panose="02070309020205020404" pitchFamily="49" charset="0"/>
+                <a:cs typeface="Courier New" panose="02070309020205020404" pitchFamily="49" charset="0"/>
+              </a:rPr>
+              <a:t>];</a:t>
+            </a:r>
+            <a:br>
+              <a:rPr kumimoji="0" lang="en-US" altLang="en-US" sz="2800" b="0" i="0" u="none" strike="noStrike" cap="none" normalizeH="0" baseline="0" dirty="0" smtClean="0">
+                <a:ln>
+                  <a:noFill/>
+                </a:ln>
+                <a:solidFill>
+                  <a:srgbClr val="000000"/>
+                </a:solidFill>
+                <a:effectLst/>
+                <a:latin typeface="Courier New" panose="02070309020205020404" pitchFamily="49" charset="0"/>
+                <a:cs typeface="Courier New" panose="02070309020205020404" pitchFamily="49" charset="0"/>
+              </a:rPr>
+            </a:br>
+            <a:r>
+              <a:rPr kumimoji="0" lang="en-US" altLang="en-US" sz="2800" b="0" i="0" u="none" strike="noStrike" cap="none" normalizeH="0" baseline="0" dirty="0" smtClean="0">
+                <a:ln>
+                  <a:noFill/>
+                </a:ln>
+                <a:solidFill>
+                  <a:srgbClr val="000000"/>
+                </a:solidFill>
+                <a:effectLst/>
+                <a:latin typeface="Courier New" panose="02070309020205020404" pitchFamily="49" charset="0"/>
+                <a:cs typeface="Courier New" panose="02070309020205020404" pitchFamily="49" charset="0"/>
+              </a:rPr>
+              <a:t>array[</a:t>
+            </a:r>
+            <a:r>
+              <a:rPr kumimoji="0" lang="en-US" altLang="en-US" sz="2800" b="0" i="0" u="none" strike="noStrike" cap="none" normalizeH="0" baseline="0" dirty="0" smtClean="0">
+                <a:ln>
+                  <a:noFill/>
+                </a:ln>
+                <a:solidFill>
+                  <a:srgbClr val="0000FF"/>
+                </a:solidFill>
+                <a:effectLst/>
+                <a:latin typeface="Courier New" panose="02070309020205020404" pitchFamily="49" charset="0"/>
+                <a:cs typeface="Courier New" panose="02070309020205020404" pitchFamily="49" charset="0"/>
+              </a:rPr>
+              <a:t>0</a:t>
+            </a:r>
+            <a:r>
+              <a:rPr kumimoji="0" lang="en-US" altLang="en-US" sz="2800" b="0" i="0" u="none" strike="noStrike" cap="none" normalizeH="0" baseline="0" dirty="0" smtClean="0">
+                <a:ln>
+                  <a:noFill/>
+                </a:ln>
+                <a:solidFill>
+                  <a:srgbClr val="000000"/>
+                </a:solidFill>
+                <a:effectLst/>
+                <a:latin typeface="Courier New" panose="02070309020205020404" pitchFamily="49" charset="0"/>
+                <a:cs typeface="Courier New" panose="02070309020205020404" pitchFamily="49" charset="0"/>
+              </a:rPr>
+              <a:t>] = </a:t>
+            </a:r>
+            <a:r>
+              <a:rPr lang="en-US" altLang="en-US" sz="2800" dirty="0">
+                <a:solidFill>
+                  <a:srgbClr val="0000FF"/>
+                </a:solidFill>
+                <a:latin typeface="Courier New" panose="02070309020205020404" pitchFamily="49" charset="0"/>
+                <a:cs typeface="Courier New" panose="02070309020205020404" pitchFamily="49" charset="0"/>
+              </a:rPr>
+              <a:t>5</a:t>
+            </a:r>
+            <a:r>
+              <a:rPr kumimoji="0" lang="en-US" altLang="en-US" sz="2800" b="0" i="0" u="none" strike="noStrike" cap="none" normalizeH="0" baseline="0" dirty="0" smtClean="0">
+                <a:ln>
+                  <a:noFill/>
+                </a:ln>
+                <a:solidFill>
+                  <a:srgbClr val="000000"/>
+                </a:solidFill>
+                <a:effectLst/>
+                <a:latin typeface="Courier New" panose="02070309020205020404" pitchFamily="49" charset="0"/>
+                <a:cs typeface="Courier New" panose="02070309020205020404" pitchFamily="49" charset="0"/>
+              </a:rPr>
+              <a:t>;</a:t>
+            </a:r>
+            <a:br>
+              <a:rPr kumimoji="0" lang="en-US" altLang="en-US" sz="2800" b="0" i="0" u="none" strike="noStrike" cap="none" normalizeH="0" baseline="0" dirty="0" smtClean="0">
+                <a:ln>
+                  <a:noFill/>
+                </a:ln>
+                <a:solidFill>
+                  <a:srgbClr val="000000"/>
+                </a:solidFill>
+                <a:effectLst/>
+                <a:latin typeface="Courier New" panose="02070309020205020404" pitchFamily="49" charset="0"/>
+                <a:cs typeface="Courier New" panose="02070309020205020404" pitchFamily="49" charset="0"/>
+              </a:rPr>
+            </a:br>
+            <a:r>
+              <a:rPr kumimoji="0" lang="en-US" altLang="en-US" sz="2800" b="0" i="0" u="none" strike="noStrike" cap="none" normalizeH="0" baseline="0" dirty="0" smtClean="0">
+                <a:ln>
+                  <a:noFill/>
+                </a:ln>
+                <a:solidFill>
+                  <a:srgbClr val="000000"/>
+                </a:solidFill>
+                <a:effectLst/>
+                <a:latin typeface="Courier New" panose="02070309020205020404" pitchFamily="49" charset="0"/>
+                <a:cs typeface="Courier New" panose="02070309020205020404" pitchFamily="49" charset="0"/>
+              </a:rPr>
+              <a:t>array[</a:t>
+            </a:r>
+            <a:r>
+              <a:rPr kumimoji="0" lang="en-US" altLang="en-US" sz="2800" b="0" i="0" u="none" strike="noStrike" cap="none" normalizeH="0" baseline="0" dirty="0" smtClean="0">
+                <a:ln>
+                  <a:noFill/>
+                </a:ln>
+                <a:solidFill>
+                  <a:srgbClr val="0000FF"/>
+                </a:solidFill>
+                <a:effectLst/>
+                <a:latin typeface="Courier New" panose="02070309020205020404" pitchFamily="49" charset="0"/>
+                <a:cs typeface="Courier New" panose="02070309020205020404" pitchFamily="49" charset="0"/>
+              </a:rPr>
+              <a:t>1</a:t>
+            </a:r>
+            <a:r>
+              <a:rPr kumimoji="0" lang="en-US" altLang="en-US" sz="2800" b="0" i="0" u="none" strike="noStrike" cap="none" normalizeH="0" baseline="0" dirty="0" smtClean="0">
+                <a:ln>
+                  <a:noFill/>
+                </a:ln>
+                <a:solidFill>
+                  <a:srgbClr val="000000"/>
+                </a:solidFill>
+                <a:effectLst/>
+                <a:latin typeface="Courier New" panose="02070309020205020404" pitchFamily="49" charset="0"/>
+                <a:cs typeface="Courier New" panose="02070309020205020404" pitchFamily="49" charset="0"/>
+              </a:rPr>
+              <a:t>] = </a:t>
+            </a:r>
+            <a:r>
+              <a:rPr lang="en-US" altLang="en-US" sz="2800" dirty="0">
+                <a:latin typeface="Courier New" panose="02070309020205020404" pitchFamily="49" charset="0"/>
+                <a:cs typeface="Courier New" panose="02070309020205020404" pitchFamily="49" charset="0"/>
+              </a:rPr>
+              <a:t>3</a:t>
+            </a:r>
+            <a:r>
+              <a:rPr kumimoji="0" lang="en-US" altLang="en-US" sz="2800" b="0" i="0" u="none" strike="noStrike" cap="none" normalizeH="0" baseline="0" dirty="0" smtClean="0">
+                <a:ln>
+                  <a:noFill/>
+                </a:ln>
+                <a:solidFill>
+                  <a:srgbClr val="000000"/>
+                </a:solidFill>
+                <a:effectLst/>
+                <a:latin typeface="Courier New" panose="02070309020205020404" pitchFamily="49" charset="0"/>
+                <a:cs typeface="Courier New" panose="02070309020205020404" pitchFamily="49" charset="0"/>
+              </a:rPr>
+              <a:t>;</a:t>
+            </a:r>
+            <a:endParaRPr kumimoji="0" lang="en-US" altLang="en-US" sz="2400" b="0" i="0" u="none" strike="noStrike" cap="none" normalizeH="0" baseline="0" dirty="0" smtClean="0">
+              <a:ln>
+                <a:noFill/>
+              </a:ln>
+              <a:solidFill>
+                <a:schemeClr val="tx1"/>
+              </a:solidFill>
+              <a:effectLst/>
+              <a:latin typeface="Arial" panose="020B0604020202020204" pitchFamily="34" charset="0"/>
+            </a:endParaRPr>
+          </a:p>
+        </p:txBody>
+      </p:sp>
+      <p:graphicFrame>
+        <p:nvGraphicFramePr>
+          <p:cNvPr id="8" name="Table 7"/>
+          <p:cNvGraphicFramePr>
+            <a:graphicFrameLocks noGrp="1"/>
+          </p:cNvGraphicFramePr>
+          <p:nvPr>
+            <p:extLst>
+              <p:ext uri="{D42A27DB-BD31-4B8C-83A1-F6EECF244321}">
+                <p14:modId xmlns:p14="http://schemas.microsoft.com/office/powerpoint/2010/main" val="1413540329"/>
+              </p:ext>
+            </p:extLst>
+          </p:nvPr>
+        </p:nvGraphicFramePr>
+        <p:xfrm>
+          <a:off x="7541442" y="3116315"/>
+          <a:ext cx="4656843" cy="1036320"/>
+        </p:xfrm>
+        <a:graphic>
+          <a:graphicData uri="http://schemas.openxmlformats.org/drawingml/2006/table">
+            <a:tbl>
+              <a:tblPr firstRow="1" bandRow="1">
+                <a:tableStyleId>{69C7853C-536D-4A76-A0AE-DD22124D55A5}</a:tableStyleId>
+              </a:tblPr>
+              <a:tblGrid>
+                <a:gridCol w="1552281">
+                  <a:extLst>
+                    <a:ext uri="{9D8B030D-6E8A-4147-A177-3AD203B41FA5}">
+                      <a16:colId xmlns:a16="http://schemas.microsoft.com/office/drawing/2014/main" val="1107130655"/>
+                    </a:ext>
+                  </a:extLst>
+                </a:gridCol>
+                <a:gridCol w="1552281">
+                  <a:extLst>
+                    <a:ext uri="{9D8B030D-6E8A-4147-A177-3AD203B41FA5}">
+                      <a16:colId xmlns:a16="http://schemas.microsoft.com/office/drawing/2014/main" val="157195532"/>
+                    </a:ext>
+                  </a:extLst>
+                </a:gridCol>
+                <a:gridCol w="1552281">
+                  <a:extLst>
+                    <a:ext uri="{9D8B030D-6E8A-4147-A177-3AD203B41FA5}">
+                      <a16:colId xmlns:a16="http://schemas.microsoft.com/office/drawing/2014/main" val="4177125647"/>
+                    </a:ext>
+                  </a:extLst>
+                </a:gridCol>
+              </a:tblGrid>
+              <a:tr h="441116">
+                <a:tc>
+                  <a:txBody>
+                    <a:bodyPr/>
+                    <a:lstStyle/>
+                    <a:p>
+                      <a:r>
+                        <a:rPr lang="en-US" sz="2800" dirty="0" smtClean="0"/>
+                        <a:t>[0]</a:t>
+                      </a:r>
+                      <a:endParaRPr lang="en-US" sz="2800" dirty="0"/>
+                    </a:p>
+                  </a:txBody>
+                  <a:tcPr/>
+                </a:tc>
+                <a:tc>
+                  <a:txBody>
+                    <a:bodyPr/>
+                    <a:lstStyle/>
+                    <a:p>
+                      <a:r>
+                        <a:rPr lang="en-US" sz="2800" dirty="0" smtClean="0"/>
+                        <a:t>[1]</a:t>
+                      </a:r>
+                      <a:endParaRPr lang="en-US" sz="2800" dirty="0"/>
+                    </a:p>
+                  </a:txBody>
+                  <a:tcPr/>
+                </a:tc>
+                <a:tc>
+                  <a:txBody>
+                    <a:bodyPr/>
+                    <a:lstStyle/>
+                    <a:p>
+                      <a:r>
+                        <a:rPr lang="en-US" sz="2800" dirty="0" smtClean="0"/>
+                        <a:t>[2]</a:t>
+                      </a:r>
+                      <a:endParaRPr lang="en-US" sz="2800" dirty="0"/>
+                    </a:p>
+                  </a:txBody>
+                  <a:tcPr/>
+                </a:tc>
+                <a:extLst>
+                  <a:ext uri="{0D108BD9-81ED-4DB2-BD59-A6C34878D82A}">
+                    <a16:rowId xmlns:a16="http://schemas.microsoft.com/office/drawing/2014/main" val="1553169375"/>
+                  </a:ext>
+                </a:extLst>
+              </a:tr>
+              <a:tr h="441116">
+                <a:tc>
+                  <a:txBody>
+                    <a:bodyPr/>
+                    <a:lstStyle/>
+                    <a:p>
+                      <a:r>
+                        <a:rPr lang="en-US" sz="2800" dirty="0" smtClean="0"/>
+                        <a:t>5</a:t>
+                      </a:r>
+                      <a:endParaRPr lang="en-US" sz="2800" dirty="0"/>
+                    </a:p>
+                  </a:txBody>
+                  <a:tcPr/>
+                </a:tc>
+                <a:tc>
+                  <a:txBody>
+                    <a:bodyPr/>
+                    <a:lstStyle/>
+                    <a:p>
+                      <a:r>
+                        <a:rPr lang="en-US" sz="2800" dirty="0" smtClean="0"/>
+                        <a:t>3</a:t>
+                      </a:r>
+                      <a:endParaRPr lang="en-US" sz="2800" dirty="0"/>
+                    </a:p>
+                  </a:txBody>
+                  <a:tcPr/>
+                </a:tc>
+                <a:tc>
+                  <a:txBody>
+                    <a:bodyPr/>
+                    <a:lstStyle/>
+                    <a:p>
+                      <a:r>
+                        <a:rPr lang="en-US" sz="2800" dirty="0" smtClean="0"/>
+                        <a:t>0</a:t>
+                      </a:r>
+                      <a:endParaRPr lang="en-US" sz="2800" dirty="0"/>
+                    </a:p>
+                  </a:txBody>
+                  <a:tcPr/>
+                </a:tc>
+                <a:extLst>
+                  <a:ext uri="{0D108BD9-81ED-4DB2-BD59-A6C34878D82A}">
+                    <a16:rowId xmlns:a16="http://schemas.microsoft.com/office/drawing/2014/main" val="551676888"/>
+                  </a:ext>
+                </a:extLst>
+              </a:tr>
+            </a:tbl>
+          </a:graphicData>
+        </a:graphic>
+      </p:graphicFrame>
     </p:spTree>
     <p:extLst>
       <p:ext uri="{BB962C8B-B14F-4D97-AF65-F5344CB8AC3E}">
-        <p14:creationId xmlns:p14="http://schemas.microsoft.com/office/powerpoint/2010/main" val="612520629"/>
+        <p14:creationId xmlns:p14="http://schemas.microsoft.com/office/powerpoint/2010/main" val="3287234342"/>
       </p:ext>
     </p:extLst>
   </p:cSld>
@@ -4264,13 +4958,17 @@
             </a:r>
             <a:r>
               <a:rPr lang="en-US" dirty="0" smtClean="0"/>
-              <a:t>), I might just ignore it</a:t>
-            </a:r>
-            <a:r>
-              <a:rPr lang="mr-IN" dirty="0" smtClean="0"/>
+              <a:t>), </a:t>
+            </a:r>
+            <a:r>
+              <a:rPr lang="en-US" i="1" dirty="0" smtClean="0"/>
+              <a:t>I might just ignore it</a:t>
+            </a:r>
+            <a:r>
+              <a:rPr lang="mr-IN" i="1" dirty="0" smtClean="0"/>
               <a:t>…</a:t>
             </a:r>
-            <a:endParaRPr lang="en-US" dirty="0" smtClean="0"/>
+            <a:endParaRPr lang="en-US" i="1" dirty="0" smtClean="0"/>
           </a:p>
         </p:txBody>
       </p:sp>
@@ -4310,12 +5008,23 @@
             <p:ph type="title"/>
           </p:nvPr>
         </p:nvSpPr>
-        <p:spPr/>
+        <p:spPr>
+          <a:xfrm>
+            <a:off x="952500" y="444500"/>
+            <a:ext cx="11099800" cy="903533"/>
+          </a:xfrm>
+        </p:spPr>
         <p:txBody>
-          <a:bodyPr/>
+          <a:bodyPr>
+            <a:normAutofit fontScale="90000"/>
+          </a:bodyPr>
           <a:lstStyle/>
           <a:p>
-            <a:endParaRPr lang="en-US"/>
+            <a:r>
+              <a:rPr lang="en-US" dirty="0" smtClean="0"/>
+              <a:t>Lists</a:t>
+            </a:r>
+            <a:endParaRPr lang="en-US" dirty="0"/>
           </a:p>
         </p:txBody>
       </p:sp>
@@ -4329,19 +5038,718 @@
             <p:ph type="body" idx="1"/>
           </p:nvPr>
         </p:nvSpPr>
-        <p:spPr/>
+        <p:spPr>
+          <a:xfrm>
+            <a:off x="480767" y="4647415"/>
+            <a:ext cx="12311406" cy="4835950"/>
+          </a:xfrm>
+        </p:spPr>
         <p:txBody>
-          <a:bodyPr/>
+          <a:bodyPr>
+            <a:normAutofit fontScale="92500"/>
+          </a:bodyPr>
           <a:lstStyle/>
           <a:p>
-            <a:endParaRPr lang="en-US"/>
+            <a:pPr>
+              <a:spcBef>
+                <a:spcPts val="2400"/>
+              </a:spcBef>
+            </a:pPr>
+            <a:r>
+              <a:rPr lang="en-US" dirty="0" smtClean="0"/>
+              <a:t>A </a:t>
+            </a:r>
+            <a:r>
+              <a:rPr lang="en-US" i="1" dirty="0" smtClean="0"/>
+              <a:t>node</a:t>
+            </a:r>
+            <a:r>
+              <a:rPr lang="en-US" dirty="0" smtClean="0"/>
+              <a:t> for each element (they are objects)</a:t>
+            </a:r>
+          </a:p>
+          <a:p>
+            <a:pPr>
+              <a:spcBef>
+                <a:spcPts val="2400"/>
+              </a:spcBef>
+            </a:pPr>
+            <a:r>
+              <a:rPr lang="en-US" i="1" dirty="0" smtClean="0"/>
+              <a:t>Links</a:t>
+            </a:r>
+            <a:r>
+              <a:rPr lang="en-US" dirty="0" smtClean="0"/>
+              <a:t> from node to node (</a:t>
+            </a:r>
+            <a:r>
+              <a:rPr lang="en-US" dirty="0" err="1" smtClean="0"/>
+              <a:t>eg</a:t>
+            </a:r>
+            <a:r>
+              <a:rPr lang="en-US" dirty="0" smtClean="0"/>
+              <a:t>, in a </a:t>
+            </a:r>
+            <a:r>
+              <a:rPr lang="en-US" i="1" dirty="0" smtClean="0"/>
+              <a:t>next</a:t>
+            </a:r>
+            <a:r>
+              <a:rPr lang="en-US" dirty="0" smtClean="0"/>
+              <a:t> field)</a:t>
+            </a:r>
+          </a:p>
+          <a:p>
+            <a:pPr>
+              <a:spcBef>
+                <a:spcPts val="2400"/>
+              </a:spcBef>
+            </a:pPr>
+            <a:r>
+              <a:rPr lang="en-US" dirty="0" smtClean="0"/>
+              <a:t>Dynamic, not fixed size</a:t>
+            </a:r>
+          </a:p>
+          <a:p>
+            <a:pPr>
+              <a:spcBef>
+                <a:spcPts val="2400"/>
+              </a:spcBef>
+            </a:pPr>
+            <a:r>
+              <a:rPr lang="en-US" dirty="0" smtClean="0"/>
+              <a:t>Accessing elements more difficult, as need to traverse the links</a:t>
+            </a:r>
+          </a:p>
+          <a:p>
+            <a:pPr>
+              <a:spcBef>
+                <a:spcPts val="2400"/>
+              </a:spcBef>
+            </a:pPr>
+            <a:r>
+              <a:rPr lang="en-US" dirty="0" smtClean="0"/>
+              <a:t>Going into more details on </a:t>
+            </a:r>
+            <a:r>
+              <a:rPr lang="en-US" i="1" dirty="0" smtClean="0"/>
+              <a:t>links</a:t>
+            </a:r>
+            <a:r>
+              <a:rPr lang="en-US" dirty="0" smtClean="0"/>
+              <a:t> and </a:t>
+            </a:r>
+            <a:r>
+              <a:rPr lang="en-US" i="1" dirty="0" smtClean="0"/>
+              <a:t>memory</a:t>
+            </a:r>
+            <a:r>
+              <a:rPr lang="en-US" dirty="0" smtClean="0"/>
+              <a:t> in the </a:t>
+            </a:r>
+            <a:r>
+              <a:rPr lang="en-US" i="1" dirty="0" smtClean="0"/>
+              <a:t>next class</a:t>
+            </a:r>
+          </a:p>
+          <a:p>
+            <a:pPr lvl="1">
+              <a:spcBef>
+                <a:spcPts val="2400"/>
+              </a:spcBef>
+            </a:pPr>
+            <a:r>
+              <a:rPr lang="en-US" dirty="0"/>
+              <a:t>r</a:t>
+            </a:r>
+            <a:r>
+              <a:rPr lang="en-US" dirty="0" smtClean="0"/>
+              <a:t>eason is that you first need to learn about Stacks</a:t>
+            </a:r>
+            <a:endParaRPr lang="en-US" dirty="0"/>
+          </a:p>
+        </p:txBody>
+      </p:sp>
+      <p:graphicFrame>
+        <p:nvGraphicFramePr>
+          <p:cNvPr id="4" name="Table 3"/>
+          <p:cNvGraphicFramePr>
+            <a:graphicFrameLocks noGrp="1"/>
+          </p:cNvGraphicFramePr>
+          <p:nvPr>
+            <p:extLst>
+              <p:ext uri="{D42A27DB-BD31-4B8C-83A1-F6EECF244321}">
+                <p14:modId xmlns:p14="http://schemas.microsoft.com/office/powerpoint/2010/main" val="56753559"/>
+              </p:ext>
+            </p:extLst>
+          </p:nvPr>
+        </p:nvGraphicFramePr>
+        <p:xfrm>
+          <a:off x="4578547" y="1883929"/>
+          <a:ext cx="1329878" cy="1158804"/>
+        </p:xfrm>
+        <a:graphic>
+          <a:graphicData uri="http://schemas.openxmlformats.org/drawingml/2006/table">
+            <a:tbl>
+              <a:tblPr firstRow="1" bandRow="1">
+                <a:tableStyleId>{69C7853C-536D-4A76-A0AE-DD22124D55A5}</a:tableStyleId>
+              </a:tblPr>
+              <a:tblGrid>
+                <a:gridCol w="1329878">
+                  <a:extLst>
+                    <a:ext uri="{9D8B030D-6E8A-4147-A177-3AD203B41FA5}">
+                      <a16:colId xmlns:a16="http://schemas.microsoft.com/office/drawing/2014/main" val="767351376"/>
+                    </a:ext>
+                  </a:extLst>
+                </a:gridCol>
+              </a:tblGrid>
+              <a:tr h="579402">
+                <a:tc>
+                  <a:txBody>
+                    <a:bodyPr/>
+                    <a:lstStyle/>
+                    <a:p>
+                      <a:r>
+                        <a:rPr lang="en-US" sz="2800" dirty="0" smtClean="0"/>
+                        <a:t>5</a:t>
+                      </a:r>
+                      <a:endParaRPr lang="en-US" sz="2800" dirty="0"/>
+                    </a:p>
+                  </a:txBody>
+                  <a:tcPr/>
+                </a:tc>
+                <a:extLst>
+                  <a:ext uri="{0D108BD9-81ED-4DB2-BD59-A6C34878D82A}">
+                    <a16:rowId xmlns:a16="http://schemas.microsoft.com/office/drawing/2014/main" val="1024604319"/>
+                  </a:ext>
+                </a:extLst>
+              </a:tr>
+              <a:tr h="579402">
+                <a:tc>
+                  <a:txBody>
+                    <a:bodyPr/>
+                    <a:lstStyle/>
+                    <a:p>
+                      <a:r>
+                        <a:rPr lang="en-US" sz="2800" dirty="0" smtClean="0"/>
+                        <a:t>next</a:t>
+                      </a:r>
+                      <a:endParaRPr lang="en-US" sz="2800" dirty="0"/>
+                    </a:p>
+                  </a:txBody>
+                  <a:tcPr/>
+                </a:tc>
+                <a:extLst>
+                  <a:ext uri="{0D108BD9-81ED-4DB2-BD59-A6C34878D82A}">
+                    <a16:rowId xmlns:a16="http://schemas.microsoft.com/office/drawing/2014/main" val="2830223076"/>
+                  </a:ext>
+                </a:extLst>
+              </a:tr>
+            </a:tbl>
+          </a:graphicData>
+        </a:graphic>
+      </p:graphicFrame>
+      <p:graphicFrame>
+        <p:nvGraphicFramePr>
+          <p:cNvPr id="5" name="Table 4"/>
+          <p:cNvGraphicFramePr>
+            <a:graphicFrameLocks noGrp="1"/>
+          </p:cNvGraphicFramePr>
+          <p:nvPr>
+            <p:extLst>
+              <p:ext uri="{D42A27DB-BD31-4B8C-83A1-F6EECF244321}">
+                <p14:modId xmlns:p14="http://schemas.microsoft.com/office/powerpoint/2010/main" val="3937901867"/>
+              </p:ext>
+            </p:extLst>
+          </p:nvPr>
+        </p:nvGraphicFramePr>
+        <p:xfrm>
+          <a:off x="7551743" y="1883237"/>
+          <a:ext cx="1329878" cy="1158804"/>
+        </p:xfrm>
+        <a:graphic>
+          <a:graphicData uri="http://schemas.openxmlformats.org/drawingml/2006/table">
+            <a:tbl>
+              <a:tblPr firstRow="1" bandRow="1">
+                <a:tableStyleId>{69C7853C-536D-4A76-A0AE-DD22124D55A5}</a:tableStyleId>
+              </a:tblPr>
+              <a:tblGrid>
+                <a:gridCol w="1329878">
+                  <a:extLst>
+                    <a:ext uri="{9D8B030D-6E8A-4147-A177-3AD203B41FA5}">
+                      <a16:colId xmlns:a16="http://schemas.microsoft.com/office/drawing/2014/main" val="767351376"/>
+                    </a:ext>
+                  </a:extLst>
+                </a:gridCol>
+              </a:tblGrid>
+              <a:tr h="579402">
+                <a:tc>
+                  <a:txBody>
+                    <a:bodyPr/>
+                    <a:lstStyle/>
+                    <a:p>
+                      <a:r>
+                        <a:rPr lang="en-US" sz="2800" dirty="0" smtClean="0"/>
+                        <a:t>2</a:t>
+                      </a:r>
+                      <a:endParaRPr lang="en-US" sz="2800" dirty="0"/>
+                    </a:p>
+                  </a:txBody>
+                  <a:tcPr/>
+                </a:tc>
+                <a:extLst>
+                  <a:ext uri="{0D108BD9-81ED-4DB2-BD59-A6C34878D82A}">
+                    <a16:rowId xmlns:a16="http://schemas.microsoft.com/office/drawing/2014/main" val="1024604319"/>
+                  </a:ext>
+                </a:extLst>
+              </a:tr>
+              <a:tr h="579402">
+                <a:tc>
+                  <a:txBody>
+                    <a:bodyPr/>
+                    <a:lstStyle/>
+                    <a:p>
+                      <a:r>
+                        <a:rPr lang="en-US" sz="2800" dirty="0" smtClean="0"/>
+                        <a:t>next</a:t>
+                      </a:r>
+                      <a:endParaRPr lang="en-US" sz="2800" dirty="0"/>
+                    </a:p>
+                  </a:txBody>
+                  <a:tcPr/>
+                </a:tc>
+                <a:extLst>
+                  <a:ext uri="{0D108BD9-81ED-4DB2-BD59-A6C34878D82A}">
+                    <a16:rowId xmlns:a16="http://schemas.microsoft.com/office/drawing/2014/main" val="2830223076"/>
+                  </a:ext>
+                </a:extLst>
+              </a:tr>
+            </a:tbl>
+          </a:graphicData>
+        </a:graphic>
+      </p:graphicFrame>
+      <p:graphicFrame>
+        <p:nvGraphicFramePr>
+          <p:cNvPr id="6" name="Table 5"/>
+          <p:cNvGraphicFramePr>
+            <a:graphicFrameLocks noGrp="1"/>
+          </p:cNvGraphicFramePr>
+          <p:nvPr>
+            <p:extLst>
+              <p:ext uri="{D42A27DB-BD31-4B8C-83A1-F6EECF244321}">
+                <p14:modId xmlns:p14="http://schemas.microsoft.com/office/powerpoint/2010/main" val="1476169900"/>
+              </p:ext>
+            </p:extLst>
+          </p:nvPr>
+        </p:nvGraphicFramePr>
+        <p:xfrm>
+          <a:off x="1605352" y="1883237"/>
+          <a:ext cx="1329878" cy="1158804"/>
+        </p:xfrm>
+        <a:graphic>
+          <a:graphicData uri="http://schemas.openxmlformats.org/drawingml/2006/table">
+            <a:tbl>
+              <a:tblPr firstRow="1" bandRow="1">
+                <a:tableStyleId>{69C7853C-536D-4A76-A0AE-DD22124D55A5}</a:tableStyleId>
+              </a:tblPr>
+              <a:tblGrid>
+                <a:gridCol w="1329878">
+                  <a:extLst>
+                    <a:ext uri="{9D8B030D-6E8A-4147-A177-3AD203B41FA5}">
+                      <a16:colId xmlns:a16="http://schemas.microsoft.com/office/drawing/2014/main" val="767351376"/>
+                    </a:ext>
+                  </a:extLst>
+                </a:gridCol>
+              </a:tblGrid>
+              <a:tr h="579402">
+                <a:tc>
+                  <a:txBody>
+                    <a:bodyPr/>
+                    <a:lstStyle/>
+                    <a:p>
+                      <a:r>
+                        <a:rPr lang="en-US" sz="2800" dirty="0" smtClean="0"/>
+                        <a:t>List</a:t>
+                      </a:r>
+                      <a:endParaRPr lang="en-US" sz="2800" dirty="0"/>
+                    </a:p>
+                  </a:txBody>
+                  <a:tcPr/>
+                </a:tc>
+                <a:extLst>
+                  <a:ext uri="{0D108BD9-81ED-4DB2-BD59-A6C34878D82A}">
+                    <a16:rowId xmlns:a16="http://schemas.microsoft.com/office/drawing/2014/main" val="1024604319"/>
+                  </a:ext>
+                </a:extLst>
+              </a:tr>
+              <a:tr h="579402">
+                <a:tc>
+                  <a:txBody>
+                    <a:bodyPr/>
+                    <a:lstStyle/>
+                    <a:p>
+                      <a:r>
+                        <a:rPr lang="en-US" sz="2800" dirty="0" smtClean="0"/>
+                        <a:t>head</a:t>
+                      </a:r>
+                      <a:endParaRPr lang="en-US" sz="2800" dirty="0"/>
+                    </a:p>
+                  </a:txBody>
+                  <a:tcPr/>
+                </a:tc>
+                <a:extLst>
+                  <a:ext uri="{0D108BD9-81ED-4DB2-BD59-A6C34878D82A}">
+                    <a16:rowId xmlns:a16="http://schemas.microsoft.com/office/drawing/2014/main" val="2830223076"/>
+                  </a:ext>
+                </a:extLst>
+              </a:tr>
+            </a:tbl>
+          </a:graphicData>
+        </a:graphic>
+      </p:graphicFrame>
+      <p:sp>
+        <p:nvSpPr>
+          <p:cNvPr id="7" name="Curved Up Arrow 6"/>
+          <p:cNvSpPr/>
+          <p:nvPr/>
+        </p:nvSpPr>
+        <p:spPr>
+          <a:xfrm>
+            <a:off x="2196445" y="3305993"/>
+            <a:ext cx="2790334" cy="1146299"/>
+          </a:xfrm>
+          <a:prstGeom prst="curvedUpArrow">
+            <a:avLst/>
+          </a:prstGeom>
+          <a:blipFill rotWithShape="1">
+            <a:blip r:embed="rId2"/>
+            <a:srcRect/>
+            <a:tile tx="0" ty="0" sx="100000" sy="100000" flip="none" algn="tl"/>
+          </a:blipFill>
+          <a:ln w="12700" cap="flat">
+            <a:noFill/>
+            <a:miter lim="400000"/>
+          </a:ln>
+          <a:effectLst>
+            <a:outerShdw blurRad="38100" dist="25400" dir="5400000" rotWithShape="0">
+              <a:srgbClr val="000000">
+                <a:alpha val="50000"/>
+              </a:srgbClr>
+            </a:outerShdw>
+          </a:effectLst>
+          <a:sp3d/>
+        </p:spPr>
+        <p:style>
+          <a:lnRef idx="0">
+            <a:scrgbClr r="0" g="0" b="0"/>
+          </a:lnRef>
+          <a:fillRef idx="0">
+            <a:scrgbClr r="0" g="0" b="0"/>
+          </a:fillRef>
+          <a:effectRef idx="0">
+            <a:scrgbClr r="0" g="0" b="0"/>
+          </a:effectRef>
+          <a:fontRef idx="none"/>
+        </p:style>
+        <p:txBody>
+          <a:bodyPr rot="0" spcFirstLastPara="1" vertOverflow="overflow" horzOverflow="overflow" vert="horz" wrap="square" lIns="50800" tIns="50800" rIns="50800" bIns="50800" numCol="1" spcCol="38100" rtlCol="0" anchor="ctr">
+            <a:spAutoFit/>
+          </a:bodyPr>
+          <a:lstStyle/>
+          <a:p>
+            <a:pPr marL="0" marR="0" indent="0" algn="ctr" defTabSz="584200" rtl="0" fontAlgn="auto" latinLnBrk="0" hangingPunct="0">
+              <a:lnSpc>
+                <a:spcPct val="100000"/>
+              </a:lnSpc>
+              <a:spcBef>
+                <a:spcPts val="0"/>
+              </a:spcBef>
+              <a:spcAft>
+                <a:spcPts val="0"/>
+              </a:spcAft>
+              <a:buClrTx/>
+              <a:buSzTx/>
+              <a:buFontTx/>
+              <a:buNone/>
+              <a:tabLst/>
+            </a:pPr>
+            <a:endParaRPr kumimoji="0" lang="en-US" sz="2400" b="0" i="0" u="none" strike="noStrike" cap="none" spc="0" normalizeH="0" baseline="0">
+              <a:ln>
+                <a:noFill/>
+              </a:ln>
+              <a:solidFill>
+                <a:srgbClr val="FFFFFF"/>
+              </a:solidFill>
+              <a:effectLst/>
+              <a:uFillTx/>
+              <a:latin typeface="+mn-lt"/>
+              <a:ea typeface="+mn-ea"/>
+              <a:cs typeface="+mn-cs"/>
+              <a:sym typeface="Helvetica Light"/>
+            </a:endParaRPr>
+          </a:p>
+        </p:txBody>
+      </p:sp>
+      <p:sp>
+        <p:nvSpPr>
+          <p:cNvPr id="8" name="Curved Up Arrow 7"/>
+          <p:cNvSpPr/>
+          <p:nvPr/>
+        </p:nvSpPr>
+        <p:spPr>
+          <a:xfrm>
+            <a:off x="5648226" y="3305993"/>
+            <a:ext cx="2790334" cy="1146299"/>
+          </a:xfrm>
+          <a:prstGeom prst="curvedUpArrow">
+            <a:avLst/>
+          </a:prstGeom>
+          <a:blipFill rotWithShape="1">
+            <a:blip r:embed="rId2"/>
+            <a:srcRect/>
+            <a:tile tx="0" ty="0" sx="100000" sy="100000" flip="none" algn="tl"/>
+          </a:blipFill>
+          <a:ln w="12700" cap="flat">
+            <a:noFill/>
+            <a:miter lim="400000"/>
+          </a:ln>
+          <a:effectLst>
+            <a:outerShdw blurRad="38100" dist="25400" dir="5400000" rotWithShape="0">
+              <a:srgbClr val="000000">
+                <a:alpha val="50000"/>
+              </a:srgbClr>
+            </a:outerShdw>
+          </a:effectLst>
+          <a:sp3d/>
+        </p:spPr>
+        <p:style>
+          <a:lnRef idx="0">
+            <a:scrgbClr r="0" g="0" b="0"/>
+          </a:lnRef>
+          <a:fillRef idx="0">
+            <a:scrgbClr r="0" g="0" b="0"/>
+          </a:fillRef>
+          <a:effectRef idx="0">
+            <a:scrgbClr r="0" g="0" b="0"/>
+          </a:effectRef>
+          <a:fontRef idx="none"/>
+        </p:style>
+        <p:txBody>
+          <a:bodyPr rot="0" spcFirstLastPara="1" vertOverflow="overflow" horzOverflow="overflow" vert="horz" wrap="square" lIns="50800" tIns="50800" rIns="50800" bIns="50800" numCol="1" spcCol="38100" rtlCol="0" anchor="ctr">
+            <a:spAutoFit/>
+          </a:bodyPr>
+          <a:lstStyle/>
+          <a:p>
+            <a:pPr marL="0" marR="0" indent="0" algn="ctr" defTabSz="584200" rtl="0" fontAlgn="auto" latinLnBrk="0" hangingPunct="0">
+              <a:lnSpc>
+                <a:spcPct val="100000"/>
+              </a:lnSpc>
+              <a:spcBef>
+                <a:spcPts val="0"/>
+              </a:spcBef>
+              <a:spcAft>
+                <a:spcPts val="0"/>
+              </a:spcAft>
+              <a:buClrTx/>
+              <a:buSzTx/>
+              <a:buFontTx/>
+              <a:buNone/>
+              <a:tabLst/>
+            </a:pPr>
+            <a:endParaRPr kumimoji="0" lang="en-US" sz="2400" b="0" i="0" u="none" strike="noStrike" cap="none" spc="0" normalizeH="0" baseline="0">
+              <a:ln>
+                <a:noFill/>
+              </a:ln>
+              <a:solidFill>
+                <a:srgbClr val="FFFFFF"/>
+              </a:solidFill>
+              <a:effectLst/>
+              <a:uFillTx/>
+              <a:latin typeface="+mn-lt"/>
+              <a:ea typeface="+mn-ea"/>
+              <a:cs typeface="+mn-cs"/>
+              <a:sym typeface="Helvetica Light"/>
+            </a:endParaRPr>
+          </a:p>
+        </p:txBody>
+      </p:sp>
+      <p:sp>
+        <p:nvSpPr>
+          <p:cNvPr id="9" name="Down Arrow 8"/>
+          <p:cNvSpPr/>
+          <p:nvPr/>
+        </p:nvSpPr>
+        <p:spPr>
+          <a:xfrm rot="16200000">
+            <a:off x="9464511" y="2273826"/>
+            <a:ext cx="484632" cy="978408"/>
+          </a:xfrm>
+          <a:prstGeom prst="downArrow">
+            <a:avLst/>
+          </a:prstGeom>
+          <a:blipFill rotWithShape="1">
+            <a:blip r:embed="rId2"/>
+            <a:srcRect/>
+            <a:tile tx="0" ty="0" sx="100000" sy="100000" flip="none" algn="tl"/>
+          </a:blipFill>
+          <a:ln w="12700" cap="flat">
+            <a:noFill/>
+            <a:miter lim="400000"/>
+          </a:ln>
+          <a:effectLst>
+            <a:outerShdw blurRad="38100" dist="25400" dir="5400000" rotWithShape="0">
+              <a:srgbClr val="000000">
+                <a:alpha val="50000"/>
+              </a:srgbClr>
+            </a:outerShdw>
+          </a:effectLst>
+          <a:sp3d/>
+        </p:spPr>
+        <p:style>
+          <a:lnRef idx="0">
+            <a:scrgbClr r="0" g="0" b="0"/>
+          </a:lnRef>
+          <a:fillRef idx="0">
+            <a:scrgbClr r="0" g="0" b="0"/>
+          </a:fillRef>
+          <a:effectRef idx="0">
+            <a:scrgbClr r="0" g="0" b="0"/>
+          </a:effectRef>
+          <a:fontRef idx="none"/>
+        </p:style>
+        <p:txBody>
+          <a:bodyPr rot="0" spcFirstLastPara="1" vertOverflow="overflow" horzOverflow="overflow" vert="horz" wrap="square" lIns="50800" tIns="50800" rIns="50800" bIns="50800" numCol="1" spcCol="38100" rtlCol="0" anchor="ctr">
+            <a:spAutoFit/>
+          </a:bodyPr>
+          <a:lstStyle/>
+          <a:p>
+            <a:pPr marL="0" marR="0" indent="0" algn="ctr" defTabSz="584200" rtl="0" fontAlgn="auto" latinLnBrk="0" hangingPunct="0">
+              <a:lnSpc>
+                <a:spcPct val="100000"/>
+              </a:lnSpc>
+              <a:spcBef>
+                <a:spcPts val="0"/>
+              </a:spcBef>
+              <a:spcAft>
+                <a:spcPts val="0"/>
+              </a:spcAft>
+              <a:buClrTx/>
+              <a:buSzTx/>
+              <a:buFontTx/>
+              <a:buNone/>
+              <a:tabLst/>
+            </a:pPr>
+            <a:endParaRPr kumimoji="0" lang="en-US" sz="2400" b="0" i="0" u="none" strike="noStrike" cap="none" spc="0" normalizeH="0" baseline="0">
+              <a:ln>
+                <a:noFill/>
+              </a:ln>
+              <a:solidFill>
+                <a:srgbClr val="FFFFFF"/>
+              </a:solidFill>
+              <a:effectLst/>
+              <a:uFillTx/>
+              <a:latin typeface="+mn-lt"/>
+              <a:ea typeface="+mn-ea"/>
+              <a:cs typeface="+mn-cs"/>
+              <a:sym typeface="Helvetica Light"/>
+            </a:endParaRPr>
+          </a:p>
+        </p:txBody>
+      </p:sp>
+      <p:sp>
+        <p:nvSpPr>
+          <p:cNvPr id="10" name="TextBox 9"/>
+          <p:cNvSpPr txBox="1"/>
+          <p:nvPr/>
+        </p:nvSpPr>
+        <p:spPr>
+          <a:xfrm>
+            <a:off x="10421154" y="2434735"/>
+            <a:ext cx="1282403" cy="656590"/>
+          </a:xfrm>
+          <a:prstGeom prst="rect">
+            <a:avLst/>
+          </a:prstGeom>
+          <a:noFill/>
+          <a:ln w="12700" cap="flat">
+            <a:noFill/>
+            <a:miter lim="400000"/>
+          </a:ln>
+          <a:effectLst/>
+          <a:sp3d/>
+        </p:spPr>
+        <p:style>
+          <a:lnRef idx="0">
+            <a:scrgbClr r="0" g="0" b="0"/>
+          </a:lnRef>
+          <a:fillRef idx="0">
+            <a:scrgbClr r="0" g="0" b="0"/>
+          </a:fillRef>
+          <a:effectRef idx="0">
+            <a:scrgbClr r="0" g="0" b="0"/>
+          </a:effectRef>
+          <a:fontRef idx="none"/>
+        </p:style>
+        <p:txBody>
+          <a:bodyPr rot="0" spcFirstLastPara="1" vertOverflow="overflow" horzOverflow="overflow" vert="horz" wrap="none" lIns="50800" tIns="50800" rIns="50800" bIns="50800" numCol="1" spcCol="38100" rtlCol="0" anchor="ctr">
+            <a:spAutoFit/>
+          </a:bodyPr>
+          <a:lstStyle/>
+          <a:p>
+            <a:pPr marL="0" marR="0" indent="0" algn="ctr" defTabSz="584200" rtl="0" fontAlgn="auto" latinLnBrk="0" hangingPunct="0">
+              <a:lnSpc>
+                <a:spcPct val="100000"/>
+              </a:lnSpc>
+              <a:spcBef>
+                <a:spcPts val="0"/>
+              </a:spcBef>
+              <a:spcAft>
+                <a:spcPts val="0"/>
+              </a:spcAft>
+              <a:buClrTx/>
+              <a:buSzTx/>
+              <a:buFontTx/>
+              <a:buNone/>
+              <a:tabLst/>
+            </a:pPr>
+            <a:r>
+              <a:rPr kumimoji="0" lang="en-US" sz="3600" b="0" i="0" u="none" strike="noStrike" cap="none" spc="0" normalizeH="0" baseline="0" dirty="0" smtClean="0">
+                <a:ln>
+                  <a:noFill/>
+                </a:ln>
+                <a:solidFill>
+                  <a:srgbClr val="000000"/>
+                </a:solidFill>
+                <a:effectLst/>
+                <a:uFillTx/>
+                <a:latin typeface="+mn-lt"/>
+                <a:ea typeface="+mn-ea"/>
+                <a:cs typeface="+mn-cs"/>
+                <a:sym typeface="Helvetica Light"/>
+              </a:rPr>
+              <a:t>NULL</a:t>
+            </a:r>
+            <a:endParaRPr kumimoji="0" lang="en-US" sz="3600" b="0" i="0" u="none" strike="noStrike" cap="none" spc="0" normalizeH="0" baseline="0" dirty="0">
+              <a:ln>
+                <a:noFill/>
+              </a:ln>
+              <a:solidFill>
+                <a:srgbClr val="000000"/>
+              </a:solidFill>
+              <a:effectLst/>
+              <a:uFillTx/>
+              <a:latin typeface="+mn-lt"/>
+              <a:ea typeface="+mn-ea"/>
+              <a:cs typeface="+mn-cs"/>
+              <a:sym typeface="Helvetica Light"/>
+            </a:endParaRPr>
           </a:p>
         </p:txBody>
       </p:sp>
     </p:spTree>
     <p:extLst>
       <p:ext uri="{BB962C8B-B14F-4D97-AF65-F5344CB8AC3E}">
-        <p14:creationId xmlns:p14="http://schemas.microsoft.com/office/powerpoint/2010/main" val="919392695"/>
+        <p14:creationId xmlns:p14="http://schemas.microsoft.com/office/powerpoint/2010/main" val="3557617973"/>
       </p:ext>
     </p:extLst>
   </p:cSld>
@@ -4386,7 +5794,1061 @@
           <a:p>
             <a:r>
               <a:rPr lang="en-US" dirty="0" smtClean="0"/>
-              <a:t>For Next Week</a:t>
+              <a:t>Unit Testing</a:t>
+            </a:r>
+            <a:endParaRPr lang="en-US" dirty="0"/>
+          </a:p>
+        </p:txBody>
+      </p:sp>
+    </p:spTree>
+    <p:extLst>
+      <p:ext uri="{BB962C8B-B14F-4D97-AF65-F5344CB8AC3E}">
+        <p14:creationId xmlns:p14="http://schemas.microsoft.com/office/powerpoint/2010/main" val="612520629"/>
+      </p:ext>
+    </p:extLst>
+  </p:cSld>
+  <p:clrMapOvr>
+    <a:masterClrMapping/>
+  </p:clrMapOvr>
+  <p:transition spd="med"/>
+</p:sld>
+</file>
+
+<file path=ppt/slides/slide22.xml><?xml version="1.0" encoding="utf-8"?>
+<p:sld xmlns:a="http://schemas.openxmlformats.org/drawingml/2006/main" xmlns:r="http://schemas.openxmlformats.org/officeDocument/2006/relationships" xmlns:p="http://schemas.openxmlformats.org/presentationml/2006/main">
+  <p:cSld>
+    <p:spTree>
+      <p:nvGrpSpPr>
+        <p:cNvPr id="1" name=""/>
+        <p:cNvGrpSpPr/>
+        <p:nvPr/>
+      </p:nvGrpSpPr>
+      <p:grpSpPr>
+        <a:xfrm>
+          <a:off x="0" y="0"/>
+          <a:ext cx="0" cy="0"/>
+          <a:chOff x="0" y="0"/>
+          <a:chExt cx="0" cy="0"/>
+        </a:xfrm>
+      </p:grpSpPr>
+      <p:sp>
+        <p:nvSpPr>
+          <p:cNvPr id="2" name="Title 1"/>
+          <p:cNvSpPr>
+            <a:spLocks noGrp="1"/>
+          </p:cNvSpPr>
+          <p:nvPr>
+            <p:ph type="title"/>
+          </p:nvPr>
+        </p:nvSpPr>
+        <p:spPr/>
+        <p:txBody>
+          <a:bodyPr/>
+          <a:lstStyle/>
+          <a:p>
+            <a:r>
+              <a:rPr lang="en-US" dirty="0" smtClean="0"/>
+              <a:t>Bugs</a:t>
+            </a:r>
+            <a:endParaRPr lang="en-US" dirty="0"/>
+          </a:p>
+        </p:txBody>
+      </p:sp>
+      <p:sp>
+        <p:nvSpPr>
+          <p:cNvPr id="3" name="Text Placeholder 2"/>
+          <p:cNvSpPr>
+            <a:spLocks noGrp="1"/>
+          </p:cNvSpPr>
+          <p:nvPr>
+            <p:ph type="body" idx="1"/>
+          </p:nvPr>
+        </p:nvSpPr>
+        <p:spPr>
+          <a:xfrm>
+            <a:off x="461913" y="2603499"/>
+            <a:ext cx="12358541" cy="6861011"/>
+          </a:xfrm>
+        </p:spPr>
+        <p:txBody>
+          <a:bodyPr/>
+          <a:lstStyle/>
+          <a:p>
+            <a:r>
+              <a:rPr lang="en-US" dirty="0" smtClean="0"/>
+              <a:t>Software has bugs, </a:t>
+            </a:r>
+            <a:r>
+              <a:rPr lang="en-US" dirty="0" err="1" smtClean="0"/>
+              <a:t>ie</a:t>
+            </a:r>
+            <a:r>
+              <a:rPr lang="en-US" dirty="0" smtClean="0"/>
+              <a:t>, errors/mistakes</a:t>
+            </a:r>
+          </a:p>
+          <a:p>
+            <a:r>
+              <a:rPr lang="en-US" dirty="0" smtClean="0"/>
+              <a:t>Not just students, but also professional engineers with decades of experiences make mistakes, quite often…</a:t>
+            </a:r>
+          </a:p>
+          <a:p>
+            <a:pPr lvl="1"/>
+            <a:r>
+              <a:rPr lang="en-US" dirty="0" smtClean="0"/>
+              <a:t>not necessarily because they are bad, but just that code nowadays can become very, very complex</a:t>
+            </a:r>
+          </a:p>
+          <a:p>
+            <a:r>
+              <a:rPr lang="en-US" dirty="0" smtClean="0"/>
+              <a:t>You want to check if the code you write is actually doing what it is supposed to do</a:t>
+            </a:r>
+            <a:endParaRPr lang="en-US" dirty="0"/>
+          </a:p>
+        </p:txBody>
+      </p:sp>
+    </p:spTree>
+    <p:extLst>
+      <p:ext uri="{BB962C8B-B14F-4D97-AF65-F5344CB8AC3E}">
+        <p14:creationId xmlns:p14="http://schemas.microsoft.com/office/powerpoint/2010/main" val="919392695"/>
+      </p:ext>
+    </p:extLst>
+  </p:cSld>
+  <p:clrMapOvr>
+    <a:masterClrMapping/>
+  </p:clrMapOvr>
+  <p:transition spd="med"/>
+</p:sld>
+</file>
+
+<file path=ppt/slides/slide23.xml><?xml version="1.0" encoding="utf-8"?>
+<p:sld xmlns:a="http://schemas.openxmlformats.org/drawingml/2006/main" xmlns:r="http://schemas.openxmlformats.org/officeDocument/2006/relationships" xmlns:p="http://schemas.openxmlformats.org/presentationml/2006/main">
+  <p:cSld>
+    <p:spTree>
+      <p:nvGrpSpPr>
+        <p:cNvPr id="1" name=""/>
+        <p:cNvGrpSpPr/>
+        <p:nvPr/>
+      </p:nvGrpSpPr>
+      <p:grpSpPr>
+        <a:xfrm>
+          <a:off x="0" y="0"/>
+          <a:ext cx="0" cy="0"/>
+          <a:chOff x="0" y="0"/>
+          <a:chExt cx="0" cy="0"/>
+        </a:xfrm>
+      </p:grpSpPr>
+      <p:sp>
+        <p:nvSpPr>
+          <p:cNvPr id="2" name="Title 1"/>
+          <p:cNvSpPr>
+            <a:spLocks noGrp="1"/>
+          </p:cNvSpPr>
+          <p:nvPr>
+            <p:ph type="title"/>
+          </p:nvPr>
+        </p:nvSpPr>
+        <p:spPr>
+          <a:xfrm>
+            <a:off x="6730738" y="105942"/>
+            <a:ext cx="4105503" cy="2159000"/>
+          </a:xfrm>
+        </p:spPr>
+        <p:txBody>
+          <a:bodyPr/>
+          <a:lstStyle/>
+          <a:p>
+            <a:r>
+              <a:rPr lang="en-US" dirty="0" smtClean="0"/>
+              <a:t>Testing</a:t>
+            </a:r>
+            <a:endParaRPr lang="en-US" dirty="0"/>
+          </a:p>
+        </p:txBody>
+      </p:sp>
+      <p:sp>
+        <p:nvSpPr>
+          <p:cNvPr id="3" name="Text Placeholder 2"/>
+          <p:cNvSpPr>
+            <a:spLocks noGrp="1"/>
+          </p:cNvSpPr>
+          <p:nvPr>
+            <p:ph type="body" idx="1"/>
+          </p:nvPr>
+        </p:nvSpPr>
+        <p:spPr>
+          <a:xfrm>
+            <a:off x="5354426" y="2603500"/>
+            <a:ext cx="7192650" cy="6718362"/>
+          </a:xfrm>
+        </p:spPr>
+        <p:txBody>
+          <a:bodyPr/>
+          <a:lstStyle/>
+          <a:p>
+            <a:r>
+              <a:rPr lang="en-US" dirty="0" smtClean="0"/>
+              <a:t>Cannot guarantee the code is correct, but can increase your confidence in it</a:t>
+            </a:r>
+          </a:p>
+          <a:p>
+            <a:r>
+              <a:rPr lang="en-US" dirty="0" smtClean="0"/>
+              <a:t>You want the checking of your code to be automated</a:t>
+            </a:r>
+          </a:p>
+          <a:p>
+            <a:r>
+              <a:rPr lang="en-US" dirty="0" smtClean="0"/>
+              <a:t>In each test case, you </a:t>
+            </a:r>
+            <a:r>
+              <a:rPr lang="en-US" b="1" dirty="0" smtClean="0"/>
+              <a:t>verify</a:t>
+            </a:r>
+            <a:r>
+              <a:rPr lang="en-US" dirty="0" smtClean="0"/>
+              <a:t> the </a:t>
+            </a:r>
+            <a:r>
+              <a:rPr lang="en-US" b="1" dirty="0" smtClean="0"/>
+              <a:t>output</a:t>
+            </a:r>
+            <a:r>
+              <a:rPr lang="en-US" dirty="0" smtClean="0"/>
+              <a:t> generated when you run the </a:t>
+            </a:r>
+            <a:r>
+              <a:rPr lang="en-US" b="1" dirty="0" smtClean="0"/>
+              <a:t>code</a:t>
+            </a:r>
+            <a:r>
+              <a:rPr lang="en-US" dirty="0" smtClean="0"/>
+              <a:t> with the </a:t>
+            </a:r>
+            <a:r>
+              <a:rPr lang="en-US" b="1" dirty="0" smtClean="0"/>
+              <a:t>inputs</a:t>
+            </a:r>
+            <a:r>
+              <a:rPr lang="en-US" dirty="0" smtClean="0"/>
+              <a:t> of your choice</a:t>
+            </a:r>
+            <a:endParaRPr lang="en-US" dirty="0"/>
+          </a:p>
+        </p:txBody>
+      </p:sp>
+      <p:sp>
+        <p:nvSpPr>
+          <p:cNvPr id="4" name="Rounded Rectangle 3"/>
+          <p:cNvSpPr/>
+          <p:nvPr/>
+        </p:nvSpPr>
+        <p:spPr>
+          <a:xfrm>
+            <a:off x="1112363" y="925568"/>
+            <a:ext cx="3280528" cy="1339374"/>
+          </a:xfrm>
+          <a:prstGeom prst="roundRect">
+            <a:avLst/>
+          </a:prstGeom>
+          <a:solidFill>
+            <a:schemeClr val="accent6">
+              <a:lumMod val="40000"/>
+              <a:lumOff val="60000"/>
+            </a:schemeClr>
+          </a:solidFill>
+          <a:ln w="12700" cap="flat">
+            <a:noFill/>
+            <a:miter lim="400000"/>
+          </a:ln>
+          <a:effectLst>
+            <a:outerShdw blurRad="38100" dist="25400" dir="5400000" rotWithShape="0">
+              <a:srgbClr val="000000">
+                <a:alpha val="50000"/>
+              </a:srgbClr>
+            </a:outerShdw>
+          </a:effectLst>
+          <a:sp3d/>
+        </p:spPr>
+        <p:style>
+          <a:lnRef idx="0">
+            <a:scrgbClr r="0" g="0" b="0"/>
+          </a:lnRef>
+          <a:fillRef idx="0">
+            <a:scrgbClr r="0" g="0" b="0"/>
+          </a:fillRef>
+          <a:effectRef idx="0">
+            <a:scrgbClr r="0" g="0" b="0"/>
+          </a:effectRef>
+          <a:fontRef idx="none"/>
+        </p:style>
+        <p:txBody>
+          <a:bodyPr rot="0" spcFirstLastPara="1" vertOverflow="overflow" horzOverflow="overflow" vert="horz" wrap="square" lIns="50800" tIns="50800" rIns="50800" bIns="50800" numCol="1" spcCol="38100" rtlCol="0" anchor="ctr">
+            <a:spAutoFit/>
+          </a:bodyPr>
+          <a:lstStyle/>
+          <a:p>
+            <a:pPr marL="0" marR="0" indent="0" algn="ctr" defTabSz="584200" rtl="0" fontAlgn="auto" latinLnBrk="0" hangingPunct="0">
+              <a:lnSpc>
+                <a:spcPct val="100000"/>
+              </a:lnSpc>
+              <a:spcBef>
+                <a:spcPts val="0"/>
+              </a:spcBef>
+              <a:spcAft>
+                <a:spcPts val="0"/>
+              </a:spcAft>
+              <a:buClrTx/>
+              <a:buSzTx/>
+              <a:buFontTx/>
+              <a:buNone/>
+              <a:tabLst/>
+            </a:pPr>
+            <a:r>
+              <a:rPr lang="en-US" dirty="0" smtClean="0"/>
+              <a:t>Inputs of your choice</a:t>
+            </a:r>
+            <a:endParaRPr kumimoji="0" lang="en-US" sz="2800" b="0" i="0" u="none" strike="noStrike" cap="none" spc="0" normalizeH="0" baseline="0" dirty="0">
+              <a:ln>
+                <a:noFill/>
+              </a:ln>
+              <a:solidFill>
+                <a:srgbClr val="FFFFFF"/>
+              </a:solidFill>
+              <a:effectLst/>
+              <a:uFillTx/>
+              <a:latin typeface="+mn-lt"/>
+              <a:ea typeface="+mn-ea"/>
+              <a:cs typeface="+mn-cs"/>
+              <a:sym typeface="Helvetica Light"/>
+            </a:endParaRPr>
+          </a:p>
+        </p:txBody>
+      </p:sp>
+      <p:sp>
+        <p:nvSpPr>
+          <p:cNvPr id="8" name="Rounded Rectangle 7"/>
+          <p:cNvSpPr/>
+          <p:nvPr/>
+        </p:nvSpPr>
+        <p:spPr>
+          <a:xfrm>
+            <a:off x="1112363" y="3482186"/>
+            <a:ext cx="3280528" cy="1339374"/>
+          </a:xfrm>
+          <a:prstGeom prst="roundRect">
+            <a:avLst/>
+          </a:prstGeom>
+          <a:solidFill>
+            <a:schemeClr val="accent3"/>
+          </a:solidFill>
+          <a:ln w="12700" cap="flat">
+            <a:noFill/>
+            <a:miter lim="400000"/>
+          </a:ln>
+          <a:effectLst>
+            <a:outerShdw blurRad="38100" dist="25400" dir="5400000" rotWithShape="0">
+              <a:srgbClr val="000000">
+                <a:alpha val="50000"/>
+              </a:srgbClr>
+            </a:outerShdw>
+          </a:effectLst>
+          <a:sp3d/>
+        </p:spPr>
+        <p:style>
+          <a:lnRef idx="0">
+            <a:scrgbClr r="0" g="0" b="0"/>
+          </a:lnRef>
+          <a:fillRef idx="0">
+            <a:scrgbClr r="0" g="0" b="0"/>
+          </a:fillRef>
+          <a:effectRef idx="0">
+            <a:scrgbClr r="0" g="0" b="0"/>
+          </a:effectRef>
+          <a:fontRef idx="none"/>
+        </p:style>
+        <p:txBody>
+          <a:bodyPr rot="0" spcFirstLastPara="1" vertOverflow="overflow" horzOverflow="overflow" vert="horz" wrap="square" lIns="50800" tIns="50800" rIns="50800" bIns="50800" numCol="1" spcCol="38100" rtlCol="0" anchor="ctr">
+            <a:spAutoFit/>
+          </a:bodyPr>
+          <a:lstStyle/>
+          <a:p>
+            <a:pPr marL="0" marR="0" indent="0" algn="ctr" defTabSz="584200" rtl="0" fontAlgn="auto" latinLnBrk="0" hangingPunct="0">
+              <a:lnSpc>
+                <a:spcPct val="100000"/>
+              </a:lnSpc>
+              <a:spcBef>
+                <a:spcPts val="0"/>
+              </a:spcBef>
+              <a:spcAft>
+                <a:spcPts val="0"/>
+              </a:spcAft>
+              <a:buClrTx/>
+              <a:buSzTx/>
+              <a:buFontTx/>
+              <a:buNone/>
+              <a:tabLst/>
+            </a:pPr>
+            <a:r>
+              <a:rPr lang="en-US" dirty="0" smtClean="0"/>
+              <a:t>The code you want to test</a:t>
+            </a:r>
+            <a:endParaRPr kumimoji="0" lang="en-US" sz="2800" b="0" i="0" u="none" strike="noStrike" cap="none" spc="0" normalizeH="0" baseline="0" dirty="0">
+              <a:ln>
+                <a:noFill/>
+              </a:ln>
+              <a:solidFill>
+                <a:srgbClr val="FFFFFF"/>
+              </a:solidFill>
+              <a:effectLst/>
+              <a:uFillTx/>
+              <a:latin typeface="+mn-lt"/>
+              <a:ea typeface="+mn-ea"/>
+              <a:cs typeface="+mn-cs"/>
+              <a:sym typeface="Helvetica Light"/>
+            </a:endParaRPr>
+          </a:p>
+        </p:txBody>
+      </p:sp>
+      <p:sp>
+        <p:nvSpPr>
+          <p:cNvPr id="9" name="Rounded Rectangle 8"/>
+          <p:cNvSpPr/>
+          <p:nvPr/>
+        </p:nvSpPr>
+        <p:spPr>
+          <a:xfrm>
+            <a:off x="1112363" y="6038804"/>
+            <a:ext cx="3280528" cy="1339374"/>
+          </a:xfrm>
+          <a:prstGeom prst="roundRect">
+            <a:avLst/>
+          </a:prstGeom>
+          <a:solidFill>
+            <a:schemeClr val="accent3"/>
+          </a:solidFill>
+          <a:ln w="12700" cap="flat">
+            <a:noFill/>
+            <a:miter lim="400000"/>
+          </a:ln>
+          <a:effectLst>
+            <a:outerShdw blurRad="38100" dist="25400" dir="5400000" rotWithShape="0">
+              <a:srgbClr val="000000">
+                <a:alpha val="50000"/>
+              </a:srgbClr>
+            </a:outerShdw>
+          </a:effectLst>
+          <a:sp3d/>
+        </p:spPr>
+        <p:style>
+          <a:lnRef idx="0">
+            <a:scrgbClr r="0" g="0" b="0"/>
+          </a:lnRef>
+          <a:fillRef idx="0">
+            <a:scrgbClr r="0" g="0" b="0"/>
+          </a:fillRef>
+          <a:effectRef idx="0">
+            <a:scrgbClr r="0" g="0" b="0"/>
+          </a:effectRef>
+          <a:fontRef idx="none"/>
+        </p:style>
+        <p:txBody>
+          <a:bodyPr rot="0" spcFirstLastPara="1" vertOverflow="overflow" horzOverflow="overflow" vert="horz" wrap="square" lIns="50800" tIns="50800" rIns="50800" bIns="50800" numCol="1" spcCol="38100" rtlCol="0" anchor="ctr">
+            <a:spAutoFit/>
+          </a:bodyPr>
+          <a:lstStyle/>
+          <a:p>
+            <a:pPr marL="0" marR="0" indent="0" algn="ctr" defTabSz="584200" rtl="0" fontAlgn="auto" latinLnBrk="0" hangingPunct="0">
+              <a:lnSpc>
+                <a:spcPct val="100000"/>
+              </a:lnSpc>
+              <a:spcBef>
+                <a:spcPts val="0"/>
+              </a:spcBef>
+              <a:spcAft>
+                <a:spcPts val="0"/>
+              </a:spcAft>
+              <a:buClrTx/>
+              <a:buSzTx/>
+              <a:buFontTx/>
+              <a:buNone/>
+              <a:tabLst/>
+            </a:pPr>
+            <a:r>
+              <a:rPr lang="en-US" dirty="0" smtClean="0"/>
+              <a:t>Produced output</a:t>
+            </a:r>
+            <a:endParaRPr kumimoji="0" lang="en-US" sz="2800" b="0" i="0" u="none" strike="noStrike" cap="none" spc="0" normalizeH="0" baseline="0" dirty="0">
+              <a:ln>
+                <a:noFill/>
+              </a:ln>
+              <a:solidFill>
+                <a:srgbClr val="FFFFFF"/>
+              </a:solidFill>
+              <a:effectLst/>
+              <a:uFillTx/>
+              <a:latin typeface="+mn-lt"/>
+              <a:ea typeface="+mn-ea"/>
+              <a:cs typeface="+mn-cs"/>
+              <a:sym typeface="Helvetica Light"/>
+            </a:endParaRPr>
+          </a:p>
+        </p:txBody>
+      </p:sp>
+      <p:sp>
+        <p:nvSpPr>
+          <p:cNvPr id="10" name="Rounded Rectangle 9"/>
+          <p:cNvSpPr/>
+          <p:nvPr/>
+        </p:nvSpPr>
+        <p:spPr>
+          <a:xfrm>
+            <a:off x="1112363" y="8595422"/>
+            <a:ext cx="3280528" cy="726440"/>
+          </a:xfrm>
+          <a:prstGeom prst="roundRect">
+            <a:avLst/>
+          </a:prstGeom>
+          <a:solidFill>
+            <a:schemeClr val="accent6">
+              <a:lumMod val="40000"/>
+              <a:lumOff val="60000"/>
+            </a:schemeClr>
+          </a:solidFill>
+          <a:ln w="12700" cap="flat">
+            <a:noFill/>
+            <a:miter lim="400000"/>
+          </a:ln>
+          <a:effectLst>
+            <a:outerShdw blurRad="38100" dist="25400" dir="5400000" rotWithShape="0">
+              <a:srgbClr val="000000">
+                <a:alpha val="50000"/>
+              </a:srgbClr>
+            </a:outerShdw>
+          </a:effectLst>
+          <a:sp3d/>
+        </p:spPr>
+        <p:style>
+          <a:lnRef idx="0">
+            <a:scrgbClr r="0" g="0" b="0"/>
+          </a:lnRef>
+          <a:fillRef idx="0">
+            <a:scrgbClr r="0" g="0" b="0"/>
+          </a:fillRef>
+          <a:effectRef idx="0">
+            <a:scrgbClr r="0" g="0" b="0"/>
+          </a:effectRef>
+          <a:fontRef idx="none"/>
+        </p:style>
+        <p:txBody>
+          <a:bodyPr rot="0" spcFirstLastPara="1" vertOverflow="overflow" horzOverflow="overflow" vert="horz" wrap="square" lIns="50800" tIns="50800" rIns="50800" bIns="50800" numCol="1" spcCol="38100" rtlCol="0" anchor="ctr">
+            <a:spAutoFit/>
+          </a:bodyPr>
+          <a:lstStyle/>
+          <a:p>
+            <a:pPr marL="0" marR="0" indent="0" algn="ctr" defTabSz="584200" rtl="0" fontAlgn="auto" latinLnBrk="0" hangingPunct="0">
+              <a:lnSpc>
+                <a:spcPct val="100000"/>
+              </a:lnSpc>
+              <a:spcBef>
+                <a:spcPts val="0"/>
+              </a:spcBef>
+              <a:spcAft>
+                <a:spcPts val="0"/>
+              </a:spcAft>
+              <a:buClrTx/>
+              <a:buSzTx/>
+              <a:buFontTx/>
+              <a:buNone/>
+              <a:tabLst/>
+            </a:pPr>
+            <a:r>
+              <a:rPr lang="en-US" dirty="0" smtClean="0"/>
+              <a:t>Verify output</a:t>
+            </a:r>
+            <a:endParaRPr kumimoji="0" lang="en-US" sz="2800" b="0" i="0" u="none" strike="noStrike" cap="none" spc="0" normalizeH="0" baseline="0" dirty="0">
+              <a:ln>
+                <a:noFill/>
+              </a:ln>
+              <a:solidFill>
+                <a:srgbClr val="FFFFFF"/>
+              </a:solidFill>
+              <a:effectLst/>
+              <a:uFillTx/>
+              <a:latin typeface="+mn-lt"/>
+              <a:ea typeface="+mn-ea"/>
+              <a:cs typeface="+mn-cs"/>
+              <a:sym typeface="Helvetica Light"/>
+            </a:endParaRPr>
+          </a:p>
+        </p:txBody>
+      </p:sp>
+      <p:sp>
+        <p:nvSpPr>
+          <p:cNvPr id="11" name="Down Arrow 10"/>
+          <p:cNvSpPr/>
+          <p:nvPr/>
+        </p:nvSpPr>
+        <p:spPr>
+          <a:xfrm>
+            <a:off x="2350055" y="2502195"/>
+            <a:ext cx="805144" cy="742738"/>
+          </a:xfrm>
+          <a:prstGeom prst="downArrow">
+            <a:avLst/>
+          </a:prstGeom>
+          <a:solidFill>
+            <a:schemeClr val="tx1"/>
+          </a:solidFill>
+          <a:ln w="12700" cap="flat">
+            <a:noFill/>
+            <a:miter lim="400000"/>
+          </a:ln>
+          <a:effectLst>
+            <a:outerShdw blurRad="38100" dist="25400" dir="5400000" rotWithShape="0">
+              <a:schemeClr val="tx1">
+                <a:alpha val="50000"/>
+              </a:schemeClr>
+            </a:outerShdw>
+          </a:effectLst>
+          <a:sp3d/>
+        </p:spPr>
+        <p:style>
+          <a:lnRef idx="0">
+            <a:scrgbClr r="0" g="0" b="0"/>
+          </a:lnRef>
+          <a:fillRef idx="0">
+            <a:scrgbClr r="0" g="0" b="0"/>
+          </a:fillRef>
+          <a:effectRef idx="0">
+            <a:scrgbClr r="0" g="0" b="0"/>
+          </a:effectRef>
+          <a:fontRef idx="none"/>
+        </p:style>
+        <p:txBody>
+          <a:bodyPr rot="0" spcFirstLastPara="1" vertOverflow="overflow" horzOverflow="overflow" vert="horz" wrap="square" lIns="50800" tIns="50800" rIns="50800" bIns="50800" numCol="1" spcCol="38100" rtlCol="0" anchor="ctr">
+            <a:spAutoFit/>
+          </a:bodyPr>
+          <a:lstStyle/>
+          <a:p>
+            <a:pPr marL="0" marR="0" indent="0" algn="ctr" defTabSz="584200" rtl="0" fontAlgn="auto" latinLnBrk="0" hangingPunct="0">
+              <a:lnSpc>
+                <a:spcPct val="100000"/>
+              </a:lnSpc>
+              <a:spcBef>
+                <a:spcPts val="0"/>
+              </a:spcBef>
+              <a:spcAft>
+                <a:spcPts val="0"/>
+              </a:spcAft>
+              <a:buClrTx/>
+              <a:buSzTx/>
+              <a:buFontTx/>
+              <a:buNone/>
+              <a:tabLst/>
+            </a:pPr>
+            <a:endParaRPr kumimoji="0" lang="en-US" sz="2400" b="0" i="0" u="none" strike="noStrike" cap="none" spc="0" normalizeH="0" baseline="0">
+              <a:ln>
+                <a:noFill/>
+              </a:ln>
+              <a:solidFill>
+                <a:srgbClr val="FFFFFF"/>
+              </a:solidFill>
+              <a:effectLst/>
+              <a:uFillTx/>
+              <a:latin typeface="+mn-lt"/>
+              <a:ea typeface="+mn-ea"/>
+              <a:cs typeface="+mn-cs"/>
+              <a:sym typeface="Helvetica Light"/>
+            </a:endParaRPr>
+          </a:p>
+        </p:txBody>
+      </p:sp>
+      <p:sp>
+        <p:nvSpPr>
+          <p:cNvPr id="12" name="Down Arrow 11"/>
+          <p:cNvSpPr/>
+          <p:nvPr/>
+        </p:nvSpPr>
+        <p:spPr>
+          <a:xfrm>
+            <a:off x="2350055" y="7610697"/>
+            <a:ext cx="805144" cy="742738"/>
+          </a:xfrm>
+          <a:prstGeom prst="downArrow">
+            <a:avLst/>
+          </a:prstGeom>
+          <a:solidFill>
+            <a:schemeClr val="tx1"/>
+          </a:solidFill>
+          <a:ln w="12700" cap="flat">
+            <a:noFill/>
+            <a:miter lim="400000"/>
+          </a:ln>
+          <a:effectLst>
+            <a:outerShdw blurRad="38100" dist="25400" dir="5400000" rotWithShape="0">
+              <a:schemeClr val="tx1">
+                <a:alpha val="50000"/>
+              </a:schemeClr>
+            </a:outerShdw>
+          </a:effectLst>
+          <a:sp3d/>
+        </p:spPr>
+        <p:style>
+          <a:lnRef idx="0">
+            <a:scrgbClr r="0" g="0" b="0"/>
+          </a:lnRef>
+          <a:fillRef idx="0">
+            <a:scrgbClr r="0" g="0" b="0"/>
+          </a:fillRef>
+          <a:effectRef idx="0">
+            <a:scrgbClr r="0" g="0" b="0"/>
+          </a:effectRef>
+          <a:fontRef idx="none"/>
+        </p:style>
+        <p:txBody>
+          <a:bodyPr rot="0" spcFirstLastPara="1" vertOverflow="overflow" horzOverflow="overflow" vert="horz" wrap="square" lIns="50800" tIns="50800" rIns="50800" bIns="50800" numCol="1" spcCol="38100" rtlCol="0" anchor="ctr">
+            <a:spAutoFit/>
+          </a:bodyPr>
+          <a:lstStyle/>
+          <a:p>
+            <a:pPr marL="0" marR="0" indent="0" algn="ctr" defTabSz="584200" rtl="0" fontAlgn="auto" latinLnBrk="0" hangingPunct="0">
+              <a:lnSpc>
+                <a:spcPct val="100000"/>
+              </a:lnSpc>
+              <a:spcBef>
+                <a:spcPts val="0"/>
+              </a:spcBef>
+              <a:spcAft>
+                <a:spcPts val="0"/>
+              </a:spcAft>
+              <a:buClrTx/>
+              <a:buSzTx/>
+              <a:buFontTx/>
+              <a:buNone/>
+              <a:tabLst/>
+            </a:pPr>
+            <a:endParaRPr kumimoji="0" lang="en-US" sz="2400" b="0" i="0" u="none" strike="noStrike" cap="none" spc="0" normalizeH="0" baseline="0">
+              <a:ln>
+                <a:noFill/>
+              </a:ln>
+              <a:solidFill>
+                <a:srgbClr val="FFFFFF"/>
+              </a:solidFill>
+              <a:effectLst/>
+              <a:uFillTx/>
+              <a:latin typeface="+mn-lt"/>
+              <a:ea typeface="+mn-ea"/>
+              <a:cs typeface="+mn-cs"/>
+              <a:sym typeface="Helvetica Light"/>
+            </a:endParaRPr>
+          </a:p>
+        </p:txBody>
+      </p:sp>
+      <p:sp>
+        <p:nvSpPr>
+          <p:cNvPr id="13" name="Down Arrow 12"/>
+          <p:cNvSpPr/>
+          <p:nvPr/>
+        </p:nvSpPr>
+        <p:spPr>
+          <a:xfrm>
+            <a:off x="2350055" y="5063547"/>
+            <a:ext cx="805144" cy="742738"/>
+          </a:xfrm>
+          <a:prstGeom prst="downArrow">
+            <a:avLst/>
+          </a:prstGeom>
+          <a:solidFill>
+            <a:schemeClr val="tx1"/>
+          </a:solidFill>
+          <a:ln w="12700" cap="flat">
+            <a:noFill/>
+            <a:miter lim="400000"/>
+          </a:ln>
+          <a:effectLst>
+            <a:outerShdw blurRad="38100" dist="25400" dir="5400000" rotWithShape="0">
+              <a:schemeClr val="tx1">
+                <a:alpha val="50000"/>
+              </a:schemeClr>
+            </a:outerShdw>
+          </a:effectLst>
+          <a:sp3d/>
+        </p:spPr>
+        <p:style>
+          <a:lnRef idx="0">
+            <a:scrgbClr r="0" g="0" b="0"/>
+          </a:lnRef>
+          <a:fillRef idx="0">
+            <a:scrgbClr r="0" g="0" b="0"/>
+          </a:fillRef>
+          <a:effectRef idx="0">
+            <a:scrgbClr r="0" g="0" b="0"/>
+          </a:effectRef>
+          <a:fontRef idx="none"/>
+        </p:style>
+        <p:txBody>
+          <a:bodyPr rot="0" spcFirstLastPara="1" vertOverflow="overflow" horzOverflow="overflow" vert="horz" wrap="square" lIns="50800" tIns="50800" rIns="50800" bIns="50800" numCol="1" spcCol="38100" rtlCol="0" anchor="ctr">
+            <a:spAutoFit/>
+          </a:bodyPr>
+          <a:lstStyle/>
+          <a:p>
+            <a:pPr marL="0" marR="0" indent="0" algn="ctr" defTabSz="584200" rtl="0" fontAlgn="auto" latinLnBrk="0" hangingPunct="0">
+              <a:lnSpc>
+                <a:spcPct val="100000"/>
+              </a:lnSpc>
+              <a:spcBef>
+                <a:spcPts val="0"/>
+              </a:spcBef>
+              <a:spcAft>
+                <a:spcPts val="0"/>
+              </a:spcAft>
+              <a:buClrTx/>
+              <a:buSzTx/>
+              <a:buFontTx/>
+              <a:buNone/>
+              <a:tabLst/>
+            </a:pPr>
+            <a:endParaRPr kumimoji="0" lang="en-US" sz="2400" b="0" i="0" u="none" strike="noStrike" cap="none" spc="0" normalizeH="0" baseline="0">
+              <a:ln>
+                <a:noFill/>
+              </a:ln>
+              <a:solidFill>
+                <a:srgbClr val="FFFFFF"/>
+              </a:solidFill>
+              <a:effectLst/>
+              <a:uFillTx/>
+              <a:latin typeface="+mn-lt"/>
+              <a:ea typeface="+mn-ea"/>
+              <a:cs typeface="+mn-cs"/>
+              <a:sym typeface="Helvetica Light"/>
+            </a:endParaRPr>
+          </a:p>
+        </p:txBody>
+      </p:sp>
+    </p:spTree>
+    <p:extLst>
+      <p:ext uri="{BB962C8B-B14F-4D97-AF65-F5344CB8AC3E}">
+        <p14:creationId xmlns:p14="http://schemas.microsoft.com/office/powerpoint/2010/main" val="1288769264"/>
+      </p:ext>
+    </p:extLst>
+  </p:cSld>
+  <p:clrMapOvr>
+    <a:masterClrMapping/>
+  </p:clrMapOvr>
+  <p:transition spd="med"/>
+</p:sld>
+</file>
+
+<file path=ppt/slides/slide24.xml><?xml version="1.0" encoding="utf-8"?>
+<p:sld xmlns:a="http://schemas.openxmlformats.org/drawingml/2006/main" xmlns:r="http://schemas.openxmlformats.org/officeDocument/2006/relationships" xmlns:p="http://schemas.openxmlformats.org/presentationml/2006/main">
+  <p:cSld>
+    <p:spTree>
+      <p:nvGrpSpPr>
+        <p:cNvPr id="1" name=""/>
+        <p:cNvGrpSpPr/>
+        <p:nvPr/>
+      </p:nvGrpSpPr>
+      <p:grpSpPr>
+        <a:xfrm>
+          <a:off x="0" y="0"/>
+          <a:ext cx="0" cy="0"/>
+          <a:chOff x="0" y="0"/>
+          <a:chExt cx="0" cy="0"/>
+        </a:xfrm>
+      </p:grpSpPr>
+      <p:sp>
+        <p:nvSpPr>
+          <p:cNvPr id="2" name="Title 1"/>
+          <p:cNvSpPr>
+            <a:spLocks noGrp="1"/>
+          </p:cNvSpPr>
+          <p:nvPr>
+            <p:ph type="title"/>
+          </p:nvPr>
+        </p:nvSpPr>
+        <p:spPr/>
+        <p:txBody>
+          <a:bodyPr/>
+          <a:lstStyle/>
+          <a:p>
+            <a:r>
+              <a:rPr lang="en-US" dirty="0" smtClean="0"/>
+              <a:t>Writing Unit Tests</a:t>
+            </a:r>
+            <a:endParaRPr lang="en-US" dirty="0"/>
+          </a:p>
+        </p:txBody>
+      </p:sp>
+      <p:sp>
+        <p:nvSpPr>
+          <p:cNvPr id="3" name="Text Placeholder 2"/>
+          <p:cNvSpPr>
+            <a:spLocks noGrp="1"/>
+          </p:cNvSpPr>
+          <p:nvPr>
+            <p:ph type="body" idx="1"/>
+          </p:nvPr>
+        </p:nvSpPr>
+        <p:spPr>
+          <a:xfrm>
+            <a:off x="405353" y="2603499"/>
+            <a:ext cx="12330259" cy="6945854"/>
+          </a:xfrm>
+        </p:spPr>
+        <p:txBody>
+          <a:bodyPr>
+            <a:normAutofit lnSpcReduction="10000"/>
+          </a:bodyPr>
+          <a:lstStyle/>
+          <a:p>
+            <a:r>
+              <a:rPr lang="en-US" dirty="0" smtClean="0"/>
+              <a:t>Using a library called </a:t>
+            </a:r>
+            <a:r>
+              <a:rPr lang="en-US" b="1" dirty="0" smtClean="0"/>
+              <a:t>JUnit</a:t>
+            </a:r>
+          </a:p>
+          <a:p>
+            <a:pPr lvl="1"/>
+            <a:r>
+              <a:rPr lang="en-US" dirty="0" smtClean="0"/>
+              <a:t>Note: how to configure Maven to import third-party libraries is not part of this course (and so not on the exam), but you can ask me in the breaks if you are curious (for some of you, we will dig into its low level details in Enterprise Programming 1 next semester)</a:t>
+            </a:r>
+          </a:p>
+          <a:p>
+            <a:r>
+              <a:rPr lang="en-US" dirty="0" smtClean="0"/>
+              <a:t>Regular code in “</a:t>
+            </a:r>
+            <a:r>
+              <a:rPr lang="en-US" i="1" dirty="0" err="1" smtClean="0"/>
+              <a:t>src</a:t>
+            </a:r>
+            <a:r>
+              <a:rPr lang="en-US" i="1" dirty="0" smtClean="0"/>
+              <a:t>/main/java</a:t>
+            </a:r>
+            <a:r>
+              <a:rPr lang="en-US" dirty="0" smtClean="0"/>
+              <a:t>” folder</a:t>
+            </a:r>
+          </a:p>
+          <a:p>
+            <a:r>
+              <a:rPr lang="en-US" dirty="0" smtClean="0"/>
+              <a:t>Test </a:t>
+            </a:r>
+            <a:r>
+              <a:rPr lang="en-US" dirty="0"/>
+              <a:t>code in “</a:t>
+            </a:r>
+            <a:r>
+              <a:rPr lang="en-US" i="1" dirty="0" err="1" smtClean="0"/>
+              <a:t>src</a:t>
+            </a:r>
+            <a:r>
+              <a:rPr lang="en-US" i="1" dirty="0" smtClean="0"/>
+              <a:t>/test/java</a:t>
+            </a:r>
+            <a:r>
+              <a:rPr lang="en-US" dirty="0"/>
+              <a:t>” </a:t>
+            </a:r>
+            <a:r>
+              <a:rPr lang="en-US" dirty="0" smtClean="0"/>
+              <a:t>folder</a:t>
+            </a:r>
+          </a:p>
+          <a:p>
+            <a:r>
+              <a:rPr lang="en-US" dirty="0" smtClean="0"/>
+              <a:t>A test class is just a Java class with </a:t>
+            </a:r>
+            <a:r>
+              <a:rPr lang="en-US" i="1" dirty="0" smtClean="0"/>
+              <a:t>@ annotations</a:t>
+            </a:r>
+          </a:p>
+          <a:p>
+            <a:r>
+              <a:rPr lang="en-US" dirty="0" smtClean="0"/>
+              <a:t>A test class for a class called </a:t>
+            </a:r>
+            <a:r>
+              <a:rPr lang="en-US" i="1" dirty="0" smtClean="0"/>
+              <a:t>Foo.java</a:t>
+            </a:r>
+            <a:r>
+              <a:rPr lang="en-US" dirty="0" smtClean="0"/>
+              <a:t> will be called </a:t>
+            </a:r>
+            <a:r>
+              <a:rPr lang="en-US" i="1" dirty="0" smtClean="0"/>
+              <a:t>FooTest.java</a:t>
+            </a:r>
+            <a:r>
+              <a:rPr lang="en-US" dirty="0" smtClean="0"/>
+              <a:t>, in the same package</a:t>
+            </a:r>
+            <a:endParaRPr lang="en-US" i="1" dirty="0"/>
+          </a:p>
+        </p:txBody>
+      </p:sp>
+    </p:spTree>
+    <p:extLst>
+      <p:ext uri="{BB962C8B-B14F-4D97-AF65-F5344CB8AC3E}">
+        <p14:creationId xmlns:p14="http://schemas.microsoft.com/office/powerpoint/2010/main" val="3303595683"/>
+      </p:ext>
+    </p:extLst>
+  </p:cSld>
+  <p:clrMapOvr>
+    <a:masterClrMapping/>
+  </p:clrMapOvr>
+  <p:transition spd="med"/>
+</p:sld>
+</file>
+
+<file path=ppt/slides/slide25.xml><?xml version="1.0" encoding="utf-8"?>
+<p:sld xmlns:a="http://schemas.openxmlformats.org/drawingml/2006/main" xmlns:r="http://schemas.openxmlformats.org/officeDocument/2006/relationships" xmlns:p="http://schemas.openxmlformats.org/presentationml/2006/main">
+  <p:cSld>
+    <p:spTree>
+      <p:nvGrpSpPr>
+        <p:cNvPr id="1" name=""/>
+        <p:cNvGrpSpPr/>
+        <p:nvPr/>
+      </p:nvGrpSpPr>
+      <p:grpSpPr>
+        <a:xfrm>
+          <a:off x="0" y="0"/>
+          <a:ext cx="0" cy="0"/>
+          <a:chOff x="0" y="0"/>
+          <a:chExt cx="0" cy="0"/>
+        </a:xfrm>
+      </p:grpSpPr>
+      <p:sp>
+        <p:nvSpPr>
+          <p:cNvPr id="2" name="Title 1"/>
+          <p:cNvSpPr>
+            <a:spLocks noGrp="1"/>
+          </p:cNvSpPr>
+          <p:nvPr>
+            <p:ph type="title"/>
+          </p:nvPr>
+        </p:nvSpPr>
+        <p:spPr/>
+        <p:txBody>
+          <a:bodyPr/>
+          <a:lstStyle/>
+          <a:p>
+            <a:r>
+              <a:rPr lang="en-US" dirty="0" smtClean="0"/>
+              <a:t>Main @ Annotations</a:t>
             </a:r>
             <a:endParaRPr lang="en-US" dirty="0"/>
           </a:p>
@@ -4408,42 +6870,76 @@
           <a:lstStyle/>
           <a:p>
             <a:r>
-              <a:rPr lang="en-US" dirty="0"/>
-              <a:t>Study Book Chapter </a:t>
-            </a:r>
-            <a:r>
-              <a:rPr lang="en-US" dirty="0" smtClean="0"/>
-              <a:t>TODO</a:t>
-            </a:r>
-          </a:p>
-          <a:p>
-            <a:r>
-              <a:rPr lang="en-US" dirty="0" smtClean="0"/>
-              <a:t>Study code in the </a:t>
-            </a:r>
-            <a:r>
-              <a:rPr lang="en-US" i="1" dirty="0" smtClean="0"/>
-              <a:t>org.pg4200.les01</a:t>
-            </a:r>
-            <a:r>
-              <a:rPr lang="en-US" dirty="0" smtClean="0"/>
-              <a:t> package</a:t>
-            </a:r>
-          </a:p>
-          <a:p>
-            <a:r>
-              <a:rPr lang="en-US" dirty="0" smtClean="0"/>
-              <a:t>Do exercises in </a:t>
-            </a:r>
-            <a:r>
-              <a:rPr lang="en-US" i="1" dirty="0" smtClean="0"/>
-              <a:t>exercises/ex01</a:t>
-            </a:r>
-          </a:p>
-          <a:p>
-            <a:r>
-              <a:rPr lang="en-US" dirty="0" smtClean="0"/>
-              <a:t>Extra: do exercises in the book</a:t>
+              <a:rPr lang="en-US" b="1" dirty="0" smtClean="0"/>
+              <a:t>@Test</a:t>
+            </a:r>
+            <a:r>
+              <a:rPr lang="en-US" dirty="0" smtClean="0"/>
+              <a:t>: mark a method as a test</a:t>
+            </a:r>
+          </a:p>
+          <a:p>
+            <a:r>
+              <a:rPr lang="en-US" b="1" dirty="0"/>
+              <a:t>@</a:t>
+            </a:r>
+            <a:r>
+              <a:rPr lang="en-US" b="1" dirty="0" err="1" smtClean="0"/>
+              <a:t>BeforeEach</a:t>
+            </a:r>
+            <a:r>
+              <a:rPr lang="en-US" dirty="0" smtClean="0"/>
+              <a:t>: execute method before each test</a:t>
+            </a:r>
+          </a:p>
+          <a:p>
+            <a:r>
+              <a:rPr lang="en-US" b="1" dirty="0" smtClean="0"/>
+              <a:t>@</a:t>
+            </a:r>
+            <a:r>
+              <a:rPr lang="en-US" b="1" dirty="0" err="1" smtClean="0"/>
+              <a:t>BeforeAll</a:t>
+            </a:r>
+            <a:r>
+              <a:rPr lang="en-US" dirty="0" smtClean="0"/>
+              <a:t>: execute method once before any of the tests is started</a:t>
+            </a:r>
+          </a:p>
+          <a:p>
+            <a:r>
+              <a:rPr lang="en-US" b="1" dirty="0" smtClean="0"/>
+              <a:t>@</a:t>
+            </a:r>
+            <a:r>
+              <a:rPr lang="en-US" b="1" dirty="0" err="1" smtClean="0"/>
+              <a:t>AfterEach</a:t>
+            </a:r>
+            <a:r>
+              <a:rPr lang="en-US" dirty="0" smtClean="0"/>
+              <a:t>, </a:t>
+            </a:r>
+            <a:r>
+              <a:rPr lang="en-US" b="1" dirty="0" smtClean="0"/>
+              <a:t>@</a:t>
+            </a:r>
+            <a:r>
+              <a:rPr lang="en-US" b="1" dirty="0" err="1" smtClean="0"/>
+              <a:t>AfterAll</a:t>
+            </a:r>
+            <a:r>
+              <a:rPr lang="en-US" dirty="0" smtClean="0"/>
+              <a:t>: same, but after the tests </a:t>
+            </a:r>
+          </a:p>
+          <a:p>
+            <a:r>
+              <a:rPr lang="en-US" b="1" dirty="0" smtClean="0"/>
+              <a:t>@Disable</a:t>
+            </a:r>
+            <a:r>
+              <a:rPr lang="en-US" dirty="0" smtClean="0"/>
+              <a:t>: temporarily disable a test, which is not going to be run</a:t>
             </a:r>
             <a:endParaRPr lang="en-US" dirty="0"/>
           </a:p>
@@ -4452,7 +6948,1910 @@
     </p:spTree>
     <p:extLst>
       <p:ext uri="{BB962C8B-B14F-4D97-AF65-F5344CB8AC3E}">
-        <p14:creationId xmlns:p14="http://schemas.microsoft.com/office/powerpoint/2010/main" val="1221558595"/>
+        <p14:creationId xmlns:p14="http://schemas.microsoft.com/office/powerpoint/2010/main" val="2593368313"/>
+      </p:ext>
+    </p:extLst>
+  </p:cSld>
+  <p:clrMapOvr>
+    <a:masterClrMapping/>
+  </p:clrMapOvr>
+  <p:transition spd="med"/>
+</p:sld>
+</file>
+
+<file path=ppt/slides/slide26.xml><?xml version="1.0" encoding="utf-8"?>
+<p:sld xmlns:a="http://schemas.openxmlformats.org/drawingml/2006/main" xmlns:r="http://schemas.openxmlformats.org/officeDocument/2006/relationships" xmlns:p="http://schemas.openxmlformats.org/presentationml/2006/main">
+  <p:cSld>
+    <p:spTree>
+      <p:nvGrpSpPr>
+        <p:cNvPr id="1" name=""/>
+        <p:cNvGrpSpPr/>
+        <p:nvPr/>
+      </p:nvGrpSpPr>
+      <p:grpSpPr>
+        <a:xfrm>
+          <a:off x="0" y="0"/>
+          <a:ext cx="0" cy="0"/>
+          <a:chOff x="0" y="0"/>
+          <a:chExt cx="0" cy="0"/>
+        </a:xfrm>
+      </p:grpSpPr>
+      <p:sp>
+        <p:nvSpPr>
+          <p:cNvPr id="2" name="Title 1"/>
+          <p:cNvSpPr>
+            <a:spLocks noGrp="1"/>
+          </p:cNvSpPr>
+          <p:nvPr>
+            <p:ph type="title"/>
+          </p:nvPr>
+        </p:nvSpPr>
+        <p:spPr/>
+        <p:txBody>
+          <a:bodyPr/>
+          <a:lstStyle/>
+          <a:p>
+            <a:r>
+              <a:rPr lang="en-US" dirty="0" smtClean="0"/>
+              <a:t>Assertions</a:t>
+            </a:r>
+            <a:endParaRPr lang="en-US" dirty="0"/>
+          </a:p>
+        </p:txBody>
+      </p:sp>
+      <p:sp>
+        <p:nvSpPr>
+          <p:cNvPr id="3" name="Text Placeholder 2"/>
+          <p:cNvSpPr>
+            <a:spLocks noGrp="1"/>
+          </p:cNvSpPr>
+          <p:nvPr>
+            <p:ph type="body" idx="1"/>
+          </p:nvPr>
+        </p:nvSpPr>
+        <p:spPr>
+          <a:xfrm>
+            <a:off x="377072" y="2603500"/>
+            <a:ext cx="12377394" cy="6823304"/>
+          </a:xfrm>
+        </p:spPr>
+        <p:txBody>
+          <a:bodyPr>
+            <a:normAutofit/>
+          </a:bodyPr>
+          <a:lstStyle/>
+          <a:p>
+            <a:pPr>
+              <a:spcBef>
+                <a:spcPts val="2400"/>
+              </a:spcBef>
+            </a:pPr>
+            <a:r>
+              <a:rPr lang="en-US" dirty="0" smtClean="0"/>
+              <a:t>When you have an output, you need to </a:t>
+            </a:r>
+            <a:r>
+              <a:rPr lang="en-US" i="1" dirty="0" smtClean="0"/>
+              <a:t>verify</a:t>
+            </a:r>
+            <a:r>
+              <a:rPr lang="en-US" dirty="0" smtClean="0"/>
+              <a:t> if correct</a:t>
+            </a:r>
+          </a:p>
+          <a:p>
+            <a:pPr>
+              <a:spcBef>
+                <a:spcPts val="2400"/>
+              </a:spcBef>
+            </a:pPr>
+            <a:r>
+              <a:rPr lang="en-US" dirty="0" smtClean="0"/>
+              <a:t>Extra code (assertion methods) that throws an error if the output is not equal to the expected one</a:t>
+            </a:r>
+          </a:p>
+          <a:p>
+            <a:pPr>
+              <a:spcBef>
+                <a:spcPts val="2400"/>
+              </a:spcBef>
+            </a:pPr>
+            <a:r>
+              <a:rPr lang="en-US" i="1" dirty="0" err="1" smtClean="0"/>
+              <a:t>assertEquals</a:t>
+            </a:r>
+            <a:r>
+              <a:rPr lang="en-US" i="1" dirty="0" smtClean="0"/>
+              <a:t>(expected, output)</a:t>
+            </a:r>
+          </a:p>
+          <a:p>
+            <a:pPr lvl="1">
+              <a:spcBef>
+                <a:spcPts val="2400"/>
+              </a:spcBef>
+            </a:pPr>
+            <a:r>
+              <a:rPr lang="en-US" dirty="0"/>
+              <a:t>t</a:t>
+            </a:r>
+            <a:r>
+              <a:rPr lang="en-US" dirty="0" smtClean="0"/>
+              <a:t>hrow error if </a:t>
+            </a:r>
+            <a:r>
+              <a:rPr lang="en-US" i="1" dirty="0" smtClean="0"/>
+              <a:t>output</a:t>
+            </a:r>
+            <a:r>
+              <a:rPr lang="en-US" dirty="0" smtClean="0"/>
+              <a:t> variable is not equal to the </a:t>
+            </a:r>
+            <a:r>
+              <a:rPr lang="en-US" i="1" dirty="0" smtClean="0"/>
+              <a:t>expected</a:t>
+            </a:r>
+            <a:r>
+              <a:rPr lang="en-US" dirty="0" smtClean="0"/>
+              <a:t> one</a:t>
+            </a:r>
+          </a:p>
+          <a:p>
+            <a:pPr>
+              <a:spcBef>
+                <a:spcPts val="2400"/>
+              </a:spcBef>
+            </a:pPr>
+            <a:r>
+              <a:rPr lang="en-US" i="1" dirty="0" err="1" smtClean="0"/>
+              <a:t>assertTrue</a:t>
+            </a:r>
+            <a:r>
+              <a:rPr lang="en-US" i="1" dirty="0" smtClean="0"/>
+              <a:t>(condition)</a:t>
+            </a:r>
+          </a:p>
+          <a:p>
+            <a:pPr lvl="1">
+              <a:spcBef>
+                <a:spcPts val="2400"/>
+              </a:spcBef>
+            </a:pPr>
+            <a:r>
+              <a:rPr lang="en-US" dirty="0" smtClean="0"/>
+              <a:t>throw error if </a:t>
+            </a:r>
+            <a:r>
+              <a:rPr lang="en-US" i="1" dirty="0" smtClean="0"/>
+              <a:t>condition</a:t>
+            </a:r>
+            <a:r>
+              <a:rPr lang="en-US" dirty="0" smtClean="0"/>
+              <a:t> is false</a:t>
+            </a:r>
+          </a:p>
+          <a:p>
+            <a:pPr>
+              <a:spcBef>
+                <a:spcPts val="2400"/>
+              </a:spcBef>
+            </a:pPr>
+            <a:r>
+              <a:rPr lang="en-US" i="1" dirty="0" err="1" smtClean="0"/>
+              <a:t>assertNotNull</a:t>
+            </a:r>
+            <a:r>
+              <a:rPr lang="en-US" i="1" dirty="0" smtClean="0"/>
+              <a:t>(output)</a:t>
+            </a:r>
+          </a:p>
+          <a:p>
+            <a:pPr lvl="1">
+              <a:spcBef>
+                <a:spcPts val="2400"/>
+              </a:spcBef>
+            </a:pPr>
+            <a:r>
+              <a:rPr lang="en-US" dirty="0" smtClean="0"/>
+              <a:t>throw error if </a:t>
+            </a:r>
+            <a:r>
+              <a:rPr lang="en-US" i="1" dirty="0" smtClean="0"/>
+              <a:t>output</a:t>
+            </a:r>
+            <a:r>
+              <a:rPr lang="en-US" dirty="0" smtClean="0"/>
+              <a:t> is null</a:t>
+            </a:r>
+            <a:endParaRPr lang="en-US" dirty="0"/>
+          </a:p>
+        </p:txBody>
+      </p:sp>
+    </p:spTree>
+    <p:extLst>
+      <p:ext uri="{BB962C8B-B14F-4D97-AF65-F5344CB8AC3E}">
+        <p14:creationId xmlns:p14="http://schemas.microsoft.com/office/powerpoint/2010/main" val="2598600977"/>
+      </p:ext>
+    </p:extLst>
+  </p:cSld>
+  <p:clrMapOvr>
+    <a:masterClrMapping/>
+  </p:clrMapOvr>
+  <p:transition spd="med"/>
+</p:sld>
+</file>
+
+<file path=ppt/slides/slide27.xml><?xml version="1.0" encoding="utf-8"?>
+<p:sld xmlns:a="http://schemas.openxmlformats.org/drawingml/2006/main" xmlns:r="http://schemas.openxmlformats.org/officeDocument/2006/relationships" xmlns:p="http://schemas.openxmlformats.org/presentationml/2006/main">
+  <p:cSld>
+    <p:spTree>
+      <p:nvGrpSpPr>
+        <p:cNvPr id="1" name=""/>
+        <p:cNvGrpSpPr/>
+        <p:nvPr/>
+      </p:nvGrpSpPr>
+      <p:grpSpPr>
+        <a:xfrm>
+          <a:off x="0" y="0"/>
+          <a:ext cx="0" cy="0"/>
+          <a:chOff x="0" y="0"/>
+          <a:chExt cx="0" cy="0"/>
+        </a:xfrm>
+      </p:grpSpPr>
+      <p:sp>
+        <p:nvSpPr>
+          <p:cNvPr id="2" name="Title 1"/>
+          <p:cNvSpPr>
+            <a:spLocks noGrp="1"/>
+          </p:cNvSpPr>
+          <p:nvPr>
+            <p:ph type="title"/>
+          </p:nvPr>
+        </p:nvSpPr>
+        <p:spPr>
+          <a:xfrm>
+            <a:off x="5618376" y="167690"/>
+            <a:ext cx="7103228" cy="2159000"/>
+          </a:xfrm>
+        </p:spPr>
+        <p:txBody>
+          <a:bodyPr/>
+          <a:lstStyle/>
+          <a:p>
+            <a:r>
+              <a:rPr lang="en-US" dirty="0" smtClean="0"/>
+              <a:t>Test Example</a:t>
+            </a:r>
+            <a:endParaRPr lang="en-US" dirty="0"/>
+          </a:p>
+        </p:txBody>
+      </p:sp>
+      <p:sp>
+        <p:nvSpPr>
+          <p:cNvPr id="4" name="Rectangle 1"/>
+          <p:cNvSpPr>
+            <a:spLocks noGrp="1" noChangeArrowheads="1"/>
+          </p:cNvSpPr>
+          <p:nvPr>
+            <p:ph type="body" idx="1"/>
+          </p:nvPr>
+        </p:nvSpPr>
+        <p:spPr bwMode="auto">
+          <a:xfrm>
+            <a:off x="1998481" y="2909557"/>
+            <a:ext cx="9565439" cy="4524315"/>
+          </a:xfrm>
+          <a:prstGeom prst="rect">
+            <a:avLst/>
+          </a:prstGeom>
+          <a:solidFill>
+            <a:srgbClr val="FFFFFF"/>
+          </a:solidFill>
+          <a:ln>
+            <a:noFill/>
+          </a:ln>
+          <a:effectLst/>
+          <a:extLst>
+            <a:ext uri="{91240B29-F687-4F45-9708-019B960494DF}">
+              <a14:hiddenLine xmlns:a14="http://schemas.microsoft.com/office/drawing/2010/main" w="9525">
+                <a:solidFill>
+                  <a:schemeClr val="tx1"/>
+                </a:solidFill>
+                <a:miter lim="800000"/>
+                <a:headEnd/>
+                <a:tailEnd/>
+              </a14:hiddenLine>
+            </a:ext>
+            <a:ext uri="{AF507438-7753-43E0-B8FC-AC1667EBCBE1}">
+              <a14:hiddenEffects xmlns:a14="http://schemas.microsoft.com/office/drawing/2010/main">
+                <a:effectLst>
+                  <a:outerShdw dist="35921" dir="2700000" algn="ctr" rotWithShape="0">
+                    <a:schemeClr val="bg2"/>
+                  </a:outerShdw>
+                </a:effectLst>
+              </a14:hiddenEffects>
+            </a:ext>
+          </a:extLst>
+        </p:spPr>
+        <p:txBody>
+          <a:bodyPr vert="horz" wrap="none" lIns="91440" tIns="45720" rIns="91440" bIns="45720" numCol="1" anchor="ctr" anchorCtr="0" compatLnSpc="1">
+            <a:prstTxWarp prst="textNoShape">
+              <a:avLst/>
+            </a:prstTxWarp>
+            <a:spAutoFit/>
+          </a:bodyPr>
+          <a:lstStyle/>
+          <a:p>
+            <a:pPr marL="0" marR="0" lvl="0" indent="0" algn="l" defTabSz="914400" rtl="0" eaLnBrk="0" fontAlgn="base" latinLnBrk="0" hangingPunct="0">
+              <a:lnSpc>
+                <a:spcPct val="100000"/>
+              </a:lnSpc>
+              <a:spcBef>
+                <a:spcPct val="0"/>
+              </a:spcBef>
+              <a:spcAft>
+                <a:spcPct val="0"/>
+              </a:spcAft>
+              <a:buClrTx/>
+              <a:buSzTx/>
+              <a:buFontTx/>
+              <a:buNone/>
+              <a:tabLst/>
+            </a:pPr>
+            <a:r>
+              <a:rPr kumimoji="0" lang="en-US" altLang="en-US" sz="3200" b="1" i="0" u="none" strike="noStrike" cap="none" normalizeH="0" baseline="0" dirty="0" smtClean="0">
+                <a:ln>
+                  <a:noFill/>
+                </a:ln>
+                <a:solidFill>
+                  <a:srgbClr val="3381FF"/>
+                </a:solidFill>
+                <a:effectLst/>
+                <a:latin typeface="Courier New" panose="02070309020205020404" pitchFamily="49" charset="0"/>
+                <a:cs typeface="Courier New" panose="02070309020205020404" pitchFamily="49" charset="0"/>
+              </a:rPr>
+              <a:t>@Test</a:t>
+            </a:r>
+            <a:br>
+              <a:rPr kumimoji="0" lang="en-US" altLang="en-US" sz="3200" b="1" i="0" u="none" strike="noStrike" cap="none" normalizeH="0" baseline="0" dirty="0" smtClean="0">
+                <a:ln>
+                  <a:noFill/>
+                </a:ln>
+                <a:solidFill>
+                  <a:srgbClr val="3381FF"/>
+                </a:solidFill>
+                <a:effectLst/>
+                <a:latin typeface="Courier New" panose="02070309020205020404" pitchFamily="49" charset="0"/>
+                <a:cs typeface="Courier New" panose="02070309020205020404" pitchFamily="49" charset="0"/>
+              </a:rPr>
+            </a:br>
+            <a:r>
+              <a:rPr kumimoji="0" lang="en-US" altLang="en-US" sz="3200" b="1" i="0" u="none" strike="noStrike" cap="none" normalizeH="0" baseline="0" dirty="0" smtClean="0">
+                <a:ln>
+                  <a:noFill/>
+                </a:ln>
+                <a:solidFill>
+                  <a:srgbClr val="000080"/>
+                </a:solidFill>
+                <a:effectLst/>
+                <a:latin typeface="Courier New" panose="02070309020205020404" pitchFamily="49" charset="0"/>
+                <a:cs typeface="Courier New" panose="02070309020205020404" pitchFamily="49" charset="0"/>
+              </a:rPr>
+              <a:t>public void </a:t>
+            </a:r>
+            <a:r>
+              <a:rPr kumimoji="0" lang="en-US" altLang="en-US" sz="3200" b="0" i="0" u="none" strike="noStrike" cap="none" normalizeH="0" baseline="0" dirty="0" err="1" smtClean="0">
+                <a:ln>
+                  <a:noFill/>
+                </a:ln>
+                <a:solidFill>
+                  <a:srgbClr val="000000"/>
+                </a:solidFill>
+                <a:effectLst/>
+                <a:latin typeface="Courier New" panose="02070309020205020404" pitchFamily="49" charset="0"/>
+                <a:cs typeface="Courier New" panose="02070309020205020404" pitchFamily="49" charset="0"/>
+              </a:rPr>
+              <a:t>testBase</a:t>
+            </a:r>
+            <a:r>
+              <a:rPr kumimoji="0" lang="en-US" altLang="en-US" sz="3200" b="0" i="0" u="none" strike="noStrike" cap="none" normalizeH="0" baseline="0" dirty="0" smtClean="0">
+                <a:ln>
+                  <a:noFill/>
+                </a:ln>
+                <a:solidFill>
+                  <a:srgbClr val="000000"/>
+                </a:solidFill>
+                <a:effectLst/>
+                <a:latin typeface="Courier New" panose="02070309020205020404" pitchFamily="49" charset="0"/>
+                <a:cs typeface="Courier New" panose="02070309020205020404" pitchFamily="49" charset="0"/>
+              </a:rPr>
+              <a:t>(){</a:t>
+            </a:r>
+            <a:br>
+              <a:rPr kumimoji="0" lang="en-US" altLang="en-US" sz="3200" b="0" i="0" u="none" strike="noStrike" cap="none" normalizeH="0" baseline="0" dirty="0" smtClean="0">
+                <a:ln>
+                  <a:noFill/>
+                </a:ln>
+                <a:solidFill>
+                  <a:srgbClr val="000000"/>
+                </a:solidFill>
+                <a:effectLst/>
+                <a:latin typeface="Courier New" panose="02070309020205020404" pitchFamily="49" charset="0"/>
+                <a:cs typeface="Courier New" panose="02070309020205020404" pitchFamily="49" charset="0"/>
+              </a:rPr>
+            </a:br>
+            <a:r>
+              <a:rPr kumimoji="0" lang="en-US" altLang="en-US" sz="3200" b="0" i="0" u="none" strike="noStrike" cap="none" normalizeH="0" baseline="0" dirty="0" smtClean="0">
+                <a:ln>
+                  <a:noFill/>
+                </a:ln>
+                <a:solidFill>
+                  <a:srgbClr val="000000"/>
+                </a:solidFill>
+                <a:effectLst/>
+                <a:latin typeface="Courier New" panose="02070309020205020404" pitchFamily="49" charset="0"/>
+                <a:cs typeface="Courier New" panose="02070309020205020404" pitchFamily="49" charset="0"/>
+              </a:rPr>
+              <a:t/>
+            </a:r>
+            <a:br>
+              <a:rPr kumimoji="0" lang="en-US" altLang="en-US" sz="3200" b="0" i="0" u="none" strike="noStrike" cap="none" normalizeH="0" baseline="0" dirty="0" smtClean="0">
+                <a:ln>
+                  <a:noFill/>
+                </a:ln>
+                <a:solidFill>
+                  <a:srgbClr val="000000"/>
+                </a:solidFill>
+                <a:effectLst/>
+                <a:latin typeface="Courier New" panose="02070309020205020404" pitchFamily="49" charset="0"/>
+                <a:cs typeface="Courier New" panose="02070309020205020404" pitchFamily="49" charset="0"/>
+              </a:rPr>
+            </a:br>
+            <a:r>
+              <a:rPr kumimoji="0" lang="en-US" altLang="en-US" sz="3200" b="0" i="0" u="none" strike="noStrike" cap="none" normalizeH="0" dirty="0" smtClean="0">
+                <a:ln>
+                  <a:noFill/>
+                </a:ln>
+                <a:solidFill>
+                  <a:srgbClr val="000000"/>
+                </a:solidFill>
+                <a:effectLst/>
+                <a:latin typeface="Courier New" panose="02070309020205020404" pitchFamily="49" charset="0"/>
+                <a:cs typeface="Courier New" panose="02070309020205020404" pitchFamily="49" charset="0"/>
+              </a:rPr>
+              <a:t>    </a:t>
+            </a:r>
+            <a:r>
+              <a:rPr kumimoji="0" lang="en-US" altLang="en-US" sz="3200" b="1" i="0" u="none" strike="noStrike" cap="none" normalizeH="0" baseline="0" dirty="0" err="1" smtClean="0">
+                <a:ln>
+                  <a:noFill/>
+                </a:ln>
+                <a:solidFill>
+                  <a:srgbClr val="000080"/>
+                </a:solidFill>
+                <a:effectLst/>
+                <a:latin typeface="Courier New" panose="02070309020205020404" pitchFamily="49" charset="0"/>
+                <a:cs typeface="Courier New" panose="02070309020205020404" pitchFamily="49" charset="0"/>
+              </a:rPr>
+              <a:t>int</a:t>
+            </a:r>
+            <a:r>
+              <a:rPr kumimoji="0" lang="en-US" altLang="en-US" sz="3200" b="0" i="0" u="none" strike="noStrike" cap="none" normalizeH="0" baseline="0" dirty="0" smtClean="0">
+                <a:ln>
+                  <a:noFill/>
+                </a:ln>
+                <a:solidFill>
+                  <a:srgbClr val="000000"/>
+                </a:solidFill>
+                <a:effectLst/>
+                <a:latin typeface="Courier New" panose="02070309020205020404" pitchFamily="49" charset="0"/>
+                <a:cs typeface="Courier New" panose="02070309020205020404" pitchFamily="49" charset="0"/>
+              </a:rPr>
+              <a:t>[] array = {</a:t>
+            </a:r>
+            <a:r>
+              <a:rPr kumimoji="0" lang="en-US" altLang="en-US" sz="3200" b="0" i="0" u="none" strike="noStrike" cap="none" normalizeH="0" baseline="0" dirty="0" smtClean="0">
+                <a:ln>
+                  <a:noFill/>
+                </a:ln>
+                <a:solidFill>
+                  <a:srgbClr val="0000FF"/>
+                </a:solidFill>
+                <a:effectLst/>
+                <a:latin typeface="Courier New" panose="02070309020205020404" pitchFamily="49" charset="0"/>
+                <a:cs typeface="Courier New" panose="02070309020205020404" pitchFamily="49" charset="0"/>
+              </a:rPr>
+              <a:t>1</a:t>
+            </a:r>
+            <a:r>
+              <a:rPr kumimoji="0" lang="en-US" altLang="en-US" sz="3200" b="0" i="0" u="none" strike="noStrike" cap="none" normalizeH="0" baseline="0" dirty="0" smtClean="0">
+                <a:ln>
+                  <a:noFill/>
+                </a:ln>
+                <a:solidFill>
+                  <a:srgbClr val="000000"/>
+                </a:solidFill>
+                <a:effectLst/>
+                <a:latin typeface="Courier New" panose="02070309020205020404" pitchFamily="49" charset="0"/>
+                <a:cs typeface="Courier New" panose="02070309020205020404" pitchFamily="49" charset="0"/>
+              </a:rPr>
+              <a:t>, </a:t>
+            </a:r>
+            <a:r>
+              <a:rPr kumimoji="0" lang="en-US" altLang="en-US" sz="3200" b="0" i="0" u="none" strike="noStrike" cap="none" normalizeH="0" baseline="0" dirty="0" smtClean="0">
+                <a:ln>
+                  <a:noFill/>
+                </a:ln>
+                <a:solidFill>
+                  <a:srgbClr val="0000FF"/>
+                </a:solidFill>
+                <a:effectLst/>
+                <a:latin typeface="Courier New" panose="02070309020205020404" pitchFamily="49" charset="0"/>
+                <a:cs typeface="Courier New" panose="02070309020205020404" pitchFamily="49" charset="0"/>
+              </a:rPr>
+              <a:t>2</a:t>
+            </a:r>
+            <a:r>
+              <a:rPr kumimoji="0" lang="en-US" altLang="en-US" sz="3200" b="0" i="0" u="none" strike="noStrike" cap="none" normalizeH="0" baseline="0" dirty="0" smtClean="0">
+                <a:ln>
+                  <a:noFill/>
+                </a:ln>
+                <a:solidFill>
+                  <a:srgbClr val="000000"/>
+                </a:solidFill>
+                <a:effectLst/>
+                <a:latin typeface="Courier New" panose="02070309020205020404" pitchFamily="49" charset="0"/>
+                <a:cs typeface="Courier New" panose="02070309020205020404" pitchFamily="49" charset="0"/>
+              </a:rPr>
+              <a:t>, </a:t>
+            </a:r>
+            <a:r>
+              <a:rPr kumimoji="0" lang="en-US" altLang="en-US" sz="3200" b="0" i="0" u="none" strike="noStrike" cap="none" normalizeH="0" baseline="0" dirty="0" smtClean="0">
+                <a:ln>
+                  <a:noFill/>
+                </a:ln>
+                <a:solidFill>
+                  <a:srgbClr val="0000FF"/>
+                </a:solidFill>
+                <a:effectLst/>
+                <a:latin typeface="Courier New" panose="02070309020205020404" pitchFamily="49" charset="0"/>
+                <a:cs typeface="Courier New" panose="02070309020205020404" pitchFamily="49" charset="0"/>
+              </a:rPr>
+              <a:t>3</a:t>
+            </a:r>
+            <a:r>
+              <a:rPr kumimoji="0" lang="en-US" altLang="en-US" sz="3200" b="0" i="0" u="none" strike="noStrike" cap="none" normalizeH="0" baseline="0" dirty="0" smtClean="0">
+                <a:ln>
+                  <a:noFill/>
+                </a:ln>
+                <a:solidFill>
+                  <a:srgbClr val="000000"/>
+                </a:solidFill>
+                <a:effectLst/>
+                <a:latin typeface="Courier New" panose="02070309020205020404" pitchFamily="49" charset="0"/>
+                <a:cs typeface="Courier New" panose="02070309020205020404" pitchFamily="49" charset="0"/>
+              </a:rPr>
+              <a:t>};</a:t>
+            </a:r>
+            <a:br>
+              <a:rPr kumimoji="0" lang="en-US" altLang="en-US" sz="3200" b="0" i="0" u="none" strike="noStrike" cap="none" normalizeH="0" baseline="0" dirty="0" smtClean="0">
+                <a:ln>
+                  <a:noFill/>
+                </a:ln>
+                <a:solidFill>
+                  <a:srgbClr val="000000"/>
+                </a:solidFill>
+                <a:effectLst/>
+                <a:latin typeface="Courier New" panose="02070309020205020404" pitchFamily="49" charset="0"/>
+                <a:cs typeface="Courier New" panose="02070309020205020404" pitchFamily="49" charset="0"/>
+              </a:rPr>
+            </a:br>
+            <a:r>
+              <a:rPr kumimoji="0" lang="en-US" altLang="en-US" sz="3200" b="0" i="0" u="none" strike="noStrike" cap="none" normalizeH="0" baseline="0" dirty="0" smtClean="0">
+                <a:ln>
+                  <a:noFill/>
+                </a:ln>
+                <a:solidFill>
+                  <a:srgbClr val="000000"/>
+                </a:solidFill>
+                <a:effectLst/>
+                <a:latin typeface="Courier New" panose="02070309020205020404" pitchFamily="49" charset="0"/>
+                <a:cs typeface="Courier New" panose="02070309020205020404" pitchFamily="49" charset="0"/>
+              </a:rPr>
+              <a:t/>
+            </a:r>
+            <a:br>
+              <a:rPr kumimoji="0" lang="en-US" altLang="en-US" sz="3200" b="0" i="0" u="none" strike="noStrike" cap="none" normalizeH="0" baseline="0" dirty="0" smtClean="0">
+                <a:ln>
+                  <a:noFill/>
+                </a:ln>
+                <a:solidFill>
+                  <a:srgbClr val="000000"/>
+                </a:solidFill>
+                <a:effectLst/>
+                <a:latin typeface="Courier New" panose="02070309020205020404" pitchFamily="49" charset="0"/>
+                <a:cs typeface="Courier New" panose="02070309020205020404" pitchFamily="49" charset="0"/>
+              </a:rPr>
+            </a:br>
+            <a:r>
+              <a:rPr kumimoji="0" lang="en-US" altLang="en-US" sz="3200" b="0" i="0" u="none" strike="noStrike" cap="none" normalizeH="0" baseline="0" dirty="0" smtClean="0">
+                <a:ln>
+                  <a:noFill/>
+                </a:ln>
+                <a:solidFill>
+                  <a:srgbClr val="000000"/>
+                </a:solidFill>
+                <a:effectLst/>
+                <a:latin typeface="Courier New" panose="02070309020205020404" pitchFamily="49" charset="0"/>
+                <a:cs typeface="Courier New" panose="02070309020205020404" pitchFamily="49" charset="0"/>
+              </a:rPr>
+              <a:t>    </a:t>
+            </a:r>
+            <a:r>
+              <a:rPr kumimoji="0" lang="en-US" altLang="en-US" sz="3200" b="1" i="0" u="none" strike="noStrike" cap="none" normalizeH="0" baseline="0" dirty="0" err="1" smtClean="0">
+                <a:ln>
+                  <a:noFill/>
+                </a:ln>
+                <a:solidFill>
+                  <a:srgbClr val="000080"/>
+                </a:solidFill>
+                <a:effectLst/>
+                <a:latin typeface="Courier New" panose="02070309020205020404" pitchFamily="49" charset="0"/>
+                <a:cs typeface="Courier New" panose="02070309020205020404" pitchFamily="49" charset="0"/>
+              </a:rPr>
+              <a:t>int</a:t>
+            </a:r>
+            <a:r>
+              <a:rPr kumimoji="0" lang="en-US" altLang="en-US" sz="3200" b="1" i="0" u="none" strike="noStrike" cap="none" normalizeH="0" baseline="0" dirty="0" smtClean="0">
+                <a:ln>
+                  <a:noFill/>
+                </a:ln>
+                <a:solidFill>
+                  <a:srgbClr val="000080"/>
+                </a:solidFill>
+                <a:effectLst/>
+                <a:latin typeface="Courier New" panose="02070309020205020404" pitchFamily="49" charset="0"/>
+                <a:cs typeface="Courier New" panose="02070309020205020404" pitchFamily="49" charset="0"/>
+              </a:rPr>
+              <a:t> </a:t>
+            </a:r>
+            <a:r>
+              <a:rPr kumimoji="0" lang="en-US" altLang="en-US" sz="3200" b="0" i="0" u="none" strike="noStrike" cap="none" normalizeH="0" baseline="0" dirty="0" smtClean="0">
+                <a:ln>
+                  <a:noFill/>
+                </a:ln>
+                <a:solidFill>
+                  <a:srgbClr val="000000"/>
+                </a:solidFill>
+                <a:effectLst/>
+                <a:latin typeface="Courier New" panose="02070309020205020404" pitchFamily="49" charset="0"/>
+                <a:cs typeface="Courier New" panose="02070309020205020404" pitchFamily="49" charset="0"/>
+              </a:rPr>
+              <a:t>res = </a:t>
+            </a:r>
+            <a:r>
+              <a:rPr kumimoji="0" lang="en-US" altLang="en-US" sz="3200" b="0" i="0" u="none" strike="noStrike" cap="none" normalizeH="0" baseline="0" dirty="0" err="1" smtClean="0">
+                <a:ln>
+                  <a:noFill/>
+                </a:ln>
+                <a:solidFill>
+                  <a:srgbClr val="000000"/>
+                </a:solidFill>
+                <a:effectLst/>
+                <a:latin typeface="Courier New" panose="02070309020205020404" pitchFamily="49" charset="0"/>
+                <a:cs typeface="Courier New" panose="02070309020205020404" pitchFamily="49" charset="0"/>
+              </a:rPr>
+              <a:t>ArrayExample.</a:t>
+            </a:r>
+            <a:r>
+              <a:rPr kumimoji="0" lang="en-US" altLang="en-US" sz="3200" b="0" i="1" u="none" strike="noStrike" cap="none" normalizeH="0" baseline="0" dirty="0" err="1" smtClean="0">
+                <a:ln>
+                  <a:noFill/>
+                </a:ln>
+                <a:solidFill>
+                  <a:srgbClr val="000000"/>
+                </a:solidFill>
+                <a:effectLst/>
+                <a:latin typeface="Courier New" panose="02070309020205020404" pitchFamily="49" charset="0"/>
+                <a:cs typeface="Courier New" panose="02070309020205020404" pitchFamily="49" charset="0"/>
+              </a:rPr>
+              <a:t>sum</a:t>
+            </a:r>
+            <a:r>
+              <a:rPr kumimoji="0" lang="en-US" altLang="en-US" sz="3200" b="0" i="0" u="none" strike="noStrike" cap="none" normalizeH="0" baseline="0" dirty="0" smtClean="0">
+                <a:ln>
+                  <a:noFill/>
+                </a:ln>
+                <a:solidFill>
+                  <a:srgbClr val="000000"/>
+                </a:solidFill>
+                <a:effectLst/>
+                <a:latin typeface="Courier New" panose="02070309020205020404" pitchFamily="49" charset="0"/>
+                <a:cs typeface="Courier New" panose="02070309020205020404" pitchFamily="49" charset="0"/>
+              </a:rPr>
+              <a:t>(array);</a:t>
+            </a:r>
+            <a:br>
+              <a:rPr kumimoji="0" lang="en-US" altLang="en-US" sz="3200" b="0" i="0" u="none" strike="noStrike" cap="none" normalizeH="0" baseline="0" dirty="0" smtClean="0">
+                <a:ln>
+                  <a:noFill/>
+                </a:ln>
+                <a:solidFill>
+                  <a:srgbClr val="000000"/>
+                </a:solidFill>
+                <a:effectLst/>
+                <a:latin typeface="Courier New" panose="02070309020205020404" pitchFamily="49" charset="0"/>
+                <a:cs typeface="Courier New" panose="02070309020205020404" pitchFamily="49" charset="0"/>
+              </a:rPr>
+            </a:br>
+            <a:r>
+              <a:rPr kumimoji="0" lang="en-US" altLang="en-US" sz="3200" b="0" i="0" u="none" strike="noStrike" cap="none" normalizeH="0" baseline="0" dirty="0" smtClean="0">
+                <a:ln>
+                  <a:noFill/>
+                </a:ln>
+                <a:solidFill>
+                  <a:srgbClr val="000000"/>
+                </a:solidFill>
+                <a:effectLst/>
+                <a:latin typeface="Courier New" panose="02070309020205020404" pitchFamily="49" charset="0"/>
+                <a:cs typeface="Courier New" panose="02070309020205020404" pitchFamily="49" charset="0"/>
+              </a:rPr>
+              <a:t/>
+            </a:r>
+            <a:br>
+              <a:rPr kumimoji="0" lang="en-US" altLang="en-US" sz="3200" b="0" i="0" u="none" strike="noStrike" cap="none" normalizeH="0" baseline="0" dirty="0" smtClean="0">
+                <a:ln>
+                  <a:noFill/>
+                </a:ln>
+                <a:solidFill>
+                  <a:srgbClr val="000000"/>
+                </a:solidFill>
+                <a:effectLst/>
+                <a:latin typeface="Courier New" panose="02070309020205020404" pitchFamily="49" charset="0"/>
+                <a:cs typeface="Courier New" panose="02070309020205020404" pitchFamily="49" charset="0"/>
+              </a:rPr>
+            </a:br>
+            <a:r>
+              <a:rPr kumimoji="0" lang="en-US" altLang="en-US" sz="3200" b="0" i="0" u="none" strike="noStrike" cap="none" normalizeH="0" baseline="0" dirty="0" smtClean="0">
+                <a:ln>
+                  <a:noFill/>
+                </a:ln>
+                <a:solidFill>
+                  <a:srgbClr val="000000"/>
+                </a:solidFill>
+                <a:effectLst/>
+                <a:latin typeface="Courier New" panose="02070309020205020404" pitchFamily="49" charset="0"/>
+                <a:cs typeface="Courier New" panose="02070309020205020404" pitchFamily="49" charset="0"/>
+              </a:rPr>
+              <a:t>    </a:t>
+            </a:r>
+            <a:r>
+              <a:rPr kumimoji="0" lang="en-US" altLang="en-US" sz="3200" b="0" i="1" u="none" strike="noStrike" cap="none" normalizeH="0" baseline="0" dirty="0" err="1" smtClean="0">
+                <a:ln>
+                  <a:noFill/>
+                </a:ln>
+                <a:solidFill>
+                  <a:srgbClr val="000000"/>
+                </a:solidFill>
+                <a:effectLst/>
+                <a:latin typeface="Courier New" panose="02070309020205020404" pitchFamily="49" charset="0"/>
+                <a:cs typeface="Courier New" panose="02070309020205020404" pitchFamily="49" charset="0"/>
+              </a:rPr>
+              <a:t>assertEquals</a:t>
+            </a:r>
+            <a:r>
+              <a:rPr kumimoji="0" lang="en-US" altLang="en-US" sz="3200" b="0" i="0" u="none" strike="noStrike" cap="none" normalizeH="0" baseline="0" dirty="0" smtClean="0">
+                <a:ln>
+                  <a:noFill/>
+                </a:ln>
+                <a:solidFill>
+                  <a:srgbClr val="000000"/>
+                </a:solidFill>
+                <a:effectLst/>
+                <a:latin typeface="Courier New" panose="02070309020205020404" pitchFamily="49" charset="0"/>
+                <a:cs typeface="Courier New" panose="02070309020205020404" pitchFamily="49" charset="0"/>
+              </a:rPr>
+              <a:t>(</a:t>
+            </a:r>
+            <a:r>
+              <a:rPr kumimoji="0" lang="en-US" altLang="en-US" sz="3200" b="0" i="0" u="none" strike="noStrike" cap="none" normalizeH="0" baseline="0" dirty="0" smtClean="0">
+                <a:ln>
+                  <a:noFill/>
+                </a:ln>
+                <a:solidFill>
+                  <a:srgbClr val="0000FF"/>
+                </a:solidFill>
+                <a:effectLst/>
+                <a:latin typeface="Courier New" panose="02070309020205020404" pitchFamily="49" charset="0"/>
+                <a:cs typeface="Courier New" panose="02070309020205020404" pitchFamily="49" charset="0"/>
+              </a:rPr>
+              <a:t>6</a:t>
+            </a:r>
+            <a:r>
+              <a:rPr kumimoji="0" lang="en-US" altLang="en-US" sz="3200" b="0" i="0" u="none" strike="noStrike" cap="none" normalizeH="0" baseline="0" dirty="0" smtClean="0">
+                <a:ln>
+                  <a:noFill/>
+                </a:ln>
+                <a:solidFill>
+                  <a:srgbClr val="000000"/>
+                </a:solidFill>
+                <a:effectLst/>
+                <a:latin typeface="Courier New" panose="02070309020205020404" pitchFamily="49" charset="0"/>
+                <a:cs typeface="Courier New" panose="02070309020205020404" pitchFamily="49" charset="0"/>
+              </a:rPr>
+              <a:t>, res);</a:t>
+            </a:r>
+            <a:br>
+              <a:rPr kumimoji="0" lang="en-US" altLang="en-US" sz="3200" b="0" i="0" u="none" strike="noStrike" cap="none" normalizeH="0" baseline="0" dirty="0" smtClean="0">
+                <a:ln>
+                  <a:noFill/>
+                </a:ln>
+                <a:solidFill>
+                  <a:srgbClr val="000000"/>
+                </a:solidFill>
+                <a:effectLst/>
+                <a:latin typeface="Courier New" panose="02070309020205020404" pitchFamily="49" charset="0"/>
+                <a:cs typeface="Courier New" panose="02070309020205020404" pitchFamily="49" charset="0"/>
+              </a:rPr>
+            </a:br>
+            <a:r>
+              <a:rPr kumimoji="0" lang="en-US" altLang="en-US" sz="3200" b="0" i="0" u="none" strike="noStrike" cap="none" normalizeH="0" baseline="0" dirty="0" smtClean="0">
+                <a:ln>
+                  <a:noFill/>
+                </a:ln>
+                <a:solidFill>
+                  <a:srgbClr val="000000"/>
+                </a:solidFill>
+                <a:effectLst/>
+                <a:latin typeface="Courier New" panose="02070309020205020404" pitchFamily="49" charset="0"/>
+                <a:cs typeface="Courier New" panose="02070309020205020404" pitchFamily="49" charset="0"/>
+              </a:rPr>
+              <a:t>}</a:t>
+            </a:r>
+            <a:endParaRPr kumimoji="0" lang="en-US" altLang="en-US" sz="2800" b="0" i="0" u="none" strike="noStrike" cap="none" normalizeH="0" baseline="0" dirty="0" smtClean="0">
+              <a:ln>
+                <a:noFill/>
+              </a:ln>
+              <a:solidFill>
+                <a:schemeClr val="tx1"/>
+              </a:solidFill>
+              <a:effectLst/>
+              <a:latin typeface="Arial" panose="020B0604020202020204" pitchFamily="34" charset="0"/>
+            </a:endParaRPr>
+          </a:p>
+        </p:txBody>
+      </p:sp>
+      <p:sp>
+        <p:nvSpPr>
+          <p:cNvPr id="5" name="Rounded Rectangle 4"/>
+          <p:cNvSpPr/>
+          <p:nvPr/>
+        </p:nvSpPr>
+        <p:spPr>
+          <a:xfrm>
+            <a:off x="382495" y="1139566"/>
+            <a:ext cx="2158739" cy="930751"/>
+          </a:xfrm>
+          <a:prstGeom prst="roundRect">
+            <a:avLst/>
+          </a:prstGeom>
+          <a:solidFill>
+            <a:schemeClr val="accent6">
+              <a:lumMod val="40000"/>
+              <a:lumOff val="60000"/>
+            </a:schemeClr>
+          </a:solidFill>
+          <a:ln w="12700" cap="flat">
+            <a:noFill/>
+            <a:miter lim="400000"/>
+          </a:ln>
+          <a:effectLst>
+            <a:outerShdw blurRad="38100" dist="25400" dir="5400000" rotWithShape="0">
+              <a:srgbClr val="000000">
+                <a:alpha val="50000"/>
+              </a:srgbClr>
+            </a:outerShdw>
+          </a:effectLst>
+          <a:sp3d/>
+        </p:spPr>
+        <p:style>
+          <a:lnRef idx="0">
+            <a:scrgbClr r="0" g="0" b="0"/>
+          </a:lnRef>
+          <a:fillRef idx="0">
+            <a:scrgbClr r="0" g="0" b="0"/>
+          </a:fillRef>
+          <a:effectRef idx="0">
+            <a:scrgbClr r="0" g="0" b="0"/>
+          </a:effectRef>
+          <a:fontRef idx="none"/>
+        </p:style>
+        <p:txBody>
+          <a:bodyPr rot="0" spcFirstLastPara="1" vertOverflow="overflow" horzOverflow="overflow" vert="horz" wrap="square" lIns="50800" tIns="50800" rIns="50800" bIns="50800" numCol="1" spcCol="38100" rtlCol="0" anchor="ctr">
+            <a:spAutoFit/>
+          </a:bodyPr>
+          <a:lstStyle/>
+          <a:p>
+            <a:pPr marL="0" marR="0" indent="0" algn="ctr" defTabSz="584200" rtl="0" fontAlgn="auto" latinLnBrk="0" hangingPunct="0">
+              <a:lnSpc>
+                <a:spcPct val="100000"/>
+              </a:lnSpc>
+              <a:spcBef>
+                <a:spcPts val="0"/>
+              </a:spcBef>
+              <a:spcAft>
+                <a:spcPts val="0"/>
+              </a:spcAft>
+              <a:buClrTx/>
+              <a:buSzTx/>
+              <a:buFontTx/>
+              <a:buNone/>
+              <a:tabLst/>
+            </a:pPr>
+            <a:r>
+              <a:rPr kumimoji="0" lang="en-US" sz="2400" b="0" i="0" u="none" strike="noStrike" cap="none" spc="0" normalizeH="0" baseline="0" dirty="0" smtClean="0">
+                <a:ln>
+                  <a:noFill/>
+                </a:ln>
+                <a:solidFill>
+                  <a:srgbClr val="FFFFFF"/>
+                </a:solidFill>
+                <a:effectLst/>
+                <a:uFillTx/>
+                <a:latin typeface="+mn-lt"/>
+                <a:ea typeface="+mn-ea"/>
+                <a:cs typeface="+mn-cs"/>
+                <a:sym typeface="Helvetica Light"/>
+              </a:rPr>
+              <a:t>Mark method as a test</a:t>
+            </a:r>
+            <a:endParaRPr kumimoji="0" lang="en-US" sz="2400" b="0" i="0" u="none" strike="noStrike" cap="none" spc="0" normalizeH="0" baseline="0" dirty="0">
+              <a:ln>
+                <a:noFill/>
+              </a:ln>
+              <a:solidFill>
+                <a:srgbClr val="FFFFFF"/>
+              </a:solidFill>
+              <a:effectLst/>
+              <a:uFillTx/>
+              <a:latin typeface="+mn-lt"/>
+              <a:ea typeface="+mn-ea"/>
+              <a:cs typeface="+mn-cs"/>
+              <a:sym typeface="Helvetica Light"/>
+            </a:endParaRPr>
+          </a:p>
+        </p:txBody>
+      </p:sp>
+      <p:sp>
+        <p:nvSpPr>
+          <p:cNvPr id="6" name="Rounded Rectangle 5"/>
+          <p:cNvSpPr/>
+          <p:nvPr/>
+        </p:nvSpPr>
+        <p:spPr>
+          <a:xfrm>
+            <a:off x="10436314" y="4410931"/>
+            <a:ext cx="1894787" cy="522129"/>
+          </a:xfrm>
+          <a:prstGeom prst="roundRect">
+            <a:avLst/>
+          </a:prstGeom>
+          <a:solidFill>
+            <a:schemeClr val="accent6">
+              <a:lumMod val="40000"/>
+              <a:lumOff val="60000"/>
+            </a:schemeClr>
+          </a:solidFill>
+          <a:ln w="12700" cap="flat">
+            <a:noFill/>
+            <a:miter lim="400000"/>
+          </a:ln>
+          <a:effectLst>
+            <a:outerShdw blurRad="38100" dist="25400" dir="5400000" rotWithShape="0">
+              <a:srgbClr val="000000">
+                <a:alpha val="50000"/>
+              </a:srgbClr>
+            </a:outerShdw>
+          </a:effectLst>
+          <a:sp3d/>
+        </p:spPr>
+        <p:style>
+          <a:lnRef idx="0">
+            <a:scrgbClr r="0" g="0" b="0"/>
+          </a:lnRef>
+          <a:fillRef idx="0">
+            <a:scrgbClr r="0" g="0" b="0"/>
+          </a:fillRef>
+          <a:effectRef idx="0">
+            <a:scrgbClr r="0" g="0" b="0"/>
+          </a:effectRef>
+          <a:fontRef idx="none"/>
+        </p:style>
+        <p:txBody>
+          <a:bodyPr rot="0" spcFirstLastPara="1" vertOverflow="overflow" horzOverflow="overflow" vert="horz" wrap="square" lIns="50800" tIns="50800" rIns="50800" bIns="50800" numCol="1" spcCol="38100" rtlCol="0" anchor="ctr">
+            <a:spAutoFit/>
+          </a:bodyPr>
+          <a:lstStyle/>
+          <a:p>
+            <a:pPr marL="0" marR="0" indent="0" algn="ctr" defTabSz="584200" rtl="0" fontAlgn="auto" latinLnBrk="0" hangingPunct="0">
+              <a:lnSpc>
+                <a:spcPct val="100000"/>
+              </a:lnSpc>
+              <a:spcBef>
+                <a:spcPts val="0"/>
+              </a:spcBef>
+              <a:spcAft>
+                <a:spcPts val="0"/>
+              </a:spcAft>
+              <a:buClrTx/>
+              <a:buSzTx/>
+              <a:buFontTx/>
+              <a:buNone/>
+              <a:tabLst/>
+            </a:pPr>
+            <a:r>
+              <a:rPr kumimoji="0" lang="en-US" sz="2400" b="0" i="0" u="none" strike="noStrike" cap="none" spc="0" normalizeH="0" baseline="0" dirty="0" smtClean="0">
+                <a:ln>
+                  <a:noFill/>
+                </a:ln>
+                <a:solidFill>
+                  <a:srgbClr val="FFFFFF"/>
+                </a:solidFill>
+                <a:effectLst/>
+                <a:uFillTx/>
+                <a:latin typeface="+mn-lt"/>
+                <a:ea typeface="+mn-ea"/>
+                <a:cs typeface="+mn-cs"/>
+                <a:sym typeface="Helvetica Light"/>
+              </a:rPr>
+              <a:t>Input data</a:t>
+            </a:r>
+            <a:endParaRPr kumimoji="0" lang="en-US" sz="2400" b="0" i="0" u="none" strike="noStrike" cap="none" spc="0" normalizeH="0" baseline="0" dirty="0">
+              <a:ln>
+                <a:noFill/>
+              </a:ln>
+              <a:solidFill>
+                <a:srgbClr val="FFFFFF"/>
+              </a:solidFill>
+              <a:effectLst/>
+              <a:uFillTx/>
+              <a:latin typeface="+mn-lt"/>
+              <a:ea typeface="+mn-ea"/>
+              <a:cs typeface="+mn-cs"/>
+              <a:sym typeface="Helvetica Light"/>
+            </a:endParaRPr>
+          </a:p>
+        </p:txBody>
+      </p:sp>
+      <p:sp>
+        <p:nvSpPr>
+          <p:cNvPr id="7" name="Rounded Rectangle 6"/>
+          <p:cNvSpPr/>
+          <p:nvPr/>
+        </p:nvSpPr>
+        <p:spPr>
+          <a:xfrm>
+            <a:off x="382495" y="5171714"/>
+            <a:ext cx="1894787" cy="930751"/>
+          </a:xfrm>
+          <a:prstGeom prst="roundRect">
+            <a:avLst/>
+          </a:prstGeom>
+          <a:solidFill>
+            <a:schemeClr val="accent6">
+              <a:lumMod val="40000"/>
+              <a:lumOff val="60000"/>
+            </a:schemeClr>
+          </a:solidFill>
+          <a:ln w="12700" cap="flat">
+            <a:noFill/>
+            <a:miter lim="400000"/>
+          </a:ln>
+          <a:effectLst>
+            <a:outerShdw blurRad="38100" dist="25400" dir="5400000" rotWithShape="0">
+              <a:srgbClr val="000000">
+                <a:alpha val="50000"/>
+              </a:srgbClr>
+            </a:outerShdw>
+          </a:effectLst>
+          <a:sp3d/>
+        </p:spPr>
+        <p:style>
+          <a:lnRef idx="0">
+            <a:scrgbClr r="0" g="0" b="0"/>
+          </a:lnRef>
+          <a:fillRef idx="0">
+            <a:scrgbClr r="0" g="0" b="0"/>
+          </a:fillRef>
+          <a:effectRef idx="0">
+            <a:scrgbClr r="0" g="0" b="0"/>
+          </a:effectRef>
+          <a:fontRef idx="none"/>
+        </p:style>
+        <p:txBody>
+          <a:bodyPr rot="0" spcFirstLastPara="1" vertOverflow="overflow" horzOverflow="overflow" vert="horz" wrap="square" lIns="50800" tIns="50800" rIns="50800" bIns="50800" numCol="1" spcCol="38100" rtlCol="0" anchor="ctr">
+            <a:spAutoFit/>
+          </a:bodyPr>
+          <a:lstStyle/>
+          <a:p>
+            <a:pPr marL="0" marR="0" indent="0" algn="ctr" defTabSz="584200" rtl="0" fontAlgn="auto" latinLnBrk="0" hangingPunct="0">
+              <a:lnSpc>
+                <a:spcPct val="100000"/>
+              </a:lnSpc>
+              <a:spcBef>
+                <a:spcPts val="0"/>
+              </a:spcBef>
+              <a:spcAft>
+                <a:spcPts val="0"/>
+              </a:spcAft>
+              <a:buClrTx/>
+              <a:buSzTx/>
+              <a:buFontTx/>
+              <a:buNone/>
+              <a:tabLst/>
+            </a:pPr>
+            <a:r>
+              <a:rPr kumimoji="0" lang="en-US" sz="2400" b="0" i="0" u="none" strike="noStrike" cap="none" spc="0" normalizeH="0" baseline="0" dirty="0" smtClean="0">
+                <a:ln>
+                  <a:noFill/>
+                </a:ln>
+                <a:solidFill>
+                  <a:srgbClr val="FFFFFF"/>
+                </a:solidFill>
+                <a:effectLst/>
+                <a:uFillTx/>
+                <a:latin typeface="+mn-lt"/>
+                <a:ea typeface="+mn-ea"/>
+                <a:cs typeface="+mn-cs"/>
+                <a:sym typeface="Helvetica Light"/>
+              </a:rPr>
+              <a:t>Code execution</a:t>
+            </a:r>
+            <a:endParaRPr kumimoji="0" lang="en-US" sz="2400" b="0" i="0" u="none" strike="noStrike" cap="none" spc="0" normalizeH="0" baseline="0" dirty="0">
+              <a:ln>
+                <a:noFill/>
+              </a:ln>
+              <a:solidFill>
+                <a:srgbClr val="FFFFFF"/>
+              </a:solidFill>
+              <a:effectLst/>
+              <a:uFillTx/>
+              <a:latin typeface="+mn-lt"/>
+              <a:ea typeface="+mn-ea"/>
+              <a:cs typeface="+mn-cs"/>
+              <a:sym typeface="Helvetica Light"/>
+            </a:endParaRPr>
+          </a:p>
+        </p:txBody>
+      </p:sp>
+      <p:sp>
+        <p:nvSpPr>
+          <p:cNvPr id="8" name="Rounded Rectangle 7"/>
+          <p:cNvSpPr/>
+          <p:nvPr/>
+        </p:nvSpPr>
+        <p:spPr>
+          <a:xfrm>
+            <a:off x="9790577" y="6371911"/>
+            <a:ext cx="1894787" cy="522129"/>
+          </a:xfrm>
+          <a:prstGeom prst="roundRect">
+            <a:avLst/>
+          </a:prstGeom>
+          <a:solidFill>
+            <a:schemeClr val="accent6">
+              <a:lumMod val="40000"/>
+              <a:lumOff val="60000"/>
+            </a:schemeClr>
+          </a:solidFill>
+          <a:ln w="12700" cap="flat">
+            <a:noFill/>
+            <a:miter lim="400000"/>
+          </a:ln>
+          <a:effectLst>
+            <a:outerShdw blurRad="38100" dist="25400" dir="5400000" rotWithShape="0">
+              <a:srgbClr val="000000">
+                <a:alpha val="50000"/>
+              </a:srgbClr>
+            </a:outerShdw>
+          </a:effectLst>
+          <a:sp3d/>
+        </p:spPr>
+        <p:style>
+          <a:lnRef idx="0">
+            <a:scrgbClr r="0" g="0" b="0"/>
+          </a:lnRef>
+          <a:fillRef idx="0">
+            <a:scrgbClr r="0" g="0" b="0"/>
+          </a:fillRef>
+          <a:effectRef idx="0">
+            <a:scrgbClr r="0" g="0" b="0"/>
+          </a:effectRef>
+          <a:fontRef idx="none"/>
+        </p:style>
+        <p:txBody>
+          <a:bodyPr rot="0" spcFirstLastPara="1" vertOverflow="overflow" horzOverflow="overflow" vert="horz" wrap="square" lIns="50800" tIns="50800" rIns="50800" bIns="50800" numCol="1" spcCol="38100" rtlCol="0" anchor="ctr">
+            <a:spAutoFit/>
+          </a:bodyPr>
+          <a:lstStyle/>
+          <a:p>
+            <a:pPr marL="0" marR="0" indent="0" algn="ctr" defTabSz="584200" rtl="0" fontAlgn="auto" latinLnBrk="0" hangingPunct="0">
+              <a:lnSpc>
+                <a:spcPct val="100000"/>
+              </a:lnSpc>
+              <a:spcBef>
+                <a:spcPts val="0"/>
+              </a:spcBef>
+              <a:spcAft>
+                <a:spcPts val="0"/>
+              </a:spcAft>
+              <a:buClrTx/>
+              <a:buSzTx/>
+              <a:buFontTx/>
+              <a:buNone/>
+              <a:tabLst/>
+            </a:pPr>
+            <a:r>
+              <a:rPr kumimoji="0" lang="en-US" sz="2400" b="0" i="0" u="none" strike="noStrike" cap="none" spc="0" normalizeH="0" baseline="0" dirty="0" smtClean="0">
+                <a:ln>
+                  <a:noFill/>
+                </a:ln>
+                <a:solidFill>
+                  <a:srgbClr val="FFFFFF"/>
+                </a:solidFill>
+                <a:effectLst/>
+                <a:uFillTx/>
+                <a:latin typeface="+mn-lt"/>
+                <a:ea typeface="+mn-ea"/>
+                <a:cs typeface="+mn-cs"/>
+                <a:sym typeface="Helvetica Light"/>
+              </a:rPr>
+              <a:t>Verify output</a:t>
+            </a:r>
+            <a:endParaRPr kumimoji="0" lang="en-US" sz="2400" b="0" i="0" u="none" strike="noStrike" cap="none" spc="0" normalizeH="0" baseline="0" dirty="0">
+              <a:ln>
+                <a:noFill/>
+              </a:ln>
+              <a:solidFill>
+                <a:srgbClr val="FFFFFF"/>
+              </a:solidFill>
+              <a:effectLst/>
+              <a:uFillTx/>
+              <a:latin typeface="+mn-lt"/>
+              <a:ea typeface="+mn-ea"/>
+              <a:cs typeface="+mn-cs"/>
+              <a:sym typeface="Helvetica Light"/>
+            </a:endParaRPr>
+          </a:p>
+        </p:txBody>
+      </p:sp>
+      <p:sp>
+        <p:nvSpPr>
+          <p:cNvPr id="13" name="Down Arrow 12"/>
+          <p:cNvSpPr/>
+          <p:nvPr/>
+        </p:nvSpPr>
+        <p:spPr>
+          <a:xfrm rot="19255555">
+            <a:off x="1842098" y="2142786"/>
+            <a:ext cx="461912" cy="916613"/>
+          </a:xfrm>
+          <a:prstGeom prst="downArrow">
+            <a:avLst/>
+          </a:prstGeom>
+          <a:solidFill>
+            <a:schemeClr val="tx1"/>
+          </a:solidFill>
+          <a:ln w="12700" cap="flat">
+            <a:noFill/>
+            <a:miter lim="400000"/>
+          </a:ln>
+          <a:effectLst>
+            <a:outerShdw blurRad="38100" dist="25400" dir="5400000" rotWithShape="0">
+              <a:schemeClr val="tx1">
+                <a:alpha val="50000"/>
+              </a:schemeClr>
+            </a:outerShdw>
+          </a:effectLst>
+          <a:sp3d/>
+        </p:spPr>
+        <p:style>
+          <a:lnRef idx="0">
+            <a:scrgbClr r="0" g="0" b="0"/>
+          </a:lnRef>
+          <a:fillRef idx="0">
+            <a:scrgbClr r="0" g="0" b="0"/>
+          </a:fillRef>
+          <a:effectRef idx="0">
+            <a:scrgbClr r="0" g="0" b="0"/>
+          </a:effectRef>
+          <a:fontRef idx="none"/>
+        </p:style>
+        <p:txBody>
+          <a:bodyPr rot="0" spcFirstLastPara="1" vertOverflow="overflow" horzOverflow="overflow" vert="horz" wrap="square" lIns="50800" tIns="50800" rIns="50800" bIns="50800" numCol="1" spcCol="38100" rtlCol="0" anchor="ctr">
+            <a:spAutoFit/>
+          </a:bodyPr>
+          <a:lstStyle/>
+          <a:p>
+            <a:pPr marL="0" marR="0" indent="0" algn="ctr" defTabSz="584200" rtl="0" fontAlgn="auto" latinLnBrk="0" hangingPunct="0">
+              <a:lnSpc>
+                <a:spcPct val="100000"/>
+              </a:lnSpc>
+              <a:spcBef>
+                <a:spcPts val="0"/>
+              </a:spcBef>
+              <a:spcAft>
+                <a:spcPts val="0"/>
+              </a:spcAft>
+              <a:buClrTx/>
+              <a:buSzTx/>
+              <a:buFontTx/>
+              <a:buNone/>
+              <a:tabLst/>
+            </a:pPr>
+            <a:endParaRPr kumimoji="0" lang="en-US" sz="2400" b="0" i="0" u="none" strike="noStrike" cap="none" spc="0" normalizeH="0" baseline="0">
+              <a:ln>
+                <a:noFill/>
+              </a:ln>
+              <a:solidFill>
+                <a:srgbClr val="FFFFFF"/>
+              </a:solidFill>
+              <a:effectLst/>
+              <a:uFillTx/>
+              <a:latin typeface="+mn-lt"/>
+              <a:ea typeface="+mn-ea"/>
+              <a:cs typeface="+mn-cs"/>
+              <a:sym typeface="Helvetica Light"/>
+            </a:endParaRPr>
+          </a:p>
+        </p:txBody>
+      </p:sp>
+      <p:sp>
+        <p:nvSpPr>
+          <p:cNvPr id="14" name="Down Arrow 13"/>
+          <p:cNvSpPr/>
+          <p:nvPr/>
+        </p:nvSpPr>
+        <p:spPr>
+          <a:xfrm rot="5400000">
+            <a:off x="9438176" y="4025944"/>
+            <a:ext cx="461914" cy="1299162"/>
+          </a:xfrm>
+          <a:prstGeom prst="downArrow">
+            <a:avLst/>
+          </a:prstGeom>
+          <a:solidFill>
+            <a:schemeClr val="tx1"/>
+          </a:solidFill>
+          <a:ln w="12700" cap="flat">
+            <a:noFill/>
+            <a:miter lim="400000"/>
+          </a:ln>
+          <a:effectLst>
+            <a:outerShdw blurRad="38100" dist="25400" dir="5400000" rotWithShape="0">
+              <a:schemeClr val="tx1">
+                <a:alpha val="50000"/>
+              </a:schemeClr>
+            </a:outerShdw>
+          </a:effectLst>
+          <a:sp3d/>
+        </p:spPr>
+        <p:style>
+          <a:lnRef idx="0">
+            <a:scrgbClr r="0" g="0" b="0"/>
+          </a:lnRef>
+          <a:fillRef idx="0">
+            <a:scrgbClr r="0" g="0" b="0"/>
+          </a:fillRef>
+          <a:effectRef idx="0">
+            <a:scrgbClr r="0" g="0" b="0"/>
+          </a:effectRef>
+          <a:fontRef idx="none"/>
+        </p:style>
+        <p:txBody>
+          <a:bodyPr rot="0" spcFirstLastPara="1" vertOverflow="overflow" horzOverflow="overflow" vert="horz" wrap="square" lIns="50800" tIns="50800" rIns="50800" bIns="50800" numCol="1" spcCol="38100" rtlCol="0" anchor="ctr">
+            <a:spAutoFit/>
+          </a:bodyPr>
+          <a:lstStyle/>
+          <a:p>
+            <a:pPr marL="0" marR="0" indent="0" algn="ctr" defTabSz="584200" rtl="0" fontAlgn="auto" latinLnBrk="0" hangingPunct="0">
+              <a:lnSpc>
+                <a:spcPct val="100000"/>
+              </a:lnSpc>
+              <a:spcBef>
+                <a:spcPts val="0"/>
+              </a:spcBef>
+              <a:spcAft>
+                <a:spcPts val="0"/>
+              </a:spcAft>
+              <a:buClrTx/>
+              <a:buSzTx/>
+              <a:buFontTx/>
+              <a:buNone/>
+              <a:tabLst/>
+            </a:pPr>
+            <a:endParaRPr kumimoji="0" lang="en-US" sz="2400" b="0" i="0" u="none" strike="noStrike" cap="none" spc="0" normalizeH="0" baseline="0">
+              <a:ln>
+                <a:noFill/>
+              </a:ln>
+              <a:solidFill>
+                <a:srgbClr val="FFFFFF"/>
+              </a:solidFill>
+              <a:effectLst/>
+              <a:uFillTx/>
+              <a:latin typeface="+mn-lt"/>
+              <a:ea typeface="+mn-ea"/>
+              <a:cs typeface="+mn-cs"/>
+              <a:sym typeface="Helvetica Light"/>
+            </a:endParaRPr>
+          </a:p>
+        </p:txBody>
+      </p:sp>
+      <p:sp>
+        <p:nvSpPr>
+          <p:cNvPr id="15" name="Down Arrow 14"/>
+          <p:cNvSpPr/>
+          <p:nvPr/>
+        </p:nvSpPr>
+        <p:spPr>
+          <a:xfrm rot="16200000">
+            <a:off x="2442118" y="5407936"/>
+            <a:ext cx="437508" cy="458306"/>
+          </a:xfrm>
+          <a:prstGeom prst="downArrow">
+            <a:avLst/>
+          </a:prstGeom>
+          <a:solidFill>
+            <a:schemeClr val="tx1"/>
+          </a:solidFill>
+          <a:ln w="12700" cap="flat">
+            <a:noFill/>
+            <a:miter lim="400000"/>
+          </a:ln>
+          <a:effectLst>
+            <a:outerShdw blurRad="38100" dist="25400" dir="5400000" rotWithShape="0">
+              <a:schemeClr val="tx1">
+                <a:alpha val="50000"/>
+              </a:schemeClr>
+            </a:outerShdw>
+          </a:effectLst>
+          <a:sp3d/>
+        </p:spPr>
+        <p:style>
+          <a:lnRef idx="0">
+            <a:scrgbClr r="0" g="0" b="0"/>
+          </a:lnRef>
+          <a:fillRef idx="0">
+            <a:scrgbClr r="0" g="0" b="0"/>
+          </a:fillRef>
+          <a:effectRef idx="0">
+            <a:scrgbClr r="0" g="0" b="0"/>
+          </a:effectRef>
+          <a:fontRef idx="none"/>
+        </p:style>
+        <p:txBody>
+          <a:bodyPr rot="0" spcFirstLastPara="1" vertOverflow="overflow" horzOverflow="overflow" vert="horz" wrap="square" lIns="50800" tIns="50800" rIns="50800" bIns="50800" numCol="1" spcCol="38100" rtlCol="0" anchor="ctr">
+            <a:spAutoFit/>
+          </a:bodyPr>
+          <a:lstStyle/>
+          <a:p>
+            <a:pPr marL="0" marR="0" indent="0" algn="ctr" defTabSz="584200" rtl="0" fontAlgn="auto" latinLnBrk="0" hangingPunct="0">
+              <a:lnSpc>
+                <a:spcPct val="100000"/>
+              </a:lnSpc>
+              <a:spcBef>
+                <a:spcPts val="0"/>
+              </a:spcBef>
+              <a:spcAft>
+                <a:spcPts val="0"/>
+              </a:spcAft>
+              <a:buClrTx/>
+              <a:buSzTx/>
+              <a:buFontTx/>
+              <a:buNone/>
+              <a:tabLst/>
+            </a:pPr>
+            <a:endParaRPr kumimoji="0" lang="en-US" sz="2400" b="0" i="0" u="none" strike="noStrike" cap="none" spc="0" normalizeH="0" baseline="0">
+              <a:ln>
+                <a:noFill/>
+              </a:ln>
+              <a:solidFill>
+                <a:srgbClr val="FFFFFF"/>
+              </a:solidFill>
+              <a:effectLst/>
+              <a:uFillTx/>
+              <a:latin typeface="+mn-lt"/>
+              <a:ea typeface="+mn-ea"/>
+              <a:cs typeface="+mn-cs"/>
+              <a:sym typeface="Helvetica Light"/>
+            </a:endParaRPr>
+          </a:p>
+        </p:txBody>
+      </p:sp>
+      <p:sp>
+        <p:nvSpPr>
+          <p:cNvPr id="16" name="Down Arrow 15"/>
+          <p:cNvSpPr/>
+          <p:nvPr/>
+        </p:nvSpPr>
+        <p:spPr>
+          <a:xfrm rot="5400000">
+            <a:off x="8713883" y="5983395"/>
+            <a:ext cx="461914" cy="1299162"/>
+          </a:xfrm>
+          <a:prstGeom prst="downArrow">
+            <a:avLst/>
+          </a:prstGeom>
+          <a:solidFill>
+            <a:schemeClr val="tx1"/>
+          </a:solidFill>
+          <a:ln w="12700" cap="flat">
+            <a:noFill/>
+            <a:miter lim="400000"/>
+          </a:ln>
+          <a:effectLst>
+            <a:outerShdw blurRad="38100" dist="25400" dir="5400000" rotWithShape="0">
+              <a:schemeClr val="tx1">
+                <a:alpha val="50000"/>
+              </a:schemeClr>
+            </a:outerShdw>
+          </a:effectLst>
+          <a:sp3d/>
+        </p:spPr>
+        <p:style>
+          <a:lnRef idx="0">
+            <a:scrgbClr r="0" g="0" b="0"/>
+          </a:lnRef>
+          <a:fillRef idx="0">
+            <a:scrgbClr r="0" g="0" b="0"/>
+          </a:fillRef>
+          <a:effectRef idx="0">
+            <a:scrgbClr r="0" g="0" b="0"/>
+          </a:effectRef>
+          <a:fontRef idx="none"/>
+        </p:style>
+        <p:txBody>
+          <a:bodyPr rot="0" spcFirstLastPara="1" vertOverflow="overflow" horzOverflow="overflow" vert="horz" wrap="square" lIns="50800" tIns="50800" rIns="50800" bIns="50800" numCol="1" spcCol="38100" rtlCol="0" anchor="ctr">
+            <a:spAutoFit/>
+          </a:bodyPr>
+          <a:lstStyle/>
+          <a:p>
+            <a:pPr marL="0" marR="0" indent="0" algn="ctr" defTabSz="584200" rtl="0" fontAlgn="auto" latinLnBrk="0" hangingPunct="0">
+              <a:lnSpc>
+                <a:spcPct val="100000"/>
+              </a:lnSpc>
+              <a:spcBef>
+                <a:spcPts val="0"/>
+              </a:spcBef>
+              <a:spcAft>
+                <a:spcPts val="0"/>
+              </a:spcAft>
+              <a:buClrTx/>
+              <a:buSzTx/>
+              <a:buFontTx/>
+              <a:buNone/>
+              <a:tabLst/>
+            </a:pPr>
+            <a:endParaRPr kumimoji="0" lang="en-US" sz="2400" b="0" i="0" u="none" strike="noStrike" cap="none" spc="0" normalizeH="0" baseline="0">
+              <a:ln>
+                <a:noFill/>
+              </a:ln>
+              <a:solidFill>
+                <a:srgbClr val="FFFFFF"/>
+              </a:solidFill>
+              <a:effectLst/>
+              <a:uFillTx/>
+              <a:latin typeface="+mn-lt"/>
+              <a:ea typeface="+mn-ea"/>
+              <a:cs typeface="+mn-cs"/>
+              <a:sym typeface="Helvetica Light"/>
+            </a:endParaRPr>
+          </a:p>
+        </p:txBody>
+      </p:sp>
+    </p:spTree>
+    <p:extLst>
+      <p:ext uri="{BB962C8B-B14F-4D97-AF65-F5344CB8AC3E}">
+        <p14:creationId xmlns:p14="http://schemas.microsoft.com/office/powerpoint/2010/main" val="721555900"/>
+      </p:ext>
+    </p:extLst>
+  </p:cSld>
+  <p:clrMapOvr>
+    <a:masterClrMapping/>
+  </p:clrMapOvr>
+  <p:transition spd="med"/>
+</p:sld>
+</file>
+
+<file path=ppt/slides/slide28.xml><?xml version="1.0" encoding="utf-8"?>
+<p:sld xmlns:a="http://schemas.openxmlformats.org/drawingml/2006/main" xmlns:r="http://schemas.openxmlformats.org/officeDocument/2006/relationships" xmlns:p="http://schemas.openxmlformats.org/presentationml/2006/main">
+  <p:cSld>
+    <p:spTree>
+      <p:nvGrpSpPr>
+        <p:cNvPr id="1" name=""/>
+        <p:cNvGrpSpPr/>
+        <p:nvPr/>
+      </p:nvGrpSpPr>
+      <p:grpSpPr>
+        <a:xfrm>
+          <a:off x="0" y="0"/>
+          <a:ext cx="0" cy="0"/>
+          <a:chOff x="0" y="0"/>
+          <a:chExt cx="0" cy="0"/>
+        </a:xfrm>
+      </p:grpSpPr>
+      <p:sp>
+        <p:nvSpPr>
+          <p:cNvPr id="2" name="Title 1"/>
+          <p:cNvSpPr>
+            <a:spLocks noGrp="1"/>
+          </p:cNvSpPr>
+          <p:nvPr>
+            <p:ph type="title"/>
+          </p:nvPr>
+        </p:nvSpPr>
+        <p:spPr>
+          <a:xfrm>
+            <a:off x="952500" y="29721"/>
+            <a:ext cx="11099800" cy="1481468"/>
+          </a:xfrm>
+        </p:spPr>
+        <p:txBody>
+          <a:bodyPr/>
+          <a:lstStyle/>
+          <a:p>
+            <a:r>
+              <a:rPr lang="en-US" dirty="0" smtClean="0"/>
+              <a:t>Running a Test</a:t>
+            </a:r>
+            <a:endParaRPr lang="en-US" dirty="0"/>
+          </a:p>
+        </p:txBody>
+      </p:sp>
+      <p:sp>
+        <p:nvSpPr>
+          <p:cNvPr id="3" name="Text Placeholder 2"/>
+          <p:cNvSpPr>
+            <a:spLocks noGrp="1"/>
+          </p:cNvSpPr>
+          <p:nvPr>
+            <p:ph type="body" idx="1"/>
+          </p:nvPr>
+        </p:nvSpPr>
+        <p:spPr>
+          <a:xfrm>
+            <a:off x="1153998" y="1794496"/>
+            <a:ext cx="10696804" cy="1497161"/>
+          </a:xfrm>
+        </p:spPr>
+        <p:txBody>
+          <a:bodyPr>
+            <a:normAutofit lnSpcReduction="10000"/>
+          </a:bodyPr>
+          <a:lstStyle/>
+          <a:p>
+            <a:pPr>
+              <a:spcBef>
+                <a:spcPts val="2400"/>
+              </a:spcBef>
+            </a:pPr>
+            <a:r>
+              <a:rPr lang="en-US" dirty="0" smtClean="0"/>
+              <a:t>Right-click, and choose “</a:t>
+            </a:r>
+            <a:r>
+              <a:rPr lang="en-US" i="1" dirty="0" smtClean="0"/>
+              <a:t>Run &lt;</a:t>
+            </a:r>
+            <a:r>
+              <a:rPr lang="en-US" i="1" dirty="0" err="1" smtClean="0"/>
+              <a:t>ClassName</a:t>
+            </a:r>
+            <a:r>
+              <a:rPr lang="en-US" i="1" dirty="0" smtClean="0"/>
+              <a:t>&gt;</a:t>
+            </a:r>
+            <a:r>
+              <a:rPr lang="en-US" dirty="0" smtClean="0"/>
+              <a:t>”</a:t>
+            </a:r>
+          </a:p>
+          <a:p>
+            <a:pPr>
+              <a:spcBef>
+                <a:spcPts val="2400"/>
+              </a:spcBef>
+            </a:pPr>
+            <a:r>
+              <a:rPr lang="en-US" dirty="0" smtClean="0"/>
+              <a:t>Can also use “</a:t>
+            </a:r>
+            <a:r>
+              <a:rPr lang="en-US" i="1" dirty="0" smtClean="0"/>
+              <a:t>Debug</a:t>
+            </a:r>
+            <a:r>
+              <a:rPr lang="en-US" dirty="0" smtClean="0"/>
+              <a:t>” and “</a:t>
+            </a:r>
+            <a:r>
+              <a:rPr lang="en-US" i="1" dirty="0" smtClean="0"/>
+              <a:t>Run With Coverage</a:t>
+            </a:r>
+            <a:r>
+              <a:rPr lang="en-US" dirty="0" smtClean="0"/>
+              <a:t>” </a:t>
+            </a:r>
+            <a:endParaRPr lang="en-US" dirty="0"/>
+          </a:p>
+        </p:txBody>
+      </p:sp>
+      <p:pic>
+        <p:nvPicPr>
+          <p:cNvPr id="4" name="Picture 3"/>
+          <p:cNvPicPr>
+            <a:picLocks noChangeAspect="1"/>
+          </p:cNvPicPr>
+          <p:nvPr/>
+        </p:nvPicPr>
+        <p:blipFill>
+          <a:blip r:embed="rId2"/>
+          <a:stretch>
+            <a:fillRect/>
+          </a:stretch>
+        </p:blipFill>
+        <p:spPr>
+          <a:xfrm>
+            <a:off x="2340466" y="3665828"/>
+            <a:ext cx="8330676" cy="5860470"/>
+          </a:xfrm>
+          <a:prstGeom prst="rect">
+            <a:avLst/>
+          </a:prstGeom>
+        </p:spPr>
+      </p:pic>
+    </p:spTree>
+    <p:extLst>
+      <p:ext uri="{BB962C8B-B14F-4D97-AF65-F5344CB8AC3E}">
+        <p14:creationId xmlns:p14="http://schemas.microsoft.com/office/powerpoint/2010/main" val="3232246092"/>
+      </p:ext>
+    </p:extLst>
+  </p:cSld>
+  <p:clrMapOvr>
+    <a:masterClrMapping/>
+  </p:clrMapOvr>
+  <p:transition spd="med"/>
+</p:sld>
+</file>
+
+<file path=ppt/slides/slide29.xml><?xml version="1.0" encoding="utf-8"?>
+<p:sld xmlns:a="http://schemas.openxmlformats.org/drawingml/2006/main" xmlns:r="http://schemas.openxmlformats.org/officeDocument/2006/relationships" xmlns:p="http://schemas.openxmlformats.org/presentationml/2006/main">
+  <p:cSld>
+    <p:spTree>
+      <p:nvGrpSpPr>
+        <p:cNvPr id="1" name=""/>
+        <p:cNvGrpSpPr/>
+        <p:nvPr/>
+      </p:nvGrpSpPr>
+      <p:grpSpPr>
+        <a:xfrm>
+          <a:off x="0" y="0"/>
+          <a:ext cx="0" cy="0"/>
+          <a:chOff x="0" y="0"/>
+          <a:chExt cx="0" cy="0"/>
+        </a:xfrm>
+      </p:grpSpPr>
+      <p:sp>
+        <p:nvSpPr>
+          <p:cNvPr id="2" name="Title 1"/>
+          <p:cNvSpPr>
+            <a:spLocks noGrp="1"/>
+          </p:cNvSpPr>
+          <p:nvPr>
+            <p:ph type="title"/>
+          </p:nvPr>
+        </p:nvSpPr>
+        <p:spPr/>
+        <p:txBody>
+          <a:bodyPr/>
+          <a:lstStyle/>
+          <a:p>
+            <a:r>
+              <a:rPr lang="en-US" dirty="0" smtClean="0"/>
+              <a:t>Debugging</a:t>
+            </a:r>
+            <a:endParaRPr lang="en-US" dirty="0"/>
+          </a:p>
+        </p:txBody>
+      </p:sp>
+      <p:sp>
+        <p:nvSpPr>
+          <p:cNvPr id="3" name="Text Placeholder 2"/>
+          <p:cNvSpPr>
+            <a:spLocks noGrp="1"/>
+          </p:cNvSpPr>
+          <p:nvPr>
+            <p:ph type="body" idx="1"/>
+          </p:nvPr>
+        </p:nvSpPr>
+        <p:spPr>
+          <a:xfrm>
+            <a:off x="7336052" y="2603500"/>
+            <a:ext cx="5437268" cy="6870438"/>
+          </a:xfrm>
+        </p:spPr>
+        <p:txBody>
+          <a:bodyPr/>
+          <a:lstStyle/>
+          <a:p>
+            <a:r>
+              <a:rPr lang="en-US" b="1" dirty="0" smtClean="0"/>
+              <a:t>VERY IMPORTANT</a:t>
+            </a:r>
+          </a:p>
+          <a:p>
+            <a:r>
+              <a:rPr lang="en-US" dirty="0" smtClean="0"/>
+              <a:t>Can put “</a:t>
+            </a:r>
+            <a:r>
+              <a:rPr lang="en-US" i="1" dirty="0" smtClean="0"/>
+              <a:t>break points</a:t>
+            </a:r>
+            <a:r>
+              <a:rPr lang="en-US" dirty="0" smtClean="0"/>
+              <a:t>”</a:t>
+            </a:r>
+          </a:p>
+          <a:p>
+            <a:r>
+              <a:rPr lang="en-US" dirty="0" smtClean="0"/>
+              <a:t>Execute one step at a time</a:t>
+            </a:r>
+          </a:p>
+          <a:p>
+            <a:r>
+              <a:rPr lang="en-US" dirty="0" smtClean="0"/>
+              <a:t>Inspect status of all variables, at each step</a:t>
+            </a:r>
+          </a:p>
+          <a:p>
+            <a:r>
+              <a:rPr lang="en-US" dirty="0" smtClean="0"/>
+              <a:t>Easier to understand with live demo</a:t>
+            </a:r>
+            <a:endParaRPr lang="en-US" dirty="0"/>
+          </a:p>
+        </p:txBody>
+      </p:sp>
+      <p:pic>
+        <p:nvPicPr>
+          <p:cNvPr id="4" name="Picture 3"/>
+          <p:cNvPicPr>
+            <a:picLocks noChangeAspect="1"/>
+          </p:cNvPicPr>
+          <p:nvPr/>
+        </p:nvPicPr>
+        <p:blipFill>
+          <a:blip r:embed="rId2"/>
+          <a:stretch>
+            <a:fillRect/>
+          </a:stretch>
+        </p:blipFill>
+        <p:spPr>
+          <a:xfrm>
+            <a:off x="472180" y="2603500"/>
+            <a:ext cx="6383552" cy="6959600"/>
+          </a:xfrm>
+          <a:prstGeom prst="rect">
+            <a:avLst/>
+          </a:prstGeom>
+        </p:spPr>
+      </p:pic>
+    </p:spTree>
+    <p:extLst>
+      <p:ext uri="{BB962C8B-B14F-4D97-AF65-F5344CB8AC3E}">
+        <p14:creationId xmlns:p14="http://schemas.microsoft.com/office/powerpoint/2010/main" val="2427230543"/>
       </p:ext>
     </p:extLst>
   </p:cSld>
@@ -4557,7 +8956,7 @@
             </a:r>
             <a:r>
               <a:rPr lang="en-US" dirty="0" smtClean="0"/>
-              <a:t>, algorithms and data structures that all of you will need to know if you are going to work as a developer</a:t>
+              <a:t>, algorithms and data structures that all of you will need to know if you are going to work as a developer/programmer/engineer/etc.</a:t>
             </a:r>
           </a:p>
           <a:p>
@@ -4580,12 +8979,16 @@
               <a:t>Check </a:t>
             </a:r>
             <a:r>
-              <a:rPr lang="en-US" dirty="0" err="1" smtClean="0"/>
-              <a:t>TimeEdit</a:t>
-            </a:r>
-            <a:r>
-              <a:rPr lang="en-US" dirty="0" smtClean="0"/>
-              <a:t> often to see if changes in schedule</a:t>
+              <a:rPr lang="en-US" dirty="0" smtClean="0"/>
+              <a:t>each week to </a:t>
+            </a:r>
+            <a:r>
+              <a:rPr lang="en-US" dirty="0" smtClean="0"/>
+              <a:t>see if changes in </a:t>
+            </a:r>
+            <a:r>
+              <a:rPr lang="en-US" dirty="0" smtClean="0"/>
+              <a:t>schedule (time and room)</a:t>
             </a:r>
             <a:endParaRPr dirty="0"/>
           </a:p>
@@ -4597,6 +9000,245 @@
     <a:masterClrMapping/>
   </p:clrMapOvr>
   <p:transition spd="slow"/>
+</p:sld>
+</file>
+
+<file path=ppt/slides/slide30.xml><?xml version="1.0" encoding="utf-8"?>
+<p:sld xmlns:a="http://schemas.openxmlformats.org/drawingml/2006/main" xmlns:r="http://schemas.openxmlformats.org/officeDocument/2006/relationships" xmlns:p="http://schemas.openxmlformats.org/presentationml/2006/main">
+  <p:cSld>
+    <p:spTree>
+      <p:nvGrpSpPr>
+        <p:cNvPr id="1" name=""/>
+        <p:cNvGrpSpPr/>
+        <p:nvPr/>
+      </p:nvGrpSpPr>
+      <p:grpSpPr>
+        <a:xfrm>
+          <a:off x="0" y="0"/>
+          <a:ext cx="0" cy="0"/>
+          <a:chOff x="0" y="0"/>
+          <a:chExt cx="0" cy="0"/>
+        </a:xfrm>
+      </p:grpSpPr>
+      <p:sp>
+        <p:nvSpPr>
+          <p:cNvPr id="2" name="Title 1"/>
+          <p:cNvSpPr>
+            <a:spLocks noGrp="1"/>
+          </p:cNvSpPr>
+          <p:nvPr>
+            <p:ph type="title"/>
+          </p:nvPr>
+        </p:nvSpPr>
+        <p:spPr/>
+        <p:txBody>
+          <a:bodyPr/>
+          <a:lstStyle/>
+          <a:p>
+            <a:r>
+              <a:rPr lang="en-US" dirty="0" smtClean="0"/>
+              <a:t>Run With Coverage</a:t>
+            </a:r>
+            <a:endParaRPr lang="en-US" dirty="0"/>
+          </a:p>
+        </p:txBody>
+      </p:sp>
+      <p:sp>
+        <p:nvSpPr>
+          <p:cNvPr id="3" name="Text Placeholder 2"/>
+          <p:cNvSpPr>
+            <a:spLocks noGrp="1"/>
+          </p:cNvSpPr>
+          <p:nvPr>
+            <p:ph type="body" idx="1"/>
+          </p:nvPr>
+        </p:nvSpPr>
+        <p:spPr>
+          <a:xfrm>
+            <a:off x="9658350" y="2603500"/>
+            <a:ext cx="2971800" cy="6286500"/>
+          </a:xfrm>
+        </p:spPr>
+        <p:txBody>
+          <a:bodyPr>
+            <a:normAutofit fontScale="92500" lnSpcReduction="10000"/>
+          </a:bodyPr>
+          <a:lstStyle/>
+          <a:p>
+            <a:r>
+              <a:rPr lang="en-US" dirty="0" smtClean="0"/>
+              <a:t>Can tell you how much of the code is executed</a:t>
+            </a:r>
+          </a:p>
+          <a:p>
+            <a:r>
+              <a:rPr lang="en-US" dirty="0" err="1"/>
+              <a:t>E</a:t>
+            </a:r>
+            <a:r>
+              <a:rPr lang="en-US" dirty="0" err="1" smtClean="0"/>
+              <a:t>g</a:t>
+            </a:r>
+            <a:r>
+              <a:rPr lang="en-US" dirty="0" smtClean="0"/>
+              <a:t>, 83% in this case</a:t>
+            </a:r>
+          </a:p>
+          <a:p>
+            <a:r>
+              <a:rPr lang="en-US" dirty="0" smtClean="0"/>
+              <a:t>Code that is never executed by a test, might have bugs</a:t>
+            </a:r>
+            <a:endParaRPr lang="en-US" dirty="0"/>
+          </a:p>
+        </p:txBody>
+      </p:sp>
+      <p:pic>
+        <p:nvPicPr>
+          <p:cNvPr id="4" name="Picture 3"/>
+          <p:cNvPicPr>
+            <a:picLocks noChangeAspect="1"/>
+          </p:cNvPicPr>
+          <p:nvPr/>
+        </p:nvPicPr>
+        <p:blipFill>
+          <a:blip r:embed="rId2"/>
+          <a:stretch>
+            <a:fillRect/>
+          </a:stretch>
+        </p:blipFill>
+        <p:spPr>
+          <a:xfrm>
+            <a:off x="188091" y="2324100"/>
+            <a:ext cx="9143787" cy="6565900"/>
+          </a:xfrm>
+          <a:prstGeom prst="rect">
+            <a:avLst/>
+          </a:prstGeom>
+        </p:spPr>
+      </p:pic>
+    </p:spTree>
+    <p:extLst>
+      <p:ext uri="{BB962C8B-B14F-4D97-AF65-F5344CB8AC3E}">
+        <p14:creationId xmlns:p14="http://schemas.microsoft.com/office/powerpoint/2010/main" val="844312714"/>
+      </p:ext>
+    </p:extLst>
+  </p:cSld>
+  <p:clrMapOvr>
+    <a:masterClrMapping/>
+  </p:clrMapOvr>
+  <p:transition spd="med"/>
+</p:sld>
+</file>
+
+<file path=ppt/slides/slide31.xml><?xml version="1.0" encoding="utf-8"?>
+<p:sld xmlns:a="http://schemas.openxmlformats.org/drawingml/2006/main" xmlns:r="http://schemas.openxmlformats.org/officeDocument/2006/relationships" xmlns:p="http://schemas.openxmlformats.org/presentationml/2006/main">
+  <p:cSld>
+    <p:spTree>
+      <p:nvGrpSpPr>
+        <p:cNvPr id="1" name=""/>
+        <p:cNvGrpSpPr/>
+        <p:nvPr/>
+      </p:nvGrpSpPr>
+      <p:grpSpPr>
+        <a:xfrm>
+          <a:off x="0" y="0"/>
+          <a:ext cx="0" cy="0"/>
+          <a:chOff x="0" y="0"/>
+          <a:chExt cx="0" cy="0"/>
+        </a:xfrm>
+      </p:grpSpPr>
+      <p:sp>
+        <p:nvSpPr>
+          <p:cNvPr id="2" name="Title 1"/>
+          <p:cNvSpPr>
+            <a:spLocks noGrp="1"/>
+          </p:cNvSpPr>
+          <p:nvPr>
+            <p:ph type="title"/>
+          </p:nvPr>
+        </p:nvSpPr>
+        <p:spPr/>
+        <p:txBody>
+          <a:bodyPr/>
+          <a:lstStyle/>
+          <a:p>
+            <a:r>
+              <a:rPr lang="en-US" dirty="0" smtClean="0"/>
+              <a:t>Homework</a:t>
+            </a:r>
+            <a:endParaRPr lang="en-US" dirty="0"/>
+          </a:p>
+        </p:txBody>
+      </p:sp>
+      <p:sp>
+        <p:nvSpPr>
+          <p:cNvPr id="3" name="Text Placeholder 2"/>
+          <p:cNvSpPr>
+            <a:spLocks noGrp="1"/>
+          </p:cNvSpPr>
+          <p:nvPr>
+            <p:ph type="body" idx="1"/>
+          </p:nvPr>
+        </p:nvSpPr>
+        <p:spPr/>
+        <p:txBody>
+          <a:bodyPr/>
+          <a:lstStyle/>
+          <a:p>
+            <a:r>
+              <a:rPr lang="en-US" dirty="0"/>
+              <a:t>Study Book Chapter </a:t>
+            </a:r>
+            <a:r>
+              <a:rPr lang="en-US" dirty="0" smtClean="0"/>
+              <a:t>1.1 and 1.2</a:t>
+            </a:r>
+          </a:p>
+          <a:p>
+            <a:r>
+              <a:rPr lang="en-US" dirty="0" smtClean="0"/>
+              <a:t>Study code in the </a:t>
+            </a:r>
+            <a:r>
+              <a:rPr lang="en-US" i="1" dirty="0" smtClean="0"/>
+              <a:t>org.pg4200.les01</a:t>
+            </a:r>
+            <a:r>
+              <a:rPr lang="en-US" dirty="0" smtClean="0"/>
+              <a:t> package</a:t>
+            </a:r>
+          </a:p>
+          <a:p>
+            <a:r>
+              <a:rPr lang="en-US" dirty="0" smtClean="0"/>
+              <a:t>Do exercises in </a:t>
+            </a:r>
+            <a:r>
+              <a:rPr lang="en-US" i="1" dirty="0" smtClean="0"/>
+              <a:t>exercises/ex01</a:t>
+            </a:r>
+          </a:p>
+          <a:p>
+            <a:r>
+              <a:rPr lang="en-US" dirty="0" smtClean="0"/>
+              <a:t>Extra: do exercises in the book</a:t>
+            </a:r>
+            <a:endParaRPr lang="en-US" dirty="0"/>
+          </a:p>
+        </p:txBody>
+      </p:sp>
+    </p:spTree>
+    <p:extLst>
+      <p:ext uri="{BB962C8B-B14F-4D97-AF65-F5344CB8AC3E}">
+        <p14:creationId xmlns:p14="http://schemas.microsoft.com/office/powerpoint/2010/main" val="1221558595"/>
+      </p:ext>
+    </p:extLst>
+  </p:cSld>
+  <p:clrMapOvr>
+    <a:masterClrMapping/>
+  </p:clrMapOvr>
+  <p:transition spd="med"/>
 </p:sld>
 </file>
 
@@ -5655,6 +10297,38 @@
             </a:r>
             <a:endParaRPr lang="en-US" i="1" dirty="0" smtClean="0"/>
           </a:p>
+          <a:p>
+            <a:pPr marL="831215" lvl="1" indent="-386715" defTabSz="508254">
+              <a:spcBef>
+                <a:spcPts val="3600"/>
+              </a:spcBef>
+              <a:defRPr sz="3132"/>
+            </a:pPr>
+            <a:r>
+              <a:rPr lang="en-US" sz="2400" dirty="0" smtClean="0"/>
+              <a:t>and likely you </a:t>
+            </a:r>
+            <a:r>
+              <a:rPr lang="en-US" sz="2400" dirty="0" err="1" smtClean="0"/>
+              <a:t>ll</a:t>
+            </a:r>
+            <a:r>
+              <a:rPr lang="en-US" sz="2400" dirty="0" smtClean="0"/>
+              <a:t> need it also outside of this course</a:t>
+            </a:r>
+          </a:p>
+          <a:p>
+            <a:pPr marL="386715" indent="-386715" defTabSz="508254">
+              <a:spcBef>
+                <a:spcPts val="3600"/>
+              </a:spcBef>
+              <a:defRPr sz="3132"/>
+            </a:pPr>
+            <a:r>
+              <a:rPr lang="en-US" dirty="0" smtClean="0"/>
+              <a:t>Note, however, that there are plenty of resources on internet to learn Algorithms</a:t>
+            </a:r>
+          </a:p>
         </p:txBody>
       </p:sp>
       <p:pic>
@@ -5673,7 +10347,7 @@
         </p:blipFill>
         <p:spPr>
           <a:xfrm>
-            <a:off x="7287000" y="2852737"/>
+            <a:off x="8012864" y="2852737"/>
             <a:ext cx="4400175" cy="6082236"/>
           </a:xfrm>
           <a:prstGeom prst="rect">
@@ -5950,6 +10624,20 @@
             <a:r>
               <a:rPr lang="en-US" dirty="0" smtClean="0"/>
               <a:t>nternet, computer graphics, social networks, biology, physics, etc. </a:t>
+            </a:r>
+          </a:p>
+          <a:p>
+            <a:r>
+              <a:rPr lang="en-US" dirty="0" smtClean="0"/>
+              <a:t>In this course, we will not build whole applications (</a:t>
+            </a:r>
+            <a:r>
+              <a:rPr lang="en-US" dirty="0" err="1" smtClean="0"/>
+              <a:t>eg</a:t>
+            </a:r>
+            <a:r>
+              <a:rPr lang="en-US" dirty="0" smtClean="0"/>
+              <a:t>, web or mobile), but rather concentrate on the building blocks to enable it in the next courses</a:t>
             </a:r>
             <a:endParaRPr lang="en-US" dirty="0"/>
           </a:p>

--- a/docs/slides/01/01_intro.pptx
+++ b/docs/slides/01/01_intro.pptx
@@ -2186,7 +2186,7 @@
           </a:ln>
           <a:extLst>
             <a:ext uri="{C572A759-6A51-4108-AA02-DFA0A04FC94B}">
-              <ma14:wrappingTextBoxFlag xmlns="" xmlns:ma14="http://schemas.microsoft.com/office/mac/drawingml/2011/main" val="1"/>
+              <ma14:wrappingTextBoxFlag xmlns:ma14="http://schemas.microsoft.com/office/mac/drawingml/2011/main" xmlns="" val="1"/>
             </a:ext>
           </a:extLst>
         </p:spPr>
@@ -2225,7 +2225,7 @@
           </a:ln>
           <a:extLst>
             <a:ext uri="{C572A759-6A51-4108-AA02-DFA0A04FC94B}">
-              <ma14:wrappingTextBoxFlag xmlns="" xmlns:ma14="http://schemas.microsoft.com/office/mac/drawingml/2011/main" val="1"/>
+              <ma14:wrappingTextBoxFlag xmlns:ma14="http://schemas.microsoft.com/office/mac/drawingml/2011/main" xmlns="" val="1"/>
             </a:ext>
           </a:extLst>
         </p:spPr>
@@ -3540,8 +3540,8 @@
         </p:nvSpPr>
         <p:spPr>
           <a:xfrm>
-            <a:off x="952500" y="2609850"/>
-            <a:ext cx="11099800" cy="6286500"/>
+            <a:off x="471341" y="2609850"/>
+            <a:ext cx="12038028" cy="6286500"/>
           </a:xfrm>
           <a:prstGeom prst="rect">
             <a:avLst/>
@@ -3561,7 +3561,25 @@
             </a:r>
             <a:r>
               <a:rPr lang="en-US" dirty="0" smtClean="0"/>
-              <a:t> JDK</a:t>
+              <a:t> </a:t>
+            </a:r>
+            <a:r>
+              <a:rPr lang="en-US" dirty="0" smtClean="0"/>
+              <a:t>JDK</a:t>
+            </a:r>
+          </a:p>
+          <a:p>
+            <a:pPr lvl="1"/>
+            <a:r>
+              <a:rPr lang="en-US" dirty="0" smtClean="0"/>
+              <a:t>JDK 11 will come out during the course, so will not use it this year</a:t>
+            </a:r>
+          </a:p>
+          <a:p>
+            <a:pPr lvl="1"/>
+            <a:r>
+              <a:rPr lang="en-US" dirty="0" smtClean="0"/>
+              <a:t>JDK 9 and 10 should be avoided, as non-LTS (Long-Term-Support), and having lifespan of just 6 months</a:t>
             </a:r>
             <a:endParaRPr dirty="0"/>
           </a:p>
@@ -3575,7 +3593,30 @@
           <a:p>
             <a:r>
               <a:rPr lang="en-US" dirty="0" smtClean="0"/>
-              <a:t>IntelliJ Ultimate Edition</a:t>
+              <a:t>IntelliJ Ultimate </a:t>
+            </a:r>
+            <a:r>
+              <a:rPr lang="en-US" dirty="0" smtClean="0"/>
+              <a:t>Edition</a:t>
+            </a:r>
+          </a:p>
+          <a:p>
+            <a:pPr lvl="1"/>
+            <a:r>
+              <a:rPr lang="en-US" dirty="0"/>
+              <a:t>y</a:t>
+            </a:r>
+            <a:r>
+              <a:rPr lang="en-US" dirty="0" smtClean="0"/>
+              <a:t>ou might want to install </a:t>
+            </a:r>
+            <a:r>
+              <a:rPr lang="en-US" dirty="0" err="1" smtClean="0"/>
+              <a:t>JetBrains</a:t>
+            </a:r>
+            <a:r>
+              <a:rPr lang="en-US" dirty="0" smtClean="0"/>
+              <a:t> Toolbox first</a:t>
             </a:r>
             <a:endParaRPr dirty="0"/>
           </a:p>
@@ -3836,29 +3877,8 @@
             </a:r>
             <a:r>
               <a:rPr lang="en-US" dirty="0" smtClean="0"/>
-              <a:t>he book </a:t>
-            </a:r>
-            <a:r>
-              <a:rPr lang="en-US" dirty="0" smtClean="0"/>
-              <a:t>just gives </a:t>
-            </a:r>
-            <a:r>
-              <a:rPr lang="en-US" dirty="0" smtClean="0"/>
-              <a:t>you extra </a:t>
-            </a:r>
-            <a:r>
-              <a:rPr lang="en-US" dirty="0" smtClean="0"/>
-              <a:t>info </a:t>
-            </a:r>
-            <a:r>
-              <a:rPr lang="en-US" dirty="0" smtClean="0"/>
-              <a:t>and </a:t>
-            </a:r>
-            <a:r>
-              <a:rPr lang="en-US" dirty="0" smtClean="0"/>
-              <a:t>clarifications</a:t>
-            </a:r>
-            <a:endParaRPr lang="en-US" dirty="0" smtClean="0"/>
+              <a:t>he book just gives you extra info and clarifications</a:t>
+            </a:r>
           </a:p>
           <a:p>
             <a:pPr lvl="1"/>
@@ -8976,19 +8996,7 @@
           <a:p>
             <a:r>
               <a:rPr lang="en-US" dirty="0" smtClean="0"/>
-              <a:t>Check </a:t>
-            </a:r>
-            <a:r>
-              <a:rPr lang="en-US" dirty="0" smtClean="0"/>
-              <a:t>each week to </a:t>
-            </a:r>
-            <a:r>
-              <a:rPr lang="en-US" dirty="0" smtClean="0"/>
-              <a:t>see if changes in </a:t>
-            </a:r>
-            <a:r>
-              <a:rPr lang="en-US" dirty="0" smtClean="0"/>
-              <a:t>schedule (time and room)</a:t>
+              <a:t>Check each week to see if changes in schedule (time and room)</a:t>
             </a:r>
             <a:endParaRPr dirty="0"/>
           </a:p>
@@ -9454,7 +9462,7 @@
           </a:ln>
           <a:extLst>
             <a:ext uri="{C572A759-6A51-4108-AA02-DFA0A04FC94B}">
-              <ma14:wrappingTextBoxFlag xmlns="" xmlns:ma14="http://schemas.microsoft.com/office/mac/drawingml/2011/main" val="1"/>
+              <ma14:wrappingTextBoxFlag xmlns:ma14="http://schemas.microsoft.com/office/mac/drawingml/2011/main" xmlns="" val="1"/>
             </a:ext>
           </a:extLst>
         </p:spPr>
@@ -9791,7 +9799,7 @@
           </a:ln>
           <a:extLst>
             <a:ext uri="{C572A759-6A51-4108-AA02-DFA0A04FC94B}">
-              <ma14:wrappingTextBoxFlag xmlns="" xmlns:ma14="http://schemas.microsoft.com/office/mac/drawingml/2011/main" val="1"/>
+              <ma14:wrappingTextBoxFlag xmlns:ma14="http://schemas.microsoft.com/office/mac/drawingml/2011/main" xmlns="" val="1"/>
             </a:ext>
           </a:extLst>
         </p:spPr>

--- a/docs/slides/01/01_intro.pptx
+++ b/docs/slides/01/01_intro.pptx
@@ -5,7 +5,7 @@
     <p:sldMasterId id="2147483648" r:id="rId1"/>
   </p:sldMasterIdLst>
   <p:notesMasterIdLst>
-    <p:notesMasterId r:id="rId33"/>
+    <p:notesMasterId r:id="rId34"/>
   </p:notesMasterIdLst>
   <p:sldIdLst>
     <p:sldId id="287" r:id="rId2"/>
@@ -27,18 +27,19 @@
     <p:sldId id="290" r:id="rId18"/>
     <p:sldId id="292" r:id="rId19"/>
     <p:sldId id="295" r:id="rId20"/>
-    <p:sldId id="296" r:id="rId21"/>
-    <p:sldId id="293" r:id="rId22"/>
-    <p:sldId id="291" r:id="rId23"/>
-    <p:sldId id="297" r:id="rId24"/>
-    <p:sldId id="298" r:id="rId25"/>
-    <p:sldId id="299" r:id="rId26"/>
-    <p:sldId id="301" r:id="rId27"/>
-    <p:sldId id="302" r:id="rId28"/>
-    <p:sldId id="300" r:id="rId29"/>
-    <p:sldId id="303" r:id="rId30"/>
-    <p:sldId id="304" r:id="rId31"/>
-    <p:sldId id="294" r:id="rId32"/>
+    <p:sldId id="305" r:id="rId21"/>
+    <p:sldId id="296" r:id="rId22"/>
+    <p:sldId id="293" r:id="rId23"/>
+    <p:sldId id="291" r:id="rId24"/>
+    <p:sldId id="297" r:id="rId25"/>
+    <p:sldId id="298" r:id="rId26"/>
+    <p:sldId id="299" r:id="rId27"/>
+    <p:sldId id="301" r:id="rId28"/>
+    <p:sldId id="302" r:id="rId29"/>
+    <p:sldId id="300" r:id="rId30"/>
+    <p:sldId id="303" r:id="rId31"/>
+    <p:sldId id="304" r:id="rId32"/>
+    <p:sldId id="294" r:id="rId33"/>
   </p:sldIdLst>
   <p:sldSz cx="13004800" cy="9753600"/>
   <p:notesSz cx="6858000" cy="9144000"/>
@@ -531,6 +532,67 @@
 </p:notesMaster>
 </file>
 
+<file path=ppt/notesSlides/notesSlide1.xml><?xml version="1.0" encoding="utf-8"?>
+<p:notes xmlns:a="http://schemas.openxmlformats.org/drawingml/2006/main" xmlns:r="http://schemas.openxmlformats.org/officeDocument/2006/relationships" xmlns:p="http://schemas.openxmlformats.org/presentationml/2006/main">
+  <p:cSld>
+    <p:spTree>
+      <p:nvGrpSpPr>
+        <p:cNvPr id="1" name=""/>
+        <p:cNvGrpSpPr/>
+        <p:nvPr/>
+      </p:nvGrpSpPr>
+      <p:grpSpPr>
+        <a:xfrm>
+          <a:off x="0" y="0"/>
+          <a:ext cx="0" cy="0"/>
+          <a:chOff x="0" y="0"/>
+          <a:chExt cx="0" cy="0"/>
+        </a:xfrm>
+      </p:grpSpPr>
+      <p:sp>
+        <p:nvSpPr>
+          <p:cNvPr id="2" name="Slide Image Placeholder 1"/>
+          <p:cNvSpPr>
+            <a:spLocks noGrp="1" noRot="1" noChangeAspect="1"/>
+          </p:cNvSpPr>
+          <p:nvPr>
+            <p:ph type="sldImg"/>
+          </p:nvPr>
+        </p:nvSpPr>
+        <p:spPr/>
+      </p:sp>
+      <p:sp>
+        <p:nvSpPr>
+          <p:cNvPr id="3" name="Notes Placeholder 2"/>
+          <p:cNvSpPr>
+            <a:spLocks noGrp="1"/>
+          </p:cNvSpPr>
+          <p:nvPr>
+            <p:ph type="body" idx="1"/>
+          </p:nvPr>
+        </p:nvSpPr>
+        <p:spPr/>
+        <p:txBody>
+          <a:bodyPr/>
+          <a:lstStyle/>
+          <a:p>
+            <a:endParaRPr lang="en-US" dirty="0"/>
+          </a:p>
+        </p:txBody>
+      </p:sp>
+    </p:spTree>
+    <p:extLst>
+      <p:ext uri="{BB962C8B-B14F-4D97-AF65-F5344CB8AC3E}">
+        <p14:creationId xmlns:p14="http://schemas.microsoft.com/office/powerpoint/2010/main" val="1690472366"/>
+      </p:ext>
+    </p:extLst>
+  </p:cSld>
+  <p:clrMapOvr>
+    <a:masterClrMapping/>
+  </p:clrMapOvr>
+</p:notes>
+</file>
+
 <file path=ppt/slideLayouts/slideLayout1.xml><?xml version="1.0" encoding="utf-8"?>
 <p:sldLayout xmlns:a="http://schemas.openxmlformats.org/drawingml/2006/main" xmlns:r="http://schemas.openxmlformats.org/officeDocument/2006/relationships" xmlns:p="http://schemas.openxmlformats.org/presentationml/2006/main" type="title">
   <p:cSld name="Title &amp; Subtitle">
@@ -2186,7 +2248,7 @@
           </a:ln>
           <a:extLst>
             <a:ext uri="{C572A759-6A51-4108-AA02-DFA0A04FC94B}">
-              <ma14:wrappingTextBoxFlag xmlns:ma14="http://schemas.microsoft.com/office/mac/drawingml/2011/main" xmlns="" val="1"/>
+              <ma14:wrappingTextBoxFlag xmlns="" xmlns:ma14="http://schemas.microsoft.com/office/mac/drawingml/2011/main" val="1"/>
             </a:ext>
           </a:extLst>
         </p:spPr>
@@ -2225,7 +2287,7 @@
           </a:ln>
           <a:extLst>
             <a:ext uri="{C572A759-6A51-4108-AA02-DFA0A04FC94B}">
-              <ma14:wrappingTextBoxFlag xmlns:ma14="http://schemas.microsoft.com/office/mac/drawingml/2011/main" xmlns="" val="1"/>
+              <ma14:wrappingTextBoxFlag xmlns="" xmlns:ma14="http://schemas.microsoft.com/office/mac/drawingml/2011/main" val="1"/>
             </a:ext>
           </a:extLst>
         </p:spPr>
@@ -3561,11 +3623,7 @@
             </a:r>
             <a:r>
               <a:rPr lang="en-US" dirty="0" smtClean="0"/>
-              <a:t> </a:t>
-            </a:r>
-            <a:r>
-              <a:rPr lang="en-US" dirty="0" smtClean="0"/>
-              <a:t>JDK</a:t>
+              <a:t> JDK</a:t>
             </a:r>
           </a:p>
           <a:p>
@@ -3593,11 +3651,7 @@
           <a:p>
             <a:r>
               <a:rPr lang="en-US" dirty="0" smtClean="0"/>
-              <a:t>IntelliJ Ultimate </a:t>
-            </a:r>
-            <a:r>
-              <a:rPr lang="en-US" dirty="0" smtClean="0"/>
-              <a:t>Edition</a:t>
+              <a:t>IntelliJ Ultimate Edition</a:t>
             </a:r>
           </a:p>
           <a:p>
@@ -3938,7 +3992,12 @@
             <p:ph type="title"/>
           </p:nvPr>
         </p:nvSpPr>
-        <p:spPr/>
+        <p:spPr>
+          <a:xfrm>
+            <a:off x="952500" y="444500"/>
+            <a:ext cx="6188529" cy="2159000"/>
+          </a:xfrm>
+        </p:spPr>
         <p:txBody>
           <a:bodyPr/>
           <a:lstStyle/>
@@ -4053,6 +4112,47 @@
           </a:p>
         </p:txBody>
       </p:sp>
+      <p:pic>
+        <p:nvPicPr>
+          <p:cNvPr id="1026" name="Picture 2" descr="Image result for shall not pass exam"/>
+          <p:cNvPicPr>
+            <a:picLocks noChangeAspect="1" noChangeArrowheads="1"/>
+          </p:cNvPicPr>
+          <p:nvPr/>
+        </p:nvPicPr>
+        <p:blipFill>
+          <a:blip r:embed="rId2">
+            <a:extLst>
+              <a:ext uri="{28A0092B-C50C-407E-A947-70E740481C1C}">
+                <a14:useLocalDpi xmlns:a14="http://schemas.microsoft.com/office/drawing/2010/main" val="0"/>
+              </a:ext>
+            </a:extLst>
+          </a:blip>
+          <a:srcRect/>
+          <a:stretch>
+            <a:fillRect/>
+          </a:stretch>
+        </p:blipFill>
+        <p:spPr bwMode="auto">
+          <a:xfrm>
+            <a:off x="8640082" y="357288"/>
+            <a:ext cx="4161518" cy="2333423"/>
+          </a:xfrm>
+          <a:prstGeom prst="rect">
+            <a:avLst/>
+          </a:prstGeom>
+          <a:noFill/>
+          <a:extLst>
+            <a:ext uri="{909E8E84-426E-40DD-AFC4-6F175D3DCCD1}">
+              <a14:hiddenFill xmlns:a14="http://schemas.microsoft.com/office/drawing/2010/main">
+                <a:solidFill>
+                  <a:srgbClr val="FFFFFF"/>
+                </a:solidFill>
+              </a14:hiddenFill>
+            </a:ext>
+          </a:extLst>
+        </p:spPr>
+      </p:pic>
     </p:spTree>
     <p:extLst>
       <p:ext uri="{BB962C8B-B14F-4D97-AF65-F5344CB8AC3E}">
@@ -4317,20 +4417,32 @@
         </p:nvSpPr>
         <p:spPr>
           <a:xfrm>
-            <a:off x="669303" y="4996206"/>
-            <a:ext cx="11382996" cy="2922833"/>
+            <a:off x="511628" y="4996205"/>
+            <a:ext cx="12137571" cy="4474365"/>
           </a:xfrm>
         </p:spPr>
         <p:txBody>
-          <a:bodyPr/>
+          <a:bodyPr>
+            <a:normAutofit/>
+          </a:bodyPr>
           <a:lstStyle/>
           <a:p>
+            <a:pPr>
+              <a:spcBef>
+                <a:spcPts val="2400"/>
+              </a:spcBef>
+            </a:pPr>
             <a:r>
               <a:rPr lang="en-US" dirty="0" smtClean="0"/>
               <a:t>Easy, direct access to all elements</a:t>
             </a:r>
           </a:p>
           <a:p>
+            <a:pPr>
+              <a:spcBef>
+                <a:spcPts val="2400"/>
+              </a:spcBef>
+            </a:pPr>
             <a:r>
               <a:rPr lang="en-US" dirty="0" smtClean="0"/>
               <a:t>Possible issues when deleting elements (</a:t>
@@ -4345,9 +4457,40 @@
             </a:r>
           </a:p>
           <a:p>
-            <a:r>
-              <a:rPr lang="en-US" dirty="0" smtClean="0"/>
-              <a:t>Fixed size, decided at creation</a:t>
+            <a:pPr>
+              <a:spcBef>
+                <a:spcPts val="2400"/>
+              </a:spcBef>
+            </a:pPr>
+            <a:r>
+              <a:rPr lang="en-US" dirty="0" smtClean="0"/>
+              <a:t>Fixed size, decided at </a:t>
+            </a:r>
+            <a:r>
+              <a:rPr lang="en-US" dirty="0" smtClean="0"/>
+              <a:t>creation</a:t>
+            </a:r>
+          </a:p>
+          <a:p>
+            <a:pPr lvl="1">
+              <a:spcBef>
+                <a:spcPts val="2400"/>
+              </a:spcBef>
+            </a:pPr>
+            <a:r>
+              <a:rPr lang="en-US" dirty="0" smtClean="0"/>
+              <a:t>If you create it for 10 elements, but then you need 11, you would need to create a new array</a:t>
+            </a:r>
+          </a:p>
+          <a:p>
+            <a:pPr>
+              <a:spcBef>
+                <a:spcPts val="2400"/>
+              </a:spcBef>
+            </a:pPr>
+            <a:r>
+              <a:rPr lang="en-US" dirty="0" smtClean="0"/>
+              <a:t>Arrays are low-level constructs of Java language</a:t>
             </a:r>
             <a:endParaRPr lang="en-US" dirty="0"/>
           </a:p>
@@ -4982,7 +5125,11 @@
             </a:r>
             <a:r>
               <a:rPr lang="en-US" i="1" dirty="0" smtClean="0"/>
-              <a:t>I might just ignore it</a:t>
+              <a:t>I might just ignore </a:t>
+            </a:r>
+            <a:r>
+              <a:rPr lang="en-US" i="1" dirty="0" smtClean="0"/>
+              <a:t>your message</a:t>
             </a:r>
             <a:r>
               <a:rPr lang="mr-IN" i="1" dirty="0" smtClean="0"/>
@@ -5031,6 +5178,143 @@
         <p:spPr>
           <a:xfrm>
             <a:off x="952500" y="444500"/>
+            <a:ext cx="11099800" cy="1286329"/>
+          </a:xfrm>
+        </p:spPr>
+        <p:txBody>
+          <a:bodyPr>
+            <a:normAutofit fontScale="90000"/>
+          </a:bodyPr>
+          <a:lstStyle/>
+          <a:p>
+            <a:r>
+              <a:rPr lang="en-US" dirty="0" smtClean="0"/>
+              <a:t>Lists</a:t>
+            </a:r>
+            <a:endParaRPr lang="en-US" dirty="0"/>
+          </a:p>
+        </p:txBody>
+      </p:sp>
+      <p:sp>
+        <p:nvSpPr>
+          <p:cNvPr id="3" name="Text Placeholder 2"/>
+          <p:cNvSpPr>
+            <a:spLocks noGrp="1"/>
+          </p:cNvSpPr>
+          <p:nvPr>
+            <p:ph type="body" idx="1"/>
+          </p:nvPr>
+        </p:nvSpPr>
+        <p:spPr>
+          <a:xfrm>
+            <a:off x="446314" y="2188029"/>
+            <a:ext cx="12344400" cy="7424057"/>
+          </a:xfrm>
+        </p:spPr>
+        <p:txBody>
+          <a:bodyPr>
+            <a:normAutofit fontScale="92500"/>
+          </a:bodyPr>
+          <a:lstStyle/>
+          <a:p>
+            <a:r>
+              <a:rPr lang="en-US" dirty="0" smtClean="0"/>
+              <a:t>Conceptually like arrays, but no fixed size</a:t>
+            </a:r>
+          </a:p>
+          <a:p>
+            <a:pPr lvl="1"/>
+            <a:r>
+              <a:rPr lang="en-US" dirty="0" err="1"/>
+              <a:t>i</a:t>
+            </a:r>
+            <a:r>
+              <a:rPr lang="en-US" dirty="0" err="1" smtClean="0"/>
+              <a:t>e</a:t>
+            </a:r>
+            <a:r>
+              <a:rPr lang="en-US" dirty="0" smtClean="0"/>
+              <a:t>, you can add as many elements as you want, as long as you have enough memory</a:t>
+            </a:r>
+          </a:p>
+          <a:p>
+            <a:r>
+              <a:rPr lang="en-US" dirty="0" smtClean="0"/>
+              <a:t>Lists (and all data structures will see in this course) are Java objects, and not treated specially like arrays</a:t>
+            </a:r>
+          </a:p>
+          <a:p>
+            <a:r>
+              <a:rPr lang="en-US" dirty="0" smtClean="0"/>
+              <a:t>2 main ways to “implement” them</a:t>
+            </a:r>
+          </a:p>
+          <a:p>
+            <a:r>
+              <a:rPr lang="en-US" i="1" dirty="0" smtClean="0"/>
+              <a:t>Array-backed</a:t>
+            </a:r>
+            <a:r>
+              <a:rPr lang="en-US" dirty="0" smtClean="0"/>
+              <a:t>: internally storing an array. Need to create new one and move over old data when full.</a:t>
+            </a:r>
+          </a:p>
+          <a:p>
+            <a:r>
+              <a:rPr lang="en-US" i="1" dirty="0" smtClean="0"/>
+              <a:t>Linked-nodes</a:t>
+            </a:r>
+            <a:r>
+              <a:rPr lang="en-US" dirty="0" smtClean="0"/>
+              <a:t>: each element has its own node object, and nodes are connected with object pointers/links (see next slide)</a:t>
+            </a:r>
+          </a:p>
+        </p:txBody>
+      </p:sp>
+    </p:spTree>
+    <p:extLst>
+      <p:ext uri="{BB962C8B-B14F-4D97-AF65-F5344CB8AC3E}">
+        <p14:creationId xmlns:p14="http://schemas.microsoft.com/office/powerpoint/2010/main" val="316091039"/>
+      </p:ext>
+    </p:extLst>
+  </p:cSld>
+  <p:clrMapOvr>
+    <a:masterClrMapping/>
+  </p:clrMapOvr>
+  <p:transition spd="med"/>
+</p:sld>
+</file>
+
+<file path=ppt/slides/slide21.xml><?xml version="1.0" encoding="utf-8"?>
+<p:sld xmlns:a="http://schemas.openxmlformats.org/drawingml/2006/main" xmlns:r="http://schemas.openxmlformats.org/officeDocument/2006/relationships" xmlns:p="http://schemas.openxmlformats.org/presentationml/2006/main">
+  <p:cSld>
+    <p:spTree>
+      <p:nvGrpSpPr>
+        <p:cNvPr id="1" name=""/>
+        <p:cNvGrpSpPr/>
+        <p:nvPr/>
+      </p:nvGrpSpPr>
+      <p:grpSpPr>
+        <a:xfrm>
+          <a:off x="0" y="0"/>
+          <a:ext cx="0" cy="0"/>
+          <a:chOff x="0" y="0"/>
+          <a:chExt cx="0" cy="0"/>
+        </a:xfrm>
+      </p:grpSpPr>
+      <p:sp>
+        <p:nvSpPr>
+          <p:cNvPr id="2" name="Title 1"/>
+          <p:cNvSpPr>
+            <a:spLocks noGrp="1"/>
+          </p:cNvSpPr>
+          <p:nvPr>
+            <p:ph type="title"/>
+          </p:nvPr>
+        </p:nvSpPr>
+        <p:spPr>
+          <a:xfrm>
+            <a:off x="952500" y="444500"/>
             <a:ext cx="11099800" cy="903533"/>
           </a:xfrm>
         </p:spPr>
@@ -5042,7 +5326,7 @@
           <a:p>
             <a:r>
               <a:rPr lang="en-US" dirty="0" smtClean="0"/>
-              <a:t>Lists</a:t>
+              <a:t>Linked Lists</a:t>
             </a:r>
             <a:endParaRPr lang="en-US" dirty="0"/>
           </a:p>
@@ -5780,60 +6064,6 @@
 </p:sld>
 </file>
 
-<file path=ppt/slides/slide21.xml><?xml version="1.0" encoding="utf-8"?>
-<p:sld xmlns:a="http://schemas.openxmlformats.org/drawingml/2006/main" xmlns:r="http://schemas.openxmlformats.org/officeDocument/2006/relationships" xmlns:p="http://schemas.openxmlformats.org/presentationml/2006/main">
-  <p:cSld>
-    <p:spTree>
-      <p:nvGrpSpPr>
-        <p:cNvPr id="1" name=""/>
-        <p:cNvGrpSpPr/>
-        <p:nvPr/>
-      </p:nvGrpSpPr>
-      <p:grpSpPr>
-        <a:xfrm>
-          <a:off x="0" y="0"/>
-          <a:ext cx="0" cy="0"/>
-          <a:chOff x="0" y="0"/>
-          <a:chExt cx="0" cy="0"/>
-        </a:xfrm>
-      </p:grpSpPr>
-      <p:sp>
-        <p:nvSpPr>
-          <p:cNvPr id="2" name="Title 1"/>
-          <p:cNvSpPr>
-            <a:spLocks noGrp="1"/>
-          </p:cNvSpPr>
-          <p:nvPr>
-            <p:ph type="title"/>
-          </p:nvPr>
-        </p:nvSpPr>
-        <p:spPr/>
-        <p:txBody>
-          <a:bodyPr/>
-          <a:lstStyle/>
-          <a:p>
-            <a:r>
-              <a:rPr lang="en-US" dirty="0" smtClean="0"/>
-              <a:t>Unit Testing</a:t>
-            </a:r>
-            <a:endParaRPr lang="en-US" dirty="0"/>
-          </a:p>
-        </p:txBody>
-      </p:sp>
-    </p:spTree>
-    <p:extLst>
-      <p:ext uri="{BB962C8B-B14F-4D97-AF65-F5344CB8AC3E}">
-        <p14:creationId xmlns:p14="http://schemas.microsoft.com/office/powerpoint/2010/main" val="612520629"/>
-      </p:ext>
-    </p:extLst>
-  </p:cSld>
-  <p:clrMapOvr>
-    <a:masterClrMapping/>
-  </p:clrMapOvr>
-  <p:transition spd="med"/>
-</p:sld>
-</file>
-
 <file path=ppt/slides/slide22.xml><?xml version="1.0" encoding="utf-8"?>
 <p:sld xmlns:a="http://schemas.openxmlformats.org/drawingml/2006/main" xmlns:r="http://schemas.openxmlformats.org/officeDocument/2006/relationships" xmlns:p="http://schemas.openxmlformats.org/presentationml/2006/main">
   <p:cSld>
@@ -5868,6 +6098,60 @@
           <a:p>
             <a:r>
               <a:rPr lang="en-US" dirty="0" smtClean="0"/>
+              <a:t>Unit Testing</a:t>
+            </a:r>
+            <a:endParaRPr lang="en-US" dirty="0"/>
+          </a:p>
+        </p:txBody>
+      </p:sp>
+    </p:spTree>
+    <p:extLst>
+      <p:ext uri="{BB962C8B-B14F-4D97-AF65-F5344CB8AC3E}">
+        <p14:creationId xmlns:p14="http://schemas.microsoft.com/office/powerpoint/2010/main" val="612520629"/>
+      </p:ext>
+    </p:extLst>
+  </p:cSld>
+  <p:clrMapOvr>
+    <a:masterClrMapping/>
+  </p:clrMapOvr>
+  <p:transition spd="med"/>
+</p:sld>
+</file>
+
+<file path=ppt/slides/slide23.xml><?xml version="1.0" encoding="utf-8"?>
+<p:sld xmlns:a="http://schemas.openxmlformats.org/drawingml/2006/main" xmlns:r="http://schemas.openxmlformats.org/officeDocument/2006/relationships" xmlns:p="http://schemas.openxmlformats.org/presentationml/2006/main">
+  <p:cSld>
+    <p:spTree>
+      <p:nvGrpSpPr>
+        <p:cNvPr id="1" name=""/>
+        <p:cNvGrpSpPr/>
+        <p:nvPr/>
+      </p:nvGrpSpPr>
+      <p:grpSpPr>
+        <a:xfrm>
+          <a:off x="0" y="0"/>
+          <a:ext cx="0" cy="0"/>
+          <a:chOff x="0" y="0"/>
+          <a:chExt cx="0" cy="0"/>
+        </a:xfrm>
+      </p:grpSpPr>
+      <p:sp>
+        <p:nvSpPr>
+          <p:cNvPr id="2" name="Title 1"/>
+          <p:cNvSpPr>
+            <a:spLocks noGrp="1"/>
+          </p:cNvSpPr>
+          <p:nvPr>
+            <p:ph type="title"/>
+          </p:nvPr>
+        </p:nvSpPr>
+        <p:spPr/>
+        <p:txBody>
+          <a:bodyPr/>
+          <a:lstStyle/>
+          <a:p>
+            <a:r>
+              <a:rPr lang="en-US" dirty="0" smtClean="0"/>
               <a:t>Bugs</a:t>
             </a:r>
             <a:endParaRPr lang="en-US" dirty="0"/>
@@ -5943,7 +6227,7 @@
 </p:sld>
 </file>
 
-<file path=ppt/slides/slide23.xml><?xml version="1.0" encoding="utf-8"?>
+<file path=ppt/slides/slide24.xml><?xml version="1.0" encoding="utf-8"?>
 <p:sld xmlns:a="http://schemas.openxmlformats.org/drawingml/2006/main" xmlns:r="http://schemas.openxmlformats.org/officeDocument/2006/relationships" xmlns:p="http://schemas.openxmlformats.org/presentationml/2006/main">
   <p:cSld>
     <p:spTree>
@@ -6663,177 +6947,6 @@
 </p:sld>
 </file>
 
-<file path=ppt/slides/slide24.xml><?xml version="1.0" encoding="utf-8"?>
-<p:sld xmlns:a="http://schemas.openxmlformats.org/drawingml/2006/main" xmlns:r="http://schemas.openxmlformats.org/officeDocument/2006/relationships" xmlns:p="http://schemas.openxmlformats.org/presentationml/2006/main">
-  <p:cSld>
-    <p:spTree>
-      <p:nvGrpSpPr>
-        <p:cNvPr id="1" name=""/>
-        <p:cNvGrpSpPr/>
-        <p:nvPr/>
-      </p:nvGrpSpPr>
-      <p:grpSpPr>
-        <a:xfrm>
-          <a:off x="0" y="0"/>
-          <a:ext cx="0" cy="0"/>
-          <a:chOff x="0" y="0"/>
-          <a:chExt cx="0" cy="0"/>
-        </a:xfrm>
-      </p:grpSpPr>
-      <p:sp>
-        <p:nvSpPr>
-          <p:cNvPr id="2" name="Title 1"/>
-          <p:cNvSpPr>
-            <a:spLocks noGrp="1"/>
-          </p:cNvSpPr>
-          <p:nvPr>
-            <p:ph type="title"/>
-          </p:nvPr>
-        </p:nvSpPr>
-        <p:spPr/>
-        <p:txBody>
-          <a:bodyPr/>
-          <a:lstStyle/>
-          <a:p>
-            <a:r>
-              <a:rPr lang="en-US" dirty="0" smtClean="0"/>
-              <a:t>Writing Unit Tests</a:t>
-            </a:r>
-            <a:endParaRPr lang="en-US" dirty="0"/>
-          </a:p>
-        </p:txBody>
-      </p:sp>
-      <p:sp>
-        <p:nvSpPr>
-          <p:cNvPr id="3" name="Text Placeholder 2"/>
-          <p:cNvSpPr>
-            <a:spLocks noGrp="1"/>
-          </p:cNvSpPr>
-          <p:nvPr>
-            <p:ph type="body" idx="1"/>
-          </p:nvPr>
-        </p:nvSpPr>
-        <p:spPr>
-          <a:xfrm>
-            <a:off x="405353" y="2603499"/>
-            <a:ext cx="12330259" cy="6945854"/>
-          </a:xfrm>
-        </p:spPr>
-        <p:txBody>
-          <a:bodyPr>
-            <a:normAutofit lnSpcReduction="10000"/>
-          </a:bodyPr>
-          <a:lstStyle/>
-          <a:p>
-            <a:r>
-              <a:rPr lang="en-US" dirty="0" smtClean="0"/>
-              <a:t>Using a library called </a:t>
-            </a:r>
-            <a:r>
-              <a:rPr lang="en-US" b="1" dirty="0" smtClean="0"/>
-              <a:t>JUnit</a:t>
-            </a:r>
-          </a:p>
-          <a:p>
-            <a:pPr lvl="1"/>
-            <a:r>
-              <a:rPr lang="en-US" dirty="0" smtClean="0"/>
-              <a:t>Note: how to configure Maven to import third-party libraries is not part of this course (and so not on the exam), but you can ask me in the breaks if you are curious (for some of you, we will dig into its low level details in Enterprise Programming 1 next semester)</a:t>
-            </a:r>
-          </a:p>
-          <a:p>
-            <a:r>
-              <a:rPr lang="en-US" dirty="0" smtClean="0"/>
-              <a:t>Regular code in “</a:t>
-            </a:r>
-            <a:r>
-              <a:rPr lang="en-US" i="1" dirty="0" err="1" smtClean="0"/>
-              <a:t>src</a:t>
-            </a:r>
-            <a:r>
-              <a:rPr lang="en-US" i="1" dirty="0" smtClean="0"/>
-              <a:t>/main/java</a:t>
-            </a:r>
-            <a:r>
-              <a:rPr lang="en-US" dirty="0" smtClean="0"/>
-              <a:t>” folder</a:t>
-            </a:r>
-          </a:p>
-          <a:p>
-            <a:r>
-              <a:rPr lang="en-US" dirty="0" smtClean="0"/>
-              <a:t>Test </a:t>
-            </a:r>
-            <a:r>
-              <a:rPr lang="en-US" dirty="0"/>
-              <a:t>code in “</a:t>
-            </a:r>
-            <a:r>
-              <a:rPr lang="en-US" i="1" dirty="0" err="1" smtClean="0"/>
-              <a:t>src</a:t>
-            </a:r>
-            <a:r>
-              <a:rPr lang="en-US" i="1" dirty="0" smtClean="0"/>
-              <a:t>/test/java</a:t>
-            </a:r>
-            <a:r>
-              <a:rPr lang="en-US" dirty="0"/>
-              <a:t>” </a:t>
-            </a:r>
-            <a:r>
-              <a:rPr lang="en-US" dirty="0" smtClean="0"/>
-              <a:t>folder</a:t>
-            </a:r>
-          </a:p>
-          <a:p>
-            <a:r>
-              <a:rPr lang="en-US" dirty="0" smtClean="0"/>
-              <a:t>A test class is just a Java class with </a:t>
-            </a:r>
-            <a:r>
-              <a:rPr lang="en-US" i="1" dirty="0" smtClean="0"/>
-              <a:t>@ annotations</a:t>
-            </a:r>
-          </a:p>
-          <a:p>
-            <a:r>
-              <a:rPr lang="en-US" dirty="0" smtClean="0"/>
-              <a:t>A test class for a class called </a:t>
-            </a:r>
-            <a:r>
-              <a:rPr lang="en-US" i="1" dirty="0" smtClean="0"/>
-              <a:t>Foo.java</a:t>
-            </a:r>
-            <a:r>
-              <a:rPr lang="en-US" dirty="0" smtClean="0"/>
-              <a:t> will be called </a:t>
-            </a:r>
-            <a:r>
-              <a:rPr lang="en-US" i="1" dirty="0" smtClean="0"/>
-              <a:t>FooTest.java</a:t>
-            </a:r>
-            <a:r>
-              <a:rPr lang="en-US" dirty="0" smtClean="0"/>
-              <a:t>, in the same package</a:t>
-            </a:r>
-            <a:endParaRPr lang="en-US" i="1" dirty="0"/>
-          </a:p>
-        </p:txBody>
-      </p:sp>
-    </p:spTree>
-    <p:extLst>
-      <p:ext uri="{BB962C8B-B14F-4D97-AF65-F5344CB8AC3E}">
-        <p14:creationId xmlns:p14="http://schemas.microsoft.com/office/powerpoint/2010/main" val="3303595683"/>
-      </p:ext>
-    </p:extLst>
-  </p:cSld>
-  <p:clrMapOvr>
-    <a:masterClrMapping/>
-  </p:clrMapOvr>
-  <p:transition spd="med"/>
-</p:sld>
-</file>
-
 <file path=ppt/slides/slide25.xml><?xml version="1.0" encoding="utf-8"?>
 <p:sld xmlns:a="http://schemas.openxmlformats.org/drawingml/2006/main" xmlns:r="http://schemas.openxmlformats.org/officeDocument/2006/relationships" xmlns:p="http://schemas.openxmlformats.org/presentationml/2006/main">
   <p:cSld>
@@ -6868,7 +6981,7 @@
           <a:p>
             <a:r>
               <a:rPr lang="en-US" dirty="0" smtClean="0"/>
-              <a:t>Main @ Annotations</a:t>
+              <a:t>Writing Unit Tests</a:t>
             </a:r>
             <a:endParaRPr lang="en-US" dirty="0"/>
           </a:p>
@@ -6884,91 +6997,117 @@
             <p:ph type="body" idx="1"/>
           </p:nvPr>
         </p:nvSpPr>
-        <p:spPr/>
+        <p:spPr>
+          <a:xfrm>
+            <a:off x="405353" y="2603499"/>
+            <a:ext cx="12330259" cy="6945854"/>
+          </a:xfrm>
+        </p:spPr>
         <p:txBody>
-          <a:bodyPr/>
+          <a:bodyPr>
+            <a:normAutofit lnSpcReduction="10000"/>
+          </a:bodyPr>
           <a:lstStyle/>
           <a:p>
             <a:r>
+              <a:rPr lang="en-US" dirty="0" smtClean="0"/>
+              <a:t>Using a library called </a:t>
+            </a:r>
+            <a:r>
               <a:rPr lang="en-US" b="1" dirty="0" smtClean="0"/>
-              <a:t>@Test</a:t>
-            </a:r>
-            <a:r>
-              <a:rPr lang="en-US" dirty="0" smtClean="0"/>
-              <a:t>: mark a method as a test</a:t>
-            </a:r>
-          </a:p>
-          <a:p>
-            <a:r>
-              <a:rPr lang="en-US" b="1" dirty="0"/>
-              <a:t>@</a:t>
-            </a:r>
-            <a:r>
-              <a:rPr lang="en-US" b="1" dirty="0" err="1" smtClean="0"/>
-              <a:t>BeforeEach</a:t>
-            </a:r>
-            <a:r>
-              <a:rPr lang="en-US" dirty="0" smtClean="0"/>
-              <a:t>: execute method before each test</a:t>
-            </a:r>
-          </a:p>
-          <a:p>
-            <a:r>
-              <a:rPr lang="en-US" b="1" dirty="0" smtClean="0"/>
-              <a:t>@</a:t>
-            </a:r>
-            <a:r>
-              <a:rPr lang="en-US" b="1" dirty="0" err="1" smtClean="0"/>
-              <a:t>BeforeAll</a:t>
-            </a:r>
-            <a:r>
-              <a:rPr lang="en-US" dirty="0" smtClean="0"/>
-              <a:t>: execute method once before any of the tests is started</a:t>
-            </a:r>
-          </a:p>
-          <a:p>
-            <a:r>
-              <a:rPr lang="en-US" b="1" dirty="0" smtClean="0"/>
-              <a:t>@</a:t>
-            </a:r>
-            <a:r>
-              <a:rPr lang="en-US" b="1" dirty="0" err="1" smtClean="0"/>
-              <a:t>AfterEach</a:t>
-            </a:r>
-            <a:r>
-              <a:rPr lang="en-US" dirty="0" smtClean="0"/>
-              <a:t>, </a:t>
-            </a:r>
-            <a:r>
-              <a:rPr lang="en-US" b="1" dirty="0" smtClean="0"/>
-              <a:t>@</a:t>
-            </a:r>
-            <a:r>
-              <a:rPr lang="en-US" b="1" dirty="0" err="1" smtClean="0"/>
-              <a:t>AfterAll</a:t>
-            </a:r>
-            <a:r>
-              <a:rPr lang="en-US" dirty="0" smtClean="0"/>
-              <a:t>: same, but after the tests </a:t>
-            </a:r>
-          </a:p>
-          <a:p>
-            <a:r>
-              <a:rPr lang="en-US" b="1" dirty="0" smtClean="0"/>
-              <a:t>@Disable</a:t>
-            </a:r>
-            <a:r>
-              <a:rPr lang="en-US" dirty="0" smtClean="0"/>
-              <a:t>: temporarily disable a test, which is not going to be run</a:t>
-            </a:r>
-            <a:endParaRPr lang="en-US" dirty="0"/>
+              <a:t>JUnit</a:t>
+            </a:r>
+          </a:p>
+          <a:p>
+            <a:pPr lvl="1"/>
+            <a:r>
+              <a:rPr lang="en-US" dirty="0" smtClean="0"/>
+              <a:t>Note: how to configure Maven to import third-party libraries is not part of this course (and so not on the exam), but you can ask me in the breaks if you are curious (for some of you, we will dig into its low level details in Enterprise Programming 1 next semester)</a:t>
+            </a:r>
+          </a:p>
+          <a:p>
+            <a:r>
+              <a:rPr lang="en-US" dirty="0" smtClean="0"/>
+              <a:t>Regular code in “</a:t>
+            </a:r>
+            <a:r>
+              <a:rPr lang="en-US" i="1" dirty="0" err="1" smtClean="0"/>
+              <a:t>src</a:t>
+            </a:r>
+            <a:r>
+              <a:rPr lang="en-US" i="1" dirty="0" smtClean="0"/>
+              <a:t>/main/java</a:t>
+            </a:r>
+            <a:r>
+              <a:rPr lang="en-US" dirty="0" smtClean="0"/>
+              <a:t>” folder</a:t>
+            </a:r>
+          </a:p>
+          <a:p>
+            <a:r>
+              <a:rPr lang="en-US" dirty="0" smtClean="0"/>
+              <a:t>Test </a:t>
+            </a:r>
+            <a:r>
+              <a:rPr lang="en-US" dirty="0"/>
+              <a:t>code in “</a:t>
+            </a:r>
+            <a:r>
+              <a:rPr lang="en-US" i="1" dirty="0" err="1" smtClean="0"/>
+              <a:t>src</a:t>
+            </a:r>
+            <a:r>
+              <a:rPr lang="en-US" i="1" dirty="0" smtClean="0"/>
+              <a:t>/test/java</a:t>
+            </a:r>
+            <a:r>
+              <a:rPr lang="en-US" dirty="0"/>
+              <a:t>” </a:t>
+            </a:r>
+            <a:r>
+              <a:rPr lang="en-US" dirty="0" smtClean="0"/>
+              <a:t>folder</a:t>
+            </a:r>
+          </a:p>
+          <a:p>
+            <a:r>
+              <a:rPr lang="en-US" dirty="0" smtClean="0"/>
+              <a:t>A test class is just a Java class with </a:t>
+            </a:r>
+            <a:r>
+              <a:rPr lang="en-US" i="1" dirty="0" smtClean="0"/>
+              <a:t>@ annotations</a:t>
+            </a:r>
+          </a:p>
+          <a:p>
+            <a:r>
+              <a:rPr lang="en-US" dirty="0" smtClean="0"/>
+              <a:t>A test class for a class called </a:t>
+            </a:r>
+            <a:r>
+              <a:rPr lang="en-US" i="1" dirty="0" smtClean="0"/>
+              <a:t>Foo.java</a:t>
+            </a:r>
+            <a:r>
+              <a:rPr lang="en-US" dirty="0" smtClean="0"/>
+              <a:t> will be called </a:t>
+            </a:r>
+            <a:r>
+              <a:rPr lang="en-US" i="1" dirty="0" smtClean="0"/>
+              <a:t>FooTest.java</a:t>
+            </a:r>
+            <a:r>
+              <a:rPr lang="en-US" dirty="0" smtClean="0"/>
+              <a:t>, in the same package</a:t>
+            </a:r>
+            <a:endParaRPr lang="en-US" i="1" dirty="0"/>
           </a:p>
         </p:txBody>
       </p:sp>
     </p:spTree>
     <p:extLst>
       <p:ext uri="{BB962C8B-B14F-4D97-AF65-F5344CB8AC3E}">
-        <p14:creationId xmlns:p14="http://schemas.microsoft.com/office/powerpoint/2010/main" val="2593368313"/>
+        <p14:creationId xmlns:p14="http://schemas.microsoft.com/office/powerpoint/2010/main" val="3303595683"/>
       </p:ext>
     </p:extLst>
   </p:cSld>
@@ -7013,6 +7152,151 @@
           <a:p>
             <a:r>
               <a:rPr lang="en-US" dirty="0" smtClean="0"/>
+              <a:t>Main @ Annotations</a:t>
+            </a:r>
+            <a:endParaRPr lang="en-US" dirty="0"/>
+          </a:p>
+        </p:txBody>
+      </p:sp>
+      <p:sp>
+        <p:nvSpPr>
+          <p:cNvPr id="3" name="Text Placeholder 2"/>
+          <p:cNvSpPr>
+            <a:spLocks noGrp="1"/>
+          </p:cNvSpPr>
+          <p:nvPr>
+            <p:ph type="body" idx="1"/>
+          </p:nvPr>
+        </p:nvSpPr>
+        <p:spPr/>
+        <p:txBody>
+          <a:bodyPr/>
+          <a:lstStyle/>
+          <a:p>
+            <a:r>
+              <a:rPr lang="en-US" b="1" dirty="0" smtClean="0"/>
+              <a:t>@Test</a:t>
+            </a:r>
+            <a:r>
+              <a:rPr lang="en-US" dirty="0" smtClean="0"/>
+              <a:t>: mark a method as a test</a:t>
+            </a:r>
+          </a:p>
+          <a:p>
+            <a:r>
+              <a:rPr lang="en-US" b="1" dirty="0"/>
+              <a:t>@</a:t>
+            </a:r>
+            <a:r>
+              <a:rPr lang="en-US" b="1" dirty="0" err="1" smtClean="0"/>
+              <a:t>BeforeEach</a:t>
+            </a:r>
+            <a:r>
+              <a:rPr lang="en-US" dirty="0" smtClean="0"/>
+              <a:t>: execute method before each test</a:t>
+            </a:r>
+          </a:p>
+          <a:p>
+            <a:r>
+              <a:rPr lang="en-US" b="1" dirty="0" smtClean="0"/>
+              <a:t>@</a:t>
+            </a:r>
+            <a:r>
+              <a:rPr lang="en-US" b="1" dirty="0" err="1" smtClean="0"/>
+              <a:t>BeforeAll</a:t>
+            </a:r>
+            <a:r>
+              <a:rPr lang="en-US" dirty="0" smtClean="0"/>
+              <a:t>: execute method once before any of the tests is started</a:t>
+            </a:r>
+          </a:p>
+          <a:p>
+            <a:r>
+              <a:rPr lang="en-US" b="1" dirty="0" smtClean="0"/>
+              <a:t>@</a:t>
+            </a:r>
+            <a:r>
+              <a:rPr lang="en-US" b="1" dirty="0" err="1" smtClean="0"/>
+              <a:t>AfterEach</a:t>
+            </a:r>
+            <a:r>
+              <a:rPr lang="en-US" dirty="0" smtClean="0"/>
+              <a:t>, </a:t>
+            </a:r>
+            <a:r>
+              <a:rPr lang="en-US" b="1" dirty="0" smtClean="0"/>
+              <a:t>@</a:t>
+            </a:r>
+            <a:r>
+              <a:rPr lang="en-US" b="1" dirty="0" err="1" smtClean="0"/>
+              <a:t>AfterAll</a:t>
+            </a:r>
+            <a:r>
+              <a:rPr lang="en-US" dirty="0" smtClean="0"/>
+              <a:t>: same, but after the tests </a:t>
+            </a:r>
+          </a:p>
+          <a:p>
+            <a:r>
+              <a:rPr lang="en-US" b="1" dirty="0" smtClean="0"/>
+              <a:t>@Disable</a:t>
+            </a:r>
+            <a:r>
+              <a:rPr lang="en-US" dirty="0" smtClean="0"/>
+              <a:t>: temporarily disable a test, which is not going to be run</a:t>
+            </a:r>
+            <a:endParaRPr lang="en-US" dirty="0"/>
+          </a:p>
+        </p:txBody>
+      </p:sp>
+    </p:spTree>
+    <p:extLst>
+      <p:ext uri="{BB962C8B-B14F-4D97-AF65-F5344CB8AC3E}">
+        <p14:creationId xmlns:p14="http://schemas.microsoft.com/office/powerpoint/2010/main" val="2593368313"/>
+      </p:ext>
+    </p:extLst>
+  </p:cSld>
+  <p:clrMapOvr>
+    <a:masterClrMapping/>
+  </p:clrMapOvr>
+  <p:transition spd="med"/>
+</p:sld>
+</file>
+
+<file path=ppt/slides/slide27.xml><?xml version="1.0" encoding="utf-8"?>
+<p:sld xmlns:a="http://schemas.openxmlformats.org/drawingml/2006/main" xmlns:r="http://schemas.openxmlformats.org/officeDocument/2006/relationships" xmlns:p="http://schemas.openxmlformats.org/presentationml/2006/main">
+  <p:cSld>
+    <p:spTree>
+      <p:nvGrpSpPr>
+        <p:cNvPr id="1" name=""/>
+        <p:cNvGrpSpPr/>
+        <p:nvPr/>
+      </p:nvGrpSpPr>
+      <p:grpSpPr>
+        <a:xfrm>
+          <a:off x="0" y="0"/>
+          <a:ext cx="0" cy="0"/>
+          <a:chOff x="0" y="0"/>
+          <a:chExt cx="0" cy="0"/>
+        </a:xfrm>
+      </p:grpSpPr>
+      <p:sp>
+        <p:nvSpPr>
+          <p:cNvPr id="2" name="Title 1"/>
+          <p:cNvSpPr>
+            <a:spLocks noGrp="1"/>
+          </p:cNvSpPr>
+          <p:nvPr>
+            <p:ph type="title"/>
+          </p:nvPr>
+        </p:nvSpPr>
+        <p:spPr/>
+        <p:txBody>
+          <a:bodyPr/>
+          <a:lstStyle/>
+          <a:p>
+            <a:r>
+              <a:rPr lang="en-US" dirty="0" smtClean="0"/>
               <a:t>Assertions</a:t>
             </a:r>
             <a:endParaRPr lang="en-US" dirty="0"/>
@@ -7201,7 +7485,7 @@
 </p:sld>
 </file>
 
-<file path=ppt/slides/slide27.xml><?xml version="1.0" encoding="utf-8"?>
+<file path=ppt/slides/slide28.xml><?xml version="1.0" encoding="utf-8"?>
 <p:sld xmlns:a="http://schemas.openxmlformats.org/drawingml/2006/main" xmlns:r="http://schemas.openxmlformats.org/officeDocument/2006/relationships" xmlns:p="http://schemas.openxmlformats.org/presentationml/2006/main">
   <p:cSld>
     <p:spTree>
@@ -8583,7 +8867,7 @@
 </p:sld>
 </file>
 
-<file path=ppt/slides/slide28.xml><?xml version="1.0" encoding="utf-8"?>
+<file path=ppt/slides/slide29.xml><?xml version="1.0" encoding="utf-8"?>
 <p:sld xmlns:a="http://schemas.openxmlformats.org/drawingml/2006/main" xmlns:r="http://schemas.openxmlformats.org/officeDocument/2006/relationships" xmlns:p="http://schemas.openxmlformats.org/presentationml/2006/main">
   <p:cSld>
     <p:spTree>
@@ -8734,144 +9018,6 @@
     <p:extLst>
       <p:ext uri="{BB962C8B-B14F-4D97-AF65-F5344CB8AC3E}">
         <p14:creationId xmlns:p14="http://schemas.microsoft.com/office/powerpoint/2010/main" val="3232246092"/>
-      </p:ext>
-    </p:extLst>
-  </p:cSld>
-  <p:clrMapOvr>
-    <a:masterClrMapping/>
-  </p:clrMapOvr>
-  <p:transition spd="med"/>
-</p:sld>
-</file>
-
-<file path=ppt/slides/slide29.xml><?xml version="1.0" encoding="utf-8"?>
-<p:sld xmlns:a="http://schemas.openxmlformats.org/drawingml/2006/main" xmlns:r="http://schemas.openxmlformats.org/officeDocument/2006/relationships" xmlns:p="http://schemas.openxmlformats.org/presentationml/2006/main">
-  <p:cSld>
-    <p:spTree>
-      <p:nvGrpSpPr>
-        <p:cNvPr id="1" name=""/>
-        <p:cNvGrpSpPr/>
-        <p:nvPr/>
-      </p:nvGrpSpPr>
-      <p:grpSpPr>
-        <a:xfrm>
-          <a:off x="0" y="0"/>
-          <a:ext cx="0" cy="0"/>
-          <a:chOff x="0" y="0"/>
-          <a:chExt cx="0" cy="0"/>
-        </a:xfrm>
-      </p:grpSpPr>
-      <p:sp>
-        <p:nvSpPr>
-          <p:cNvPr id="2" name="Title 1"/>
-          <p:cNvSpPr>
-            <a:spLocks noGrp="1"/>
-          </p:cNvSpPr>
-          <p:nvPr>
-            <p:ph type="title"/>
-          </p:nvPr>
-        </p:nvSpPr>
-        <p:spPr/>
-        <p:txBody>
-          <a:bodyPr/>
-          <a:lstStyle/>
-          <a:p>
-            <a:r>
-              <a:rPr lang="en-US" dirty="0" smtClean="0"/>
-              <a:t>Debugging</a:t>
-            </a:r>
-            <a:endParaRPr lang="en-US" dirty="0"/>
-          </a:p>
-        </p:txBody>
-      </p:sp>
-      <p:sp>
-        <p:nvSpPr>
-          <p:cNvPr id="3" name="Text Placeholder 2"/>
-          <p:cNvSpPr>
-            <a:spLocks noGrp="1"/>
-          </p:cNvSpPr>
-          <p:nvPr>
-            <p:ph type="body" idx="1"/>
-          </p:nvPr>
-        </p:nvSpPr>
-        <p:spPr>
-          <a:xfrm>
-            <a:off x="7336052" y="2603500"/>
-            <a:ext cx="5437268" cy="6870438"/>
-          </a:xfrm>
-        </p:spPr>
-        <p:txBody>
-          <a:bodyPr/>
-          <a:lstStyle/>
-          <a:p>
-            <a:r>
-              <a:rPr lang="en-US" b="1" dirty="0" smtClean="0"/>
-              <a:t>VERY IMPORTANT</a:t>
-            </a:r>
-          </a:p>
-          <a:p>
-            <a:r>
-              <a:rPr lang="en-US" dirty="0" smtClean="0"/>
-              <a:t>Can put “</a:t>
-            </a:r>
-            <a:r>
-              <a:rPr lang="en-US" i="1" dirty="0" smtClean="0"/>
-              <a:t>break points</a:t>
-            </a:r>
-            <a:r>
-              <a:rPr lang="en-US" dirty="0" smtClean="0"/>
-              <a:t>”</a:t>
-            </a:r>
-          </a:p>
-          <a:p>
-            <a:r>
-              <a:rPr lang="en-US" dirty="0" smtClean="0"/>
-              <a:t>Execute one step at a time</a:t>
-            </a:r>
-          </a:p>
-          <a:p>
-            <a:r>
-              <a:rPr lang="en-US" dirty="0" smtClean="0"/>
-              <a:t>Inspect status of all variables, at each step</a:t>
-            </a:r>
-          </a:p>
-          <a:p>
-            <a:r>
-              <a:rPr lang="en-US" dirty="0" smtClean="0"/>
-              <a:t>Easier to understand with live demo</a:t>
-            </a:r>
-            <a:endParaRPr lang="en-US" dirty="0"/>
-          </a:p>
-        </p:txBody>
-      </p:sp>
-      <p:pic>
-        <p:nvPicPr>
-          <p:cNvPr id="4" name="Picture 3"/>
-          <p:cNvPicPr>
-            <a:picLocks noChangeAspect="1"/>
-          </p:cNvPicPr>
-          <p:nvPr/>
-        </p:nvPicPr>
-        <p:blipFill>
-          <a:blip r:embed="rId2"/>
-          <a:stretch>
-            <a:fillRect/>
-          </a:stretch>
-        </p:blipFill>
-        <p:spPr>
-          <a:xfrm>
-            <a:off x="472180" y="2603500"/>
-            <a:ext cx="6383552" cy="6959600"/>
-          </a:xfrm>
-          <a:prstGeom prst="rect">
-            <a:avLst/>
-          </a:prstGeom>
-        </p:spPr>
-      </p:pic>
-    </p:spTree>
-    <p:extLst>
-      <p:ext uri="{BB962C8B-B14F-4D97-AF65-F5344CB8AC3E}">
-        <p14:creationId xmlns:p14="http://schemas.microsoft.com/office/powerpoint/2010/main" val="2427230543"/>
       </p:ext>
     </p:extLst>
   </p:cSld>
@@ -9045,6 +9191,144 @@
           <a:p>
             <a:r>
               <a:rPr lang="en-US" dirty="0" smtClean="0"/>
+              <a:t>Debugging</a:t>
+            </a:r>
+            <a:endParaRPr lang="en-US" dirty="0"/>
+          </a:p>
+        </p:txBody>
+      </p:sp>
+      <p:sp>
+        <p:nvSpPr>
+          <p:cNvPr id="3" name="Text Placeholder 2"/>
+          <p:cNvSpPr>
+            <a:spLocks noGrp="1"/>
+          </p:cNvSpPr>
+          <p:nvPr>
+            <p:ph type="body" idx="1"/>
+          </p:nvPr>
+        </p:nvSpPr>
+        <p:spPr>
+          <a:xfrm>
+            <a:off x="7336052" y="2603500"/>
+            <a:ext cx="5437268" cy="6870438"/>
+          </a:xfrm>
+        </p:spPr>
+        <p:txBody>
+          <a:bodyPr/>
+          <a:lstStyle/>
+          <a:p>
+            <a:r>
+              <a:rPr lang="en-US" b="1" dirty="0" smtClean="0"/>
+              <a:t>VERY IMPORTANT</a:t>
+            </a:r>
+          </a:p>
+          <a:p>
+            <a:r>
+              <a:rPr lang="en-US" dirty="0" smtClean="0"/>
+              <a:t>Can put “</a:t>
+            </a:r>
+            <a:r>
+              <a:rPr lang="en-US" i="1" dirty="0" smtClean="0"/>
+              <a:t>break points</a:t>
+            </a:r>
+            <a:r>
+              <a:rPr lang="en-US" dirty="0" smtClean="0"/>
+              <a:t>”</a:t>
+            </a:r>
+          </a:p>
+          <a:p>
+            <a:r>
+              <a:rPr lang="en-US" dirty="0" smtClean="0"/>
+              <a:t>Execute one step at a time</a:t>
+            </a:r>
+          </a:p>
+          <a:p>
+            <a:r>
+              <a:rPr lang="en-US" dirty="0" smtClean="0"/>
+              <a:t>Inspect status of all variables, at each step</a:t>
+            </a:r>
+          </a:p>
+          <a:p>
+            <a:r>
+              <a:rPr lang="en-US" dirty="0" smtClean="0"/>
+              <a:t>Easier to understand with live demo</a:t>
+            </a:r>
+            <a:endParaRPr lang="en-US" dirty="0"/>
+          </a:p>
+        </p:txBody>
+      </p:sp>
+      <p:pic>
+        <p:nvPicPr>
+          <p:cNvPr id="4" name="Picture 3"/>
+          <p:cNvPicPr>
+            <a:picLocks noChangeAspect="1"/>
+          </p:cNvPicPr>
+          <p:nvPr/>
+        </p:nvPicPr>
+        <p:blipFill>
+          <a:blip r:embed="rId2"/>
+          <a:stretch>
+            <a:fillRect/>
+          </a:stretch>
+        </p:blipFill>
+        <p:spPr>
+          <a:xfrm>
+            <a:off x="472180" y="2603500"/>
+            <a:ext cx="6383552" cy="6959600"/>
+          </a:xfrm>
+          <a:prstGeom prst="rect">
+            <a:avLst/>
+          </a:prstGeom>
+        </p:spPr>
+      </p:pic>
+    </p:spTree>
+    <p:extLst>
+      <p:ext uri="{BB962C8B-B14F-4D97-AF65-F5344CB8AC3E}">
+        <p14:creationId xmlns:p14="http://schemas.microsoft.com/office/powerpoint/2010/main" val="2427230543"/>
+      </p:ext>
+    </p:extLst>
+  </p:cSld>
+  <p:clrMapOvr>
+    <a:masterClrMapping/>
+  </p:clrMapOvr>
+  <p:transition spd="med"/>
+</p:sld>
+</file>
+
+<file path=ppt/slides/slide31.xml><?xml version="1.0" encoding="utf-8"?>
+<p:sld xmlns:a="http://schemas.openxmlformats.org/drawingml/2006/main" xmlns:r="http://schemas.openxmlformats.org/officeDocument/2006/relationships" xmlns:p="http://schemas.openxmlformats.org/presentationml/2006/main">
+  <p:cSld>
+    <p:spTree>
+      <p:nvGrpSpPr>
+        <p:cNvPr id="1" name=""/>
+        <p:cNvGrpSpPr/>
+        <p:nvPr/>
+      </p:nvGrpSpPr>
+      <p:grpSpPr>
+        <a:xfrm>
+          <a:off x="0" y="0"/>
+          <a:ext cx="0" cy="0"/>
+          <a:chOff x="0" y="0"/>
+          <a:chExt cx="0" cy="0"/>
+        </a:xfrm>
+      </p:grpSpPr>
+      <p:sp>
+        <p:nvSpPr>
+          <p:cNvPr id="2" name="Title 1"/>
+          <p:cNvSpPr>
+            <a:spLocks noGrp="1"/>
+          </p:cNvSpPr>
+          <p:nvPr>
+            <p:ph type="title"/>
+          </p:nvPr>
+        </p:nvSpPr>
+        <p:spPr/>
+        <p:txBody>
+          <a:bodyPr/>
+          <a:lstStyle/>
+          <a:p>
+            <a:r>
+              <a:rPr lang="en-US" dirty="0" smtClean="0"/>
               <a:t>Run With Coverage</a:t>
             </a:r>
             <a:endParaRPr lang="en-US" dirty="0"/>
@@ -9139,7 +9423,7 @@
 </p:sld>
 </file>
 
-<file path=ppt/slides/slide31.xml><?xml version="1.0" encoding="utf-8"?>
+<file path=ppt/slides/slide32.xml><?xml version="1.0" encoding="utf-8"?>
 <p:sld xmlns:a="http://schemas.openxmlformats.org/drawingml/2006/main" xmlns:r="http://schemas.openxmlformats.org/officeDocument/2006/relationships" xmlns:p="http://schemas.openxmlformats.org/presentationml/2006/main">
   <p:cSld>
     <p:spTree>
@@ -9462,7 +9746,7 @@
           </a:ln>
           <a:extLst>
             <a:ext uri="{C572A759-6A51-4108-AA02-DFA0A04FC94B}">
-              <ma14:wrappingTextBoxFlag xmlns:ma14="http://schemas.microsoft.com/office/mac/drawingml/2011/main" xmlns="" val="1"/>
+              <ma14:wrappingTextBoxFlag xmlns="" xmlns:ma14="http://schemas.microsoft.com/office/mac/drawingml/2011/main" val="1"/>
             </a:ext>
           </a:extLst>
         </p:spPr>
@@ -9799,7 +10083,7 @@
           </a:ln>
           <a:extLst>
             <a:ext uri="{C572A759-6A51-4108-AA02-DFA0A04FC94B}">
-              <ma14:wrappingTextBoxFlag xmlns:ma14="http://schemas.microsoft.com/office/mac/drawingml/2011/main" xmlns="" val="1"/>
+              <ma14:wrappingTextBoxFlag xmlns="" xmlns:ma14="http://schemas.microsoft.com/office/mac/drawingml/2011/main" val="1"/>
             </a:ext>
           </a:extLst>
         </p:spPr>

--- a/docs/slides/01/01_intro.pptx
+++ b/docs/slides/01/01_intro.pptx
@@ -5,41 +5,50 @@
     <p:sldMasterId id="2147483648" r:id="rId1"/>
   </p:sldMasterIdLst>
   <p:notesMasterIdLst>
-    <p:notesMasterId r:id="rId34"/>
+    <p:notesMasterId r:id="rId43"/>
   </p:notesMasterIdLst>
   <p:sldIdLst>
     <p:sldId id="287" r:id="rId2"/>
-    <p:sldId id="259" r:id="rId3"/>
-    <p:sldId id="260" r:id="rId4"/>
-    <p:sldId id="261" r:id="rId5"/>
-    <p:sldId id="286" r:id="rId6"/>
-    <p:sldId id="262" r:id="rId7"/>
-    <p:sldId id="263" r:id="rId8"/>
-    <p:sldId id="283" r:id="rId9"/>
-    <p:sldId id="281" r:id="rId10"/>
-    <p:sldId id="282" r:id="rId11"/>
-    <p:sldId id="284" r:id="rId12"/>
-    <p:sldId id="289" r:id="rId13"/>
-    <p:sldId id="264" r:id="rId14"/>
-    <p:sldId id="265" r:id="rId15"/>
-    <p:sldId id="266" r:id="rId16"/>
-    <p:sldId id="288" r:id="rId17"/>
-    <p:sldId id="290" r:id="rId18"/>
-    <p:sldId id="292" r:id="rId19"/>
-    <p:sldId id="295" r:id="rId20"/>
-    <p:sldId id="305" r:id="rId21"/>
-    <p:sldId id="296" r:id="rId22"/>
-    <p:sldId id="293" r:id="rId23"/>
-    <p:sldId id="291" r:id="rId24"/>
-    <p:sldId id="297" r:id="rId25"/>
-    <p:sldId id="298" r:id="rId26"/>
-    <p:sldId id="299" r:id="rId27"/>
-    <p:sldId id="301" r:id="rId28"/>
-    <p:sldId id="302" r:id="rId29"/>
-    <p:sldId id="300" r:id="rId30"/>
-    <p:sldId id="303" r:id="rId31"/>
-    <p:sldId id="304" r:id="rId32"/>
-    <p:sldId id="294" r:id="rId33"/>
+    <p:sldId id="306" r:id="rId3"/>
+    <p:sldId id="259" r:id="rId4"/>
+    <p:sldId id="260" r:id="rId5"/>
+    <p:sldId id="261" r:id="rId6"/>
+    <p:sldId id="286" r:id="rId7"/>
+    <p:sldId id="262" r:id="rId8"/>
+    <p:sldId id="263" r:id="rId9"/>
+    <p:sldId id="311" r:id="rId10"/>
+    <p:sldId id="312" r:id="rId11"/>
+    <p:sldId id="313" r:id="rId12"/>
+    <p:sldId id="315" r:id="rId13"/>
+    <p:sldId id="283" r:id="rId14"/>
+    <p:sldId id="281" r:id="rId15"/>
+    <p:sldId id="282" r:id="rId16"/>
+    <p:sldId id="284" r:id="rId17"/>
+    <p:sldId id="289" r:id="rId18"/>
+    <p:sldId id="264" r:id="rId19"/>
+    <p:sldId id="309" r:id="rId20"/>
+    <p:sldId id="316" r:id="rId21"/>
+    <p:sldId id="265" r:id="rId22"/>
+    <p:sldId id="266" r:id="rId23"/>
+    <p:sldId id="307" r:id="rId24"/>
+    <p:sldId id="288" r:id="rId25"/>
+    <p:sldId id="310" r:id="rId26"/>
+    <p:sldId id="290" r:id="rId27"/>
+    <p:sldId id="292" r:id="rId28"/>
+    <p:sldId id="295" r:id="rId29"/>
+    <p:sldId id="305" r:id="rId30"/>
+    <p:sldId id="296" r:id="rId31"/>
+    <p:sldId id="293" r:id="rId32"/>
+    <p:sldId id="291" r:id="rId33"/>
+    <p:sldId id="297" r:id="rId34"/>
+    <p:sldId id="298" r:id="rId35"/>
+    <p:sldId id="299" r:id="rId36"/>
+    <p:sldId id="301" r:id="rId37"/>
+    <p:sldId id="302" r:id="rId38"/>
+    <p:sldId id="300" r:id="rId39"/>
+    <p:sldId id="303" r:id="rId40"/>
+    <p:sldId id="304" r:id="rId41"/>
+    <p:sldId id="294" r:id="rId42"/>
   </p:sldIdLst>
   <p:sldSz cx="13004800" cy="9753600"/>
   <p:notesSz cx="6858000" cy="9144000"/>
@@ -583,6 +592,67 @@
     </p:spTree>
     <p:extLst>
       <p:ext uri="{BB962C8B-B14F-4D97-AF65-F5344CB8AC3E}">
+        <p14:creationId xmlns:p14="http://schemas.microsoft.com/office/powerpoint/2010/main" val="919778088"/>
+      </p:ext>
+    </p:extLst>
+  </p:cSld>
+  <p:clrMapOvr>
+    <a:masterClrMapping/>
+  </p:clrMapOvr>
+</p:notes>
+</file>
+
+<file path=ppt/notesSlides/notesSlide2.xml><?xml version="1.0" encoding="utf-8"?>
+<p:notes xmlns:a="http://schemas.openxmlformats.org/drawingml/2006/main" xmlns:r="http://schemas.openxmlformats.org/officeDocument/2006/relationships" xmlns:p="http://schemas.openxmlformats.org/presentationml/2006/main">
+  <p:cSld>
+    <p:spTree>
+      <p:nvGrpSpPr>
+        <p:cNvPr id="1" name=""/>
+        <p:cNvGrpSpPr/>
+        <p:nvPr/>
+      </p:nvGrpSpPr>
+      <p:grpSpPr>
+        <a:xfrm>
+          <a:off x="0" y="0"/>
+          <a:ext cx="0" cy="0"/>
+          <a:chOff x="0" y="0"/>
+          <a:chExt cx="0" cy="0"/>
+        </a:xfrm>
+      </p:grpSpPr>
+      <p:sp>
+        <p:nvSpPr>
+          <p:cNvPr id="2" name="Slide Image Placeholder 1"/>
+          <p:cNvSpPr>
+            <a:spLocks noGrp="1" noRot="1" noChangeAspect="1"/>
+          </p:cNvSpPr>
+          <p:nvPr>
+            <p:ph type="sldImg"/>
+          </p:nvPr>
+        </p:nvSpPr>
+        <p:spPr/>
+      </p:sp>
+      <p:sp>
+        <p:nvSpPr>
+          <p:cNvPr id="3" name="Notes Placeholder 2"/>
+          <p:cNvSpPr>
+            <a:spLocks noGrp="1"/>
+          </p:cNvSpPr>
+          <p:nvPr>
+            <p:ph type="body" idx="1"/>
+          </p:nvPr>
+        </p:nvSpPr>
+        <p:spPr/>
+        <p:txBody>
+          <a:bodyPr/>
+          <a:lstStyle/>
+          <a:p>
+            <a:endParaRPr lang="en-US" dirty="0"/>
+          </a:p>
+        </p:txBody>
+      </p:sp>
+    </p:spTree>
+    <p:extLst>
+      <p:ext uri="{BB962C8B-B14F-4D97-AF65-F5344CB8AC3E}">
         <p14:creationId xmlns:p14="http://schemas.microsoft.com/office/powerpoint/2010/main" val="1690472366"/>
       </p:ext>
     </p:extLst>
@@ -1039,6 +1109,192 @@
 </p:sldLayout>
 </file>
 
+<file path=ppt/slideLayouts/slideLayout13.xml><?xml version="1.0" encoding="utf-8"?>
+<p:sldLayout xmlns:a="http://schemas.openxmlformats.org/drawingml/2006/main" xmlns:r="http://schemas.openxmlformats.org/officeDocument/2006/relationships" xmlns:p="http://schemas.openxmlformats.org/presentationml/2006/main" type="obj">
+  <p:cSld name="Title and Content">
+    <p:spTree>
+      <p:nvGrpSpPr>
+        <p:cNvPr id="1" name=""/>
+        <p:cNvGrpSpPr/>
+        <p:nvPr/>
+      </p:nvGrpSpPr>
+      <p:grpSpPr>
+        <a:xfrm>
+          <a:off x="0" y="0"/>
+          <a:ext cx="0" cy="0"/>
+          <a:chOff x="0" y="0"/>
+          <a:chExt cx="0" cy="0"/>
+        </a:xfrm>
+      </p:grpSpPr>
+      <p:sp>
+        <p:nvSpPr>
+          <p:cNvPr id="2" name="Title 1"/>
+          <p:cNvSpPr>
+            <a:spLocks noGrp="1"/>
+          </p:cNvSpPr>
+          <p:nvPr>
+            <p:ph type="title"/>
+          </p:nvPr>
+        </p:nvSpPr>
+        <p:spPr/>
+        <p:txBody>
+          <a:bodyPr/>
+          <a:lstStyle>
+            <a:lvl1pPr>
+              <a:defRPr sz="7040"/>
+            </a:lvl1pPr>
+          </a:lstStyle>
+          <a:p>
+            <a:r>
+              <a:rPr lang="en-US" dirty="0" smtClean="0"/>
+              <a:t>Click to edit Master title style</a:t>
+            </a:r>
+            <a:endParaRPr lang="en-US" dirty="0"/>
+          </a:p>
+        </p:txBody>
+      </p:sp>
+      <p:sp>
+        <p:nvSpPr>
+          <p:cNvPr id="3" name="Content Placeholder 2"/>
+          <p:cNvSpPr>
+            <a:spLocks noGrp="1"/>
+          </p:cNvSpPr>
+          <p:nvPr>
+            <p:ph idx="1"/>
+          </p:nvPr>
+        </p:nvSpPr>
+        <p:spPr/>
+        <p:txBody>
+          <a:bodyPr/>
+          <a:lstStyle>
+            <a:lvl1pPr>
+              <a:defRPr sz="3840"/>
+            </a:lvl1pPr>
+            <a:lvl2pPr>
+              <a:defRPr sz="2987"/>
+            </a:lvl2pPr>
+          </a:lstStyle>
+          <a:p>
+            <a:pPr lvl="0"/>
+            <a:r>
+              <a:rPr lang="en-US" dirty="0" smtClean="0"/>
+              <a:t>Click to edit Master text styles</a:t>
+            </a:r>
+          </a:p>
+          <a:p>
+            <a:pPr lvl="1"/>
+            <a:r>
+              <a:rPr lang="en-US" dirty="0" smtClean="0"/>
+              <a:t>Second level</a:t>
+            </a:r>
+          </a:p>
+          <a:p>
+            <a:pPr lvl="2"/>
+            <a:r>
+              <a:rPr lang="en-US" dirty="0" smtClean="0"/>
+              <a:t>Third level</a:t>
+            </a:r>
+          </a:p>
+          <a:p>
+            <a:pPr lvl="3"/>
+            <a:r>
+              <a:rPr lang="en-US" dirty="0" smtClean="0"/>
+              <a:t>Fourth level</a:t>
+            </a:r>
+          </a:p>
+          <a:p>
+            <a:pPr lvl="4"/>
+            <a:r>
+              <a:rPr lang="en-US" dirty="0" smtClean="0"/>
+              <a:t>Fifth level</a:t>
+            </a:r>
+            <a:endParaRPr lang="en-US" dirty="0"/>
+          </a:p>
+        </p:txBody>
+      </p:sp>
+      <p:sp>
+        <p:nvSpPr>
+          <p:cNvPr id="4" name="Date Placeholder 3"/>
+          <p:cNvSpPr>
+            <a:spLocks noGrp="1"/>
+          </p:cNvSpPr>
+          <p:nvPr>
+            <p:ph type="dt" sz="half" idx="10"/>
+          </p:nvPr>
+        </p:nvSpPr>
+        <p:spPr/>
+        <p:txBody>
+          <a:bodyPr/>
+          <a:lstStyle/>
+          <a:p>
+            <a:fld id="{04F1D4A2-813C-F741-B481-C92B3A596030}" type="datetimeFigureOut">
+              <a:rPr lang="en-US" smtClean="0"/>
+              <a:t>03-Jun-19</a:t>
+            </a:fld>
+            <a:endParaRPr lang="en-US"/>
+          </a:p>
+        </p:txBody>
+      </p:sp>
+      <p:sp>
+        <p:nvSpPr>
+          <p:cNvPr id="5" name="Footer Placeholder 4"/>
+          <p:cNvSpPr>
+            <a:spLocks noGrp="1"/>
+          </p:cNvSpPr>
+          <p:nvPr>
+            <p:ph type="ftr" sz="quarter" idx="11"/>
+          </p:nvPr>
+        </p:nvSpPr>
+        <p:spPr/>
+        <p:txBody>
+          <a:bodyPr/>
+          <a:lstStyle/>
+          <a:p>
+            <a:endParaRPr lang="en-US"/>
+          </a:p>
+        </p:txBody>
+      </p:sp>
+      <p:sp>
+        <p:nvSpPr>
+          <p:cNvPr id="6" name="Slide Number Placeholder 5"/>
+          <p:cNvSpPr>
+            <a:spLocks noGrp="1"/>
+          </p:cNvSpPr>
+          <p:nvPr>
+            <p:ph type="sldNum" sz="quarter" idx="12"/>
+          </p:nvPr>
+        </p:nvSpPr>
+        <p:spPr>
+          <a:xfrm>
+            <a:off x="6303690" y="9251950"/>
+            <a:ext cx="384721" cy="379591"/>
+          </a:xfrm>
+        </p:spPr>
+        <p:txBody>
+          <a:bodyPr/>
+          <a:lstStyle/>
+          <a:p>
+            <a:fld id="{8CAA2774-0E84-B44B-9908-35E772124A3E}" type="slidenum">
+              <a:rPr lang="en-US" smtClean="0"/>
+              <a:t>‹#›</a:t>
+            </a:fld>
+            <a:endParaRPr lang="en-US"/>
+          </a:p>
+        </p:txBody>
+      </p:sp>
+    </p:spTree>
+    <p:extLst>
+      <p:ext uri="{BB962C8B-B14F-4D97-AF65-F5344CB8AC3E}">
+        <p14:creationId xmlns:p14="http://schemas.microsoft.com/office/powerpoint/2010/main" val="2325767153"/>
+      </p:ext>
+    </p:extLst>
+  </p:cSld>
+  <p:clrMapOvr>
+    <a:masterClrMapping/>
+  </p:clrMapOvr>
+</p:sldLayout>
+</file>
+
 <file path=ppt/slideLayouts/slideLayout2.xml><?xml version="1.0" encoding="utf-8"?>
 <p:sldLayout xmlns:a="http://schemas.openxmlformats.org/drawingml/2006/main" xmlns:r="http://schemas.openxmlformats.org/officeDocument/2006/relationships" xmlns:p="http://schemas.openxmlformats.org/presentationml/2006/main" type="tx">
   <p:cSld name="Photo - Horizontal">
@@ -2248,7 +2504,7 @@
           </a:ln>
           <a:extLst>
             <a:ext uri="{C572A759-6A51-4108-AA02-DFA0A04FC94B}">
-              <ma14:wrappingTextBoxFlag xmlns="" xmlns:ma14="http://schemas.microsoft.com/office/mac/drawingml/2011/main" val="1"/>
+              <ma14:wrappingTextBoxFlag xmlns:ma14="http://schemas.microsoft.com/office/mac/drawingml/2011/main" xmlns="" val="1"/>
             </a:ext>
           </a:extLst>
         </p:spPr>
@@ -2287,7 +2543,7 @@
           </a:ln>
           <a:extLst>
             <a:ext uri="{C572A759-6A51-4108-AA02-DFA0A04FC94B}">
-              <ma14:wrappingTextBoxFlag xmlns="" xmlns:ma14="http://schemas.microsoft.com/office/mac/drawingml/2011/main" val="1"/>
+              <ma14:wrappingTextBoxFlag xmlns:ma14="http://schemas.microsoft.com/office/mac/drawingml/2011/main" xmlns="" val="1"/>
             </a:ext>
           </a:extLst>
         </p:spPr>
@@ -2382,6 +2638,7 @@
     <p:sldLayoutId id="2147483658" r:id="rId10"/>
     <p:sldLayoutId id="2147483659" r:id="rId11"/>
     <p:sldLayoutId id="2147483660" r:id="rId12"/>
+    <p:sldLayoutId id="2147483661" r:id="rId13"/>
   </p:sldLayoutIdLst>
   <p:transition spd="med"/>
   <p:txStyles>
@@ -3263,7 +3520,15 @@
             <a:pPr algn="r"/>
             <a:r>
               <a:rPr lang="en-US" dirty="0" smtClean="0"/>
-              <a:t>Dr. Andrea Arcuri</a:t>
+              <a:t>Prof</a:t>
+            </a:r>
+            <a:r>
+              <a:rPr lang="en-US" dirty="0" smtClean="0"/>
+              <a:t>. </a:t>
+            </a:r>
+            <a:r>
+              <a:rPr lang="en-US" dirty="0" smtClean="0"/>
+              <a:t>Andrea Arcuri</a:t>
             </a:r>
             <a:endParaRPr lang="en-US" dirty="0"/>
           </a:p>
@@ -3284,6 +3549,716 @@
 </file>
 
 <file path=ppt/slides/slide10.xml><?xml version="1.0" encoding="utf-8"?>
+<p:sld xmlns:a="http://schemas.openxmlformats.org/drawingml/2006/main" xmlns:r="http://schemas.openxmlformats.org/officeDocument/2006/relationships" xmlns:p="http://schemas.openxmlformats.org/presentationml/2006/main">
+  <p:cSld>
+    <p:spTree>
+      <p:nvGrpSpPr>
+        <p:cNvPr id="1" name=""/>
+        <p:cNvGrpSpPr/>
+        <p:nvPr/>
+      </p:nvGrpSpPr>
+      <p:grpSpPr>
+        <a:xfrm>
+          <a:off x="0" y="0"/>
+          <a:ext cx="0" cy="0"/>
+          <a:chOff x="0" y="0"/>
+          <a:chExt cx="0" cy="0"/>
+        </a:xfrm>
+      </p:grpSpPr>
+      <p:sp>
+        <p:nvSpPr>
+          <p:cNvPr id="2" name="Title 1"/>
+          <p:cNvSpPr>
+            <a:spLocks noGrp="1"/>
+          </p:cNvSpPr>
+          <p:nvPr>
+            <p:ph type="title"/>
+          </p:nvPr>
+        </p:nvSpPr>
+        <p:spPr>
+          <a:xfrm>
+            <a:off x="723812" y="353732"/>
+            <a:ext cx="3627357" cy="1413934"/>
+          </a:xfrm>
+        </p:spPr>
+        <p:txBody>
+          <a:bodyPr/>
+          <a:lstStyle/>
+          <a:p>
+            <a:r>
+              <a:rPr lang="en-US" dirty="0" smtClean="0"/>
+              <a:t>GitHub</a:t>
+            </a:r>
+            <a:endParaRPr lang="en-US" dirty="0"/>
+          </a:p>
+        </p:txBody>
+      </p:sp>
+      <p:sp>
+        <p:nvSpPr>
+          <p:cNvPr id="3" name="Content Placeholder 2"/>
+          <p:cNvSpPr>
+            <a:spLocks noGrp="1"/>
+          </p:cNvSpPr>
+          <p:nvPr>
+            <p:ph idx="1"/>
+          </p:nvPr>
+        </p:nvSpPr>
+        <p:spPr>
+          <a:xfrm>
+            <a:off x="309998" y="2465727"/>
+            <a:ext cx="12520900" cy="6753947"/>
+          </a:xfrm>
+        </p:spPr>
+        <p:txBody>
+          <a:bodyPr>
+            <a:normAutofit/>
+          </a:bodyPr>
+          <a:lstStyle/>
+          <a:p>
+            <a:r>
+              <a:rPr lang="en-US" sz="3200" dirty="0" smtClean="0"/>
+              <a:t>Currently the main server repository for hosting open-source projects</a:t>
+            </a:r>
+          </a:p>
+          <a:p>
+            <a:pPr lvl="1"/>
+            <a:r>
+              <a:rPr lang="en-US" sz="2400" dirty="0" smtClean="0"/>
+              <a:t>Before, the main one was </a:t>
+            </a:r>
+            <a:r>
+              <a:rPr lang="en-US" sz="2400" i="1" dirty="0" err="1" smtClean="0"/>
+              <a:t>SourceForge</a:t>
+            </a:r>
+            <a:endParaRPr lang="en-US" sz="2400" i="1" dirty="0" smtClean="0"/>
+          </a:p>
+          <a:p>
+            <a:r>
+              <a:rPr lang="en-US" sz="3200" i="1" dirty="0" smtClean="0"/>
+              <a:t>GitHub</a:t>
+            </a:r>
+            <a:r>
+              <a:rPr lang="en-US" sz="3200" dirty="0" smtClean="0"/>
+              <a:t> provides a website in which projects can be browsed</a:t>
+            </a:r>
+          </a:p>
+          <a:p>
+            <a:r>
+              <a:rPr lang="en-US" sz="3200" dirty="0" smtClean="0"/>
+              <a:t>Projects on </a:t>
+            </a:r>
+            <a:r>
+              <a:rPr lang="en-US" sz="3200" i="1" dirty="0" smtClean="0"/>
+              <a:t>GitHub</a:t>
+            </a:r>
+            <a:r>
+              <a:rPr lang="en-US" sz="3200" dirty="0" smtClean="0"/>
+              <a:t> are handled with </a:t>
+            </a:r>
+            <a:r>
+              <a:rPr lang="en-US" sz="3200" dirty="0" err="1" smtClean="0"/>
+              <a:t>Git</a:t>
+            </a:r>
+            <a:endParaRPr lang="en-US" sz="3200" dirty="0" smtClean="0"/>
+          </a:p>
+          <a:p>
+            <a:r>
+              <a:rPr lang="en-US" sz="3200" i="1" dirty="0" smtClean="0"/>
+              <a:t>GitHub</a:t>
+            </a:r>
+            <a:r>
+              <a:rPr lang="en-US" sz="3200" dirty="0" smtClean="0"/>
+              <a:t> is most famous/used, but there are others as well</a:t>
+            </a:r>
+          </a:p>
+          <a:p>
+            <a:pPr lvl="1"/>
+            <a:r>
+              <a:rPr lang="en-US" sz="2400" dirty="0" err="1" smtClean="0"/>
+              <a:t>eg</a:t>
+            </a:r>
+            <a:r>
+              <a:rPr lang="en-US" sz="2400" dirty="0" smtClean="0"/>
+              <a:t>, </a:t>
+            </a:r>
+            <a:r>
+              <a:rPr lang="en-US" sz="2400" i="1" dirty="0" err="1" smtClean="0"/>
+              <a:t>BitBucket</a:t>
+            </a:r>
+            <a:r>
+              <a:rPr lang="en-US" sz="2400" dirty="0" smtClean="0"/>
+              <a:t> and </a:t>
+            </a:r>
+            <a:r>
+              <a:rPr lang="en-US" sz="2400" i="1" dirty="0" err="1" smtClean="0"/>
+              <a:t>GitLab</a:t>
+            </a:r>
+            <a:endParaRPr lang="en-US" sz="2400" i="1" dirty="0" smtClean="0"/>
+          </a:p>
+        </p:txBody>
+      </p:sp>
+      <p:pic>
+        <p:nvPicPr>
+          <p:cNvPr id="1026" name="Picture 2" descr="Image result for github"/>
+          <p:cNvPicPr>
+            <a:picLocks noChangeAspect="1" noChangeArrowheads="1"/>
+          </p:cNvPicPr>
+          <p:nvPr/>
+        </p:nvPicPr>
+        <p:blipFill>
+          <a:blip r:embed="rId3" cstate="screen">
+            <a:extLst>
+              <a:ext uri="{28A0092B-C50C-407E-A947-70E740481C1C}">
+                <a14:useLocalDpi xmlns:a14="http://schemas.microsoft.com/office/drawing/2010/main"/>
+              </a:ext>
+            </a:extLst>
+          </a:blip>
+          <a:srcRect/>
+          <a:stretch>
+            <a:fillRect/>
+          </a:stretch>
+        </p:blipFill>
+        <p:spPr bwMode="auto">
+          <a:xfrm>
+            <a:off x="9498777" y="537103"/>
+            <a:ext cx="2997515" cy="1573695"/>
+          </a:xfrm>
+          <a:prstGeom prst="rect">
+            <a:avLst/>
+          </a:prstGeom>
+          <a:noFill/>
+          <a:extLst>
+            <a:ext uri="{909E8E84-426E-40DD-AFC4-6F175D3DCCD1}">
+              <a14:hiddenFill xmlns:a14="http://schemas.microsoft.com/office/drawing/2010/main">
+                <a:solidFill>
+                  <a:srgbClr val="FFFFFF"/>
+                </a:solidFill>
+              </a14:hiddenFill>
+            </a:ext>
+          </a:extLst>
+        </p:spPr>
+      </p:pic>
+    </p:spTree>
+    <p:extLst>
+      <p:ext uri="{BB962C8B-B14F-4D97-AF65-F5344CB8AC3E}">
+        <p14:creationId xmlns:p14="http://schemas.microsoft.com/office/powerpoint/2010/main" val="3707945491"/>
+      </p:ext>
+    </p:extLst>
+  </p:cSld>
+  <p:clrMapOvr>
+    <a:masterClrMapping/>
+  </p:clrMapOvr>
+</p:sld>
+</file>
+
+<file path=ppt/slides/slide11.xml><?xml version="1.0" encoding="utf-8"?>
+<p:sld xmlns:a="http://schemas.openxmlformats.org/drawingml/2006/main" xmlns:r="http://schemas.openxmlformats.org/officeDocument/2006/relationships" xmlns:p="http://schemas.openxmlformats.org/presentationml/2006/main">
+  <p:cSld>
+    <p:spTree>
+      <p:nvGrpSpPr>
+        <p:cNvPr id="1" name=""/>
+        <p:cNvGrpSpPr/>
+        <p:nvPr/>
+      </p:nvGrpSpPr>
+      <p:grpSpPr>
+        <a:xfrm>
+          <a:off x="0" y="0"/>
+          <a:ext cx="0" cy="0"/>
+          <a:chOff x="0" y="0"/>
+          <a:chExt cx="0" cy="0"/>
+        </a:xfrm>
+      </p:grpSpPr>
+      <p:pic>
+        <p:nvPicPr>
+          <p:cNvPr id="4" name="Picture 3"/>
+          <p:cNvPicPr>
+            <a:picLocks noChangeAspect="1"/>
+          </p:cNvPicPr>
+          <p:nvPr/>
+        </p:nvPicPr>
+        <p:blipFill>
+          <a:blip r:embed="rId2"/>
+          <a:stretch>
+            <a:fillRect/>
+          </a:stretch>
+        </p:blipFill>
+        <p:spPr>
+          <a:xfrm>
+            <a:off x="469231" y="0"/>
+            <a:ext cx="12229736" cy="9673389"/>
+          </a:xfrm>
+          <a:prstGeom prst="rect">
+            <a:avLst/>
+          </a:prstGeom>
+        </p:spPr>
+      </p:pic>
+    </p:spTree>
+    <p:extLst>
+      <p:ext uri="{BB962C8B-B14F-4D97-AF65-F5344CB8AC3E}">
+        <p14:creationId xmlns:p14="http://schemas.microsoft.com/office/powerpoint/2010/main" val="2835987648"/>
+      </p:ext>
+    </p:extLst>
+  </p:cSld>
+  <p:clrMapOvr>
+    <a:masterClrMapping/>
+  </p:clrMapOvr>
+</p:sld>
+</file>
+
+<file path=ppt/slides/slide12.xml><?xml version="1.0" encoding="utf-8"?>
+<p:sld xmlns:a="http://schemas.openxmlformats.org/drawingml/2006/main" xmlns:r="http://schemas.openxmlformats.org/officeDocument/2006/relationships" xmlns:p="http://schemas.openxmlformats.org/presentationml/2006/main">
+  <p:cSld>
+    <p:spTree>
+      <p:nvGrpSpPr>
+        <p:cNvPr id="1" name=""/>
+        <p:cNvGrpSpPr/>
+        <p:nvPr/>
+      </p:nvGrpSpPr>
+      <p:grpSpPr>
+        <a:xfrm>
+          <a:off x="0" y="0"/>
+          <a:ext cx="0" cy="0"/>
+          <a:chOff x="0" y="0"/>
+          <a:chExt cx="0" cy="0"/>
+        </a:xfrm>
+      </p:grpSpPr>
+      <p:sp>
+        <p:nvSpPr>
+          <p:cNvPr id="2" name="Title 1"/>
+          <p:cNvSpPr>
+            <a:spLocks noGrp="1"/>
+          </p:cNvSpPr>
+          <p:nvPr>
+            <p:ph type="title"/>
+          </p:nvPr>
+        </p:nvSpPr>
+        <p:spPr/>
+        <p:txBody>
+          <a:bodyPr/>
+          <a:lstStyle/>
+          <a:p>
+            <a:r>
+              <a:rPr lang="en-US" dirty="0" err="1" smtClean="0"/>
+              <a:t>Git</a:t>
+            </a:r>
+            <a:r>
+              <a:rPr lang="en-US" dirty="0" smtClean="0"/>
+              <a:t>: What You Need To Do</a:t>
+            </a:r>
+            <a:endParaRPr lang="en-US" dirty="0"/>
+          </a:p>
+        </p:txBody>
+      </p:sp>
+      <p:sp>
+        <p:nvSpPr>
+          <p:cNvPr id="3" name="Content Placeholder 2"/>
+          <p:cNvSpPr>
+            <a:spLocks noGrp="1"/>
+          </p:cNvSpPr>
+          <p:nvPr>
+            <p:ph idx="1"/>
+          </p:nvPr>
+        </p:nvSpPr>
+        <p:spPr>
+          <a:xfrm>
+            <a:off x="279133" y="2603500"/>
+            <a:ext cx="12522467" cy="6964012"/>
+          </a:xfrm>
+        </p:spPr>
+        <p:txBody>
+          <a:bodyPr/>
+          <a:lstStyle/>
+          <a:p>
+            <a:pPr>
+              <a:spcBef>
+                <a:spcPts val="2100"/>
+              </a:spcBef>
+            </a:pPr>
+            <a:r>
+              <a:rPr lang="en-US" dirty="0" smtClean="0"/>
+              <a:t>Install </a:t>
+            </a:r>
+            <a:r>
+              <a:rPr lang="en-US" i="1" dirty="0" err="1" smtClean="0"/>
+              <a:t>Git</a:t>
+            </a:r>
+            <a:r>
+              <a:rPr lang="en-US" dirty="0" smtClean="0"/>
+              <a:t>, if you don’t have it yet</a:t>
+            </a:r>
+          </a:p>
+          <a:p>
+            <a:pPr>
+              <a:spcBef>
+                <a:spcPts val="2100"/>
+              </a:spcBef>
+            </a:pPr>
+            <a:r>
+              <a:rPr lang="en-US" b="1" dirty="0" err="1" smtClean="0"/>
+              <a:t>git</a:t>
+            </a:r>
+            <a:r>
+              <a:rPr lang="en-US" b="1" dirty="0" smtClean="0"/>
+              <a:t> clone https</a:t>
+            </a:r>
+            <a:r>
+              <a:rPr lang="en-US" b="1" dirty="0"/>
+              <a:t>://</a:t>
+            </a:r>
+            <a:r>
+              <a:rPr lang="en-US" b="1" dirty="0" smtClean="0"/>
+              <a:t>github.com/arcuri82/algorithms.git</a:t>
+            </a:r>
+            <a:endParaRPr lang="en-US" b="1" dirty="0"/>
+          </a:p>
+          <a:p>
+            <a:pPr lvl="1">
+              <a:spcBef>
+                <a:spcPts val="2100"/>
+              </a:spcBef>
+            </a:pPr>
+            <a:r>
+              <a:rPr lang="en-US" dirty="0" smtClean="0"/>
+              <a:t>clone </a:t>
+            </a:r>
+            <a:r>
+              <a:rPr lang="en-US" dirty="0"/>
+              <a:t>the repository on your local machine</a:t>
+            </a:r>
+          </a:p>
+          <a:p>
+            <a:pPr>
+              <a:spcBef>
+                <a:spcPts val="2100"/>
+              </a:spcBef>
+            </a:pPr>
+            <a:r>
+              <a:rPr lang="en-US" b="1" dirty="0" err="1" smtClean="0"/>
+              <a:t>git</a:t>
+            </a:r>
+            <a:r>
+              <a:rPr lang="en-US" b="1" dirty="0" smtClean="0"/>
+              <a:t> pull</a:t>
+            </a:r>
+          </a:p>
+          <a:p>
+            <a:pPr lvl="1">
+              <a:spcBef>
+                <a:spcPts val="2100"/>
+              </a:spcBef>
+            </a:pPr>
+            <a:r>
+              <a:rPr lang="en-US" dirty="0"/>
+              <a:t>update your local copy with the latest changes in the repository</a:t>
+            </a:r>
+          </a:p>
+          <a:p>
+            <a:pPr>
+              <a:spcBef>
+                <a:spcPts val="2100"/>
+              </a:spcBef>
+            </a:pPr>
+            <a:r>
+              <a:rPr lang="en-US" dirty="0"/>
+              <a:t>Those commands can be run </a:t>
+            </a:r>
+            <a:r>
+              <a:rPr lang="en-US" dirty="0" smtClean="0"/>
+              <a:t>from a terminal, </a:t>
+            </a:r>
+            <a:r>
+              <a:rPr lang="en-US" dirty="0"/>
+              <a:t>or from your IDE (</a:t>
+            </a:r>
+            <a:r>
+              <a:rPr lang="en-US" dirty="0" err="1"/>
+              <a:t>eg</a:t>
+            </a:r>
+            <a:r>
+              <a:rPr lang="en-US" dirty="0"/>
+              <a:t>, </a:t>
+            </a:r>
+            <a:r>
+              <a:rPr lang="en-US" dirty="0" smtClean="0"/>
+              <a:t>IntelliJ)</a:t>
+            </a:r>
+            <a:endParaRPr lang="en-US" b="1" dirty="0" smtClean="0"/>
+          </a:p>
+          <a:p>
+            <a:pPr>
+              <a:spcBef>
+                <a:spcPts val="2100"/>
+              </a:spcBef>
+            </a:pPr>
+            <a:endParaRPr lang="en-US" b="1" dirty="0"/>
+          </a:p>
+        </p:txBody>
+      </p:sp>
+    </p:spTree>
+    <p:extLst>
+      <p:ext uri="{BB962C8B-B14F-4D97-AF65-F5344CB8AC3E}">
+        <p14:creationId xmlns:p14="http://schemas.microsoft.com/office/powerpoint/2010/main" val="4044065435"/>
+      </p:ext>
+    </p:extLst>
+  </p:cSld>
+  <p:clrMapOvr>
+    <a:masterClrMapping/>
+  </p:clrMapOvr>
+</p:sld>
+</file>
+
+<file path=ppt/slides/slide13.xml><?xml version="1.0" encoding="utf-8"?>
+<p:sld xmlns:a="http://schemas.openxmlformats.org/drawingml/2006/main" xmlns:r="http://schemas.openxmlformats.org/officeDocument/2006/relationships" xmlns:p="http://schemas.openxmlformats.org/presentationml/2006/main">
+  <p:cSld>
+    <p:spTree>
+      <p:nvGrpSpPr>
+        <p:cNvPr id="1" name=""/>
+        <p:cNvGrpSpPr/>
+        <p:nvPr/>
+      </p:nvGrpSpPr>
+      <p:grpSpPr>
+        <a:xfrm>
+          <a:off x="0" y="0"/>
+          <a:ext cx="0" cy="0"/>
+          <a:chOff x="0" y="0"/>
+          <a:chExt cx="0" cy="0"/>
+        </a:xfrm>
+      </p:grpSpPr>
+      <p:sp>
+        <p:nvSpPr>
+          <p:cNvPr id="2" name="Title 1"/>
+          <p:cNvSpPr>
+            <a:spLocks noGrp="1"/>
+          </p:cNvSpPr>
+          <p:nvPr>
+            <p:ph type="title"/>
+          </p:nvPr>
+        </p:nvSpPr>
+        <p:spPr>
+          <a:xfrm>
+            <a:off x="340963" y="444500"/>
+            <a:ext cx="12290156" cy="2159000"/>
+          </a:xfrm>
+        </p:spPr>
+        <p:txBody>
+          <a:bodyPr>
+            <a:normAutofit/>
+          </a:bodyPr>
+          <a:lstStyle/>
+          <a:p>
+            <a:r>
+              <a:rPr lang="en-US" smtClean="0"/>
+              <a:t>Why Studying Algorithms?</a:t>
+            </a:r>
+            <a:endParaRPr lang="en-US" dirty="0"/>
+          </a:p>
+        </p:txBody>
+      </p:sp>
+      <p:sp>
+        <p:nvSpPr>
+          <p:cNvPr id="3" name="Text Placeholder 2"/>
+          <p:cNvSpPr>
+            <a:spLocks noGrp="1"/>
+          </p:cNvSpPr>
+          <p:nvPr>
+            <p:ph type="body" idx="1"/>
+          </p:nvPr>
+        </p:nvSpPr>
+        <p:spPr>
+          <a:xfrm>
+            <a:off x="340963" y="2603500"/>
+            <a:ext cx="12290156" cy="6286500"/>
+          </a:xfrm>
+        </p:spPr>
+        <p:txBody>
+          <a:bodyPr/>
+          <a:lstStyle/>
+          <a:p>
+            <a:r>
+              <a:rPr lang="en-US" dirty="0" smtClean="0"/>
+              <a:t>Algorithms and data structures are the foundation of programming</a:t>
+            </a:r>
+          </a:p>
+          <a:p>
+            <a:pPr lvl="1"/>
+            <a:r>
+              <a:rPr lang="en-US" dirty="0" err="1"/>
+              <a:t>i</a:t>
+            </a:r>
+            <a:r>
+              <a:rPr lang="en-US" dirty="0" err="1" smtClean="0"/>
+              <a:t>e</a:t>
+            </a:r>
+            <a:r>
+              <a:rPr lang="en-US" dirty="0" smtClean="0"/>
+              <a:t>, the base building blocks</a:t>
+            </a:r>
+          </a:p>
+          <a:p>
+            <a:r>
+              <a:rPr lang="en-US" dirty="0" smtClean="0"/>
+              <a:t>Impact on all fields of engineering and science</a:t>
+            </a:r>
+          </a:p>
+          <a:p>
+            <a:pPr lvl="1"/>
+            <a:r>
+              <a:rPr lang="en-US" dirty="0"/>
+              <a:t>i</a:t>
+            </a:r>
+            <a:r>
+              <a:rPr lang="en-US" dirty="0" smtClean="0"/>
+              <a:t>nternet, computer graphics, social networks, biology, physics, etc. </a:t>
+            </a:r>
+          </a:p>
+          <a:p>
+            <a:r>
+              <a:rPr lang="en-US" dirty="0" smtClean="0"/>
+              <a:t>In this course, we will not build whole applications (</a:t>
+            </a:r>
+            <a:r>
+              <a:rPr lang="en-US" dirty="0" err="1" smtClean="0"/>
+              <a:t>eg</a:t>
+            </a:r>
+            <a:r>
+              <a:rPr lang="en-US" dirty="0" smtClean="0"/>
+              <a:t>, web or mobile), but rather concentrate on the building blocks to enable it in the next courses</a:t>
+            </a:r>
+            <a:endParaRPr lang="en-US" dirty="0"/>
+          </a:p>
+        </p:txBody>
+      </p:sp>
+    </p:spTree>
+    <p:extLst>
+      <p:ext uri="{BB962C8B-B14F-4D97-AF65-F5344CB8AC3E}">
+        <p14:creationId xmlns:p14="http://schemas.microsoft.com/office/powerpoint/2010/main" val="3467364333"/>
+      </p:ext>
+    </p:extLst>
+  </p:cSld>
+  <p:clrMapOvr>
+    <a:masterClrMapping/>
+  </p:clrMapOvr>
+  <p:transition spd="med"/>
+</p:sld>
+</file>
+
+<file path=ppt/slides/slide14.xml><?xml version="1.0" encoding="utf-8"?>
+<p:sld xmlns:a="http://schemas.openxmlformats.org/drawingml/2006/main" xmlns:r="http://schemas.openxmlformats.org/officeDocument/2006/relationships" xmlns:p="http://schemas.openxmlformats.org/presentationml/2006/main">
+  <p:cSld>
+    <p:spTree>
+      <p:nvGrpSpPr>
+        <p:cNvPr id="1" name=""/>
+        <p:cNvGrpSpPr/>
+        <p:nvPr/>
+      </p:nvGrpSpPr>
+      <p:grpSpPr>
+        <a:xfrm>
+          <a:off x="0" y="0"/>
+          <a:ext cx="0" cy="0"/>
+          <a:chOff x="0" y="0"/>
+          <a:chExt cx="0" cy="0"/>
+        </a:xfrm>
+      </p:grpSpPr>
+      <p:sp>
+        <p:nvSpPr>
+          <p:cNvPr id="2" name="Title 1"/>
+          <p:cNvSpPr>
+            <a:spLocks noGrp="1"/>
+          </p:cNvSpPr>
+          <p:nvPr>
+            <p:ph type="title"/>
+          </p:nvPr>
+        </p:nvSpPr>
+        <p:spPr/>
+        <p:txBody>
+          <a:bodyPr/>
+          <a:lstStyle/>
+          <a:p>
+            <a:r>
+              <a:rPr lang="en-US" dirty="0" smtClean="0"/>
+              <a:t>Like it or not…</a:t>
+            </a:r>
+            <a:endParaRPr lang="en-US" dirty="0"/>
+          </a:p>
+        </p:txBody>
+      </p:sp>
+      <p:sp>
+        <p:nvSpPr>
+          <p:cNvPr id="3" name="Text Placeholder 2"/>
+          <p:cNvSpPr>
+            <a:spLocks noGrp="1"/>
+          </p:cNvSpPr>
+          <p:nvPr>
+            <p:ph type="body" idx="1"/>
+          </p:nvPr>
+        </p:nvSpPr>
+        <p:spPr>
+          <a:xfrm>
+            <a:off x="952500" y="3089275"/>
+            <a:ext cx="11099800" cy="5826125"/>
+          </a:xfrm>
+        </p:spPr>
+        <p:txBody>
+          <a:bodyPr>
+            <a:normAutofit/>
+          </a:bodyPr>
+          <a:lstStyle/>
+          <a:p>
+            <a:endParaRPr lang="en-US" dirty="0" smtClean="0"/>
+          </a:p>
+          <a:p>
+            <a:r>
+              <a:rPr lang="en-US" dirty="0" smtClean="0"/>
+              <a:t>… used in practically most programs you will write</a:t>
+            </a:r>
+          </a:p>
+          <a:p>
+            <a:r>
+              <a:rPr lang="en-US" dirty="0" smtClean="0"/>
+              <a:t>… algorithms and data structures are very common exercises in job interviews</a:t>
+            </a:r>
+          </a:p>
+          <a:p>
+            <a:pPr lvl="1"/>
+            <a:r>
+              <a:rPr lang="en-US" dirty="0" smtClean="0"/>
+              <a:t>Especially for juniors straight out of university </a:t>
+            </a:r>
+          </a:p>
+          <a:p>
+            <a:pPr lvl="1"/>
+            <a:r>
+              <a:rPr lang="en-US" dirty="0" smtClean="0"/>
+              <a:t>Don’t be surprised to be asked to write a stack or a queue class on a whiteboard…</a:t>
+            </a:r>
+          </a:p>
+          <a:p>
+            <a:pPr lvl="1"/>
+            <a:r>
+              <a:rPr lang="en-US" dirty="0" smtClean="0"/>
+              <a:t>… or other advanced algorithms</a:t>
+            </a:r>
+          </a:p>
+          <a:p>
+            <a:endParaRPr lang="en-US" dirty="0"/>
+          </a:p>
+        </p:txBody>
+      </p:sp>
+    </p:spTree>
+    <p:extLst>
+      <p:ext uri="{BB962C8B-B14F-4D97-AF65-F5344CB8AC3E}">
+        <p14:creationId xmlns:p14="http://schemas.microsoft.com/office/powerpoint/2010/main" val="3130260091"/>
+      </p:ext>
+    </p:extLst>
+  </p:cSld>
+  <p:clrMapOvr>
+    <a:masterClrMapping/>
+  </p:clrMapOvr>
+  <p:transition spd="med"/>
+</p:sld>
+</file>
+
+<file path=ppt/slides/slide15.xml><?xml version="1.0" encoding="utf-8"?>
 <p:sld xmlns:a="http://schemas.openxmlformats.org/drawingml/2006/main" xmlns:r="http://schemas.openxmlformats.org/officeDocument/2006/relationships" xmlns:p="http://schemas.openxmlformats.org/presentationml/2006/main">
   <p:cSld>
     <p:spTree>
@@ -3338,7 +4313,7 @@
 </p:sld>
 </file>
 
-<file path=ppt/slides/slide11.xml><?xml version="1.0" encoding="utf-8"?>
+<file path=ppt/slides/slide16.xml><?xml version="1.0" encoding="utf-8"?>
 <p:sld xmlns:a="http://schemas.openxmlformats.org/drawingml/2006/main" xmlns:r="http://schemas.openxmlformats.org/officeDocument/2006/relationships" xmlns:p="http://schemas.openxmlformats.org/presentationml/2006/main">
   <p:cSld>
     <p:spTree>
@@ -3452,7 +4427,7 @@
 </p:sld>
 </file>
 
-<file path=ppt/slides/slide12.xml><?xml version="1.0" encoding="utf-8"?>
+<file path=ppt/slides/slide17.xml><?xml version="1.0" encoding="utf-8"?>
 <p:sld xmlns:a="http://schemas.openxmlformats.org/drawingml/2006/main" xmlns:r="http://schemas.openxmlformats.org/officeDocument/2006/relationships" xmlns:p="http://schemas.openxmlformats.org/presentationml/2006/main">
   <p:cSld>
     <p:spTree>
@@ -3548,7 +4523,7 @@
 </p:sld>
 </file>
 
-<file path=ppt/slides/slide13.xml><?xml version="1.0" encoding="utf-8"?>
+<file path=ppt/slides/slide18.xml><?xml version="1.0" encoding="utf-8"?>
 <p:sld xmlns:a="http://schemas.openxmlformats.org/drawingml/2006/main" xmlns:r="http://schemas.openxmlformats.org/officeDocument/2006/relationships" xmlns:p="http://schemas.openxmlformats.org/presentationml/2006/main">
   <p:cSld>
     <p:spTree>
@@ -3665,17 +4640,45 @@
               <a:t>ou might want to install </a:t>
             </a:r>
             <a:r>
+              <a:rPr lang="en-US" i="1" dirty="0" err="1" smtClean="0"/>
+              <a:t>JetBrains</a:t>
+            </a:r>
+            <a:r>
+              <a:rPr lang="en-US" i="1" dirty="0" smtClean="0"/>
+              <a:t> Toolbox </a:t>
+            </a:r>
+            <a:r>
+              <a:rPr lang="en-US" dirty="0" smtClean="0"/>
+              <a:t>first</a:t>
+            </a:r>
+          </a:p>
+          <a:p>
+            <a:pPr lvl="1"/>
+            <a:r>
+              <a:rPr lang="en-US" dirty="0" smtClean="0"/>
+              <a:t>anyway, any other IDE would do, </a:t>
+            </a:r>
+            <a:r>
               <a:rPr lang="en-US" dirty="0" err="1" smtClean="0"/>
-              <a:t>JetBrains</a:t>
-            </a:r>
-            <a:r>
-              <a:rPr lang="en-US" dirty="0" smtClean="0"/>
-              <a:t> Toolbox first</a:t>
-            </a:r>
-            <a:endParaRPr dirty="0"/>
-          </a:p>
-          <a:p>
-            <a:endParaRPr lang="en-US" dirty="0" smtClean="0"/>
+              <a:t>eg</a:t>
+            </a:r>
+            <a:r>
+              <a:rPr lang="en-US" dirty="0" smtClean="0"/>
+              <a:t> </a:t>
+            </a:r>
+            <a:r>
+              <a:rPr lang="en-US" i="1" dirty="0" smtClean="0"/>
+              <a:t>Eclipse</a:t>
+            </a:r>
+            <a:r>
+              <a:rPr lang="en-US" dirty="0" smtClean="0"/>
+              <a:t> and </a:t>
+            </a:r>
+            <a:r>
+              <a:rPr lang="en-US" i="1" dirty="0" smtClean="0"/>
+              <a:t>NetBeans</a:t>
+            </a:r>
+            <a:endParaRPr i="1" dirty="0"/>
           </a:p>
         </p:txBody>
       </p:sp>
@@ -3688,7 +4691,820 @@
 </p:sld>
 </file>
 
-<file path=ppt/slides/slide14.xml><?xml version="1.0" encoding="utf-8"?>
+<file path=ppt/slides/slide19.xml><?xml version="1.0" encoding="utf-8"?>
+<p:sld xmlns:a="http://schemas.openxmlformats.org/drawingml/2006/main" xmlns:r="http://schemas.openxmlformats.org/officeDocument/2006/relationships" xmlns:p="http://schemas.openxmlformats.org/presentationml/2006/main">
+  <p:cSld>
+    <p:spTree>
+      <p:nvGrpSpPr>
+        <p:cNvPr id="1" name=""/>
+        <p:cNvGrpSpPr/>
+        <p:nvPr/>
+      </p:nvGrpSpPr>
+      <p:grpSpPr>
+        <a:xfrm>
+          <a:off x="0" y="0"/>
+          <a:ext cx="0" cy="0"/>
+          <a:chOff x="0" y="0"/>
+          <a:chExt cx="0" cy="0"/>
+        </a:xfrm>
+      </p:grpSpPr>
+      <p:sp>
+        <p:nvSpPr>
+          <p:cNvPr id="2" name="Title 1"/>
+          <p:cNvSpPr>
+            <a:spLocks noGrp="1"/>
+          </p:cNvSpPr>
+          <p:nvPr>
+            <p:ph type="title"/>
+          </p:nvPr>
+        </p:nvSpPr>
+        <p:spPr/>
+        <p:txBody>
+          <a:bodyPr/>
+          <a:lstStyle/>
+          <a:p>
+            <a:r>
+              <a:rPr lang="en-US" dirty="0" smtClean="0"/>
+              <a:t>Java</a:t>
+            </a:r>
+            <a:endParaRPr lang="en-US" dirty="0"/>
+          </a:p>
+        </p:txBody>
+      </p:sp>
+      <p:sp>
+        <p:nvSpPr>
+          <p:cNvPr id="3" name="Text Placeholder 2"/>
+          <p:cNvSpPr>
+            <a:spLocks noGrp="1"/>
+          </p:cNvSpPr>
+          <p:nvPr>
+            <p:ph type="body" idx="1"/>
+          </p:nvPr>
+        </p:nvSpPr>
+        <p:spPr>
+          <a:xfrm>
+            <a:off x="269507" y="2603499"/>
+            <a:ext cx="12493592" cy="6973637"/>
+          </a:xfrm>
+        </p:spPr>
+        <p:txBody>
+          <a:bodyPr/>
+          <a:lstStyle/>
+          <a:p>
+            <a:r>
+              <a:rPr lang="en-US" dirty="0" smtClean="0"/>
+              <a:t>In this course, </a:t>
+            </a:r>
+            <a:r>
+              <a:rPr lang="en-US" b="1" dirty="0" smtClean="0"/>
+              <a:t>Java</a:t>
+            </a:r>
+            <a:r>
+              <a:rPr lang="en-US" dirty="0" smtClean="0"/>
+              <a:t> is used as programming language for the examples and exercises</a:t>
+            </a:r>
+          </a:p>
+          <a:p>
+            <a:r>
+              <a:rPr lang="en-US" dirty="0" smtClean="0"/>
+              <a:t>The concepts of Algorithms do apply to </a:t>
+            </a:r>
+            <a:r>
+              <a:rPr lang="en-US" b="1" dirty="0" smtClean="0"/>
+              <a:t>any</a:t>
+            </a:r>
+            <a:r>
+              <a:rPr lang="en-US" dirty="0" smtClean="0"/>
+              <a:t> programming language, and this is </a:t>
+            </a:r>
+            <a:r>
+              <a:rPr lang="en-US" b="1" dirty="0" smtClean="0"/>
+              <a:t>NOT</a:t>
+            </a:r>
+            <a:r>
+              <a:rPr lang="en-US" dirty="0" smtClean="0"/>
+              <a:t> a course on Java</a:t>
+            </a:r>
+          </a:p>
+        </p:txBody>
+      </p:sp>
+    </p:spTree>
+    <p:extLst>
+      <p:ext uri="{BB962C8B-B14F-4D97-AF65-F5344CB8AC3E}">
+        <p14:creationId xmlns:p14="http://schemas.microsoft.com/office/powerpoint/2010/main" val="3507756668"/>
+      </p:ext>
+    </p:extLst>
+  </p:cSld>
+  <p:clrMapOvr>
+    <a:masterClrMapping/>
+  </p:clrMapOvr>
+  <p:transition spd="med"/>
+</p:sld>
+</file>
+
+<file path=ppt/slides/slide2.xml><?xml version="1.0" encoding="utf-8"?>
+<p:sld xmlns:a="http://schemas.openxmlformats.org/drawingml/2006/main" xmlns:r="http://schemas.openxmlformats.org/officeDocument/2006/relationships" xmlns:p="http://schemas.openxmlformats.org/presentationml/2006/main">
+  <p:cSld>
+    <p:spTree>
+      <p:nvGrpSpPr>
+        <p:cNvPr id="1" name=""/>
+        <p:cNvGrpSpPr/>
+        <p:nvPr/>
+      </p:nvGrpSpPr>
+      <p:grpSpPr>
+        <a:xfrm>
+          <a:off x="0" y="0"/>
+          <a:ext cx="0" cy="0"/>
+          <a:chOff x="0" y="0"/>
+          <a:chExt cx="0" cy="0"/>
+        </a:xfrm>
+      </p:grpSpPr>
+      <p:sp>
+        <p:nvSpPr>
+          <p:cNvPr id="121" name="Shape 121"/>
+          <p:cNvSpPr>
+            <a:spLocks noGrp="1"/>
+          </p:cNvSpPr>
+          <p:nvPr>
+            <p:ph type="title"/>
+          </p:nvPr>
+        </p:nvSpPr>
+        <p:spPr>
+          <a:xfrm>
+            <a:off x="461460" y="1310244"/>
+            <a:ext cx="11216640" cy="1132570"/>
+          </a:xfrm>
+          <a:prstGeom prst="rect">
+            <a:avLst/>
+          </a:prstGeom>
+        </p:spPr>
+        <p:txBody>
+          <a:bodyPr>
+            <a:normAutofit fontScale="90000"/>
+          </a:bodyPr>
+          <a:lstStyle/>
+          <a:p>
+            <a:r>
+              <a:rPr sz="7040" dirty="0"/>
+              <a:t>About Me</a:t>
+            </a:r>
+          </a:p>
+        </p:txBody>
+      </p:sp>
+      <p:pic>
+        <p:nvPicPr>
+          <p:cNvPr id="122" name="andrea_photo.jpg"/>
+          <p:cNvPicPr>
+            <a:picLocks noChangeAspect="1"/>
+          </p:cNvPicPr>
+          <p:nvPr/>
+        </p:nvPicPr>
+        <p:blipFill>
+          <a:blip r:embed="rId2">
+            <a:extLst/>
+          </a:blip>
+          <a:stretch>
+            <a:fillRect/>
+          </a:stretch>
+        </p:blipFill>
+        <p:spPr>
+          <a:xfrm>
+            <a:off x="10289964" y="2614771"/>
+            <a:ext cx="1504950" cy="1885950"/>
+          </a:xfrm>
+          <a:prstGeom prst="rect">
+            <a:avLst/>
+          </a:prstGeom>
+          <a:ln w="12700">
+            <a:miter lim="400000"/>
+          </a:ln>
+        </p:spPr>
+      </p:pic>
+      <p:sp>
+        <p:nvSpPr>
+          <p:cNvPr id="123" name="Shape 123"/>
+          <p:cNvSpPr/>
+          <p:nvPr/>
+        </p:nvSpPr>
+        <p:spPr>
+          <a:xfrm>
+            <a:off x="10264220" y="4718278"/>
+            <a:ext cx="1548501" cy="284693"/>
+          </a:xfrm>
+          <a:prstGeom prst="rect">
+            <a:avLst/>
+          </a:prstGeom>
+          <a:ln w="12700">
+            <a:miter lim="400000"/>
+          </a:ln>
+          <a:extLst>
+            <a:ext uri="{C572A759-6A51-4108-AA02-DFA0A04FC94B}">
+              <ma14:wrappingTextBoxFlag xmlns="" xmlns:ma14="http://schemas.microsoft.com/office/mac/drawingml/2011/main" val="1"/>
+            </a:ext>
+          </a:extLst>
+        </p:spPr>
+        <p:txBody>
+          <a:bodyPr wrap="none" lIns="38100" tIns="38100" rIns="38100" bIns="38100" anchor="ctr">
+            <a:spAutoFit/>
+          </a:bodyPr>
+          <a:lstStyle/>
+          <a:p>
+            <a:r>
+              <a:rPr lang="en-US" sz="1350" dirty="0" smtClean="0"/>
+              <a:t>Prof</a:t>
+            </a:r>
+            <a:r>
+              <a:rPr sz="1350" dirty="0" smtClean="0"/>
+              <a:t>. </a:t>
+            </a:r>
+            <a:r>
+              <a:rPr sz="1350" dirty="0"/>
+              <a:t>Andrea Arcuri</a:t>
+            </a:r>
+          </a:p>
+        </p:txBody>
+      </p:sp>
+      <p:pic>
+        <p:nvPicPr>
+          <p:cNvPr id="124" name="2000px-Italy_looking_like_the_flag.svg.png"/>
+          <p:cNvPicPr>
+            <a:picLocks noChangeAspect="1"/>
+          </p:cNvPicPr>
+          <p:nvPr/>
+        </p:nvPicPr>
+        <p:blipFill>
+          <a:blip r:embed="rId3" cstate="screen">
+            <a:extLst>
+              <a:ext uri="{28A0092B-C50C-407E-A947-70E740481C1C}">
+                <a14:useLocalDpi xmlns:a14="http://schemas.microsoft.com/office/drawing/2010/main"/>
+              </a:ext>
+            </a:extLst>
+          </a:blip>
+          <a:stretch>
+            <a:fillRect/>
+          </a:stretch>
+        </p:blipFill>
+        <p:spPr>
+          <a:xfrm>
+            <a:off x="669384" y="2689088"/>
+            <a:ext cx="1615081" cy="1904179"/>
+          </a:xfrm>
+          <a:prstGeom prst="rect">
+            <a:avLst/>
+          </a:prstGeom>
+          <a:ln w="12700">
+            <a:miter lim="400000"/>
+          </a:ln>
+        </p:spPr>
+      </p:pic>
+      <p:pic>
+        <p:nvPicPr>
+          <p:cNvPr id="125" name="Leaning_Tower_of_Pisa_(April_2012).jpg"/>
+          <p:cNvPicPr>
+            <a:picLocks noChangeAspect="1"/>
+          </p:cNvPicPr>
+          <p:nvPr/>
+        </p:nvPicPr>
+        <p:blipFill>
+          <a:blip r:embed="rId4" cstate="screen">
+            <a:extLst>
+              <a:ext uri="{28A0092B-C50C-407E-A947-70E740481C1C}">
+                <a14:useLocalDpi xmlns:a14="http://schemas.microsoft.com/office/drawing/2010/main"/>
+              </a:ext>
+            </a:extLst>
+          </a:blip>
+          <a:stretch>
+            <a:fillRect/>
+          </a:stretch>
+        </p:blipFill>
+        <p:spPr>
+          <a:xfrm>
+            <a:off x="2979460" y="2638434"/>
+            <a:ext cx="1275769" cy="2026190"/>
+          </a:xfrm>
+          <a:prstGeom prst="rect">
+            <a:avLst/>
+          </a:prstGeom>
+          <a:ln w="12700">
+            <a:miter lim="400000"/>
+          </a:ln>
+        </p:spPr>
+      </p:pic>
+      <p:pic>
+        <p:nvPicPr>
+          <p:cNvPr id="126" name="Flag_of_the_USA_Oct2011.jpg"/>
+          <p:cNvPicPr>
+            <a:picLocks noChangeAspect="1"/>
+          </p:cNvPicPr>
+          <p:nvPr/>
+        </p:nvPicPr>
+        <p:blipFill>
+          <a:blip r:embed="rId5" cstate="screen">
+            <a:extLst>
+              <a:ext uri="{28A0092B-C50C-407E-A947-70E740481C1C}">
+                <a14:useLocalDpi xmlns:a14="http://schemas.microsoft.com/office/drawing/2010/main"/>
+              </a:ext>
+            </a:extLst>
+          </a:blip>
+          <a:stretch>
+            <a:fillRect/>
+          </a:stretch>
+        </p:blipFill>
+        <p:spPr>
+          <a:xfrm>
+            <a:off x="6164506" y="3853289"/>
+            <a:ext cx="1116798" cy="837599"/>
+          </a:xfrm>
+          <a:prstGeom prst="rect">
+            <a:avLst/>
+          </a:prstGeom>
+          <a:ln w="12700">
+            <a:miter lim="400000"/>
+          </a:ln>
+        </p:spPr>
+      </p:pic>
+      <p:pic>
+        <p:nvPicPr>
+          <p:cNvPr id="127" name="Flag_of_the_United_Kingdom.svg.png"/>
+          <p:cNvPicPr>
+            <a:picLocks noChangeAspect="1"/>
+          </p:cNvPicPr>
+          <p:nvPr/>
+        </p:nvPicPr>
+        <p:blipFill>
+          <a:blip r:embed="rId6" cstate="screen">
+            <a:extLst>
+              <a:ext uri="{28A0092B-C50C-407E-A947-70E740481C1C}">
+                <a14:useLocalDpi xmlns:a14="http://schemas.microsoft.com/office/drawing/2010/main"/>
+              </a:ext>
+            </a:extLst>
+          </a:blip>
+          <a:stretch>
+            <a:fillRect/>
+          </a:stretch>
+        </p:blipFill>
+        <p:spPr>
+          <a:xfrm>
+            <a:off x="5749615" y="2666521"/>
+            <a:ext cx="1829277" cy="914639"/>
+          </a:xfrm>
+          <a:prstGeom prst="rect">
+            <a:avLst/>
+          </a:prstGeom>
+          <a:ln w="12700">
+            <a:miter lim="400000"/>
+          </a:ln>
+        </p:spPr>
+      </p:pic>
+      <p:pic>
+        <p:nvPicPr>
+          <p:cNvPr id="128" name="simula.png"/>
+          <p:cNvPicPr>
+            <a:picLocks noChangeAspect="1"/>
+          </p:cNvPicPr>
+          <p:nvPr/>
+        </p:nvPicPr>
+        <p:blipFill>
+          <a:blip r:embed="rId7" cstate="screen">
+            <a:extLst>
+              <a:ext uri="{28A0092B-C50C-407E-A947-70E740481C1C}">
+                <a14:useLocalDpi xmlns:a14="http://schemas.microsoft.com/office/drawing/2010/main"/>
+              </a:ext>
+            </a:extLst>
+          </a:blip>
+          <a:stretch>
+            <a:fillRect/>
+          </a:stretch>
+        </p:blipFill>
+        <p:spPr>
+          <a:xfrm>
+            <a:off x="5187471" y="5659641"/>
+            <a:ext cx="3070867" cy="702889"/>
+          </a:xfrm>
+          <a:prstGeom prst="rect">
+            <a:avLst/>
+          </a:prstGeom>
+          <a:ln w="12700">
+            <a:miter lim="400000"/>
+          </a:ln>
+        </p:spPr>
+      </p:pic>
+      <p:pic>
+        <p:nvPicPr>
+          <p:cNvPr id="129" name="westerngeco.jpg"/>
+          <p:cNvPicPr>
+            <a:picLocks noChangeAspect="1"/>
+          </p:cNvPicPr>
+          <p:nvPr/>
+        </p:nvPicPr>
+        <p:blipFill>
+          <a:blip r:embed="rId8" cstate="screen">
+            <a:extLst>
+              <a:ext uri="{28A0092B-C50C-407E-A947-70E740481C1C}">
+                <a14:useLocalDpi xmlns:a14="http://schemas.microsoft.com/office/drawing/2010/main"/>
+              </a:ext>
+            </a:extLst>
+          </a:blip>
+          <a:stretch>
+            <a:fillRect/>
+          </a:stretch>
+        </p:blipFill>
+        <p:spPr>
+          <a:xfrm>
+            <a:off x="9705832" y="5477442"/>
+            <a:ext cx="2369914" cy="914639"/>
+          </a:xfrm>
+          <a:prstGeom prst="rect">
+            <a:avLst/>
+          </a:prstGeom>
+          <a:ln w="12700">
+            <a:miter lim="400000"/>
+          </a:ln>
+        </p:spPr>
+      </p:pic>
+      <p:pic>
+        <p:nvPicPr>
+          <p:cNvPr id="130" name="scienta.png"/>
+          <p:cNvPicPr>
+            <a:picLocks noChangeAspect="1"/>
+          </p:cNvPicPr>
+          <p:nvPr/>
+        </p:nvPicPr>
+        <p:blipFill>
+          <a:blip r:embed="rId9" cstate="screen">
+            <a:extLst>
+              <a:ext uri="{28A0092B-C50C-407E-A947-70E740481C1C}">
+                <a14:useLocalDpi xmlns:a14="http://schemas.microsoft.com/office/drawing/2010/main"/>
+              </a:ext>
+            </a:extLst>
+          </a:blip>
+          <a:stretch>
+            <a:fillRect/>
+          </a:stretch>
+        </p:blipFill>
+        <p:spPr>
+          <a:xfrm>
+            <a:off x="704243" y="7204533"/>
+            <a:ext cx="3160443" cy="1095882"/>
+          </a:xfrm>
+          <a:prstGeom prst="rect">
+            <a:avLst/>
+          </a:prstGeom>
+          <a:ln w="12700">
+            <a:miter lim="400000"/>
+          </a:ln>
+        </p:spPr>
+      </p:pic>
+      <p:pic>
+        <p:nvPicPr>
+          <p:cNvPr id="131" name="telenor-logo.png"/>
+          <p:cNvPicPr>
+            <a:picLocks noChangeAspect="1"/>
+          </p:cNvPicPr>
+          <p:nvPr/>
+        </p:nvPicPr>
+        <p:blipFill>
+          <a:blip r:embed="rId10" cstate="screen">
+            <a:extLst>
+              <a:ext uri="{28A0092B-C50C-407E-A947-70E740481C1C}">
+                <a14:useLocalDpi xmlns:a14="http://schemas.microsoft.com/office/drawing/2010/main"/>
+              </a:ext>
+            </a:extLst>
+          </a:blip>
+          <a:stretch>
+            <a:fillRect/>
+          </a:stretch>
+        </p:blipFill>
+        <p:spPr>
+          <a:xfrm>
+            <a:off x="5271753" y="7071646"/>
+            <a:ext cx="2784999" cy="1228768"/>
+          </a:xfrm>
+          <a:prstGeom prst="rect">
+            <a:avLst/>
+          </a:prstGeom>
+          <a:ln w="12700">
+            <a:miter lim="400000"/>
+          </a:ln>
+        </p:spPr>
+      </p:pic>
+      <p:pic>
+        <p:nvPicPr>
+          <p:cNvPr id="132" name="University of Luxembourg-VTxOGTxAjWS9KLNLwY9KhzbIU5oKuGkG.jpg"/>
+          <p:cNvPicPr>
+            <a:picLocks noChangeAspect="1"/>
+          </p:cNvPicPr>
+          <p:nvPr/>
+        </p:nvPicPr>
+        <p:blipFill>
+          <a:blip r:embed="rId11" cstate="screen">
+            <a:extLst>
+              <a:ext uri="{28A0092B-C50C-407E-A947-70E740481C1C}">
+                <a14:useLocalDpi xmlns:a14="http://schemas.microsoft.com/office/drawing/2010/main"/>
+              </a:ext>
+            </a:extLst>
+          </a:blip>
+          <a:stretch>
+            <a:fillRect/>
+          </a:stretch>
+        </p:blipFill>
+        <p:spPr>
+          <a:xfrm>
+            <a:off x="9986666" y="6719586"/>
+            <a:ext cx="1808249" cy="1619251"/>
+          </a:xfrm>
+          <a:prstGeom prst="rect">
+            <a:avLst/>
+          </a:prstGeom>
+          <a:ln w="12700">
+            <a:miter lim="400000"/>
+          </a:ln>
+        </p:spPr>
+      </p:pic>
+      <p:pic>
+        <p:nvPicPr>
+          <p:cNvPr id="2" name="Picture 1"/>
+          <p:cNvPicPr>
+            <a:picLocks noChangeAspect="1"/>
+          </p:cNvPicPr>
+          <p:nvPr/>
+        </p:nvPicPr>
+        <p:blipFill>
+          <a:blip r:embed="rId12" cstate="screen">
+            <a:extLst>
+              <a:ext uri="{28A0092B-C50C-407E-A947-70E740481C1C}">
+                <a14:useLocalDpi xmlns:a14="http://schemas.microsoft.com/office/drawing/2010/main"/>
+              </a:ext>
+            </a:extLst>
+          </a:blip>
+          <a:stretch>
+            <a:fillRect/>
+          </a:stretch>
+        </p:blipFill>
+        <p:spPr>
+          <a:xfrm>
+            <a:off x="1155305" y="5530665"/>
+            <a:ext cx="2258320" cy="1272293"/>
+          </a:xfrm>
+          <a:prstGeom prst="rect">
+            <a:avLst/>
+          </a:prstGeom>
+        </p:spPr>
+      </p:pic>
+    </p:spTree>
+    <p:extLst>
+      <p:ext uri="{BB962C8B-B14F-4D97-AF65-F5344CB8AC3E}">
+        <p14:creationId xmlns:p14="http://schemas.microsoft.com/office/powerpoint/2010/main" val="2173827728"/>
+      </p:ext>
+    </p:extLst>
+  </p:cSld>
+  <p:clrMapOvr>
+    <a:masterClrMapping/>
+  </p:clrMapOvr>
+  <p:transition spd="slow"/>
+  <p:timing>
+    <p:tnLst>
+      <p:par>
+        <p:cTn id="1" dur="indefinite" restart="never" nodeType="tmRoot"/>
+      </p:par>
+    </p:tnLst>
+  </p:timing>
+</p:sld>
+</file>
+
+<file path=ppt/slides/slide20.xml><?xml version="1.0" encoding="utf-8"?>
+<p:sld xmlns:a="http://schemas.openxmlformats.org/drawingml/2006/main" xmlns:r="http://schemas.openxmlformats.org/officeDocument/2006/relationships" xmlns:p="http://schemas.openxmlformats.org/presentationml/2006/main">
+  <p:cSld>
+    <p:spTree>
+      <p:nvGrpSpPr>
+        <p:cNvPr id="1" name=""/>
+        <p:cNvGrpSpPr/>
+        <p:nvPr/>
+      </p:nvGrpSpPr>
+      <p:grpSpPr>
+        <a:xfrm>
+          <a:off x="0" y="0"/>
+          <a:ext cx="0" cy="0"/>
+          <a:chOff x="0" y="0"/>
+          <a:chExt cx="0" cy="0"/>
+        </a:xfrm>
+      </p:grpSpPr>
+      <p:sp>
+        <p:nvSpPr>
+          <p:cNvPr id="2" name="Title 1"/>
+          <p:cNvSpPr>
+            <a:spLocks noGrp="1"/>
+          </p:cNvSpPr>
+          <p:nvPr>
+            <p:ph type="title"/>
+          </p:nvPr>
+        </p:nvSpPr>
+        <p:spPr/>
+        <p:txBody>
+          <a:bodyPr/>
+          <a:lstStyle/>
+          <a:p>
+            <a:r>
+              <a:rPr lang="en-US" dirty="0" smtClean="0"/>
+              <a:t>Why Java?</a:t>
+            </a:r>
+            <a:endParaRPr lang="en-US" dirty="0"/>
+          </a:p>
+        </p:txBody>
+      </p:sp>
+      <p:sp>
+        <p:nvSpPr>
+          <p:cNvPr id="3" name="Text Placeholder 2"/>
+          <p:cNvSpPr>
+            <a:spLocks noGrp="1"/>
+          </p:cNvSpPr>
+          <p:nvPr>
+            <p:ph type="body" idx="1"/>
+          </p:nvPr>
+        </p:nvSpPr>
+        <p:spPr>
+          <a:xfrm>
+            <a:off x="308008" y="2603499"/>
+            <a:ext cx="12522468" cy="6906261"/>
+          </a:xfrm>
+        </p:spPr>
+        <p:txBody>
+          <a:bodyPr>
+            <a:normAutofit lnSpcReduction="10000"/>
+          </a:bodyPr>
+          <a:lstStyle/>
+          <a:p>
+            <a:pPr>
+              <a:spcBef>
+                <a:spcPts val="2100"/>
+              </a:spcBef>
+            </a:pPr>
+            <a:r>
+              <a:rPr lang="en-US" dirty="0"/>
+              <a:t>Need </a:t>
+            </a:r>
+            <a:r>
+              <a:rPr lang="en-US" i="1" dirty="0"/>
+              <a:t>object-oriented</a:t>
+            </a:r>
+            <a:r>
+              <a:rPr lang="en-US" dirty="0"/>
+              <a:t> language that is </a:t>
+            </a:r>
+            <a:r>
+              <a:rPr lang="en-US" b="1" dirty="0"/>
+              <a:t>strongly </a:t>
+            </a:r>
+            <a:r>
+              <a:rPr lang="en-US" b="1" dirty="0" smtClean="0"/>
+              <a:t>typed</a:t>
+            </a:r>
+          </a:p>
+          <a:p>
+            <a:pPr>
+              <a:spcBef>
+                <a:spcPts val="2100"/>
+              </a:spcBef>
+            </a:pPr>
+            <a:r>
+              <a:rPr lang="en-US" b="1" dirty="0" smtClean="0"/>
+              <a:t>Java:</a:t>
+            </a:r>
+            <a:r>
+              <a:rPr lang="en-US" dirty="0" smtClean="0"/>
+              <a:t> one </a:t>
+            </a:r>
+            <a:r>
+              <a:rPr lang="en-US" dirty="0"/>
+              <a:t>of the most popular </a:t>
+            </a:r>
+            <a:r>
+              <a:rPr lang="en-US" dirty="0" smtClean="0"/>
+              <a:t>languages, and you have already seen it in previous courses</a:t>
+            </a:r>
+          </a:p>
+          <a:p>
+            <a:pPr>
+              <a:spcBef>
+                <a:spcPts val="2100"/>
+              </a:spcBef>
+            </a:pPr>
+            <a:r>
+              <a:rPr lang="en-US" b="1" dirty="0" err="1" smtClean="0"/>
+              <a:t>Kotlin</a:t>
+            </a:r>
+            <a:r>
+              <a:rPr lang="en-US" dirty="0" smtClean="0"/>
+              <a:t>: great language (my favorite), but too advanced</a:t>
+            </a:r>
+            <a:endParaRPr lang="en-US" dirty="0"/>
+          </a:p>
+          <a:p>
+            <a:pPr>
+              <a:spcBef>
+                <a:spcPts val="2100"/>
+              </a:spcBef>
+            </a:pPr>
+            <a:r>
+              <a:rPr lang="en-US" b="1" dirty="0" smtClean="0"/>
+              <a:t>C#: </a:t>
+            </a:r>
+            <a:r>
+              <a:rPr lang="en-US" dirty="0"/>
+              <a:t>would had been a great choice </a:t>
+            </a:r>
+            <a:r>
+              <a:rPr lang="en-US" dirty="0" smtClean="0"/>
+              <a:t>as well</a:t>
+            </a:r>
+            <a:endParaRPr lang="en-US" b="1" dirty="0"/>
+          </a:p>
+          <a:p>
+            <a:pPr>
+              <a:spcBef>
+                <a:spcPts val="2100"/>
+              </a:spcBef>
+            </a:pPr>
+            <a:r>
+              <a:rPr lang="en-US" b="1" dirty="0" smtClean="0"/>
+              <a:t>C++</a:t>
+            </a:r>
+            <a:r>
+              <a:rPr lang="en-US" dirty="0" smtClean="0"/>
+              <a:t>: good choice, but can get tricky when dealing with memory allocation issues and OS dependent</a:t>
+            </a:r>
+          </a:p>
+          <a:p>
+            <a:pPr>
+              <a:spcBef>
+                <a:spcPts val="2100"/>
+              </a:spcBef>
+            </a:pPr>
+            <a:r>
+              <a:rPr lang="en-US" b="1" dirty="0" smtClean="0"/>
+              <a:t>JavaScript</a:t>
+            </a:r>
+            <a:r>
+              <a:rPr lang="en-US" dirty="0" smtClean="0"/>
+              <a:t>: HELL NO!!! There is a limit to sadism…</a:t>
+            </a:r>
+          </a:p>
+          <a:p>
+            <a:pPr>
+              <a:spcBef>
+                <a:spcPts val="2100"/>
+              </a:spcBef>
+            </a:pPr>
+            <a:r>
+              <a:rPr lang="en-US" b="1" dirty="0" smtClean="0"/>
+              <a:t>Python</a:t>
+            </a:r>
+            <a:r>
+              <a:rPr lang="en-US" dirty="0" smtClean="0"/>
+              <a:t>: not statically typed</a:t>
+            </a:r>
+          </a:p>
+          <a:p>
+            <a:pPr>
+              <a:spcBef>
+                <a:spcPts val="2100"/>
+              </a:spcBef>
+            </a:pPr>
+            <a:r>
+              <a:rPr lang="en-US" b="1" dirty="0" smtClean="0"/>
+              <a:t>Go</a:t>
+            </a:r>
+            <a:r>
+              <a:rPr lang="en-US" dirty="0" smtClean="0"/>
+              <a:t>: no </a:t>
+            </a:r>
+            <a:r>
+              <a:rPr lang="en-US" i="1" dirty="0" smtClean="0"/>
+              <a:t>Generic</a:t>
+            </a:r>
+            <a:r>
+              <a:rPr lang="en-US" dirty="0" smtClean="0"/>
+              <a:t> types</a:t>
+            </a:r>
+            <a:endParaRPr lang="en-US" dirty="0"/>
+          </a:p>
+        </p:txBody>
+      </p:sp>
+    </p:spTree>
+    <p:extLst>
+      <p:ext uri="{BB962C8B-B14F-4D97-AF65-F5344CB8AC3E}">
+        <p14:creationId xmlns:p14="http://schemas.microsoft.com/office/powerpoint/2010/main" val="1705337327"/>
+      </p:ext>
+    </p:extLst>
+  </p:cSld>
+  <p:clrMapOvr>
+    <a:masterClrMapping/>
+  </p:clrMapOvr>
+  <p:transition spd="med"/>
+</p:sld>
+</file>
+
+<file path=ppt/slides/slide21.xml><?xml version="1.0" encoding="utf-8"?>
 <p:sld xmlns:a="http://schemas.openxmlformats.org/drawingml/2006/main" xmlns:r="http://schemas.openxmlformats.org/officeDocument/2006/relationships" xmlns:p="http://schemas.openxmlformats.org/presentationml/2006/main">
   <p:cSld>
     <p:spTree>
@@ -3811,7 +5627,7 @@
 </p:sld>
 </file>
 
-<file path=ppt/slides/slide15.xml><?xml version="1.0" encoding="utf-8"?>
+<file path=ppt/slides/slide22.xml><?xml version="1.0" encoding="utf-8"?>
 <p:sld xmlns:a="http://schemas.openxmlformats.org/drawingml/2006/main" xmlns:r="http://schemas.openxmlformats.org/officeDocument/2006/relationships" xmlns:p="http://schemas.openxmlformats.org/presentationml/2006/main">
   <p:cSld>
     <p:spTree>
@@ -3874,7 +5690,7 @@
         </p:spPr>
         <p:txBody>
           <a:bodyPr>
-            <a:normAutofit lnSpcReduction="10000"/>
+            <a:normAutofit fontScale="92500" lnSpcReduction="10000"/>
           </a:bodyPr>
           <a:lstStyle/>
           <a:p>
@@ -3893,8 +5709,20 @@
             <a:pPr lvl="1"/>
             <a:r>
               <a:rPr lang="en-US" dirty="0" smtClean="0"/>
-              <a:t>Based on slides and all code in the repository</a:t>
-            </a:r>
+              <a:t>Based on slides and all code in the </a:t>
+            </a:r>
+            <a:r>
+              <a:rPr lang="en-US" dirty="0" smtClean="0"/>
+              <a:t>repository</a:t>
+            </a:r>
+          </a:p>
+          <a:p>
+            <a:pPr lvl="1"/>
+            <a:r>
+              <a:rPr lang="en-US" dirty="0" smtClean="0"/>
+              <a:t>Typically only 1 question from the Advanced Topics</a:t>
+            </a:r>
+            <a:endParaRPr lang="en-US" dirty="0" smtClean="0"/>
           </a:p>
           <a:p>
             <a:pPr lvl="1"/>
@@ -3965,7 +5793,236 @@
 </p:sld>
 </file>
 
-<file path=ppt/slides/slide16.xml><?xml version="1.0" encoding="utf-8"?>
+<file path=ppt/slides/slide23.xml><?xml version="1.0" encoding="utf-8"?>
+<p:sld xmlns:a="http://schemas.openxmlformats.org/drawingml/2006/main" xmlns:r="http://schemas.openxmlformats.org/officeDocument/2006/relationships" xmlns:p="http://schemas.openxmlformats.org/presentationml/2006/main">
+  <p:cSld>
+    <p:spTree>
+      <p:nvGrpSpPr>
+        <p:cNvPr id="1" name=""/>
+        <p:cNvGrpSpPr/>
+        <p:nvPr/>
+      </p:nvGrpSpPr>
+      <p:grpSpPr>
+        <a:xfrm>
+          <a:off x="0" y="0"/>
+          <a:ext cx="0" cy="0"/>
+          <a:chOff x="0" y="0"/>
+          <a:chExt cx="0" cy="0"/>
+        </a:xfrm>
+      </p:grpSpPr>
+      <p:sp>
+        <p:nvSpPr>
+          <p:cNvPr id="2" name="Title 1"/>
+          <p:cNvSpPr>
+            <a:spLocks noGrp="1"/>
+          </p:cNvSpPr>
+          <p:nvPr>
+            <p:ph type="title"/>
+          </p:nvPr>
+        </p:nvSpPr>
+        <p:spPr/>
+        <p:txBody>
+          <a:bodyPr/>
+          <a:lstStyle/>
+          <a:p>
+            <a:r>
+              <a:rPr lang="en-US" dirty="0" smtClean="0"/>
+              <a:t>Code In </a:t>
+            </a:r>
+            <a:r>
+              <a:rPr lang="en-US" dirty="0"/>
+              <a:t>T</a:t>
+            </a:r>
+            <a:r>
+              <a:rPr lang="en-US" dirty="0" smtClean="0"/>
+              <a:t>he </a:t>
+            </a:r>
+            <a:r>
+              <a:rPr lang="en-US" dirty="0"/>
+              <a:t>E</a:t>
+            </a:r>
+            <a:r>
+              <a:rPr lang="en-US" dirty="0" smtClean="0"/>
+              <a:t>xam</a:t>
+            </a:r>
+            <a:endParaRPr lang="en-US" dirty="0"/>
+          </a:p>
+        </p:txBody>
+      </p:sp>
+      <p:sp>
+        <p:nvSpPr>
+          <p:cNvPr id="3" name="Text Placeholder 2"/>
+          <p:cNvSpPr>
+            <a:spLocks noGrp="1"/>
+          </p:cNvSpPr>
+          <p:nvPr>
+            <p:ph type="body" idx="1"/>
+          </p:nvPr>
+        </p:nvSpPr>
+        <p:spPr>
+          <a:xfrm>
+            <a:off x="271167" y="2603499"/>
+            <a:ext cx="12530433" cy="7019773"/>
+          </a:xfrm>
+        </p:spPr>
+        <p:txBody>
+          <a:bodyPr/>
+          <a:lstStyle/>
+          <a:p>
+            <a:r>
+              <a:rPr lang="en-US" dirty="0" smtClean="0"/>
+              <a:t>There are 12 classes which you need to know by heart, and be able to write from scratch</a:t>
+            </a:r>
+          </a:p>
+          <a:p>
+            <a:pPr lvl="1"/>
+            <a:r>
+              <a:rPr lang="en-US" i="1" dirty="0" err="1" smtClean="0"/>
+              <a:t>MyListStringContainer</a:t>
+            </a:r>
+            <a:r>
+              <a:rPr lang="en-US" i="1" dirty="0"/>
+              <a:t>, </a:t>
+            </a:r>
+            <a:r>
+              <a:rPr lang="en-US" i="1" dirty="0" err="1"/>
+              <a:t>MyStackLinkedList</a:t>
+            </a:r>
+            <a:r>
+              <a:rPr lang="en-US" i="1" dirty="0"/>
+              <a:t>, </a:t>
+            </a:r>
+            <a:r>
+              <a:rPr lang="en-US" i="1" dirty="0" err="1" smtClean="0"/>
+              <a:t>MyQueueArray</a:t>
+            </a:r>
+            <a:r>
+              <a:rPr lang="en-US" i="1" dirty="0"/>
+              <a:t>, </a:t>
+            </a:r>
+            <a:r>
+              <a:rPr lang="en-US" i="1" dirty="0" err="1" smtClean="0"/>
+              <a:t>BubbleSort</a:t>
+            </a:r>
+            <a:r>
+              <a:rPr lang="en-US" i="1" dirty="0"/>
+              <a:t>, </a:t>
+            </a:r>
+            <a:r>
+              <a:rPr lang="en-US" i="1" dirty="0" err="1" smtClean="0"/>
+              <a:t>InsertionSort</a:t>
+            </a:r>
+            <a:r>
+              <a:rPr lang="en-US" i="1" dirty="0"/>
+              <a:t>, </a:t>
+            </a:r>
+            <a:r>
+              <a:rPr lang="en-US" i="1" dirty="0" err="1" smtClean="0"/>
+              <a:t>MergeSort</a:t>
+            </a:r>
+            <a:r>
+              <a:rPr lang="en-US" i="1" dirty="0"/>
+              <a:t>, </a:t>
+            </a:r>
+            <a:r>
+              <a:rPr lang="en-US" i="1" dirty="0" err="1" smtClean="0"/>
+              <a:t>QuickSort</a:t>
+            </a:r>
+            <a:r>
+              <a:rPr lang="en-US" i="1" dirty="0"/>
+              <a:t>, </a:t>
+            </a:r>
+            <a:r>
+              <a:rPr lang="en-US" i="1" dirty="0" err="1" smtClean="0"/>
+              <a:t>MyMapBinarySearchTree</a:t>
+            </a:r>
+            <a:r>
+              <a:rPr lang="en-US" i="1" dirty="0"/>
+              <a:t>, </a:t>
+            </a:r>
+            <a:r>
+              <a:rPr lang="en-US" i="1" dirty="0" err="1" smtClean="0"/>
+              <a:t>MyHashMapWithLists</a:t>
+            </a:r>
+            <a:r>
+              <a:rPr lang="en-US" i="1" dirty="0"/>
+              <a:t>, </a:t>
+            </a:r>
+            <a:r>
+              <a:rPr lang="en-US" i="1" dirty="0" err="1" smtClean="0"/>
+              <a:t>MyStreamSupport</a:t>
+            </a:r>
+            <a:r>
+              <a:rPr lang="en-US" i="1" dirty="0"/>
+              <a:t>, </a:t>
+            </a:r>
+            <a:r>
+              <a:rPr lang="en-US" i="1" dirty="0" err="1" smtClean="0"/>
+              <a:t>UndirectedGraph</a:t>
+            </a:r>
+            <a:r>
+              <a:rPr lang="en-US" i="1" dirty="0" smtClean="0"/>
+              <a:t>, </a:t>
+            </a:r>
+            <a:r>
+              <a:rPr lang="en-US" i="1" dirty="0" err="1" smtClean="0"/>
+              <a:t>TextSearchKMP</a:t>
+            </a:r>
+            <a:endParaRPr lang="en-US" i="1" dirty="0" smtClean="0"/>
+          </a:p>
+          <a:p>
+            <a:pPr lvl="1"/>
+            <a:r>
+              <a:rPr lang="en-US" dirty="0" smtClean="0"/>
+              <a:t>In the exercises, you will be asked to write them on paper</a:t>
+            </a:r>
+          </a:p>
+          <a:p>
+            <a:pPr lvl="1"/>
+            <a:r>
+              <a:rPr lang="en-US" dirty="0" smtClean="0"/>
+              <a:t>You can expect 1-3 of them ending up in the exam</a:t>
+            </a:r>
+          </a:p>
+          <a:p>
+            <a:r>
+              <a:rPr lang="en-US" dirty="0" smtClean="0"/>
+              <a:t>Note: you can still get questions from any of the code in the repository</a:t>
+            </a:r>
+          </a:p>
+          <a:p>
+            <a:pPr lvl="1"/>
+            <a:r>
+              <a:rPr lang="en-US" dirty="0" smtClean="0"/>
+              <a:t>but </a:t>
+            </a:r>
+            <a:r>
+              <a:rPr lang="en-US" i="1" dirty="0" smtClean="0"/>
+              <a:t>usually</a:t>
+            </a:r>
+            <a:r>
+              <a:rPr lang="en-US" dirty="0" smtClean="0"/>
+              <a:t> in those cases it is just to complete the code from a starting snippet, or find bugs in them</a:t>
+            </a:r>
+            <a:endParaRPr lang="en-US" dirty="0"/>
+          </a:p>
+        </p:txBody>
+      </p:sp>
+    </p:spTree>
+    <p:extLst>
+      <p:ext uri="{BB962C8B-B14F-4D97-AF65-F5344CB8AC3E}">
+        <p14:creationId xmlns:p14="http://schemas.microsoft.com/office/powerpoint/2010/main" val="609568336"/>
+      </p:ext>
+    </p:extLst>
+  </p:cSld>
+  <p:clrMapOvr>
+    <a:masterClrMapping/>
+  </p:clrMapOvr>
+  <p:transition spd="med"/>
+</p:sld>
+</file>
+
+<file path=ppt/slides/slide24.xml><?xml version="1.0" encoding="utf-8"?>
 <p:sld xmlns:a="http://schemas.openxmlformats.org/drawingml/2006/main" xmlns:r="http://schemas.openxmlformats.org/officeDocument/2006/relationships" xmlns:p="http://schemas.openxmlformats.org/presentationml/2006/main">
   <p:cSld>
     <p:spTree>
@@ -4167,7 +6224,262 @@
 </p:sld>
 </file>
 
-<file path=ppt/slides/slide17.xml><?xml version="1.0" encoding="utf-8"?>
+<file path=ppt/slides/slide25.xml><?xml version="1.0" encoding="utf-8"?>
+<p:sld xmlns:a="http://schemas.openxmlformats.org/drawingml/2006/main" xmlns:r="http://schemas.openxmlformats.org/officeDocument/2006/relationships" xmlns:p="http://schemas.openxmlformats.org/presentationml/2006/main">
+  <p:cSld>
+    <p:spTree>
+      <p:nvGrpSpPr>
+        <p:cNvPr id="1" name=""/>
+        <p:cNvGrpSpPr/>
+        <p:nvPr/>
+      </p:nvGrpSpPr>
+      <p:grpSpPr>
+        <a:xfrm>
+          <a:off x="0" y="0"/>
+          <a:ext cx="0" cy="0"/>
+          <a:chOff x="0" y="0"/>
+          <a:chExt cx="0" cy="0"/>
+        </a:xfrm>
+      </p:grpSpPr>
+      <p:sp>
+        <p:nvSpPr>
+          <p:cNvPr id="2" name="Title 1"/>
+          <p:cNvSpPr>
+            <a:spLocks noGrp="1"/>
+          </p:cNvSpPr>
+          <p:nvPr>
+            <p:ph type="title"/>
+          </p:nvPr>
+        </p:nvSpPr>
+        <p:spPr/>
+        <p:txBody>
+          <a:bodyPr/>
+          <a:lstStyle/>
+          <a:p>
+            <a:r>
+              <a:rPr lang="en-US" dirty="0" smtClean="0"/>
+              <a:t>Typical Exam Results</a:t>
+            </a:r>
+            <a:endParaRPr lang="en-US" dirty="0"/>
+          </a:p>
+        </p:txBody>
+      </p:sp>
+      <p:sp>
+        <p:nvSpPr>
+          <p:cNvPr id="3" name="Text Placeholder 2"/>
+          <p:cNvSpPr>
+            <a:spLocks noGrp="1"/>
+          </p:cNvSpPr>
+          <p:nvPr>
+            <p:ph type="body" idx="1"/>
+          </p:nvPr>
+        </p:nvSpPr>
+        <p:spPr>
+          <a:xfrm>
+            <a:off x="239636" y="2603499"/>
+            <a:ext cx="12637638" cy="6981935"/>
+          </a:xfrm>
+        </p:spPr>
+        <p:txBody>
+          <a:bodyPr>
+            <a:normAutofit fontScale="92500"/>
+          </a:bodyPr>
+          <a:lstStyle/>
+          <a:p>
+            <a:r>
+              <a:rPr lang="en-US" b="1" dirty="0" smtClean="0"/>
+              <a:t>40%</a:t>
+            </a:r>
+            <a:r>
+              <a:rPr lang="en-US" dirty="0" smtClean="0"/>
+              <a:t> score for </a:t>
+            </a:r>
+            <a:r>
+              <a:rPr lang="en-US" b="1" dirty="0" smtClean="0"/>
+              <a:t>E</a:t>
+            </a:r>
+            <a:r>
+              <a:rPr lang="en-US" dirty="0" smtClean="0"/>
+              <a:t>, and </a:t>
+            </a:r>
+            <a:r>
+              <a:rPr lang="en-US" b="1" dirty="0" smtClean="0"/>
+              <a:t>90%</a:t>
+            </a:r>
+            <a:r>
+              <a:rPr lang="en-US" dirty="0" smtClean="0"/>
+              <a:t> for </a:t>
+            </a:r>
+            <a:r>
+              <a:rPr lang="en-US" b="1" dirty="0" smtClean="0"/>
+              <a:t>A</a:t>
+            </a:r>
+          </a:p>
+          <a:p>
+            <a:r>
+              <a:rPr lang="en-US" dirty="0" smtClean="0"/>
+              <a:t>But that would usually mean </a:t>
+            </a:r>
+            <a:r>
+              <a:rPr lang="en-US" b="1" dirty="0" smtClean="0"/>
+              <a:t>60%-80% </a:t>
+            </a:r>
+            <a:r>
+              <a:rPr lang="en-US" dirty="0" smtClean="0"/>
+              <a:t>of students get an </a:t>
+            </a:r>
+            <a:r>
+              <a:rPr lang="en-US" b="1" dirty="0" smtClean="0"/>
+              <a:t>F</a:t>
+            </a:r>
+            <a:r>
+              <a:rPr lang="en-US" dirty="0" smtClean="0"/>
+              <a:t>, and top grade is a </a:t>
+            </a:r>
+            <a:r>
+              <a:rPr lang="en-US" b="1" dirty="0" smtClean="0"/>
+              <a:t>C</a:t>
+            </a:r>
+            <a:r>
+              <a:rPr lang="en-US" dirty="0" smtClean="0"/>
+              <a:t>, as </a:t>
+            </a:r>
+            <a:r>
+              <a:rPr lang="en-US" i="1" dirty="0" smtClean="0"/>
+              <a:t>most students underestimate this course</a:t>
+            </a:r>
+          </a:p>
+          <a:p>
+            <a:pPr lvl="1"/>
+            <a:r>
+              <a:rPr lang="en-US" dirty="0" err="1" smtClean="0"/>
+              <a:t>eg</a:t>
+            </a:r>
+            <a:r>
+              <a:rPr lang="en-US" dirty="0" smtClean="0"/>
+              <a:t>, naively believe that can start studying just few days/weeks before the exam</a:t>
+            </a:r>
+          </a:p>
+          <a:p>
+            <a:r>
+              <a:rPr lang="en-US" b="1" dirty="0" smtClean="0"/>
+              <a:t>Rescaling</a:t>
+            </a:r>
+            <a:r>
+              <a:rPr lang="en-US" dirty="0" smtClean="0"/>
+              <a:t>: usually </a:t>
+            </a:r>
+            <a:r>
+              <a:rPr lang="en-US" i="1" dirty="0" smtClean="0"/>
+              <a:t>not failing </a:t>
+            </a:r>
+            <a:r>
+              <a:rPr lang="en-US" dirty="0" smtClean="0"/>
+              <a:t>more than </a:t>
+            </a:r>
+            <a:r>
+              <a:rPr lang="en-US" b="1" dirty="0" smtClean="0"/>
+              <a:t>50%</a:t>
+            </a:r>
+            <a:r>
+              <a:rPr lang="en-US" dirty="0" smtClean="0"/>
+              <a:t> of students, and top scores get an </a:t>
+            </a:r>
+            <a:r>
+              <a:rPr lang="en-US" b="1" dirty="0" smtClean="0"/>
+              <a:t>A</a:t>
+            </a:r>
+          </a:p>
+          <a:p>
+            <a:pPr lvl="1"/>
+            <a:r>
+              <a:rPr lang="en-US" dirty="0" err="1" smtClean="0"/>
+              <a:t>eg</a:t>
+            </a:r>
+            <a:r>
+              <a:rPr lang="en-US" dirty="0" smtClean="0"/>
+              <a:t>, typically after rescaling, </a:t>
+            </a:r>
+            <a:r>
+              <a:rPr lang="en-US" b="1" dirty="0" smtClean="0"/>
+              <a:t>25%</a:t>
+            </a:r>
+            <a:r>
+              <a:rPr lang="en-US" dirty="0" smtClean="0"/>
+              <a:t> for </a:t>
+            </a:r>
+            <a:r>
+              <a:rPr lang="en-US" b="1" dirty="0" smtClean="0"/>
+              <a:t>E</a:t>
+            </a:r>
+            <a:r>
+              <a:rPr lang="en-US" dirty="0" smtClean="0"/>
+              <a:t>, and </a:t>
+            </a:r>
+            <a:r>
+              <a:rPr lang="en-US" b="1" dirty="0" smtClean="0"/>
+              <a:t>75%</a:t>
+            </a:r>
+            <a:r>
+              <a:rPr lang="en-US" dirty="0" smtClean="0"/>
+              <a:t> for </a:t>
+            </a:r>
+            <a:r>
+              <a:rPr lang="en-US" b="1" dirty="0" smtClean="0"/>
+              <a:t>A</a:t>
+            </a:r>
+            <a:r>
+              <a:rPr lang="en-US" dirty="0" smtClean="0"/>
+              <a:t> </a:t>
+            </a:r>
+          </a:p>
+          <a:p>
+            <a:pPr lvl="1"/>
+            <a:r>
+              <a:rPr lang="en-US" dirty="0" smtClean="0"/>
+              <a:t>Rescaling does </a:t>
+            </a:r>
+            <a:r>
+              <a:rPr lang="en-US" b="1" dirty="0" smtClean="0"/>
+              <a:t>NOT</a:t>
+            </a:r>
+            <a:r>
+              <a:rPr lang="en-US" dirty="0" smtClean="0"/>
+              <a:t> apply to “</a:t>
+            </a:r>
+            <a:r>
+              <a:rPr lang="en-US" i="1" dirty="0" smtClean="0"/>
+              <a:t>continuation</a:t>
+            </a:r>
+            <a:r>
+              <a:rPr lang="en-US" dirty="0" smtClean="0"/>
+              <a:t>” exams</a:t>
+            </a:r>
+          </a:p>
+          <a:p>
+            <a:r>
+              <a:rPr lang="en-US" i="1" dirty="0" smtClean="0"/>
+              <a:t>Strongly suggest to have a chat with students that have taken this course before</a:t>
+            </a:r>
+            <a:endParaRPr lang="en-US" i="1" dirty="0"/>
+          </a:p>
+        </p:txBody>
+      </p:sp>
+    </p:spTree>
+    <p:extLst>
+      <p:ext uri="{BB962C8B-B14F-4D97-AF65-F5344CB8AC3E}">
+        <p14:creationId xmlns:p14="http://schemas.microsoft.com/office/powerpoint/2010/main" val="3471320237"/>
+      </p:ext>
+    </p:extLst>
+  </p:cSld>
+  <p:clrMapOvr>
+    <a:masterClrMapping/>
+  </p:clrMapOvr>
+  <p:transition spd="med"/>
+</p:sld>
+</file>
+
+<file path=ppt/slides/slide26.xml><?xml version="1.0" encoding="utf-8"?>
 <p:sld xmlns:a="http://schemas.openxmlformats.org/drawingml/2006/main" xmlns:r="http://schemas.openxmlformats.org/officeDocument/2006/relationships" xmlns:p="http://schemas.openxmlformats.org/presentationml/2006/main">
   <p:cSld>
     <p:spTree>
@@ -4221,7 +6533,7 @@
 </p:sld>
 </file>
 
-<file path=ppt/slides/slide18.xml><?xml version="1.0" encoding="utf-8"?>
+<file path=ppt/slides/slide27.xml><?xml version="1.0" encoding="utf-8"?>
 <p:sld xmlns:a="http://schemas.openxmlformats.org/drawingml/2006/main" xmlns:r="http://schemas.openxmlformats.org/officeDocument/2006/relationships" xmlns:p="http://schemas.openxmlformats.org/presentationml/2006/main">
   <p:cSld>
     <p:spTree>
@@ -4365,7 +6677,7 @@
 </p:sld>
 </file>
 
-<file path=ppt/slides/slide19.xml><?xml version="1.0" encoding="utf-8"?>
+<file path=ppt/slides/slide28.xml><?xml version="1.0" encoding="utf-8"?>
 <p:sld xmlns:a="http://schemas.openxmlformats.org/drawingml/2006/main" xmlns:r="http://schemas.openxmlformats.org/officeDocument/2006/relationships" xmlns:p="http://schemas.openxmlformats.org/presentationml/2006/main">
   <p:cSld>
     <p:spTree>
@@ -4464,11 +6776,7 @@
             </a:pPr>
             <a:r>
               <a:rPr lang="en-US" dirty="0" smtClean="0"/>
-              <a:t>Fixed size, decided at </a:t>
-            </a:r>
-            <a:r>
-              <a:rPr lang="en-US" dirty="0" smtClean="0"/>
-              <a:t>creation</a:t>
+              <a:t>Fixed size, decided at creation</a:t>
             </a:r>
           </a:p>
           <a:p>
@@ -4995,160 +7303,7 @@
 </p:sld>
 </file>
 
-<file path=ppt/slides/slide2.xml><?xml version="1.0" encoding="utf-8"?>
-<p:sld xmlns:a="http://schemas.openxmlformats.org/drawingml/2006/main" xmlns:r="http://schemas.openxmlformats.org/officeDocument/2006/relationships" xmlns:p="http://schemas.openxmlformats.org/presentationml/2006/main">
-  <p:cSld>
-    <p:spTree>
-      <p:nvGrpSpPr>
-        <p:cNvPr id="1" name=""/>
-        <p:cNvGrpSpPr/>
-        <p:nvPr/>
-      </p:nvGrpSpPr>
-      <p:grpSpPr>
-        <a:xfrm>
-          <a:off x="0" y="0"/>
-          <a:ext cx="0" cy="0"/>
-          <a:chOff x="0" y="0"/>
-          <a:chExt cx="0" cy="0"/>
-        </a:xfrm>
-      </p:grpSpPr>
-      <p:sp>
-        <p:nvSpPr>
-          <p:cNvPr id="137" name="Shape 137"/>
-          <p:cNvSpPr>
-            <a:spLocks noGrp="1"/>
-          </p:cNvSpPr>
-          <p:nvPr>
-            <p:ph type="title"/>
-          </p:nvPr>
-        </p:nvSpPr>
-        <p:spPr>
-          <a:prstGeom prst="rect">
-            <a:avLst/>
-          </a:prstGeom>
-        </p:spPr>
-        <p:txBody>
-          <a:bodyPr/>
-          <a:lstStyle/>
-          <a:p>
-            <a:r>
-              <a:rPr dirty="0"/>
-              <a:t>Contact</a:t>
-            </a:r>
-          </a:p>
-        </p:txBody>
-      </p:sp>
-      <p:sp>
-        <p:nvSpPr>
-          <p:cNvPr id="138" name="Shape 138"/>
-          <p:cNvSpPr>
-            <a:spLocks noGrp="1"/>
-          </p:cNvSpPr>
-          <p:nvPr>
-            <p:ph type="body" idx="1"/>
-          </p:nvPr>
-        </p:nvSpPr>
-        <p:spPr>
-          <a:xfrm>
-            <a:off x="294467" y="2654299"/>
-            <a:ext cx="12274657" cy="6706677"/>
-          </a:xfrm>
-          <a:prstGeom prst="rect">
-            <a:avLst/>
-          </a:prstGeom>
-        </p:spPr>
-        <p:txBody>
-          <a:bodyPr>
-            <a:normAutofit/>
-          </a:bodyPr>
-          <a:lstStyle/>
-          <a:p>
-            <a:r>
-              <a:rPr sz="4400" dirty="0" smtClean="0"/>
-              <a:t>“</a:t>
-            </a:r>
-            <a:r>
-              <a:rPr sz="4400" dirty="0"/>
-              <a:t>Discussion </a:t>
-            </a:r>
-            <a:r>
-              <a:rPr lang="en-US" sz="4400" dirty="0"/>
-              <a:t>F</a:t>
-            </a:r>
-            <a:r>
-              <a:rPr sz="4400" dirty="0" smtClean="0"/>
-              <a:t>orum</a:t>
-            </a:r>
-            <a:r>
-              <a:rPr sz="4400" dirty="0"/>
-              <a:t>”</a:t>
-            </a:r>
-          </a:p>
-          <a:p>
-            <a:r>
-              <a:rPr lang="en-US" sz="4400" dirty="0"/>
-              <a:t>F</a:t>
-            </a:r>
-            <a:r>
-              <a:rPr sz="4400" dirty="0" smtClean="0"/>
-              <a:t>or announcements, and questions of general interest for the whole class</a:t>
-            </a:r>
-            <a:endParaRPr lang="en-US" sz="4400" dirty="0" smtClean="0"/>
-          </a:p>
-          <a:p>
-            <a:r>
-              <a:rPr lang="en-US" sz="4400" dirty="0" smtClean="0"/>
-              <a:t>Use the discussion forum </a:t>
-            </a:r>
-            <a:r>
-              <a:rPr lang="en-US" sz="4400" b="1" dirty="0" smtClean="0"/>
-              <a:t>instead of</a:t>
-            </a:r>
-            <a:r>
-              <a:rPr lang="en-US" sz="4400" dirty="0" smtClean="0"/>
-              <a:t> sending me emails</a:t>
-            </a:r>
-          </a:p>
-          <a:p>
-            <a:pPr lvl="1"/>
-            <a:r>
-              <a:rPr lang="en-US" dirty="0" smtClean="0"/>
-              <a:t>If you send me a private email/message, I will tell you to post it on the Discussion Forum. However, if I am busy (as most of the time</a:t>
-            </a:r>
-            <a:r>
-              <a:rPr lang="mr-IN" dirty="0" smtClean="0"/>
-              <a:t>…</a:t>
-            </a:r>
-            <a:r>
-              <a:rPr lang="en-US" dirty="0" smtClean="0"/>
-              <a:t>), </a:t>
-            </a:r>
-            <a:r>
-              <a:rPr lang="en-US" i="1" dirty="0" smtClean="0"/>
-              <a:t>I might just ignore </a:t>
-            </a:r>
-            <a:r>
-              <a:rPr lang="en-US" i="1" dirty="0" smtClean="0"/>
-              <a:t>your message</a:t>
-            </a:r>
-            <a:r>
-              <a:rPr lang="mr-IN" i="1" dirty="0" smtClean="0"/>
-              <a:t>…</a:t>
-            </a:r>
-            <a:endParaRPr lang="en-US" i="1" dirty="0" smtClean="0"/>
-          </a:p>
-        </p:txBody>
-      </p:sp>
-    </p:spTree>
-  </p:cSld>
-  <p:clrMapOvr>
-    <a:masterClrMapping/>
-  </p:clrMapOvr>
-  <p:transition spd="slow"/>
-</p:sld>
-</file>
-
-<file path=ppt/slides/slide20.xml><?xml version="1.0" encoding="utf-8"?>
+<file path=ppt/slides/slide29.xml><?xml version="1.0" encoding="utf-8"?>
 <p:sld xmlns:a="http://schemas.openxmlformats.org/drawingml/2006/main" xmlns:r="http://schemas.openxmlformats.org/officeDocument/2006/relationships" xmlns:p="http://schemas.openxmlformats.org/presentationml/2006/main">
   <p:cSld>
     <p:spTree>
@@ -5285,7 +7440,161 @@
 </p:sld>
 </file>
 
-<file path=ppt/slides/slide21.xml><?xml version="1.0" encoding="utf-8"?>
+<file path=ppt/slides/slide3.xml><?xml version="1.0" encoding="utf-8"?>
+<p:sld xmlns:a="http://schemas.openxmlformats.org/drawingml/2006/main" xmlns:r="http://schemas.openxmlformats.org/officeDocument/2006/relationships" xmlns:p="http://schemas.openxmlformats.org/presentationml/2006/main">
+  <p:cSld>
+    <p:spTree>
+      <p:nvGrpSpPr>
+        <p:cNvPr id="1" name=""/>
+        <p:cNvGrpSpPr/>
+        <p:nvPr/>
+      </p:nvGrpSpPr>
+      <p:grpSpPr>
+        <a:xfrm>
+          <a:off x="0" y="0"/>
+          <a:ext cx="0" cy="0"/>
+          <a:chOff x="0" y="0"/>
+          <a:chExt cx="0" cy="0"/>
+        </a:xfrm>
+      </p:grpSpPr>
+      <p:sp>
+        <p:nvSpPr>
+          <p:cNvPr id="137" name="Shape 137"/>
+          <p:cNvSpPr>
+            <a:spLocks noGrp="1"/>
+          </p:cNvSpPr>
+          <p:nvPr>
+            <p:ph type="title"/>
+          </p:nvPr>
+        </p:nvSpPr>
+        <p:spPr>
+          <a:prstGeom prst="rect">
+            <a:avLst/>
+          </a:prstGeom>
+        </p:spPr>
+        <p:txBody>
+          <a:bodyPr/>
+          <a:lstStyle/>
+          <a:p>
+            <a:r>
+              <a:rPr dirty="0"/>
+              <a:t>Contact</a:t>
+            </a:r>
+          </a:p>
+        </p:txBody>
+      </p:sp>
+      <p:sp>
+        <p:nvSpPr>
+          <p:cNvPr id="138" name="Shape 138"/>
+          <p:cNvSpPr>
+            <a:spLocks noGrp="1"/>
+          </p:cNvSpPr>
+          <p:nvPr>
+            <p:ph type="body" idx="1"/>
+          </p:nvPr>
+        </p:nvSpPr>
+        <p:spPr>
+          <a:xfrm>
+            <a:off x="294467" y="2654299"/>
+            <a:ext cx="12274657" cy="6706677"/>
+          </a:xfrm>
+          <a:prstGeom prst="rect">
+            <a:avLst/>
+          </a:prstGeom>
+        </p:spPr>
+        <p:txBody>
+          <a:bodyPr>
+            <a:normAutofit/>
+          </a:bodyPr>
+          <a:lstStyle/>
+          <a:p>
+            <a:r>
+              <a:rPr sz="4400" dirty="0" smtClean="0"/>
+              <a:t>“</a:t>
+            </a:r>
+            <a:r>
+              <a:rPr sz="4400" i="1" dirty="0"/>
+              <a:t>Discussion </a:t>
+            </a:r>
+            <a:r>
+              <a:rPr lang="en-US" sz="4400" i="1" dirty="0"/>
+              <a:t>F</a:t>
+            </a:r>
+            <a:r>
+              <a:rPr sz="4400" i="1" dirty="0" smtClean="0"/>
+              <a:t>orum</a:t>
+            </a:r>
+            <a:r>
+              <a:rPr sz="4400" dirty="0" smtClean="0"/>
+              <a:t>”</a:t>
+            </a:r>
+            <a:r>
+              <a:rPr lang="en-US" sz="4400" dirty="0" smtClean="0"/>
+              <a:t> on Canvas</a:t>
+            </a:r>
+            <a:endParaRPr sz="4400" dirty="0"/>
+          </a:p>
+          <a:p>
+            <a:r>
+              <a:rPr lang="en-US" sz="4400" dirty="0"/>
+              <a:t>F</a:t>
+            </a:r>
+            <a:r>
+              <a:rPr sz="4400" dirty="0" smtClean="0"/>
+              <a:t>or announcements, and questions of general interest for the whole class</a:t>
+            </a:r>
+            <a:endParaRPr lang="en-US" sz="4400" dirty="0" smtClean="0"/>
+          </a:p>
+          <a:p>
+            <a:r>
+              <a:rPr lang="en-US" sz="4400" dirty="0" smtClean="0"/>
+              <a:t>Use the discussion forum </a:t>
+            </a:r>
+            <a:r>
+              <a:rPr lang="en-US" sz="4400" b="1" dirty="0" smtClean="0"/>
+              <a:t>instead of</a:t>
+            </a:r>
+            <a:r>
+              <a:rPr lang="en-US" sz="4400" dirty="0" smtClean="0"/>
+              <a:t> sending me emails</a:t>
+            </a:r>
+          </a:p>
+          <a:p>
+            <a:pPr lvl="1"/>
+            <a:r>
+              <a:rPr lang="en-US" dirty="0" smtClean="0"/>
+              <a:t>If you send me a private email/message, I will tell you to post it on the Discussion Forum. However, if I am busy (as most of the time</a:t>
+            </a:r>
+            <a:r>
+              <a:rPr lang="mr-IN" dirty="0" smtClean="0"/>
+              <a:t>…</a:t>
+            </a:r>
+            <a:r>
+              <a:rPr lang="en-US" dirty="0" smtClean="0"/>
+              <a:t>), </a:t>
+            </a:r>
+            <a:r>
+              <a:rPr lang="en-US" i="1" dirty="0" smtClean="0"/>
+              <a:t>I might just ignore your message</a:t>
+            </a:r>
+            <a:r>
+              <a:rPr lang="mr-IN" i="1" dirty="0" smtClean="0"/>
+              <a:t>…</a:t>
+            </a:r>
+            <a:endParaRPr lang="en-US" i="1" dirty="0" smtClean="0"/>
+          </a:p>
+        </p:txBody>
+      </p:sp>
+    </p:spTree>
+  </p:cSld>
+  <p:clrMapOvr>
+    <a:masterClrMapping/>
+  </p:clrMapOvr>
+  <p:transition spd="slow"/>
+</p:sld>
+</file>
+
+<file path=ppt/slides/slide30.xml><?xml version="1.0" encoding="utf-8"?>
 <p:sld xmlns:a="http://schemas.openxmlformats.org/drawingml/2006/main" xmlns:r="http://schemas.openxmlformats.org/officeDocument/2006/relationships" xmlns:p="http://schemas.openxmlformats.org/presentationml/2006/main">
   <p:cSld>
     <p:spTree>
@@ -6064,7 +8373,7 @@
 </p:sld>
 </file>
 
-<file path=ppt/slides/slide22.xml><?xml version="1.0" encoding="utf-8"?>
+<file path=ppt/slides/slide31.xml><?xml version="1.0" encoding="utf-8"?>
 <p:sld xmlns:a="http://schemas.openxmlformats.org/drawingml/2006/main" xmlns:r="http://schemas.openxmlformats.org/officeDocument/2006/relationships" xmlns:p="http://schemas.openxmlformats.org/presentationml/2006/main">
   <p:cSld>
     <p:spTree>
@@ -6118,7 +8427,7 @@
 </p:sld>
 </file>
 
-<file path=ppt/slides/slide23.xml><?xml version="1.0" encoding="utf-8"?>
+<file path=ppt/slides/slide32.xml><?xml version="1.0" encoding="utf-8"?>
 <p:sld xmlns:a="http://schemas.openxmlformats.org/drawingml/2006/main" xmlns:r="http://schemas.openxmlformats.org/officeDocument/2006/relationships" xmlns:p="http://schemas.openxmlformats.org/presentationml/2006/main">
   <p:cSld>
     <p:spTree>
@@ -6227,7 +8536,7 @@
 </p:sld>
 </file>
 
-<file path=ppt/slides/slide24.xml><?xml version="1.0" encoding="utf-8"?>
+<file path=ppt/slides/slide33.xml><?xml version="1.0" encoding="utf-8"?>
 <p:sld xmlns:a="http://schemas.openxmlformats.org/drawingml/2006/main" xmlns:r="http://schemas.openxmlformats.org/officeDocument/2006/relationships" xmlns:p="http://schemas.openxmlformats.org/presentationml/2006/main">
   <p:cSld>
     <p:spTree>
@@ -6947,7 +9256,7 @@
 </p:sld>
 </file>
 
-<file path=ppt/slides/slide25.xml><?xml version="1.0" encoding="utf-8"?>
+<file path=ppt/slides/slide34.xml><?xml version="1.0" encoding="utf-8"?>
 <p:sld xmlns:a="http://schemas.openxmlformats.org/drawingml/2006/main" xmlns:r="http://schemas.openxmlformats.org/officeDocument/2006/relationships" xmlns:p="http://schemas.openxmlformats.org/presentationml/2006/main">
   <p:cSld>
     <p:spTree>
@@ -7022,7 +9331,15 @@
             <a:pPr lvl="1"/>
             <a:r>
               <a:rPr lang="en-US" dirty="0" smtClean="0"/>
-              <a:t>Note: how to configure Maven to import third-party libraries is not part of this course (and so not on the exam), but you can ask me in the breaks if you are curious (for some of you, we will dig into its low level details in Enterprise Programming 1 next semester)</a:t>
+              <a:t>Note: how to configure </a:t>
+            </a:r>
+            <a:r>
+              <a:rPr lang="en-US" i="1" dirty="0" smtClean="0"/>
+              <a:t>Maven</a:t>
+            </a:r>
+            <a:r>
+              <a:rPr lang="en-US" dirty="0" smtClean="0"/>
+              <a:t> to import third-party libraries is not part of this course (and so not on the exam), but you can ask me in the breaks if you are curious (for some of you, we will dig into its low level details in Enterprise Programming 1 next semester)</a:t>
             </a:r>
           </a:p>
           <a:p>
@@ -7118,7 +9435,7 @@
 </p:sld>
 </file>
 
-<file path=ppt/slides/slide26.xml><?xml version="1.0" encoding="utf-8"?>
+<file path=ppt/slides/slide35.xml><?xml version="1.0" encoding="utf-8"?>
 <p:sld xmlns:a="http://schemas.openxmlformats.org/drawingml/2006/main" xmlns:r="http://schemas.openxmlformats.org/officeDocument/2006/relationships" xmlns:p="http://schemas.openxmlformats.org/presentationml/2006/main">
   <p:cSld>
     <p:spTree>
@@ -7263,7 +9580,7 @@
 </p:sld>
 </file>
 
-<file path=ppt/slides/slide27.xml><?xml version="1.0" encoding="utf-8"?>
+<file path=ppt/slides/slide36.xml><?xml version="1.0" encoding="utf-8"?>
 <p:sld xmlns:a="http://schemas.openxmlformats.org/drawingml/2006/main" xmlns:r="http://schemas.openxmlformats.org/officeDocument/2006/relationships" xmlns:p="http://schemas.openxmlformats.org/presentationml/2006/main">
   <p:cSld>
     <p:spTree>
@@ -7485,7 +9802,7 @@
 </p:sld>
 </file>
 
-<file path=ppt/slides/slide28.xml><?xml version="1.0" encoding="utf-8"?>
+<file path=ppt/slides/slide37.xml><?xml version="1.0" encoding="utf-8"?>
 <p:sld xmlns:a="http://schemas.openxmlformats.org/drawingml/2006/main" xmlns:r="http://schemas.openxmlformats.org/officeDocument/2006/relationships" xmlns:p="http://schemas.openxmlformats.org/presentationml/2006/main">
   <p:cSld>
     <p:spTree>
@@ -8867,7 +11184,7 @@
 </p:sld>
 </file>
 
-<file path=ppt/slides/slide29.xml><?xml version="1.0" encoding="utf-8"?>
+<file path=ppt/slides/slide38.xml><?xml version="1.0" encoding="utf-8"?>
 <p:sld xmlns:a="http://schemas.openxmlformats.org/drawingml/2006/main" xmlns:r="http://schemas.openxmlformats.org/officeDocument/2006/relationships" xmlns:p="http://schemas.openxmlformats.org/presentationml/2006/main">
   <p:cSld>
     <p:spTree>
@@ -9028,136 +11345,7 @@
 </p:sld>
 </file>
 
-<file path=ppt/slides/slide3.xml><?xml version="1.0" encoding="utf-8"?>
-<p:sld xmlns:a="http://schemas.openxmlformats.org/drawingml/2006/main" xmlns:r="http://schemas.openxmlformats.org/officeDocument/2006/relationships" xmlns:p="http://schemas.openxmlformats.org/presentationml/2006/main">
-  <p:cSld>
-    <p:spTree>
-      <p:nvGrpSpPr>
-        <p:cNvPr id="1" name=""/>
-        <p:cNvGrpSpPr/>
-        <p:nvPr/>
-      </p:nvGrpSpPr>
-      <p:grpSpPr>
-        <a:xfrm>
-          <a:off x="0" y="0"/>
-          <a:ext cx="0" cy="0"/>
-          <a:chOff x="0" y="0"/>
-          <a:chExt cx="0" cy="0"/>
-        </a:xfrm>
-      </p:grpSpPr>
-      <p:sp>
-        <p:nvSpPr>
-          <p:cNvPr id="140" name="Shape 140"/>
-          <p:cNvSpPr>
-            <a:spLocks noGrp="1"/>
-          </p:cNvSpPr>
-          <p:nvPr>
-            <p:ph type="title"/>
-          </p:nvPr>
-        </p:nvSpPr>
-        <p:spPr>
-          <a:prstGeom prst="rect">
-            <a:avLst/>
-          </a:prstGeom>
-        </p:spPr>
-        <p:txBody>
-          <a:bodyPr/>
-          <a:lstStyle/>
-          <a:p>
-            <a:r>
-              <a:t>Course Info</a:t>
-            </a:r>
-          </a:p>
-        </p:txBody>
-      </p:sp>
-      <p:sp>
-        <p:nvSpPr>
-          <p:cNvPr id="141" name="Shape 141"/>
-          <p:cNvSpPr>
-            <a:spLocks noGrp="1"/>
-          </p:cNvSpPr>
-          <p:nvPr>
-            <p:ph type="body" idx="1"/>
-          </p:nvPr>
-        </p:nvSpPr>
-        <p:spPr>
-          <a:xfrm>
-            <a:off x="400049" y="2603500"/>
-            <a:ext cx="12163425" cy="6286500"/>
-          </a:xfrm>
-          <a:prstGeom prst="rect">
-            <a:avLst/>
-          </a:prstGeom>
-        </p:spPr>
-        <p:txBody>
-          <a:bodyPr/>
-          <a:lstStyle/>
-          <a:p>
-            <a:r>
-              <a:rPr dirty="0" smtClean="0"/>
-              <a:t>12 </a:t>
-            </a:r>
-            <a:r>
-              <a:rPr dirty="0"/>
-              <a:t>lessons, </a:t>
-            </a:r>
-            <a:r>
-              <a:rPr lang="en-US" dirty="0" smtClean="0"/>
-              <a:t>once </a:t>
-            </a:r>
-            <a:r>
-              <a:rPr dirty="0" smtClean="0"/>
-              <a:t>a weak</a:t>
-            </a:r>
-            <a:endParaRPr lang="en-US" dirty="0" smtClean="0"/>
-          </a:p>
-          <a:p>
-            <a:r>
-              <a:rPr lang="en-US" dirty="0" smtClean="0"/>
-              <a:t>Class 1-9: </a:t>
-            </a:r>
-            <a:r>
-              <a:rPr lang="en-US" i="1" dirty="0" smtClean="0"/>
-              <a:t>Foundation</a:t>
-            </a:r>
-            <a:r>
-              <a:rPr lang="en-US" dirty="0" smtClean="0"/>
-              <a:t>, algorithms and data structures that all of you will need to know if you are going to work as a developer/programmer/engineer/etc.</a:t>
-            </a:r>
-          </a:p>
-          <a:p>
-            <a:r>
-              <a:rPr lang="en-US" dirty="0" smtClean="0"/>
-              <a:t>Class 10-12: </a:t>
-            </a:r>
-            <a:r>
-              <a:rPr lang="en-US" i="1" dirty="0" smtClean="0"/>
-              <a:t>Advanced</a:t>
-            </a:r>
-            <a:r>
-              <a:rPr lang="en-US" dirty="0" smtClean="0"/>
-              <a:t>, interesting and important topics, but that not all of you will need in your daily jobs</a:t>
-            </a:r>
-          </a:p>
-          <a:p>
-            <a:r>
-              <a:rPr lang="en-US" dirty="0" smtClean="0"/>
-              <a:t>Check each week to see if changes in schedule (time and room)</a:t>
-            </a:r>
-            <a:endParaRPr dirty="0"/>
-          </a:p>
-        </p:txBody>
-      </p:sp>
-    </p:spTree>
-  </p:cSld>
-  <p:clrMapOvr>
-    <a:masterClrMapping/>
-  </p:clrMapOvr>
-  <p:transition spd="slow"/>
-</p:sld>
-</file>
-
-<file path=ppt/slides/slide30.xml><?xml version="1.0" encoding="utf-8"?>
+<file path=ppt/slides/slide39.xml><?xml version="1.0" encoding="utf-8"?>
 <p:sld xmlns:a="http://schemas.openxmlformats.org/drawingml/2006/main" xmlns:r="http://schemas.openxmlformats.org/officeDocument/2006/relationships" xmlns:p="http://schemas.openxmlformats.org/presentationml/2006/main">
   <p:cSld>
     <p:spTree>
@@ -9295,7 +11483,136 @@
 </p:sld>
 </file>
 
-<file path=ppt/slides/slide31.xml><?xml version="1.0" encoding="utf-8"?>
+<file path=ppt/slides/slide4.xml><?xml version="1.0" encoding="utf-8"?>
+<p:sld xmlns:a="http://schemas.openxmlformats.org/drawingml/2006/main" xmlns:r="http://schemas.openxmlformats.org/officeDocument/2006/relationships" xmlns:p="http://schemas.openxmlformats.org/presentationml/2006/main">
+  <p:cSld>
+    <p:spTree>
+      <p:nvGrpSpPr>
+        <p:cNvPr id="1" name=""/>
+        <p:cNvGrpSpPr/>
+        <p:nvPr/>
+      </p:nvGrpSpPr>
+      <p:grpSpPr>
+        <a:xfrm>
+          <a:off x="0" y="0"/>
+          <a:ext cx="0" cy="0"/>
+          <a:chOff x="0" y="0"/>
+          <a:chExt cx="0" cy="0"/>
+        </a:xfrm>
+      </p:grpSpPr>
+      <p:sp>
+        <p:nvSpPr>
+          <p:cNvPr id="140" name="Shape 140"/>
+          <p:cNvSpPr>
+            <a:spLocks noGrp="1"/>
+          </p:cNvSpPr>
+          <p:nvPr>
+            <p:ph type="title"/>
+          </p:nvPr>
+        </p:nvSpPr>
+        <p:spPr>
+          <a:prstGeom prst="rect">
+            <a:avLst/>
+          </a:prstGeom>
+        </p:spPr>
+        <p:txBody>
+          <a:bodyPr/>
+          <a:lstStyle/>
+          <a:p>
+            <a:r>
+              <a:t>Course Info</a:t>
+            </a:r>
+          </a:p>
+        </p:txBody>
+      </p:sp>
+      <p:sp>
+        <p:nvSpPr>
+          <p:cNvPr id="141" name="Shape 141"/>
+          <p:cNvSpPr>
+            <a:spLocks noGrp="1"/>
+          </p:cNvSpPr>
+          <p:nvPr>
+            <p:ph type="body" idx="1"/>
+          </p:nvPr>
+        </p:nvSpPr>
+        <p:spPr>
+          <a:xfrm>
+            <a:off x="400049" y="2603500"/>
+            <a:ext cx="12163425" cy="6286500"/>
+          </a:xfrm>
+          <a:prstGeom prst="rect">
+            <a:avLst/>
+          </a:prstGeom>
+        </p:spPr>
+        <p:txBody>
+          <a:bodyPr/>
+          <a:lstStyle/>
+          <a:p>
+            <a:r>
+              <a:rPr dirty="0" smtClean="0"/>
+              <a:t>12 </a:t>
+            </a:r>
+            <a:r>
+              <a:rPr dirty="0"/>
+              <a:t>lessons, </a:t>
+            </a:r>
+            <a:r>
+              <a:rPr lang="en-US" dirty="0" smtClean="0"/>
+              <a:t>once </a:t>
+            </a:r>
+            <a:r>
+              <a:rPr dirty="0" smtClean="0"/>
+              <a:t>a weak</a:t>
+            </a:r>
+            <a:endParaRPr lang="en-US" dirty="0" smtClean="0"/>
+          </a:p>
+          <a:p>
+            <a:r>
+              <a:rPr lang="en-US" dirty="0" smtClean="0"/>
+              <a:t>Class 1-9: </a:t>
+            </a:r>
+            <a:r>
+              <a:rPr lang="en-US" i="1" dirty="0" smtClean="0"/>
+              <a:t>Foundation</a:t>
+            </a:r>
+            <a:r>
+              <a:rPr lang="en-US" dirty="0" smtClean="0"/>
+              <a:t>, algorithms and data structures that all of you will need to know if you are going to work as a developer/programmer/engineer/etc.</a:t>
+            </a:r>
+          </a:p>
+          <a:p>
+            <a:r>
+              <a:rPr lang="en-US" dirty="0" smtClean="0"/>
+              <a:t>Class 10-12: </a:t>
+            </a:r>
+            <a:r>
+              <a:rPr lang="en-US" i="1" dirty="0" smtClean="0"/>
+              <a:t>Advanced</a:t>
+            </a:r>
+            <a:r>
+              <a:rPr lang="en-US" dirty="0" smtClean="0"/>
+              <a:t>, interesting and important topics, but that not all of you will need in your daily jobs</a:t>
+            </a:r>
+          </a:p>
+          <a:p>
+            <a:r>
+              <a:rPr lang="en-US" dirty="0" smtClean="0"/>
+              <a:t>Check each week to see if changes in schedule (time and room)</a:t>
+            </a:r>
+            <a:endParaRPr dirty="0"/>
+          </a:p>
+        </p:txBody>
+      </p:sp>
+    </p:spTree>
+  </p:cSld>
+  <p:clrMapOvr>
+    <a:masterClrMapping/>
+  </p:clrMapOvr>
+  <p:transition spd="slow"/>
+</p:sld>
+</file>
+
+<file path=ppt/slides/slide40.xml><?xml version="1.0" encoding="utf-8"?>
 <p:sld xmlns:a="http://schemas.openxmlformats.org/drawingml/2006/main" xmlns:r="http://schemas.openxmlformats.org/officeDocument/2006/relationships" xmlns:p="http://schemas.openxmlformats.org/presentationml/2006/main">
   <p:cSld>
     <p:spTree>
@@ -9423,7 +11740,7 @@
 </p:sld>
 </file>
 
-<file path=ppt/slides/slide32.xml><?xml version="1.0" encoding="utf-8"?>
+<file path=ppt/slides/slide41.xml><?xml version="1.0" encoding="utf-8"?>
 <p:sld xmlns:a="http://schemas.openxmlformats.org/drawingml/2006/main" xmlns:r="http://schemas.openxmlformats.org/officeDocument/2006/relationships" xmlns:p="http://schemas.openxmlformats.org/presentationml/2006/main">
   <p:cSld>
     <p:spTree>
@@ -9534,7 +11851,7 @@
 </p:sld>
 </file>
 
-<file path=ppt/slides/slide4.xml><?xml version="1.0" encoding="utf-8"?>
+<file path=ppt/slides/slide5.xml><?xml version="1.0" encoding="utf-8"?>
 <p:sld xmlns:a="http://schemas.openxmlformats.org/drawingml/2006/main" xmlns:r="http://schemas.openxmlformats.org/officeDocument/2006/relationships" xmlns:p="http://schemas.openxmlformats.org/presentationml/2006/main">
   <p:cSld>
     <p:spTree>
@@ -9629,8 +11946,9 @@
             </a:pPr>
             <a:r>
               <a:rPr lang="en-US" dirty="0" smtClean="0"/>
-              <a:t>Stack/Queue</a:t>
-            </a:r>
+              <a:t>Stacks/Queues</a:t>
+            </a:r>
+            <a:endParaRPr lang="en-US" dirty="0" smtClean="0"/>
           </a:p>
           <a:p>
             <a:pPr marL="742950" indent="-742950">
@@ -9746,7 +12064,7 @@
           </a:ln>
           <a:extLst>
             <a:ext uri="{C572A759-6A51-4108-AA02-DFA0A04FC94B}">
-              <ma14:wrappingTextBoxFlag xmlns="" xmlns:ma14="http://schemas.microsoft.com/office/mac/drawingml/2011/main" val="1"/>
+              <ma14:wrappingTextBoxFlag xmlns:ma14="http://schemas.microsoft.com/office/mac/drawingml/2011/main" xmlns="" val="1"/>
             </a:ext>
           </a:extLst>
         </p:spPr>
@@ -10083,7 +12401,7 @@
           </a:ln>
           <a:extLst>
             <a:ext uri="{C572A759-6A51-4108-AA02-DFA0A04FC94B}">
-              <ma14:wrappingTextBoxFlag xmlns="" xmlns:ma14="http://schemas.microsoft.com/office/mac/drawingml/2011/main" val="1"/>
+              <ma14:wrappingTextBoxFlag xmlns:ma14="http://schemas.microsoft.com/office/mac/drawingml/2011/main" xmlns="" val="1"/>
             </a:ext>
           </a:extLst>
         </p:spPr>
@@ -10373,7 +12691,7 @@
 </p:sld>
 </file>
 
-<file path=ppt/slides/slide5.xml><?xml version="1.0" encoding="utf-8"?>
+<file path=ppt/slides/slide6.xml><?xml version="1.0" encoding="utf-8"?>
 <p:sld xmlns:a="http://schemas.openxmlformats.org/drawingml/2006/main" xmlns:r="http://schemas.openxmlformats.org/officeDocument/2006/relationships" xmlns:p="http://schemas.openxmlformats.org/presentationml/2006/main">
   <p:cSld>
     <p:spTree>
@@ -10478,7 +12796,7 @@
 </p:sld>
 </file>
 
-<file path=ppt/slides/slide6.xml><?xml version="1.0" encoding="utf-8"?>
+<file path=ppt/slides/slide7.xml><?xml version="1.0" encoding="utf-8"?>
 <p:sld xmlns:a="http://schemas.openxmlformats.org/drawingml/2006/main" xmlns:r="http://schemas.openxmlformats.org/officeDocument/2006/relationships" xmlns:p="http://schemas.openxmlformats.org/presentationml/2006/main">
   <p:cSld>
     <p:spTree>
@@ -10656,7 +12974,7 @@
 </p:sld>
 </file>
 
-<file path=ppt/slides/slide7.xml><?xml version="1.0" encoding="utf-8"?>
+<file path=ppt/slides/slide8.xml><?xml version="1.0" encoding="utf-8"?>
 <p:sld xmlns:a="http://schemas.openxmlformats.org/drawingml/2006/main" xmlns:r="http://schemas.openxmlformats.org/officeDocument/2006/relationships" xmlns:p="http://schemas.openxmlformats.org/presentationml/2006/main">
   <p:cSld>
     <p:spTree>
@@ -10736,22 +13054,16 @@
           <a:lstStyle/>
           <a:p>
             <a:r>
-              <a:rPr lang="en-US" u="sng" dirty="0">
+              <a:rPr lang="en-US" dirty="0">
                 <a:hlinkClick r:id="rId2"/>
               </a:rPr>
-              <a:t>https://</a:t>
-            </a:r>
-            <a:r>
-              <a:rPr lang="en-US" u="sng" dirty="0" smtClean="0">
-                <a:hlinkClick r:id="rId2"/>
-              </a:rPr>
-              <a:t>github.com/arcuri82/pg4200</a:t>
-            </a:r>
-            <a:endParaRPr lang="en-US" u="sng" dirty="0" smtClean="0"/>
-          </a:p>
-          <a:p>
-            <a:r>
-              <a:rPr lang="en-US" dirty="0"/>
+              <a:t>https://github.com/arcuri82/algorithms</a:t>
+            </a:r>
+            <a:endParaRPr lang="en-US" dirty="0" smtClean="0"/>
+          </a:p>
+          <a:p>
+            <a:r>
+              <a:rPr lang="en-US" dirty="0" smtClean="0"/>
               <a:t>N</a:t>
             </a:r>
             <a:r>
@@ -10799,7 +13111,23 @@
             </a:r>
             <a:r>
               <a:rPr lang="en-US" dirty="0" smtClean="0"/>
-              <a:t> “rebase” or “stash” before pulling (which otherwise might fail)</a:t>
+              <a:t> “</a:t>
+            </a:r>
+            <a:r>
+              <a:rPr lang="en-US" i="1" dirty="0" smtClean="0"/>
+              <a:t>rebase</a:t>
+            </a:r>
+            <a:r>
+              <a:rPr lang="en-US" dirty="0" smtClean="0"/>
+              <a:t>” or “</a:t>
+            </a:r>
+            <a:r>
+              <a:rPr lang="en-US" i="1" dirty="0" smtClean="0"/>
+              <a:t>stash</a:t>
+            </a:r>
+            <a:r>
+              <a:rPr lang="en-US" dirty="0" smtClean="0"/>
+              <a:t>” before pulling (which otherwise might fail)</a:t>
             </a:r>
             <a:endParaRPr dirty="0"/>
           </a:p>
@@ -10811,141 +13139,6 @@
     <a:masterClrMapping/>
   </p:clrMapOvr>
   <p:transition spd="slow"/>
-</p:sld>
-</file>
-
-<file path=ppt/slides/slide8.xml><?xml version="1.0" encoding="utf-8"?>
-<p:sld xmlns:a="http://schemas.openxmlformats.org/drawingml/2006/main" xmlns:r="http://schemas.openxmlformats.org/officeDocument/2006/relationships" xmlns:p="http://schemas.openxmlformats.org/presentationml/2006/main">
-  <p:cSld>
-    <p:spTree>
-      <p:nvGrpSpPr>
-        <p:cNvPr id="1" name=""/>
-        <p:cNvGrpSpPr/>
-        <p:nvPr/>
-      </p:nvGrpSpPr>
-      <p:grpSpPr>
-        <a:xfrm>
-          <a:off x="0" y="0"/>
-          <a:ext cx="0" cy="0"/>
-          <a:chOff x="0" y="0"/>
-          <a:chExt cx="0" cy="0"/>
-        </a:xfrm>
-      </p:grpSpPr>
-      <p:sp>
-        <p:nvSpPr>
-          <p:cNvPr id="2" name="Title 1"/>
-          <p:cNvSpPr>
-            <a:spLocks noGrp="1"/>
-          </p:cNvSpPr>
-          <p:nvPr>
-            <p:ph type="title"/>
-          </p:nvPr>
-        </p:nvSpPr>
-        <p:spPr>
-          <a:xfrm>
-            <a:off x="340963" y="444500"/>
-            <a:ext cx="12290156" cy="2159000"/>
-          </a:xfrm>
-        </p:spPr>
-        <p:txBody>
-          <a:bodyPr>
-            <a:normAutofit/>
-          </a:bodyPr>
-          <a:lstStyle/>
-          <a:p>
-            <a:r>
-              <a:rPr lang="en-US" smtClean="0"/>
-              <a:t>Why Studying Algorithms?</a:t>
-            </a:r>
-            <a:endParaRPr lang="en-US" dirty="0"/>
-          </a:p>
-        </p:txBody>
-      </p:sp>
-      <p:sp>
-        <p:nvSpPr>
-          <p:cNvPr id="3" name="Text Placeholder 2"/>
-          <p:cNvSpPr>
-            <a:spLocks noGrp="1"/>
-          </p:cNvSpPr>
-          <p:nvPr>
-            <p:ph type="body" idx="1"/>
-          </p:nvPr>
-        </p:nvSpPr>
-        <p:spPr>
-          <a:xfrm>
-            <a:off x="340963" y="2603500"/>
-            <a:ext cx="12290156" cy="6286500"/>
-          </a:xfrm>
-        </p:spPr>
-        <p:txBody>
-          <a:bodyPr/>
-          <a:lstStyle/>
-          <a:p>
-            <a:r>
-              <a:rPr lang="en-US" dirty="0" smtClean="0"/>
-              <a:t>Algorithms and data structures are the foundation of programming</a:t>
-            </a:r>
-          </a:p>
-          <a:p>
-            <a:pPr lvl="1"/>
-            <a:r>
-              <a:rPr lang="en-US" dirty="0" err="1"/>
-              <a:t>i</a:t>
-            </a:r>
-            <a:r>
-              <a:rPr lang="en-US" dirty="0" err="1" smtClean="0"/>
-              <a:t>e</a:t>
-            </a:r>
-            <a:r>
-              <a:rPr lang="en-US" dirty="0" smtClean="0"/>
-              <a:t>, the base building blocks</a:t>
-            </a:r>
-          </a:p>
-          <a:p>
-            <a:r>
-              <a:rPr lang="en-US" dirty="0" smtClean="0"/>
-              <a:t>Impact on all fields of engineering and science</a:t>
-            </a:r>
-          </a:p>
-          <a:p>
-            <a:pPr lvl="1"/>
-            <a:r>
-              <a:rPr lang="en-US" dirty="0"/>
-              <a:t>i</a:t>
-            </a:r>
-            <a:r>
-              <a:rPr lang="en-US" dirty="0" smtClean="0"/>
-              <a:t>nternet, computer graphics, social networks, biology, physics, etc. </a:t>
-            </a:r>
-          </a:p>
-          <a:p>
-            <a:r>
-              <a:rPr lang="en-US" dirty="0" smtClean="0"/>
-              <a:t>In this course, we will not build whole applications (</a:t>
-            </a:r>
-            <a:r>
-              <a:rPr lang="en-US" dirty="0" err="1" smtClean="0"/>
-              <a:t>eg</a:t>
-            </a:r>
-            <a:r>
-              <a:rPr lang="en-US" dirty="0" smtClean="0"/>
-              <a:t>, web or mobile), but rather concentrate on the building blocks to enable it in the next courses</a:t>
-            </a:r>
-            <a:endParaRPr lang="en-US" dirty="0"/>
-          </a:p>
-        </p:txBody>
-      </p:sp>
-    </p:spTree>
-    <p:extLst>
-      <p:ext uri="{BB962C8B-B14F-4D97-AF65-F5344CB8AC3E}">
-        <p14:creationId xmlns:p14="http://schemas.microsoft.com/office/powerpoint/2010/main" val="3467364333"/>
-      </p:ext>
-    </p:extLst>
-  </p:cSld>
-  <p:clrMapOvr>
-    <a:masterClrMapping/>
-  </p:clrMapOvr>
-  <p:transition spd="med"/>
 </p:sld>
 </file>
 
@@ -10976,14 +13169,21 @@
             <p:ph type="title"/>
           </p:nvPr>
         </p:nvSpPr>
-        <p:spPr/>
+        <p:spPr>
+          <a:xfrm>
+            <a:off x="952500" y="444500"/>
+            <a:ext cx="11099800" cy="1150970"/>
+          </a:xfrm>
+        </p:spPr>
         <p:txBody>
-          <a:bodyPr/>
+          <a:bodyPr>
+            <a:normAutofit fontScale="90000"/>
+          </a:bodyPr>
           <a:lstStyle/>
           <a:p>
             <a:r>
-              <a:rPr lang="en-US" dirty="0" smtClean="0"/>
-              <a:t>Like it or not…</a:t>
+              <a:rPr lang="en-US" dirty="0" err="1" smtClean="0"/>
+              <a:t>Git</a:t>
             </a:r>
             <a:endParaRPr lang="en-US" dirty="0"/>
           </a:p>
@@ -10991,77 +13191,124 @@
       </p:sp>
       <p:sp>
         <p:nvSpPr>
-          <p:cNvPr id="3" name="Text Placeholder 2"/>
+          <p:cNvPr id="3" name="Content Placeholder 2"/>
           <p:cNvSpPr>
             <a:spLocks noGrp="1"/>
           </p:cNvSpPr>
           <p:nvPr>
-            <p:ph type="body" idx="1"/>
+            <p:ph idx="1"/>
           </p:nvPr>
         </p:nvSpPr>
         <p:spPr>
           <a:xfrm>
-            <a:off x="952500" y="3089275"/>
-            <a:ext cx="11099800" cy="5826125"/>
+            <a:off x="294877" y="2081049"/>
+            <a:ext cx="12588704" cy="7561142"/>
           </a:xfrm>
         </p:spPr>
         <p:txBody>
           <a:bodyPr>
-            <a:normAutofit/>
+            <a:noAutofit/>
           </a:bodyPr>
           <a:lstStyle/>
           <a:p>
-            <a:endParaRPr lang="en-US" dirty="0" smtClean="0"/>
-          </a:p>
-          <a:p>
-            <a:r>
-              <a:rPr lang="en-US" dirty="0" smtClean="0"/>
-              <a:t>… used in practically most programs you will write</a:t>
-            </a:r>
-          </a:p>
-          <a:p>
-            <a:r>
-              <a:rPr lang="en-US" dirty="0" smtClean="0"/>
-              <a:t>… algorithms and data structures are very common exercises in job interviews</a:t>
-            </a:r>
-          </a:p>
-          <a:p>
-            <a:pPr lvl="1"/>
-            <a:r>
-              <a:rPr lang="en-US" dirty="0" smtClean="0"/>
-              <a:t>Especially for juniors straight out of university </a:t>
-            </a:r>
-          </a:p>
-          <a:p>
-            <a:pPr lvl="1"/>
-            <a:r>
-              <a:rPr lang="en-US" dirty="0" smtClean="0"/>
-              <a:t>Don’t be surprised to be asked to write a stack or a queue class on a whiteboard…</a:t>
-            </a:r>
-          </a:p>
-          <a:p>
-            <a:pPr lvl="1"/>
-            <a:r>
-              <a:rPr lang="en-US" dirty="0" smtClean="0"/>
-              <a:t>… or other advanced algorithms</a:t>
-            </a:r>
-          </a:p>
-          <a:p>
-            <a:endParaRPr lang="en-US" dirty="0"/>
+            <a:r>
+              <a:rPr lang="en-US" sz="3200" i="1" dirty="0" err="1" smtClean="0"/>
+              <a:t>Git</a:t>
+            </a:r>
+            <a:r>
+              <a:rPr lang="en-US" sz="3200" dirty="0" smtClean="0"/>
+              <a:t> is a tool to share code among different developers in the same project</a:t>
+            </a:r>
+          </a:p>
+          <a:p>
+            <a:r>
+              <a:rPr lang="en-US" sz="3200" dirty="0" smtClean="0"/>
+              <a:t>Also useful for single developers to keep track of changes, and automatically have backups on remote servers</a:t>
+            </a:r>
+          </a:p>
+          <a:p>
+            <a:r>
+              <a:rPr lang="en-US" sz="3200" dirty="0" smtClean="0"/>
+              <a:t>You </a:t>
+            </a:r>
+            <a:r>
+              <a:rPr lang="en-US" sz="3200" dirty="0" smtClean="0"/>
+              <a:t>should have already seen </a:t>
+            </a:r>
+            <a:r>
+              <a:rPr lang="en-US" sz="3200" dirty="0" smtClean="0"/>
+              <a:t>the details of </a:t>
+            </a:r>
+            <a:r>
+              <a:rPr lang="en-US" sz="3200" i="1" dirty="0" err="1" smtClean="0"/>
+              <a:t>Git</a:t>
+            </a:r>
+            <a:r>
+              <a:rPr lang="en-US" sz="3200" dirty="0" smtClean="0"/>
+              <a:t> in other courses…</a:t>
+            </a:r>
+          </a:p>
+          <a:p>
+            <a:r>
+              <a:rPr lang="en-US" sz="3200" dirty="0" smtClean="0"/>
+              <a:t>… but I am using </a:t>
+            </a:r>
+            <a:r>
+              <a:rPr lang="en-US" sz="3200" i="1" dirty="0" err="1" smtClean="0"/>
+              <a:t>Git</a:t>
+            </a:r>
+            <a:r>
+              <a:rPr lang="en-US" sz="3200" dirty="0" smtClean="0"/>
+              <a:t> to handle </a:t>
+            </a:r>
+            <a:r>
+              <a:rPr lang="en-US" sz="3200" dirty="0" smtClean="0"/>
+              <a:t>all the teaching material in this course</a:t>
+            </a:r>
+          </a:p>
+          <a:p>
+            <a:r>
+              <a:rPr lang="en-US" sz="3200" dirty="0" smtClean="0"/>
+              <a:t>Note</a:t>
+            </a:r>
+            <a:r>
+              <a:rPr lang="en-US" sz="3200" dirty="0" smtClean="0"/>
+              <a:t>: usage of </a:t>
+            </a:r>
+            <a:r>
+              <a:rPr lang="en-US" sz="3200" i="1" dirty="0" err="1" smtClean="0"/>
+              <a:t>Git</a:t>
+            </a:r>
+            <a:r>
+              <a:rPr lang="en-US" sz="3200" dirty="0" smtClean="0"/>
+              <a:t> will </a:t>
+            </a:r>
+            <a:r>
+              <a:rPr lang="en-US" sz="3200" b="1" dirty="0" smtClean="0"/>
+              <a:t>NOT</a:t>
+            </a:r>
+            <a:r>
+              <a:rPr lang="en-US" sz="3200" dirty="0" smtClean="0"/>
+              <a:t> be part of the exam</a:t>
+            </a:r>
+            <a:r>
+              <a:rPr lang="en-US" sz="3200" dirty="0" smtClean="0"/>
+              <a:t>…</a:t>
+            </a:r>
+            <a:endParaRPr lang="en-US" sz="3200" dirty="0" smtClean="0"/>
           </a:p>
         </p:txBody>
       </p:sp>
     </p:spTree>
     <p:extLst>
       <p:ext uri="{BB962C8B-B14F-4D97-AF65-F5344CB8AC3E}">
-        <p14:creationId xmlns:p14="http://schemas.microsoft.com/office/powerpoint/2010/main" val="3130260091"/>
+        <p14:creationId xmlns:p14="http://schemas.microsoft.com/office/powerpoint/2010/main" val="209493879"/>
       </p:ext>
     </p:extLst>
   </p:cSld>
   <p:clrMapOvr>
     <a:masterClrMapping/>
   </p:clrMapOvr>
-  <p:transition spd="med"/>
 </p:sld>
 </file>
 

--- a/docs/slides/01/01_intro.pptx
+++ b/docs/slides/01/01_intro.pptx
@@ -5,7 +5,7 @@
     <p:sldMasterId id="2147483648" r:id="rId1"/>
   </p:sldMasterIdLst>
   <p:notesMasterIdLst>
-    <p:notesMasterId r:id="rId43"/>
+    <p:notesMasterId r:id="rId45"/>
   </p:notesMasterIdLst>
   <p:sldIdLst>
     <p:sldId id="287" r:id="rId2"/>
@@ -37,18 +37,20 @@
     <p:sldId id="292" r:id="rId28"/>
     <p:sldId id="295" r:id="rId29"/>
     <p:sldId id="305" r:id="rId30"/>
-    <p:sldId id="296" r:id="rId31"/>
-    <p:sldId id="293" r:id="rId32"/>
-    <p:sldId id="291" r:id="rId33"/>
-    <p:sldId id="297" r:id="rId34"/>
-    <p:sldId id="298" r:id="rId35"/>
-    <p:sldId id="299" r:id="rId36"/>
-    <p:sldId id="301" r:id="rId37"/>
-    <p:sldId id="302" r:id="rId38"/>
-    <p:sldId id="300" r:id="rId39"/>
-    <p:sldId id="303" r:id="rId40"/>
+    <p:sldId id="317" r:id="rId31"/>
+    <p:sldId id="296" r:id="rId32"/>
+    <p:sldId id="293" r:id="rId33"/>
+    <p:sldId id="291" r:id="rId34"/>
+    <p:sldId id="297" r:id="rId35"/>
+    <p:sldId id="298" r:id="rId36"/>
+    <p:sldId id="299" r:id="rId37"/>
+    <p:sldId id="301" r:id="rId38"/>
+    <p:sldId id="302" r:id="rId39"/>
+    <p:sldId id="300" r:id="rId40"/>
     <p:sldId id="304" r:id="rId41"/>
-    <p:sldId id="294" r:id="rId42"/>
+    <p:sldId id="303" r:id="rId42"/>
+    <p:sldId id="318" r:id="rId43"/>
+    <p:sldId id="294" r:id="rId44"/>
   </p:sldIdLst>
   <p:sldSz cx="13004800" cy="9753600"/>
   <p:notesSz cx="6858000" cy="9144000"/>
@@ -2504,7 +2506,7 @@
           </a:ln>
           <a:extLst>
             <a:ext uri="{C572A759-6A51-4108-AA02-DFA0A04FC94B}">
-              <ma14:wrappingTextBoxFlag xmlns:ma14="http://schemas.microsoft.com/office/mac/drawingml/2011/main" xmlns="" val="1"/>
+              <ma14:wrappingTextBoxFlag xmlns="" xmlns:ma14="http://schemas.microsoft.com/office/mac/drawingml/2011/main" val="1"/>
             </a:ext>
           </a:extLst>
         </p:spPr>
@@ -2543,7 +2545,7 @@
           </a:ln>
           <a:extLst>
             <a:ext uri="{C572A759-6A51-4108-AA02-DFA0A04FC94B}">
-              <ma14:wrappingTextBoxFlag xmlns:ma14="http://schemas.microsoft.com/office/mac/drawingml/2011/main" xmlns="" val="1"/>
+              <ma14:wrappingTextBoxFlag xmlns="" xmlns:ma14="http://schemas.microsoft.com/office/mac/drawingml/2011/main" val="1"/>
             </a:ext>
           </a:extLst>
         </p:spPr>
@@ -3465,12 +3467,12 @@
         <p:spPr>
           <a:xfrm>
             <a:off x="433953" y="294468"/>
-            <a:ext cx="12274657" cy="4645832"/>
+            <a:ext cx="12274657" cy="6585604"/>
           </a:xfrm>
         </p:spPr>
         <p:txBody>
           <a:bodyPr>
-            <a:normAutofit fontScale="90000"/>
+            <a:normAutofit/>
           </a:bodyPr>
           <a:lstStyle/>
           <a:p>
@@ -3491,7 +3493,11 @@
             </a:br>
             <a:r>
               <a:rPr lang="en-US" dirty="0" smtClean="0"/>
-              <a:t>Lesson 01: Introduction</a:t>
+              <a:t>Lesson 01</a:t>
+            </a:r>
+            <a:r>
+              <a:rPr lang="en-US" dirty="0" smtClean="0"/>
+              <a:t>: Arrays, Lists, and Unit Tests </a:t>
             </a:r>
             <a:endParaRPr lang="en-US" dirty="0"/>
           </a:p>
@@ -3520,15 +3526,7 @@
             <a:pPr algn="r"/>
             <a:r>
               <a:rPr lang="en-US" dirty="0" smtClean="0"/>
-              <a:t>Prof</a:t>
-            </a:r>
-            <a:r>
-              <a:rPr lang="en-US" dirty="0" smtClean="0"/>
-              <a:t>. </a:t>
-            </a:r>
-            <a:r>
-              <a:rPr lang="en-US" dirty="0" smtClean="0"/>
-              <a:t>Andrea Arcuri</a:t>
+              <a:t>Prof. Andrea Arcuri</a:t>
             </a:r>
             <a:endParaRPr lang="en-US" dirty="0"/>
           </a:p>
@@ -4899,7 +4897,7 @@
           </a:ln>
           <a:extLst>
             <a:ext uri="{C572A759-6A51-4108-AA02-DFA0A04FC94B}">
-              <ma14:wrappingTextBoxFlag xmlns="" xmlns:ma14="http://schemas.microsoft.com/office/mac/drawingml/2011/main" val="1"/>
+              <ma14:wrappingTextBoxFlag xmlns:ma14="http://schemas.microsoft.com/office/mac/drawingml/2011/main" xmlns="" val="1"/>
             </a:ext>
           </a:extLst>
         </p:spPr>
@@ -5709,11 +5707,7 @@
             <a:pPr lvl="1"/>
             <a:r>
               <a:rPr lang="en-US" dirty="0" smtClean="0"/>
-              <a:t>Based on slides and all code in the </a:t>
-            </a:r>
-            <a:r>
-              <a:rPr lang="en-US" dirty="0" smtClean="0"/>
-              <a:t>repository</a:t>
+              <a:t>Based on slides and all code in the repository</a:t>
             </a:r>
           </a:p>
           <a:p>
@@ -5722,7 +5716,6 @@
               <a:rPr lang="en-US" dirty="0" smtClean="0"/>
               <a:t>Typically only 1 question from the Advanced Topics</a:t>
             </a:r>
-            <a:endParaRPr lang="en-US" dirty="0" smtClean="0"/>
           </a:p>
           <a:p>
             <a:pPr lvl="1"/>
@@ -5877,8 +5870,8 @@
           <a:p>
             <a:pPr lvl="1"/>
             <a:r>
-              <a:rPr lang="en-US" i="1" dirty="0" err="1" smtClean="0"/>
-              <a:t>MyListStringContainer</a:t>
+              <a:rPr lang="en-US" i="1" dirty="0" err="1"/>
+              <a:t>MyLinkedList</a:t>
             </a:r>
             <a:r>
               <a:rPr lang="en-US" i="1" dirty="0"/>
@@ -6657,7 +6650,57 @@
             </a:r>
             <a:r>
               <a:rPr lang="en-US" dirty="0" smtClean="0"/>
-              <a:t> with different properties  </a:t>
+              <a:t> with different </a:t>
+            </a:r>
+            <a:r>
+              <a:rPr lang="en-US" dirty="0" smtClean="0"/>
+              <a:t>properties</a:t>
+            </a:r>
+          </a:p>
+          <a:p>
+            <a:r>
+              <a:rPr lang="en-US" dirty="0" smtClean="0"/>
+              <a:t>In this course, we will see </a:t>
+            </a:r>
+            <a:r>
+              <a:rPr lang="en-US" b="1" dirty="0" smtClean="0"/>
+              <a:t>Arrays</a:t>
+            </a:r>
+            <a:r>
+              <a:rPr lang="en-US" dirty="0" smtClean="0"/>
+              <a:t>, </a:t>
+            </a:r>
+            <a:r>
+              <a:rPr lang="en-US" b="1" dirty="0" smtClean="0"/>
+              <a:t>Lists</a:t>
+            </a:r>
+            <a:r>
+              <a:rPr lang="en-US" dirty="0" smtClean="0"/>
+              <a:t>, </a:t>
+            </a:r>
+            <a:r>
+              <a:rPr lang="en-US" b="1" dirty="0" smtClean="0"/>
+              <a:t>Maps</a:t>
+            </a:r>
+            <a:r>
+              <a:rPr lang="en-US" dirty="0" smtClean="0"/>
+              <a:t>, </a:t>
+            </a:r>
+            <a:r>
+              <a:rPr lang="en-US" b="1" dirty="0" smtClean="0"/>
+              <a:t>Sets</a:t>
+            </a:r>
+            <a:r>
+              <a:rPr lang="en-US" dirty="0" smtClean="0"/>
+              <a:t> and </a:t>
+            </a:r>
+            <a:r>
+              <a:rPr lang="en-US" b="1" dirty="0" smtClean="0"/>
+              <a:t>Graphs</a:t>
+            </a:r>
+            <a:r>
+              <a:rPr lang="en-US" dirty="0" smtClean="0"/>
+              <a:t>  </a:t>
             </a:r>
             <a:endParaRPr lang="en-US" dirty="0"/>
           </a:p>
@@ -7374,7 +7417,11 @@
           <a:p>
             <a:r>
               <a:rPr lang="en-US" dirty="0" smtClean="0"/>
-              <a:t>Conceptually like arrays, but no fixed size</a:t>
+              <a:t>Conceptually like arrays, but </a:t>
+            </a:r>
+            <a:r>
+              <a:rPr lang="en-US" i="1" dirty="0" smtClean="0"/>
+              <a:t>no fixed size</a:t>
             </a:r>
           </a:p>
           <a:p>
@@ -7401,7 +7448,15 @@
           <a:p>
             <a:r>
               <a:rPr lang="en-US" dirty="0" smtClean="0"/>
-              <a:t>2 main ways to “implement” them</a:t>
+              <a:t>2 main ways to “</a:t>
+            </a:r>
+            <a:r>
+              <a:rPr lang="en-US" i="1" dirty="0" smtClean="0"/>
+              <a:t>implement</a:t>
+            </a:r>
+            <a:r>
+              <a:rPr lang="en-US" dirty="0" smtClean="0"/>
+              <a:t>” them</a:t>
             </a:r>
           </a:p>
           <a:p>
@@ -7595,6 +7650,79 @@
 </file>
 
 <file path=ppt/slides/slide30.xml><?xml version="1.0" encoding="utf-8"?>
+<p:sld xmlns:a="http://schemas.openxmlformats.org/drawingml/2006/main" xmlns:r="http://schemas.openxmlformats.org/officeDocument/2006/relationships" xmlns:p="http://schemas.openxmlformats.org/presentationml/2006/main">
+  <p:cSld>
+    <p:spTree>
+      <p:nvGrpSpPr>
+        <p:cNvPr id="1" name=""/>
+        <p:cNvGrpSpPr/>
+        <p:nvPr/>
+      </p:nvGrpSpPr>
+      <p:grpSpPr>
+        <a:xfrm>
+          <a:off x="0" y="0"/>
+          <a:ext cx="0" cy="0"/>
+          <a:chOff x="0" y="0"/>
+          <a:chExt cx="0" cy="0"/>
+        </a:xfrm>
+      </p:grpSpPr>
+      <p:sp>
+        <p:nvSpPr>
+          <p:cNvPr id="2" name="Title 1"/>
+          <p:cNvSpPr>
+            <a:spLocks noGrp="1"/>
+          </p:cNvSpPr>
+          <p:nvPr>
+            <p:ph type="title"/>
+          </p:nvPr>
+        </p:nvSpPr>
+        <p:spPr/>
+        <p:txBody>
+          <a:bodyPr/>
+          <a:lstStyle/>
+          <a:p>
+            <a:r>
+              <a:rPr lang="en-US" dirty="0" smtClean="0"/>
+              <a:t>TODO</a:t>
+            </a:r>
+            <a:endParaRPr lang="en-US" dirty="0"/>
+          </a:p>
+        </p:txBody>
+      </p:sp>
+      <p:sp>
+        <p:nvSpPr>
+          <p:cNvPr id="3" name="Text Placeholder 2"/>
+          <p:cNvSpPr>
+            <a:spLocks noGrp="1"/>
+          </p:cNvSpPr>
+          <p:nvPr>
+            <p:ph type="body" idx="1"/>
+          </p:nvPr>
+        </p:nvSpPr>
+        <p:spPr/>
+        <p:txBody>
+          <a:bodyPr/>
+          <a:lstStyle/>
+          <a:p>
+            <a:endParaRPr lang="en-US"/>
+          </a:p>
+        </p:txBody>
+      </p:sp>
+    </p:spTree>
+    <p:extLst>
+      <p:ext uri="{BB962C8B-B14F-4D97-AF65-F5344CB8AC3E}">
+        <p14:creationId xmlns:p14="http://schemas.microsoft.com/office/powerpoint/2010/main" val="3513745660"/>
+      </p:ext>
+    </p:extLst>
+  </p:cSld>
+  <p:clrMapOvr>
+    <a:masterClrMapping/>
+  </p:clrMapOvr>
+  <p:transition spd="med"/>
+</p:sld>
+</file>
+
+<file path=ppt/slides/slide31.xml><?xml version="1.0" encoding="utf-8"?>
 <p:sld xmlns:a="http://schemas.openxmlformats.org/drawingml/2006/main" xmlns:r="http://schemas.openxmlformats.org/officeDocument/2006/relationships" xmlns:p="http://schemas.openxmlformats.org/presentationml/2006/main">
   <p:cSld>
     <p:spTree>
@@ -8373,60 +8501,6 @@
 </p:sld>
 </file>
 
-<file path=ppt/slides/slide31.xml><?xml version="1.0" encoding="utf-8"?>
-<p:sld xmlns:a="http://schemas.openxmlformats.org/drawingml/2006/main" xmlns:r="http://schemas.openxmlformats.org/officeDocument/2006/relationships" xmlns:p="http://schemas.openxmlformats.org/presentationml/2006/main">
-  <p:cSld>
-    <p:spTree>
-      <p:nvGrpSpPr>
-        <p:cNvPr id="1" name=""/>
-        <p:cNvGrpSpPr/>
-        <p:nvPr/>
-      </p:nvGrpSpPr>
-      <p:grpSpPr>
-        <a:xfrm>
-          <a:off x="0" y="0"/>
-          <a:ext cx="0" cy="0"/>
-          <a:chOff x="0" y="0"/>
-          <a:chExt cx="0" cy="0"/>
-        </a:xfrm>
-      </p:grpSpPr>
-      <p:sp>
-        <p:nvSpPr>
-          <p:cNvPr id="2" name="Title 1"/>
-          <p:cNvSpPr>
-            <a:spLocks noGrp="1"/>
-          </p:cNvSpPr>
-          <p:nvPr>
-            <p:ph type="title"/>
-          </p:nvPr>
-        </p:nvSpPr>
-        <p:spPr/>
-        <p:txBody>
-          <a:bodyPr/>
-          <a:lstStyle/>
-          <a:p>
-            <a:r>
-              <a:rPr lang="en-US" dirty="0" smtClean="0"/>
-              <a:t>Unit Testing</a:t>
-            </a:r>
-            <a:endParaRPr lang="en-US" dirty="0"/>
-          </a:p>
-        </p:txBody>
-      </p:sp>
-    </p:spTree>
-    <p:extLst>
-      <p:ext uri="{BB962C8B-B14F-4D97-AF65-F5344CB8AC3E}">
-        <p14:creationId xmlns:p14="http://schemas.microsoft.com/office/powerpoint/2010/main" val="612520629"/>
-      </p:ext>
-    </p:extLst>
-  </p:cSld>
-  <p:clrMapOvr>
-    <a:masterClrMapping/>
-  </p:clrMapOvr>
-  <p:transition spd="med"/>
-</p:sld>
-</file>
-
 <file path=ppt/slides/slide32.xml><?xml version="1.0" encoding="utf-8"?>
 <p:sld xmlns:a="http://schemas.openxmlformats.org/drawingml/2006/main" xmlns:r="http://schemas.openxmlformats.org/officeDocument/2006/relationships" xmlns:p="http://schemas.openxmlformats.org/presentationml/2006/main">
   <p:cSld>
@@ -8461,6 +8535,60 @@
           <a:p>
             <a:r>
               <a:rPr lang="en-US" dirty="0" smtClean="0"/>
+              <a:t>Unit Testing</a:t>
+            </a:r>
+            <a:endParaRPr lang="en-US" dirty="0"/>
+          </a:p>
+        </p:txBody>
+      </p:sp>
+    </p:spTree>
+    <p:extLst>
+      <p:ext uri="{BB962C8B-B14F-4D97-AF65-F5344CB8AC3E}">
+        <p14:creationId xmlns:p14="http://schemas.microsoft.com/office/powerpoint/2010/main" val="612520629"/>
+      </p:ext>
+    </p:extLst>
+  </p:cSld>
+  <p:clrMapOvr>
+    <a:masterClrMapping/>
+  </p:clrMapOvr>
+  <p:transition spd="med"/>
+</p:sld>
+</file>
+
+<file path=ppt/slides/slide33.xml><?xml version="1.0" encoding="utf-8"?>
+<p:sld xmlns:a="http://schemas.openxmlformats.org/drawingml/2006/main" xmlns:r="http://schemas.openxmlformats.org/officeDocument/2006/relationships" xmlns:p="http://schemas.openxmlformats.org/presentationml/2006/main">
+  <p:cSld>
+    <p:spTree>
+      <p:nvGrpSpPr>
+        <p:cNvPr id="1" name=""/>
+        <p:cNvGrpSpPr/>
+        <p:nvPr/>
+      </p:nvGrpSpPr>
+      <p:grpSpPr>
+        <a:xfrm>
+          <a:off x="0" y="0"/>
+          <a:ext cx="0" cy="0"/>
+          <a:chOff x="0" y="0"/>
+          <a:chExt cx="0" cy="0"/>
+        </a:xfrm>
+      </p:grpSpPr>
+      <p:sp>
+        <p:nvSpPr>
+          <p:cNvPr id="2" name="Title 1"/>
+          <p:cNvSpPr>
+            <a:spLocks noGrp="1"/>
+          </p:cNvSpPr>
+          <p:nvPr>
+            <p:ph type="title"/>
+          </p:nvPr>
+        </p:nvSpPr>
+        <p:spPr/>
+        <p:txBody>
+          <a:bodyPr/>
+          <a:lstStyle/>
+          <a:p>
+            <a:r>
+              <a:rPr lang="en-US" dirty="0" smtClean="0"/>
               <a:t>Bugs</a:t>
             </a:r>
             <a:endParaRPr lang="en-US" dirty="0"/>
@@ -8536,7 +8664,7 @@
 </p:sld>
 </file>
 
-<file path=ppt/slides/slide33.xml><?xml version="1.0" encoding="utf-8"?>
+<file path=ppt/slides/slide34.xml><?xml version="1.0" encoding="utf-8"?>
 <p:sld xmlns:a="http://schemas.openxmlformats.org/drawingml/2006/main" xmlns:r="http://schemas.openxmlformats.org/officeDocument/2006/relationships" xmlns:p="http://schemas.openxmlformats.org/presentationml/2006/main">
   <p:cSld>
     <p:spTree>
@@ -9256,185 +9384,6 @@
 </p:sld>
 </file>
 
-<file path=ppt/slides/slide34.xml><?xml version="1.0" encoding="utf-8"?>
-<p:sld xmlns:a="http://schemas.openxmlformats.org/drawingml/2006/main" xmlns:r="http://schemas.openxmlformats.org/officeDocument/2006/relationships" xmlns:p="http://schemas.openxmlformats.org/presentationml/2006/main">
-  <p:cSld>
-    <p:spTree>
-      <p:nvGrpSpPr>
-        <p:cNvPr id="1" name=""/>
-        <p:cNvGrpSpPr/>
-        <p:nvPr/>
-      </p:nvGrpSpPr>
-      <p:grpSpPr>
-        <a:xfrm>
-          <a:off x="0" y="0"/>
-          <a:ext cx="0" cy="0"/>
-          <a:chOff x="0" y="0"/>
-          <a:chExt cx="0" cy="0"/>
-        </a:xfrm>
-      </p:grpSpPr>
-      <p:sp>
-        <p:nvSpPr>
-          <p:cNvPr id="2" name="Title 1"/>
-          <p:cNvSpPr>
-            <a:spLocks noGrp="1"/>
-          </p:cNvSpPr>
-          <p:nvPr>
-            <p:ph type="title"/>
-          </p:nvPr>
-        </p:nvSpPr>
-        <p:spPr/>
-        <p:txBody>
-          <a:bodyPr/>
-          <a:lstStyle/>
-          <a:p>
-            <a:r>
-              <a:rPr lang="en-US" dirty="0" smtClean="0"/>
-              <a:t>Writing Unit Tests</a:t>
-            </a:r>
-            <a:endParaRPr lang="en-US" dirty="0"/>
-          </a:p>
-        </p:txBody>
-      </p:sp>
-      <p:sp>
-        <p:nvSpPr>
-          <p:cNvPr id="3" name="Text Placeholder 2"/>
-          <p:cNvSpPr>
-            <a:spLocks noGrp="1"/>
-          </p:cNvSpPr>
-          <p:nvPr>
-            <p:ph type="body" idx="1"/>
-          </p:nvPr>
-        </p:nvSpPr>
-        <p:spPr>
-          <a:xfrm>
-            <a:off x="405353" y="2603499"/>
-            <a:ext cx="12330259" cy="6945854"/>
-          </a:xfrm>
-        </p:spPr>
-        <p:txBody>
-          <a:bodyPr>
-            <a:normAutofit lnSpcReduction="10000"/>
-          </a:bodyPr>
-          <a:lstStyle/>
-          <a:p>
-            <a:r>
-              <a:rPr lang="en-US" dirty="0" smtClean="0"/>
-              <a:t>Using a library called </a:t>
-            </a:r>
-            <a:r>
-              <a:rPr lang="en-US" b="1" dirty="0" smtClean="0"/>
-              <a:t>JUnit</a:t>
-            </a:r>
-          </a:p>
-          <a:p>
-            <a:pPr lvl="1"/>
-            <a:r>
-              <a:rPr lang="en-US" dirty="0" smtClean="0"/>
-              <a:t>Note: how to configure </a:t>
-            </a:r>
-            <a:r>
-              <a:rPr lang="en-US" i="1" dirty="0" smtClean="0"/>
-              <a:t>Maven</a:t>
-            </a:r>
-            <a:r>
-              <a:rPr lang="en-US" dirty="0" smtClean="0"/>
-              <a:t> to import third-party libraries is not part of this course (and so not on the exam), but you can ask me in the breaks if you are curious (for some of you, we will dig into its low level details in Enterprise Programming 1 next semester)</a:t>
-            </a:r>
-          </a:p>
-          <a:p>
-            <a:r>
-              <a:rPr lang="en-US" dirty="0" smtClean="0"/>
-              <a:t>Regular code in “</a:t>
-            </a:r>
-            <a:r>
-              <a:rPr lang="en-US" i="1" dirty="0" err="1" smtClean="0"/>
-              <a:t>src</a:t>
-            </a:r>
-            <a:r>
-              <a:rPr lang="en-US" i="1" dirty="0" smtClean="0"/>
-              <a:t>/main/java</a:t>
-            </a:r>
-            <a:r>
-              <a:rPr lang="en-US" dirty="0" smtClean="0"/>
-              <a:t>” folder</a:t>
-            </a:r>
-          </a:p>
-          <a:p>
-            <a:r>
-              <a:rPr lang="en-US" dirty="0" smtClean="0"/>
-              <a:t>Test </a:t>
-            </a:r>
-            <a:r>
-              <a:rPr lang="en-US" dirty="0"/>
-              <a:t>code in “</a:t>
-            </a:r>
-            <a:r>
-              <a:rPr lang="en-US" i="1" dirty="0" err="1" smtClean="0"/>
-              <a:t>src</a:t>
-            </a:r>
-            <a:r>
-              <a:rPr lang="en-US" i="1" dirty="0" smtClean="0"/>
-              <a:t>/test/java</a:t>
-            </a:r>
-            <a:r>
-              <a:rPr lang="en-US" dirty="0"/>
-              <a:t>” </a:t>
-            </a:r>
-            <a:r>
-              <a:rPr lang="en-US" dirty="0" smtClean="0"/>
-              <a:t>folder</a:t>
-            </a:r>
-          </a:p>
-          <a:p>
-            <a:r>
-              <a:rPr lang="en-US" dirty="0" smtClean="0"/>
-              <a:t>A test class is just a Java class with </a:t>
-            </a:r>
-            <a:r>
-              <a:rPr lang="en-US" i="1" dirty="0" smtClean="0"/>
-              <a:t>@ annotations</a:t>
-            </a:r>
-          </a:p>
-          <a:p>
-            <a:r>
-              <a:rPr lang="en-US" dirty="0" smtClean="0"/>
-              <a:t>A test class for a class called </a:t>
-            </a:r>
-            <a:r>
-              <a:rPr lang="en-US" i="1" dirty="0" smtClean="0"/>
-              <a:t>Foo.java</a:t>
-            </a:r>
-            <a:r>
-              <a:rPr lang="en-US" dirty="0" smtClean="0"/>
-              <a:t> will be called </a:t>
-            </a:r>
-            <a:r>
-              <a:rPr lang="en-US" i="1" dirty="0" smtClean="0"/>
-              <a:t>FooTest.java</a:t>
-            </a:r>
-            <a:r>
-              <a:rPr lang="en-US" dirty="0" smtClean="0"/>
-              <a:t>, in the same package</a:t>
-            </a:r>
-            <a:endParaRPr lang="en-US" i="1" dirty="0"/>
-          </a:p>
-        </p:txBody>
-      </p:sp>
-    </p:spTree>
-    <p:extLst>
-      <p:ext uri="{BB962C8B-B14F-4D97-AF65-F5344CB8AC3E}">
-        <p14:creationId xmlns:p14="http://schemas.microsoft.com/office/powerpoint/2010/main" val="3303595683"/>
-      </p:ext>
-    </p:extLst>
-  </p:cSld>
-  <p:clrMapOvr>
-    <a:masterClrMapping/>
-  </p:clrMapOvr>
-  <p:transition spd="med"/>
-</p:sld>
-</file>
-
 <file path=ppt/slides/slide35.xml><?xml version="1.0" encoding="utf-8"?>
 <p:sld xmlns:a="http://schemas.openxmlformats.org/drawingml/2006/main" xmlns:r="http://schemas.openxmlformats.org/officeDocument/2006/relationships" xmlns:p="http://schemas.openxmlformats.org/presentationml/2006/main">
   <p:cSld>
@@ -9469,7 +9418,7 @@
           <a:p>
             <a:r>
               <a:rPr lang="en-US" dirty="0" smtClean="0"/>
-              <a:t>Main @ Annotations</a:t>
+              <a:t>Writing Unit Tests</a:t>
             </a:r>
             <a:endParaRPr lang="en-US" dirty="0"/>
           </a:p>
@@ -9485,91 +9434,125 @@
             <p:ph type="body" idx="1"/>
           </p:nvPr>
         </p:nvSpPr>
-        <p:spPr/>
+        <p:spPr>
+          <a:xfrm>
+            <a:off x="405353" y="2603499"/>
+            <a:ext cx="12330259" cy="6945854"/>
+          </a:xfrm>
+        </p:spPr>
         <p:txBody>
-          <a:bodyPr/>
+          <a:bodyPr>
+            <a:normAutofit lnSpcReduction="10000"/>
+          </a:bodyPr>
           <a:lstStyle/>
           <a:p>
             <a:r>
+              <a:rPr lang="en-US" dirty="0" smtClean="0"/>
+              <a:t>Using a library called </a:t>
+            </a:r>
+            <a:r>
               <a:rPr lang="en-US" b="1" dirty="0" smtClean="0"/>
-              <a:t>@Test</a:t>
-            </a:r>
-            <a:r>
-              <a:rPr lang="en-US" dirty="0" smtClean="0"/>
-              <a:t>: mark a method as a test</a:t>
-            </a:r>
-          </a:p>
-          <a:p>
-            <a:r>
-              <a:rPr lang="en-US" b="1" dirty="0"/>
-              <a:t>@</a:t>
-            </a:r>
-            <a:r>
-              <a:rPr lang="en-US" b="1" dirty="0" err="1" smtClean="0"/>
-              <a:t>BeforeEach</a:t>
-            </a:r>
-            <a:r>
-              <a:rPr lang="en-US" dirty="0" smtClean="0"/>
-              <a:t>: execute method before each test</a:t>
-            </a:r>
-          </a:p>
-          <a:p>
-            <a:r>
-              <a:rPr lang="en-US" b="1" dirty="0" smtClean="0"/>
-              <a:t>@</a:t>
-            </a:r>
-            <a:r>
-              <a:rPr lang="en-US" b="1" dirty="0" err="1" smtClean="0"/>
-              <a:t>BeforeAll</a:t>
-            </a:r>
-            <a:r>
-              <a:rPr lang="en-US" dirty="0" smtClean="0"/>
-              <a:t>: execute method once before any of the tests is started</a:t>
-            </a:r>
-          </a:p>
-          <a:p>
-            <a:r>
-              <a:rPr lang="en-US" b="1" dirty="0" smtClean="0"/>
-              <a:t>@</a:t>
-            </a:r>
-            <a:r>
-              <a:rPr lang="en-US" b="1" dirty="0" err="1" smtClean="0"/>
-              <a:t>AfterEach</a:t>
-            </a:r>
-            <a:r>
-              <a:rPr lang="en-US" dirty="0" smtClean="0"/>
-              <a:t>, </a:t>
-            </a:r>
-            <a:r>
-              <a:rPr lang="en-US" b="1" dirty="0" smtClean="0"/>
-              <a:t>@</a:t>
-            </a:r>
-            <a:r>
-              <a:rPr lang="en-US" b="1" dirty="0" err="1" smtClean="0"/>
-              <a:t>AfterAll</a:t>
-            </a:r>
-            <a:r>
-              <a:rPr lang="en-US" dirty="0" smtClean="0"/>
-              <a:t>: same, but after the tests </a:t>
-            </a:r>
-          </a:p>
-          <a:p>
-            <a:r>
-              <a:rPr lang="en-US" b="1" dirty="0" smtClean="0"/>
-              <a:t>@Disable</a:t>
-            </a:r>
-            <a:r>
-              <a:rPr lang="en-US" dirty="0" smtClean="0"/>
-              <a:t>: temporarily disable a test, which is not going to be run</a:t>
-            </a:r>
-            <a:endParaRPr lang="en-US" dirty="0"/>
+              <a:t>JUnit</a:t>
+            </a:r>
+          </a:p>
+          <a:p>
+            <a:pPr lvl="1"/>
+            <a:r>
+              <a:rPr lang="en-US" dirty="0" smtClean="0"/>
+              <a:t>Note: how to configure </a:t>
+            </a:r>
+            <a:r>
+              <a:rPr lang="en-US" i="1" dirty="0" smtClean="0"/>
+              <a:t>Maven</a:t>
+            </a:r>
+            <a:r>
+              <a:rPr lang="en-US" dirty="0" smtClean="0"/>
+              <a:t> to import third-party libraries is not part of this course (and so not on the exam), but you can ask me in the breaks if you are curious (for some of you, we will dig into its low level details in Enterprise Programming 1 next semester)</a:t>
+            </a:r>
+          </a:p>
+          <a:p>
+            <a:r>
+              <a:rPr lang="en-US" dirty="0" smtClean="0"/>
+              <a:t>Regular code in “</a:t>
+            </a:r>
+            <a:r>
+              <a:rPr lang="en-US" i="1" dirty="0" err="1" smtClean="0"/>
+              <a:t>src</a:t>
+            </a:r>
+            <a:r>
+              <a:rPr lang="en-US" i="1" dirty="0" smtClean="0"/>
+              <a:t>/main/java</a:t>
+            </a:r>
+            <a:r>
+              <a:rPr lang="en-US" dirty="0" smtClean="0"/>
+              <a:t>” folder</a:t>
+            </a:r>
+          </a:p>
+          <a:p>
+            <a:r>
+              <a:rPr lang="en-US" dirty="0" smtClean="0"/>
+              <a:t>Test </a:t>
+            </a:r>
+            <a:r>
+              <a:rPr lang="en-US" dirty="0"/>
+              <a:t>code in “</a:t>
+            </a:r>
+            <a:r>
+              <a:rPr lang="en-US" i="1" dirty="0" err="1" smtClean="0"/>
+              <a:t>src</a:t>
+            </a:r>
+            <a:r>
+              <a:rPr lang="en-US" i="1" dirty="0" smtClean="0"/>
+              <a:t>/test/java</a:t>
+            </a:r>
+            <a:r>
+              <a:rPr lang="en-US" dirty="0"/>
+              <a:t>” </a:t>
+            </a:r>
+            <a:r>
+              <a:rPr lang="en-US" dirty="0" smtClean="0"/>
+              <a:t>folder</a:t>
+            </a:r>
+          </a:p>
+          <a:p>
+            <a:r>
+              <a:rPr lang="en-US" dirty="0" smtClean="0"/>
+              <a:t>A test class is just a Java class with </a:t>
+            </a:r>
+            <a:r>
+              <a:rPr lang="en-US" i="1" dirty="0" smtClean="0"/>
+              <a:t>@ annotations</a:t>
+            </a:r>
+          </a:p>
+          <a:p>
+            <a:r>
+              <a:rPr lang="en-US" dirty="0" smtClean="0"/>
+              <a:t>A test class for a class called </a:t>
+            </a:r>
+            <a:r>
+              <a:rPr lang="en-US" i="1" dirty="0" smtClean="0"/>
+              <a:t>Foo.java</a:t>
+            </a:r>
+            <a:r>
+              <a:rPr lang="en-US" dirty="0" smtClean="0"/>
+              <a:t> will be called </a:t>
+            </a:r>
+            <a:r>
+              <a:rPr lang="en-US" i="1" dirty="0" smtClean="0"/>
+              <a:t>FooTest.java</a:t>
+            </a:r>
+            <a:r>
+              <a:rPr lang="en-US" dirty="0" smtClean="0"/>
+              <a:t>, in the same package</a:t>
+            </a:r>
+            <a:endParaRPr lang="en-US" i="1" dirty="0"/>
           </a:p>
         </p:txBody>
       </p:sp>
     </p:spTree>
     <p:extLst>
       <p:ext uri="{BB962C8B-B14F-4D97-AF65-F5344CB8AC3E}">
-        <p14:creationId xmlns:p14="http://schemas.microsoft.com/office/powerpoint/2010/main" val="2593368313"/>
+        <p14:creationId xmlns:p14="http://schemas.microsoft.com/office/powerpoint/2010/main" val="3303595683"/>
       </p:ext>
     </p:extLst>
   </p:cSld>
@@ -9614,6 +9597,151 @@
           <a:p>
             <a:r>
               <a:rPr lang="en-US" dirty="0" smtClean="0"/>
+              <a:t>Main @ Annotations</a:t>
+            </a:r>
+            <a:endParaRPr lang="en-US" dirty="0"/>
+          </a:p>
+        </p:txBody>
+      </p:sp>
+      <p:sp>
+        <p:nvSpPr>
+          <p:cNvPr id="3" name="Text Placeholder 2"/>
+          <p:cNvSpPr>
+            <a:spLocks noGrp="1"/>
+          </p:cNvSpPr>
+          <p:nvPr>
+            <p:ph type="body" idx="1"/>
+          </p:nvPr>
+        </p:nvSpPr>
+        <p:spPr/>
+        <p:txBody>
+          <a:bodyPr/>
+          <a:lstStyle/>
+          <a:p>
+            <a:r>
+              <a:rPr lang="en-US" b="1" dirty="0" smtClean="0"/>
+              <a:t>@Test</a:t>
+            </a:r>
+            <a:r>
+              <a:rPr lang="en-US" dirty="0" smtClean="0"/>
+              <a:t>: mark a method as a test</a:t>
+            </a:r>
+          </a:p>
+          <a:p>
+            <a:r>
+              <a:rPr lang="en-US" b="1" dirty="0"/>
+              <a:t>@</a:t>
+            </a:r>
+            <a:r>
+              <a:rPr lang="en-US" b="1" dirty="0" err="1" smtClean="0"/>
+              <a:t>BeforeEach</a:t>
+            </a:r>
+            <a:r>
+              <a:rPr lang="en-US" dirty="0" smtClean="0"/>
+              <a:t>: execute method before each test</a:t>
+            </a:r>
+          </a:p>
+          <a:p>
+            <a:r>
+              <a:rPr lang="en-US" b="1" dirty="0" smtClean="0"/>
+              <a:t>@</a:t>
+            </a:r>
+            <a:r>
+              <a:rPr lang="en-US" b="1" dirty="0" err="1" smtClean="0"/>
+              <a:t>BeforeAll</a:t>
+            </a:r>
+            <a:r>
+              <a:rPr lang="en-US" dirty="0" smtClean="0"/>
+              <a:t>: execute method once before any of the tests is started</a:t>
+            </a:r>
+          </a:p>
+          <a:p>
+            <a:r>
+              <a:rPr lang="en-US" b="1" dirty="0" smtClean="0"/>
+              <a:t>@</a:t>
+            </a:r>
+            <a:r>
+              <a:rPr lang="en-US" b="1" dirty="0" err="1" smtClean="0"/>
+              <a:t>AfterEach</a:t>
+            </a:r>
+            <a:r>
+              <a:rPr lang="en-US" dirty="0" smtClean="0"/>
+              <a:t>, </a:t>
+            </a:r>
+            <a:r>
+              <a:rPr lang="en-US" b="1" dirty="0" smtClean="0"/>
+              <a:t>@</a:t>
+            </a:r>
+            <a:r>
+              <a:rPr lang="en-US" b="1" dirty="0" err="1" smtClean="0"/>
+              <a:t>AfterAll</a:t>
+            </a:r>
+            <a:r>
+              <a:rPr lang="en-US" dirty="0" smtClean="0"/>
+              <a:t>: same, but after the tests </a:t>
+            </a:r>
+          </a:p>
+          <a:p>
+            <a:r>
+              <a:rPr lang="en-US" b="1" dirty="0" smtClean="0"/>
+              <a:t>@Disable</a:t>
+            </a:r>
+            <a:r>
+              <a:rPr lang="en-US" dirty="0" smtClean="0"/>
+              <a:t>: temporarily disable a test, which is not going to be run</a:t>
+            </a:r>
+            <a:endParaRPr lang="en-US" dirty="0"/>
+          </a:p>
+        </p:txBody>
+      </p:sp>
+    </p:spTree>
+    <p:extLst>
+      <p:ext uri="{BB962C8B-B14F-4D97-AF65-F5344CB8AC3E}">
+        <p14:creationId xmlns:p14="http://schemas.microsoft.com/office/powerpoint/2010/main" val="2593368313"/>
+      </p:ext>
+    </p:extLst>
+  </p:cSld>
+  <p:clrMapOvr>
+    <a:masterClrMapping/>
+  </p:clrMapOvr>
+  <p:transition spd="med"/>
+</p:sld>
+</file>
+
+<file path=ppt/slides/slide37.xml><?xml version="1.0" encoding="utf-8"?>
+<p:sld xmlns:a="http://schemas.openxmlformats.org/drawingml/2006/main" xmlns:r="http://schemas.openxmlformats.org/officeDocument/2006/relationships" xmlns:p="http://schemas.openxmlformats.org/presentationml/2006/main">
+  <p:cSld>
+    <p:spTree>
+      <p:nvGrpSpPr>
+        <p:cNvPr id="1" name=""/>
+        <p:cNvGrpSpPr/>
+        <p:nvPr/>
+      </p:nvGrpSpPr>
+      <p:grpSpPr>
+        <a:xfrm>
+          <a:off x="0" y="0"/>
+          <a:ext cx="0" cy="0"/>
+          <a:chOff x="0" y="0"/>
+          <a:chExt cx="0" cy="0"/>
+        </a:xfrm>
+      </p:grpSpPr>
+      <p:sp>
+        <p:nvSpPr>
+          <p:cNvPr id="2" name="Title 1"/>
+          <p:cNvSpPr>
+            <a:spLocks noGrp="1"/>
+          </p:cNvSpPr>
+          <p:nvPr>
+            <p:ph type="title"/>
+          </p:nvPr>
+        </p:nvSpPr>
+        <p:spPr/>
+        <p:txBody>
+          <a:bodyPr/>
+          <a:lstStyle/>
+          <a:p>
+            <a:r>
+              <a:rPr lang="en-US" dirty="0" smtClean="0"/>
               <a:t>Assertions</a:t>
             </a:r>
             <a:endParaRPr lang="en-US" dirty="0"/>
@@ -9802,7 +9930,7 @@
 </p:sld>
 </file>
 
-<file path=ppt/slides/slide37.xml><?xml version="1.0" encoding="utf-8"?>
+<file path=ppt/slides/slide38.xml><?xml version="1.0" encoding="utf-8"?>
 <p:sld xmlns:a="http://schemas.openxmlformats.org/drawingml/2006/main" xmlns:r="http://schemas.openxmlformats.org/officeDocument/2006/relationships" xmlns:p="http://schemas.openxmlformats.org/presentationml/2006/main">
   <p:cSld>
     <p:spTree>
@@ -11184,7 +11312,7 @@
 </p:sld>
 </file>
 
-<file path=ppt/slides/slide38.xml><?xml version="1.0" encoding="utf-8"?>
+<file path=ppt/slides/slide39.xml><?xml version="1.0" encoding="utf-8"?>
 <p:sld xmlns:a="http://schemas.openxmlformats.org/drawingml/2006/main" xmlns:r="http://schemas.openxmlformats.org/officeDocument/2006/relationships" xmlns:p="http://schemas.openxmlformats.org/presentationml/2006/main">
   <p:cSld>
     <p:spTree>
@@ -11335,144 +11463,6 @@
     <p:extLst>
       <p:ext uri="{BB962C8B-B14F-4D97-AF65-F5344CB8AC3E}">
         <p14:creationId xmlns:p14="http://schemas.microsoft.com/office/powerpoint/2010/main" val="3232246092"/>
-      </p:ext>
-    </p:extLst>
-  </p:cSld>
-  <p:clrMapOvr>
-    <a:masterClrMapping/>
-  </p:clrMapOvr>
-  <p:transition spd="med"/>
-</p:sld>
-</file>
-
-<file path=ppt/slides/slide39.xml><?xml version="1.0" encoding="utf-8"?>
-<p:sld xmlns:a="http://schemas.openxmlformats.org/drawingml/2006/main" xmlns:r="http://schemas.openxmlformats.org/officeDocument/2006/relationships" xmlns:p="http://schemas.openxmlformats.org/presentationml/2006/main">
-  <p:cSld>
-    <p:spTree>
-      <p:nvGrpSpPr>
-        <p:cNvPr id="1" name=""/>
-        <p:cNvGrpSpPr/>
-        <p:nvPr/>
-      </p:nvGrpSpPr>
-      <p:grpSpPr>
-        <a:xfrm>
-          <a:off x="0" y="0"/>
-          <a:ext cx="0" cy="0"/>
-          <a:chOff x="0" y="0"/>
-          <a:chExt cx="0" cy="0"/>
-        </a:xfrm>
-      </p:grpSpPr>
-      <p:sp>
-        <p:nvSpPr>
-          <p:cNvPr id="2" name="Title 1"/>
-          <p:cNvSpPr>
-            <a:spLocks noGrp="1"/>
-          </p:cNvSpPr>
-          <p:nvPr>
-            <p:ph type="title"/>
-          </p:nvPr>
-        </p:nvSpPr>
-        <p:spPr/>
-        <p:txBody>
-          <a:bodyPr/>
-          <a:lstStyle/>
-          <a:p>
-            <a:r>
-              <a:rPr lang="en-US" dirty="0" smtClean="0"/>
-              <a:t>Debugging</a:t>
-            </a:r>
-            <a:endParaRPr lang="en-US" dirty="0"/>
-          </a:p>
-        </p:txBody>
-      </p:sp>
-      <p:sp>
-        <p:nvSpPr>
-          <p:cNvPr id="3" name="Text Placeholder 2"/>
-          <p:cNvSpPr>
-            <a:spLocks noGrp="1"/>
-          </p:cNvSpPr>
-          <p:nvPr>
-            <p:ph type="body" idx="1"/>
-          </p:nvPr>
-        </p:nvSpPr>
-        <p:spPr>
-          <a:xfrm>
-            <a:off x="7336052" y="2603500"/>
-            <a:ext cx="5437268" cy="6870438"/>
-          </a:xfrm>
-        </p:spPr>
-        <p:txBody>
-          <a:bodyPr/>
-          <a:lstStyle/>
-          <a:p>
-            <a:r>
-              <a:rPr lang="en-US" b="1" dirty="0" smtClean="0"/>
-              <a:t>VERY IMPORTANT</a:t>
-            </a:r>
-          </a:p>
-          <a:p>
-            <a:r>
-              <a:rPr lang="en-US" dirty="0" smtClean="0"/>
-              <a:t>Can put “</a:t>
-            </a:r>
-            <a:r>
-              <a:rPr lang="en-US" i="1" dirty="0" smtClean="0"/>
-              <a:t>break points</a:t>
-            </a:r>
-            <a:r>
-              <a:rPr lang="en-US" dirty="0" smtClean="0"/>
-              <a:t>”</a:t>
-            </a:r>
-          </a:p>
-          <a:p>
-            <a:r>
-              <a:rPr lang="en-US" dirty="0" smtClean="0"/>
-              <a:t>Execute one step at a time</a:t>
-            </a:r>
-          </a:p>
-          <a:p>
-            <a:r>
-              <a:rPr lang="en-US" dirty="0" smtClean="0"/>
-              <a:t>Inspect status of all variables, at each step</a:t>
-            </a:r>
-          </a:p>
-          <a:p>
-            <a:r>
-              <a:rPr lang="en-US" dirty="0" smtClean="0"/>
-              <a:t>Easier to understand with live demo</a:t>
-            </a:r>
-            <a:endParaRPr lang="en-US" dirty="0"/>
-          </a:p>
-        </p:txBody>
-      </p:sp>
-      <p:pic>
-        <p:nvPicPr>
-          <p:cNvPr id="4" name="Picture 3"/>
-          <p:cNvPicPr>
-            <a:picLocks noChangeAspect="1"/>
-          </p:cNvPicPr>
-          <p:nvPr/>
-        </p:nvPicPr>
-        <p:blipFill>
-          <a:blip r:embed="rId2"/>
-          <a:stretch>
-            <a:fillRect/>
-          </a:stretch>
-        </p:blipFill>
-        <p:spPr>
-          <a:xfrm>
-            <a:off x="472180" y="2603500"/>
-            <a:ext cx="6383552" cy="6959600"/>
-          </a:xfrm>
-          <a:prstGeom prst="rect">
-            <a:avLst/>
-          </a:prstGeom>
-        </p:spPr>
-      </p:pic>
-    </p:spTree>
-    <p:extLst>
-      <p:ext uri="{BB962C8B-B14F-4D97-AF65-F5344CB8AC3E}">
-        <p14:creationId xmlns:p14="http://schemas.microsoft.com/office/powerpoint/2010/main" val="2427230543"/>
       </p:ext>
     </p:extLst>
   </p:cSld>
@@ -11774,6 +11764,217 @@
           <a:p>
             <a:r>
               <a:rPr lang="en-US" dirty="0" smtClean="0"/>
+              <a:t>Debugging</a:t>
+            </a:r>
+            <a:endParaRPr lang="en-US" dirty="0"/>
+          </a:p>
+        </p:txBody>
+      </p:sp>
+      <p:sp>
+        <p:nvSpPr>
+          <p:cNvPr id="3" name="Text Placeholder 2"/>
+          <p:cNvSpPr>
+            <a:spLocks noGrp="1"/>
+          </p:cNvSpPr>
+          <p:nvPr>
+            <p:ph type="body" idx="1"/>
+          </p:nvPr>
+        </p:nvSpPr>
+        <p:spPr>
+          <a:xfrm>
+            <a:off x="7336052" y="2603500"/>
+            <a:ext cx="5437268" cy="6870438"/>
+          </a:xfrm>
+        </p:spPr>
+        <p:txBody>
+          <a:bodyPr/>
+          <a:lstStyle/>
+          <a:p>
+            <a:r>
+              <a:rPr lang="en-US" b="1" dirty="0" smtClean="0"/>
+              <a:t>VERY IMPORTANT</a:t>
+            </a:r>
+          </a:p>
+          <a:p>
+            <a:r>
+              <a:rPr lang="en-US" dirty="0" smtClean="0"/>
+              <a:t>Can put “</a:t>
+            </a:r>
+            <a:r>
+              <a:rPr lang="en-US" i="1" dirty="0" smtClean="0"/>
+              <a:t>break points</a:t>
+            </a:r>
+            <a:r>
+              <a:rPr lang="en-US" dirty="0" smtClean="0"/>
+              <a:t>”</a:t>
+            </a:r>
+          </a:p>
+          <a:p>
+            <a:r>
+              <a:rPr lang="en-US" dirty="0" smtClean="0"/>
+              <a:t>Execute one step at a time</a:t>
+            </a:r>
+          </a:p>
+          <a:p>
+            <a:r>
+              <a:rPr lang="en-US" dirty="0" smtClean="0"/>
+              <a:t>Inspect status of all variables, at each step</a:t>
+            </a:r>
+          </a:p>
+          <a:p>
+            <a:r>
+              <a:rPr lang="en-US" dirty="0" smtClean="0"/>
+              <a:t>Easier to understand with live demo</a:t>
+            </a:r>
+            <a:endParaRPr lang="en-US" dirty="0"/>
+          </a:p>
+        </p:txBody>
+      </p:sp>
+      <p:pic>
+        <p:nvPicPr>
+          <p:cNvPr id="4" name="Picture 3"/>
+          <p:cNvPicPr>
+            <a:picLocks noChangeAspect="1"/>
+          </p:cNvPicPr>
+          <p:nvPr/>
+        </p:nvPicPr>
+        <p:blipFill>
+          <a:blip r:embed="rId2"/>
+          <a:stretch>
+            <a:fillRect/>
+          </a:stretch>
+        </p:blipFill>
+        <p:spPr>
+          <a:xfrm>
+            <a:off x="472180" y="2603500"/>
+            <a:ext cx="6383552" cy="6959600"/>
+          </a:xfrm>
+          <a:prstGeom prst="rect">
+            <a:avLst/>
+          </a:prstGeom>
+        </p:spPr>
+      </p:pic>
+    </p:spTree>
+    <p:extLst>
+      <p:ext uri="{BB962C8B-B14F-4D97-AF65-F5344CB8AC3E}">
+        <p14:creationId xmlns:p14="http://schemas.microsoft.com/office/powerpoint/2010/main" val="2427230543"/>
+      </p:ext>
+    </p:extLst>
+  </p:cSld>
+  <p:clrMapOvr>
+    <a:masterClrMapping/>
+  </p:clrMapOvr>
+  <p:transition spd="med"/>
+</p:sld>
+</file>
+
+<file path=ppt/slides/slide42.xml><?xml version="1.0" encoding="utf-8"?>
+<p:sld xmlns:a="http://schemas.openxmlformats.org/drawingml/2006/main" xmlns:r="http://schemas.openxmlformats.org/officeDocument/2006/relationships" xmlns:p="http://schemas.openxmlformats.org/presentationml/2006/main">
+  <p:cSld>
+    <p:spTree>
+      <p:nvGrpSpPr>
+        <p:cNvPr id="1" name=""/>
+        <p:cNvGrpSpPr/>
+        <p:nvPr/>
+      </p:nvGrpSpPr>
+      <p:grpSpPr>
+        <a:xfrm>
+          <a:off x="0" y="0"/>
+          <a:ext cx="0" cy="0"/>
+          <a:chOff x="0" y="0"/>
+          <a:chExt cx="0" cy="0"/>
+        </a:xfrm>
+      </p:grpSpPr>
+      <p:sp>
+        <p:nvSpPr>
+          <p:cNvPr id="2" name="Title 1"/>
+          <p:cNvSpPr>
+            <a:spLocks noGrp="1"/>
+          </p:cNvSpPr>
+          <p:nvPr>
+            <p:ph type="title"/>
+          </p:nvPr>
+        </p:nvSpPr>
+        <p:spPr/>
+        <p:txBody>
+          <a:bodyPr/>
+          <a:lstStyle/>
+          <a:p>
+            <a:r>
+              <a:rPr lang="en-US" dirty="0" smtClean="0"/>
+              <a:t>TODO</a:t>
+            </a:r>
+            <a:endParaRPr lang="en-US" dirty="0"/>
+          </a:p>
+        </p:txBody>
+      </p:sp>
+      <p:sp>
+        <p:nvSpPr>
+          <p:cNvPr id="3" name="Text Placeholder 2"/>
+          <p:cNvSpPr>
+            <a:spLocks noGrp="1"/>
+          </p:cNvSpPr>
+          <p:nvPr>
+            <p:ph type="body" idx="1"/>
+          </p:nvPr>
+        </p:nvSpPr>
+        <p:spPr/>
+        <p:txBody>
+          <a:bodyPr/>
+          <a:lstStyle/>
+          <a:p>
+            <a:endParaRPr lang="en-US"/>
+          </a:p>
+        </p:txBody>
+      </p:sp>
+    </p:spTree>
+    <p:extLst>
+      <p:ext uri="{BB962C8B-B14F-4D97-AF65-F5344CB8AC3E}">
+        <p14:creationId xmlns:p14="http://schemas.microsoft.com/office/powerpoint/2010/main" val="4101902126"/>
+      </p:ext>
+    </p:extLst>
+  </p:cSld>
+  <p:clrMapOvr>
+    <a:masterClrMapping/>
+  </p:clrMapOvr>
+  <p:transition spd="med"/>
+</p:sld>
+</file>
+
+<file path=ppt/slides/slide43.xml><?xml version="1.0" encoding="utf-8"?>
+<p:sld xmlns:a="http://schemas.openxmlformats.org/drawingml/2006/main" xmlns:r="http://schemas.openxmlformats.org/officeDocument/2006/relationships" xmlns:p="http://schemas.openxmlformats.org/presentationml/2006/main">
+  <p:cSld>
+    <p:spTree>
+      <p:nvGrpSpPr>
+        <p:cNvPr id="1" name=""/>
+        <p:cNvGrpSpPr/>
+        <p:nvPr/>
+      </p:nvGrpSpPr>
+      <p:grpSpPr>
+        <a:xfrm>
+          <a:off x="0" y="0"/>
+          <a:ext cx="0" cy="0"/>
+          <a:chOff x="0" y="0"/>
+          <a:chExt cx="0" cy="0"/>
+        </a:xfrm>
+      </p:grpSpPr>
+      <p:sp>
+        <p:nvSpPr>
+          <p:cNvPr id="2" name="Title 1"/>
+          <p:cNvSpPr>
+            <a:spLocks noGrp="1"/>
+          </p:cNvSpPr>
+          <p:nvPr>
+            <p:ph type="title"/>
+          </p:nvPr>
+        </p:nvSpPr>
+        <p:spPr/>
+        <p:txBody>
+          <a:bodyPr/>
+          <a:lstStyle/>
+          <a:p>
+            <a:r>
+              <a:rPr lang="en-US" dirty="0" smtClean="0"/>
               <a:t>Homework</a:t>
             </a:r>
             <a:endParaRPr lang="en-US" dirty="0"/>
@@ -11948,7 +12149,6 @@
               <a:rPr lang="en-US" dirty="0" smtClean="0"/>
               <a:t>Stacks/Queues</a:t>
             </a:r>
-            <a:endParaRPr lang="en-US" dirty="0" smtClean="0"/>
           </a:p>
           <a:p>
             <a:pPr marL="742950" indent="-742950">
@@ -12064,7 +12264,7 @@
           </a:ln>
           <a:extLst>
             <a:ext uri="{C572A759-6A51-4108-AA02-DFA0A04FC94B}">
-              <ma14:wrappingTextBoxFlag xmlns:ma14="http://schemas.microsoft.com/office/mac/drawingml/2011/main" xmlns="" val="1"/>
+              <ma14:wrappingTextBoxFlag xmlns="" xmlns:ma14="http://schemas.microsoft.com/office/mac/drawingml/2011/main" val="1"/>
             </a:ext>
           </a:extLst>
         </p:spPr>
@@ -12401,7 +12601,7 @@
           </a:ln>
           <a:extLst>
             <a:ext uri="{C572A759-6A51-4108-AA02-DFA0A04FC94B}">
-              <ma14:wrappingTextBoxFlag xmlns:ma14="http://schemas.microsoft.com/office/mac/drawingml/2011/main" xmlns="" val="1"/>
+              <ma14:wrappingTextBoxFlag xmlns="" xmlns:ma14="http://schemas.microsoft.com/office/mac/drawingml/2011/main" val="1"/>
             </a:ext>
           </a:extLst>
         </p:spPr>
@@ -13229,15 +13429,7 @@
           <a:p>
             <a:r>
               <a:rPr lang="en-US" sz="3200" dirty="0" smtClean="0"/>
-              <a:t>You </a:t>
-            </a:r>
-            <a:r>
-              <a:rPr lang="en-US" sz="3200" dirty="0" smtClean="0"/>
-              <a:t>should have already seen </a:t>
-            </a:r>
-            <a:r>
-              <a:rPr lang="en-US" sz="3200" dirty="0" smtClean="0"/>
-              <a:t>the details of </a:t>
+              <a:t>You should have already seen the details of </a:t>
             </a:r>
             <a:r>
               <a:rPr lang="en-US" sz="3200" i="1" dirty="0" err="1" smtClean="0"/>
@@ -13259,21 +13451,13 @@
             </a:r>
             <a:r>
               <a:rPr lang="en-US" sz="3200" dirty="0" smtClean="0"/>
-              <a:t> to handle </a:t>
-            </a:r>
+              <a:t> to handle all the teaching material in this course</a:t>
+            </a:r>
+          </a:p>
+          <a:p>
             <a:r>
               <a:rPr lang="en-US" sz="3200" dirty="0" smtClean="0"/>
-              <a:t>all the teaching material in this course</a:t>
-            </a:r>
-          </a:p>
-          <a:p>
-            <a:r>
-              <a:rPr lang="en-US" sz="3200" dirty="0" smtClean="0"/>
-              <a:t>Note</a:t>
-            </a:r>
-            <a:r>
-              <a:rPr lang="en-US" sz="3200" dirty="0" smtClean="0"/>
-              <a:t>: usage of </a:t>
+              <a:t>Note: usage of </a:t>
             </a:r>
             <a:r>
               <a:rPr lang="en-US" sz="3200" i="1" dirty="0" err="1" smtClean="0"/>
@@ -13289,13 +13473,8 @@
             </a:r>
             <a:r>
               <a:rPr lang="en-US" sz="3200" dirty="0" smtClean="0"/>
-              <a:t> be part of the exam</a:t>
-            </a:r>
-            <a:r>
-              <a:rPr lang="en-US" sz="3200" dirty="0" smtClean="0"/>
-              <a:t>…</a:t>
-            </a:r>
-            <a:endParaRPr lang="en-US" sz="3200" dirty="0" smtClean="0"/>
+              <a:t> be part of the exam…</a:t>
+            </a:r>
           </a:p>
         </p:txBody>
       </p:sp>

--- a/docs/slides/01/01_intro.pptx
+++ b/docs/slides/01/01_intro.pptx
@@ -5,7 +5,7 @@
     <p:sldMasterId id="2147483648" r:id="rId1"/>
   </p:sldMasterIdLst>
   <p:notesMasterIdLst>
-    <p:notesMasterId r:id="rId45"/>
+    <p:notesMasterId r:id="rId47"/>
   </p:notesMasterIdLst>
   <p:sldIdLst>
     <p:sldId id="287" r:id="rId2"/>
@@ -37,20 +37,22 @@
     <p:sldId id="292" r:id="rId28"/>
     <p:sldId id="295" r:id="rId29"/>
     <p:sldId id="305" r:id="rId30"/>
-    <p:sldId id="317" r:id="rId31"/>
-    <p:sldId id="296" r:id="rId32"/>
-    <p:sldId id="293" r:id="rId33"/>
-    <p:sldId id="291" r:id="rId34"/>
-    <p:sldId id="297" r:id="rId35"/>
-    <p:sldId id="298" r:id="rId36"/>
-    <p:sldId id="299" r:id="rId37"/>
-    <p:sldId id="301" r:id="rId38"/>
-    <p:sldId id="302" r:id="rId39"/>
-    <p:sldId id="300" r:id="rId40"/>
-    <p:sldId id="304" r:id="rId41"/>
-    <p:sldId id="303" r:id="rId42"/>
-    <p:sldId id="318" r:id="rId43"/>
-    <p:sldId id="294" r:id="rId44"/>
+    <p:sldId id="319" r:id="rId31"/>
+    <p:sldId id="320" r:id="rId32"/>
+    <p:sldId id="317" r:id="rId33"/>
+    <p:sldId id="296" r:id="rId34"/>
+    <p:sldId id="293" r:id="rId35"/>
+    <p:sldId id="291" r:id="rId36"/>
+    <p:sldId id="297" r:id="rId37"/>
+    <p:sldId id="298" r:id="rId38"/>
+    <p:sldId id="299" r:id="rId39"/>
+    <p:sldId id="301" r:id="rId40"/>
+    <p:sldId id="302" r:id="rId41"/>
+    <p:sldId id="300" r:id="rId42"/>
+    <p:sldId id="304" r:id="rId43"/>
+    <p:sldId id="303" r:id="rId44"/>
+    <p:sldId id="318" r:id="rId45"/>
+    <p:sldId id="294" r:id="rId46"/>
   </p:sldIdLst>
   <p:sldSz cx="13004800" cy="9753600"/>
   <p:notesSz cx="6858000" cy="9144000"/>
@@ -1231,7 +1233,7 @@
           <a:p>
             <a:fld id="{04F1D4A2-813C-F741-B481-C92B3A596030}" type="datetimeFigureOut">
               <a:rPr lang="en-US" smtClean="0"/>
-              <a:t>03-Jun-19</a:t>
+              <a:t>04-Jun-19</a:t>
             </a:fld>
             <a:endParaRPr lang="en-US"/>
           </a:p>
@@ -2506,7 +2508,7 @@
           </a:ln>
           <a:extLst>
             <a:ext uri="{C572A759-6A51-4108-AA02-DFA0A04FC94B}">
-              <ma14:wrappingTextBoxFlag xmlns="" xmlns:ma14="http://schemas.microsoft.com/office/mac/drawingml/2011/main" val="1"/>
+              <ma14:wrappingTextBoxFlag xmlns:ma14="http://schemas.microsoft.com/office/mac/drawingml/2011/main" xmlns="" val="1"/>
             </a:ext>
           </a:extLst>
         </p:spPr>
@@ -2545,7 +2547,7 @@
           </a:ln>
           <a:extLst>
             <a:ext uri="{C572A759-6A51-4108-AA02-DFA0A04FC94B}">
-              <ma14:wrappingTextBoxFlag xmlns="" xmlns:ma14="http://schemas.microsoft.com/office/mac/drawingml/2011/main" val="1"/>
+              <ma14:wrappingTextBoxFlag xmlns:ma14="http://schemas.microsoft.com/office/mac/drawingml/2011/main" xmlns="" val="1"/>
             </a:ext>
           </a:extLst>
         </p:spPr>
@@ -3493,11 +3495,7 @@
             </a:br>
             <a:r>
               <a:rPr lang="en-US" dirty="0" smtClean="0"/>
-              <a:t>Lesson 01</a:t>
-            </a:r>
-            <a:r>
-              <a:rPr lang="en-US" dirty="0" smtClean="0"/>
-              <a:t>: Arrays, Lists, and Unit Tests </a:t>
+              <a:t>Lesson 01: Arrays, Lists, and Unit Tests </a:t>
             </a:r>
             <a:endParaRPr lang="en-US" dirty="0"/>
           </a:p>
@@ -4897,7 +4895,7 @@
           </a:ln>
           <a:extLst>
             <a:ext uri="{C572A759-6A51-4108-AA02-DFA0A04FC94B}">
-              <ma14:wrappingTextBoxFlag xmlns:ma14="http://schemas.microsoft.com/office/mac/drawingml/2011/main" xmlns="" val="1"/>
+              <ma14:wrappingTextBoxFlag xmlns="" xmlns:ma14="http://schemas.microsoft.com/office/mac/drawingml/2011/main" val="1"/>
             </a:ext>
           </a:extLst>
         </p:spPr>
@@ -6650,11 +6648,7 @@
             </a:r>
             <a:r>
               <a:rPr lang="en-US" dirty="0" smtClean="0"/>
-              <a:t> with different </a:t>
-            </a:r>
-            <a:r>
-              <a:rPr lang="en-US" dirty="0" smtClean="0"/>
-              <a:t>properties</a:t>
+              <a:t> with different properties</a:t>
             </a:r>
           </a:p>
           <a:p>
@@ -7411,7 +7405,7 @@
         </p:spPr>
         <p:txBody>
           <a:bodyPr>
-            <a:normAutofit fontScale="92500"/>
+            <a:normAutofit/>
           </a:bodyPr>
           <a:lstStyle/>
           <a:p>
@@ -7442,42 +7436,13 @@
           <a:p>
             <a:r>
               <a:rPr lang="en-US" dirty="0" smtClean="0"/>
-              <a:t>Lists (and all data structures will see in this course) are Java objects, and not treated specially like arrays</a:t>
-            </a:r>
-          </a:p>
-          <a:p>
-            <a:r>
-              <a:rPr lang="en-US" dirty="0" smtClean="0"/>
-              <a:t>2 main ways to “</a:t>
-            </a:r>
-            <a:r>
-              <a:rPr lang="en-US" i="1" dirty="0" smtClean="0"/>
-              <a:t>implement</a:t>
-            </a:r>
-            <a:r>
-              <a:rPr lang="en-US" dirty="0" smtClean="0"/>
-              <a:t>” them</a:t>
-            </a:r>
-          </a:p>
-          <a:p>
-            <a:r>
-              <a:rPr lang="en-US" i="1" dirty="0" smtClean="0"/>
-              <a:t>Array-backed</a:t>
-            </a:r>
-            <a:r>
-              <a:rPr lang="en-US" dirty="0" smtClean="0"/>
-              <a:t>: internally storing an array. Need to create new one and move over old data when full.</a:t>
-            </a:r>
-          </a:p>
-          <a:p>
-            <a:r>
-              <a:rPr lang="en-US" i="1" dirty="0" smtClean="0"/>
-              <a:t>Linked-nodes</a:t>
-            </a:r>
-            <a:r>
-              <a:rPr lang="en-US" dirty="0" smtClean="0"/>
-              <a:t>: each element has its own node object, and nodes are connected with object pointers/links (see next slide)</a:t>
-            </a:r>
+              <a:t>Lists (and all data structures will see in this course) are Java objects, and not treated specially like </a:t>
+            </a:r>
+            <a:r>
+              <a:rPr lang="en-US" dirty="0" smtClean="0"/>
+              <a:t>arrays</a:t>
+            </a:r>
+            <a:endParaRPr lang="en-US" dirty="0" smtClean="0"/>
           </a:p>
         </p:txBody>
       </p:sp>
@@ -7683,7 +7648,7 @@
           <a:p>
             <a:r>
               <a:rPr lang="en-US" dirty="0" smtClean="0"/>
-              <a:t>TODO</a:t>
+              <a:t>List Operations</a:t>
             </a:r>
             <a:endParaRPr lang="en-US" dirty="0"/>
           </a:p>
@@ -7711,6 +7676,227 @@
     </p:spTree>
     <p:extLst>
       <p:ext uri="{BB962C8B-B14F-4D97-AF65-F5344CB8AC3E}">
+        <p14:creationId xmlns:p14="http://schemas.microsoft.com/office/powerpoint/2010/main" val="3713328219"/>
+      </p:ext>
+    </p:extLst>
+  </p:cSld>
+  <p:clrMapOvr>
+    <a:masterClrMapping/>
+  </p:clrMapOvr>
+  <p:transition spd="med"/>
+</p:sld>
+</file>
+
+<file path=ppt/slides/slide31.xml><?xml version="1.0" encoding="utf-8"?>
+<p:sld xmlns:a="http://schemas.openxmlformats.org/drawingml/2006/main" xmlns:r="http://schemas.openxmlformats.org/officeDocument/2006/relationships" xmlns:p="http://schemas.openxmlformats.org/presentationml/2006/main">
+  <p:cSld>
+    <p:spTree>
+      <p:nvGrpSpPr>
+        <p:cNvPr id="1" name=""/>
+        <p:cNvGrpSpPr/>
+        <p:nvPr/>
+      </p:nvGrpSpPr>
+      <p:grpSpPr>
+        <a:xfrm>
+          <a:off x="0" y="0"/>
+          <a:ext cx="0" cy="0"/>
+          <a:chOff x="0" y="0"/>
+          <a:chExt cx="0" cy="0"/>
+        </a:xfrm>
+      </p:grpSpPr>
+      <p:sp>
+        <p:nvSpPr>
+          <p:cNvPr id="2" name="Title 1"/>
+          <p:cNvSpPr>
+            <a:spLocks noGrp="1"/>
+          </p:cNvSpPr>
+          <p:nvPr>
+            <p:ph type="title"/>
+          </p:nvPr>
+        </p:nvSpPr>
+        <p:spPr/>
+        <p:txBody>
+          <a:bodyPr/>
+          <a:lstStyle/>
+          <a:p>
+            <a:r>
+              <a:rPr lang="en-US" dirty="0" smtClean="0"/>
+              <a:t>List Implementations</a:t>
+            </a:r>
+            <a:endParaRPr lang="en-US" dirty="0"/>
+          </a:p>
+        </p:txBody>
+      </p:sp>
+      <p:sp>
+        <p:nvSpPr>
+          <p:cNvPr id="3" name="Text Placeholder 2"/>
+          <p:cNvSpPr>
+            <a:spLocks noGrp="1"/>
+          </p:cNvSpPr>
+          <p:nvPr>
+            <p:ph type="body" idx="1"/>
+          </p:nvPr>
+        </p:nvSpPr>
+        <p:spPr/>
+        <p:txBody>
+          <a:bodyPr/>
+          <a:lstStyle/>
+          <a:p>
+            <a:r>
+              <a:rPr lang="en-US" dirty="0"/>
+              <a:t>2 main ways to “</a:t>
+            </a:r>
+            <a:r>
+              <a:rPr lang="en-US" i="1" dirty="0"/>
+              <a:t>implement</a:t>
+            </a:r>
+            <a:r>
+              <a:rPr lang="en-US" dirty="0"/>
+              <a:t>” </a:t>
+            </a:r>
+            <a:r>
+              <a:rPr lang="en-US" dirty="0" smtClean="0"/>
+              <a:t>a list</a:t>
+            </a:r>
+            <a:endParaRPr lang="en-US" dirty="0"/>
+          </a:p>
+          <a:p>
+            <a:r>
+              <a:rPr lang="en-US" i="1" dirty="0"/>
+              <a:t>Array-backed</a:t>
+            </a:r>
+            <a:r>
+              <a:rPr lang="en-US" dirty="0"/>
+              <a:t>: internally storing an </a:t>
+            </a:r>
+            <a:r>
+              <a:rPr lang="en-US" dirty="0" smtClean="0"/>
+              <a:t>array</a:t>
+            </a:r>
+          </a:p>
+          <a:p>
+            <a:pPr lvl="1"/>
+            <a:r>
+              <a:rPr lang="en-US" dirty="0" smtClean="0"/>
+              <a:t>Need </a:t>
+            </a:r>
+            <a:r>
+              <a:rPr lang="en-US" dirty="0"/>
+              <a:t>to create new one and move over old data when </a:t>
+            </a:r>
+            <a:r>
+              <a:rPr lang="en-US" dirty="0" smtClean="0"/>
+              <a:t>full</a:t>
+            </a:r>
+            <a:endParaRPr lang="en-US" dirty="0"/>
+          </a:p>
+          <a:p>
+            <a:r>
+              <a:rPr lang="en-US" i="1" dirty="0"/>
+              <a:t>Linked-nodes</a:t>
+            </a:r>
+            <a:r>
+              <a:rPr lang="en-US" dirty="0"/>
+              <a:t>: each element has its own node </a:t>
+            </a:r>
+            <a:r>
+              <a:rPr lang="en-US" dirty="0" smtClean="0"/>
+              <a:t>object</a:t>
+            </a:r>
+            <a:endParaRPr lang="en-US" dirty="0"/>
+          </a:p>
+          <a:p>
+            <a:pPr lvl="1"/>
+            <a:r>
+              <a:rPr lang="en-US" dirty="0" smtClean="0"/>
+              <a:t>nodes </a:t>
+            </a:r>
+            <a:r>
+              <a:rPr lang="en-US" dirty="0"/>
+              <a:t>are connected with object pointers/links (see next slide)</a:t>
+            </a:r>
+          </a:p>
+          <a:p>
+            <a:endParaRPr lang="en-US" dirty="0"/>
+          </a:p>
+        </p:txBody>
+      </p:sp>
+    </p:spTree>
+    <p:extLst>
+      <p:ext uri="{BB962C8B-B14F-4D97-AF65-F5344CB8AC3E}">
+        <p14:creationId xmlns:p14="http://schemas.microsoft.com/office/powerpoint/2010/main" val="1264656627"/>
+      </p:ext>
+    </p:extLst>
+  </p:cSld>
+  <p:clrMapOvr>
+    <a:masterClrMapping/>
+  </p:clrMapOvr>
+  <p:transition spd="med"/>
+</p:sld>
+</file>
+
+<file path=ppt/slides/slide32.xml><?xml version="1.0" encoding="utf-8"?>
+<p:sld xmlns:a="http://schemas.openxmlformats.org/drawingml/2006/main" xmlns:r="http://schemas.openxmlformats.org/officeDocument/2006/relationships" xmlns:p="http://schemas.openxmlformats.org/presentationml/2006/main">
+  <p:cSld>
+    <p:spTree>
+      <p:nvGrpSpPr>
+        <p:cNvPr id="1" name=""/>
+        <p:cNvGrpSpPr/>
+        <p:nvPr/>
+      </p:nvGrpSpPr>
+      <p:grpSpPr>
+        <a:xfrm>
+          <a:off x="0" y="0"/>
+          <a:ext cx="0" cy="0"/>
+          <a:chOff x="0" y="0"/>
+          <a:chExt cx="0" cy="0"/>
+        </a:xfrm>
+      </p:grpSpPr>
+      <p:sp>
+        <p:nvSpPr>
+          <p:cNvPr id="2" name="Title 1"/>
+          <p:cNvSpPr>
+            <a:spLocks noGrp="1"/>
+          </p:cNvSpPr>
+          <p:nvPr>
+            <p:ph type="title"/>
+          </p:nvPr>
+        </p:nvSpPr>
+        <p:spPr/>
+        <p:txBody>
+          <a:bodyPr/>
+          <a:lstStyle/>
+          <a:p>
+            <a:r>
+              <a:rPr lang="en-US" dirty="0" smtClean="0"/>
+              <a:t>TODO</a:t>
+            </a:r>
+            <a:endParaRPr lang="en-US" dirty="0"/>
+          </a:p>
+        </p:txBody>
+      </p:sp>
+      <p:sp>
+        <p:nvSpPr>
+          <p:cNvPr id="3" name="Text Placeholder 2"/>
+          <p:cNvSpPr>
+            <a:spLocks noGrp="1"/>
+          </p:cNvSpPr>
+          <p:nvPr>
+            <p:ph type="body" idx="1"/>
+          </p:nvPr>
+        </p:nvSpPr>
+        <p:spPr/>
+        <p:txBody>
+          <a:bodyPr/>
+          <a:lstStyle/>
+          <a:p>
+            <a:endParaRPr lang="en-US"/>
+          </a:p>
+        </p:txBody>
+      </p:sp>
+    </p:spTree>
+    <p:extLst>
+      <p:ext uri="{BB962C8B-B14F-4D97-AF65-F5344CB8AC3E}">
         <p14:creationId xmlns:p14="http://schemas.microsoft.com/office/powerpoint/2010/main" val="3513745660"/>
       </p:ext>
     </p:extLst>
@@ -7722,7 +7908,7 @@
 </p:sld>
 </file>
 
-<file path=ppt/slides/slide31.xml><?xml version="1.0" encoding="utf-8"?>
+<file path=ppt/slides/slide33.xml><?xml version="1.0" encoding="utf-8"?>
 <p:sld xmlns:a="http://schemas.openxmlformats.org/drawingml/2006/main" xmlns:r="http://schemas.openxmlformats.org/officeDocument/2006/relationships" xmlns:p="http://schemas.openxmlformats.org/presentationml/2006/main">
   <p:cSld>
     <p:spTree>
@@ -8501,7 +8687,7 @@
 </p:sld>
 </file>
 
-<file path=ppt/slides/slide32.xml><?xml version="1.0" encoding="utf-8"?>
+<file path=ppt/slides/slide34.xml><?xml version="1.0" encoding="utf-8"?>
 <p:sld xmlns:a="http://schemas.openxmlformats.org/drawingml/2006/main" xmlns:r="http://schemas.openxmlformats.org/officeDocument/2006/relationships" xmlns:p="http://schemas.openxmlformats.org/presentationml/2006/main">
   <p:cSld>
     <p:spTree>
@@ -8555,7 +8741,7 @@
 </p:sld>
 </file>
 
-<file path=ppt/slides/slide33.xml><?xml version="1.0" encoding="utf-8"?>
+<file path=ppt/slides/slide35.xml><?xml version="1.0" encoding="utf-8"?>
 <p:sld xmlns:a="http://schemas.openxmlformats.org/drawingml/2006/main" xmlns:r="http://schemas.openxmlformats.org/officeDocument/2006/relationships" xmlns:p="http://schemas.openxmlformats.org/presentationml/2006/main">
   <p:cSld>
     <p:spTree>
@@ -8664,7 +8850,7 @@
 </p:sld>
 </file>
 
-<file path=ppt/slides/slide34.xml><?xml version="1.0" encoding="utf-8"?>
+<file path=ppt/slides/slide36.xml><?xml version="1.0" encoding="utf-8"?>
 <p:sld xmlns:a="http://schemas.openxmlformats.org/drawingml/2006/main" xmlns:r="http://schemas.openxmlformats.org/officeDocument/2006/relationships" xmlns:p="http://schemas.openxmlformats.org/presentationml/2006/main">
   <p:cSld>
     <p:spTree>
@@ -9384,330 +9570,6 @@
 </p:sld>
 </file>
 
-<file path=ppt/slides/slide35.xml><?xml version="1.0" encoding="utf-8"?>
-<p:sld xmlns:a="http://schemas.openxmlformats.org/drawingml/2006/main" xmlns:r="http://schemas.openxmlformats.org/officeDocument/2006/relationships" xmlns:p="http://schemas.openxmlformats.org/presentationml/2006/main">
-  <p:cSld>
-    <p:spTree>
-      <p:nvGrpSpPr>
-        <p:cNvPr id="1" name=""/>
-        <p:cNvGrpSpPr/>
-        <p:nvPr/>
-      </p:nvGrpSpPr>
-      <p:grpSpPr>
-        <a:xfrm>
-          <a:off x="0" y="0"/>
-          <a:ext cx="0" cy="0"/>
-          <a:chOff x="0" y="0"/>
-          <a:chExt cx="0" cy="0"/>
-        </a:xfrm>
-      </p:grpSpPr>
-      <p:sp>
-        <p:nvSpPr>
-          <p:cNvPr id="2" name="Title 1"/>
-          <p:cNvSpPr>
-            <a:spLocks noGrp="1"/>
-          </p:cNvSpPr>
-          <p:nvPr>
-            <p:ph type="title"/>
-          </p:nvPr>
-        </p:nvSpPr>
-        <p:spPr/>
-        <p:txBody>
-          <a:bodyPr/>
-          <a:lstStyle/>
-          <a:p>
-            <a:r>
-              <a:rPr lang="en-US" dirty="0" smtClean="0"/>
-              <a:t>Writing Unit Tests</a:t>
-            </a:r>
-            <a:endParaRPr lang="en-US" dirty="0"/>
-          </a:p>
-        </p:txBody>
-      </p:sp>
-      <p:sp>
-        <p:nvSpPr>
-          <p:cNvPr id="3" name="Text Placeholder 2"/>
-          <p:cNvSpPr>
-            <a:spLocks noGrp="1"/>
-          </p:cNvSpPr>
-          <p:nvPr>
-            <p:ph type="body" idx="1"/>
-          </p:nvPr>
-        </p:nvSpPr>
-        <p:spPr>
-          <a:xfrm>
-            <a:off x="405353" y="2603499"/>
-            <a:ext cx="12330259" cy="6945854"/>
-          </a:xfrm>
-        </p:spPr>
-        <p:txBody>
-          <a:bodyPr>
-            <a:normAutofit lnSpcReduction="10000"/>
-          </a:bodyPr>
-          <a:lstStyle/>
-          <a:p>
-            <a:r>
-              <a:rPr lang="en-US" dirty="0" smtClean="0"/>
-              <a:t>Using a library called </a:t>
-            </a:r>
-            <a:r>
-              <a:rPr lang="en-US" b="1" dirty="0" smtClean="0"/>
-              <a:t>JUnit</a:t>
-            </a:r>
-          </a:p>
-          <a:p>
-            <a:pPr lvl="1"/>
-            <a:r>
-              <a:rPr lang="en-US" dirty="0" smtClean="0"/>
-              <a:t>Note: how to configure </a:t>
-            </a:r>
-            <a:r>
-              <a:rPr lang="en-US" i="1" dirty="0" smtClean="0"/>
-              <a:t>Maven</a:t>
-            </a:r>
-            <a:r>
-              <a:rPr lang="en-US" dirty="0" smtClean="0"/>
-              <a:t> to import third-party libraries is not part of this course (and so not on the exam), but you can ask me in the breaks if you are curious (for some of you, we will dig into its low level details in Enterprise Programming 1 next semester)</a:t>
-            </a:r>
-          </a:p>
-          <a:p>
-            <a:r>
-              <a:rPr lang="en-US" dirty="0" smtClean="0"/>
-              <a:t>Regular code in “</a:t>
-            </a:r>
-            <a:r>
-              <a:rPr lang="en-US" i="1" dirty="0" err="1" smtClean="0"/>
-              <a:t>src</a:t>
-            </a:r>
-            <a:r>
-              <a:rPr lang="en-US" i="1" dirty="0" smtClean="0"/>
-              <a:t>/main/java</a:t>
-            </a:r>
-            <a:r>
-              <a:rPr lang="en-US" dirty="0" smtClean="0"/>
-              <a:t>” folder</a:t>
-            </a:r>
-          </a:p>
-          <a:p>
-            <a:r>
-              <a:rPr lang="en-US" dirty="0" smtClean="0"/>
-              <a:t>Test </a:t>
-            </a:r>
-            <a:r>
-              <a:rPr lang="en-US" dirty="0"/>
-              <a:t>code in “</a:t>
-            </a:r>
-            <a:r>
-              <a:rPr lang="en-US" i="1" dirty="0" err="1" smtClean="0"/>
-              <a:t>src</a:t>
-            </a:r>
-            <a:r>
-              <a:rPr lang="en-US" i="1" dirty="0" smtClean="0"/>
-              <a:t>/test/java</a:t>
-            </a:r>
-            <a:r>
-              <a:rPr lang="en-US" dirty="0"/>
-              <a:t>” </a:t>
-            </a:r>
-            <a:r>
-              <a:rPr lang="en-US" dirty="0" smtClean="0"/>
-              <a:t>folder</a:t>
-            </a:r>
-          </a:p>
-          <a:p>
-            <a:r>
-              <a:rPr lang="en-US" dirty="0" smtClean="0"/>
-              <a:t>A test class is just a Java class with </a:t>
-            </a:r>
-            <a:r>
-              <a:rPr lang="en-US" i="1" dirty="0" smtClean="0"/>
-              <a:t>@ annotations</a:t>
-            </a:r>
-          </a:p>
-          <a:p>
-            <a:r>
-              <a:rPr lang="en-US" dirty="0" smtClean="0"/>
-              <a:t>A test class for a class called </a:t>
-            </a:r>
-            <a:r>
-              <a:rPr lang="en-US" i="1" dirty="0" smtClean="0"/>
-              <a:t>Foo.java</a:t>
-            </a:r>
-            <a:r>
-              <a:rPr lang="en-US" dirty="0" smtClean="0"/>
-              <a:t> will be called </a:t>
-            </a:r>
-            <a:r>
-              <a:rPr lang="en-US" i="1" dirty="0" smtClean="0"/>
-              <a:t>FooTest.java</a:t>
-            </a:r>
-            <a:r>
-              <a:rPr lang="en-US" dirty="0" smtClean="0"/>
-              <a:t>, in the same package</a:t>
-            </a:r>
-            <a:endParaRPr lang="en-US" i="1" dirty="0"/>
-          </a:p>
-        </p:txBody>
-      </p:sp>
-    </p:spTree>
-    <p:extLst>
-      <p:ext uri="{BB962C8B-B14F-4D97-AF65-F5344CB8AC3E}">
-        <p14:creationId xmlns:p14="http://schemas.microsoft.com/office/powerpoint/2010/main" val="3303595683"/>
-      </p:ext>
-    </p:extLst>
-  </p:cSld>
-  <p:clrMapOvr>
-    <a:masterClrMapping/>
-  </p:clrMapOvr>
-  <p:transition spd="med"/>
-</p:sld>
-</file>
-
-<file path=ppt/slides/slide36.xml><?xml version="1.0" encoding="utf-8"?>
-<p:sld xmlns:a="http://schemas.openxmlformats.org/drawingml/2006/main" xmlns:r="http://schemas.openxmlformats.org/officeDocument/2006/relationships" xmlns:p="http://schemas.openxmlformats.org/presentationml/2006/main">
-  <p:cSld>
-    <p:spTree>
-      <p:nvGrpSpPr>
-        <p:cNvPr id="1" name=""/>
-        <p:cNvGrpSpPr/>
-        <p:nvPr/>
-      </p:nvGrpSpPr>
-      <p:grpSpPr>
-        <a:xfrm>
-          <a:off x="0" y="0"/>
-          <a:ext cx="0" cy="0"/>
-          <a:chOff x="0" y="0"/>
-          <a:chExt cx="0" cy="0"/>
-        </a:xfrm>
-      </p:grpSpPr>
-      <p:sp>
-        <p:nvSpPr>
-          <p:cNvPr id="2" name="Title 1"/>
-          <p:cNvSpPr>
-            <a:spLocks noGrp="1"/>
-          </p:cNvSpPr>
-          <p:nvPr>
-            <p:ph type="title"/>
-          </p:nvPr>
-        </p:nvSpPr>
-        <p:spPr/>
-        <p:txBody>
-          <a:bodyPr/>
-          <a:lstStyle/>
-          <a:p>
-            <a:r>
-              <a:rPr lang="en-US" dirty="0" smtClean="0"/>
-              <a:t>Main @ Annotations</a:t>
-            </a:r>
-            <a:endParaRPr lang="en-US" dirty="0"/>
-          </a:p>
-        </p:txBody>
-      </p:sp>
-      <p:sp>
-        <p:nvSpPr>
-          <p:cNvPr id="3" name="Text Placeholder 2"/>
-          <p:cNvSpPr>
-            <a:spLocks noGrp="1"/>
-          </p:cNvSpPr>
-          <p:nvPr>
-            <p:ph type="body" idx="1"/>
-          </p:nvPr>
-        </p:nvSpPr>
-        <p:spPr/>
-        <p:txBody>
-          <a:bodyPr/>
-          <a:lstStyle/>
-          <a:p>
-            <a:r>
-              <a:rPr lang="en-US" b="1" dirty="0" smtClean="0"/>
-              <a:t>@Test</a:t>
-            </a:r>
-            <a:r>
-              <a:rPr lang="en-US" dirty="0" smtClean="0"/>
-              <a:t>: mark a method as a test</a:t>
-            </a:r>
-          </a:p>
-          <a:p>
-            <a:r>
-              <a:rPr lang="en-US" b="1" dirty="0"/>
-              <a:t>@</a:t>
-            </a:r>
-            <a:r>
-              <a:rPr lang="en-US" b="1" dirty="0" err="1" smtClean="0"/>
-              <a:t>BeforeEach</a:t>
-            </a:r>
-            <a:r>
-              <a:rPr lang="en-US" dirty="0" smtClean="0"/>
-              <a:t>: execute method before each test</a:t>
-            </a:r>
-          </a:p>
-          <a:p>
-            <a:r>
-              <a:rPr lang="en-US" b="1" dirty="0" smtClean="0"/>
-              <a:t>@</a:t>
-            </a:r>
-            <a:r>
-              <a:rPr lang="en-US" b="1" dirty="0" err="1" smtClean="0"/>
-              <a:t>BeforeAll</a:t>
-            </a:r>
-            <a:r>
-              <a:rPr lang="en-US" dirty="0" smtClean="0"/>
-              <a:t>: execute method once before any of the tests is started</a:t>
-            </a:r>
-          </a:p>
-          <a:p>
-            <a:r>
-              <a:rPr lang="en-US" b="1" dirty="0" smtClean="0"/>
-              <a:t>@</a:t>
-            </a:r>
-            <a:r>
-              <a:rPr lang="en-US" b="1" dirty="0" err="1" smtClean="0"/>
-              <a:t>AfterEach</a:t>
-            </a:r>
-            <a:r>
-              <a:rPr lang="en-US" dirty="0" smtClean="0"/>
-              <a:t>, </a:t>
-            </a:r>
-            <a:r>
-              <a:rPr lang="en-US" b="1" dirty="0" smtClean="0"/>
-              <a:t>@</a:t>
-            </a:r>
-            <a:r>
-              <a:rPr lang="en-US" b="1" dirty="0" err="1" smtClean="0"/>
-              <a:t>AfterAll</a:t>
-            </a:r>
-            <a:r>
-              <a:rPr lang="en-US" dirty="0" smtClean="0"/>
-              <a:t>: same, but after the tests </a:t>
-            </a:r>
-          </a:p>
-          <a:p>
-            <a:r>
-              <a:rPr lang="en-US" b="1" dirty="0" smtClean="0"/>
-              <a:t>@Disable</a:t>
-            </a:r>
-            <a:r>
-              <a:rPr lang="en-US" dirty="0" smtClean="0"/>
-              <a:t>: temporarily disable a test, which is not going to be run</a:t>
-            </a:r>
-            <a:endParaRPr lang="en-US" dirty="0"/>
-          </a:p>
-        </p:txBody>
-      </p:sp>
-    </p:spTree>
-    <p:extLst>
-      <p:ext uri="{BB962C8B-B14F-4D97-AF65-F5344CB8AC3E}">
-        <p14:creationId xmlns:p14="http://schemas.microsoft.com/office/powerpoint/2010/main" val="2593368313"/>
-      </p:ext>
-    </p:extLst>
-  </p:cSld>
-  <p:clrMapOvr>
-    <a:masterClrMapping/>
-  </p:clrMapOvr>
-  <p:transition spd="med"/>
-</p:sld>
-</file>
-
 <file path=ppt/slides/slide37.xml><?xml version="1.0" encoding="utf-8"?>
 <p:sld xmlns:a="http://schemas.openxmlformats.org/drawingml/2006/main" xmlns:r="http://schemas.openxmlformats.org/officeDocument/2006/relationships" xmlns:p="http://schemas.openxmlformats.org/presentationml/2006/main">
   <p:cSld>
@@ -9742,6 +9604,330 @@
           <a:p>
             <a:r>
               <a:rPr lang="en-US" dirty="0" smtClean="0"/>
+              <a:t>Writing Unit Tests</a:t>
+            </a:r>
+            <a:endParaRPr lang="en-US" dirty="0"/>
+          </a:p>
+        </p:txBody>
+      </p:sp>
+      <p:sp>
+        <p:nvSpPr>
+          <p:cNvPr id="3" name="Text Placeholder 2"/>
+          <p:cNvSpPr>
+            <a:spLocks noGrp="1"/>
+          </p:cNvSpPr>
+          <p:nvPr>
+            <p:ph type="body" idx="1"/>
+          </p:nvPr>
+        </p:nvSpPr>
+        <p:spPr>
+          <a:xfrm>
+            <a:off x="405353" y="2603499"/>
+            <a:ext cx="12330259" cy="6945854"/>
+          </a:xfrm>
+        </p:spPr>
+        <p:txBody>
+          <a:bodyPr>
+            <a:normAutofit lnSpcReduction="10000"/>
+          </a:bodyPr>
+          <a:lstStyle/>
+          <a:p>
+            <a:r>
+              <a:rPr lang="en-US" dirty="0" smtClean="0"/>
+              <a:t>Using a library called </a:t>
+            </a:r>
+            <a:r>
+              <a:rPr lang="en-US" b="1" dirty="0" smtClean="0"/>
+              <a:t>JUnit</a:t>
+            </a:r>
+          </a:p>
+          <a:p>
+            <a:pPr lvl="1"/>
+            <a:r>
+              <a:rPr lang="en-US" dirty="0" smtClean="0"/>
+              <a:t>Note: how to configure </a:t>
+            </a:r>
+            <a:r>
+              <a:rPr lang="en-US" i="1" dirty="0" smtClean="0"/>
+              <a:t>Maven</a:t>
+            </a:r>
+            <a:r>
+              <a:rPr lang="en-US" dirty="0" smtClean="0"/>
+              <a:t> to import third-party libraries is not part of this course (and so not on the exam), but you can ask me in the breaks if you are curious (for some of you, we will dig into its low level details in Enterprise Programming 1 next semester)</a:t>
+            </a:r>
+          </a:p>
+          <a:p>
+            <a:r>
+              <a:rPr lang="en-US" dirty="0" smtClean="0"/>
+              <a:t>Regular code in “</a:t>
+            </a:r>
+            <a:r>
+              <a:rPr lang="en-US" i="1" dirty="0" err="1" smtClean="0"/>
+              <a:t>src</a:t>
+            </a:r>
+            <a:r>
+              <a:rPr lang="en-US" i="1" dirty="0" smtClean="0"/>
+              <a:t>/main/java</a:t>
+            </a:r>
+            <a:r>
+              <a:rPr lang="en-US" dirty="0" smtClean="0"/>
+              <a:t>” folder</a:t>
+            </a:r>
+          </a:p>
+          <a:p>
+            <a:r>
+              <a:rPr lang="en-US" dirty="0" smtClean="0"/>
+              <a:t>Test </a:t>
+            </a:r>
+            <a:r>
+              <a:rPr lang="en-US" dirty="0"/>
+              <a:t>code in “</a:t>
+            </a:r>
+            <a:r>
+              <a:rPr lang="en-US" i="1" dirty="0" err="1" smtClean="0"/>
+              <a:t>src</a:t>
+            </a:r>
+            <a:r>
+              <a:rPr lang="en-US" i="1" dirty="0" smtClean="0"/>
+              <a:t>/test/java</a:t>
+            </a:r>
+            <a:r>
+              <a:rPr lang="en-US" dirty="0"/>
+              <a:t>” </a:t>
+            </a:r>
+            <a:r>
+              <a:rPr lang="en-US" dirty="0" smtClean="0"/>
+              <a:t>folder</a:t>
+            </a:r>
+          </a:p>
+          <a:p>
+            <a:r>
+              <a:rPr lang="en-US" dirty="0" smtClean="0"/>
+              <a:t>A test class is just a Java class with </a:t>
+            </a:r>
+            <a:r>
+              <a:rPr lang="en-US" i="1" dirty="0" smtClean="0"/>
+              <a:t>@ annotations</a:t>
+            </a:r>
+          </a:p>
+          <a:p>
+            <a:r>
+              <a:rPr lang="en-US" dirty="0" smtClean="0"/>
+              <a:t>A test class for a class called </a:t>
+            </a:r>
+            <a:r>
+              <a:rPr lang="en-US" i="1" dirty="0" smtClean="0"/>
+              <a:t>Foo.java</a:t>
+            </a:r>
+            <a:r>
+              <a:rPr lang="en-US" dirty="0" smtClean="0"/>
+              <a:t> will be called </a:t>
+            </a:r>
+            <a:r>
+              <a:rPr lang="en-US" i="1" dirty="0" smtClean="0"/>
+              <a:t>FooTest.java</a:t>
+            </a:r>
+            <a:r>
+              <a:rPr lang="en-US" dirty="0" smtClean="0"/>
+              <a:t>, in the same package</a:t>
+            </a:r>
+            <a:endParaRPr lang="en-US" i="1" dirty="0"/>
+          </a:p>
+        </p:txBody>
+      </p:sp>
+    </p:spTree>
+    <p:extLst>
+      <p:ext uri="{BB962C8B-B14F-4D97-AF65-F5344CB8AC3E}">
+        <p14:creationId xmlns:p14="http://schemas.microsoft.com/office/powerpoint/2010/main" val="3303595683"/>
+      </p:ext>
+    </p:extLst>
+  </p:cSld>
+  <p:clrMapOvr>
+    <a:masterClrMapping/>
+  </p:clrMapOvr>
+  <p:transition spd="med"/>
+</p:sld>
+</file>
+
+<file path=ppt/slides/slide38.xml><?xml version="1.0" encoding="utf-8"?>
+<p:sld xmlns:a="http://schemas.openxmlformats.org/drawingml/2006/main" xmlns:r="http://schemas.openxmlformats.org/officeDocument/2006/relationships" xmlns:p="http://schemas.openxmlformats.org/presentationml/2006/main">
+  <p:cSld>
+    <p:spTree>
+      <p:nvGrpSpPr>
+        <p:cNvPr id="1" name=""/>
+        <p:cNvGrpSpPr/>
+        <p:nvPr/>
+      </p:nvGrpSpPr>
+      <p:grpSpPr>
+        <a:xfrm>
+          <a:off x="0" y="0"/>
+          <a:ext cx="0" cy="0"/>
+          <a:chOff x="0" y="0"/>
+          <a:chExt cx="0" cy="0"/>
+        </a:xfrm>
+      </p:grpSpPr>
+      <p:sp>
+        <p:nvSpPr>
+          <p:cNvPr id="2" name="Title 1"/>
+          <p:cNvSpPr>
+            <a:spLocks noGrp="1"/>
+          </p:cNvSpPr>
+          <p:nvPr>
+            <p:ph type="title"/>
+          </p:nvPr>
+        </p:nvSpPr>
+        <p:spPr/>
+        <p:txBody>
+          <a:bodyPr/>
+          <a:lstStyle/>
+          <a:p>
+            <a:r>
+              <a:rPr lang="en-US" dirty="0" smtClean="0"/>
+              <a:t>Main @ Annotations</a:t>
+            </a:r>
+            <a:endParaRPr lang="en-US" dirty="0"/>
+          </a:p>
+        </p:txBody>
+      </p:sp>
+      <p:sp>
+        <p:nvSpPr>
+          <p:cNvPr id="3" name="Text Placeholder 2"/>
+          <p:cNvSpPr>
+            <a:spLocks noGrp="1"/>
+          </p:cNvSpPr>
+          <p:nvPr>
+            <p:ph type="body" idx="1"/>
+          </p:nvPr>
+        </p:nvSpPr>
+        <p:spPr/>
+        <p:txBody>
+          <a:bodyPr/>
+          <a:lstStyle/>
+          <a:p>
+            <a:r>
+              <a:rPr lang="en-US" b="1" dirty="0" smtClean="0"/>
+              <a:t>@Test</a:t>
+            </a:r>
+            <a:r>
+              <a:rPr lang="en-US" dirty="0" smtClean="0"/>
+              <a:t>: mark a method as a test</a:t>
+            </a:r>
+          </a:p>
+          <a:p>
+            <a:r>
+              <a:rPr lang="en-US" b="1" dirty="0"/>
+              <a:t>@</a:t>
+            </a:r>
+            <a:r>
+              <a:rPr lang="en-US" b="1" dirty="0" err="1" smtClean="0"/>
+              <a:t>BeforeEach</a:t>
+            </a:r>
+            <a:r>
+              <a:rPr lang="en-US" dirty="0" smtClean="0"/>
+              <a:t>: execute method before each test</a:t>
+            </a:r>
+          </a:p>
+          <a:p>
+            <a:r>
+              <a:rPr lang="en-US" b="1" dirty="0" smtClean="0"/>
+              <a:t>@</a:t>
+            </a:r>
+            <a:r>
+              <a:rPr lang="en-US" b="1" dirty="0" err="1" smtClean="0"/>
+              <a:t>BeforeAll</a:t>
+            </a:r>
+            <a:r>
+              <a:rPr lang="en-US" dirty="0" smtClean="0"/>
+              <a:t>: execute method once before any of the tests is started</a:t>
+            </a:r>
+          </a:p>
+          <a:p>
+            <a:r>
+              <a:rPr lang="en-US" b="1" dirty="0" smtClean="0"/>
+              <a:t>@</a:t>
+            </a:r>
+            <a:r>
+              <a:rPr lang="en-US" b="1" dirty="0" err="1" smtClean="0"/>
+              <a:t>AfterEach</a:t>
+            </a:r>
+            <a:r>
+              <a:rPr lang="en-US" dirty="0" smtClean="0"/>
+              <a:t>, </a:t>
+            </a:r>
+            <a:r>
+              <a:rPr lang="en-US" b="1" dirty="0" smtClean="0"/>
+              <a:t>@</a:t>
+            </a:r>
+            <a:r>
+              <a:rPr lang="en-US" b="1" dirty="0" err="1" smtClean="0"/>
+              <a:t>AfterAll</a:t>
+            </a:r>
+            <a:r>
+              <a:rPr lang="en-US" dirty="0" smtClean="0"/>
+              <a:t>: same, but after the tests </a:t>
+            </a:r>
+          </a:p>
+          <a:p>
+            <a:r>
+              <a:rPr lang="en-US" b="1" dirty="0" smtClean="0"/>
+              <a:t>@Disable</a:t>
+            </a:r>
+            <a:r>
+              <a:rPr lang="en-US" dirty="0" smtClean="0"/>
+              <a:t>: temporarily disable a test, which is not going to be run</a:t>
+            </a:r>
+            <a:endParaRPr lang="en-US" dirty="0"/>
+          </a:p>
+        </p:txBody>
+      </p:sp>
+    </p:spTree>
+    <p:extLst>
+      <p:ext uri="{BB962C8B-B14F-4D97-AF65-F5344CB8AC3E}">
+        <p14:creationId xmlns:p14="http://schemas.microsoft.com/office/powerpoint/2010/main" val="2593368313"/>
+      </p:ext>
+    </p:extLst>
+  </p:cSld>
+  <p:clrMapOvr>
+    <a:masterClrMapping/>
+  </p:clrMapOvr>
+  <p:transition spd="med"/>
+</p:sld>
+</file>
+
+<file path=ppt/slides/slide39.xml><?xml version="1.0" encoding="utf-8"?>
+<p:sld xmlns:a="http://schemas.openxmlformats.org/drawingml/2006/main" xmlns:r="http://schemas.openxmlformats.org/officeDocument/2006/relationships" xmlns:p="http://schemas.openxmlformats.org/presentationml/2006/main">
+  <p:cSld>
+    <p:spTree>
+      <p:nvGrpSpPr>
+        <p:cNvPr id="1" name=""/>
+        <p:cNvGrpSpPr/>
+        <p:nvPr/>
+      </p:nvGrpSpPr>
+      <p:grpSpPr>
+        <a:xfrm>
+          <a:off x="0" y="0"/>
+          <a:ext cx="0" cy="0"/>
+          <a:chOff x="0" y="0"/>
+          <a:chExt cx="0" cy="0"/>
+        </a:xfrm>
+      </p:grpSpPr>
+      <p:sp>
+        <p:nvSpPr>
+          <p:cNvPr id="2" name="Title 1"/>
+          <p:cNvSpPr>
+            <a:spLocks noGrp="1"/>
+          </p:cNvSpPr>
+          <p:nvPr>
+            <p:ph type="title"/>
+          </p:nvPr>
+        </p:nvSpPr>
+        <p:spPr/>
+        <p:txBody>
+          <a:bodyPr/>
+          <a:lstStyle/>
+          <a:p>
+            <a:r>
+              <a:rPr lang="en-US" dirty="0" smtClean="0"/>
               <a:t>Assertions</a:t>
             </a:r>
             <a:endParaRPr lang="en-US" dirty="0"/>
@@ -9930,7 +10116,136 @@
 </p:sld>
 </file>
 
-<file path=ppt/slides/slide38.xml><?xml version="1.0" encoding="utf-8"?>
+<file path=ppt/slides/slide4.xml><?xml version="1.0" encoding="utf-8"?>
+<p:sld xmlns:a="http://schemas.openxmlformats.org/drawingml/2006/main" xmlns:r="http://schemas.openxmlformats.org/officeDocument/2006/relationships" xmlns:p="http://schemas.openxmlformats.org/presentationml/2006/main">
+  <p:cSld>
+    <p:spTree>
+      <p:nvGrpSpPr>
+        <p:cNvPr id="1" name=""/>
+        <p:cNvGrpSpPr/>
+        <p:nvPr/>
+      </p:nvGrpSpPr>
+      <p:grpSpPr>
+        <a:xfrm>
+          <a:off x="0" y="0"/>
+          <a:ext cx="0" cy="0"/>
+          <a:chOff x="0" y="0"/>
+          <a:chExt cx="0" cy="0"/>
+        </a:xfrm>
+      </p:grpSpPr>
+      <p:sp>
+        <p:nvSpPr>
+          <p:cNvPr id="140" name="Shape 140"/>
+          <p:cNvSpPr>
+            <a:spLocks noGrp="1"/>
+          </p:cNvSpPr>
+          <p:nvPr>
+            <p:ph type="title"/>
+          </p:nvPr>
+        </p:nvSpPr>
+        <p:spPr>
+          <a:prstGeom prst="rect">
+            <a:avLst/>
+          </a:prstGeom>
+        </p:spPr>
+        <p:txBody>
+          <a:bodyPr/>
+          <a:lstStyle/>
+          <a:p>
+            <a:r>
+              <a:t>Course Info</a:t>
+            </a:r>
+          </a:p>
+        </p:txBody>
+      </p:sp>
+      <p:sp>
+        <p:nvSpPr>
+          <p:cNvPr id="141" name="Shape 141"/>
+          <p:cNvSpPr>
+            <a:spLocks noGrp="1"/>
+          </p:cNvSpPr>
+          <p:nvPr>
+            <p:ph type="body" idx="1"/>
+          </p:nvPr>
+        </p:nvSpPr>
+        <p:spPr>
+          <a:xfrm>
+            <a:off x="400049" y="2603500"/>
+            <a:ext cx="12163425" cy="6286500"/>
+          </a:xfrm>
+          <a:prstGeom prst="rect">
+            <a:avLst/>
+          </a:prstGeom>
+        </p:spPr>
+        <p:txBody>
+          <a:bodyPr/>
+          <a:lstStyle/>
+          <a:p>
+            <a:r>
+              <a:rPr dirty="0" smtClean="0"/>
+              <a:t>12 </a:t>
+            </a:r>
+            <a:r>
+              <a:rPr dirty="0"/>
+              <a:t>lessons, </a:t>
+            </a:r>
+            <a:r>
+              <a:rPr lang="en-US" dirty="0" smtClean="0"/>
+              <a:t>once </a:t>
+            </a:r>
+            <a:r>
+              <a:rPr dirty="0" smtClean="0"/>
+              <a:t>a weak</a:t>
+            </a:r>
+            <a:endParaRPr lang="en-US" dirty="0" smtClean="0"/>
+          </a:p>
+          <a:p>
+            <a:r>
+              <a:rPr lang="en-US" dirty="0" smtClean="0"/>
+              <a:t>Class 1-9: </a:t>
+            </a:r>
+            <a:r>
+              <a:rPr lang="en-US" i="1" dirty="0" smtClean="0"/>
+              <a:t>Foundation</a:t>
+            </a:r>
+            <a:r>
+              <a:rPr lang="en-US" dirty="0" smtClean="0"/>
+              <a:t>, algorithms and data structures that all of you will need to know if you are going to work as a developer/programmer/engineer/etc.</a:t>
+            </a:r>
+          </a:p>
+          <a:p>
+            <a:r>
+              <a:rPr lang="en-US" dirty="0" smtClean="0"/>
+              <a:t>Class 10-12: </a:t>
+            </a:r>
+            <a:r>
+              <a:rPr lang="en-US" i="1" dirty="0" smtClean="0"/>
+              <a:t>Advanced</a:t>
+            </a:r>
+            <a:r>
+              <a:rPr lang="en-US" dirty="0" smtClean="0"/>
+              <a:t>, interesting and important topics, but that not all of you will need in your daily jobs</a:t>
+            </a:r>
+          </a:p>
+          <a:p>
+            <a:r>
+              <a:rPr lang="en-US" dirty="0" smtClean="0"/>
+              <a:t>Check each week to see if changes in schedule (time and room)</a:t>
+            </a:r>
+            <a:endParaRPr dirty="0"/>
+          </a:p>
+        </p:txBody>
+      </p:sp>
+    </p:spTree>
+  </p:cSld>
+  <p:clrMapOvr>
+    <a:masterClrMapping/>
+  </p:clrMapOvr>
+  <p:transition spd="slow"/>
+</p:sld>
+</file>
+
+<file path=ppt/slides/slide40.xml><?xml version="1.0" encoding="utf-8"?>
 <p:sld xmlns:a="http://schemas.openxmlformats.org/drawingml/2006/main" xmlns:r="http://schemas.openxmlformats.org/officeDocument/2006/relationships" xmlns:p="http://schemas.openxmlformats.org/presentationml/2006/main">
   <p:cSld>
     <p:spTree>
@@ -11312,7 +11627,7 @@
 </p:sld>
 </file>
 
-<file path=ppt/slides/slide39.xml><?xml version="1.0" encoding="utf-8"?>
+<file path=ppt/slides/slide41.xml><?xml version="1.0" encoding="utf-8"?>
 <p:sld xmlns:a="http://schemas.openxmlformats.org/drawingml/2006/main" xmlns:r="http://schemas.openxmlformats.org/officeDocument/2006/relationships" xmlns:p="http://schemas.openxmlformats.org/presentationml/2006/main">
   <p:cSld>
     <p:spTree>
@@ -11463,401 +11778,6 @@
     <p:extLst>
       <p:ext uri="{BB962C8B-B14F-4D97-AF65-F5344CB8AC3E}">
         <p14:creationId xmlns:p14="http://schemas.microsoft.com/office/powerpoint/2010/main" val="3232246092"/>
-      </p:ext>
-    </p:extLst>
-  </p:cSld>
-  <p:clrMapOvr>
-    <a:masterClrMapping/>
-  </p:clrMapOvr>
-  <p:transition spd="med"/>
-</p:sld>
-</file>
-
-<file path=ppt/slides/slide4.xml><?xml version="1.0" encoding="utf-8"?>
-<p:sld xmlns:a="http://schemas.openxmlformats.org/drawingml/2006/main" xmlns:r="http://schemas.openxmlformats.org/officeDocument/2006/relationships" xmlns:p="http://schemas.openxmlformats.org/presentationml/2006/main">
-  <p:cSld>
-    <p:spTree>
-      <p:nvGrpSpPr>
-        <p:cNvPr id="1" name=""/>
-        <p:cNvGrpSpPr/>
-        <p:nvPr/>
-      </p:nvGrpSpPr>
-      <p:grpSpPr>
-        <a:xfrm>
-          <a:off x="0" y="0"/>
-          <a:ext cx="0" cy="0"/>
-          <a:chOff x="0" y="0"/>
-          <a:chExt cx="0" cy="0"/>
-        </a:xfrm>
-      </p:grpSpPr>
-      <p:sp>
-        <p:nvSpPr>
-          <p:cNvPr id="140" name="Shape 140"/>
-          <p:cNvSpPr>
-            <a:spLocks noGrp="1"/>
-          </p:cNvSpPr>
-          <p:nvPr>
-            <p:ph type="title"/>
-          </p:nvPr>
-        </p:nvSpPr>
-        <p:spPr>
-          <a:prstGeom prst="rect">
-            <a:avLst/>
-          </a:prstGeom>
-        </p:spPr>
-        <p:txBody>
-          <a:bodyPr/>
-          <a:lstStyle/>
-          <a:p>
-            <a:r>
-              <a:t>Course Info</a:t>
-            </a:r>
-          </a:p>
-        </p:txBody>
-      </p:sp>
-      <p:sp>
-        <p:nvSpPr>
-          <p:cNvPr id="141" name="Shape 141"/>
-          <p:cNvSpPr>
-            <a:spLocks noGrp="1"/>
-          </p:cNvSpPr>
-          <p:nvPr>
-            <p:ph type="body" idx="1"/>
-          </p:nvPr>
-        </p:nvSpPr>
-        <p:spPr>
-          <a:xfrm>
-            <a:off x="400049" y="2603500"/>
-            <a:ext cx="12163425" cy="6286500"/>
-          </a:xfrm>
-          <a:prstGeom prst="rect">
-            <a:avLst/>
-          </a:prstGeom>
-        </p:spPr>
-        <p:txBody>
-          <a:bodyPr/>
-          <a:lstStyle/>
-          <a:p>
-            <a:r>
-              <a:rPr dirty="0" smtClean="0"/>
-              <a:t>12 </a:t>
-            </a:r>
-            <a:r>
-              <a:rPr dirty="0"/>
-              <a:t>lessons, </a:t>
-            </a:r>
-            <a:r>
-              <a:rPr lang="en-US" dirty="0" smtClean="0"/>
-              <a:t>once </a:t>
-            </a:r>
-            <a:r>
-              <a:rPr dirty="0" smtClean="0"/>
-              <a:t>a weak</a:t>
-            </a:r>
-            <a:endParaRPr lang="en-US" dirty="0" smtClean="0"/>
-          </a:p>
-          <a:p>
-            <a:r>
-              <a:rPr lang="en-US" dirty="0" smtClean="0"/>
-              <a:t>Class 1-9: </a:t>
-            </a:r>
-            <a:r>
-              <a:rPr lang="en-US" i="1" dirty="0" smtClean="0"/>
-              <a:t>Foundation</a:t>
-            </a:r>
-            <a:r>
-              <a:rPr lang="en-US" dirty="0" smtClean="0"/>
-              <a:t>, algorithms and data structures that all of you will need to know if you are going to work as a developer/programmer/engineer/etc.</a:t>
-            </a:r>
-          </a:p>
-          <a:p>
-            <a:r>
-              <a:rPr lang="en-US" dirty="0" smtClean="0"/>
-              <a:t>Class 10-12: </a:t>
-            </a:r>
-            <a:r>
-              <a:rPr lang="en-US" i="1" dirty="0" smtClean="0"/>
-              <a:t>Advanced</a:t>
-            </a:r>
-            <a:r>
-              <a:rPr lang="en-US" dirty="0" smtClean="0"/>
-              <a:t>, interesting and important topics, but that not all of you will need in your daily jobs</a:t>
-            </a:r>
-          </a:p>
-          <a:p>
-            <a:r>
-              <a:rPr lang="en-US" dirty="0" smtClean="0"/>
-              <a:t>Check each week to see if changes in schedule (time and room)</a:t>
-            </a:r>
-            <a:endParaRPr dirty="0"/>
-          </a:p>
-        </p:txBody>
-      </p:sp>
-    </p:spTree>
-  </p:cSld>
-  <p:clrMapOvr>
-    <a:masterClrMapping/>
-  </p:clrMapOvr>
-  <p:transition spd="slow"/>
-</p:sld>
-</file>
-
-<file path=ppt/slides/slide40.xml><?xml version="1.0" encoding="utf-8"?>
-<p:sld xmlns:a="http://schemas.openxmlformats.org/drawingml/2006/main" xmlns:r="http://schemas.openxmlformats.org/officeDocument/2006/relationships" xmlns:p="http://schemas.openxmlformats.org/presentationml/2006/main">
-  <p:cSld>
-    <p:spTree>
-      <p:nvGrpSpPr>
-        <p:cNvPr id="1" name=""/>
-        <p:cNvGrpSpPr/>
-        <p:nvPr/>
-      </p:nvGrpSpPr>
-      <p:grpSpPr>
-        <a:xfrm>
-          <a:off x="0" y="0"/>
-          <a:ext cx="0" cy="0"/>
-          <a:chOff x="0" y="0"/>
-          <a:chExt cx="0" cy="0"/>
-        </a:xfrm>
-      </p:grpSpPr>
-      <p:sp>
-        <p:nvSpPr>
-          <p:cNvPr id="2" name="Title 1"/>
-          <p:cNvSpPr>
-            <a:spLocks noGrp="1"/>
-          </p:cNvSpPr>
-          <p:nvPr>
-            <p:ph type="title"/>
-          </p:nvPr>
-        </p:nvSpPr>
-        <p:spPr/>
-        <p:txBody>
-          <a:bodyPr/>
-          <a:lstStyle/>
-          <a:p>
-            <a:r>
-              <a:rPr lang="en-US" dirty="0" smtClean="0"/>
-              <a:t>Run With Coverage</a:t>
-            </a:r>
-            <a:endParaRPr lang="en-US" dirty="0"/>
-          </a:p>
-        </p:txBody>
-      </p:sp>
-      <p:sp>
-        <p:nvSpPr>
-          <p:cNvPr id="3" name="Text Placeholder 2"/>
-          <p:cNvSpPr>
-            <a:spLocks noGrp="1"/>
-          </p:cNvSpPr>
-          <p:nvPr>
-            <p:ph type="body" idx="1"/>
-          </p:nvPr>
-        </p:nvSpPr>
-        <p:spPr>
-          <a:xfrm>
-            <a:off x="9658350" y="2603500"/>
-            <a:ext cx="2971800" cy="6286500"/>
-          </a:xfrm>
-        </p:spPr>
-        <p:txBody>
-          <a:bodyPr>
-            <a:normAutofit fontScale="92500" lnSpcReduction="10000"/>
-          </a:bodyPr>
-          <a:lstStyle/>
-          <a:p>
-            <a:r>
-              <a:rPr lang="en-US" dirty="0" smtClean="0"/>
-              <a:t>Can tell you how much of the code is executed</a:t>
-            </a:r>
-          </a:p>
-          <a:p>
-            <a:r>
-              <a:rPr lang="en-US" dirty="0" err="1"/>
-              <a:t>E</a:t>
-            </a:r>
-            <a:r>
-              <a:rPr lang="en-US" dirty="0" err="1" smtClean="0"/>
-              <a:t>g</a:t>
-            </a:r>
-            <a:r>
-              <a:rPr lang="en-US" dirty="0" smtClean="0"/>
-              <a:t>, 83% in this case</a:t>
-            </a:r>
-          </a:p>
-          <a:p>
-            <a:r>
-              <a:rPr lang="en-US" dirty="0" smtClean="0"/>
-              <a:t>Code that is never executed by a test, might have bugs</a:t>
-            </a:r>
-            <a:endParaRPr lang="en-US" dirty="0"/>
-          </a:p>
-        </p:txBody>
-      </p:sp>
-      <p:pic>
-        <p:nvPicPr>
-          <p:cNvPr id="4" name="Picture 3"/>
-          <p:cNvPicPr>
-            <a:picLocks noChangeAspect="1"/>
-          </p:cNvPicPr>
-          <p:nvPr/>
-        </p:nvPicPr>
-        <p:blipFill>
-          <a:blip r:embed="rId2"/>
-          <a:stretch>
-            <a:fillRect/>
-          </a:stretch>
-        </p:blipFill>
-        <p:spPr>
-          <a:xfrm>
-            <a:off x="188091" y="2324100"/>
-            <a:ext cx="9143787" cy="6565900"/>
-          </a:xfrm>
-          <a:prstGeom prst="rect">
-            <a:avLst/>
-          </a:prstGeom>
-        </p:spPr>
-      </p:pic>
-    </p:spTree>
-    <p:extLst>
-      <p:ext uri="{BB962C8B-B14F-4D97-AF65-F5344CB8AC3E}">
-        <p14:creationId xmlns:p14="http://schemas.microsoft.com/office/powerpoint/2010/main" val="844312714"/>
-      </p:ext>
-    </p:extLst>
-  </p:cSld>
-  <p:clrMapOvr>
-    <a:masterClrMapping/>
-  </p:clrMapOvr>
-  <p:transition spd="med"/>
-</p:sld>
-</file>
-
-<file path=ppt/slides/slide41.xml><?xml version="1.0" encoding="utf-8"?>
-<p:sld xmlns:a="http://schemas.openxmlformats.org/drawingml/2006/main" xmlns:r="http://schemas.openxmlformats.org/officeDocument/2006/relationships" xmlns:p="http://schemas.openxmlformats.org/presentationml/2006/main">
-  <p:cSld>
-    <p:spTree>
-      <p:nvGrpSpPr>
-        <p:cNvPr id="1" name=""/>
-        <p:cNvGrpSpPr/>
-        <p:nvPr/>
-      </p:nvGrpSpPr>
-      <p:grpSpPr>
-        <a:xfrm>
-          <a:off x="0" y="0"/>
-          <a:ext cx="0" cy="0"/>
-          <a:chOff x="0" y="0"/>
-          <a:chExt cx="0" cy="0"/>
-        </a:xfrm>
-      </p:grpSpPr>
-      <p:sp>
-        <p:nvSpPr>
-          <p:cNvPr id="2" name="Title 1"/>
-          <p:cNvSpPr>
-            <a:spLocks noGrp="1"/>
-          </p:cNvSpPr>
-          <p:nvPr>
-            <p:ph type="title"/>
-          </p:nvPr>
-        </p:nvSpPr>
-        <p:spPr/>
-        <p:txBody>
-          <a:bodyPr/>
-          <a:lstStyle/>
-          <a:p>
-            <a:r>
-              <a:rPr lang="en-US" dirty="0" smtClean="0"/>
-              <a:t>Debugging</a:t>
-            </a:r>
-            <a:endParaRPr lang="en-US" dirty="0"/>
-          </a:p>
-        </p:txBody>
-      </p:sp>
-      <p:sp>
-        <p:nvSpPr>
-          <p:cNvPr id="3" name="Text Placeholder 2"/>
-          <p:cNvSpPr>
-            <a:spLocks noGrp="1"/>
-          </p:cNvSpPr>
-          <p:nvPr>
-            <p:ph type="body" idx="1"/>
-          </p:nvPr>
-        </p:nvSpPr>
-        <p:spPr>
-          <a:xfrm>
-            <a:off x="7336052" y="2603500"/>
-            <a:ext cx="5437268" cy="6870438"/>
-          </a:xfrm>
-        </p:spPr>
-        <p:txBody>
-          <a:bodyPr/>
-          <a:lstStyle/>
-          <a:p>
-            <a:r>
-              <a:rPr lang="en-US" b="1" dirty="0" smtClean="0"/>
-              <a:t>VERY IMPORTANT</a:t>
-            </a:r>
-          </a:p>
-          <a:p>
-            <a:r>
-              <a:rPr lang="en-US" dirty="0" smtClean="0"/>
-              <a:t>Can put “</a:t>
-            </a:r>
-            <a:r>
-              <a:rPr lang="en-US" i="1" dirty="0" smtClean="0"/>
-              <a:t>break points</a:t>
-            </a:r>
-            <a:r>
-              <a:rPr lang="en-US" dirty="0" smtClean="0"/>
-              <a:t>”</a:t>
-            </a:r>
-          </a:p>
-          <a:p>
-            <a:r>
-              <a:rPr lang="en-US" dirty="0" smtClean="0"/>
-              <a:t>Execute one step at a time</a:t>
-            </a:r>
-          </a:p>
-          <a:p>
-            <a:r>
-              <a:rPr lang="en-US" dirty="0" smtClean="0"/>
-              <a:t>Inspect status of all variables, at each step</a:t>
-            </a:r>
-          </a:p>
-          <a:p>
-            <a:r>
-              <a:rPr lang="en-US" dirty="0" smtClean="0"/>
-              <a:t>Easier to understand with live demo</a:t>
-            </a:r>
-            <a:endParaRPr lang="en-US" dirty="0"/>
-          </a:p>
-        </p:txBody>
-      </p:sp>
-      <p:pic>
-        <p:nvPicPr>
-          <p:cNvPr id="4" name="Picture 3"/>
-          <p:cNvPicPr>
-            <a:picLocks noChangeAspect="1"/>
-          </p:cNvPicPr>
-          <p:nvPr/>
-        </p:nvPicPr>
-        <p:blipFill>
-          <a:blip r:embed="rId2"/>
-          <a:stretch>
-            <a:fillRect/>
-          </a:stretch>
-        </p:blipFill>
-        <p:spPr>
-          <a:xfrm>
-            <a:off x="472180" y="2603500"/>
-            <a:ext cx="6383552" cy="6959600"/>
-          </a:xfrm>
-          <a:prstGeom prst="rect">
-            <a:avLst/>
-          </a:prstGeom>
-        </p:spPr>
-      </p:pic>
-    </p:spTree>
-    <p:extLst>
-      <p:ext uri="{BB962C8B-B14F-4D97-AF65-F5344CB8AC3E}">
-        <p14:creationId xmlns:p14="http://schemas.microsoft.com/office/powerpoint/2010/main" val="2427230543"/>
       </p:ext>
     </p:extLst>
   </p:cSld>
@@ -11902,6 +11822,272 @@
           <a:p>
             <a:r>
               <a:rPr lang="en-US" dirty="0" smtClean="0"/>
+              <a:t>Run With Coverage</a:t>
+            </a:r>
+            <a:endParaRPr lang="en-US" dirty="0"/>
+          </a:p>
+        </p:txBody>
+      </p:sp>
+      <p:sp>
+        <p:nvSpPr>
+          <p:cNvPr id="3" name="Text Placeholder 2"/>
+          <p:cNvSpPr>
+            <a:spLocks noGrp="1"/>
+          </p:cNvSpPr>
+          <p:nvPr>
+            <p:ph type="body" idx="1"/>
+          </p:nvPr>
+        </p:nvSpPr>
+        <p:spPr>
+          <a:xfrm>
+            <a:off x="9658350" y="2603500"/>
+            <a:ext cx="2971800" cy="6286500"/>
+          </a:xfrm>
+        </p:spPr>
+        <p:txBody>
+          <a:bodyPr>
+            <a:normAutofit fontScale="92500" lnSpcReduction="10000"/>
+          </a:bodyPr>
+          <a:lstStyle/>
+          <a:p>
+            <a:r>
+              <a:rPr lang="en-US" dirty="0" smtClean="0"/>
+              <a:t>Can tell you how much of the code is executed</a:t>
+            </a:r>
+          </a:p>
+          <a:p>
+            <a:r>
+              <a:rPr lang="en-US" dirty="0" err="1"/>
+              <a:t>E</a:t>
+            </a:r>
+            <a:r>
+              <a:rPr lang="en-US" dirty="0" err="1" smtClean="0"/>
+              <a:t>g</a:t>
+            </a:r>
+            <a:r>
+              <a:rPr lang="en-US" dirty="0" smtClean="0"/>
+              <a:t>, 83% in this case</a:t>
+            </a:r>
+          </a:p>
+          <a:p>
+            <a:r>
+              <a:rPr lang="en-US" dirty="0" smtClean="0"/>
+              <a:t>Code that is never executed by a test, might have bugs</a:t>
+            </a:r>
+            <a:endParaRPr lang="en-US" dirty="0"/>
+          </a:p>
+        </p:txBody>
+      </p:sp>
+      <p:pic>
+        <p:nvPicPr>
+          <p:cNvPr id="4" name="Picture 3"/>
+          <p:cNvPicPr>
+            <a:picLocks noChangeAspect="1"/>
+          </p:cNvPicPr>
+          <p:nvPr/>
+        </p:nvPicPr>
+        <p:blipFill>
+          <a:blip r:embed="rId2"/>
+          <a:stretch>
+            <a:fillRect/>
+          </a:stretch>
+        </p:blipFill>
+        <p:spPr>
+          <a:xfrm>
+            <a:off x="188091" y="2324100"/>
+            <a:ext cx="9143787" cy="6565900"/>
+          </a:xfrm>
+          <a:prstGeom prst="rect">
+            <a:avLst/>
+          </a:prstGeom>
+        </p:spPr>
+      </p:pic>
+    </p:spTree>
+    <p:extLst>
+      <p:ext uri="{BB962C8B-B14F-4D97-AF65-F5344CB8AC3E}">
+        <p14:creationId xmlns:p14="http://schemas.microsoft.com/office/powerpoint/2010/main" val="844312714"/>
+      </p:ext>
+    </p:extLst>
+  </p:cSld>
+  <p:clrMapOvr>
+    <a:masterClrMapping/>
+  </p:clrMapOvr>
+  <p:transition spd="med"/>
+</p:sld>
+</file>
+
+<file path=ppt/slides/slide43.xml><?xml version="1.0" encoding="utf-8"?>
+<p:sld xmlns:a="http://schemas.openxmlformats.org/drawingml/2006/main" xmlns:r="http://schemas.openxmlformats.org/officeDocument/2006/relationships" xmlns:p="http://schemas.openxmlformats.org/presentationml/2006/main">
+  <p:cSld>
+    <p:spTree>
+      <p:nvGrpSpPr>
+        <p:cNvPr id="1" name=""/>
+        <p:cNvGrpSpPr/>
+        <p:nvPr/>
+      </p:nvGrpSpPr>
+      <p:grpSpPr>
+        <a:xfrm>
+          <a:off x="0" y="0"/>
+          <a:ext cx="0" cy="0"/>
+          <a:chOff x="0" y="0"/>
+          <a:chExt cx="0" cy="0"/>
+        </a:xfrm>
+      </p:grpSpPr>
+      <p:sp>
+        <p:nvSpPr>
+          <p:cNvPr id="2" name="Title 1"/>
+          <p:cNvSpPr>
+            <a:spLocks noGrp="1"/>
+          </p:cNvSpPr>
+          <p:nvPr>
+            <p:ph type="title"/>
+          </p:nvPr>
+        </p:nvSpPr>
+        <p:spPr/>
+        <p:txBody>
+          <a:bodyPr/>
+          <a:lstStyle/>
+          <a:p>
+            <a:r>
+              <a:rPr lang="en-US" dirty="0" smtClean="0"/>
+              <a:t>Debugging</a:t>
+            </a:r>
+            <a:endParaRPr lang="en-US" dirty="0"/>
+          </a:p>
+        </p:txBody>
+      </p:sp>
+      <p:sp>
+        <p:nvSpPr>
+          <p:cNvPr id="3" name="Text Placeholder 2"/>
+          <p:cNvSpPr>
+            <a:spLocks noGrp="1"/>
+          </p:cNvSpPr>
+          <p:nvPr>
+            <p:ph type="body" idx="1"/>
+          </p:nvPr>
+        </p:nvSpPr>
+        <p:spPr>
+          <a:xfrm>
+            <a:off x="7336052" y="2603500"/>
+            <a:ext cx="5437268" cy="6870438"/>
+          </a:xfrm>
+        </p:spPr>
+        <p:txBody>
+          <a:bodyPr/>
+          <a:lstStyle/>
+          <a:p>
+            <a:r>
+              <a:rPr lang="en-US" b="1" dirty="0" smtClean="0"/>
+              <a:t>VERY IMPORTANT</a:t>
+            </a:r>
+          </a:p>
+          <a:p>
+            <a:r>
+              <a:rPr lang="en-US" dirty="0" smtClean="0"/>
+              <a:t>Can put “</a:t>
+            </a:r>
+            <a:r>
+              <a:rPr lang="en-US" i="1" dirty="0" smtClean="0"/>
+              <a:t>break points</a:t>
+            </a:r>
+            <a:r>
+              <a:rPr lang="en-US" dirty="0" smtClean="0"/>
+              <a:t>”</a:t>
+            </a:r>
+          </a:p>
+          <a:p>
+            <a:r>
+              <a:rPr lang="en-US" dirty="0" smtClean="0"/>
+              <a:t>Execute one step at a time</a:t>
+            </a:r>
+          </a:p>
+          <a:p>
+            <a:r>
+              <a:rPr lang="en-US" dirty="0" smtClean="0"/>
+              <a:t>Inspect status of all variables, at each step</a:t>
+            </a:r>
+          </a:p>
+          <a:p>
+            <a:r>
+              <a:rPr lang="en-US" dirty="0" smtClean="0"/>
+              <a:t>Easier to understand with live demo</a:t>
+            </a:r>
+            <a:endParaRPr lang="en-US" dirty="0"/>
+          </a:p>
+        </p:txBody>
+      </p:sp>
+      <p:pic>
+        <p:nvPicPr>
+          <p:cNvPr id="4" name="Picture 3"/>
+          <p:cNvPicPr>
+            <a:picLocks noChangeAspect="1"/>
+          </p:cNvPicPr>
+          <p:nvPr/>
+        </p:nvPicPr>
+        <p:blipFill>
+          <a:blip r:embed="rId2"/>
+          <a:stretch>
+            <a:fillRect/>
+          </a:stretch>
+        </p:blipFill>
+        <p:spPr>
+          <a:xfrm>
+            <a:off x="472180" y="2603500"/>
+            <a:ext cx="6383552" cy="6959600"/>
+          </a:xfrm>
+          <a:prstGeom prst="rect">
+            <a:avLst/>
+          </a:prstGeom>
+        </p:spPr>
+      </p:pic>
+    </p:spTree>
+    <p:extLst>
+      <p:ext uri="{BB962C8B-B14F-4D97-AF65-F5344CB8AC3E}">
+        <p14:creationId xmlns:p14="http://schemas.microsoft.com/office/powerpoint/2010/main" val="2427230543"/>
+      </p:ext>
+    </p:extLst>
+  </p:cSld>
+  <p:clrMapOvr>
+    <a:masterClrMapping/>
+  </p:clrMapOvr>
+  <p:transition spd="med"/>
+</p:sld>
+</file>
+
+<file path=ppt/slides/slide44.xml><?xml version="1.0" encoding="utf-8"?>
+<p:sld xmlns:a="http://schemas.openxmlformats.org/drawingml/2006/main" xmlns:r="http://schemas.openxmlformats.org/officeDocument/2006/relationships" xmlns:p="http://schemas.openxmlformats.org/presentationml/2006/main">
+  <p:cSld>
+    <p:spTree>
+      <p:nvGrpSpPr>
+        <p:cNvPr id="1" name=""/>
+        <p:cNvGrpSpPr/>
+        <p:nvPr/>
+      </p:nvGrpSpPr>
+      <p:grpSpPr>
+        <a:xfrm>
+          <a:off x="0" y="0"/>
+          <a:ext cx="0" cy="0"/>
+          <a:chOff x="0" y="0"/>
+          <a:chExt cx="0" cy="0"/>
+        </a:xfrm>
+      </p:grpSpPr>
+      <p:sp>
+        <p:nvSpPr>
+          <p:cNvPr id="2" name="Title 1"/>
+          <p:cNvSpPr>
+            <a:spLocks noGrp="1"/>
+          </p:cNvSpPr>
+          <p:nvPr>
+            <p:ph type="title"/>
+          </p:nvPr>
+        </p:nvSpPr>
+        <p:spPr/>
+        <p:txBody>
+          <a:bodyPr/>
+          <a:lstStyle/>
+          <a:p>
+            <a:r>
+              <a:rPr lang="en-US" dirty="0" smtClean="0"/>
               <a:t>TODO</a:t>
             </a:r>
             <a:endParaRPr lang="en-US" dirty="0"/>
@@ -11941,7 +12127,7 @@
 </p:sld>
 </file>
 
-<file path=ppt/slides/slide43.xml><?xml version="1.0" encoding="utf-8"?>
+<file path=ppt/slides/slide45.xml><?xml version="1.0" encoding="utf-8"?>
 <p:sld xmlns:a="http://schemas.openxmlformats.org/drawingml/2006/main" xmlns:r="http://schemas.openxmlformats.org/officeDocument/2006/relationships" xmlns:p="http://schemas.openxmlformats.org/presentationml/2006/main">
   <p:cSld>
     <p:spTree>
@@ -12134,8 +12320,9 @@
             </a:pPr>
             <a:r>
               <a:rPr lang="en-US" dirty="0" smtClean="0"/>
-              <a:t>Intro</a:t>
-            </a:r>
+              <a:t>Arrays/Lists/Tests</a:t>
+            </a:r>
+            <a:endParaRPr lang="en-US" dirty="0" smtClean="0"/>
           </a:p>
           <a:p>
             <a:pPr marL="742950" indent="-742950">
@@ -12173,8 +12360,9 @@
             </a:pPr>
             <a:r>
               <a:rPr lang="en-US" dirty="0" smtClean="0"/>
-              <a:t>Advanced Sorting</a:t>
-            </a:r>
+              <a:t>Recursion and TDD</a:t>
+            </a:r>
+            <a:endParaRPr lang="en-US" dirty="0" smtClean="0"/>
           </a:p>
           <a:p>
             <a:pPr marL="742950" indent="-742950">
@@ -12264,7 +12452,7 @@
           </a:ln>
           <a:extLst>
             <a:ext uri="{C572A759-6A51-4108-AA02-DFA0A04FC94B}">
-              <ma14:wrappingTextBoxFlag xmlns="" xmlns:ma14="http://schemas.microsoft.com/office/mac/drawingml/2011/main" val="1"/>
+              <ma14:wrappingTextBoxFlag xmlns:ma14="http://schemas.microsoft.com/office/mac/drawingml/2011/main" xmlns="" val="1"/>
             </a:ext>
           </a:extLst>
         </p:spPr>
@@ -12601,7 +12789,7 @@
           </a:ln>
           <a:extLst>
             <a:ext uri="{C572A759-6A51-4108-AA02-DFA0A04FC94B}">
-              <ma14:wrappingTextBoxFlag xmlns="" xmlns:ma14="http://schemas.microsoft.com/office/mac/drawingml/2011/main" val="1"/>
+              <ma14:wrappingTextBoxFlag xmlns:ma14="http://schemas.microsoft.com/office/mac/drawingml/2011/main" xmlns="" val="1"/>
             </a:ext>
           </a:extLst>
         </p:spPr>

--- a/docs/slides/01/01_intro.pptx
+++ b/docs/slides/01/01_intro.pptx
@@ -360,6 +360,18 @@
     </p:ext>
   </p:extLst>
 </p:presentation>
+</file>
+
+<file path=ppt/commentAuthors.xml><?xml version="1.0" encoding="utf-8"?>
+<p:cmAuthorLst xmlns:a="http://schemas.openxmlformats.org/drawingml/2006/main" xmlns:r="http://schemas.openxmlformats.org/officeDocument/2006/relationships" xmlns:p="http://schemas.openxmlformats.org/presentationml/2006/main">
+  <p:cmAuthor id="1" name="Andrea Arcuri" initials="AA" lastIdx="1" clrIdx="0">
+    <p:extLst>
+      <p:ext uri="{19B8F6BF-5375-455C-9EA6-DF929625EA0E}">
+        <p15:presenceInfo xmlns:p15="http://schemas.microsoft.com/office/powerpoint/2012/main" userId="4d3c0879d955390a" providerId="Windows Live"/>
+      </p:ext>
+    </p:extLst>
+  </p:cmAuthor>
+</p:cmAuthorLst>
 </file>
 
 <file path=ppt/notesMasters/notesMaster1.xml><?xml version="1.0" encoding="utf-8"?>
@@ -7414,7 +7426,7 @@
               <a:t>Conceptually like arrays, but </a:t>
             </a:r>
             <a:r>
-              <a:rPr lang="en-US" i="1" dirty="0" smtClean="0"/>
+              <a:rPr lang="en-US" b="1" dirty="0" smtClean="0"/>
               <a:t>no fixed size</a:t>
             </a:r>
           </a:p>
@@ -7430,8 +7442,30 @@
             </a:r>
             <a:r>
               <a:rPr lang="en-US" dirty="0" smtClean="0"/>
-              <a:t>, you can add as many elements as you want, as long as you have enough memory</a:t>
-            </a:r>
+              <a:t>, you can add as many elements as you want, as long as you have enough </a:t>
+            </a:r>
+            <a:r>
+              <a:rPr lang="en-US" dirty="0" smtClean="0"/>
+              <a:t>memory</a:t>
+            </a:r>
+          </a:p>
+          <a:p>
+            <a:r>
+              <a:rPr lang="en-US" b="1" dirty="0" smtClean="0"/>
+              <a:t>Ordered</a:t>
+            </a:r>
+            <a:r>
+              <a:rPr lang="en-US" dirty="0" smtClean="0"/>
+              <a:t> sequence of elements, from index 0 to N-1</a:t>
+            </a:r>
+          </a:p>
+          <a:p>
+            <a:pPr lvl="1"/>
+            <a:r>
+              <a:rPr lang="en-US" dirty="0" smtClean="0"/>
+              <a:t>can have duplicates</a:t>
+            </a:r>
+            <a:endParaRPr lang="en-US" dirty="0" smtClean="0"/>
           </a:p>
           <a:p>
             <a:r>
@@ -7648,7 +7682,7 @@
           <a:p>
             <a:r>
               <a:rPr lang="en-US" dirty="0" smtClean="0"/>
-              <a:t>List Operations</a:t>
+              <a:t>List Object Operations</a:t>
             </a:r>
             <a:endParaRPr lang="en-US" dirty="0"/>
           </a:p>
@@ -7669,7 +7703,70 @@
           <a:bodyPr/>
           <a:lstStyle/>
           <a:p>
-            <a:endParaRPr lang="en-US"/>
+            <a:r>
+              <a:rPr lang="en-US" b="1" dirty="0" smtClean="0"/>
+              <a:t>size()</a:t>
+            </a:r>
+            <a:r>
+              <a:rPr lang="en-US" dirty="0" smtClean="0"/>
+              <a:t>: return how many elements are contained</a:t>
+            </a:r>
+          </a:p>
+          <a:p>
+            <a:r>
+              <a:rPr lang="en-US" b="1" dirty="0" smtClean="0"/>
+              <a:t>get(index)</a:t>
+            </a:r>
+            <a:r>
+              <a:rPr lang="en-US" dirty="0" smtClean="0"/>
+              <a:t>: return the value at position index</a:t>
+            </a:r>
+          </a:p>
+          <a:p>
+            <a:r>
+              <a:rPr lang="en-US" b="1" dirty="0" smtClean="0"/>
+              <a:t>add(index, value)</a:t>
+            </a:r>
+            <a:r>
+              <a:rPr lang="en-US" dirty="0" smtClean="0"/>
+              <a:t>: add value at position index</a:t>
+            </a:r>
+          </a:p>
+          <a:p>
+            <a:pPr lvl="1"/>
+            <a:r>
+              <a:rPr lang="en-US" dirty="0" smtClean="0"/>
+              <a:t>existing value in that position is right-shifted (with all following elements) to do not lose it</a:t>
+            </a:r>
+          </a:p>
+          <a:p>
+            <a:pPr lvl="1"/>
+            <a:r>
+              <a:rPr lang="en-US" b="1" dirty="0" smtClean="0"/>
+              <a:t>add(value)</a:t>
+            </a:r>
+            <a:r>
+              <a:rPr lang="en-US" dirty="0" smtClean="0"/>
+              <a:t> just add at the end of the list</a:t>
+            </a:r>
+          </a:p>
+          <a:p>
+            <a:r>
+              <a:rPr lang="en-US" b="1" dirty="0" smtClean="0"/>
+              <a:t>deleted(index)</a:t>
+            </a:r>
+            <a:r>
+              <a:rPr lang="en-US" dirty="0" smtClean="0"/>
+              <a:t>: remove element at position index</a:t>
+            </a:r>
+          </a:p>
+          <a:p>
+            <a:pPr lvl="1"/>
+            <a:r>
+              <a:rPr lang="en-US" dirty="0" smtClean="0"/>
+              <a:t>all following elements are left-shifted to cover the hole</a:t>
+            </a:r>
+            <a:endParaRPr lang="en-US" dirty="0"/>
           </a:p>
         </p:txBody>
       </p:sp>
@@ -7756,18 +7853,22 @@
             </a:r>
             <a:r>
               <a:rPr lang="en-US" dirty="0" smtClean="0"/>
-              <a:t>a list</a:t>
+              <a:t>a list object</a:t>
             </a:r>
             <a:endParaRPr lang="en-US" dirty="0"/>
           </a:p>
           <a:p>
             <a:r>
-              <a:rPr lang="en-US" i="1" dirty="0"/>
-              <a:t>Array-backed</a:t>
+              <a:rPr lang="en-US" i="1" dirty="0" err="1" smtClean="0"/>
+              <a:t>ArrayList</a:t>
+            </a:r>
+            <a:r>
+              <a:rPr lang="en-US" dirty="0" smtClean="0"/>
+              <a:t>: </a:t>
             </a:r>
             <a:r>
               <a:rPr lang="en-US" dirty="0"/>
-              <a:t>: internally storing an </a:t>
+              <a:t>internally storing an </a:t>
             </a:r>
             <a:r>
               <a:rPr lang="en-US" dirty="0" smtClean="0"/>
@@ -7778,26 +7879,45 @@
             <a:pPr lvl="1"/>
             <a:r>
               <a:rPr lang="en-US" dirty="0" smtClean="0"/>
-              <a:t>Need </a:t>
+              <a:t>All operations mapped to an internal array</a:t>
+            </a:r>
+          </a:p>
+          <a:p>
+            <a:pPr lvl="1"/>
+            <a:r>
+              <a:rPr lang="en-US" dirty="0" smtClean="0"/>
+              <a:t>Special: need </a:t>
             </a:r>
             <a:r>
               <a:rPr lang="en-US" dirty="0"/>
-              <a:t>to create new one and move over old data when </a:t>
-            </a:r>
-            <a:r>
-              <a:rPr lang="en-US" dirty="0" smtClean="0"/>
-              <a:t>full</a:t>
+              <a:t>to create new </a:t>
+            </a:r>
+            <a:r>
+              <a:rPr lang="en-US" dirty="0" smtClean="0"/>
+              <a:t>internal array </a:t>
+            </a:r>
+            <a:r>
+              <a:rPr lang="en-US" dirty="0"/>
+              <a:t>and move over old data when </a:t>
+            </a:r>
+            <a:r>
+              <a:rPr lang="en-US" dirty="0" smtClean="0"/>
+              <a:t>full. But this can be done automatically when new element is added, without the client knowing about it</a:t>
             </a:r>
             <a:endParaRPr lang="en-US" dirty="0"/>
           </a:p>
           <a:p>
             <a:r>
-              <a:rPr lang="en-US" i="1" dirty="0"/>
-              <a:t>Linked-nodes</a:t>
+              <a:rPr lang="en-US" i="1" dirty="0" err="1" smtClean="0"/>
+              <a:t>LinkedList</a:t>
+            </a:r>
+            <a:r>
+              <a:rPr lang="en-US" dirty="0" smtClean="0"/>
+              <a:t>: </a:t>
             </a:r>
             <a:r>
               <a:rPr lang="en-US" dirty="0"/>
-              <a:t>: each element has its own node </a:t>
+              <a:t>each element has its own node </a:t>
             </a:r>
             <a:r>
               <a:rPr lang="en-US" dirty="0" smtClean="0"/>
@@ -7813,10 +7933,12 @@
             </a:r>
             <a:r>
               <a:rPr lang="en-US" dirty="0"/>
-              <a:t>are connected with object pointers/links (see next slide)</a:t>
-            </a:r>
-          </a:p>
-          <a:p>
+              <a:t>are connected with object </a:t>
+            </a:r>
+            <a:r>
+              <a:rPr lang="en-US" dirty="0" smtClean="0"/>
+              <a:t>pointers/links</a:t>
+            </a:r>
             <a:endParaRPr lang="en-US" dirty="0"/>
           </a:p>
         </p:txBody>
@@ -7868,8 +7990,8 @@
           <a:lstStyle/>
           <a:p>
             <a:r>
-              <a:rPr lang="en-US" dirty="0" smtClean="0"/>
-              <a:t>TODO</a:t>
+              <a:rPr lang="en-US" dirty="0" err="1" smtClean="0"/>
+              <a:t>ArrayList</a:t>
             </a:r>
             <a:endParaRPr lang="en-US" dirty="0"/>
           </a:p>
@@ -7885,15 +8007,434 @@
             <p:ph type="body" idx="1"/>
           </p:nvPr>
         </p:nvSpPr>
-        <p:spPr/>
+        <p:spPr>
+          <a:xfrm>
+            <a:off x="220717" y="6142245"/>
+            <a:ext cx="12517821" cy="3279227"/>
+          </a:xfrm>
+        </p:spPr>
         <p:txBody>
-          <a:bodyPr/>
+          <a:bodyPr>
+            <a:normAutofit/>
+          </a:bodyPr>
           <a:lstStyle/>
           <a:p>
-            <a:endParaRPr lang="en-US"/>
+            <a:r>
+              <a:rPr lang="en-US" dirty="0" smtClean="0"/>
+              <a:t>In this example, internally the </a:t>
+            </a:r>
+            <a:r>
+              <a:rPr lang="en-US" dirty="0" err="1" smtClean="0"/>
+              <a:t>ArrayList</a:t>
+            </a:r>
+            <a:r>
+              <a:rPr lang="en-US" dirty="0" smtClean="0"/>
+              <a:t> would use an array of size 5</a:t>
+            </a:r>
+          </a:p>
+          <a:p>
+            <a:r>
+              <a:rPr lang="en-US" dirty="0" smtClean="0"/>
+              <a:t>But only 3 elements are contained in the “</a:t>
+            </a:r>
+            <a:r>
+              <a:rPr lang="en-US" i="1" dirty="0" smtClean="0"/>
+              <a:t>list</a:t>
+            </a:r>
+            <a:r>
+              <a:rPr lang="en-US" dirty="0" smtClean="0"/>
+              <a:t>”</a:t>
+            </a:r>
+            <a:endParaRPr lang="en-US" dirty="0"/>
           </a:p>
         </p:txBody>
       </p:sp>
+      <p:sp>
+        <p:nvSpPr>
+          <p:cNvPr id="4" name="TextBox 3"/>
+          <p:cNvSpPr txBox="1"/>
+          <p:nvPr/>
+        </p:nvSpPr>
+        <p:spPr>
+          <a:xfrm>
+            <a:off x="339056" y="2527162"/>
+            <a:ext cx="6399188" cy="2872581"/>
+          </a:xfrm>
+          <a:prstGeom prst="rect">
+            <a:avLst/>
+          </a:prstGeom>
+          <a:noFill/>
+          <a:ln w="12700" cap="flat">
+            <a:noFill/>
+            <a:miter lim="400000"/>
+          </a:ln>
+          <a:effectLst/>
+          <a:sp3d/>
+        </p:spPr>
+        <p:style>
+          <a:lnRef idx="0">
+            <a:scrgbClr r="0" g="0" b="0"/>
+          </a:lnRef>
+          <a:fillRef idx="0">
+            <a:scrgbClr r="0" g="0" b="0"/>
+          </a:fillRef>
+          <a:effectRef idx="0">
+            <a:scrgbClr r="0" g="0" b="0"/>
+          </a:effectRef>
+          <a:fontRef idx="none"/>
+        </p:style>
+        <p:txBody>
+          <a:bodyPr rot="0" spcFirstLastPara="1" vertOverflow="overflow" horzOverflow="overflow" vert="horz" wrap="none" lIns="50800" tIns="50800" rIns="50800" bIns="50800" numCol="1" spcCol="38100" rtlCol="0" anchor="ctr">
+            <a:spAutoFit/>
+          </a:bodyPr>
+          <a:lstStyle/>
+          <a:p>
+            <a:pPr algn="l"/>
+            <a:r>
+              <a:rPr lang="en-US" b="1" dirty="0" err="1"/>
+              <a:t>ArrayList</a:t>
+            </a:r>
+            <a:r>
+              <a:rPr lang="en-US" b="1" dirty="0"/>
+              <a:t> list = new Array(5</a:t>
+            </a:r>
+            <a:r>
+              <a:rPr lang="en-US" b="1" dirty="0" smtClean="0"/>
+              <a:t>);</a:t>
+            </a:r>
+          </a:p>
+          <a:p>
+            <a:pPr algn="l"/>
+            <a:r>
+              <a:rPr lang="en-US" b="1" dirty="0" err="1" smtClean="0"/>
+              <a:t>list.add</a:t>
+            </a:r>
+            <a:r>
+              <a:rPr lang="en-US" b="1" dirty="0" smtClean="0"/>
+              <a:t>(5); </a:t>
+            </a:r>
+          </a:p>
+          <a:p>
+            <a:pPr algn="l"/>
+            <a:r>
+              <a:rPr lang="en-US" b="1" dirty="0" err="1" smtClean="0"/>
+              <a:t>list.add</a:t>
+            </a:r>
+            <a:r>
+              <a:rPr lang="en-US" b="1" dirty="0" smtClean="0"/>
+              <a:t>(9);</a:t>
+            </a:r>
+          </a:p>
+          <a:p>
+            <a:pPr algn="l"/>
+            <a:r>
+              <a:rPr lang="en-US" b="1" dirty="0" err="1" smtClean="0"/>
+              <a:t>list.add</a:t>
+            </a:r>
+            <a:r>
+              <a:rPr lang="en-US" b="1" dirty="0" smtClean="0"/>
+              <a:t>(7);</a:t>
+            </a:r>
+            <a:endParaRPr lang="en-US" b="1" dirty="0"/>
+          </a:p>
+          <a:p>
+            <a:pPr marL="0" marR="0" indent="0" algn="l" defTabSz="584200" rtl="0" fontAlgn="auto" latinLnBrk="0" hangingPunct="0">
+              <a:lnSpc>
+                <a:spcPct val="100000"/>
+              </a:lnSpc>
+              <a:spcBef>
+                <a:spcPts val="0"/>
+              </a:spcBef>
+              <a:spcAft>
+                <a:spcPts val="0"/>
+              </a:spcAft>
+              <a:buClrTx/>
+              <a:buSzTx/>
+              <a:buFontTx/>
+              <a:buNone/>
+              <a:tabLst/>
+            </a:pPr>
+            <a:r>
+              <a:rPr kumimoji="0" lang="en-US" sz="3600" b="1" i="0" u="none" strike="noStrike" cap="none" spc="0" normalizeH="0" baseline="0" dirty="0" smtClean="0">
+                <a:ln>
+                  <a:noFill/>
+                </a:ln>
+                <a:solidFill>
+                  <a:srgbClr val="000000"/>
+                </a:solidFill>
+                <a:effectLst/>
+                <a:uFillTx/>
+                <a:sym typeface="Helvetica Light"/>
+              </a:rPr>
+              <a:t>assert </a:t>
+            </a:r>
+            <a:r>
+              <a:rPr kumimoji="0" lang="en-US" sz="3600" b="1" i="0" u="none" strike="noStrike" cap="none" spc="0" normalizeH="0" baseline="0" dirty="0" err="1" smtClean="0">
+                <a:ln>
+                  <a:noFill/>
+                </a:ln>
+                <a:solidFill>
+                  <a:srgbClr val="000000"/>
+                </a:solidFill>
+                <a:effectLst/>
+                <a:uFillTx/>
+                <a:sym typeface="Helvetica Light"/>
+              </a:rPr>
+              <a:t>list.size</a:t>
+            </a:r>
+            <a:r>
+              <a:rPr kumimoji="0" lang="en-US" sz="3600" b="1" i="0" u="none" strike="noStrike" cap="none" spc="0" normalizeH="0" baseline="0" dirty="0" smtClean="0">
+                <a:ln>
+                  <a:noFill/>
+                </a:ln>
+                <a:solidFill>
+                  <a:srgbClr val="000000"/>
+                </a:solidFill>
+                <a:effectLst/>
+                <a:uFillTx/>
+                <a:sym typeface="Helvetica Light"/>
+              </a:rPr>
+              <a:t>()</a:t>
+            </a:r>
+            <a:r>
+              <a:rPr kumimoji="0" lang="en-US" sz="3600" b="1" i="0" u="none" strike="noStrike" cap="none" spc="0" normalizeH="0" dirty="0" smtClean="0">
+                <a:ln>
+                  <a:noFill/>
+                </a:ln>
+                <a:solidFill>
+                  <a:srgbClr val="000000"/>
+                </a:solidFill>
+                <a:effectLst/>
+                <a:uFillTx/>
+                <a:sym typeface="Helvetica Light"/>
+              </a:rPr>
+              <a:t> == 3;</a:t>
+            </a:r>
+            <a:endParaRPr kumimoji="0" lang="en-US" sz="3600" b="1" i="0" u="none" strike="noStrike" cap="none" spc="0" normalizeH="0" baseline="0" dirty="0">
+              <a:ln>
+                <a:noFill/>
+              </a:ln>
+              <a:solidFill>
+                <a:srgbClr val="000000"/>
+              </a:solidFill>
+              <a:effectLst/>
+              <a:uFillTx/>
+              <a:sym typeface="Helvetica Light"/>
+            </a:endParaRPr>
+          </a:p>
+        </p:txBody>
+      </p:sp>
+      <p:graphicFrame>
+        <p:nvGraphicFramePr>
+          <p:cNvPr id="5" name="Table 4"/>
+          <p:cNvGraphicFramePr>
+            <a:graphicFrameLocks noGrp="1"/>
+          </p:cNvGraphicFramePr>
+          <p:nvPr>
+            <p:extLst>
+              <p:ext uri="{D42A27DB-BD31-4B8C-83A1-F6EECF244321}">
+                <p14:modId xmlns:p14="http://schemas.microsoft.com/office/powerpoint/2010/main" val="4115149291"/>
+              </p:ext>
+            </p:extLst>
+          </p:nvPr>
+        </p:nvGraphicFramePr>
+        <p:xfrm>
+          <a:off x="7907202" y="2687493"/>
+          <a:ext cx="4656845" cy="1036320"/>
+        </p:xfrm>
+        <a:graphic>
+          <a:graphicData uri="http://schemas.openxmlformats.org/drawingml/2006/table">
+            <a:tbl>
+              <a:tblPr firstRow="1" bandRow="1">
+                <a:tableStyleId>{69C7853C-536D-4A76-A0AE-DD22124D55A5}</a:tableStyleId>
+              </a:tblPr>
+              <a:tblGrid>
+                <a:gridCol w="931369">
+                  <a:extLst>
+                    <a:ext uri="{9D8B030D-6E8A-4147-A177-3AD203B41FA5}">
+                      <a16:colId xmlns:a16="http://schemas.microsoft.com/office/drawing/2014/main" val="1107130655"/>
+                    </a:ext>
+                  </a:extLst>
+                </a:gridCol>
+                <a:gridCol w="931369">
+                  <a:extLst>
+                    <a:ext uri="{9D8B030D-6E8A-4147-A177-3AD203B41FA5}">
+                      <a16:colId xmlns:a16="http://schemas.microsoft.com/office/drawing/2014/main" val="157195532"/>
+                    </a:ext>
+                  </a:extLst>
+                </a:gridCol>
+                <a:gridCol w="931369">
+                  <a:extLst>
+                    <a:ext uri="{9D8B030D-6E8A-4147-A177-3AD203B41FA5}">
+                      <a16:colId xmlns:a16="http://schemas.microsoft.com/office/drawing/2014/main" val="4177125647"/>
+                    </a:ext>
+                  </a:extLst>
+                </a:gridCol>
+                <a:gridCol w="931369">
+                  <a:extLst>
+                    <a:ext uri="{9D8B030D-6E8A-4147-A177-3AD203B41FA5}">
+                      <a16:colId xmlns:a16="http://schemas.microsoft.com/office/drawing/2014/main" val="2237711038"/>
+                    </a:ext>
+                  </a:extLst>
+                </a:gridCol>
+                <a:gridCol w="931369">
+                  <a:extLst>
+                    <a:ext uri="{9D8B030D-6E8A-4147-A177-3AD203B41FA5}">
+                      <a16:colId xmlns:a16="http://schemas.microsoft.com/office/drawing/2014/main" val="3059932102"/>
+                    </a:ext>
+                  </a:extLst>
+                </a:gridCol>
+              </a:tblGrid>
+              <a:tr h="441116">
+                <a:tc>
+                  <a:txBody>
+                    <a:bodyPr/>
+                    <a:lstStyle/>
+                    <a:p>
+                      <a:r>
+                        <a:rPr lang="en-US" sz="2800" dirty="0" smtClean="0"/>
+                        <a:t>[0]</a:t>
+                      </a:r>
+                      <a:endParaRPr lang="en-US" sz="2800" dirty="0"/>
+                    </a:p>
+                  </a:txBody>
+                  <a:tcPr/>
+                </a:tc>
+                <a:tc>
+                  <a:txBody>
+                    <a:bodyPr/>
+                    <a:lstStyle/>
+                    <a:p>
+                      <a:r>
+                        <a:rPr lang="en-US" sz="2800" dirty="0" smtClean="0"/>
+                        <a:t>[1]</a:t>
+                      </a:r>
+                      <a:endParaRPr lang="en-US" sz="2800" dirty="0"/>
+                    </a:p>
+                  </a:txBody>
+                  <a:tcPr/>
+                </a:tc>
+                <a:tc>
+                  <a:txBody>
+                    <a:bodyPr/>
+                    <a:lstStyle/>
+                    <a:p>
+                      <a:r>
+                        <a:rPr lang="en-US" sz="2800" dirty="0" smtClean="0"/>
+                        <a:t>[2]</a:t>
+                      </a:r>
+                      <a:endParaRPr lang="en-US" sz="2800" dirty="0"/>
+                    </a:p>
+                  </a:txBody>
+                  <a:tcPr/>
+                </a:tc>
+                <a:tc>
+                  <a:txBody>
+                    <a:bodyPr/>
+                    <a:lstStyle/>
+                    <a:p>
+                      <a:r>
+                        <a:rPr lang="en-US" sz="2800" dirty="0" smtClean="0"/>
+                        <a:t>[3]</a:t>
+                      </a:r>
+                      <a:endParaRPr lang="en-US" sz="2800" dirty="0"/>
+                    </a:p>
+                  </a:txBody>
+                  <a:tcPr/>
+                </a:tc>
+                <a:tc>
+                  <a:txBody>
+                    <a:bodyPr/>
+                    <a:lstStyle/>
+                    <a:p>
+                      <a:r>
+                        <a:rPr lang="en-US" sz="2800" dirty="0" smtClean="0"/>
+                        <a:t>[4]</a:t>
+                      </a:r>
+                      <a:endParaRPr lang="en-US" sz="2800" dirty="0"/>
+                    </a:p>
+                  </a:txBody>
+                  <a:tcPr/>
+                </a:tc>
+                <a:extLst>
+                  <a:ext uri="{0D108BD9-81ED-4DB2-BD59-A6C34878D82A}">
+                    <a16:rowId xmlns:a16="http://schemas.microsoft.com/office/drawing/2014/main" val="1553169375"/>
+                  </a:ext>
+                </a:extLst>
+              </a:tr>
+              <a:tr h="441116">
+                <a:tc>
+                  <a:txBody>
+                    <a:bodyPr/>
+                    <a:lstStyle/>
+                    <a:p>
+                      <a:r>
+                        <a:rPr lang="en-US" sz="2800" dirty="0" smtClean="0"/>
+                        <a:t>5</a:t>
+                      </a:r>
+                      <a:endParaRPr lang="en-US" sz="2800" dirty="0"/>
+                    </a:p>
+                  </a:txBody>
+                  <a:tcPr/>
+                </a:tc>
+                <a:tc>
+                  <a:txBody>
+                    <a:bodyPr/>
+                    <a:lstStyle/>
+                    <a:p>
+                      <a:r>
+                        <a:rPr lang="en-US" sz="2800" dirty="0" smtClean="0"/>
+                        <a:t>9</a:t>
+                      </a:r>
+                      <a:endParaRPr lang="en-US" sz="2800" dirty="0"/>
+                    </a:p>
+                  </a:txBody>
+                  <a:tcPr/>
+                </a:tc>
+                <a:tc>
+                  <a:txBody>
+                    <a:bodyPr/>
+                    <a:lstStyle/>
+                    <a:p>
+                      <a:r>
+                        <a:rPr lang="en-US" sz="2800" dirty="0" smtClean="0"/>
+                        <a:t>7</a:t>
+                      </a:r>
+                      <a:endParaRPr lang="en-US" sz="2800" dirty="0"/>
+                    </a:p>
+                  </a:txBody>
+                  <a:tcPr/>
+                </a:tc>
+                <a:tc>
+                  <a:txBody>
+                    <a:bodyPr/>
+                    <a:lstStyle/>
+                    <a:p>
+                      <a:endParaRPr lang="en-US" sz="2800" dirty="0"/>
+                    </a:p>
+                  </a:txBody>
+                  <a:tcPr/>
+                </a:tc>
+                <a:tc>
+                  <a:txBody>
+                    <a:bodyPr/>
+                    <a:lstStyle/>
+                    <a:p>
+                      <a:endParaRPr lang="en-US" sz="2800" dirty="0"/>
+                    </a:p>
+                  </a:txBody>
+                  <a:tcPr/>
+                </a:tc>
+                <a:extLst>
+                  <a:ext uri="{0D108BD9-81ED-4DB2-BD59-A6C34878D82A}">
+                    <a16:rowId xmlns:a16="http://schemas.microsoft.com/office/drawing/2014/main" val="551676888"/>
+                  </a:ext>
+                </a:extLst>
+              </a:tr>
+            </a:tbl>
+          </a:graphicData>
+        </a:graphic>
+      </p:graphicFrame>
     </p:spTree>
     <p:extLst>
       <p:ext uri="{BB962C8B-B14F-4D97-AF65-F5344CB8AC3E}">
@@ -7948,8 +8489,8 @@
           <a:lstStyle/>
           <a:p>
             <a:r>
-              <a:rPr lang="en-US" dirty="0" smtClean="0"/>
-              <a:t>Linked Lists</a:t>
+              <a:rPr lang="en-US" dirty="0" err="1" smtClean="0"/>
+              <a:t>LinkedList</a:t>
             </a:r>
             <a:endParaRPr lang="en-US" dirty="0"/>
           </a:p>
@@ -7973,7 +8514,7 @@
         </p:spPr>
         <p:txBody>
           <a:bodyPr>
-            <a:normAutofit fontScale="92500"/>
+            <a:normAutofit fontScale="77500" lnSpcReduction="20000"/>
           </a:bodyPr>
           <a:lstStyle/>
           <a:p>
@@ -7992,7 +8533,11 @@
             </a:r>
             <a:r>
               <a:rPr lang="en-US" dirty="0" smtClean="0"/>
-              <a:t> for each element (they are objects)</a:t>
+              <a:t> for each element (they are objects</a:t>
+            </a:r>
+            <a:r>
+              <a:rPr lang="en-US" dirty="0" smtClean="0"/>
+              <a:t>)</a:t>
             </a:r>
           </a:p>
           <a:p>
@@ -8007,7 +8552,11 @@
             </a:r>
             <a:r>
               <a:rPr lang="en-US" dirty="0" smtClean="0"/>
-              <a:t> from node to node (</a:t>
+              <a:t> </a:t>
+            </a:r>
+            <a:r>
+              <a:rPr lang="en-US" dirty="0" smtClean="0"/>
+              <a:t>from node to node (</a:t>
             </a:r>
             <a:r>
               <a:rPr lang="en-US" dirty="0" err="1" smtClean="0"/>
@@ -8023,7 +8572,11 @@
             </a:r>
             <a:r>
               <a:rPr lang="en-US" dirty="0" smtClean="0"/>
-              <a:t> field)</a:t>
+              <a:t> field</a:t>
+            </a:r>
+            <a:r>
+              <a:rPr lang="en-US" dirty="0" smtClean="0"/>
+              <a:t>)</a:t>
             </a:r>
           </a:p>
           <a:p>
@@ -8033,9 +8586,34 @@
               </a:spcBef>
             </a:pPr>
             <a:r>
-              <a:rPr lang="en-US" dirty="0" smtClean="0"/>
-              <a:t>Dynamic, not fixed size</a:t>
-            </a:r>
+              <a:rPr lang="en-US" i="1" dirty="0" err="1"/>
+              <a:t>LinkedList</a:t>
+            </a:r>
+            <a:r>
+              <a:rPr lang="en-US" dirty="0"/>
+              <a:t> object only contains a </a:t>
+            </a:r>
+            <a:r>
+              <a:rPr lang="en-US" i="1" dirty="0"/>
+              <a:t>head</a:t>
+            </a:r>
+            <a:r>
+              <a:rPr lang="en-US" dirty="0"/>
+              <a:t> </a:t>
+            </a:r>
+            <a:r>
+              <a:rPr lang="en-US" dirty="0" smtClean="0"/>
+              <a:t>link to </a:t>
+            </a:r>
+            <a:r>
+              <a:rPr lang="en-US" dirty="0"/>
+              <a:t>first node in the </a:t>
+            </a:r>
+            <a:r>
+              <a:rPr lang="en-US" dirty="0" smtClean="0"/>
+              <a:t>list</a:t>
+            </a:r>
+            <a:endParaRPr lang="en-US" dirty="0" smtClean="0"/>
           </a:p>
           <a:p>
             <a:pPr>
@@ -8045,7 +8623,7 @@
             </a:pPr>
             <a:r>
               <a:rPr lang="en-US" dirty="0" smtClean="0"/>
-              <a:t>Accessing elements more difficult, as need to traverse the links</a:t>
+              <a:t>Dynamic, not fixed size</a:t>
             </a:r>
           </a:p>
           <a:p>
@@ -8056,6 +8634,17 @@
             </a:pPr>
             <a:r>
               <a:rPr lang="en-US" dirty="0" smtClean="0"/>
+              <a:t>Accessing elements more difficult, as need to traverse the links</a:t>
+            </a:r>
+          </a:p>
+          <a:p>
+            <a:pPr>
+              <a:spcBef>
+                <a:spcPts val="2400"/>
+              </a:spcBef>
+            </a:pPr>
+            <a:r>
+              <a:rPr lang="en-US" dirty="0" smtClean="0"/>
               <a:t>Going into more details on </a:t>
             </a:r>
             <a:r>
@@ -8091,7 +8680,22 @@
             </a:r>
             <a:r>
               <a:rPr lang="en-US" dirty="0" smtClean="0"/>
-              <a:t>eason is that you first need to learn about Stacks</a:t>
+              <a:t>eason is that you first need to learn about </a:t>
+            </a:r>
+            <a:r>
+              <a:rPr lang="en-US" i="1" dirty="0" smtClean="0"/>
+              <a:t>Stacks</a:t>
+            </a:r>
+          </a:p>
+          <a:p>
+            <a:pPr lvl="1">
+              <a:spcBef>
+                <a:spcPts val="2400"/>
+              </a:spcBef>
+            </a:pPr>
+            <a:r>
+              <a:rPr lang="en-US" dirty="0" smtClean="0"/>
+              <a:t>so in this class we only start to see a subset of functionalities for linked lists</a:t>
             </a:r>
             <a:endParaRPr lang="en-US" dirty="0"/>
           </a:p>
@@ -8106,13 +8710,13 @@
           <p:nvPr>
             <p:extLst>
               <p:ext uri="{D42A27DB-BD31-4B8C-83A1-F6EECF244321}">
-                <p14:modId xmlns:p14="http://schemas.microsoft.com/office/powerpoint/2010/main" val="56753559"/>
+                <p14:modId xmlns:p14="http://schemas.microsoft.com/office/powerpoint/2010/main" val="2980128084"/>
               </p:ext>
             </p:extLst>
           </p:nvPr>
         </p:nvGraphicFramePr>
         <p:xfrm>
-          <a:off x="4578547" y="1883929"/>
+          <a:off x="3656901" y="1883929"/>
           <a:ext cx="1329878" cy="1158804"/>
         </p:xfrm>
         <a:graphic>
@@ -8185,7 +8789,7 @@
           <p:nvPr>
             <p:extLst>
               <p:ext uri="{D42A27DB-BD31-4B8C-83A1-F6EECF244321}">
-                <p14:modId xmlns:p14="http://schemas.microsoft.com/office/powerpoint/2010/main" val="3937901867"/>
+                <p14:modId xmlns:p14="http://schemas.microsoft.com/office/powerpoint/2010/main" val="3388233220"/>
               </p:ext>
             </p:extLst>
           </p:nvPr>
@@ -8217,7 +8821,7 @@
                     <a:p>
                       <a:r>
                         <a:rPr lang="en-US" sz="2800" dirty="0" smtClean="0"/>
-                        <a:t>2</a:t>
+                        <a:t>7</a:t>
                       </a:r>
                       <a:endParaRPr lang="en-US" sz="2800" dirty="0"/>
                     </a:p>
@@ -8264,14 +8868,14 @@
           <p:nvPr>
             <p:extLst>
               <p:ext uri="{D42A27DB-BD31-4B8C-83A1-F6EECF244321}">
-                <p14:modId xmlns:p14="http://schemas.microsoft.com/office/powerpoint/2010/main" val="1476169900"/>
+                <p14:modId xmlns:p14="http://schemas.microsoft.com/office/powerpoint/2010/main" val="3982585392"/>
               </p:ext>
             </p:extLst>
           </p:nvPr>
         </p:nvGraphicFramePr>
         <p:xfrm>
-          <a:off x="1605352" y="1883237"/>
-          <a:ext cx="1329878" cy="1158804"/>
+          <a:off x="706295" y="1883237"/>
+          <a:ext cx="2228935" cy="1158804"/>
         </p:xfrm>
         <a:graphic>
           <a:graphicData uri="http://schemas.openxmlformats.org/drawingml/2006/table">
@@ -8280,7 +8884,7 @@
                 <a:tableStyleId>{69C7853C-536D-4A76-A0AE-DD22124D55A5}</a:tableStyleId>
               </a:tblPr>
               <a:tblGrid>
-                <a:gridCol w="1329878">
+                <a:gridCol w="2228935">
                   <a:extLst>
                     <a:ext uri="{9D8B030D-6E8A-4147-A177-3AD203B41FA5}">
                       <a16:colId xmlns:a16="http://schemas.microsoft.com/office/drawing/2014/main" val="767351376"/>
@@ -8295,8 +8899,8 @@
                     <a:lstStyle/>
                     <a:p>
                       <a:r>
-                        <a:rPr lang="en-US" sz="2800" dirty="0" smtClean="0"/>
-                        <a:t>List</a:t>
+                        <a:rPr lang="en-US" sz="2800" dirty="0" err="1" smtClean="0"/>
+                        <a:t>LinkedList</a:t>
                       </a:r>
                       <a:endParaRPr lang="en-US" sz="2800" dirty="0"/>
                     </a:p>
@@ -8342,8 +8946,8 @@
         </p:nvSpPr>
         <p:spPr>
           <a:xfrm>
-            <a:off x="2196445" y="3305993"/>
-            <a:ext cx="2790334" cy="1146299"/>
+            <a:off x="1673029" y="3305993"/>
+            <a:ext cx="2394474" cy="1146299"/>
           </a:xfrm>
           <a:prstGeom prst="curvedUpArrow">
             <a:avLst/>
@@ -8425,8 +9029,8 @@
         </p:nvSpPr>
         <p:spPr>
           <a:xfrm>
-            <a:off x="5648226" y="3305993"/>
-            <a:ext cx="2790334" cy="1146299"/>
+            <a:off x="6476474" y="3305993"/>
+            <a:ext cx="1841414" cy="1146299"/>
           </a:xfrm>
           <a:prstGeom prst="curvedUpArrow">
             <a:avLst/>
@@ -8662,6 +9266,168 @@
               </a:ln>
               <a:solidFill>
                 <a:srgbClr val="000000"/>
+              </a:solidFill>
+              <a:effectLst/>
+              <a:uFillTx/>
+              <a:latin typeface="+mn-lt"/>
+              <a:ea typeface="+mn-ea"/>
+              <a:cs typeface="+mn-cs"/>
+              <a:sym typeface="Helvetica Light"/>
+            </a:endParaRPr>
+          </a:p>
+        </p:txBody>
+      </p:sp>
+      <p:graphicFrame>
+        <p:nvGraphicFramePr>
+          <p:cNvPr id="11" name="Table 10"/>
+          <p:cNvGraphicFramePr>
+            <a:graphicFrameLocks noGrp="1"/>
+          </p:cNvGraphicFramePr>
+          <p:nvPr>
+            <p:extLst>
+              <p:ext uri="{D42A27DB-BD31-4B8C-83A1-F6EECF244321}">
+                <p14:modId xmlns:p14="http://schemas.microsoft.com/office/powerpoint/2010/main" val="1161353578"/>
+              </p:ext>
+            </p:extLst>
+          </p:nvPr>
+        </p:nvGraphicFramePr>
+        <p:xfrm>
+          <a:off x="5604322" y="1883237"/>
+          <a:ext cx="1329878" cy="1158804"/>
+        </p:xfrm>
+        <a:graphic>
+          <a:graphicData uri="http://schemas.openxmlformats.org/drawingml/2006/table">
+            <a:tbl>
+              <a:tblPr firstRow="1" bandRow="1">
+                <a:tableStyleId>{69C7853C-536D-4A76-A0AE-DD22124D55A5}</a:tableStyleId>
+              </a:tblPr>
+              <a:tblGrid>
+                <a:gridCol w="1329878">
+                  <a:extLst>
+                    <a:ext uri="{9D8B030D-6E8A-4147-A177-3AD203B41FA5}">
+                      <a16:colId xmlns:a16="http://schemas.microsoft.com/office/drawing/2014/main" val="767351376"/>
+                    </a:ext>
+                  </a:extLst>
+                </a:gridCol>
+              </a:tblGrid>
+              <a:tr h="579402">
+                <a:tc>
+                  <a:txBody>
+                    <a:bodyPr/>
+                    <a:lstStyle/>
+                    <a:p>
+                      <a:r>
+                        <a:rPr lang="en-US" sz="2800" dirty="0" smtClean="0"/>
+                        <a:t>9</a:t>
+                      </a:r>
+                      <a:endParaRPr lang="en-US" sz="2800" dirty="0"/>
+                    </a:p>
+                  </a:txBody>
+                  <a:tcPr/>
+                </a:tc>
+                <a:extLst>
+                  <a:ext uri="{0D108BD9-81ED-4DB2-BD59-A6C34878D82A}">
+                    <a16:rowId xmlns:a16="http://schemas.microsoft.com/office/drawing/2014/main" val="1024604319"/>
+                  </a:ext>
+                </a:extLst>
+              </a:tr>
+              <a:tr h="579402">
+                <a:tc>
+                  <a:txBody>
+                    <a:bodyPr/>
+                    <a:lstStyle/>
+                    <a:p>
+                      <a:r>
+                        <a:rPr lang="en-US" sz="2800" dirty="0" smtClean="0"/>
+                        <a:t>next</a:t>
+                      </a:r>
+                      <a:endParaRPr lang="en-US" sz="2800" dirty="0"/>
+                    </a:p>
+                  </a:txBody>
+                  <a:tcPr/>
+                </a:tc>
+                <a:extLst>
+                  <a:ext uri="{0D108BD9-81ED-4DB2-BD59-A6C34878D82A}">
+                    <a16:rowId xmlns:a16="http://schemas.microsoft.com/office/drawing/2014/main" val="2830223076"/>
+                  </a:ext>
+                </a:extLst>
+              </a:tr>
+            </a:tbl>
+          </a:graphicData>
+        </a:graphic>
+      </p:graphicFrame>
+      <p:sp>
+        <p:nvSpPr>
+          <p:cNvPr id="12" name="Curved Up Arrow 11"/>
+          <p:cNvSpPr/>
+          <p:nvPr/>
+        </p:nvSpPr>
+        <p:spPr>
+          <a:xfrm>
+            <a:off x="4529053" y="3305993"/>
+            <a:ext cx="1745623" cy="1146299"/>
+          </a:xfrm>
+          <a:prstGeom prst="curvedUpArrow">
+            <a:avLst/>
+          </a:prstGeom>
+          <a:blipFill rotWithShape="1">
+            <a:blip r:embed="rId2"/>
+            <a:srcRect/>
+            <a:tile tx="0" ty="0" sx="100000" sy="100000" flip="none" algn="tl"/>
+          </a:blipFill>
+          <a:ln w="12700" cap="flat">
+            <a:noFill/>
+            <a:miter lim="400000"/>
+          </a:ln>
+          <a:effectLst>
+            <a:outerShdw blurRad="38100" dist="25400" dir="5400000" rotWithShape="0">
+              <a:srgbClr val="000000">
+                <a:alpha val="50000"/>
+              </a:srgbClr>
+            </a:outerShdw>
+          </a:effectLst>
+          <a:sp3d/>
+        </p:spPr>
+        <p:style>
+          <a:lnRef idx="0">
+            <a:scrgbClr r="0" g="0" b="0"/>
+          </a:lnRef>
+          <a:fillRef idx="0">
+            <a:scrgbClr r="0" g="0" b="0"/>
+          </a:fillRef>
+          <a:effectRef idx="0">
+            <a:scrgbClr r="0" g="0" b="0"/>
+          </a:effectRef>
+          <a:fontRef idx="none"/>
+        </p:style>
+        <p:txBody>
+          <a:bodyPr rot="0" spcFirstLastPara="1" vertOverflow="overflow" horzOverflow="overflow" vert="horz" wrap="square" lIns="50800" tIns="50800" rIns="50800" bIns="50800" numCol="1" spcCol="38100" rtlCol="0" anchor="ctr">
+            <a:spAutoFit/>
+          </a:bodyPr>
+          <a:lstStyle/>
+          <a:p>
+            <a:pPr marL="0" marR="0" indent="0" algn="ctr" defTabSz="584200" rtl="0" fontAlgn="auto" latinLnBrk="0" hangingPunct="0">
+              <a:lnSpc>
+                <a:spcPct val="100000"/>
+              </a:lnSpc>
+              <a:spcBef>
+                <a:spcPts val="0"/>
+              </a:spcBef>
+              <a:spcAft>
+                <a:spcPts val="0"/>
+              </a:spcAft>
+              <a:buClrTx/>
+              <a:buSzTx/>
+              <a:buFontTx/>
+              <a:buNone/>
+              <a:tabLst/>
+            </a:pPr>
+            <a:endParaRPr kumimoji="0" lang="en-US" sz="2400" b="0" i="0" u="none" strike="noStrike" cap="none" spc="0" normalizeH="0" baseline="0">
+              <a:ln>
+                <a:noFill/>
+              </a:ln>
+              <a:solidFill>
+                <a:srgbClr val="FFFFFF"/>
               </a:solidFill>
               <a:effectLst/>
               <a:uFillTx/>
@@ -12071,45 +12837,1196 @@
           <a:chExt cx="0" cy="0"/>
         </a:xfrm>
       </p:grpSpPr>
+      <p:pic>
+        <p:nvPicPr>
+          <p:cNvPr id="5" name="Picture 4"/>
+          <p:cNvPicPr>
+            <a:picLocks noChangeAspect="1"/>
+          </p:cNvPicPr>
+          <p:nvPr/>
+        </p:nvPicPr>
+        <p:blipFill>
+          <a:blip r:embed="rId2"/>
+          <a:stretch>
+            <a:fillRect/>
+          </a:stretch>
+        </p:blipFill>
+        <p:spPr>
+          <a:xfrm>
+            <a:off x="2408971" y="614846"/>
+            <a:ext cx="7814276" cy="8519432"/>
+          </a:xfrm>
+          <a:prstGeom prst="rect">
+            <a:avLst/>
+          </a:prstGeom>
+        </p:spPr>
+      </p:pic>
       <p:sp>
         <p:nvSpPr>
-          <p:cNvPr id="2" name="Title 1"/>
-          <p:cNvSpPr>
-            <a:spLocks noGrp="1"/>
-          </p:cNvSpPr>
-          <p:nvPr>
-            <p:ph type="title"/>
-          </p:nvPr>
+          <p:cNvPr id="7" name="TextBox 6"/>
+          <p:cNvSpPr txBox="1"/>
+          <p:nvPr/>
         </p:nvSpPr>
-        <p:spPr/>
+        <p:spPr>
+          <a:xfrm>
+            <a:off x="4439223" y="1556214"/>
+            <a:ext cx="1729641" cy="471924"/>
+          </a:xfrm>
+          <a:prstGeom prst="rect">
+            <a:avLst/>
+          </a:prstGeom>
+          <a:solidFill>
+            <a:schemeClr val="accent1">
+              <a:alpha val="20000"/>
+            </a:schemeClr>
+          </a:solidFill>
+          <a:ln w="12700" cap="flat">
+            <a:noFill/>
+            <a:miter lim="400000"/>
+          </a:ln>
+          <a:effectLst/>
+          <a:sp3d/>
+        </p:spPr>
+        <p:style>
+          <a:lnRef idx="0">
+            <a:scrgbClr r="0" g="0" b="0"/>
+          </a:lnRef>
+          <a:fillRef idx="0">
+            <a:scrgbClr r="0" g="0" b="0"/>
+          </a:fillRef>
+          <a:effectRef idx="0">
+            <a:scrgbClr r="0" g="0" b="0"/>
+          </a:effectRef>
+          <a:fontRef idx="none"/>
+        </p:style>
         <p:txBody>
-          <a:bodyPr/>
+          <a:bodyPr rot="0" spcFirstLastPara="1" vertOverflow="overflow" horzOverflow="overflow" vert="horz" wrap="none" lIns="50800" tIns="50800" rIns="50800" bIns="50800" numCol="1" spcCol="38100" rtlCol="0" anchor="ctr">
+            <a:spAutoFit/>
+          </a:bodyPr>
           <a:lstStyle/>
           <a:p>
-            <a:r>
-              <a:rPr lang="en-US" dirty="0" smtClean="0"/>
-              <a:t>TODO</a:t>
-            </a:r>
-            <a:endParaRPr lang="en-US" dirty="0"/>
+            <a:pPr marL="0" marR="0" indent="0" algn="ctr" defTabSz="584200" rtl="0" fontAlgn="auto" latinLnBrk="0" hangingPunct="0">
+              <a:lnSpc>
+                <a:spcPct val="100000"/>
+              </a:lnSpc>
+              <a:spcBef>
+                <a:spcPts val="0"/>
+              </a:spcBef>
+              <a:spcAft>
+                <a:spcPts val="0"/>
+              </a:spcAft>
+              <a:buClrTx/>
+              <a:buSzTx/>
+              <a:buFontTx/>
+              <a:buNone/>
+              <a:tabLst/>
+            </a:pPr>
+            <a:r>
+              <a:rPr kumimoji="0" lang="en-US" sz="2400" b="0" i="0" u="none" strike="noStrike" cap="none" spc="0" normalizeH="0" baseline="0" dirty="0" smtClean="0">
+                <a:ln>
+                  <a:noFill/>
+                </a:ln>
+                <a:solidFill>
+                  <a:srgbClr val="000000"/>
+                </a:solidFill>
+                <a:effectLst/>
+                <a:uFillTx/>
+                <a:latin typeface="+mn-lt"/>
+                <a:ea typeface="+mn-ea"/>
+                <a:cs typeface="+mn-cs"/>
+                <a:sym typeface="Helvetica Light"/>
+              </a:rPr>
+              <a:t>Breakpoints</a:t>
+            </a:r>
+            <a:endParaRPr kumimoji="0" lang="en-US" sz="2400" b="0" i="0" u="none" strike="noStrike" cap="none" spc="0" normalizeH="0" baseline="0" dirty="0">
+              <a:ln>
+                <a:noFill/>
+              </a:ln>
+              <a:solidFill>
+                <a:srgbClr val="000000"/>
+              </a:solidFill>
+              <a:effectLst/>
+              <a:uFillTx/>
+              <a:latin typeface="+mn-lt"/>
+              <a:ea typeface="+mn-ea"/>
+              <a:cs typeface="+mn-cs"/>
+              <a:sym typeface="Helvetica Light"/>
+            </a:endParaRPr>
           </a:p>
         </p:txBody>
       </p:sp>
       <p:sp>
         <p:nvSpPr>
-          <p:cNvPr id="3" name="Text Placeholder 2"/>
-          <p:cNvSpPr>
-            <a:spLocks noGrp="1"/>
-          </p:cNvSpPr>
-          <p:nvPr>
-            <p:ph type="body" idx="1"/>
-          </p:nvPr>
+          <p:cNvPr id="6" name="Right Arrow 5"/>
+          <p:cNvSpPr/>
+          <p:nvPr/>
         </p:nvSpPr>
-        <p:spPr/>
+        <p:spPr>
+          <a:xfrm rot="1485246">
+            <a:off x="5275143" y="1942311"/>
+            <a:ext cx="851337" cy="611702"/>
+          </a:xfrm>
+          <a:prstGeom prst="rightArrow">
+            <a:avLst/>
+          </a:prstGeom>
+          <a:blipFill rotWithShape="1">
+            <a:blip r:embed="rId3"/>
+            <a:srcRect/>
+            <a:tile tx="0" ty="0" sx="100000" sy="100000" flip="none" algn="tl"/>
+          </a:blipFill>
+          <a:ln w="12700" cap="flat">
+            <a:noFill/>
+            <a:miter lim="400000"/>
+          </a:ln>
+          <a:effectLst>
+            <a:outerShdw blurRad="38100" dist="25400" dir="5400000" rotWithShape="0">
+              <a:srgbClr val="000000">
+                <a:alpha val="50000"/>
+              </a:srgbClr>
+            </a:outerShdw>
+          </a:effectLst>
+          <a:sp3d/>
+        </p:spPr>
+        <p:style>
+          <a:lnRef idx="0">
+            <a:scrgbClr r="0" g="0" b="0"/>
+          </a:lnRef>
+          <a:fillRef idx="0">
+            <a:scrgbClr r="0" g="0" b="0"/>
+          </a:fillRef>
+          <a:effectRef idx="0">
+            <a:scrgbClr r="0" g="0" b="0"/>
+          </a:effectRef>
+          <a:fontRef idx="none"/>
+        </p:style>
         <p:txBody>
-          <a:bodyPr/>
+          <a:bodyPr rot="0" spcFirstLastPara="1" vertOverflow="overflow" horzOverflow="overflow" vert="horz" wrap="square" lIns="50800" tIns="50800" rIns="50800" bIns="50800" numCol="1" spcCol="38100" rtlCol="0" anchor="ctr">
+            <a:spAutoFit/>
+          </a:bodyPr>
           <a:lstStyle/>
           <a:p>
-            <a:endParaRPr lang="en-US"/>
+            <a:pPr marL="0" marR="0" indent="0" algn="ctr" defTabSz="584200" rtl="0" fontAlgn="auto" latinLnBrk="0" hangingPunct="0">
+              <a:lnSpc>
+                <a:spcPct val="100000"/>
+              </a:lnSpc>
+              <a:spcBef>
+                <a:spcPts val="0"/>
+              </a:spcBef>
+              <a:spcAft>
+                <a:spcPts val="0"/>
+              </a:spcAft>
+              <a:buClrTx/>
+              <a:buSzTx/>
+              <a:buFontTx/>
+              <a:buNone/>
+              <a:tabLst/>
+            </a:pPr>
+            <a:endParaRPr kumimoji="0" lang="en-US" sz="2400" b="0" i="0" u="none" strike="noStrike" cap="none" spc="0" normalizeH="0" baseline="0">
+              <a:ln>
+                <a:noFill/>
+              </a:ln>
+              <a:solidFill>
+                <a:srgbClr val="FFFFFF"/>
+              </a:solidFill>
+              <a:effectLst/>
+              <a:uFillTx/>
+              <a:latin typeface="+mn-lt"/>
+              <a:ea typeface="+mn-ea"/>
+              <a:cs typeface="+mn-cs"/>
+              <a:sym typeface="Helvetica Light"/>
+            </a:endParaRPr>
+          </a:p>
+        </p:txBody>
+      </p:sp>
+      <p:sp>
+        <p:nvSpPr>
+          <p:cNvPr id="8" name="TextBox 7"/>
+          <p:cNvSpPr txBox="1"/>
+          <p:nvPr/>
+        </p:nvSpPr>
+        <p:spPr>
+          <a:xfrm>
+            <a:off x="7608690" y="6337368"/>
+            <a:ext cx="2481450" cy="471924"/>
+          </a:xfrm>
+          <a:prstGeom prst="rect">
+            <a:avLst/>
+          </a:prstGeom>
+          <a:solidFill>
+            <a:schemeClr val="accent1">
+              <a:alpha val="20000"/>
+            </a:schemeClr>
+          </a:solidFill>
+          <a:ln w="12700" cap="flat">
+            <a:noFill/>
+            <a:miter lim="400000"/>
+          </a:ln>
+          <a:effectLst/>
+          <a:sp3d/>
+        </p:spPr>
+        <p:style>
+          <a:lnRef idx="0">
+            <a:scrgbClr r="0" g="0" b="0"/>
+          </a:lnRef>
+          <a:fillRef idx="0">
+            <a:scrgbClr r="0" g="0" b="0"/>
+          </a:fillRef>
+          <a:effectRef idx="0">
+            <a:scrgbClr r="0" g="0" b="0"/>
+          </a:effectRef>
+          <a:fontRef idx="none"/>
+        </p:style>
+        <p:txBody>
+          <a:bodyPr rot="0" spcFirstLastPara="1" vertOverflow="overflow" horzOverflow="overflow" vert="horz" wrap="none" lIns="50800" tIns="50800" rIns="50800" bIns="50800" numCol="1" spcCol="38100" rtlCol="0" anchor="ctr">
+            <a:spAutoFit/>
+          </a:bodyPr>
+          <a:lstStyle/>
+          <a:p>
+            <a:pPr marL="0" marR="0" indent="0" algn="ctr" defTabSz="584200" rtl="0" fontAlgn="auto" latinLnBrk="0" hangingPunct="0">
+              <a:lnSpc>
+                <a:spcPct val="100000"/>
+              </a:lnSpc>
+              <a:spcBef>
+                <a:spcPts val="0"/>
+              </a:spcBef>
+              <a:spcAft>
+                <a:spcPts val="0"/>
+              </a:spcAft>
+              <a:buClrTx/>
+              <a:buSzTx/>
+              <a:buFontTx/>
+              <a:buNone/>
+              <a:tabLst/>
+            </a:pPr>
+            <a:r>
+              <a:rPr lang="en-US" sz="2400" dirty="0" smtClean="0"/>
+              <a:t>S</a:t>
+            </a:r>
+            <a:r>
+              <a:rPr kumimoji="0" lang="en-US" sz="2400" b="0" i="0" u="none" strike="noStrike" cap="none" spc="0" normalizeH="0" dirty="0" smtClean="0">
+                <a:ln>
+                  <a:noFill/>
+                </a:ln>
+                <a:solidFill>
+                  <a:srgbClr val="000000"/>
+                </a:solidFill>
+                <a:effectLst/>
+                <a:uFillTx/>
+                <a:latin typeface="+mn-lt"/>
+                <a:ea typeface="+mn-ea"/>
+                <a:cs typeface="+mn-cs"/>
+                <a:sym typeface="Helvetica Light"/>
+              </a:rPr>
+              <a:t>tate of variables</a:t>
+            </a:r>
+            <a:endParaRPr kumimoji="0" lang="en-US" sz="2400" b="0" i="0" u="none" strike="noStrike" cap="none" spc="0" normalizeH="0" baseline="0" dirty="0">
+              <a:ln>
+                <a:noFill/>
+              </a:ln>
+              <a:solidFill>
+                <a:srgbClr val="000000"/>
+              </a:solidFill>
+              <a:effectLst/>
+              <a:uFillTx/>
+              <a:latin typeface="+mn-lt"/>
+              <a:ea typeface="+mn-ea"/>
+              <a:cs typeface="+mn-cs"/>
+              <a:sym typeface="Helvetica Light"/>
+            </a:endParaRPr>
+          </a:p>
+        </p:txBody>
+      </p:sp>
+      <p:sp>
+        <p:nvSpPr>
+          <p:cNvPr id="9" name="Right Arrow 8"/>
+          <p:cNvSpPr/>
+          <p:nvPr/>
+        </p:nvSpPr>
+        <p:spPr>
+          <a:xfrm rot="13197670">
+            <a:off x="7408641" y="5609898"/>
+            <a:ext cx="851337" cy="611702"/>
+          </a:xfrm>
+          <a:prstGeom prst="rightArrow">
+            <a:avLst/>
+          </a:prstGeom>
+          <a:blipFill rotWithShape="1">
+            <a:blip r:embed="rId3"/>
+            <a:srcRect/>
+            <a:tile tx="0" ty="0" sx="100000" sy="100000" flip="none" algn="tl"/>
+          </a:blipFill>
+          <a:ln w="12700" cap="flat">
+            <a:noFill/>
+            <a:miter lim="400000"/>
+          </a:ln>
+          <a:effectLst>
+            <a:outerShdw blurRad="38100" dist="25400" dir="5400000" rotWithShape="0">
+              <a:srgbClr val="000000">
+                <a:alpha val="50000"/>
+              </a:srgbClr>
+            </a:outerShdw>
+          </a:effectLst>
+          <a:sp3d/>
+        </p:spPr>
+        <p:style>
+          <a:lnRef idx="0">
+            <a:scrgbClr r="0" g="0" b="0"/>
+          </a:lnRef>
+          <a:fillRef idx="0">
+            <a:scrgbClr r="0" g="0" b="0"/>
+          </a:fillRef>
+          <a:effectRef idx="0">
+            <a:scrgbClr r="0" g="0" b="0"/>
+          </a:effectRef>
+          <a:fontRef idx="none"/>
+        </p:style>
+        <p:txBody>
+          <a:bodyPr rot="0" spcFirstLastPara="1" vertOverflow="overflow" horzOverflow="overflow" vert="horz" wrap="square" lIns="50800" tIns="50800" rIns="50800" bIns="50800" numCol="1" spcCol="38100" rtlCol="0" anchor="ctr">
+            <a:spAutoFit/>
+          </a:bodyPr>
+          <a:lstStyle/>
+          <a:p>
+            <a:pPr marL="0" marR="0" indent="0" algn="ctr" defTabSz="584200" rtl="0" fontAlgn="auto" latinLnBrk="0" hangingPunct="0">
+              <a:lnSpc>
+                <a:spcPct val="100000"/>
+              </a:lnSpc>
+              <a:spcBef>
+                <a:spcPts val="0"/>
+              </a:spcBef>
+              <a:spcAft>
+                <a:spcPts val="0"/>
+              </a:spcAft>
+              <a:buClrTx/>
+              <a:buSzTx/>
+              <a:buFontTx/>
+              <a:buNone/>
+              <a:tabLst/>
+            </a:pPr>
+            <a:endParaRPr kumimoji="0" lang="en-US" sz="2400" b="0" i="0" u="none" strike="noStrike" cap="none" spc="0" normalizeH="0" baseline="0">
+              <a:ln>
+                <a:noFill/>
+              </a:ln>
+              <a:solidFill>
+                <a:srgbClr val="FFFFFF"/>
+              </a:solidFill>
+              <a:effectLst/>
+              <a:uFillTx/>
+              <a:latin typeface="+mn-lt"/>
+              <a:ea typeface="+mn-ea"/>
+              <a:cs typeface="+mn-cs"/>
+              <a:sym typeface="Helvetica Light"/>
+            </a:endParaRPr>
+          </a:p>
+        </p:txBody>
+      </p:sp>
+      <p:sp>
+        <p:nvSpPr>
+          <p:cNvPr id="10" name="TextBox 9"/>
+          <p:cNvSpPr txBox="1"/>
+          <p:nvPr/>
+        </p:nvSpPr>
+        <p:spPr>
+          <a:xfrm>
+            <a:off x="520324" y="3815363"/>
+            <a:ext cx="1712007" cy="841256"/>
+          </a:xfrm>
+          <a:prstGeom prst="rect">
+            <a:avLst/>
+          </a:prstGeom>
+          <a:solidFill>
+            <a:schemeClr val="accent1">
+              <a:alpha val="20000"/>
+            </a:schemeClr>
+          </a:solidFill>
+          <a:ln w="12700" cap="flat">
+            <a:noFill/>
+            <a:miter lim="400000"/>
+          </a:ln>
+          <a:effectLst/>
+          <a:sp3d/>
+        </p:spPr>
+        <p:style>
+          <a:lnRef idx="0">
+            <a:scrgbClr r="0" g="0" b="0"/>
+          </a:lnRef>
+          <a:fillRef idx="0">
+            <a:scrgbClr r="0" g="0" b="0"/>
+          </a:fillRef>
+          <a:effectRef idx="0">
+            <a:scrgbClr r="0" g="0" b="0"/>
+          </a:effectRef>
+          <a:fontRef idx="none"/>
+        </p:style>
+        <p:txBody>
+          <a:bodyPr rot="0" spcFirstLastPara="1" vertOverflow="overflow" horzOverflow="overflow" vert="horz" wrap="none" lIns="50800" tIns="50800" rIns="50800" bIns="50800" numCol="1" spcCol="38100" rtlCol="0" anchor="ctr">
+            <a:spAutoFit/>
+          </a:bodyPr>
+          <a:lstStyle/>
+          <a:p>
+            <a:pPr marL="0" marR="0" indent="0" algn="ctr" defTabSz="584200" rtl="0" fontAlgn="auto" latinLnBrk="0" hangingPunct="0">
+              <a:lnSpc>
+                <a:spcPct val="100000"/>
+              </a:lnSpc>
+              <a:spcBef>
+                <a:spcPts val="0"/>
+              </a:spcBef>
+              <a:spcAft>
+                <a:spcPts val="0"/>
+              </a:spcAft>
+              <a:buClrTx/>
+              <a:buSzTx/>
+              <a:buFontTx/>
+              <a:buNone/>
+              <a:tabLst/>
+            </a:pPr>
+            <a:r>
+              <a:rPr kumimoji="0" lang="en-US" sz="2400" b="0" i="0" u="none" strike="noStrike" cap="none" spc="0" normalizeH="0" baseline="0" dirty="0" smtClean="0">
+                <a:ln>
+                  <a:noFill/>
+                </a:ln>
+                <a:solidFill>
+                  <a:srgbClr val="000000"/>
+                </a:solidFill>
+                <a:effectLst/>
+                <a:uFillTx/>
+                <a:latin typeface="+mn-lt"/>
+                <a:ea typeface="+mn-ea"/>
+                <a:cs typeface="+mn-cs"/>
+                <a:sym typeface="Helvetica Light"/>
+              </a:rPr>
+              <a:t>Run</a:t>
+            </a:r>
+            <a:r>
+              <a:rPr kumimoji="0" lang="en-US" sz="2400" b="0" i="0" u="none" strike="noStrike" cap="none" spc="0" normalizeH="0" dirty="0" smtClean="0">
+                <a:ln>
+                  <a:noFill/>
+                </a:ln>
+                <a:solidFill>
+                  <a:srgbClr val="000000"/>
+                </a:solidFill>
+                <a:effectLst/>
+                <a:uFillTx/>
+                <a:latin typeface="+mn-lt"/>
+                <a:ea typeface="+mn-ea"/>
+                <a:cs typeface="+mn-cs"/>
+                <a:sym typeface="Helvetica Light"/>
+              </a:rPr>
+              <a:t> till next</a:t>
+            </a:r>
+          </a:p>
+          <a:p>
+            <a:pPr marL="0" marR="0" indent="0" algn="l" defTabSz="584200" rtl="0" fontAlgn="auto" latinLnBrk="0" hangingPunct="0">
+              <a:lnSpc>
+                <a:spcPct val="100000"/>
+              </a:lnSpc>
+              <a:spcBef>
+                <a:spcPts val="0"/>
+              </a:spcBef>
+              <a:spcAft>
+                <a:spcPts val="0"/>
+              </a:spcAft>
+              <a:buClrTx/>
+              <a:buSzTx/>
+              <a:buFontTx/>
+              <a:buNone/>
+              <a:tabLst/>
+            </a:pPr>
+            <a:r>
+              <a:rPr lang="en-US" sz="2400" baseline="0" dirty="0" smtClean="0"/>
+              <a:t>breakpoint</a:t>
+            </a:r>
+            <a:endParaRPr kumimoji="0" lang="en-US" sz="2400" b="0" i="0" u="none" strike="noStrike" cap="none" spc="0" normalizeH="0" baseline="0" dirty="0">
+              <a:ln>
+                <a:noFill/>
+              </a:ln>
+              <a:solidFill>
+                <a:srgbClr val="000000"/>
+              </a:solidFill>
+              <a:effectLst/>
+              <a:uFillTx/>
+              <a:latin typeface="+mn-lt"/>
+              <a:ea typeface="+mn-ea"/>
+              <a:cs typeface="+mn-cs"/>
+              <a:sym typeface="Helvetica Light"/>
+            </a:endParaRPr>
+          </a:p>
+        </p:txBody>
+      </p:sp>
+      <p:sp>
+        <p:nvSpPr>
+          <p:cNvPr id="11" name="Right Arrow 10"/>
+          <p:cNvSpPr/>
+          <p:nvPr/>
+        </p:nvSpPr>
+        <p:spPr>
+          <a:xfrm rot="1485246">
+            <a:off x="1744719" y="4663599"/>
+            <a:ext cx="851337" cy="611702"/>
+          </a:xfrm>
+          <a:prstGeom prst="rightArrow">
+            <a:avLst/>
+          </a:prstGeom>
+          <a:blipFill rotWithShape="1">
+            <a:blip r:embed="rId3"/>
+            <a:srcRect/>
+            <a:tile tx="0" ty="0" sx="100000" sy="100000" flip="none" algn="tl"/>
+          </a:blipFill>
+          <a:ln w="12700" cap="flat">
+            <a:noFill/>
+            <a:miter lim="400000"/>
+          </a:ln>
+          <a:effectLst>
+            <a:outerShdw blurRad="38100" dist="25400" dir="5400000" rotWithShape="0">
+              <a:srgbClr val="000000">
+                <a:alpha val="50000"/>
+              </a:srgbClr>
+            </a:outerShdw>
+          </a:effectLst>
+          <a:sp3d/>
+        </p:spPr>
+        <p:style>
+          <a:lnRef idx="0">
+            <a:scrgbClr r="0" g="0" b="0"/>
+          </a:lnRef>
+          <a:fillRef idx="0">
+            <a:scrgbClr r="0" g="0" b="0"/>
+          </a:fillRef>
+          <a:effectRef idx="0">
+            <a:scrgbClr r="0" g="0" b="0"/>
+          </a:effectRef>
+          <a:fontRef idx="none"/>
+        </p:style>
+        <p:txBody>
+          <a:bodyPr rot="0" spcFirstLastPara="1" vertOverflow="overflow" horzOverflow="overflow" vert="horz" wrap="square" lIns="50800" tIns="50800" rIns="50800" bIns="50800" numCol="1" spcCol="38100" rtlCol="0" anchor="ctr">
+            <a:spAutoFit/>
+          </a:bodyPr>
+          <a:lstStyle/>
+          <a:p>
+            <a:pPr marL="0" marR="0" indent="0" algn="ctr" defTabSz="584200" rtl="0" fontAlgn="auto" latinLnBrk="0" hangingPunct="0">
+              <a:lnSpc>
+                <a:spcPct val="100000"/>
+              </a:lnSpc>
+              <a:spcBef>
+                <a:spcPts val="0"/>
+              </a:spcBef>
+              <a:spcAft>
+                <a:spcPts val="0"/>
+              </a:spcAft>
+              <a:buClrTx/>
+              <a:buSzTx/>
+              <a:buFontTx/>
+              <a:buNone/>
+              <a:tabLst/>
+            </a:pPr>
+            <a:endParaRPr kumimoji="0" lang="en-US" sz="2400" b="0" i="0" u="none" strike="noStrike" cap="none" spc="0" normalizeH="0" baseline="0">
+              <a:ln>
+                <a:noFill/>
+              </a:ln>
+              <a:solidFill>
+                <a:srgbClr val="FFFFFF"/>
+              </a:solidFill>
+              <a:effectLst/>
+              <a:uFillTx/>
+              <a:latin typeface="+mn-lt"/>
+              <a:ea typeface="+mn-ea"/>
+              <a:cs typeface="+mn-cs"/>
+              <a:sym typeface="Helvetica Light"/>
+            </a:endParaRPr>
+          </a:p>
+        </p:txBody>
+      </p:sp>
+      <p:sp>
+        <p:nvSpPr>
+          <p:cNvPr id="12" name="TextBox 11"/>
+          <p:cNvSpPr txBox="1"/>
+          <p:nvPr/>
+        </p:nvSpPr>
+        <p:spPr>
+          <a:xfrm>
+            <a:off x="2685011" y="3107477"/>
+            <a:ext cx="2463816" cy="471924"/>
+          </a:xfrm>
+          <a:prstGeom prst="rect">
+            <a:avLst/>
+          </a:prstGeom>
+          <a:solidFill>
+            <a:schemeClr val="accent1">
+              <a:alpha val="20000"/>
+            </a:schemeClr>
+          </a:solidFill>
+          <a:ln w="12700" cap="flat">
+            <a:noFill/>
+            <a:miter lim="400000"/>
+          </a:ln>
+          <a:effectLst/>
+          <a:sp3d/>
+        </p:spPr>
+        <p:style>
+          <a:lnRef idx="0">
+            <a:scrgbClr r="0" g="0" b="0"/>
+          </a:lnRef>
+          <a:fillRef idx="0">
+            <a:scrgbClr r="0" g="0" b="0"/>
+          </a:fillRef>
+          <a:effectRef idx="0">
+            <a:scrgbClr r="0" g="0" b="0"/>
+          </a:effectRef>
+          <a:fontRef idx="none"/>
+        </p:style>
+        <p:txBody>
+          <a:bodyPr rot="0" spcFirstLastPara="1" vertOverflow="overflow" horzOverflow="overflow" vert="horz" wrap="none" lIns="50800" tIns="50800" rIns="50800" bIns="50800" numCol="1" spcCol="38100" rtlCol="0" anchor="ctr">
+            <a:spAutoFit/>
+          </a:bodyPr>
+          <a:lstStyle/>
+          <a:p>
+            <a:pPr marL="0" marR="0" indent="0" algn="ctr" defTabSz="584200" rtl="0" fontAlgn="auto" latinLnBrk="0" hangingPunct="0">
+              <a:lnSpc>
+                <a:spcPct val="100000"/>
+              </a:lnSpc>
+              <a:spcBef>
+                <a:spcPts val="0"/>
+              </a:spcBef>
+              <a:spcAft>
+                <a:spcPts val="0"/>
+              </a:spcAft>
+              <a:buClrTx/>
+              <a:buSzTx/>
+              <a:buFontTx/>
+              <a:buNone/>
+              <a:tabLst/>
+            </a:pPr>
+            <a:r>
+              <a:rPr kumimoji="0" lang="en-US" sz="2400" b="0" i="0" u="none" strike="noStrike" cap="none" spc="0" normalizeH="0" baseline="0" dirty="0" smtClean="0">
+                <a:ln>
+                  <a:noFill/>
+                </a:ln>
+                <a:solidFill>
+                  <a:srgbClr val="000000"/>
+                </a:solidFill>
+                <a:effectLst/>
+                <a:uFillTx/>
+                <a:latin typeface="+mn-lt"/>
+                <a:ea typeface="+mn-ea"/>
+                <a:cs typeface="+mn-cs"/>
+                <a:sym typeface="Helvetica Light"/>
+              </a:rPr>
+              <a:t>One step forward</a:t>
+            </a:r>
+            <a:endParaRPr kumimoji="0" lang="en-US" sz="2400" b="0" i="0" u="none" strike="noStrike" cap="none" spc="0" normalizeH="0" baseline="0" dirty="0">
+              <a:ln>
+                <a:noFill/>
+              </a:ln>
+              <a:solidFill>
+                <a:srgbClr val="000000"/>
+              </a:solidFill>
+              <a:effectLst/>
+              <a:uFillTx/>
+              <a:latin typeface="+mn-lt"/>
+              <a:ea typeface="+mn-ea"/>
+              <a:cs typeface="+mn-cs"/>
+              <a:sym typeface="Helvetica Light"/>
+            </a:endParaRPr>
+          </a:p>
+        </p:txBody>
+      </p:sp>
+      <p:sp>
+        <p:nvSpPr>
+          <p:cNvPr id="13" name="Right Arrow 12"/>
+          <p:cNvSpPr/>
+          <p:nvPr/>
+        </p:nvSpPr>
+        <p:spPr>
+          <a:xfrm rot="3964199">
+            <a:off x="3547182" y="3746481"/>
+            <a:ext cx="851337" cy="611702"/>
+          </a:xfrm>
+          <a:prstGeom prst="rightArrow">
+            <a:avLst/>
+          </a:prstGeom>
+          <a:blipFill rotWithShape="1">
+            <a:blip r:embed="rId3"/>
+            <a:srcRect/>
+            <a:tile tx="0" ty="0" sx="100000" sy="100000" flip="none" algn="tl"/>
+          </a:blipFill>
+          <a:ln w="12700" cap="flat">
+            <a:noFill/>
+            <a:miter lim="400000"/>
+          </a:ln>
+          <a:effectLst>
+            <a:outerShdw blurRad="38100" dist="25400" dir="5400000" rotWithShape="0">
+              <a:srgbClr val="000000">
+                <a:alpha val="50000"/>
+              </a:srgbClr>
+            </a:outerShdw>
+          </a:effectLst>
+          <a:sp3d/>
+        </p:spPr>
+        <p:style>
+          <a:lnRef idx="0">
+            <a:scrgbClr r="0" g="0" b="0"/>
+          </a:lnRef>
+          <a:fillRef idx="0">
+            <a:scrgbClr r="0" g="0" b="0"/>
+          </a:fillRef>
+          <a:effectRef idx="0">
+            <a:scrgbClr r="0" g="0" b="0"/>
+          </a:effectRef>
+          <a:fontRef idx="none"/>
+        </p:style>
+        <p:txBody>
+          <a:bodyPr rot="0" spcFirstLastPara="1" vertOverflow="overflow" horzOverflow="overflow" vert="horz" wrap="square" lIns="50800" tIns="50800" rIns="50800" bIns="50800" numCol="1" spcCol="38100" rtlCol="0" anchor="ctr">
+            <a:spAutoFit/>
+          </a:bodyPr>
+          <a:lstStyle/>
+          <a:p>
+            <a:pPr marL="0" marR="0" indent="0" algn="ctr" defTabSz="584200" rtl="0" fontAlgn="auto" latinLnBrk="0" hangingPunct="0">
+              <a:lnSpc>
+                <a:spcPct val="100000"/>
+              </a:lnSpc>
+              <a:spcBef>
+                <a:spcPts val="0"/>
+              </a:spcBef>
+              <a:spcAft>
+                <a:spcPts val="0"/>
+              </a:spcAft>
+              <a:buClrTx/>
+              <a:buSzTx/>
+              <a:buFontTx/>
+              <a:buNone/>
+              <a:tabLst/>
+            </a:pPr>
+            <a:endParaRPr kumimoji="0" lang="en-US" sz="2400" b="0" i="0" u="none" strike="noStrike" cap="none" spc="0" normalizeH="0" baseline="0">
+              <a:ln>
+                <a:noFill/>
+              </a:ln>
+              <a:solidFill>
+                <a:srgbClr val="FFFFFF"/>
+              </a:solidFill>
+              <a:effectLst/>
+              <a:uFillTx/>
+              <a:latin typeface="+mn-lt"/>
+              <a:ea typeface="+mn-ea"/>
+              <a:cs typeface="+mn-cs"/>
+              <a:sym typeface="Helvetica Light"/>
+            </a:endParaRPr>
+          </a:p>
+        </p:txBody>
+      </p:sp>
+      <p:sp>
+        <p:nvSpPr>
+          <p:cNvPr id="14" name="TextBox 13"/>
+          <p:cNvSpPr txBox="1"/>
+          <p:nvPr/>
+        </p:nvSpPr>
+        <p:spPr>
+          <a:xfrm>
+            <a:off x="3115515" y="5569361"/>
+            <a:ext cx="3339056" cy="471924"/>
+          </a:xfrm>
+          <a:prstGeom prst="rect">
+            <a:avLst/>
+          </a:prstGeom>
+          <a:solidFill>
+            <a:schemeClr val="accent1">
+              <a:alpha val="20000"/>
+            </a:schemeClr>
+          </a:solidFill>
+          <a:ln w="12700" cap="flat">
+            <a:noFill/>
+            <a:miter lim="400000"/>
+          </a:ln>
+          <a:effectLst/>
+          <a:sp3d/>
+        </p:spPr>
+        <p:style>
+          <a:lnRef idx="0">
+            <a:scrgbClr r="0" g="0" b="0"/>
+          </a:lnRef>
+          <a:fillRef idx="0">
+            <a:scrgbClr r="0" g="0" b="0"/>
+          </a:fillRef>
+          <a:effectRef idx="0">
+            <a:scrgbClr r="0" g="0" b="0"/>
+          </a:effectRef>
+          <a:fontRef idx="none"/>
+        </p:style>
+        <p:txBody>
+          <a:bodyPr rot="0" spcFirstLastPara="1" vertOverflow="overflow" horzOverflow="overflow" vert="horz" wrap="none" lIns="50800" tIns="50800" rIns="50800" bIns="50800" numCol="1" spcCol="38100" rtlCol="0" anchor="ctr">
+            <a:spAutoFit/>
+          </a:bodyPr>
+          <a:lstStyle/>
+          <a:p>
+            <a:pPr marL="0" marR="0" indent="0" algn="ctr" defTabSz="584200" rtl="0" fontAlgn="auto" latinLnBrk="0" hangingPunct="0">
+              <a:lnSpc>
+                <a:spcPct val="100000"/>
+              </a:lnSpc>
+              <a:spcBef>
+                <a:spcPts val="0"/>
+              </a:spcBef>
+              <a:spcAft>
+                <a:spcPts val="0"/>
+              </a:spcAft>
+              <a:buClrTx/>
+              <a:buSzTx/>
+              <a:buFontTx/>
+              <a:buNone/>
+              <a:tabLst/>
+            </a:pPr>
+            <a:r>
+              <a:rPr lang="en-US" sz="2400" dirty="0"/>
+              <a:t>S</a:t>
+            </a:r>
+            <a:r>
+              <a:rPr kumimoji="0" lang="en-US" sz="2400" b="0" i="0" u="none" strike="noStrike" cap="none" spc="0" normalizeH="0" baseline="0" dirty="0" smtClean="0">
+                <a:ln>
+                  <a:noFill/>
+                </a:ln>
+                <a:solidFill>
+                  <a:srgbClr val="000000"/>
+                </a:solidFill>
+                <a:effectLst/>
+                <a:uFillTx/>
+                <a:latin typeface="+mn-lt"/>
+                <a:ea typeface="+mn-ea"/>
+                <a:cs typeface="+mn-cs"/>
+                <a:sym typeface="Helvetica Light"/>
+              </a:rPr>
+              <a:t>tep inside</a:t>
+            </a:r>
+            <a:r>
+              <a:rPr lang="en-US" sz="2400" dirty="0"/>
+              <a:t> </a:t>
+            </a:r>
+            <a:r>
+              <a:rPr lang="en-US" sz="2400" dirty="0" smtClean="0"/>
+              <a:t>function call</a:t>
+            </a:r>
+            <a:endParaRPr kumimoji="0" lang="en-US" sz="2400" b="0" i="0" u="none" strike="noStrike" cap="none" spc="0" normalizeH="0" baseline="0" dirty="0">
+              <a:ln>
+                <a:noFill/>
+              </a:ln>
+              <a:solidFill>
+                <a:srgbClr val="000000"/>
+              </a:solidFill>
+              <a:effectLst/>
+              <a:uFillTx/>
+              <a:latin typeface="+mn-lt"/>
+              <a:ea typeface="+mn-ea"/>
+              <a:cs typeface="+mn-cs"/>
+              <a:sym typeface="Helvetica Light"/>
+            </a:endParaRPr>
+          </a:p>
+        </p:txBody>
+      </p:sp>
+      <p:sp>
+        <p:nvSpPr>
+          <p:cNvPr id="15" name="Right Arrow 14"/>
+          <p:cNvSpPr/>
+          <p:nvPr/>
+        </p:nvSpPr>
+        <p:spPr>
+          <a:xfrm rot="15162008">
+            <a:off x="4037051" y="4756984"/>
+            <a:ext cx="851337" cy="611702"/>
+          </a:xfrm>
+          <a:prstGeom prst="rightArrow">
+            <a:avLst/>
+          </a:prstGeom>
+          <a:blipFill rotWithShape="1">
+            <a:blip r:embed="rId3"/>
+            <a:srcRect/>
+            <a:tile tx="0" ty="0" sx="100000" sy="100000" flip="none" algn="tl"/>
+          </a:blipFill>
+          <a:ln w="12700" cap="flat">
+            <a:noFill/>
+            <a:miter lim="400000"/>
+          </a:ln>
+          <a:effectLst>
+            <a:outerShdw blurRad="38100" dist="25400" dir="5400000" rotWithShape="0">
+              <a:srgbClr val="000000">
+                <a:alpha val="50000"/>
+              </a:srgbClr>
+            </a:outerShdw>
+          </a:effectLst>
+          <a:sp3d/>
+        </p:spPr>
+        <p:style>
+          <a:lnRef idx="0">
+            <a:scrgbClr r="0" g="0" b="0"/>
+          </a:lnRef>
+          <a:fillRef idx="0">
+            <a:scrgbClr r="0" g="0" b="0"/>
+          </a:fillRef>
+          <a:effectRef idx="0">
+            <a:scrgbClr r="0" g="0" b="0"/>
+          </a:effectRef>
+          <a:fontRef idx="none"/>
+        </p:style>
+        <p:txBody>
+          <a:bodyPr rot="0" spcFirstLastPara="1" vertOverflow="overflow" horzOverflow="overflow" vert="horz" wrap="square" lIns="50800" tIns="50800" rIns="50800" bIns="50800" numCol="1" spcCol="38100" rtlCol="0" anchor="ctr">
+            <a:spAutoFit/>
+          </a:bodyPr>
+          <a:lstStyle/>
+          <a:p>
+            <a:pPr marL="0" marR="0" indent="0" algn="ctr" defTabSz="584200" rtl="0" fontAlgn="auto" latinLnBrk="0" hangingPunct="0">
+              <a:lnSpc>
+                <a:spcPct val="100000"/>
+              </a:lnSpc>
+              <a:spcBef>
+                <a:spcPts val="0"/>
+              </a:spcBef>
+              <a:spcAft>
+                <a:spcPts val="0"/>
+              </a:spcAft>
+              <a:buClrTx/>
+              <a:buSzTx/>
+              <a:buFontTx/>
+              <a:buNone/>
+              <a:tabLst/>
+            </a:pPr>
+            <a:endParaRPr kumimoji="0" lang="en-US" sz="2400" b="0" i="0" u="none" strike="noStrike" cap="none" spc="0" normalizeH="0" baseline="0">
+              <a:ln>
+                <a:noFill/>
+              </a:ln>
+              <a:solidFill>
+                <a:srgbClr val="FFFFFF"/>
+              </a:solidFill>
+              <a:effectLst/>
+              <a:uFillTx/>
+              <a:latin typeface="+mn-lt"/>
+              <a:ea typeface="+mn-ea"/>
+              <a:cs typeface="+mn-cs"/>
+              <a:sym typeface="Helvetica Light"/>
+            </a:endParaRPr>
+          </a:p>
+        </p:txBody>
+      </p:sp>
+      <p:sp>
+        <p:nvSpPr>
+          <p:cNvPr id="20" name="TextBox 19"/>
+          <p:cNvSpPr txBox="1"/>
+          <p:nvPr/>
+        </p:nvSpPr>
+        <p:spPr>
+          <a:xfrm>
+            <a:off x="6316109" y="3644097"/>
+            <a:ext cx="3473708" cy="841256"/>
+          </a:xfrm>
+          <a:prstGeom prst="rect">
+            <a:avLst/>
+          </a:prstGeom>
+          <a:solidFill>
+            <a:schemeClr val="accent1">
+              <a:alpha val="20000"/>
+            </a:schemeClr>
+          </a:solidFill>
+          <a:ln w="12700" cap="flat">
+            <a:noFill/>
+            <a:miter lim="400000"/>
+          </a:ln>
+          <a:effectLst/>
+          <a:sp3d/>
+        </p:spPr>
+        <p:style>
+          <a:lnRef idx="0">
+            <a:scrgbClr r="0" g="0" b="0"/>
+          </a:lnRef>
+          <a:fillRef idx="0">
+            <a:scrgbClr r="0" g="0" b="0"/>
+          </a:fillRef>
+          <a:effectRef idx="0">
+            <a:scrgbClr r="0" g="0" b="0"/>
+          </a:effectRef>
+          <a:fontRef idx="none"/>
+        </p:style>
+        <p:txBody>
+          <a:bodyPr rot="0" spcFirstLastPara="1" vertOverflow="overflow" horzOverflow="overflow" vert="horz" wrap="none" lIns="50800" tIns="50800" rIns="50800" bIns="50800" numCol="1" spcCol="38100" rtlCol="0" anchor="ctr">
+            <a:spAutoFit/>
+          </a:bodyPr>
+          <a:lstStyle/>
+          <a:p>
+            <a:pPr marL="0" marR="0" indent="0" algn="ctr" defTabSz="584200" rtl="0" fontAlgn="auto" latinLnBrk="0" hangingPunct="0">
+              <a:lnSpc>
+                <a:spcPct val="100000"/>
+              </a:lnSpc>
+              <a:spcBef>
+                <a:spcPts val="0"/>
+              </a:spcBef>
+              <a:spcAft>
+                <a:spcPts val="0"/>
+              </a:spcAft>
+              <a:buClrTx/>
+              <a:buSzTx/>
+              <a:buFontTx/>
+              <a:buNone/>
+              <a:tabLst/>
+            </a:pPr>
+            <a:r>
+              <a:rPr kumimoji="0" lang="en-US" sz="2400" b="0" i="0" u="none" strike="noStrike" cap="none" spc="0" normalizeH="0" baseline="0" dirty="0" smtClean="0">
+                <a:ln>
+                  <a:noFill/>
+                </a:ln>
+                <a:solidFill>
+                  <a:srgbClr val="000000"/>
+                </a:solidFill>
+                <a:effectLst/>
+                <a:uFillTx/>
+                <a:latin typeface="+mn-lt"/>
+                <a:ea typeface="+mn-ea"/>
+                <a:cs typeface="+mn-cs"/>
+                <a:sym typeface="Helvetica Light"/>
+              </a:rPr>
+              <a:t>Evaluate</a:t>
+            </a:r>
+            <a:r>
+              <a:rPr kumimoji="0" lang="en-US" sz="2400" b="0" i="0" u="none" strike="noStrike" cap="none" spc="0" normalizeH="0" dirty="0" smtClean="0">
+                <a:ln>
+                  <a:noFill/>
+                </a:ln>
+                <a:solidFill>
+                  <a:srgbClr val="000000"/>
+                </a:solidFill>
+                <a:effectLst/>
+                <a:uFillTx/>
+                <a:latin typeface="+mn-lt"/>
+                <a:ea typeface="+mn-ea"/>
+                <a:cs typeface="+mn-cs"/>
+                <a:sym typeface="Helvetica Light"/>
+              </a:rPr>
+              <a:t> code on the fly </a:t>
+            </a:r>
+          </a:p>
+          <a:p>
+            <a:pPr marL="0" marR="0" indent="0" algn="l" defTabSz="584200" rtl="0" fontAlgn="auto" latinLnBrk="0" hangingPunct="0">
+              <a:lnSpc>
+                <a:spcPct val="100000"/>
+              </a:lnSpc>
+              <a:spcBef>
+                <a:spcPts val="0"/>
+              </a:spcBef>
+              <a:spcAft>
+                <a:spcPts val="0"/>
+              </a:spcAft>
+              <a:buClrTx/>
+              <a:buSzTx/>
+              <a:buFontTx/>
+              <a:buNone/>
+              <a:tabLst/>
+            </a:pPr>
+            <a:r>
+              <a:rPr kumimoji="0" lang="en-US" sz="2400" b="0" i="0" u="none" strike="noStrike" cap="none" spc="0" normalizeH="0" dirty="0" smtClean="0">
+                <a:ln>
+                  <a:noFill/>
+                </a:ln>
+                <a:solidFill>
+                  <a:srgbClr val="000000"/>
+                </a:solidFill>
+                <a:effectLst/>
+                <a:uFillTx/>
+                <a:latin typeface="+mn-lt"/>
+                <a:ea typeface="+mn-ea"/>
+                <a:cs typeface="+mn-cs"/>
+                <a:sym typeface="Helvetica Light"/>
+              </a:rPr>
+              <a:t>in current context</a:t>
+            </a:r>
+            <a:endParaRPr kumimoji="0" lang="en-US" sz="2400" b="0" i="0" u="none" strike="noStrike" cap="none" spc="0" normalizeH="0" baseline="0" dirty="0">
+              <a:ln>
+                <a:noFill/>
+              </a:ln>
+              <a:solidFill>
+                <a:srgbClr val="000000"/>
+              </a:solidFill>
+              <a:effectLst/>
+              <a:uFillTx/>
+              <a:latin typeface="+mn-lt"/>
+              <a:ea typeface="+mn-ea"/>
+              <a:cs typeface="+mn-cs"/>
+              <a:sym typeface="Helvetica Light"/>
+            </a:endParaRPr>
+          </a:p>
+        </p:txBody>
+      </p:sp>
+      <p:sp>
+        <p:nvSpPr>
+          <p:cNvPr id="21" name="Right Arrow 20"/>
+          <p:cNvSpPr/>
+          <p:nvPr/>
+        </p:nvSpPr>
+        <p:spPr>
+          <a:xfrm rot="9483631">
+            <a:off x="5409649" y="4045972"/>
+            <a:ext cx="851337" cy="611702"/>
+          </a:xfrm>
+          <a:prstGeom prst="rightArrow">
+            <a:avLst/>
+          </a:prstGeom>
+          <a:blipFill rotWithShape="1">
+            <a:blip r:embed="rId3"/>
+            <a:srcRect/>
+            <a:tile tx="0" ty="0" sx="100000" sy="100000" flip="none" algn="tl"/>
+          </a:blipFill>
+          <a:ln w="12700" cap="flat">
+            <a:noFill/>
+            <a:miter lim="400000"/>
+          </a:ln>
+          <a:effectLst>
+            <a:outerShdw blurRad="38100" dist="25400" dir="5400000" rotWithShape="0">
+              <a:srgbClr val="000000">
+                <a:alpha val="50000"/>
+              </a:srgbClr>
+            </a:outerShdw>
+          </a:effectLst>
+          <a:sp3d/>
+        </p:spPr>
+        <p:style>
+          <a:lnRef idx="0">
+            <a:scrgbClr r="0" g="0" b="0"/>
+          </a:lnRef>
+          <a:fillRef idx="0">
+            <a:scrgbClr r="0" g="0" b="0"/>
+          </a:fillRef>
+          <a:effectRef idx="0">
+            <a:scrgbClr r="0" g="0" b="0"/>
+          </a:effectRef>
+          <a:fontRef idx="none"/>
+        </p:style>
+        <p:txBody>
+          <a:bodyPr rot="0" spcFirstLastPara="1" vertOverflow="overflow" horzOverflow="overflow" vert="horz" wrap="square" lIns="50800" tIns="50800" rIns="50800" bIns="50800" numCol="1" spcCol="38100" rtlCol="0" anchor="ctr">
+            <a:spAutoFit/>
+          </a:bodyPr>
+          <a:lstStyle/>
+          <a:p>
+            <a:pPr marL="0" marR="0" indent="0" algn="ctr" defTabSz="584200" rtl="0" fontAlgn="auto" latinLnBrk="0" hangingPunct="0">
+              <a:lnSpc>
+                <a:spcPct val="100000"/>
+              </a:lnSpc>
+              <a:spcBef>
+                <a:spcPts val="0"/>
+              </a:spcBef>
+              <a:spcAft>
+                <a:spcPts val="0"/>
+              </a:spcAft>
+              <a:buClrTx/>
+              <a:buSzTx/>
+              <a:buFontTx/>
+              <a:buNone/>
+              <a:tabLst/>
+            </a:pPr>
+            <a:endParaRPr kumimoji="0" lang="en-US" sz="2400" b="0" i="0" u="none" strike="noStrike" cap="none" spc="0" normalizeH="0" baseline="0">
+              <a:ln>
+                <a:noFill/>
+              </a:ln>
+              <a:solidFill>
+                <a:srgbClr val="FFFFFF"/>
+              </a:solidFill>
+              <a:effectLst/>
+              <a:uFillTx/>
+              <a:latin typeface="+mn-lt"/>
+              <a:ea typeface="+mn-ea"/>
+              <a:cs typeface="+mn-cs"/>
+              <a:sym typeface="Helvetica Light"/>
+            </a:endParaRPr>
           </a:p>
         </p:txBody>
       </p:sp>

--- a/docs/slides/01/01_intro.pptx
+++ b/docs/slides/01/01_intro.pptx
@@ -1245,7 +1245,7 @@
           <a:p>
             <a:fld id="{04F1D4A2-813C-F741-B481-C92B3A596030}" type="datetimeFigureOut">
               <a:rPr lang="en-US" smtClean="0"/>
-              <a:t>04-Jun-19</a:t>
+              <a:t>11-Jun-19</a:t>
             </a:fld>
             <a:endParaRPr lang="en-US"/>
           </a:p>
@@ -2520,7 +2520,7 @@
           </a:ln>
           <a:extLst>
             <a:ext uri="{C572A759-6A51-4108-AA02-DFA0A04FC94B}">
-              <ma14:wrappingTextBoxFlag xmlns:ma14="http://schemas.microsoft.com/office/mac/drawingml/2011/main" xmlns="" val="1"/>
+              <ma14:wrappingTextBoxFlag xmlns="" xmlns:ma14="http://schemas.microsoft.com/office/mac/drawingml/2011/main" val="1"/>
             </a:ext>
           </a:extLst>
         </p:spPr>
@@ -2559,7 +2559,7 @@
           </a:ln>
           <a:extLst>
             <a:ext uri="{C572A759-6A51-4108-AA02-DFA0A04FC94B}">
-              <ma14:wrappingTextBoxFlag xmlns:ma14="http://schemas.microsoft.com/office/mac/drawingml/2011/main" xmlns="" val="1"/>
+              <ma14:wrappingTextBoxFlag xmlns="" xmlns:ma14="http://schemas.microsoft.com/office/mac/drawingml/2011/main" val="1"/>
             </a:ext>
           </a:extLst>
         </p:spPr>
@@ -4601,8 +4601,8 @@
               <a:t>Java </a:t>
             </a:r>
             <a:r>
-              <a:rPr dirty="0" smtClean="0"/>
-              <a:t>8</a:t>
+              <a:rPr lang="en-US" b="1" dirty="0" smtClean="0"/>
+              <a:t>11</a:t>
             </a:r>
             <a:r>
               <a:rPr lang="en-US" dirty="0" smtClean="0"/>
@@ -4613,27 +4613,52 @@
             <a:pPr lvl="1"/>
             <a:r>
               <a:rPr lang="en-US" dirty="0" smtClean="0"/>
-              <a:t>JDK 11 will come out during the course, so will not use it this year</a:t>
-            </a:r>
-          </a:p>
-          <a:p>
-            <a:pPr lvl="1"/>
-            <a:r>
-              <a:rPr lang="en-US" dirty="0" smtClean="0"/>
-              <a:t>JDK 9 and 10 should be avoided, as non-LTS (Long-Term-Support), and having lifespan of just 6 months</a:t>
-            </a:r>
-            <a:endParaRPr dirty="0"/>
-          </a:p>
-          <a:p>
-            <a:r>
-              <a:rPr dirty="0" smtClean="0"/>
+              <a:t>use </a:t>
+            </a:r>
+            <a:r>
+              <a:rPr lang="en-US" i="1" dirty="0" err="1" smtClean="0"/>
+              <a:t>OpenJDK</a:t>
+            </a:r>
+            <a:r>
+              <a:rPr lang="en-US" dirty="0" smtClean="0"/>
+              <a:t>, </a:t>
+            </a:r>
+            <a:r>
+              <a:rPr lang="en-US" dirty="0" err="1" smtClean="0"/>
+              <a:t>eg</a:t>
+            </a:r>
+            <a:r>
+              <a:rPr lang="en-US" dirty="0" smtClean="0"/>
+              <a:t> </a:t>
+            </a:r>
+            <a:r>
+              <a:rPr lang="en-US" dirty="0"/>
+              <a:t>downloaded from </a:t>
+            </a:r>
+            <a:r>
+              <a:rPr lang="en-US" dirty="0">
+                <a:hlinkClick r:id="rId2"/>
+              </a:rPr>
+              <a:t>https://adoptopenjdk.net</a:t>
+            </a:r>
+            <a:r>
+              <a:rPr lang="en-US" dirty="0" smtClean="0">
+                <a:hlinkClick r:id="rId2"/>
+              </a:rPr>
+              <a:t>/</a:t>
+            </a:r>
+            <a:endParaRPr lang="en-US" dirty="0" smtClean="0"/>
+          </a:p>
+          <a:p>
+            <a:r>
+              <a:rPr i="1" dirty="0" err="1" smtClean="0"/>
               <a:t>Git</a:t>
             </a:r>
-            <a:endParaRPr lang="en-US" dirty="0" smtClean="0"/>
-          </a:p>
-          <a:p>
-            <a:r>
-              <a:rPr lang="en-US" dirty="0" smtClean="0"/>
+            <a:endParaRPr lang="en-US" i="1" dirty="0" smtClean="0"/>
+          </a:p>
+          <a:p>
+            <a:r>
+              <a:rPr lang="en-US" i="1" dirty="0" smtClean="0"/>
               <a:t>IntelliJ Ultimate Edition</a:t>
             </a:r>
           </a:p>
@@ -4907,7 +4932,7 @@
           </a:ln>
           <a:extLst>
             <a:ext uri="{C572A759-6A51-4108-AA02-DFA0A04FC94B}">
-              <ma14:wrappingTextBoxFlag xmlns="" xmlns:ma14="http://schemas.microsoft.com/office/mac/drawingml/2011/main" val="1"/>
+              <ma14:wrappingTextBoxFlag xmlns:ma14="http://schemas.microsoft.com/office/mac/drawingml/2011/main" xmlns="" val="1"/>
             </a:ext>
           </a:extLst>
         </p:spPr>
@@ -7442,11 +7467,7 @@
             </a:r>
             <a:r>
               <a:rPr lang="en-US" dirty="0" smtClean="0"/>
-              <a:t>, you can add as many elements as you want, as long as you have enough </a:t>
-            </a:r>
-            <a:r>
-              <a:rPr lang="en-US" dirty="0" smtClean="0"/>
-              <a:t>memory</a:t>
+              <a:t>, you can add as many elements as you want, as long as you have enough memory</a:t>
             </a:r>
           </a:p>
           <a:p>
@@ -7465,18 +7486,12 @@
               <a:rPr lang="en-US" dirty="0" smtClean="0"/>
               <a:t>can have duplicates</a:t>
             </a:r>
-            <a:endParaRPr lang="en-US" dirty="0" smtClean="0"/>
-          </a:p>
-          <a:p>
-            <a:r>
-              <a:rPr lang="en-US" dirty="0" smtClean="0"/>
-              <a:t>Lists (and all data structures will see in this course) are Java objects, and not treated specially like </a:t>
-            </a:r>
-            <a:r>
-              <a:rPr lang="en-US" dirty="0" smtClean="0"/>
-              <a:t>arrays</a:t>
-            </a:r>
-            <a:endParaRPr lang="en-US" dirty="0" smtClean="0"/>
+          </a:p>
+          <a:p>
+            <a:r>
+              <a:rPr lang="en-US" dirty="0" smtClean="0"/>
+              <a:t>Lists (and all data structures will see in this course) are Java objects, and not treated specially like arrays</a:t>
+            </a:r>
           </a:p>
         </p:txBody>
       </p:sp>
@@ -8533,11 +8548,7 @@
             </a:r>
             <a:r>
               <a:rPr lang="en-US" dirty="0" smtClean="0"/>
-              <a:t> for each element (they are objects</a:t>
-            </a:r>
-            <a:r>
-              <a:rPr lang="en-US" dirty="0" smtClean="0"/>
-              <a:t>)</a:t>
+              <a:t> for each element (they are objects)</a:t>
             </a:r>
           </a:p>
           <a:p>
@@ -8552,11 +8563,7 @@
             </a:r>
             <a:r>
               <a:rPr lang="en-US" dirty="0" smtClean="0"/>
-              <a:t> </a:t>
-            </a:r>
-            <a:r>
-              <a:rPr lang="en-US" dirty="0" smtClean="0"/>
-              <a:t>from node to node (</a:t>
+              <a:t> from node to node (</a:t>
             </a:r>
             <a:r>
               <a:rPr lang="en-US" dirty="0" err="1" smtClean="0"/>
@@ -8572,11 +8579,7 @@
             </a:r>
             <a:r>
               <a:rPr lang="en-US" dirty="0" smtClean="0"/>
-              <a:t> field</a:t>
-            </a:r>
-            <a:r>
-              <a:rPr lang="en-US" dirty="0" smtClean="0"/>
-              <a:t>)</a:t>
+              <a:t> field)</a:t>
             </a:r>
           </a:p>
           <a:p>
@@ -8613,7 +8616,6 @@
               <a:rPr lang="en-US" dirty="0" smtClean="0"/>
               <a:t>list</a:t>
             </a:r>
-            <a:endParaRPr lang="en-US" dirty="0" smtClean="0"/>
           </a:p>
           <a:p>
             <a:pPr>
@@ -14239,7 +14241,6 @@
               <a:rPr lang="en-US" dirty="0" smtClean="0"/>
               <a:t>Arrays/Lists/Tests</a:t>
             </a:r>
-            <a:endParaRPr lang="en-US" dirty="0" smtClean="0"/>
           </a:p>
           <a:p>
             <a:pPr marL="742950" indent="-742950">
@@ -14279,7 +14280,6 @@
               <a:rPr lang="en-US" dirty="0" smtClean="0"/>
               <a:t>Recursion and TDD</a:t>
             </a:r>
-            <a:endParaRPr lang="en-US" dirty="0" smtClean="0"/>
           </a:p>
           <a:p>
             <a:pPr marL="742950" indent="-742950">
@@ -14369,7 +14369,7 @@
           </a:ln>
           <a:extLst>
             <a:ext uri="{C572A759-6A51-4108-AA02-DFA0A04FC94B}">
-              <ma14:wrappingTextBoxFlag xmlns:ma14="http://schemas.microsoft.com/office/mac/drawingml/2011/main" xmlns="" val="1"/>
+              <ma14:wrappingTextBoxFlag xmlns="" xmlns:ma14="http://schemas.microsoft.com/office/mac/drawingml/2011/main" val="1"/>
             </a:ext>
           </a:extLst>
         </p:spPr>
@@ -14706,7 +14706,7 @@
           </a:ln>
           <a:extLst>
             <a:ext uri="{C572A759-6A51-4108-AA02-DFA0A04FC94B}">
-              <ma14:wrappingTextBoxFlag xmlns:ma14="http://schemas.microsoft.com/office/mac/drawingml/2011/main" xmlns="" val="1"/>
+              <ma14:wrappingTextBoxFlag xmlns="" xmlns:ma14="http://schemas.microsoft.com/office/mac/drawingml/2011/main" val="1"/>
             </a:ext>
           </a:extLst>
         </p:spPr>

--- a/docs/slides/01/01_intro.pptx
+++ b/docs/slides/01/01_intro.pptx
@@ -1162,10 +1162,9 @@
           </a:lstStyle>
           <a:p>
             <a:r>
-              <a:rPr lang="en-US" dirty="0" smtClean="0"/>
+              <a:rPr lang="en-US" dirty="0"/>
               <a:t>Click to edit Master title style</a:t>
             </a:r>
-            <a:endParaRPr lang="en-US" dirty="0"/>
           </a:p>
         </p:txBody>
       </p:sp>
@@ -1193,38 +1192,37 @@
           <a:p>
             <a:pPr lvl="0"/>
             <a:r>
-              <a:rPr lang="en-US" dirty="0" smtClean="0"/>
+              <a:rPr lang="en-US" dirty="0"/>
               <a:t>Click to edit Master text styles</a:t>
             </a:r>
           </a:p>
           <a:p>
             <a:pPr lvl="1"/>
             <a:r>
-              <a:rPr lang="en-US" dirty="0" smtClean="0"/>
+              <a:rPr lang="en-US" dirty="0"/>
               <a:t>Second level</a:t>
             </a:r>
           </a:p>
           <a:p>
             <a:pPr lvl="2"/>
             <a:r>
-              <a:rPr lang="en-US" dirty="0" smtClean="0"/>
+              <a:rPr lang="en-US" dirty="0"/>
               <a:t>Third level</a:t>
             </a:r>
           </a:p>
           <a:p>
             <a:pPr lvl="3"/>
             <a:r>
-              <a:rPr lang="en-US" dirty="0" smtClean="0"/>
+              <a:rPr lang="en-US" dirty="0"/>
               <a:t>Fourth level</a:t>
             </a:r>
           </a:p>
           <a:p>
             <a:pPr lvl="4"/>
             <a:r>
-              <a:rPr lang="en-US" dirty="0" smtClean="0"/>
+              <a:rPr lang="en-US" dirty="0"/>
               <a:t>Fifth level</a:t>
             </a:r>
-            <a:endParaRPr lang="en-US" dirty="0"/>
           </a:p>
         </p:txBody>
       </p:sp>
@@ -1245,7 +1243,7 @@
           <a:p>
             <a:fld id="{04F1D4A2-813C-F741-B481-C92B3A596030}" type="datetimeFigureOut">
               <a:rPr lang="en-US" smtClean="0"/>
-              <a:t>11-Jun-19</a:t>
+              <a:t>8/18/19</a:t>
             </a:fld>
             <a:endParaRPr lang="en-US"/>
           </a:p>
@@ -2520,7 +2518,7 @@
           </a:ln>
           <a:extLst>
             <a:ext uri="{C572A759-6A51-4108-AA02-DFA0A04FC94B}">
-              <ma14:wrappingTextBoxFlag xmlns="" xmlns:ma14="http://schemas.microsoft.com/office/mac/drawingml/2011/main" val="1"/>
+              <ma14:wrappingTextBoxFlag xmlns:ma14="http://schemas.microsoft.com/office/mac/drawingml/2011/main" xmlns="" val="1"/>
             </a:ext>
           </a:extLst>
         </p:spPr>
@@ -2559,7 +2557,7 @@
           </a:ln>
           <a:extLst>
             <a:ext uri="{C572A759-6A51-4108-AA02-DFA0A04FC94B}">
-              <ma14:wrappingTextBoxFlag xmlns="" xmlns:ma14="http://schemas.microsoft.com/office/mac/drawingml/2011/main" val="1"/>
+              <ma14:wrappingTextBoxFlag xmlns:ma14="http://schemas.microsoft.com/office/mac/drawingml/2011/main" xmlns="" val="1"/>
             </a:ext>
           </a:extLst>
         </p:spPr>
@@ -3492,24 +3490,19 @@
           <a:p>
             <a:pPr algn="l"/>
             <a:r>
-              <a:rPr lang="en-US" dirty="0" smtClean="0"/>
+              <a:rPr lang="en-US" dirty="0"/>
               <a:t>PG4200: Algorithms And Data Structures</a:t>
             </a:r>
             <a:br>
-              <a:rPr lang="en-US" dirty="0" smtClean="0"/>
+              <a:rPr lang="en-US" dirty="0"/>
             </a:br>
-            <a:r>
-              <a:rPr lang="en-US" dirty="0" smtClean="0"/>
-              <a:t/>
-            </a:r>
             <a:br>
-              <a:rPr lang="en-US" dirty="0" smtClean="0"/>
+              <a:rPr lang="en-US" dirty="0"/>
             </a:br>
             <a:r>
-              <a:rPr lang="en-US" dirty="0" smtClean="0"/>
+              <a:rPr lang="en-US" dirty="0"/>
               <a:t>Lesson 01: Arrays, Lists, and Unit Tests </a:t>
             </a:r>
-            <a:endParaRPr lang="en-US" dirty="0"/>
           </a:p>
         </p:txBody>
       </p:sp>
@@ -3535,10 +3528,9 @@
           <a:p>
             <a:pPr algn="r"/>
             <a:r>
-              <a:rPr lang="en-US" dirty="0" smtClean="0"/>
+              <a:rPr lang="en-US" dirty="0"/>
               <a:t>Prof. Andrea Arcuri</a:t>
             </a:r>
-            <a:endParaRPr lang="en-US" dirty="0"/>
           </a:p>
         </p:txBody>
       </p:sp>
@@ -3594,10 +3586,9 @@
           <a:lstStyle/>
           <a:p>
             <a:r>
-              <a:rPr lang="en-US" dirty="0" smtClean="0"/>
+              <a:rPr lang="en-US" dirty="0"/>
               <a:t>GitHub</a:t>
             </a:r>
-            <a:endParaRPr lang="en-US" dirty="0"/>
           </a:p>
         </p:txBody>
       </p:sp>
@@ -3624,84 +3615,84 @@
           <a:lstStyle/>
           <a:p>
             <a:r>
-              <a:rPr lang="en-US" sz="3200" dirty="0" smtClean="0"/>
+              <a:rPr lang="en-US" sz="3200" dirty="0"/>
               <a:t>Currently the main server repository for hosting open-source projects</a:t>
             </a:r>
           </a:p>
           <a:p>
             <a:pPr lvl="1"/>
             <a:r>
-              <a:rPr lang="en-US" sz="2400" dirty="0" smtClean="0"/>
+              <a:rPr lang="en-US" sz="2400" dirty="0"/>
               <a:t>Before, the main one was </a:t>
             </a:r>
             <a:r>
-              <a:rPr lang="en-US" sz="2400" i="1" dirty="0" err="1" smtClean="0"/>
+              <a:rPr lang="en-US" sz="2400" i="1" dirty="0" err="1"/>
               <a:t>SourceForge</a:t>
             </a:r>
-            <a:endParaRPr lang="en-US" sz="2400" i="1" dirty="0" smtClean="0"/>
-          </a:p>
-          <a:p>
-            <a:r>
-              <a:rPr lang="en-US" sz="3200" i="1" dirty="0" smtClean="0"/>
+            <a:endParaRPr lang="en-US" sz="2400" i="1" dirty="0"/>
+          </a:p>
+          <a:p>
+            <a:r>
+              <a:rPr lang="en-US" sz="3200" i="1" dirty="0"/>
               <a:t>GitHub</a:t>
             </a:r>
             <a:r>
-              <a:rPr lang="en-US" sz="3200" dirty="0" smtClean="0"/>
+              <a:rPr lang="en-US" sz="3200" dirty="0"/>
               <a:t> provides a website in which projects can be browsed</a:t>
             </a:r>
           </a:p>
           <a:p>
             <a:r>
-              <a:rPr lang="en-US" sz="3200" dirty="0" smtClean="0"/>
+              <a:rPr lang="en-US" sz="3200" dirty="0"/>
               <a:t>Projects on </a:t>
             </a:r>
             <a:r>
-              <a:rPr lang="en-US" sz="3200" i="1" dirty="0" smtClean="0"/>
+              <a:rPr lang="en-US" sz="3200" i="1" dirty="0"/>
               <a:t>GitHub</a:t>
             </a:r>
             <a:r>
-              <a:rPr lang="en-US" sz="3200" dirty="0" smtClean="0"/>
+              <a:rPr lang="en-US" sz="3200" dirty="0"/>
               <a:t> are handled with </a:t>
             </a:r>
             <a:r>
-              <a:rPr lang="en-US" sz="3200" dirty="0" err="1" smtClean="0"/>
+              <a:rPr lang="en-US" sz="3200" dirty="0" err="1"/>
               <a:t>Git</a:t>
             </a:r>
-            <a:endParaRPr lang="en-US" sz="3200" dirty="0" smtClean="0"/>
-          </a:p>
-          <a:p>
-            <a:r>
-              <a:rPr lang="en-US" sz="3200" i="1" dirty="0" smtClean="0"/>
+            <a:endParaRPr lang="en-US" sz="3200" dirty="0"/>
+          </a:p>
+          <a:p>
+            <a:r>
+              <a:rPr lang="en-US" sz="3200" i="1" dirty="0"/>
               <a:t>GitHub</a:t>
             </a:r>
             <a:r>
-              <a:rPr lang="en-US" sz="3200" dirty="0" smtClean="0"/>
+              <a:rPr lang="en-US" sz="3200" dirty="0"/>
               <a:t> is most famous/used, but there are others as well</a:t>
             </a:r>
           </a:p>
           <a:p>
             <a:pPr lvl="1"/>
             <a:r>
-              <a:rPr lang="en-US" sz="2400" dirty="0" err="1" smtClean="0"/>
+              <a:rPr lang="en-US" sz="2400" dirty="0" err="1"/>
               <a:t>eg</a:t>
             </a:r>
             <a:r>
-              <a:rPr lang="en-US" sz="2400" dirty="0" smtClean="0"/>
+              <a:rPr lang="en-US" sz="2400" dirty="0"/>
               <a:t>, </a:t>
             </a:r>
             <a:r>
-              <a:rPr lang="en-US" sz="2400" i="1" dirty="0" err="1" smtClean="0"/>
+              <a:rPr lang="en-US" sz="2400" i="1" dirty="0" err="1"/>
               <a:t>BitBucket</a:t>
             </a:r>
             <a:r>
-              <a:rPr lang="en-US" sz="2400" dirty="0" smtClean="0"/>
+              <a:rPr lang="en-US" sz="2400" dirty="0"/>
               <a:t> and </a:t>
             </a:r>
             <a:r>
-              <a:rPr lang="en-US" sz="2400" i="1" dirty="0" err="1" smtClean="0"/>
+              <a:rPr lang="en-US" sz="2400" i="1" dirty="0" err="1"/>
               <a:t>GitLab</a:t>
             </a:r>
-            <a:endParaRPr lang="en-US" sz="2400" i="1" dirty="0" smtClean="0"/>
+            <a:endParaRPr lang="en-US" sz="2400" i="1" dirty="0"/>
           </a:p>
         </p:txBody>
       </p:sp>
@@ -3846,14 +3837,13 @@
           <a:lstStyle/>
           <a:p>
             <a:r>
-              <a:rPr lang="en-US" dirty="0" err="1" smtClean="0"/>
+              <a:rPr lang="en-US" dirty="0" err="1"/>
               <a:t>Git</a:t>
             </a:r>
             <a:r>
-              <a:rPr lang="en-US" dirty="0" smtClean="0"/>
+              <a:rPr lang="en-US" dirty="0"/>
               <a:t>: What You Need To Do</a:t>
             </a:r>
-            <a:endParaRPr lang="en-US" dirty="0"/>
           </a:p>
         </p:txBody>
       </p:sp>
@@ -3883,15 +3873,15 @@
               </a:spcBef>
             </a:pPr>
             <a:r>
-              <a:rPr lang="en-US" dirty="0" smtClean="0"/>
+              <a:rPr lang="en-US" dirty="0"/>
               <a:t>Install </a:t>
             </a:r>
             <a:r>
-              <a:rPr lang="en-US" i="1" dirty="0" err="1" smtClean="0"/>
+              <a:rPr lang="en-US" i="1" dirty="0" err="1"/>
               <a:t>Git</a:t>
             </a:r>
             <a:r>
-              <a:rPr lang="en-US" dirty="0" smtClean="0"/>
+              <a:rPr lang="en-US" dirty="0"/>
               <a:t>, if you don’t have it yet</a:t>
             </a:r>
           </a:p>
@@ -3902,22 +3892,13 @@
               </a:spcBef>
             </a:pPr>
             <a:r>
-              <a:rPr lang="en-US" b="1" dirty="0" err="1" smtClean="0"/>
+              <a:rPr lang="en-US" b="1" dirty="0" err="1"/>
               <a:t>git</a:t>
             </a:r>
             <a:r>
-              <a:rPr lang="en-US" b="1" dirty="0" smtClean="0"/>
-              <a:t> clone https</a:t>
-            </a:r>
-            <a:r>
               <a:rPr lang="en-US" b="1" dirty="0"/>
-              <a:t>://</a:t>
-            </a:r>
-            <a:r>
-              <a:rPr lang="en-US" b="1" dirty="0" smtClean="0"/>
-              <a:t>github.com/arcuri82/algorithms.git</a:t>
-            </a:r>
-            <a:endParaRPr lang="en-US" b="1" dirty="0"/>
+              <a:t> clone https://github.com/arcuri82/algorithms.git</a:t>
+            </a:r>
           </a:p>
           <a:p>
             <a:pPr lvl="1">
@@ -3926,12 +3907,8 @@
               </a:spcBef>
             </a:pPr>
             <a:r>
-              <a:rPr lang="en-US" dirty="0" smtClean="0"/>
-              <a:t>clone </a:t>
-            </a:r>
-            <a:r>
-              <a:rPr lang="en-US" dirty="0"/>
-              <a:t>the repository on your local machine</a:t>
+              <a:rPr lang="en-US" dirty="0"/>
+              <a:t>clone the repository on your local machine</a:t>
             </a:r>
           </a:p>
           <a:p>
@@ -3941,11 +3918,11 @@
               </a:spcBef>
             </a:pPr>
             <a:r>
-              <a:rPr lang="en-US" b="1" dirty="0" err="1" smtClean="0"/>
+              <a:rPr lang="en-US" b="1" dirty="0" err="1"/>
               <a:t>git</a:t>
             </a:r>
             <a:r>
-              <a:rPr lang="en-US" b="1" dirty="0" smtClean="0"/>
+              <a:rPr lang="en-US" b="1" dirty="0"/>
               <a:t> pull</a:t>
             </a:r>
           </a:p>
@@ -3968,15 +3945,7 @@
             </a:pPr>
             <a:r>
               <a:rPr lang="en-US" dirty="0"/>
-              <a:t>Those commands can be run </a:t>
-            </a:r>
-            <a:r>
-              <a:rPr lang="en-US" dirty="0" smtClean="0"/>
-              <a:t>from a terminal, </a:t>
-            </a:r>
-            <a:r>
-              <a:rPr lang="en-US" dirty="0"/>
-              <a:t>or from your IDE (</a:t>
+              <a:t>Those commands can be run from a terminal, or from your IDE (</a:t>
             </a:r>
             <a:r>
               <a:rPr lang="en-US" dirty="0" err="1"/>
@@ -3984,13 +3953,9 @@
             </a:r>
             <a:r>
               <a:rPr lang="en-US" dirty="0"/>
-              <a:t>, </a:t>
-            </a:r>
-            <a:r>
-              <a:rPr lang="en-US" dirty="0" smtClean="0"/>
-              <a:t>IntelliJ)</a:t>
-            </a:r>
-            <a:endParaRPr lang="en-US" b="1" dirty="0" smtClean="0"/>
+              <a:t>, IntelliJ)</a:t>
+            </a:r>
+            <a:endParaRPr lang="en-US" b="1" dirty="0"/>
           </a:p>
           <a:p>
             <a:pPr>
@@ -4055,7 +4020,7 @@
           <a:lstStyle/>
           <a:p>
             <a:r>
-              <a:rPr lang="en-US" smtClean="0"/>
+              <a:rPr lang="en-US"/>
               <a:t>Why Studying Algorithms?</a:t>
             </a:r>
             <a:endParaRPr lang="en-US" dirty="0"/>
@@ -4083,7 +4048,7 @@
           <a:lstStyle/>
           <a:p>
             <a:r>
-              <a:rPr lang="en-US" dirty="0" smtClean="0"/>
+              <a:rPr lang="en-US" dirty="0"/>
               <a:t>Algorithms and data structures are the foundation of programming</a:t>
             </a:r>
           </a:p>
@@ -4091,20 +4056,16 @@
             <a:pPr lvl="1"/>
             <a:r>
               <a:rPr lang="en-US" dirty="0" err="1"/>
-              <a:t>i</a:t>
-            </a:r>
-            <a:r>
-              <a:rPr lang="en-US" dirty="0" err="1" smtClean="0"/>
-              <a:t>e</a:t>
-            </a:r>
-            <a:r>
-              <a:rPr lang="en-US" dirty="0" smtClean="0"/>
+              <a:t>ie</a:t>
+            </a:r>
+            <a:r>
+              <a:rPr lang="en-US" dirty="0"/>
               <a:t>, the base building blocks</a:t>
             </a:r>
           </a:p>
           <a:p>
             <a:r>
-              <a:rPr lang="en-US" dirty="0" smtClean="0"/>
+              <a:rPr lang="en-US" dirty="0"/>
               <a:t>Impact on all fields of engineering and science</a:t>
             </a:r>
           </a:p>
@@ -4112,27 +4073,22 @@
             <a:pPr lvl="1"/>
             <a:r>
               <a:rPr lang="en-US" dirty="0"/>
-              <a:t>i</a:t>
-            </a:r>
-            <a:r>
-              <a:rPr lang="en-US" dirty="0" smtClean="0"/>
-              <a:t>nternet, computer graphics, social networks, biology, physics, etc. </a:t>
-            </a:r>
-          </a:p>
-          <a:p>
-            <a:r>
-              <a:rPr lang="en-US" dirty="0" smtClean="0"/>
+              <a:t>internet, computer graphics, social networks, biology, physics, etc. </a:t>
+            </a:r>
+          </a:p>
+          <a:p>
+            <a:r>
+              <a:rPr lang="en-US" dirty="0"/>
               <a:t>In this course, we will not build whole applications (</a:t>
             </a:r>
             <a:r>
-              <a:rPr lang="en-US" dirty="0" err="1" smtClean="0"/>
+              <a:rPr lang="en-US" dirty="0" err="1"/>
               <a:t>eg</a:t>
             </a:r>
             <a:r>
-              <a:rPr lang="en-US" dirty="0" smtClean="0"/>
+              <a:rPr lang="en-US" dirty="0"/>
               <a:t>, web or mobile), but rather concentrate on the building blocks to enable it in the next courses</a:t>
             </a:r>
-            <a:endParaRPr lang="en-US" dirty="0"/>
           </a:p>
         </p:txBody>
       </p:sp>
@@ -4183,10 +4139,9 @@
           <a:lstStyle/>
           <a:p>
             <a:r>
-              <a:rPr lang="en-US" dirty="0" smtClean="0"/>
+              <a:rPr lang="en-US" dirty="0"/>
               <a:t>Like it or not…</a:t>
             </a:r>
-            <a:endParaRPr lang="en-US" dirty="0"/>
           </a:p>
         </p:txBody>
       </p:sp>
@@ -4212,38 +4167,38 @@
           </a:bodyPr>
           <a:lstStyle/>
           <a:p>
-            <a:endParaRPr lang="en-US" dirty="0" smtClean="0"/>
-          </a:p>
-          <a:p>
-            <a:r>
-              <a:rPr lang="en-US" dirty="0" smtClean="0"/>
+            <a:endParaRPr lang="en-US" dirty="0"/>
+          </a:p>
+          <a:p>
+            <a:r>
+              <a:rPr lang="en-US" dirty="0"/>
               <a:t>… used in practically most programs you will write</a:t>
             </a:r>
           </a:p>
           <a:p>
             <a:r>
-              <a:rPr lang="en-US" dirty="0" smtClean="0"/>
+              <a:rPr lang="en-US" dirty="0"/>
               <a:t>… algorithms and data structures are very common exercises in job interviews</a:t>
             </a:r>
           </a:p>
           <a:p>
             <a:pPr lvl="1"/>
             <a:r>
-              <a:rPr lang="en-US" dirty="0" smtClean="0"/>
+              <a:rPr lang="en-US" dirty="0"/>
               <a:t>Especially for juniors straight out of university </a:t>
             </a:r>
           </a:p>
           <a:p>
             <a:pPr lvl="1"/>
             <a:r>
-              <a:rPr lang="en-US" dirty="0" smtClean="0"/>
+              <a:rPr lang="en-US" dirty="0"/>
               <a:t>Don’t be surprised to be asked to write a stack or a queue class on a whiteboard…</a:t>
             </a:r>
           </a:p>
           <a:p>
             <a:pPr lvl="1"/>
             <a:r>
-              <a:rPr lang="en-US" dirty="0" smtClean="0"/>
+              <a:rPr lang="en-US" dirty="0"/>
               <a:t>… or other advanced algorithms</a:t>
             </a:r>
           </a:p>
@@ -4354,10 +4309,9 @@
           <a:lstStyle/>
           <a:p>
             <a:r>
-              <a:rPr lang="en-US" dirty="0" smtClean="0"/>
+              <a:rPr lang="en-US" dirty="0"/>
               <a:t>Math</a:t>
             </a:r>
-            <a:endParaRPr lang="en-US" dirty="0"/>
           </a:p>
         </p:txBody>
       </p:sp>
@@ -4377,42 +4331,42 @@
           <a:lstStyle/>
           <a:p>
             <a:r>
-              <a:rPr lang="en-US" dirty="0" smtClean="0"/>
+              <a:rPr lang="en-US" dirty="0"/>
               <a:t>(un)fortunately there is </a:t>
             </a:r>
             <a:r>
-              <a:rPr lang="en-US" b="1" dirty="0" smtClean="0"/>
+              <a:rPr lang="en-US" b="1" dirty="0"/>
               <a:t>math</a:t>
             </a:r>
             <a:r>
-              <a:rPr lang="en-US" dirty="0" smtClean="0"/>
+              <a:rPr lang="en-US" dirty="0"/>
               <a:t> involved…</a:t>
             </a:r>
           </a:p>
           <a:p>
             <a:r>
-              <a:rPr lang="en-US" dirty="0" smtClean="0"/>
+              <a:rPr lang="en-US" dirty="0"/>
               <a:t>Math: can tell you </a:t>
             </a:r>
             <a:r>
-              <a:rPr lang="en-US" b="1" dirty="0" smtClean="0"/>
+              <a:rPr lang="en-US" b="1" dirty="0"/>
               <a:t>WHY</a:t>
             </a:r>
             <a:r>
-              <a:rPr lang="en-US" dirty="0" smtClean="0"/>
+              <a:rPr lang="en-US" dirty="0"/>
               <a:t> a particular algorithm or data structure performs in a certain way</a:t>
             </a:r>
           </a:p>
           <a:p>
             <a:pPr lvl="1"/>
             <a:r>
-              <a:rPr lang="en-US" dirty="0" smtClean="0"/>
+              <a:rPr lang="en-US" dirty="0"/>
               <a:t>As an engineer, you need to make conscious decisions about what you use</a:t>
             </a:r>
           </a:p>
           <a:p>
             <a:r>
-              <a:rPr lang="en-US" dirty="0" smtClean="0"/>
+              <a:rPr lang="en-US" dirty="0"/>
               <a:t>I like math, but, in contrast to lecturers of previous years or in other universities, I put more emphasis on the programming side…</a:t>
             </a:r>
           </a:p>
@@ -4468,10 +4422,9 @@
           <a:lstStyle/>
           <a:p>
             <a:r>
-              <a:rPr lang="en-US" dirty="0" smtClean="0"/>
+              <a:rPr lang="en-US" dirty="0"/>
               <a:t>Coding</a:t>
             </a:r>
-            <a:endParaRPr lang="en-US" dirty="0"/>
           </a:p>
         </p:txBody>
       </p:sp>
@@ -4496,19 +4449,19 @@
           <a:lstStyle/>
           <a:p>
             <a:r>
-              <a:rPr lang="en-US" dirty="0" smtClean="0"/>
+              <a:rPr lang="en-US" dirty="0"/>
               <a:t>This course is heavily based on coding</a:t>
             </a:r>
           </a:p>
           <a:p>
             <a:r>
-              <a:rPr lang="en-US" dirty="0" smtClean="0"/>
+              <a:rPr lang="en-US" dirty="0"/>
               <a:t>There are going to be slides, but in class we will spend most of the time going through source code</a:t>
             </a:r>
           </a:p>
           <a:p>
             <a:r>
-              <a:rPr lang="en-US" b="1" dirty="0" smtClean="0"/>
+              <a:rPr lang="en-US" b="1" dirty="0"/>
               <a:t>Slides will often just be a quick overview of what we will cover in the code</a:t>
             </a:r>
           </a:p>
@@ -4601,64 +4554,54 @@
               <a:t>Java </a:t>
             </a:r>
             <a:r>
-              <a:rPr lang="en-US" b="1" dirty="0" smtClean="0"/>
+              <a:rPr lang="en-US" b="1" dirty="0"/>
               <a:t>11</a:t>
             </a:r>
             <a:r>
-              <a:rPr lang="en-US" dirty="0" smtClean="0"/>
+              <a:rPr lang="en-US" dirty="0"/>
               <a:t> JDK</a:t>
             </a:r>
           </a:p>
           <a:p>
             <a:pPr lvl="1"/>
             <a:r>
-              <a:rPr lang="en-US" dirty="0" smtClean="0"/>
+              <a:rPr lang="en-US" dirty="0"/>
               <a:t>use </a:t>
             </a:r>
             <a:r>
-              <a:rPr lang="en-US" i="1" dirty="0" err="1" smtClean="0"/>
+              <a:rPr lang="en-US" i="1" dirty="0" err="1"/>
               <a:t>OpenJDK</a:t>
             </a:r>
             <a:r>
-              <a:rPr lang="en-US" dirty="0" smtClean="0"/>
+              <a:rPr lang="en-US" dirty="0"/>
               <a:t>, </a:t>
             </a:r>
             <a:r>
-              <a:rPr lang="en-US" dirty="0" err="1" smtClean="0"/>
+              <a:rPr lang="en-US" dirty="0" err="1"/>
               <a:t>eg</a:t>
             </a:r>
             <a:r>
-              <a:rPr lang="en-US" dirty="0" smtClean="0"/>
-              <a:t> </a:t>
-            </a:r>
-            <a:r>
-              <a:rPr lang="en-US" dirty="0"/>
-              <a:t>downloaded from </a:t>
+              <a:rPr lang="en-US" dirty="0"/>
+              <a:t> downloaded from </a:t>
             </a:r>
             <a:r>
               <a:rPr lang="en-US" dirty="0">
                 <a:hlinkClick r:id="rId2"/>
               </a:rPr>
-              <a:t>https://adoptopenjdk.net</a:t>
-            </a:r>
-            <a:r>
-              <a:rPr lang="en-US" dirty="0" smtClean="0">
-                <a:hlinkClick r:id="rId2"/>
-              </a:rPr>
-              <a:t>/</a:t>
-            </a:r>
-            <a:endParaRPr lang="en-US" dirty="0" smtClean="0"/>
-          </a:p>
-          <a:p>
-            <a:r>
-              <a:rPr i="1" dirty="0" err="1" smtClean="0"/>
+              <a:t>https://adoptopenjdk.net/</a:t>
+            </a:r>
+            <a:endParaRPr lang="en-US" dirty="0"/>
+          </a:p>
+          <a:p>
+            <a:r>
+              <a:rPr i="1" dirty="0" err="1"/>
               <a:t>Git</a:t>
             </a:r>
-            <a:endParaRPr lang="en-US" i="1" dirty="0" smtClean="0"/>
-          </a:p>
-          <a:p>
-            <a:r>
-              <a:rPr lang="en-US" i="1" dirty="0" smtClean="0"/>
+            <a:endParaRPr lang="en-US" i="1" dirty="0"/>
+          </a:p>
+          <a:p>
+            <a:r>
+              <a:rPr lang="en-US" i="1" dirty="0"/>
               <a:t>IntelliJ Ultimate Edition</a:t>
             </a:r>
           </a:p>
@@ -4666,49 +4609,45 @@
             <a:pPr lvl="1"/>
             <a:r>
               <a:rPr lang="en-US" dirty="0"/>
-              <a:t>y</a:t>
-            </a:r>
-            <a:r>
-              <a:rPr lang="en-US" dirty="0" smtClean="0"/>
-              <a:t>ou might want to install </a:t>
-            </a:r>
-            <a:r>
-              <a:rPr lang="en-US" i="1" dirty="0" err="1" smtClean="0"/>
+              <a:t>you might want to install </a:t>
+            </a:r>
+            <a:r>
+              <a:rPr lang="en-US" i="1" dirty="0" err="1"/>
               <a:t>JetBrains</a:t>
             </a:r>
             <a:r>
-              <a:rPr lang="en-US" i="1" dirty="0" smtClean="0"/>
+              <a:rPr lang="en-US" i="1" dirty="0"/>
               <a:t> Toolbox </a:t>
             </a:r>
             <a:r>
-              <a:rPr lang="en-US" dirty="0" smtClean="0"/>
+              <a:rPr lang="en-US" dirty="0"/>
               <a:t>first</a:t>
             </a:r>
           </a:p>
           <a:p>
             <a:pPr lvl="1"/>
             <a:r>
-              <a:rPr lang="en-US" dirty="0" smtClean="0"/>
+              <a:rPr lang="en-US" dirty="0"/>
               <a:t>anyway, any other IDE would do, </a:t>
             </a:r>
             <a:r>
-              <a:rPr lang="en-US" dirty="0" err="1" smtClean="0"/>
+              <a:rPr lang="en-US" dirty="0" err="1"/>
               <a:t>eg</a:t>
             </a:r>
             <a:r>
-              <a:rPr lang="en-US" dirty="0" smtClean="0"/>
+              <a:rPr lang="en-US" dirty="0"/>
               <a:t> </a:t>
             </a:r>
             <a:r>
-              <a:rPr lang="en-US" i="1" dirty="0" smtClean="0"/>
+              <a:rPr lang="en-US" i="1" dirty="0"/>
               <a:t>Eclipse</a:t>
             </a:r>
             <a:r>
-              <a:rPr lang="en-US" dirty="0" smtClean="0"/>
+              <a:rPr lang="en-US" dirty="0"/>
               <a:t> and </a:t>
             </a:r>
             <a:r>
-              <a:rPr lang="en-US" i="1" dirty="0" smtClean="0"/>
+              <a:rPr lang="en-US" i="1" dirty="0"/>
               <a:t>NetBeans</a:t>
             </a:r>
             <a:endParaRPr i="1" dirty="0"/>
@@ -4757,10 +4696,9 @@
           <a:lstStyle/>
           <a:p>
             <a:r>
-              <a:rPr lang="en-US" dirty="0" smtClean="0"/>
+              <a:rPr lang="en-US" dirty="0"/>
               <a:t>Java</a:t>
             </a:r>
-            <a:endParaRPr lang="en-US" dirty="0"/>
           </a:p>
         </p:txBody>
       </p:sp>
@@ -4785,37 +4723,37 @@
           <a:lstStyle/>
           <a:p>
             <a:r>
-              <a:rPr lang="en-US" dirty="0" smtClean="0"/>
+              <a:rPr lang="en-US" dirty="0"/>
               <a:t>In this course, </a:t>
             </a:r>
             <a:r>
-              <a:rPr lang="en-US" b="1" dirty="0" smtClean="0"/>
+              <a:rPr lang="en-US" b="1" dirty="0"/>
               <a:t>Java</a:t>
             </a:r>
             <a:r>
-              <a:rPr lang="en-US" dirty="0" smtClean="0"/>
+              <a:rPr lang="en-US" dirty="0"/>
               <a:t> is used as programming language for the examples and exercises</a:t>
             </a:r>
           </a:p>
           <a:p>
             <a:r>
-              <a:rPr lang="en-US" dirty="0" smtClean="0"/>
+              <a:rPr lang="en-US" dirty="0"/>
               <a:t>The concepts of Algorithms do apply to </a:t>
             </a:r>
             <a:r>
-              <a:rPr lang="en-US" b="1" dirty="0" smtClean="0"/>
+              <a:rPr lang="en-US" b="1" dirty="0"/>
               <a:t>any</a:t>
             </a:r>
             <a:r>
-              <a:rPr lang="en-US" dirty="0" smtClean="0"/>
+              <a:rPr lang="en-US" dirty="0"/>
               <a:t> programming language, and this is </a:t>
             </a:r>
             <a:r>
-              <a:rPr lang="en-US" b="1" dirty="0" smtClean="0"/>
+              <a:rPr lang="en-US" b="1" dirty="0"/>
               <a:t>NOT</a:t>
             </a:r>
             <a:r>
-              <a:rPr lang="en-US" dirty="0" smtClean="0"/>
+              <a:rPr lang="en-US" dirty="0"/>
               <a:t> a course on Java</a:t>
             </a:r>
           </a:p>
@@ -4932,7 +4870,7 @@
           </a:ln>
           <a:extLst>
             <a:ext uri="{C572A759-6A51-4108-AA02-DFA0A04FC94B}">
-              <ma14:wrappingTextBoxFlag xmlns:ma14="http://schemas.microsoft.com/office/mac/drawingml/2011/main" xmlns="" val="1"/>
+              <ma14:wrappingTextBoxFlag xmlns="" xmlns:ma14="http://schemas.microsoft.com/office/mac/drawingml/2011/main" val="1"/>
             </a:ext>
           </a:extLst>
         </p:spPr>
@@ -4943,16 +4881,12 @@
           <a:lstStyle/>
           <a:p>
             <a:r>
-              <a:rPr lang="en-US" sz="1350" dirty="0" smtClean="0"/>
+              <a:rPr lang="en-US" sz="1350" dirty="0"/>
               <a:t>Prof</a:t>
             </a:r>
             <a:r>
-              <a:rPr sz="1350" dirty="0" smtClean="0"/>
-              <a:t>. </a:t>
-            </a:r>
-            <a:r>
               <a:rPr sz="1350" dirty="0"/>
-              <a:t>Andrea Arcuri</a:t>
+              <a:t>. Andrea Arcuri</a:t>
             </a:r>
           </a:p>
         </p:txBody>
@@ -5295,13 +5229,6 @@
     <a:masterClrMapping/>
   </p:clrMapOvr>
   <p:transition spd="slow"/>
-  <p:timing>
-    <p:tnLst>
-      <p:par>
-        <p:cTn id="1" dur="indefinite" restart="never" nodeType="tmRoot"/>
-      </p:par>
-    </p:tnLst>
-  </p:timing>
 </p:sld>
 </file>
 
@@ -5338,10 +5265,9 @@
           <a:lstStyle/>
           <a:p>
             <a:r>
-              <a:rPr lang="en-US" dirty="0" smtClean="0"/>
+              <a:rPr lang="en-US" dirty="0"/>
               <a:t>Why Java?</a:t>
             </a:r>
-            <a:endParaRPr lang="en-US" dirty="0"/>
           </a:p>
         </p:txBody>
       </p:sp>
@@ -5386,11 +5312,7 @@
             </a:r>
             <a:r>
               <a:rPr lang="en-US" b="1" dirty="0"/>
-              <a:t>strongly </a:t>
-            </a:r>
-            <a:r>
-              <a:rPr lang="en-US" b="1" dirty="0" smtClean="0"/>
-              <a:t>typed</a:t>
+              <a:t>strongly typed</a:t>
             </a:r>
           </a:p>
           <a:p>
@@ -5400,20 +5322,12 @@
               </a:spcBef>
             </a:pPr>
             <a:r>
-              <a:rPr lang="en-US" b="1" dirty="0" smtClean="0"/>
+              <a:rPr lang="en-US" b="1" dirty="0"/>
               <a:t>Java:</a:t>
             </a:r>
             <a:r>
-              <a:rPr lang="en-US" dirty="0" smtClean="0"/>
-              <a:t> one </a:t>
-            </a:r>
-            <a:r>
-              <a:rPr lang="en-US" dirty="0"/>
-              <a:t>of the most popular </a:t>
-            </a:r>
-            <a:r>
-              <a:rPr lang="en-US" dirty="0" smtClean="0"/>
-              <a:t>languages, and you have already seen it in previous courses</a:t>
+              <a:rPr lang="en-US" dirty="0"/>
+              <a:t> one of the most popular languages, and you have already seen it in previous courses</a:t>
             </a:r>
           </a:p>
           <a:p>
@@ -5423,14 +5337,13 @@
               </a:spcBef>
             </a:pPr>
             <a:r>
-              <a:rPr lang="en-US" b="1" dirty="0" err="1" smtClean="0"/>
+              <a:rPr lang="en-US" b="1" dirty="0" err="1"/>
               <a:t>Kotlin</a:t>
             </a:r>
             <a:r>
-              <a:rPr lang="en-US" dirty="0" smtClean="0"/>
+              <a:rPr lang="en-US" dirty="0"/>
               <a:t>: great language (my favorite), but too advanced</a:t>
             </a:r>
-            <a:endParaRPr lang="en-US" dirty="0"/>
           </a:p>
           <a:p>
             <a:pPr>
@@ -5439,16 +5352,12 @@
               </a:spcBef>
             </a:pPr>
             <a:r>
-              <a:rPr lang="en-US" b="1" dirty="0" smtClean="0"/>
+              <a:rPr lang="en-US" b="1" dirty="0"/>
               <a:t>C#: </a:t>
             </a:r>
             <a:r>
               <a:rPr lang="en-US" dirty="0"/>
-              <a:t>would had been a great choice </a:t>
-            </a:r>
-            <a:r>
-              <a:rPr lang="en-US" dirty="0" smtClean="0"/>
-              <a:t>as well</a:t>
+              <a:t>would had been a great choice as well</a:t>
             </a:r>
             <a:endParaRPr lang="en-US" b="1" dirty="0"/>
           </a:p>
@@ -5459,11 +5368,11 @@
               </a:spcBef>
             </a:pPr>
             <a:r>
-              <a:rPr lang="en-US" b="1" dirty="0" smtClean="0"/>
+              <a:rPr lang="en-US" b="1" dirty="0"/>
               <a:t>C++</a:t>
             </a:r>
             <a:r>
-              <a:rPr lang="en-US" dirty="0" smtClean="0"/>
+              <a:rPr lang="en-US" dirty="0"/>
               <a:t>: good choice, but can get tricky when dealing with memory allocation issues and OS dependent</a:t>
             </a:r>
           </a:p>
@@ -5474,11 +5383,11 @@
               </a:spcBef>
             </a:pPr>
             <a:r>
-              <a:rPr lang="en-US" b="1" dirty="0" smtClean="0"/>
+              <a:rPr lang="en-US" b="1" dirty="0"/>
               <a:t>JavaScript</a:t>
             </a:r>
             <a:r>
-              <a:rPr lang="en-US" dirty="0" smtClean="0"/>
+              <a:rPr lang="en-US" dirty="0"/>
               <a:t>: HELL NO!!! There is a limit to sadism…</a:t>
             </a:r>
           </a:p>
@@ -5489,11 +5398,11 @@
               </a:spcBef>
             </a:pPr>
             <a:r>
-              <a:rPr lang="en-US" b="1" dirty="0" smtClean="0"/>
+              <a:rPr lang="en-US" b="1" dirty="0"/>
               <a:t>Python</a:t>
             </a:r>
             <a:r>
-              <a:rPr lang="en-US" dirty="0" smtClean="0"/>
+              <a:rPr lang="en-US" dirty="0"/>
               <a:t>: not statically typed</a:t>
             </a:r>
           </a:p>
@@ -5504,22 +5413,21 @@
               </a:spcBef>
             </a:pPr>
             <a:r>
-              <a:rPr lang="en-US" b="1" dirty="0" smtClean="0"/>
+              <a:rPr lang="en-US" b="1" dirty="0"/>
               <a:t>Go</a:t>
             </a:r>
             <a:r>
-              <a:rPr lang="en-US" dirty="0" smtClean="0"/>
+              <a:rPr lang="en-US" dirty="0"/>
               <a:t>: no </a:t>
             </a:r>
             <a:r>
-              <a:rPr lang="en-US" i="1" dirty="0" smtClean="0"/>
+              <a:rPr lang="en-US" i="1" dirty="0"/>
               <a:t>Generic</a:t>
             </a:r>
             <a:r>
-              <a:rPr lang="en-US" dirty="0" smtClean="0"/>
+              <a:rPr lang="en-US" dirty="0"/>
               <a:t> types</a:t>
             </a:r>
-            <a:endParaRPr lang="en-US" dirty="0"/>
           </a:p>
         </p:txBody>
       </p:sp>
@@ -5629,23 +5537,15 @@
             </a:r>
             <a:r>
               <a:rPr dirty="0"/>
-              <a:t>responsibility to catch up and find out what done in </a:t>
-            </a:r>
-            <a:r>
-              <a:rPr dirty="0" smtClean="0"/>
-              <a:t>class</a:t>
-            </a:r>
-            <a:endParaRPr lang="en-US" dirty="0" smtClean="0"/>
+              <a:t>responsibility to catch up and find out what done in class</a:t>
+            </a:r>
+            <a:endParaRPr lang="en-US" dirty="0"/>
           </a:p>
           <a:p>
             <a:pPr lvl="1"/>
             <a:r>
               <a:rPr lang="en-US" dirty="0"/>
-              <a:t>y</a:t>
-            </a:r>
-            <a:r>
-              <a:rPr lang="en-US" dirty="0" smtClean="0"/>
-              <a:t>ou are adults, after all…</a:t>
+              <a:t>you are adults, after all…</a:t>
             </a:r>
             <a:endParaRPr dirty="0"/>
           </a:p>
@@ -5723,59 +5623,66 @@
         </p:spPr>
         <p:txBody>
           <a:bodyPr>
-            <a:normAutofit fontScale="92500" lnSpcReduction="10000"/>
+            <a:normAutofit fontScale="92500" lnSpcReduction="20000"/>
           </a:bodyPr>
           <a:lstStyle/>
           <a:p>
             <a:r>
-              <a:rPr lang="en-US" dirty="0" smtClean="0"/>
+              <a:rPr lang="en-US" dirty="0"/>
               <a:t>3 hour written exam</a:t>
             </a:r>
           </a:p>
           <a:p>
             <a:r>
-              <a:rPr lang="en-US" dirty="0" smtClean="0"/>
+              <a:rPr lang="en-US" dirty="0"/>
               <a:t>Expect around 10 questions/exercises</a:t>
             </a:r>
           </a:p>
           <a:p>
             <a:pPr lvl="1"/>
             <a:r>
-              <a:rPr lang="en-US" dirty="0" smtClean="0"/>
+              <a:rPr lang="en-US" dirty="0"/>
               <a:t>Based on slides and all code in the repository</a:t>
             </a:r>
           </a:p>
           <a:p>
             <a:pPr lvl="1"/>
             <a:r>
-              <a:rPr lang="en-US" dirty="0" smtClean="0"/>
+              <a:rPr lang="en-US" dirty="0"/>
               <a:t>Typically only 1 question from the Advanced Topics</a:t>
             </a:r>
           </a:p>
           <a:p>
             <a:pPr lvl="1"/>
             <a:r>
-              <a:rPr lang="en-US" dirty="0" smtClean="0"/>
+              <a:rPr lang="en-US" dirty="0"/>
               <a:t>Note: this might change… but if so, you will be told before the exam</a:t>
             </a:r>
           </a:p>
           <a:p>
-            <a:r>
-              <a:rPr lang="en-US" dirty="0" smtClean="0"/>
-              <a:t>Expect theoretical questions and also the writing of code on paper (at least 1, but no more than 50%)</a:t>
-            </a:r>
-          </a:p>
-          <a:p>
-            <a:r>
-              <a:rPr lang="en-US" dirty="0" smtClean="0"/>
+            <a:pPr lvl="1"/>
+            <a:r>
+              <a:rPr lang="en-US" dirty="0"/>
+              <a:t>See mock exams in the Git repository </a:t>
+            </a:r>
+          </a:p>
+          <a:p>
+            <a:r>
+              <a:rPr lang="en-US" dirty="0"/>
+              <a:t>Expect theoretical questions and also the writing of code from scratch (at least 1, but no more than 50%)</a:t>
+            </a:r>
+          </a:p>
+          <a:p>
+            <a:r>
+              <a:rPr lang="en-US" dirty="0"/>
               <a:t>The exam is based on what covered in the </a:t>
             </a:r>
             <a:r>
-              <a:rPr lang="en-US" dirty="0" err="1" smtClean="0"/>
+              <a:rPr lang="en-US" dirty="0" err="1"/>
               <a:t>Git</a:t>
             </a:r>
             <a:r>
-              <a:rPr lang="en-US" dirty="0" smtClean="0"/>
+              <a:rPr lang="en-US" dirty="0"/>
               <a:t> repository</a:t>
             </a:r>
           </a:p>
@@ -5783,32 +5690,24 @@
             <a:pPr lvl="1"/>
             <a:r>
               <a:rPr lang="en-US" dirty="0"/>
-              <a:t>t</a:t>
-            </a:r>
-            <a:r>
-              <a:rPr lang="en-US" dirty="0" smtClean="0"/>
-              <a:t>he book just gives you extra info and clarifications</a:t>
+              <a:t>the book just gives you extra info and clarifications</a:t>
             </a:r>
           </a:p>
           <a:p>
             <a:pPr lvl="1"/>
             <a:r>
               <a:rPr lang="en-US" dirty="0"/>
-              <a:t>e</a:t>
-            </a:r>
-            <a:r>
-              <a:rPr lang="en-US" dirty="0" smtClean="0"/>
-              <a:t>xam is based on code in the </a:t>
-            </a:r>
-            <a:r>
-              <a:rPr lang="en-US" dirty="0" err="1" smtClean="0"/>
+              <a:t>exam is based on code in the </a:t>
+            </a:r>
+            <a:r>
+              <a:rPr lang="en-US" dirty="0" err="1"/>
               <a:t>Git</a:t>
             </a:r>
             <a:r>
-              <a:rPr lang="en-US" dirty="0" smtClean="0"/>
+              <a:rPr lang="en-US" dirty="0"/>
               <a:t> repository, NOT the one of the book </a:t>
             </a:r>
-            <a:endParaRPr dirty="0" smtClean="0"/>
+            <a:endParaRPr dirty="0"/>
           </a:p>
         </p:txBody>
       </p:sp>
@@ -5854,26 +5753,9 @@
           <a:lstStyle/>
           <a:p>
             <a:r>
-              <a:rPr lang="en-US" dirty="0" smtClean="0"/>
-              <a:t>Code In </a:t>
-            </a:r>
-            <a:r>
-              <a:rPr lang="en-US" dirty="0"/>
-              <a:t>T</a:t>
-            </a:r>
-            <a:r>
-              <a:rPr lang="en-US" dirty="0" smtClean="0"/>
-              <a:t>he </a:t>
-            </a:r>
-            <a:r>
-              <a:rPr lang="en-US" dirty="0"/>
-              <a:t>E</a:t>
-            </a:r>
-            <a:r>
-              <a:rPr lang="en-US" dirty="0" smtClean="0"/>
-              <a:t>xam</a:t>
-            </a:r>
-            <a:endParaRPr lang="en-US" dirty="0"/>
+              <a:rPr lang="en-US" dirty="0"/>
+              <a:t>Code In The Exam</a:t>
+            </a:r>
           </a:p>
         </p:txBody>
       </p:sp>
@@ -5898,7 +5780,7 @@
           <a:lstStyle/>
           <a:p>
             <a:r>
-              <a:rPr lang="en-US" dirty="0" smtClean="0"/>
+              <a:rPr lang="en-US" dirty="0"/>
               <a:t>There are 12 classes which you need to know by heart, and be able to write from scratch</a:t>
             </a:r>
           </a:p>
@@ -5921,7 +5803,7 @@
               <a:t>, </a:t>
             </a:r>
             <a:r>
-              <a:rPr lang="en-US" i="1" dirty="0" err="1" smtClean="0"/>
+              <a:rPr lang="en-US" i="1" dirty="0" err="1"/>
               <a:t>MyQueueArray</a:t>
             </a:r>
             <a:r>
@@ -5929,7 +5811,7 @@
               <a:t>, </a:t>
             </a:r>
             <a:r>
-              <a:rPr lang="en-US" i="1" dirty="0" err="1" smtClean="0"/>
+              <a:rPr lang="en-US" i="1" dirty="0" err="1"/>
               <a:t>BubbleSort</a:t>
             </a:r>
             <a:r>
@@ -5937,7 +5819,7 @@
               <a:t>, </a:t>
             </a:r>
             <a:r>
-              <a:rPr lang="en-US" i="1" dirty="0" err="1" smtClean="0"/>
+              <a:rPr lang="en-US" i="1" dirty="0" err="1"/>
               <a:t>InsertionSort</a:t>
             </a:r>
             <a:r>
@@ -5945,7 +5827,7 @@
               <a:t>, </a:t>
             </a:r>
             <a:r>
-              <a:rPr lang="en-US" i="1" dirty="0" err="1" smtClean="0"/>
+              <a:rPr lang="en-US" i="1" dirty="0" err="1"/>
               <a:t>MergeSort</a:t>
             </a:r>
             <a:r>
@@ -5953,7 +5835,7 @@
               <a:t>, </a:t>
             </a:r>
             <a:r>
-              <a:rPr lang="en-US" i="1" dirty="0" err="1" smtClean="0"/>
+              <a:rPr lang="en-US" i="1" dirty="0" err="1"/>
               <a:t>QuickSort</a:t>
             </a:r>
             <a:r>
@@ -5961,7 +5843,7 @@
               <a:t>, </a:t>
             </a:r>
             <a:r>
-              <a:rPr lang="en-US" i="1" dirty="0" err="1" smtClean="0"/>
+              <a:rPr lang="en-US" i="1" dirty="0" err="1"/>
               <a:t>MyMapBinarySearchTree</a:t>
             </a:r>
             <a:r>
@@ -5969,7 +5851,7 @@
               <a:t>, </a:t>
             </a:r>
             <a:r>
-              <a:rPr lang="en-US" i="1" dirty="0" err="1" smtClean="0"/>
+              <a:rPr lang="en-US" i="1" dirty="0" err="1"/>
               <a:t>MyHashMapWithLists</a:t>
             </a:r>
             <a:r>
@@ -5977,7 +5859,7 @@
               <a:t>, </a:t>
             </a:r>
             <a:r>
-              <a:rPr lang="en-US" i="1" dirty="0" err="1" smtClean="0"/>
+              <a:rPr lang="en-US" i="1" dirty="0" err="1"/>
               <a:t>MyStreamSupport</a:t>
             </a:r>
             <a:r>
@@ -5985,54 +5867,53 @@
               <a:t>, </a:t>
             </a:r>
             <a:r>
-              <a:rPr lang="en-US" i="1" dirty="0" err="1" smtClean="0"/>
+              <a:rPr lang="en-US" i="1" dirty="0" err="1"/>
               <a:t>UndirectedGraph</a:t>
             </a:r>
             <a:r>
-              <a:rPr lang="en-US" i="1" dirty="0" smtClean="0"/>
+              <a:rPr lang="en-US" i="1" dirty="0"/>
               <a:t>, </a:t>
             </a:r>
             <a:r>
-              <a:rPr lang="en-US" i="1" dirty="0" err="1" smtClean="0"/>
+              <a:rPr lang="en-US" i="1" dirty="0" err="1"/>
               <a:t>TextSearchKMP</a:t>
             </a:r>
-            <a:endParaRPr lang="en-US" i="1" dirty="0" smtClean="0"/>
+            <a:endParaRPr lang="en-US" i="1" dirty="0"/>
           </a:p>
           <a:p>
             <a:pPr lvl="1"/>
             <a:r>
-              <a:rPr lang="en-US" dirty="0" smtClean="0"/>
+              <a:rPr lang="en-US" dirty="0"/>
               <a:t>In the exercises, you will be asked to write them on paper</a:t>
             </a:r>
           </a:p>
           <a:p>
             <a:pPr lvl="1"/>
             <a:r>
-              <a:rPr lang="en-US" dirty="0" smtClean="0"/>
+              <a:rPr lang="en-US" dirty="0"/>
               <a:t>You can expect 1-3 of them ending up in the exam</a:t>
             </a:r>
           </a:p>
           <a:p>
             <a:r>
-              <a:rPr lang="en-US" dirty="0" smtClean="0"/>
+              <a:rPr lang="en-US" dirty="0"/>
               <a:t>Note: you can still get questions from any of the code in the repository</a:t>
             </a:r>
           </a:p>
           <a:p>
             <a:pPr lvl="1"/>
             <a:r>
-              <a:rPr lang="en-US" dirty="0" smtClean="0"/>
+              <a:rPr lang="en-US" dirty="0"/>
               <a:t>but </a:t>
             </a:r>
             <a:r>
-              <a:rPr lang="en-US" i="1" dirty="0" smtClean="0"/>
+              <a:rPr lang="en-US" i="1" dirty="0"/>
               <a:t>usually</a:t>
             </a:r>
             <a:r>
-              <a:rPr lang="en-US" dirty="0" smtClean="0"/>
+              <a:rPr lang="en-US" dirty="0"/>
               <a:t> in those cases it is just to complete the code from a starting snippet, or find bugs in them</a:t>
             </a:r>
-            <a:endParaRPr lang="en-US" dirty="0"/>
           </a:p>
         </p:txBody>
       </p:sp>
@@ -6088,10 +5969,9 @@
           <a:lstStyle/>
           <a:p>
             <a:r>
-              <a:rPr lang="en-US" dirty="0" smtClean="0"/>
+              <a:rPr lang="en-US" dirty="0"/>
               <a:t>Difficulty</a:t>
             </a:r>
-            <a:endParaRPr lang="en-US" dirty="0"/>
           </a:p>
         </p:txBody>
       </p:sp>
@@ -6116,84 +5996,84 @@
           <a:lstStyle/>
           <a:p>
             <a:r>
-              <a:rPr lang="en-US" dirty="0" smtClean="0"/>
+              <a:rPr lang="en-US" dirty="0"/>
               <a:t>This is a </a:t>
             </a:r>
             <a:r>
-              <a:rPr lang="en-US" b="1" dirty="0" smtClean="0"/>
+              <a:rPr lang="en-US" b="1" dirty="0"/>
               <a:t>difficult</a:t>
             </a:r>
             <a:r>
-              <a:rPr lang="en-US" dirty="0" smtClean="0"/>
+              <a:rPr lang="en-US" dirty="0"/>
               <a:t> course, more difficult than what you might be used to and expect</a:t>
             </a:r>
           </a:p>
           <a:p>
             <a:r>
-              <a:rPr lang="en-US" dirty="0" smtClean="0"/>
+              <a:rPr lang="en-US" dirty="0"/>
               <a:t>Not uncommon that </a:t>
             </a:r>
             <a:r>
-              <a:rPr lang="en-US" i="1" dirty="0" smtClean="0"/>
+              <a:rPr lang="en-US" i="1" dirty="0"/>
               <a:t>many</a:t>
             </a:r>
             <a:r>
-              <a:rPr lang="en-US" dirty="0" smtClean="0"/>
+              <a:rPr lang="en-US" dirty="0"/>
               <a:t> students </a:t>
             </a:r>
             <a:r>
-              <a:rPr lang="en-US" b="1" dirty="0" smtClean="0"/>
+              <a:rPr lang="en-US" b="1" dirty="0"/>
               <a:t>fail</a:t>
             </a:r>
             <a:r>
-              <a:rPr lang="en-US" dirty="0" smtClean="0"/>
+              <a:rPr lang="en-US" dirty="0"/>
               <a:t> the exam</a:t>
             </a:r>
           </a:p>
           <a:p>
             <a:r>
-              <a:rPr lang="en-US" dirty="0" smtClean="0"/>
+              <a:rPr lang="en-US" dirty="0"/>
               <a:t>You need to study </a:t>
             </a:r>
             <a:r>
-              <a:rPr lang="en-US" b="1" dirty="0" smtClean="0"/>
+              <a:rPr lang="en-US" b="1" dirty="0"/>
               <a:t>each week</a:t>
             </a:r>
             <a:r>
-              <a:rPr lang="en-US" dirty="0" smtClean="0"/>
+              <a:rPr lang="en-US" dirty="0"/>
               <a:t>, and do </a:t>
             </a:r>
             <a:r>
-              <a:rPr lang="en-US" b="1" dirty="0" smtClean="0"/>
+              <a:rPr lang="en-US" b="1" dirty="0"/>
               <a:t>all</a:t>
             </a:r>
             <a:r>
-              <a:rPr lang="en-US" dirty="0" smtClean="0"/>
+              <a:rPr lang="en-US" dirty="0"/>
               <a:t> the exercises</a:t>
             </a:r>
           </a:p>
           <a:p>
             <a:r>
-              <a:rPr lang="en-US" dirty="0" smtClean="0"/>
+              <a:rPr lang="en-US" dirty="0"/>
               <a:t>Forget trying to learn it in just a couple of weeks/days before the exam</a:t>
             </a:r>
             <a:r>
-              <a:rPr lang="mr-IN" dirty="0" smtClean="0"/>
+              <a:rPr lang="mr-IN" dirty="0"/>
               <a:t>…</a:t>
             </a:r>
-            <a:endParaRPr lang="en-US" dirty="0" smtClean="0"/>
+            <a:endParaRPr lang="en-US" dirty="0"/>
           </a:p>
           <a:p>
             <a:pPr lvl="1"/>
             <a:r>
-              <a:rPr lang="en-US" dirty="0" smtClean="0"/>
+              <a:rPr lang="en-US" dirty="0"/>
               <a:t>I keep saying it every time, but students do not believe me, and then are surprised when they get an F</a:t>
             </a:r>
             <a:r>
-              <a:rPr lang="mr-IN" dirty="0" smtClean="0"/>
+              <a:rPr lang="mr-IN" dirty="0"/>
               <a:t>…</a:t>
             </a:r>
-            <a:endParaRPr lang="en-US" dirty="0" smtClean="0"/>
+            <a:endParaRPr lang="en-US" dirty="0"/>
           </a:p>
         </p:txBody>
       </p:sp>
@@ -6285,10 +6165,9 @@
           <a:lstStyle/>
           <a:p>
             <a:r>
-              <a:rPr lang="en-US" dirty="0" smtClean="0"/>
+              <a:rPr lang="en-US" dirty="0"/>
               <a:t>Typical Exam Results</a:t>
             </a:r>
-            <a:endParaRPr lang="en-US" dirty="0"/>
           </a:p>
         </p:txBody>
       </p:sp>
@@ -6315,181 +6194,180 @@
           <a:lstStyle/>
           <a:p>
             <a:r>
-              <a:rPr lang="en-US" b="1" dirty="0" smtClean="0"/>
+              <a:rPr lang="en-US" b="1" dirty="0"/>
               <a:t>40%</a:t>
             </a:r>
             <a:r>
-              <a:rPr lang="en-US" dirty="0" smtClean="0"/>
+              <a:rPr lang="en-US" dirty="0"/>
               <a:t> score for </a:t>
             </a:r>
             <a:r>
-              <a:rPr lang="en-US" b="1" dirty="0" smtClean="0"/>
+              <a:rPr lang="en-US" b="1" dirty="0"/>
               <a:t>E</a:t>
             </a:r>
             <a:r>
-              <a:rPr lang="en-US" dirty="0" smtClean="0"/>
+              <a:rPr lang="en-US" dirty="0"/>
               <a:t>, and </a:t>
             </a:r>
             <a:r>
-              <a:rPr lang="en-US" b="1" dirty="0" smtClean="0"/>
+              <a:rPr lang="en-US" b="1" dirty="0"/>
               <a:t>90%</a:t>
             </a:r>
             <a:r>
-              <a:rPr lang="en-US" dirty="0" smtClean="0"/>
+              <a:rPr lang="en-US" dirty="0"/>
               <a:t> for </a:t>
             </a:r>
             <a:r>
-              <a:rPr lang="en-US" b="1" dirty="0" smtClean="0"/>
+              <a:rPr lang="en-US" b="1" dirty="0"/>
               <a:t>A</a:t>
             </a:r>
           </a:p>
           <a:p>
             <a:r>
-              <a:rPr lang="en-US" dirty="0" smtClean="0"/>
+              <a:rPr lang="en-US" dirty="0"/>
               <a:t>But that would usually mean </a:t>
             </a:r>
             <a:r>
-              <a:rPr lang="en-US" b="1" dirty="0" smtClean="0"/>
+              <a:rPr lang="en-US" b="1" dirty="0"/>
               <a:t>60%-80% </a:t>
             </a:r>
             <a:r>
-              <a:rPr lang="en-US" dirty="0" smtClean="0"/>
+              <a:rPr lang="en-US" dirty="0"/>
               <a:t>of students get an </a:t>
             </a:r>
             <a:r>
-              <a:rPr lang="en-US" b="1" dirty="0" smtClean="0"/>
+              <a:rPr lang="en-US" b="1" dirty="0"/>
               <a:t>F</a:t>
             </a:r>
             <a:r>
-              <a:rPr lang="en-US" dirty="0" smtClean="0"/>
+              <a:rPr lang="en-US" dirty="0"/>
               <a:t>, and top grade is a </a:t>
             </a:r>
             <a:r>
-              <a:rPr lang="en-US" b="1" dirty="0" smtClean="0"/>
+              <a:rPr lang="en-US" b="1" dirty="0"/>
               <a:t>C</a:t>
             </a:r>
             <a:r>
-              <a:rPr lang="en-US" dirty="0" smtClean="0"/>
+              <a:rPr lang="en-US" dirty="0"/>
               <a:t>, as </a:t>
             </a:r>
             <a:r>
-              <a:rPr lang="en-US" i="1" dirty="0" smtClean="0"/>
+              <a:rPr lang="en-US" i="1" dirty="0"/>
               <a:t>most students underestimate this course</a:t>
             </a:r>
           </a:p>
           <a:p>
             <a:pPr lvl="1"/>
             <a:r>
-              <a:rPr lang="en-US" dirty="0" err="1" smtClean="0"/>
+              <a:rPr lang="en-US" dirty="0" err="1"/>
               <a:t>eg</a:t>
             </a:r>
             <a:r>
-              <a:rPr lang="en-US" dirty="0" smtClean="0"/>
+              <a:rPr lang="en-US" dirty="0"/>
               <a:t>, naively believe that can start studying just few days/weeks before the exam</a:t>
             </a:r>
           </a:p>
           <a:p>
             <a:r>
-              <a:rPr lang="en-US" b="1" dirty="0" smtClean="0"/>
+              <a:rPr lang="en-US" b="1" dirty="0"/>
               <a:t>Rescaling</a:t>
             </a:r>
             <a:r>
-              <a:rPr lang="en-US" dirty="0" smtClean="0"/>
+              <a:rPr lang="en-US" dirty="0"/>
               <a:t>: usually </a:t>
             </a:r>
             <a:r>
-              <a:rPr lang="en-US" i="1" dirty="0" smtClean="0"/>
+              <a:rPr lang="en-US" i="1" dirty="0"/>
               <a:t>not failing </a:t>
             </a:r>
             <a:r>
-              <a:rPr lang="en-US" dirty="0" smtClean="0"/>
+              <a:rPr lang="en-US" dirty="0"/>
               <a:t>more than </a:t>
             </a:r>
             <a:r>
-              <a:rPr lang="en-US" b="1" dirty="0" smtClean="0"/>
+              <a:rPr lang="en-US" b="1" dirty="0"/>
               <a:t>50%</a:t>
             </a:r>
             <a:r>
-              <a:rPr lang="en-US" dirty="0" smtClean="0"/>
+              <a:rPr lang="en-US" dirty="0"/>
               <a:t> of students, and top scores get an </a:t>
             </a:r>
             <a:r>
-              <a:rPr lang="en-US" b="1" dirty="0" smtClean="0"/>
+              <a:rPr lang="en-US" b="1" dirty="0"/>
               <a:t>A</a:t>
             </a:r>
           </a:p>
           <a:p>
             <a:pPr lvl="1"/>
             <a:r>
-              <a:rPr lang="en-US" dirty="0" err="1" smtClean="0"/>
+              <a:rPr lang="en-US" dirty="0" err="1"/>
               <a:t>eg</a:t>
             </a:r>
             <a:r>
-              <a:rPr lang="en-US" dirty="0" smtClean="0"/>
+              <a:rPr lang="en-US" dirty="0"/>
               <a:t>, typically after rescaling, </a:t>
             </a:r>
             <a:r>
-              <a:rPr lang="en-US" b="1" dirty="0" smtClean="0"/>
+              <a:rPr lang="en-US" b="1" dirty="0"/>
               <a:t>25%</a:t>
             </a:r>
             <a:r>
-              <a:rPr lang="en-US" dirty="0" smtClean="0"/>
+              <a:rPr lang="en-US" dirty="0"/>
               <a:t> for </a:t>
             </a:r>
             <a:r>
-              <a:rPr lang="en-US" b="1" dirty="0" smtClean="0"/>
+              <a:rPr lang="en-US" b="1" dirty="0"/>
               <a:t>E</a:t>
             </a:r>
             <a:r>
-              <a:rPr lang="en-US" dirty="0" smtClean="0"/>
+              <a:rPr lang="en-US" dirty="0"/>
               <a:t>, and </a:t>
             </a:r>
             <a:r>
-              <a:rPr lang="en-US" b="1" dirty="0" smtClean="0"/>
+              <a:rPr lang="en-US" b="1" dirty="0"/>
               <a:t>75%</a:t>
             </a:r>
             <a:r>
-              <a:rPr lang="en-US" dirty="0" smtClean="0"/>
+              <a:rPr lang="en-US" dirty="0"/>
               <a:t> for </a:t>
             </a:r>
             <a:r>
-              <a:rPr lang="en-US" b="1" dirty="0" smtClean="0"/>
+              <a:rPr lang="en-US" b="1" dirty="0"/>
               <a:t>A</a:t>
             </a:r>
             <a:r>
-              <a:rPr lang="en-US" dirty="0" smtClean="0"/>
+              <a:rPr lang="en-US" dirty="0"/>
               <a:t> </a:t>
             </a:r>
           </a:p>
           <a:p>
             <a:pPr lvl="1"/>
             <a:r>
-              <a:rPr lang="en-US" dirty="0" smtClean="0"/>
+              <a:rPr lang="en-US" dirty="0"/>
               <a:t>Rescaling does </a:t>
             </a:r>
             <a:r>
-              <a:rPr lang="en-US" b="1" dirty="0" smtClean="0"/>
+              <a:rPr lang="en-US" b="1" dirty="0"/>
               <a:t>NOT</a:t>
             </a:r>
             <a:r>
-              <a:rPr lang="en-US" dirty="0" smtClean="0"/>
+              <a:rPr lang="en-US" dirty="0"/>
               <a:t> apply to “</a:t>
             </a:r>
             <a:r>
-              <a:rPr lang="en-US" i="1" dirty="0" smtClean="0"/>
+              <a:rPr lang="en-US" i="1" dirty="0"/>
               <a:t>continuation</a:t>
             </a:r>
             <a:r>
-              <a:rPr lang="en-US" dirty="0" smtClean="0"/>
+              <a:rPr lang="en-US" dirty="0"/>
               <a:t>” exams</a:t>
             </a:r>
           </a:p>
           <a:p>
             <a:r>
-              <a:rPr lang="en-US" i="1" dirty="0" smtClean="0"/>
+              <a:rPr lang="en-US" i="1" dirty="0"/>
               <a:t>Strongly suggest to have a chat with students that have taken this course before</a:t>
             </a:r>
-            <a:endParaRPr lang="en-US" i="1" dirty="0"/>
           </a:p>
         </p:txBody>
       </p:sp>
@@ -6540,10 +6418,9 @@
           <a:lstStyle/>
           <a:p>
             <a:r>
-              <a:rPr lang="en-US" dirty="0" smtClean="0"/>
+              <a:rPr lang="en-US" dirty="0"/>
               <a:t>Arrays and Lists</a:t>
             </a:r>
-            <a:endParaRPr lang="en-US" dirty="0"/>
           </a:p>
         </p:txBody>
       </p:sp>
@@ -6594,10 +6471,9 @@
           <a:lstStyle/>
           <a:p>
             <a:r>
-              <a:rPr lang="en-US" dirty="0" smtClean="0"/>
+              <a:rPr lang="en-US" dirty="0"/>
               <a:t>Containers</a:t>
             </a:r>
-            <a:endParaRPr lang="en-US" dirty="0"/>
           </a:p>
         </p:txBody>
       </p:sp>
@@ -6622,7 +6498,7 @@
           <a:lstStyle/>
           <a:p>
             <a:r>
-              <a:rPr lang="en-US" dirty="0" smtClean="0"/>
+              <a:rPr lang="en-US" dirty="0"/>
               <a:t>When writing programs, need to manipulate data</a:t>
             </a:r>
           </a:p>
@@ -6630,110 +6506,101 @@
             <a:pPr lvl="1"/>
             <a:r>
               <a:rPr lang="en-US" dirty="0"/>
-              <a:t>e</a:t>
-            </a:r>
-            <a:r>
-              <a:rPr lang="en-US" dirty="0" smtClean="0"/>
-              <a:t>.g., adding songs to a playlist</a:t>
+              <a:t>e.g., adding songs to a playlist</a:t>
             </a:r>
           </a:p>
           <a:p>
             <a:pPr lvl="1"/>
             <a:r>
               <a:rPr lang="en-US" dirty="0"/>
-              <a:t>e</a:t>
-            </a:r>
-            <a:r>
-              <a:rPr lang="en-US" dirty="0" smtClean="0"/>
-              <a:t>.g., adding an item on a shopping cart like on Amazon</a:t>
-            </a:r>
-          </a:p>
-          <a:p>
-            <a:r>
-              <a:rPr lang="en-US" i="1" dirty="0" smtClean="0"/>
+              <a:t>e.g., adding an item on a shopping cart like on Amazon</a:t>
+            </a:r>
+          </a:p>
+          <a:p>
+            <a:r>
+              <a:rPr lang="en-US" i="1" dirty="0"/>
               <a:t>Adding</a:t>
             </a:r>
             <a:r>
-              <a:rPr lang="en-US" dirty="0" smtClean="0"/>
+              <a:rPr lang="en-US" dirty="0"/>
               <a:t>, </a:t>
             </a:r>
             <a:r>
-              <a:rPr lang="en-US" i="1" dirty="0" smtClean="0"/>
+              <a:rPr lang="en-US" i="1" dirty="0"/>
               <a:t>removing</a:t>
             </a:r>
             <a:r>
-              <a:rPr lang="en-US" dirty="0" smtClean="0"/>
+              <a:rPr lang="en-US" dirty="0"/>
               <a:t> and </a:t>
             </a:r>
             <a:r>
-              <a:rPr lang="en-US" i="1" dirty="0" smtClean="0"/>
+              <a:rPr lang="en-US" i="1" dirty="0"/>
               <a:t>searching</a:t>
             </a:r>
             <a:r>
-              <a:rPr lang="en-US" dirty="0" smtClean="0"/>
+              <a:rPr lang="en-US" dirty="0"/>
               <a:t> for elements</a:t>
             </a:r>
           </a:p>
           <a:p>
             <a:r>
-              <a:rPr lang="en-US" dirty="0" smtClean="0"/>
+              <a:rPr lang="en-US" dirty="0"/>
               <a:t>Different </a:t>
             </a:r>
             <a:r>
-              <a:rPr lang="en-US" i="1" dirty="0" smtClean="0"/>
+              <a:rPr lang="en-US" i="1" dirty="0"/>
               <a:t>data structures</a:t>
             </a:r>
             <a:r>
-              <a:rPr lang="en-US" dirty="0" smtClean="0"/>
+              <a:rPr lang="en-US" dirty="0"/>
               <a:t> with different properties</a:t>
             </a:r>
           </a:p>
           <a:p>
             <a:r>
-              <a:rPr lang="en-US" dirty="0" smtClean="0"/>
+              <a:rPr lang="en-US" dirty="0"/>
               <a:t>In this course, we will see </a:t>
             </a:r>
             <a:r>
-              <a:rPr lang="en-US" b="1" dirty="0" smtClean="0"/>
+              <a:rPr lang="en-US" b="1" dirty="0"/>
               <a:t>Arrays</a:t>
             </a:r>
             <a:r>
-              <a:rPr lang="en-US" dirty="0" smtClean="0"/>
+              <a:rPr lang="en-US" dirty="0"/>
               <a:t>, </a:t>
             </a:r>
             <a:r>
-              <a:rPr lang="en-US" b="1" dirty="0" smtClean="0"/>
+              <a:rPr lang="en-US" b="1" dirty="0"/>
               <a:t>Lists</a:t>
             </a:r>
             <a:r>
-              <a:rPr lang="en-US" dirty="0" smtClean="0"/>
+              <a:rPr lang="en-US" dirty="0"/>
               <a:t>, </a:t>
             </a:r>
             <a:r>
-              <a:rPr lang="en-US" b="1" dirty="0" smtClean="0"/>
+              <a:rPr lang="en-US" b="1" dirty="0"/>
               <a:t>Maps</a:t>
             </a:r>
             <a:r>
-              <a:rPr lang="en-US" dirty="0" smtClean="0"/>
+              <a:rPr lang="en-US" dirty="0"/>
               <a:t>, </a:t>
             </a:r>
             <a:r>
-              <a:rPr lang="en-US" b="1" dirty="0" smtClean="0"/>
+              <a:rPr lang="en-US" b="1" dirty="0"/>
               <a:t>Sets</a:t>
             </a:r>
             <a:r>
-              <a:rPr lang="en-US" dirty="0" smtClean="0"/>
+              <a:rPr lang="en-US" dirty="0"/>
               <a:t> and </a:t>
             </a:r>
             <a:r>
-              <a:rPr lang="en-US" b="1" dirty="0" smtClean="0"/>
+              <a:rPr lang="en-US" b="1" dirty="0"/>
               <a:t>Graphs</a:t>
             </a:r>
             <a:r>
-              <a:rPr lang="en-US" dirty="0" smtClean="0"/>
+              <a:rPr lang="en-US" dirty="0"/>
               <a:t>  </a:t>
             </a:r>
-            <a:endParaRPr lang="en-US" dirty="0"/>
           </a:p>
         </p:txBody>
       </p:sp>
@@ -6784,10 +6651,9 @@
           <a:lstStyle/>
           <a:p>
             <a:r>
-              <a:rPr lang="en-US" dirty="0" smtClean="0"/>
+              <a:rPr lang="en-US" dirty="0"/>
               <a:t>Arrays</a:t>
             </a:r>
-            <a:endParaRPr lang="en-US" dirty="0"/>
           </a:p>
         </p:txBody>
       </p:sp>
@@ -6819,7 +6685,7 @@
               </a:spcBef>
             </a:pPr>
             <a:r>
-              <a:rPr lang="en-US" dirty="0" smtClean="0"/>
+              <a:rPr lang="en-US" dirty="0"/>
               <a:t>Easy, direct access to all elements</a:t>
             </a:r>
           </a:p>
@@ -6830,15 +6696,15 @@
               </a:spcBef>
             </a:pPr>
             <a:r>
-              <a:rPr lang="en-US" dirty="0" smtClean="0"/>
+              <a:rPr lang="en-US" dirty="0"/>
               <a:t>Possible issues when deleting elements (</a:t>
             </a:r>
             <a:r>
-              <a:rPr lang="en-US" dirty="0" err="1" smtClean="0"/>
+              <a:rPr lang="en-US" dirty="0" err="1"/>
               <a:t>ie</a:t>
             </a:r>
             <a:r>
-              <a:rPr lang="en-US" dirty="0" smtClean="0"/>
+              <a:rPr lang="en-US" dirty="0"/>
               <a:t> holes)</a:t>
             </a:r>
           </a:p>
@@ -6849,7 +6715,7 @@
               </a:spcBef>
             </a:pPr>
             <a:r>
-              <a:rPr lang="en-US" dirty="0" smtClean="0"/>
+              <a:rPr lang="en-US" dirty="0"/>
               <a:t>Fixed size, decided at creation</a:t>
             </a:r>
           </a:p>
@@ -6860,7 +6726,7 @@
               </a:spcBef>
             </a:pPr>
             <a:r>
-              <a:rPr lang="en-US" dirty="0" smtClean="0"/>
+              <a:rPr lang="en-US" dirty="0"/>
               <a:t>If you create it for 10 elements, but then you need 11, you would need to create a new array</a:t>
             </a:r>
           </a:p>
@@ -6871,10 +6737,9 @@
               </a:spcBef>
             </a:pPr>
             <a:r>
-              <a:rPr lang="en-US" dirty="0" smtClean="0"/>
+              <a:rPr lang="en-US" dirty="0"/>
               <a:t>Arrays are low-level constructs of Java language</a:t>
             </a:r>
-            <a:endParaRPr lang="en-US" dirty="0"/>
           </a:p>
         </p:txBody>
       </p:sp>
@@ -6949,7 +6814,7 @@
               <a:tabLst/>
             </a:pPr>
             <a:r>
-              <a:rPr kumimoji="0" lang="en-US" altLang="en-US" sz="2800" b="1" i="0" u="none" strike="noStrike" cap="none" normalizeH="0" baseline="0" dirty="0" err="1" smtClean="0">
+              <a:rPr kumimoji="0" lang="en-US" altLang="en-US" sz="2800" b="1" i="0" u="none" strike="noStrike" cap="none" normalizeH="0" baseline="0" dirty="0" err="1">
                 <a:ln>
                   <a:noFill/>
                 </a:ln>
@@ -6963,7 +6828,7 @@
               <a:t>int</a:t>
             </a:r>
             <a:r>
-              <a:rPr kumimoji="0" lang="en-US" altLang="en-US" sz="2800" b="0" i="0" u="none" strike="noStrike" cap="none" normalizeH="0" baseline="0" dirty="0" smtClean="0">
+              <a:rPr kumimoji="0" lang="en-US" altLang="en-US" sz="2800" b="0" i="0" u="none" strike="noStrike" cap="none" normalizeH="0" baseline="0" dirty="0">
                 <a:ln>
                   <a:noFill/>
                 </a:ln>
@@ -6977,7 +6842,7 @@
               <a:t>[] array = </a:t>
             </a:r>
             <a:r>
-              <a:rPr kumimoji="0" lang="en-US" altLang="en-US" sz="2800" b="1" i="0" u="none" strike="noStrike" cap="none" normalizeH="0" baseline="0" dirty="0" smtClean="0">
+              <a:rPr kumimoji="0" lang="en-US" altLang="en-US" sz="2800" b="1" i="0" u="none" strike="noStrike" cap="none" normalizeH="0" baseline="0" dirty="0">
                 <a:ln>
                   <a:noFill/>
                 </a:ln>
@@ -6991,7 +6856,7 @@
               <a:t>new </a:t>
             </a:r>
             <a:r>
-              <a:rPr kumimoji="0" lang="en-US" altLang="en-US" sz="2800" b="1" i="0" u="none" strike="noStrike" cap="none" normalizeH="0" baseline="0" dirty="0" err="1" smtClean="0">
+              <a:rPr kumimoji="0" lang="en-US" altLang="en-US" sz="2800" b="1" i="0" u="none" strike="noStrike" cap="none" normalizeH="0" baseline="0" dirty="0" err="1">
                 <a:ln>
                   <a:noFill/>
                 </a:ln>
@@ -7005,7 +6870,7 @@
               <a:t>int</a:t>
             </a:r>
             <a:r>
-              <a:rPr kumimoji="0" lang="en-US" altLang="en-US" sz="2800" b="0" i="0" u="none" strike="noStrike" cap="none" normalizeH="0" baseline="0" dirty="0" smtClean="0">
+              <a:rPr kumimoji="0" lang="en-US" altLang="en-US" sz="2800" b="0" i="0" u="none" strike="noStrike" cap="none" normalizeH="0" baseline="0" dirty="0">
                 <a:ln>
                   <a:noFill/>
                 </a:ln>
@@ -7019,7 +6884,7 @@
               <a:t>[</a:t>
             </a:r>
             <a:r>
-              <a:rPr kumimoji="0" lang="en-US" altLang="en-US" sz="2800" b="0" i="0" u="none" strike="noStrike" cap="none" normalizeH="0" baseline="0" dirty="0" smtClean="0">
+              <a:rPr kumimoji="0" lang="en-US" altLang="en-US" sz="2800" b="0" i="0" u="none" strike="noStrike" cap="none" normalizeH="0" baseline="0" dirty="0">
                 <a:ln>
                   <a:noFill/>
                 </a:ln>
@@ -7033,7 +6898,7 @@
               <a:t>3</a:t>
             </a:r>
             <a:r>
-              <a:rPr kumimoji="0" lang="en-US" altLang="en-US" sz="2800" b="0" i="0" u="none" strike="noStrike" cap="none" normalizeH="0" baseline="0" dirty="0" smtClean="0">
+              <a:rPr kumimoji="0" lang="en-US" altLang="en-US" sz="2800" b="0" i="0" u="none" strike="noStrike" cap="none" normalizeH="0" baseline="0" dirty="0">
                 <a:ln>
                   <a:noFill/>
                 </a:ln>
@@ -7047,7 +6912,7 @@
               <a:t>];</a:t>
             </a:r>
             <a:br>
-              <a:rPr kumimoji="0" lang="en-US" altLang="en-US" sz="2800" b="0" i="0" u="none" strike="noStrike" cap="none" normalizeH="0" baseline="0" dirty="0" smtClean="0">
+              <a:rPr kumimoji="0" lang="en-US" altLang="en-US" sz="2800" b="0" i="0" u="none" strike="noStrike" cap="none" normalizeH="0" baseline="0" dirty="0">
                 <a:ln>
                   <a:noFill/>
                 </a:ln>
@@ -7060,7 +6925,7 @@
               </a:rPr>
             </a:br>
             <a:r>
-              <a:rPr kumimoji="0" lang="en-US" altLang="en-US" sz="2800" b="0" i="0" u="none" strike="noStrike" cap="none" normalizeH="0" baseline="0" dirty="0" smtClean="0">
+              <a:rPr kumimoji="0" lang="en-US" altLang="en-US" sz="2800" b="0" i="0" u="none" strike="noStrike" cap="none" normalizeH="0" baseline="0" dirty="0">
                 <a:ln>
                   <a:noFill/>
                 </a:ln>
@@ -7074,7 +6939,7 @@
               <a:t>array[</a:t>
             </a:r>
             <a:r>
-              <a:rPr kumimoji="0" lang="en-US" altLang="en-US" sz="2800" b="0" i="0" u="none" strike="noStrike" cap="none" normalizeH="0" baseline="0" dirty="0" smtClean="0">
+              <a:rPr kumimoji="0" lang="en-US" altLang="en-US" sz="2800" b="0" i="0" u="none" strike="noStrike" cap="none" normalizeH="0" baseline="0" dirty="0">
                 <a:ln>
                   <a:noFill/>
                 </a:ln>
@@ -7088,7 +6953,7 @@
               <a:t>0</a:t>
             </a:r>
             <a:r>
-              <a:rPr kumimoji="0" lang="en-US" altLang="en-US" sz="2800" b="0" i="0" u="none" strike="noStrike" cap="none" normalizeH="0" baseline="0" dirty="0" smtClean="0">
+              <a:rPr kumimoji="0" lang="en-US" altLang="en-US" sz="2800" b="0" i="0" u="none" strike="noStrike" cap="none" normalizeH="0" baseline="0" dirty="0">
                 <a:ln>
                   <a:noFill/>
                 </a:ln>
@@ -7112,7 +6977,7 @@
               <a:t>5</a:t>
             </a:r>
             <a:r>
-              <a:rPr kumimoji="0" lang="en-US" altLang="en-US" sz="2800" b="0" i="0" u="none" strike="noStrike" cap="none" normalizeH="0" baseline="0" dirty="0" smtClean="0">
+              <a:rPr kumimoji="0" lang="en-US" altLang="en-US" sz="2800" b="0" i="0" u="none" strike="noStrike" cap="none" normalizeH="0" baseline="0" dirty="0">
                 <a:ln>
                   <a:noFill/>
                 </a:ln>
@@ -7126,7 +6991,7 @@
               <a:t>;</a:t>
             </a:r>
             <a:br>
-              <a:rPr kumimoji="0" lang="en-US" altLang="en-US" sz="2800" b="0" i="0" u="none" strike="noStrike" cap="none" normalizeH="0" baseline="0" dirty="0" smtClean="0">
+              <a:rPr kumimoji="0" lang="en-US" altLang="en-US" sz="2800" b="0" i="0" u="none" strike="noStrike" cap="none" normalizeH="0" baseline="0" dirty="0">
                 <a:ln>
                   <a:noFill/>
                 </a:ln>
@@ -7139,7 +7004,7 @@
               </a:rPr>
             </a:br>
             <a:r>
-              <a:rPr kumimoji="0" lang="en-US" altLang="en-US" sz="2800" b="0" i="0" u="none" strike="noStrike" cap="none" normalizeH="0" baseline="0" dirty="0" smtClean="0">
+              <a:rPr kumimoji="0" lang="en-US" altLang="en-US" sz="2800" b="0" i="0" u="none" strike="noStrike" cap="none" normalizeH="0" baseline="0" dirty="0">
                 <a:ln>
                   <a:noFill/>
                 </a:ln>
@@ -7153,7 +7018,7 @@
               <a:t>array[</a:t>
             </a:r>
             <a:r>
-              <a:rPr kumimoji="0" lang="en-US" altLang="en-US" sz="2800" b="0" i="0" u="none" strike="noStrike" cap="none" normalizeH="0" baseline="0" dirty="0" smtClean="0">
+              <a:rPr kumimoji="0" lang="en-US" altLang="en-US" sz="2800" b="0" i="0" u="none" strike="noStrike" cap="none" normalizeH="0" baseline="0" dirty="0">
                 <a:ln>
                   <a:noFill/>
                 </a:ln>
@@ -7167,7 +7032,7 @@
               <a:t>1</a:t>
             </a:r>
             <a:r>
-              <a:rPr kumimoji="0" lang="en-US" altLang="en-US" sz="2800" b="0" i="0" u="none" strike="noStrike" cap="none" normalizeH="0" baseline="0" dirty="0" smtClean="0">
+              <a:rPr kumimoji="0" lang="en-US" altLang="en-US" sz="2800" b="0" i="0" u="none" strike="noStrike" cap="none" normalizeH="0" baseline="0" dirty="0">
                 <a:ln>
                   <a:noFill/>
                 </a:ln>
@@ -7188,7 +7053,7 @@
               <a:t>3</a:t>
             </a:r>
             <a:r>
-              <a:rPr kumimoji="0" lang="en-US" altLang="en-US" sz="2800" b="0" i="0" u="none" strike="noStrike" cap="none" normalizeH="0" baseline="0" dirty="0" smtClean="0">
+              <a:rPr kumimoji="0" lang="en-US" altLang="en-US" sz="2800" b="0" i="0" u="none" strike="noStrike" cap="none" normalizeH="0" baseline="0" dirty="0">
                 <a:ln>
                   <a:noFill/>
                 </a:ln>
@@ -7201,7 +7066,7 @@
               </a:rPr>
               <a:t>;</a:t>
             </a:r>
-            <a:endParaRPr kumimoji="0" lang="en-US" altLang="en-US" sz="2400" b="0" i="0" u="none" strike="noStrike" cap="none" normalizeH="0" baseline="0" dirty="0" smtClean="0">
+            <a:endParaRPr kumimoji="0" lang="en-US" altLang="en-US" sz="2400" b="0" i="0" u="none" strike="noStrike" cap="none" normalizeH="0" baseline="0" dirty="0">
               <a:ln>
                 <a:noFill/>
               </a:ln>
@@ -7268,10 +7133,9 @@
                     <a:lstStyle/>
                     <a:p>
                       <a:r>
-                        <a:rPr lang="en-US" sz="2800" dirty="0" smtClean="0"/>
+                        <a:rPr lang="en-US" sz="2800" dirty="0"/>
                         <a:t>[0]</a:t>
                       </a:r>
-                      <a:endParaRPr lang="en-US" sz="2800" dirty="0"/>
                     </a:p>
                   </a:txBody>
                   <a:tcPr/>
@@ -7282,10 +7146,9 @@
                     <a:lstStyle/>
                     <a:p>
                       <a:r>
-                        <a:rPr lang="en-US" sz="2800" dirty="0" smtClean="0"/>
+                        <a:rPr lang="en-US" sz="2800" dirty="0"/>
                         <a:t>[1]</a:t>
                       </a:r>
-                      <a:endParaRPr lang="en-US" sz="2800" dirty="0"/>
                     </a:p>
                   </a:txBody>
                   <a:tcPr/>
@@ -7296,10 +7159,9 @@
                     <a:lstStyle/>
                     <a:p>
                       <a:r>
-                        <a:rPr lang="en-US" sz="2800" dirty="0" smtClean="0"/>
+                        <a:rPr lang="en-US" sz="2800" dirty="0"/>
                         <a:t>[2]</a:t>
                       </a:r>
-                      <a:endParaRPr lang="en-US" sz="2800" dirty="0"/>
                     </a:p>
                   </a:txBody>
                   <a:tcPr/>
@@ -7317,10 +7179,9 @@
                     <a:lstStyle/>
                     <a:p>
                       <a:r>
-                        <a:rPr lang="en-US" sz="2800" dirty="0" smtClean="0"/>
+                        <a:rPr lang="en-US" sz="2800" dirty="0"/>
                         <a:t>5</a:t>
                       </a:r>
-                      <a:endParaRPr lang="en-US" sz="2800" dirty="0"/>
                     </a:p>
                   </a:txBody>
                   <a:tcPr/>
@@ -7331,10 +7192,9 @@
                     <a:lstStyle/>
                     <a:p>
                       <a:r>
-                        <a:rPr lang="en-US" sz="2800" dirty="0" smtClean="0"/>
+                        <a:rPr lang="en-US" sz="2800" dirty="0"/>
                         <a:t>3</a:t>
                       </a:r>
-                      <a:endParaRPr lang="en-US" sz="2800" dirty="0"/>
                     </a:p>
                   </a:txBody>
                   <a:tcPr/>
@@ -7345,10 +7205,9 @@
                     <a:lstStyle/>
                     <a:p>
                       <a:r>
-                        <a:rPr lang="en-US" sz="2800" dirty="0" smtClean="0"/>
+                        <a:rPr lang="en-US" sz="2800" dirty="0"/>
                         <a:t>0</a:t>
                       </a:r>
-                      <a:endParaRPr lang="en-US" sz="2800" dirty="0"/>
                     </a:p>
                   </a:txBody>
                   <a:tcPr/>
@@ -7417,10 +7276,9 @@
           <a:lstStyle/>
           <a:p>
             <a:r>
-              <a:rPr lang="en-US" dirty="0" smtClean="0"/>
+              <a:rPr lang="en-US" dirty="0"/>
               <a:t>Lists</a:t>
             </a:r>
-            <a:endParaRPr lang="en-US" dirty="0"/>
           </a:p>
         </p:txBody>
       </p:sp>
@@ -7447,11 +7305,11 @@
           <a:lstStyle/>
           <a:p>
             <a:r>
-              <a:rPr lang="en-US" dirty="0" smtClean="0"/>
+              <a:rPr lang="en-US" dirty="0"/>
               <a:t>Conceptually like arrays, but </a:t>
             </a:r>
             <a:r>
-              <a:rPr lang="en-US" b="1" dirty="0" smtClean="0"/>
+              <a:rPr lang="en-US" b="1" dirty="0"/>
               <a:t>no fixed size</a:t>
             </a:r>
           </a:p>
@@ -7459,37 +7317,33 @@
             <a:pPr lvl="1"/>
             <a:r>
               <a:rPr lang="en-US" dirty="0" err="1"/>
-              <a:t>i</a:t>
-            </a:r>
-            <a:r>
-              <a:rPr lang="en-US" dirty="0" err="1" smtClean="0"/>
-              <a:t>e</a:t>
-            </a:r>
-            <a:r>
-              <a:rPr lang="en-US" dirty="0" smtClean="0"/>
+              <a:t>ie</a:t>
+            </a:r>
+            <a:r>
+              <a:rPr lang="en-US" dirty="0"/>
               <a:t>, you can add as many elements as you want, as long as you have enough memory</a:t>
             </a:r>
           </a:p>
           <a:p>
             <a:r>
-              <a:rPr lang="en-US" b="1" dirty="0" smtClean="0"/>
+              <a:rPr lang="en-US" b="1" dirty="0"/>
               <a:t>Ordered</a:t>
             </a:r>
             <a:r>
-              <a:rPr lang="en-US" dirty="0" smtClean="0"/>
+              <a:rPr lang="en-US" dirty="0"/>
               <a:t> sequence of elements, from index 0 to N-1</a:t>
             </a:r>
           </a:p>
           <a:p>
             <a:pPr lvl="1"/>
             <a:r>
-              <a:rPr lang="en-US" dirty="0" smtClean="0"/>
+              <a:rPr lang="en-US" dirty="0"/>
               <a:t>can have duplicates</a:t>
             </a:r>
           </a:p>
           <a:p>
             <a:r>
-              <a:rPr lang="en-US" dirty="0" smtClean="0"/>
+              <a:rPr lang="en-US" dirty="0"/>
               <a:t>Lists (and all data structures will see in this course) are Java objects, and not treated specially like arrays</a:t>
             </a:r>
           </a:p>
@@ -7578,7 +7432,7 @@
           <a:lstStyle/>
           <a:p>
             <a:r>
-              <a:rPr sz="4400" dirty="0" smtClean="0"/>
+              <a:rPr sz="4400" dirty="0"/>
               <a:t>“</a:t>
             </a:r>
             <a:r>
@@ -7590,15 +7444,15 @@
               <a:t>F</a:t>
             </a:r>
             <a:r>
-              <a:rPr sz="4400" i="1" dirty="0" smtClean="0"/>
+              <a:rPr sz="4400" i="1" dirty="0"/>
               <a:t>orum</a:t>
             </a:r>
             <a:r>
-              <a:rPr sz="4400" dirty="0" smtClean="0"/>
+              <a:rPr sz="4400" dirty="0"/>
               <a:t>”</a:t>
             </a:r>
             <a:r>
-              <a:rPr lang="en-US" sz="4400" dirty="0" smtClean="0"/>
+              <a:rPr lang="en-US" sz="4400" dirty="0"/>
               <a:t> on Canvas</a:t>
             </a:r>
             <a:endParaRPr sz="4400" dirty="0"/>
@@ -7609,48 +7463,48 @@
               <a:t>F</a:t>
             </a:r>
             <a:r>
-              <a:rPr sz="4400" dirty="0" smtClean="0"/>
+              <a:rPr sz="4400" dirty="0"/>
               <a:t>or announcements, and questions of general interest for the whole class</a:t>
             </a:r>
-            <a:endParaRPr lang="en-US" sz="4400" dirty="0" smtClean="0"/>
-          </a:p>
-          <a:p>
-            <a:r>
-              <a:rPr lang="en-US" sz="4400" dirty="0" smtClean="0"/>
+            <a:endParaRPr lang="en-US" sz="4400" dirty="0"/>
+          </a:p>
+          <a:p>
+            <a:r>
+              <a:rPr lang="en-US" sz="4400" dirty="0"/>
               <a:t>Use the discussion forum </a:t>
             </a:r>
             <a:r>
-              <a:rPr lang="en-US" sz="4400" b="1" dirty="0" smtClean="0"/>
+              <a:rPr lang="en-US" sz="4400" b="1" dirty="0"/>
               <a:t>instead of</a:t>
             </a:r>
             <a:r>
-              <a:rPr lang="en-US" sz="4400" dirty="0" smtClean="0"/>
+              <a:rPr lang="en-US" sz="4400" dirty="0"/>
               <a:t> sending me emails</a:t>
             </a:r>
           </a:p>
           <a:p>
             <a:pPr lvl="1"/>
             <a:r>
-              <a:rPr lang="en-US" dirty="0" smtClean="0"/>
+              <a:rPr lang="en-US" dirty="0"/>
               <a:t>If you send me a private email/message, I will tell you to post it on the Discussion Forum. However, if I am busy (as most of the time</a:t>
             </a:r>
             <a:r>
-              <a:rPr lang="mr-IN" dirty="0" smtClean="0"/>
+              <a:rPr lang="mr-IN" dirty="0"/>
               <a:t>…</a:t>
             </a:r>
             <a:r>
-              <a:rPr lang="en-US" dirty="0" smtClean="0"/>
+              <a:rPr lang="en-US" dirty="0"/>
               <a:t>), </a:t>
             </a:r>
             <a:r>
-              <a:rPr lang="en-US" i="1" dirty="0" smtClean="0"/>
+              <a:rPr lang="en-US" i="1" dirty="0"/>
               <a:t>I might just ignore your message</a:t>
             </a:r>
             <a:r>
-              <a:rPr lang="mr-IN" i="1" dirty="0" smtClean="0"/>
+              <a:rPr lang="mr-IN" i="1" dirty="0"/>
               <a:t>…</a:t>
             </a:r>
-            <a:endParaRPr lang="en-US" i="1" dirty="0" smtClean="0"/>
+            <a:endParaRPr lang="en-US" i="1" dirty="0"/>
           </a:p>
         </p:txBody>
       </p:sp>
@@ -7696,10 +7550,9 @@
           <a:lstStyle/>
           <a:p>
             <a:r>
-              <a:rPr lang="en-US" dirty="0" smtClean="0"/>
+              <a:rPr lang="en-US" dirty="0"/>
               <a:t>List Object Operations</a:t>
             </a:r>
-            <a:endParaRPr lang="en-US" dirty="0"/>
           </a:p>
         </p:txBody>
       </p:sp>
@@ -7719,69 +7572,68 @@
           <a:lstStyle/>
           <a:p>
             <a:r>
-              <a:rPr lang="en-US" b="1" dirty="0" smtClean="0"/>
+              <a:rPr lang="en-US" b="1" dirty="0"/>
               <a:t>size()</a:t>
             </a:r>
             <a:r>
-              <a:rPr lang="en-US" dirty="0" smtClean="0"/>
+              <a:rPr lang="en-US" dirty="0"/>
               <a:t>: return how many elements are contained</a:t>
             </a:r>
           </a:p>
           <a:p>
             <a:r>
-              <a:rPr lang="en-US" b="1" dirty="0" smtClean="0"/>
+              <a:rPr lang="en-US" b="1" dirty="0"/>
               <a:t>get(index)</a:t>
             </a:r>
             <a:r>
-              <a:rPr lang="en-US" dirty="0" smtClean="0"/>
+              <a:rPr lang="en-US" dirty="0"/>
               <a:t>: return the value at position index</a:t>
             </a:r>
           </a:p>
           <a:p>
             <a:r>
-              <a:rPr lang="en-US" b="1" dirty="0" smtClean="0"/>
+              <a:rPr lang="en-US" b="1" dirty="0"/>
               <a:t>add(index, value)</a:t>
             </a:r>
             <a:r>
-              <a:rPr lang="en-US" dirty="0" smtClean="0"/>
+              <a:rPr lang="en-US" dirty="0"/>
               <a:t>: add value at position index</a:t>
             </a:r>
           </a:p>
           <a:p>
             <a:pPr lvl="1"/>
             <a:r>
-              <a:rPr lang="en-US" dirty="0" smtClean="0"/>
+              <a:rPr lang="en-US" dirty="0"/>
               <a:t>existing value in that position is right-shifted (with all following elements) to do not lose it</a:t>
             </a:r>
           </a:p>
           <a:p>
             <a:pPr lvl="1"/>
             <a:r>
-              <a:rPr lang="en-US" b="1" dirty="0" smtClean="0"/>
+              <a:rPr lang="en-US" b="1" dirty="0"/>
               <a:t>add(value)</a:t>
             </a:r>
             <a:r>
-              <a:rPr lang="en-US" dirty="0" smtClean="0"/>
+              <a:rPr lang="en-US" dirty="0"/>
               <a:t> just add at the end of the list</a:t>
             </a:r>
           </a:p>
           <a:p>
             <a:r>
-              <a:rPr lang="en-US" b="1" dirty="0" smtClean="0"/>
+              <a:rPr lang="en-US" b="1" dirty="0"/>
               <a:t>deleted(index)</a:t>
             </a:r>
             <a:r>
-              <a:rPr lang="en-US" dirty="0" smtClean="0"/>
+              <a:rPr lang="en-US" dirty="0"/>
               <a:t>: remove element at position index</a:t>
             </a:r>
           </a:p>
           <a:p>
             <a:pPr lvl="1"/>
             <a:r>
-              <a:rPr lang="en-US" dirty="0" smtClean="0"/>
+              <a:rPr lang="en-US" dirty="0"/>
               <a:t>all following elements are left-shifted to cover the hole</a:t>
             </a:r>
-            <a:endParaRPr lang="en-US" dirty="0"/>
           </a:p>
         </p:txBody>
       </p:sp>
@@ -7832,10 +7684,9 @@
           <a:lstStyle/>
           <a:p>
             <a:r>
-              <a:rPr lang="en-US" dirty="0" smtClean="0"/>
+              <a:rPr lang="en-US" dirty="0"/>
               <a:t>List Implementations</a:t>
             </a:r>
-            <a:endParaRPr lang="en-US" dirty="0"/>
           </a:p>
         </p:txBody>
       </p:sp>
@@ -7864,97 +7715,49 @@
             </a:r>
             <a:r>
               <a:rPr lang="en-US" dirty="0"/>
-              <a:t>” </a:t>
-            </a:r>
-            <a:r>
-              <a:rPr lang="en-US" dirty="0" smtClean="0"/>
-              <a:t>a list object</a:t>
-            </a:r>
-            <a:endParaRPr lang="en-US" dirty="0"/>
-          </a:p>
-          <a:p>
-            <a:r>
-              <a:rPr lang="en-US" i="1" dirty="0" err="1" smtClean="0"/>
+              <a:t>” a list object</a:t>
+            </a:r>
+          </a:p>
+          <a:p>
+            <a:r>
+              <a:rPr lang="en-US" i="1" dirty="0" err="1"/>
               <a:t>ArrayList</a:t>
             </a:r>
             <a:r>
-              <a:rPr lang="en-US" dirty="0" smtClean="0"/>
-              <a:t>: </a:t>
-            </a:r>
-            <a:r>
-              <a:rPr lang="en-US" dirty="0"/>
-              <a:t>internally storing an </a:t>
-            </a:r>
-            <a:r>
-              <a:rPr lang="en-US" dirty="0" smtClean="0"/>
-              <a:t>array</a:t>
+              <a:rPr lang="en-US" dirty="0"/>
+              <a:t>: internally storing an array</a:t>
             </a:r>
           </a:p>
           <a:p>
             <a:pPr lvl="1"/>
             <a:r>
-              <a:rPr lang="en-US" dirty="0" smtClean="0"/>
+              <a:rPr lang="en-US" dirty="0"/>
               <a:t>All operations mapped to an internal array</a:t>
             </a:r>
           </a:p>
           <a:p>
             <a:pPr lvl="1"/>
             <a:r>
-              <a:rPr lang="en-US" dirty="0" smtClean="0"/>
-              <a:t>Special: need </a:t>
-            </a:r>
-            <a:r>
-              <a:rPr lang="en-US" dirty="0"/>
-              <a:t>to create new </a:t>
-            </a:r>
-            <a:r>
-              <a:rPr lang="en-US" dirty="0" smtClean="0"/>
-              <a:t>internal array </a:t>
-            </a:r>
-            <a:r>
-              <a:rPr lang="en-US" dirty="0"/>
-              <a:t>and move over old data when </a:t>
-            </a:r>
-            <a:r>
-              <a:rPr lang="en-US" dirty="0" smtClean="0"/>
-              <a:t>full. But this can be done automatically when new element is added, without the client knowing about it</a:t>
-            </a:r>
-            <a:endParaRPr lang="en-US" dirty="0"/>
-          </a:p>
-          <a:p>
-            <a:r>
-              <a:rPr lang="en-US" i="1" dirty="0" err="1" smtClean="0"/>
+              <a:rPr lang="en-US" dirty="0"/>
+              <a:t>Special: need to create new internal array and move over old data when full. But this can be done automatically when new element is added, without the client knowing about it</a:t>
+            </a:r>
+          </a:p>
+          <a:p>
+            <a:r>
+              <a:rPr lang="en-US" i="1" dirty="0" err="1"/>
               <a:t>LinkedList</a:t>
             </a:r>
             <a:r>
-              <a:rPr lang="en-US" dirty="0" smtClean="0"/>
-              <a:t>: </a:t>
-            </a:r>
-            <a:r>
-              <a:rPr lang="en-US" dirty="0"/>
-              <a:t>each element has its own node </a:t>
-            </a:r>
-            <a:r>
-              <a:rPr lang="en-US" dirty="0" smtClean="0"/>
-              <a:t>object</a:t>
-            </a:r>
-            <a:endParaRPr lang="en-US" dirty="0"/>
+              <a:rPr lang="en-US" dirty="0"/>
+              <a:t>: each element has its own node object</a:t>
+            </a:r>
           </a:p>
           <a:p>
             <a:pPr lvl="1"/>
             <a:r>
-              <a:rPr lang="en-US" dirty="0" smtClean="0"/>
-              <a:t>nodes </a:t>
-            </a:r>
-            <a:r>
-              <a:rPr lang="en-US" dirty="0"/>
-              <a:t>are connected with object </a:t>
-            </a:r>
-            <a:r>
-              <a:rPr lang="en-US" dirty="0" smtClean="0"/>
-              <a:t>pointers/links</a:t>
-            </a:r>
-            <a:endParaRPr lang="en-US" dirty="0"/>
+              <a:rPr lang="en-US" dirty="0"/>
+              <a:t>nodes are connected with object pointers/links</a:t>
+            </a:r>
           </a:p>
         </p:txBody>
       </p:sp>
@@ -8005,7 +7808,7 @@
           <a:lstStyle/>
           <a:p>
             <a:r>
-              <a:rPr lang="en-US" dirty="0" err="1" smtClean="0"/>
+              <a:rPr lang="en-US" dirty="0" err="1"/>
               <a:t>ArrayList</a:t>
             </a:r>
             <a:endParaRPr lang="en-US" dirty="0"/>
@@ -8035,32 +7838,31 @@
           <a:lstStyle/>
           <a:p>
             <a:r>
-              <a:rPr lang="en-US" dirty="0" smtClean="0"/>
+              <a:rPr lang="en-US" dirty="0"/>
               <a:t>In this example, internally the </a:t>
             </a:r>
             <a:r>
-              <a:rPr lang="en-US" dirty="0" err="1" smtClean="0"/>
+              <a:rPr lang="en-US" dirty="0" err="1"/>
               <a:t>ArrayList</a:t>
             </a:r>
             <a:r>
-              <a:rPr lang="en-US" dirty="0" smtClean="0"/>
+              <a:rPr lang="en-US" dirty="0"/>
               <a:t> would use an array of size 5</a:t>
             </a:r>
           </a:p>
           <a:p>
             <a:r>
-              <a:rPr lang="en-US" dirty="0" smtClean="0"/>
+              <a:rPr lang="en-US" dirty="0"/>
               <a:t>But only 3 elements are contained in the “</a:t>
             </a:r>
             <a:r>
-              <a:rPr lang="en-US" i="1" dirty="0" smtClean="0"/>
+              <a:rPr lang="en-US" i="1" dirty="0"/>
               <a:t>list</a:t>
             </a:r>
             <a:r>
-              <a:rPr lang="en-US" dirty="0" smtClean="0"/>
+              <a:rPr lang="en-US" dirty="0"/>
               <a:t>”</a:t>
             </a:r>
-            <a:endParaRPr lang="en-US" dirty="0"/>
           </a:p>
         </p:txBody>
       </p:sp>
@@ -8073,7 +7875,7 @@
         <p:spPr>
           <a:xfrm>
             <a:off x="339056" y="2527162"/>
-            <a:ext cx="6399188" cy="2872581"/>
+            <a:ext cx="5562420" cy="2872581"/>
           </a:xfrm>
           <a:prstGeom prst="rect">
             <a:avLst/>
@@ -8106,51 +7908,50 @@
           <a:p>
             <a:pPr algn="l"/>
             <a:r>
+              <a:rPr lang="en-US" b="1" dirty="0"/>
+              <a:t>List list = new </a:t>
+            </a:r>
+            <a:r>
               <a:rPr lang="en-US" b="1" dirty="0" err="1"/>
               <a:t>ArrayList</a:t>
             </a:r>
             <a:r>
               <a:rPr lang="en-US" b="1" dirty="0"/>
-              <a:t> list = new Array(5</a:t>
-            </a:r>
-            <a:r>
-              <a:rPr lang="en-US" b="1" dirty="0" smtClean="0"/>
-              <a:t>);</a:t>
+              <a:t>(5);</a:t>
             </a:r>
           </a:p>
           <a:p>
             <a:pPr algn="l"/>
             <a:r>
-              <a:rPr lang="en-US" b="1" dirty="0" err="1" smtClean="0"/>
+              <a:rPr lang="en-US" b="1" dirty="0" err="1"/>
               <a:t>list.add</a:t>
             </a:r>
             <a:r>
-              <a:rPr lang="en-US" b="1" dirty="0" smtClean="0"/>
+              <a:rPr lang="en-US" b="1" dirty="0"/>
               <a:t>(5); </a:t>
             </a:r>
           </a:p>
           <a:p>
             <a:pPr algn="l"/>
             <a:r>
-              <a:rPr lang="en-US" b="1" dirty="0" err="1" smtClean="0"/>
+              <a:rPr lang="en-US" b="1" dirty="0" err="1"/>
               <a:t>list.add</a:t>
             </a:r>
             <a:r>
-              <a:rPr lang="en-US" b="1" dirty="0" smtClean="0"/>
+              <a:rPr lang="en-US" b="1" dirty="0"/>
               <a:t>(9);</a:t>
             </a:r>
           </a:p>
           <a:p>
             <a:pPr algn="l"/>
             <a:r>
-              <a:rPr lang="en-US" b="1" dirty="0" err="1" smtClean="0"/>
+              <a:rPr lang="en-US" b="1" dirty="0" err="1"/>
               <a:t>list.add</a:t>
             </a:r>
             <a:r>
-              <a:rPr lang="en-US" b="1" dirty="0" smtClean="0"/>
+              <a:rPr lang="en-US" b="1" dirty="0"/>
               <a:t>(7);</a:t>
             </a:r>
-            <a:endParaRPr lang="en-US" b="1" dirty="0"/>
           </a:p>
           <a:p>
             <a:pPr marL="0" marR="0" indent="0" algn="l" defTabSz="584200" rtl="0" fontAlgn="auto" latinLnBrk="0" hangingPunct="0">
@@ -8170,7 +7971,7 @@
               <a:tabLst/>
             </a:pPr>
             <a:r>
-              <a:rPr kumimoji="0" lang="en-US" sz="3600" b="1" i="0" u="none" strike="noStrike" cap="none" spc="0" normalizeH="0" baseline="0" dirty="0" smtClean="0">
+              <a:rPr kumimoji="0" lang="en-US" sz="3600" b="1" i="0" u="none" strike="noStrike" cap="none" spc="0" normalizeH="0" baseline="0" dirty="0">
                 <a:ln>
                   <a:noFill/>
                 </a:ln>
@@ -8184,7 +7985,7 @@
               <a:t>assert </a:t>
             </a:r>
             <a:r>
-              <a:rPr kumimoji="0" lang="en-US" sz="3600" b="1" i="0" u="none" strike="noStrike" cap="none" spc="0" normalizeH="0" baseline="0" dirty="0" err="1" smtClean="0">
+              <a:rPr kumimoji="0" lang="en-US" sz="3600" b="1" i="0" u="none" strike="noStrike" cap="none" spc="0" normalizeH="0" baseline="0" dirty="0" err="1">
                 <a:ln>
                   <a:noFill/>
                 </a:ln>
@@ -8198,7 +7999,7 @@
               <a:t>list.size</a:t>
             </a:r>
             <a:r>
-              <a:rPr kumimoji="0" lang="en-US" sz="3600" b="1" i="0" u="none" strike="noStrike" cap="none" spc="0" normalizeH="0" baseline="0" dirty="0" smtClean="0">
+              <a:rPr kumimoji="0" lang="en-US" sz="3600" b="1" i="0" u="none" strike="noStrike" cap="none" spc="0" normalizeH="0" baseline="0" dirty="0">
                 <a:ln>
                   <a:noFill/>
                 </a:ln>
@@ -8212,7 +8013,7 @@
               <a:t>()</a:t>
             </a:r>
             <a:r>
-              <a:rPr kumimoji="0" lang="en-US" sz="3600" b="1" i="0" u="none" strike="noStrike" cap="none" spc="0" normalizeH="0" dirty="0" smtClean="0">
+              <a:rPr kumimoji="0" lang="en-US" sz="3600" b="1" i="0" u="none" strike="noStrike" cap="none" spc="0" normalizeH="0" dirty="0">
                 <a:ln>
                   <a:noFill/>
                 </a:ln>
@@ -8307,10 +8108,9 @@
                     <a:lstStyle/>
                     <a:p>
                       <a:r>
-                        <a:rPr lang="en-US" sz="2800" dirty="0" smtClean="0"/>
+                        <a:rPr lang="en-US" sz="2800" dirty="0"/>
                         <a:t>[0]</a:t>
                       </a:r>
-                      <a:endParaRPr lang="en-US" sz="2800" dirty="0"/>
                     </a:p>
                   </a:txBody>
                   <a:tcPr/>
@@ -8321,10 +8121,9 @@
                     <a:lstStyle/>
                     <a:p>
                       <a:r>
-                        <a:rPr lang="en-US" sz="2800" dirty="0" smtClean="0"/>
+                        <a:rPr lang="en-US" sz="2800" dirty="0"/>
                         <a:t>[1]</a:t>
                       </a:r>
-                      <a:endParaRPr lang="en-US" sz="2800" dirty="0"/>
                     </a:p>
                   </a:txBody>
                   <a:tcPr/>
@@ -8335,10 +8134,9 @@
                     <a:lstStyle/>
                     <a:p>
                       <a:r>
-                        <a:rPr lang="en-US" sz="2800" dirty="0" smtClean="0"/>
+                        <a:rPr lang="en-US" sz="2800" dirty="0"/>
                         <a:t>[2]</a:t>
                       </a:r>
-                      <a:endParaRPr lang="en-US" sz="2800" dirty="0"/>
                     </a:p>
                   </a:txBody>
                   <a:tcPr/>
@@ -8349,10 +8147,9 @@
                     <a:lstStyle/>
                     <a:p>
                       <a:r>
-                        <a:rPr lang="en-US" sz="2800" dirty="0" smtClean="0"/>
+                        <a:rPr lang="en-US" sz="2800" dirty="0"/>
                         <a:t>[3]</a:t>
                       </a:r>
-                      <a:endParaRPr lang="en-US" sz="2800" dirty="0"/>
                     </a:p>
                   </a:txBody>
                   <a:tcPr/>
@@ -8363,10 +8160,9 @@
                     <a:lstStyle/>
                     <a:p>
                       <a:r>
-                        <a:rPr lang="en-US" sz="2800" dirty="0" smtClean="0"/>
+                        <a:rPr lang="en-US" sz="2800" dirty="0"/>
                         <a:t>[4]</a:t>
                       </a:r>
-                      <a:endParaRPr lang="en-US" sz="2800" dirty="0"/>
                     </a:p>
                   </a:txBody>
                   <a:tcPr/>
@@ -8384,10 +8180,9 @@
                     <a:lstStyle/>
                     <a:p>
                       <a:r>
-                        <a:rPr lang="en-US" sz="2800" dirty="0" smtClean="0"/>
+                        <a:rPr lang="en-US" sz="2800" dirty="0"/>
                         <a:t>5</a:t>
                       </a:r>
-                      <a:endParaRPr lang="en-US" sz="2800" dirty="0"/>
                     </a:p>
                   </a:txBody>
                   <a:tcPr/>
@@ -8398,10 +8193,9 @@
                     <a:lstStyle/>
                     <a:p>
                       <a:r>
-                        <a:rPr lang="en-US" sz="2800" dirty="0" smtClean="0"/>
+                        <a:rPr lang="en-US" sz="2800" dirty="0"/>
                         <a:t>9</a:t>
                       </a:r>
-                      <a:endParaRPr lang="en-US" sz="2800" dirty="0"/>
                     </a:p>
                   </a:txBody>
                   <a:tcPr/>
@@ -8412,10 +8206,9 @@
                     <a:lstStyle/>
                     <a:p>
                       <a:r>
-                        <a:rPr lang="en-US" sz="2800" dirty="0" smtClean="0"/>
+                        <a:rPr lang="en-US" sz="2800" dirty="0"/>
                         <a:t>7</a:t>
                       </a:r>
-                      <a:endParaRPr lang="en-US" sz="2800" dirty="0"/>
                     </a:p>
                   </a:txBody>
                   <a:tcPr/>
@@ -8504,7 +8297,7 @@
           <a:lstStyle/>
           <a:p>
             <a:r>
-              <a:rPr lang="en-US" dirty="0" err="1" smtClean="0"/>
+              <a:rPr lang="en-US" dirty="0" err="1"/>
               <a:t>LinkedList</a:t>
             </a:r>
             <a:endParaRPr lang="en-US" dirty="0"/>
@@ -8539,15 +8332,15 @@
               </a:spcBef>
             </a:pPr>
             <a:r>
-              <a:rPr lang="en-US" dirty="0" smtClean="0"/>
+              <a:rPr lang="en-US" dirty="0"/>
               <a:t>A </a:t>
             </a:r>
             <a:r>
-              <a:rPr lang="en-US" i="1" dirty="0" smtClean="0"/>
+              <a:rPr lang="en-US" i="1" dirty="0"/>
               <a:t>node</a:t>
             </a:r>
             <a:r>
-              <a:rPr lang="en-US" dirty="0" smtClean="0"/>
+              <a:rPr lang="en-US" dirty="0"/>
               <a:t> for each element (they are objects)</a:t>
             </a:r>
           </a:p>
@@ -8558,27 +8351,27 @@
               </a:spcBef>
             </a:pPr>
             <a:r>
-              <a:rPr lang="en-US" i="1" dirty="0" smtClean="0"/>
+              <a:rPr lang="en-US" i="1" dirty="0"/>
               <a:t>Links</a:t>
             </a:r>
             <a:r>
-              <a:rPr lang="en-US" dirty="0" smtClean="0"/>
+              <a:rPr lang="en-US" dirty="0"/>
               <a:t> from node to node (</a:t>
             </a:r>
             <a:r>
-              <a:rPr lang="en-US" dirty="0" err="1" smtClean="0"/>
+              <a:rPr lang="en-US" dirty="0" err="1"/>
               <a:t>eg</a:t>
             </a:r>
             <a:r>
-              <a:rPr lang="en-US" dirty="0" smtClean="0"/>
+              <a:rPr lang="en-US" dirty="0"/>
               <a:t>, in a </a:t>
             </a:r>
             <a:r>
-              <a:rPr lang="en-US" i="1" dirty="0" smtClean="0"/>
+              <a:rPr lang="en-US" i="1" dirty="0"/>
               <a:t>next</a:t>
             </a:r>
             <a:r>
-              <a:rPr lang="en-US" dirty="0" smtClean="0"/>
+              <a:rPr lang="en-US" dirty="0"/>
               <a:t> field)</a:t>
             </a:r>
           </a:p>
@@ -8602,19 +8395,7 @@
             </a:r>
             <a:r>
               <a:rPr lang="en-US" dirty="0"/>
-              <a:t> </a:t>
-            </a:r>
-            <a:r>
-              <a:rPr lang="en-US" dirty="0" smtClean="0"/>
-              <a:t>link to </a:t>
-            </a:r>
-            <a:r>
-              <a:rPr lang="en-US" dirty="0"/>
-              <a:t>first node in the </a:t>
-            </a:r>
-            <a:r>
-              <a:rPr lang="en-US" dirty="0" smtClean="0"/>
-              <a:t>list</a:t>
+              <a:t> link to first node in the list</a:t>
             </a:r>
           </a:p>
           <a:p>
@@ -8624,7 +8405,7 @@
               </a:spcBef>
             </a:pPr>
             <a:r>
-              <a:rPr lang="en-US" dirty="0" smtClean="0"/>
+              <a:rPr lang="en-US" dirty="0"/>
               <a:t>Dynamic, not fixed size</a:t>
             </a:r>
           </a:p>
@@ -8635,7 +8416,7 @@
               </a:spcBef>
             </a:pPr>
             <a:r>
-              <a:rPr lang="en-US" dirty="0" smtClean="0"/>
+              <a:rPr lang="en-US" dirty="0"/>
               <a:t>Accessing elements more difficult, as need to traverse the links</a:t>
             </a:r>
           </a:p>
@@ -8646,27 +8427,27 @@
               </a:spcBef>
             </a:pPr>
             <a:r>
-              <a:rPr lang="en-US" dirty="0" smtClean="0"/>
+              <a:rPr lang="en-US" dirty="0"/>
               <a:t>Going into more details on </a:t>
             </a:r>
             <a:r>
-              <a:rPr lang="en-US" i="1" dirty="0" smtClean="0"/>
+              <a:rPr lang="en-US" i="1" dirty="0"/>
               <a:t>links</a:t>
             </a:r>
             <a:r>
-              <a:rPr lang="en-US" dirty="0" smtClean="0"/>
+              <a:rPr lang="en-US" dirty="0"/>
               <a:t> and </a:t>
             </a:r>
             <a:r>
-              <a:rPr lang="en-US" i="1" dirty="0" smtClean="0"/>
+              <a:rPr lang="en-US" i="1" dirty="0"/>
               <a:t>memory</a:t>
             </a:r>
             <a:r>
-              <a:rPr lang="en-US" dirty="0" smtClean="0"/>
+              <a:rPr lang="en-US" dirty="0"/>
               <a:t> in the </a:t>
             </a:r>
             <a:r>
-              <a:rPr lang="en-US" i="1" dirty="0" smtClean="0"/>
+              <a:rPr lang="en-US" i="1" dirty="0"/>
               <a:t>next class</a:t>
             </a:r>
           </a:p>
@@ -8678,14 +8459,10 @@
             </a:pPr>
             <a:r>
               <a:rPr lang="en-US" dirty="0"/>
-              <a:t>r</a:t>
-            </a:r>
-            <a:r>
-              <a:rPr lang="en-US" dirty="0" smtClean="0"/>
-              <a:t>eason is that you first need to learn about </a:t>
-            </a:r>
-            <a:r>
-              <a:rPr lang="en-US" i="1" dirty="0" smtClean="0"/>
+              <a:t>reason is that you first need to learn about </a:t>
+            </a:r>
+            <a:r>
+              <a:rPr lang="en-US" i="1" dirty="0"/>
               <a:t>Stacks</a:t>
             </a:r>
           </a:p>
@@ -8696,10 +8473,9 @@
               </a:spcBef>
             </a:pPr>
             <a:r>
-              <a:rPr lang="en-US" dirty="0" smtClean="0"/>
+              <a:rPr lang="en-US" dirty="0"/>
               <a:t>so in this class we only start to see a subset of functionalities for linked lists</a:t>
             </a:r>
-            <a:endParaRPr lang="en-US" dirty="0"/>
           </a:p>
         </p:txBody>
       </p:sp>
@@ -8743,10 +8519,9 @@
                     <a:lstStyle/>
                     <a:p>
                       <a:r>
-                        <a:rPr lang="en-US" sz="2800" dirty="0" smtClean="0"/>
+                        <a:rPr lang="en-US" sz="2800" dirty="0"/>
                         <a:t>5</a:t>
                       </a:r>
-                      <a:endParaRPr lang="en-US" sz="2800" dirty="0"/>
                     </a:p>
                   </a:txBody>
                   <a:tcPr/>
@@ -8764,10 +8539,9 @@
                     <a:lstStyle/>
                     <a:p>
                       <a:r>
-                        <a:rPr lang="en-US" sz="2800" dirty="0" smtClean="0"/>
+                        <a:rPr lang="en-US" sz="2800" dirty="0"/>
                         <a:t>next</a:t>
                       </a:r>
-                      <a:endParaRPr lang="en-US" sz="2800" dirty="0"/>
                     </a:p>
                   </a:txBody>
                   <a:tcPr/>
@@ -8822,10 +8596,9 @@
                     <a:lstStyle/>
                     <a:p>
                       <a:r>
-                        <a:rPr lang="en-US" sz="2800" dirty="0" smtClean="0"/>
+                        <a:rPr lang="en-US" sz="2800" dirty="0"/>
                         <a:t>7</a:t>
                       </a:r>
-                      <a:endParaRPr lang="en-US" sz="2800" dirty="0"/>
                     </a:p>
                   </a:txBody>
                   <a:tcPr/>
@@ -8843,10 +8616,9 @@
                     <a:lstStyle/>
                     <a:p>
                       <a:r>
-                        <a:rPr lang="en-US" sz="2800" dirty="0" smtClean="0"/>
+                        <a:rPr lang="en-US" sz="2800" dirty="0"/>
                         <a:t>next</a:t>
                       </a:r>
-                      <a:endParaRPr lang="en-US" sz="2800" dirty="0"/>
                     </a:p>
                   </a:txBody>
                   <a:tcPr/>
@@ -8901,7 +8673,7 @@
                     <a:lstStyle/>
                     <a:p>
                       <a:r>
-                        <a:rPr lang="en-US" sz="2800" dirty="0" err="1" smtClean="0"/>
+                        <a:rPr lang="en-US" sz="2800" dirty="0" err="1"/>
                         <a:t>LinkedList</a:t>
                       </a:r>
                       <a:endParaRPr lang="en-US" sz="2800" dirty="0"/>
@@ -8922,10 +8694,9 @@
                     <a:lstStyle/>
                     <a:p>
                       <a:r>
-                        <a:rPr lang="en-US" sz="2800" dirty="0" smtClean="0"/>
+                        <a:rPr lang="en-US" sz="2800" dirty="0"/>
                         <a:t>head</a:t>
                       </a:r>
-                      <a:endParaRPr lang="en-US" sz="2800" dirty="0"/>
                     </a:p>
                   </a:txBody>
                   <a:tcPr/>
@@ -9246,7 +9017,7 @@
               <a:tabLst/>
             </a:pPr>
             <a:r>
-              <a:rPr kumimoji="0" lang="en-US" sz="3600" b="0" i="0" u="none" strike="noStrike" cap="none" spc="0" normalizeH="0" baseline="0" dirty="0" smtClean="0">
+              <a:rPr kumimoji="0" lang="en-US" sz="3600" b="0" i="0" u="none" strike="noStrike" cap="none" spc="0" normalizeH="0" baseline="0" dirty="0">
                 <a:ln>
                   <a:noFill/>
                 </a:ln>
@@ -9262,20 +9033,6 @@
               </a:rPr>
               <a:t>NULL</a:t>
             </a:r>
-            <a:endParaRPr kumimoji="0" lang="en-US" sz="3600" b="0" i="0" u="none" strike="noStrike" cap="none" spc="0" normalizeH="0" baseline="0" dirty="0">
-              <a:ln>
-                <a:noFill/>
-              </a:ln>
-              <a:solidFill>
-                <a:srgbClr val="000000"/>
-              </a:solidFill>
-              <a:effectLst/>
-              <a:uFillTx/>
-              <a:latin typeface="+mn-lt"/>
-              <a:ea typeface="+mn-ea"/>
-              <a:cs typeface="+mn-cs"/>
-              <a:sym typeface="Helvetica Light"/>
-            </a:endParaRPr>
           </a:p>
         </p:txBody>
       </p:sp>
@@ -9319,10 +9076,9 @@
                     <a:lstStyle/>
                     <a:p>
                       <a:r>
-                        <a:rPr lang="en-US" sz="2800" dirty="0" smtClean="0"/>
+                        <a:rPr lang="en-US" sz="2800" dirty="0"/>
                         <a:t>9</a:t>
                       </a:r>
-                      <a:endParaRPr lang="en-US" sz="2800" dirty="0"/>
                     </a:p>
                   </a:txBody>
                   <a:tcPr/>
@@ -9340,10 +9096,9 @@
                     <a:lstStyle/>
                     <a:p>
                       <a:r>
-                        <a:rPr lang="en-US" sz="2800" dirty="0" smtClean="0"/>
+                        <a:rPr lang="en-US" sz="2800" dirty="0"/>
                         <a:t>next</a:t>
                       </a:r>
-                      <a:endParaRPr lang="en-US" sz="2800" dirty="0"/>
                     </a:p>
                   </a:txBody>
                   <a:tcPr/>
@@ -9488,10 +9243,9 @@
           <a:lstStyle/>
           <a:p>
             <a:r>
-              <a:rPr lang="en-US" dirty="0" smtClean="0"/>
+              <a:rPr lang="en-US" dirty="0"/>
               <a:t>Unit Testing</a:t>
             </a:r>
-            <a:endParaRPr lang="en-US" dirty="0"/>
           </a:p>
         </p:txBody>
       </p:sp>
@@ -9542,10 +9296,9 @@
           <a:lstStyle/>
           <a:p>
             <a:r>
-              <a:rPr lang="en-US" dirty="0" smtClean="0"/>
+              <a:rPr lang="en-US" dirty="0"/>
               <a:t>Bugs</a:t>
             </a:r>
-            <a:endParaRPr lang="en-US" dirty="0"/>
           </a:p>
         </p:txBody>
       </p:sp>
@@ -9570,37 +9323,36 @@
           <a:lstStyle/>
           <a:p>
             <a:r>
-              <a:rPr lang="en-US" dirty="0" smtClean="0"/>
+              <a:rPr lang="en-US" dirty="0"/>
               <a:t>Software has bugs, </a:t>
             </a:r>
             <a:r>
-              <a:rPr lang="en-US" dirty="0" err="1" smtClean="0"/>
+              <a:rPr lang="en-US" dirty="0" err="1"/>
               <a:t>ie</a:t>
             </a:r>
             <a:r>
-              <a:rPr lang="en-US" dirty="0" smtClean="0"/>
+              <a:rPr lang="en-US" dirty="0"/>
               <a:t>, errors/mistakes</a:t>
             </a:r>
           </a:p>
           <a:p>
             <a:r>
-              <a:rPr lang="en-US" dirty="0" smtClean="0"/>
+              <a:rPr lang="en-US" dirty="0"/>
               <a:t>Not just students, but also professional engineers with decades of experiences make mistakes, quite often…</a:t>
             </a:r>
           </a:p>
           <a:p>
             <a:pPr lvl="1"/>
             <a:r>
-              <a:rPr lang="en-US" dirty="0" smtClean="0"/>
+              <a:rPr lang="en-US" dirty="0"/>
               <a:t>not necessarily because they are bad, but just that code nowadays can become very, very complex</a:t>
             </a:r>
           </a:p>
           <a:p>
             <a:r>
-              <a:rPr lang="en-US" dirty="0" smtClean="0"/>
+              <a:rPr lang="en-US" dirty="0"/>
               <a:t>You want to check if the code you write is actually doing what it is supposed to do</a:t>
             </a:r>
-            <a:endParaRPr lang="en-US" dirty="0"/>
           </a:p>
         </p:txBody>
       </p:sp>
@@ -9656,10 +9408,9 @@
           <a:lstStyle/>
           <a:p>
             <a:r>
-              <a:rPr lang="en-US" dirty="0" smtClean="0"/>
+              <a:rPr lang="en-US" dirty="0"/>
               <a:t>Testing</a:t>
             </a:r>
-            <a:endParaRPr lang="en-US" dirty="0"/>
           </a:p>
         </p:txBody>
       </p:sp>
@@ -9684,54 +9435,53 @@
           <a:lstStyle/>
           <a:p>
             <a:r>
-              <a:rPr lang="en-US" dirty="0" smtClean="0"/>
+              <a:rPr lang="en-US" dirty="0"/>
               <a:t>Cannot guarantee the code is correct, but can increase your confidence in it</a:t>
             </a:r>
           </a:p>
           <a:p>
             <a:r>
-              <a:rPr lang="en-US" dirty="0" smtClean="0"/>
+              <a:rPr lang="en-US" dirty="0"/>
               <a:t>You want the checking of your code to be automated</a:t>
             </a:r>
           </a:p>
           <a:p>
             <a:r>
-              <a:rPr lang="en-US" dirty="0" smtClean="0"/>
+              <a:rPr lang="en-US" dirty="0"/>
               <a:t>In each test case, you </a:t>
             </a:r>
             <a:r>
-              <a:rPr lang="en-US" b="1" dirty="0" smtClean="0"/>
+              <a:rPr lang="en-US" b="1" dirty="0"/>
               <a:t>verify</a:t>
             </a:r>
             <a:r>
-              <a:rPr lang="en-US" dirty="0" smtClean="0"/>
+              <a:rPr lang="en-US" dirty="0"/>
               <a:t> the </a:t>
             </a:r>
             <a:r>
-              <a:rPr lang="en-US" b="1" dirty="0" smtClean="0"/>
+              <a:rPr lang="en-US" b="1" dirty="0"/>
               <a:t>output</a:t>
             </a:r>
             <a:r>
-              <a:rPr lang="en-US" dirty="0" smtClean="0"/>
+              <a:rPr lang="en-US" dirty="0"/>
               <a:t> generated when you run the </a:t>
             </a:r>
             <a:r>
-              <a:rPr lang="en-US" b="1" dirty="0" smtClean="0"/>
+              <a:rPr lang="en-US" b="1" dirty="0"/>
               <a:t>code</a:t>
             </a:r>
             <a:r>
-              <a:rPr lang="en-US" dirty="0" smtClean="0"/>
+              <a:rPr lang="en-US" dirty="0"/>
               <a:t> with the </a:t>
             </a:r>
             <a:r>
-              <a:rPr lang="en-US" b="1" dirty="0" smtClean="0"/>
+              <a:rPr lang="en-US" b="1" dirty="0"/>
               <a:t>inputs</a:t>
             </a:r>
             <a:r>
-              <a:rPr lang="en-US" dirty="0" smtClean="0"/>
+              <a:rPr lang="en-US" dirty="0"/>
               <a:t> of your choice</a:t>
             </a:r>
-            <a:endParaRPr lang="en-US" dirty="0"/>
           </a:p>
         </p:txBody>
       </p:sp>
@@ -9803,7 +9553,7 @@
               <a:tabLst/>
             </a:pPr>
             <a:r>
-              <a:rPr lang="en-US" dirty="0" smtClean="0"/>
+              <a:rPr lang="en-US" dirty="0"/>
               <a:t>Inputs of your choice</a:t>
             </a:r>
             <a:endParaRPr kumimoji="0" lang="en-US" sz="2800" b="0" i="0" u="none" strike="noStrike" cap="none" spc="0" normalizeH="0" baseline="0" dirty="0">
@@ -9888,7 +9638,7 @@
               <a:tabLst/>
             </a:pPr>
             <a:r>
-              <a:rPr lang="en-US" dirty="0" smtClean="0"/>
+              <a:rPr lang="en-US" dirty="0"/>
               <a:t>The code you want to test</a:t>
             </a:r>
             <a:endParaRPr kumimoji="0" lang="en-US" sz="2800" b="0" i="0" u="none" strike="noStrike" cap="none" spc="0" normalizeH="0" baseline="0" dirty="0">
@@ -9973,7 +9723,7 @@
               <a:tabLst/>
             </a:pPr>
             <a:r>
-              <a:rPr lang="en-US" dirty="0" smtClean="0"/>
+              <a:rPr lang="en-US" dirty="0"/>
               <a:t>Produced output</a:t>
             </a:r>
             <a:endParaRPr kumimoji="0" lang="en-US" sz="2800" b="0" i="0" u="none" strike="noStrike" cap="none" spc="0" normalizeH="0" baseline="0" dirty="0">
@@ -10061,7 +9811,7 @@
               <a:tabLst/>
             </a:pPr>
             <a:r>
-              <a:rPr lang="en-US" dirty="0" smtClean="0"/>
+              <a:rPr lang="en-US" dirty="0"/>
               <a:t>Verify output</a:t>
             </a:r>
             <a:endParaRPr kumimoji="0" lang="en-US" sz="2800" b="0" i="0" u="none" strike="noStrike" cap="none" spc="0" normalizeH="0" baseline="0" dirty="0">
@@ -10371,10 +10121,9 @@
           <a:lstStyle/>
           <a:p>
             <a:r>
-              <a:rPr lang="en-US" dirty="0" smtClean="0"/>
+              <a:rPr lang="en-US" dirty="0"/>
               <a:t>Writing Unit Tests</a:t>
             </a:r>
-            <a:endParaRPr lang="en-US" dirty="0"/>
           </a:p>
         </p:txBody>
       </p:sp>
@@ -10401,102 +10150,94 @@
           <a:lstStyle/>
           <a:p>
             <a:r>
-              <a:rPr lang="en-US" dirty="0" smtClean="0"/>
+              <a:rPr lang="en-US" dirty="0"/>
               <a:t>Using a library called </a:t>
             </a:r>
             <a:r>
-              <a:rPr lang="en-US" b="1" dirty="0" smtClean="0"/>
+              <a:rPr lang="en-US" b="1" dirty="0"/>
               <a:t>JUnit</a:t>
             </a:r>
           </a:p>
           <a:p>
             <a:pPr lvl="1"/>
             <a:r>
-              <a:rPr lang="en-US" dirty="0" smtClean="0"/>
+              <a:rPr lang="en-US" dirty="0"/>
               <a:t>Note: how to configure </a:t>
             </a:r>
             <a:r>
-              <a:rPr lang="en-US" i="1" dirty="0" smtClean="0"/>
+              <a:rPr lang="en-US" i="1" dirty="0"/>
               <a:t>Maven</a:t>
             </a:r>
             <a:r>
-              <a:rPr lang="en-US" dirty="0" smtClean="0"/>
+              <a:rPr lang="en-US" dirty="0"/>
               <a:t> to import third-party libraries is not part of this course (and so not on the exam), but you can ask me in the breaks if you are curious (for some of you, we will dig into its low level details in Enterprise Programming 1 next semester)</a:t>
             </a:r>
           </a:p>
           <a:p>
             <a:r>
-              <a:rPr lang="en-US" dirty="0" smtClean="0"/>
+              <a:rPr lang="en-US" dirty="0"/>
               <a:t>Regular code in “</a:t>
             </a:r>
             <a:r>
-              <a:rPr lang="en-US" i="1" dirty="0" err="1" smtClean="0"/>
+              <a:rPr lang="en-US" i="1" dirty="0" err="1"/>
               <a:t>src</a:t>
             </a:r>
             <a:r>
-              <a:rPr lang="en-US" i="1" dirty="0" smtClean="0"/>
+              <a:rPr lang="en-US" i="1" dirty="0"/>
               <a:t>/main/java</a:t>
             </a:r>
             <a:r>
-              <a:rPr lang="en-US" dirty="0" smtClean="0"/>
+              <a:rPr lang="en-US" dirty="0"/>
               <a:t>” folder</a:t>
             </a:r>
           </a:p>
           <a:p>
             <a:r>
-              <a:rPr lang="en-US" dirty="0" smtClean="0"/>
-              <a:t>Test </a:t>
-            </a:r>
-            <a:r>
-              <a:rPr lang="en-US" dirty="0"/>
-              <a:t>code in “</a:t>
-            </a:r>
-            <a:r>
-              <a:rPr lang="en-US" i="1" dirty="0" err="1" smtClean="0"/>
+              <a:rPr lang="en-US" dirty="0"/>
+              <a:t>Test code in “</a:t>
+            </a:r>
+            <a:r>
+              <a:rPr lang="en-US" i="1" dirty="0" err="1"/>
               <a:t>src</a:t>
             </a:r>
             <a:r>
-              <a:rPr lang="en-US" i="1" dirty="0" smtClean="0"/>
+              <a:rPr lang="en-US" i="1" dirty="0"/>
               <a:t>/test/java</a:t>
             </a:r>
             <a:r>
               <a:rPr lang="en-US" dirty="0"/>
-              <a:t>” </a:t>
-            </a:r>
-            <a:r>
-              <a:rPr lang="en-US" dirty="0" smtClean="0"/>
-              <a:t>folder</a:t>
-            </a:r>
-          </a:p>
-          <a:p>
-            <a:r>
-              <a:rPr lang="en-US" dirty="0" smtClean="0"/>
+              <a:t>” folder</a:t>
+            </a:r>
+          </a:p>
+          <a:p>
+            <a:r>
+              <a:rPr lang="en-US" dirty="0"/>
               <a:t>A test class is just a Java class with </a:t>
             </a:r>
             <a:r>
-              <a:rPr lang="en-US" i="1" dirty="0" smtClean="0"/>
+              <a:rPr lang="en-US" i="1" dirty="0"/>
               <a:t>@ annotations</a:t>
             </a:r>
           </a:p>
           <a:p>
             <a:r>
-              <a:rPr lang="en-US" dirty="0" smtClean="0"/>
+              <a:rPr lang="en-US" dirty="0"/>
               <a:t>A test class for a class called </a:t>
             </a:r>
             <a:r>
-              <a:rPr lang="en-US" i="1" dirty="0" smtClean="0"/>
+              <a:rPr lang="en-US" i="1" dirty="0"/>
               <a:t>Foo.java</a:t>
             </a:r>
             <a:r>
-              <a:rPr lang="en-US" dirty="0" smtClean="0"/>
+              <a:rPr lang="en-US" dirty="0"/>
               <a:t> will be called </a:t>
             </a:r>
             <a:r>
-              <a:rPr lang="en-US" i="1" dirty="0" smtClean="0"/>
+              <a:rPr lang="en-US" i="1" dirty="0"/>
               <a:t>FooTest.java</a:t>
             </a:r>
             <a:r>
-              <a:rPr lang="en-US" dirty="0" smtClean="0"/>
+              <a:rPr lang="en-US" dirty="0"/>
               <a:t>, in the same package</a:t>
             </a:r>
             <a:endParaRPr lang="en-US" i="1" dirty="0"/>
@@ -10550,10 +10291,9 @@
           <a:lstStyle/>
           <a:p>
             <a:r>
-              <a:rPr lang="en-US" dirty="0" smtClean="0"/>
+              <a:rPr lang="en-US" dirty="0"/>
               <a:t>Main @ Annotations</a:t>
             </a:r>
-            <a:endParaRPr lang="en-US" dirty="0"/>
           </a:p>
         </p:txBody>
       </p:sp>
@@ -10573,11 +10313,11 @@
           <a:lstStyle/>
           <a:p>
             <a:r>
-              <a:rPr lang="en-US" b="1" dirty="0" smtClean="0"/>
+              <a:rPr lang="en-US" b="1" dirty="0"/>
               <a:t>@Test</a:t>
             </a:r>
             <a:r>
-              <a:rPr lang="en-US" dirty="0" smtClean="0"/>
+              <a:rPr lang="en-US" dirty="0"/>
               <a:t>: mark a method as a test</a:t>
             </a:r>
           </a:p>
@@ -10587,64 +10327,63 @@
               <a:t>@</a:t>
             </a:r>
             <a:r>
-              <a:rPr lang="en-US" b="1" dirty="0" err="1" smtClean="0"/>
+              <a:rPr lang="en-US" b="1" dirty="0" err="1"/>
               <a:t>BeforeEach</a:t>
             </a:r>
             <a:r>
-              <a:rPr lang="en-US" dirty="0" smtClean="0"/>
+              <a:rPr lang="en-US" dirty="0"/>
               <a:t>: execute method before each test</a:t>
             </a:r>
           </a:p>
           <a:p>
             <a:r>
-              <a:rPr lang="en-US" b="1" dirty="0" smtClean="0"/>
+              <a:rPr lang="en-US" b="1" dirty="0"/>
               <a:t>@</a:t>
             </a:r>
             <a:r>
-              <a:rPr lang="en-US" b="1" dirty="0" err="1" smtClean="0"/>
+              <a:rPr lang="en-US" b="1" dirty="0" err="1"/>
               <a:t>BeforeAll</a:t>
             </a:r>
             <a:r>
-              <a:rPr lang="en-US" dirty="0" smtClean="0"/>
+              <a:rPr lang="en-US" dirty="0"/>
               <a:t>: execute method once before any of the tests is started</a:t>
             </a:r>
           </a:p>
           <a:p>
             <a:r>
-              <a:rPr lang="en-US" b="1" dirty="0" smtClean="0"/>
+              <a:rPr lang="en-US" b="1" dirty="0"/>
               <a:t>@</a:t>
             </a:r>
             <a:r>
-              <a:rPr lang="en-US" b="1" dirty="0" err="1" smtClean="0"/>
+              <a:rPr lang="en-US" b="1" dirty="0" err="1"/>
               <a:t>AfterEach</a:t>
             </a:r>
             <a:r>
-              <a:rPr lang="en-US" dirty="0" smtClean="0"/>
+              <a:rPr lang="en-US" dirty="0"/>
               <a:t>, </a:t>
             </a:r>
             <a:r>
-              <a:rPr lang="en-US" b="1" dirty="0" smtClean="0"/>
+              <a:rPr lang="en-US" b="1" dirty="0"/>
               <a:t>@</a:t>
             </a:r>
             <a:r>
-              <a:rPr lang="en-US" b="1" dirty="0" err="1" smtClean="0"/>
+              <a:rPr lang="en-US" b="1" dirty="0" err="1"/>
               <a:t>AfterAll</a:t>
             </a:r>
             <a:r>
-              <a:rPr lang="en-US" dirty="0" smtClean="0"/>
+              <a:rPr lang="en-US" dirty="0"/>
               <a:t>: same, but after the tests </a:t>
             </a:r>
           </a:p>
           <a:p>
             <a:r>
-              <a:rPr lang="en-US" b="1" dirty="0" smtClean="0"/>
+              <a:rPr lang="en-US" b="1" dirty="0"/>
               <a:t>@Disable</a:t>
             </a:r>
             <a:r>
-              <a:rPr lang="en-US" dirty="0" smtClean="0"/>
+              <a:rPr lang="en-US" dirty="0"/>
               <a:t>: temporarily disable a test, which is not going to be run</a:t>
             </a:r>
-            <a:endParaRPr lang="en-US" dirty="0"/>
           </a:p>
         </p:txBody>
       </p:sp>
@@ -10695,10 +10434,9 @@
           <a:lstStyle/>
           <a:p>
             <a:r>
-              <a:rPr lang="en-US" dirty="0" smtClean="0"/>
+              <a:rPr lang="en-US" dirty="0"/>
               <a:t>Assertions</a:t>
             </a:r>
-            <a:endParaRPr lang="en-US" dirty="0"/>
           </a:p>
         </p:txBody>
       </p:sp>
@@ -10730,15 +10468,15 @@
               </a:spcBef>
             </a:pPr>
             <a:r>
-              <a:rPr lang="en-US" dirty="0" smtClean="0"/>
+              <a:rPr lang="en-US" dirty="0"/>
               <a:t>When you have an output, you need to </a:t>
             </a:r>
             <a:r>
-              <a:rPr lang="en-US" i="1" dirty="0" smtClean="0"/>
+              <a:rPr lang="en-US" i="1" dirty="0"/>
               <a:t>verify</a:t>
             </a:r>
             <a:r>
-              <a:rPr lang="en-US" dirty="0" smtClean="0"/>
+              <a:rPr lang="en-US" dirty="0"/>
               <a:t> if correct</a:t>
             </a:r>
           </a:p>
@@ -10749,7 +10487,7 @@
               </a:spcBef>
             </a:pPr>
             <a:r>
-              <a:rPr lang="en-US" dirty="0" smtClean="0"/>
+              <a:rPr lang="en-US" dirty="0"/>
               <a:t>Extra code (assertion methods) that throws an error if the output is not equal to the expected one</a:t>
             </a:r>
           </a:p>
@@ -10760,11 +10498,11 @@
               </a:spcBef>
             </a:pPr>
             <a:r>
-              <a:rPr lang="en-US" i="1" dirty="0" err="1" smtClean="0"/>
+              <a:rPr lang="en-US" i="1" dirty="0" err="1"/>
               <a:t>assertEquals</a:t>
             </a:r>
             <a:r>
-              <a:rPr lang="en-US" i="1" dirty="0" smtClean="0"/>
+              <a:rPr lang="en-US" i="1" dirty="0"/>
               <a:t>(expected, output)</a:t>
             </a:r>
           </a:p>
@@ -10776,26 +10514,22 @@
             </a:pPr>
             <a:r>
               <a:rPr lang="en-US" dirty="0"/>
-              <a:t>t</a:t>
-            </a:r>
-            <a:r>
-              <a:rPr lang="en-US" dirty="0" smtClean="0"/>
-              <a:t>hrow error if </a:t>
-            </a:r>
-            <a:r>
-              <a:rPr lang="en-US" i="1" dirty="0" smtClean="0"/>
+              <a:t>throw error if </a:t>
+            </a:r>
+            <a:r>
+              <a:rPr lang="en-US" i="1" dirty="0"/>
               <a:t>output</a:t>
             </a:r>
             <a:r>
-              <a:rPr lang="en-US" dirty="0" smtClean="0"/>
+              <a:rPr lang="en-US" dirty="0"/>
               <a:t> variable is not equal to the </a:t>
             </a:r>
             <a:r>
-              <a:rPr lang="en-US" i="1" dirty="0" smtClean="0"/>
+              <a:rPr lang="en-US" i="1" dirty="0"/>
               <a:t>expected</a:t>
             </a:r>
             <a:r>
-              <a:rPr lang="en-US" dirty="0" smtClean="0"/>
+              <a:rPr lang="en-US" dirty="0"/>
               <a:t> one</a:t>
             </a:r>
           </a:p>
@@ -10806,11 +10540,11 @@
               </a:spcBef>
             </a:pPr>
             <a:r>
-              <a:rPr lang="en-US" i="1" dirty="0" err="1" smtClean="0"/>
+              <a:rPr lang="en-US" i="1" dirty="0" err="1"/>
               <a:t>assertTrue</a:t>
             </a:r>
             <a:r>
-              <a:rPr lang="en-US" i="1" dirty="0" smtClean="0"/>
+              <a:rPr lang="en-US" i="1" dirty="0"/>
               <a:t>(condition)</a:t>
             </a:r>
           </a:p>
@@ -10821,15 +10555,15 @@
               </a:spcBef>
             </a:pPr>
             <a:r>
-              <a:rPr lang="en-US" dirty="0" smtClean="0"/>
+              <a:rPr lang="en-US" dirty="0"/>
               <a:t>throw error if </a:t>
             </a:r>
             <a:r>
-              <a:rPr lang="en-US" i="1" dirty="0" smtClean="0"/>
+              <a:rPr lang="en-US" i="1" dirty="0"/>
               <a:t>condition</a:t>
             </a:r>
             <a:r>
-              <a:rPr lang="en-US" dirty="0" smtClean="0"/>
+              <a:rPr lang="en-US" dirty="0"/>
               <a:t> is false</a:t>
             </a:r>
           </a:p>
@@ -10840,11 +10574,11 @@
               </a:spcBef>
             </a:pPr>
             <a:r>
-              <a:rPr lang="en-US" i="1" dirty="0" err="1" smtClean="0"/>
+              <a:rPr lang="en-US" i="1" dirty="0" err="1"/>
               <a:t>assertNotNull</a:t>
             </a:r>
             <a:r>
-              <a:rPr lang="en-US" i="1" dirty="0" smtClean="0"/>
+              <a:rPr lang="en-US" i="1" dirty="0"/>
               <a:t>(output)</a:t>
             </a:r>
           </a:p>
@@ -10855,18 +10589,17 @@
               </a:spcBef>
             </a:pPr>
             <a:r>
-              <a:rPr lang="en-US" dirty="0" smtClean="0"/>
+              <a:rPr lang="en-US" dirty="0"/>
               <a:t>throw error if </a:t>
             </a:r>
             <a:r>
-              <a:rPr lang="en-US" i="1" dirty="0" smtClean="0"/>
+              <a:rPr lang="en-US" i="1" dirty="0"/>
               <a:t>output</a:t>
             </a:r>
             <a:r>
-              <a:rPr lang="en-US" dirty="0" smtClean="0"/>
+              <a:rPr lang="en-US" dirty="0"/>
               <a:t> is null</a:t>
             </a:r>
-            <a:endParaRPr lang="en-US" dirty="0"/>
           </a:p>
         </p:txBody>
       </p:sp>
@@ -10950,54 +10683,50 @@
           <a:lstStyle/>
           <a:p>
             <a:r>
-              <a:rPr dirty="0" smtClean="0"/>
-              <a:t>12 </a:t>
-            </a:r>
-            <a:r>
               <a:rPr dirty="0"/>
-              <a:t>lessons, </a:t>
-            </a:r>
-            <a:r>
-              <a:rPr lang="en-US" dirty="0" smtClean="0"/>
+              <a:t>12 lessons, </a:t>
+            </a:r>
+            <a:r>
+              <a:rPr lang="en-US" dirty="0"/>
               <a:t>once </a:t>
             </a:r>
             <a:r>
-              <a:rPr dirty="0" smtClean="0"/>
+              <a:rPr dirty="0"/>
               <a:t>a weak</a:t>
             </a:r>
-            <a:endParaRPr lang="en-US" dirty="0" smtClean="0"/>
-          </a:p>
-          <a:p>
-            <a:r>
-              <a:rPr lang="en-US" dirty="0" smtClean="0"/>
+            <a:endParaRPr lang="en-US" dirty="0"/>
+          </a:p>
+          <a:p>
+            <a:r>
+              <a:rPr lang="en-US" dirty="0"/>
               <a:t>Class 1-9: </a:t>
             </a:r>
             <a:r>
-              <a:rPr lang="en-US" i="1" dirty="0" smtClean="0"/>
+              <a:rPr lang="en-US" i="1" dirty="0"/>
               <a:t>Foundation</a:t>
             </a:r>
             <a:r>
-              <a:rPr lang="en-US" dirty="0" smtClean="0"/>
+              <a:rPr lang="en-US" dirty="0"/>
               <a:t>, algorithms and data structures that all of you will need to know if you are going to work as a developer/programmer/engineer/etc.</a:t>
             </a:r>
           </a:p>
           <a:p>
             <a:r>
-              <a:rPr lang="en-US" dirty="0" smtClean="0"/>
+              <a:rPr lang="en-US" dirty="0"/>
               <a:t>Class 10-12: </a:t>
             </a:r>
             <a:r>
-              <a:rPr lang="en-US" i="1" dirty="0" smtClean="0"/>
+              <a:rPr lang="en-US" i="1" dirty="0"/>
               <a:t>Advanced</a:t>
             </a:r>
             <a:r>
-              <a:rPr lang="en-US" dirty="0" smtClean="0"/>
+              <a:rPr lang="en-US" dirty="0"/>
               <a:t>, interesting and important topics, but that not all of you will need in your daily jobs</a:t>
             </a:r>
           </a:p>
           <a:p>
             <a:r>
-              <a:rPr lang="en-US" dirty="0" smtClean="0"/>
+              <a:rPr lang="en-US" dirty="0"/>
               <a:t>Check each week to see if changes in schedule (time and room)</a:t>
             </a:r>
             <a:endParaRPr dirty="0"/>
@@ -11051,10 +10780,9 @@
           <a:lstStyle/>
           <a:p>
             <a:r>
-              <a:rPr lang="en-US" dirty="0" smtClean="0"/>
+              <a:rPr lang="en-US" dirty="0"/>
               <a:t>Test Example</a:t>
             </a:r>
-            <a:endParaRPr lang="en-US" dirty="0"/>
           </a:p>
         </p:txBody>
       </p:sp>
@@ -11131,7 +10859,7 @@
               <a:tabLst/>
             </a:pPr>
             <a:r>
-              <a:rPr kumimoji="0" lang="en-US" altLang="en-US" sz="3200" b="1" i="0" u="none" strike="noStrike" cap="none" normalizeH="0" baseline="0" dirty="0" smtClean="0">
+              <a:rPr kumimoji="0" lang="en-US" altLang="en-US" sz="3200" b="1" i="0" u="none" strike="noStrike" cap="none" normalizeH="0" baseline="0" dirty="0">
                 <a:ln>
                   <a:noFill/>
                 </a:ln>
@@ -11145,7 +10873,7 @@
               <a:t>@Test</a:t>
             </a:r>
             <a:br>
-              <a:rPr kumimoji="0" lang="en-US" altLang="en-US" sz="3200" b="1" i="0" u="none" strike="noStrike" cap="none" normalizeH="0" baseline="0" dirty="0" smtClean="0">
+              <a:rPr kumimoji="0" lang="en-US" altLang="en-US" sz="3200" b="1" i="0" u="none" strike="noStrike" cap="none" normalizeH="0" baseline="0" dirty="0">
                 <a:ln>
                   <a:noFill/>
                 </a:ln>
@@ -11158,7 +10886,7 @@
               </a:rPr>
             </a:br>
             <a:r>
-              <a:rPr kumimoji="0" lang="en-US" altLang="en-US" sz="3200" b="1" i="0" u="none" strike="noStrike" cap="none" normalizeH="0" baseline="0" dirty="0" smtClean="0">
+              <a:rPr kumimoji="0" lang="en-US" altLang="en-US" sz="3200" b="1" i="0" u="none" strike="noStrike" cap="none" normalizeH="0" baseline="0" dirty="0">
                 <a:ln>
                   <a:noFill/>
                 </a:ln>
@@ -11172,7 +10900,7 @@
               <a:t>public void </a:t>
             </a:r>
             <a:r>
-              <a:rPr kumimoji="0" lang="en-US" altLang="en-US" sz="3200" b="0" i="0" u="none" strike="noStrike" cap="none" normalizeH="0" baseline="0" dirty="0" err="1" smtClean="0">
+              <a:rPr kumimoji="0" lang="en-US" altLang="en-US" sz="3200" b="0" i="0" u="none" strike="noStrike" cap="none" normalizeH="0" baseline="0" dirty="0" err="1">
                 <a:ln>
                   <a:noFill/>
                 </a:ln>
@@ -11186,7 +10914,7 @@
               <a:t>testBase</a:t>
             </a:r>
             <a:r>
-              <a:rPr kumimoji="0" lang="en-US" altLang="en-US" sz="3200" b="0" i="0" u="none" strike="noStrike" cap="none" normalizeH="0" baseline="0" dirty="0" smtClean="0">
+              <a:rPr kumimoji="0" lang="en-US" altLang="en-US" sz="3200" b="0" i="0" u="none" strike="noStrike" cap="none" normalizeH="0" baseline="0" dirty="0">
                 <a:ln>
                   <a:noFill/>
                 </a:ln>
@@ -11200,7 +10928,7 @@
               <a:t>(){</a:t>
             </a:r>
             <a:br>
-              <a:rPr kumimoji="0" lang="en-US" altLang="en-US" sz="3200" b="0" i="0" u="none" strike="noStrike" cap="none" normalizeH="0" baseline="0" dirty="0" smtClean="0">
+              <a:rPr kumimoji="0" lang="en-US" altLang="en-US" sz="3200" b="0" i="0" u="none" strike="noStrike" cap="none" normalizeH="0" baseline="0" dirty="0">
                 <a:ln>
                   <a:noFill/>
                 </a:ln>
@@ -11212,22 +10940,8 @@
                 <a:cs typeface="Courier New" panose="02070309020205020404" pitchFamily="49" charset="0"/>
               </a:rPr>
             </a:br>
-            <a:r>
-              <a:rPr kumimoji="0" lang="en-US" altLang="en-US" sz="3200" b="0" i="0" u="none" strike="noStrike" cap="none" normalizeH="0" baseline="0" dirty="0" smtClean="0">
-                <a:ln>
-                  <a:noFill/>
-                </a:ln>
-                <a:solidFill>
-                  <a:srgbClr val="000000"/>
-                </a:solidFill>
-                <a:effectLst/>
-                <a:latin typeface="Courier New" panose="02070309020205020404" pitchFamily="49" charset="0"/>
-                <a:cs typeface="Courier New" panose="02070309020205020404" pitchFamily="49" charset="0"/>
-              </a:rPr>
-              <a:t/>
-            </a:r>
             <a:br>
-              <a:rPr kumimoji="0" lang="en-US" altLang="en-US" sz="3200" b="0" i="0" u="none" strike="noStrike" cap="none" normalizeH="0" baseline="0" dirty="0" smtClean="0">
+              <a:rPr kumimoji="0" lang="en-US" altLang="en-US" sz="3200" b="0" i="0" u="none" strike="noStrike" cap="none" normalizeH="0" baseline="0" dirty="0">
                 <a:ln>
                   <a:noFill/>
                 </a:ln>
@@ -11240,7 +10954,7 @@
               </a:rPr>
             </a:br>
             <a:r>
-              <a:rPr kumimoji="0" lang="en-US" altLang="en-US" sz="3200" b="0" i="0" u="none" strike="noStrike" cap="none" normalizeH="0" dirty="0" smtClean="0">
+              <a:rPr kumimoji="0" lang="en-US" altLang="en-US" sz="3200" b="0" i="0" u="none" strike="noStrike" cap="none" normalizeH="0" dirty="0">
                 <a:ln>
                   <a:noFill/>
                 </a:ln>
@@ -11254,7 +10968,7 @@
               <a:t>    </a:t>
             </a:r>
             <a:r>
-              <a:rPr kumimoji="0" lang="en-US" altLang="en-US" sz="3200" b="1" i="0" u="none" strike="noStrike" cap="none" normalizeH="0" baseline="0" dirty="0" err="1" smtClean="0">
+              <a:rPr kumimoji="0" lang="en-US" altLang="en-US" sz="3200" b="1" i="0" u="none" strike="noStrike" cap="none" normalizeH="0" baseline="0" dirty="0" err="1">
                 <a:ln>
                   <a:noFill/>
                 </a:ln>
@@ -11268,7 +10982,7 @@
               <a:t>int</a:t>
             </a:r>
             <a:r>
-              <a:rPr kumimoji="0" lang="en-US" altLang="en-US" sz="3200" b="0" i="0" u="none" strike="noStrike" cap="none" normalizeH="0" baseline="0" dirty="0" smtClean="0">
+              <a:rPr kumimoji="0" lang="en-US" altLang="en-US" sz="3200" b="0" i="0" u="none" strike="noStrike" cap="none" normalizeH="0" baseline="0" dirty="0">
                 <a:ln>
                   <a:noFill/>
                 </a:ln>
@@ -11282,7 +10996,7 @@
               <a:t>[] array = {</a:t>
             </a:r>
             <a:r>
-              <a:rPr kumimoji="0" lang="en-US" altLang="en-US" sz="3200" b="0" i="0" u="none" strike="noStrike" cap="none" normalizeH="0" baseline="0" dirty="0" smtClean="0">
+              <a:rPr kumimoji="0" lang="en-US" altLang="en-US" sz="3200" b="0" i="0" u="none" strike="noStrike" cap="none" normalizeH="0" baseline="0" dirty="0">
                 <a:ln>
                   <a:noFill/>
                 </a:ln>
@@ -11296,7 +11010,7 @@
               <a:t>1</a:t>
             </a:r>
             <a:r>
-              <a:rPr kumimoji="0" lang="en-US" altLang="en-US" sz="3200" b="0" i="0" u="none" strike="noStrike" cap="none" normalizeH="0" baseline="0" dirty="0" smtClean="0">
+              <a:rPr kumimoji="0" lang="en-US" altLang="en-US" sz="3200" b="0" i="0" u="none" strike="noStrike" cap="none" normalizeH="0" baseline="0" dirty="0">
                 <a:ln>
                   <a:noFill/>
                 </a:ln>
@@ -11310,7 +11024,7 @@
               <a:t>, </a:t>
             </a:r>
             <a:r>
-              <a:rPr kumimoji="0" lang="en-US" altLang="en-US" sz="3200" b="0" i="0" u="none" strike="noStrike" cap="none" normalizeH="0" baseline="0" dirty="0" smtClean="0">
+              <a:rPr kumimoji="0" lang="en-US" altLang="en-US" sz="3200" b="0" i="0" u="none" strike="noStrike" cap="none" normalizeH="0" baseline="0" dirty="0">
                 <a:ln>
                   <a:noFill/>
                 </a:ln>
@@ -11324,7 +11038,7 @@
               <a:t>2</a:t>
             </a:r>
             <a:r>
-              <a:rPr kumimoji="0" lang="en-US" altLang="en-US" sz="3200" b="0" i="0" u="none" strike="noStrike" cap="none" normalizeH="0" baseline="0" dirty="0" smtClean="0">
+              <a:rPr kumimoji="0" lang="en-US" altLang="en-US" sz="3200" b="0" i="0" u="none" strike="noStrike" cap="none" normalizeH="0" baseline="0" dirty="0">
                 <a:ln>
                   <a:noFill/>
                 </a:ln>
@@ -11338,7 +11052,7 @@
               <a:t>, </a:t>
             </a:r>
             <a:r>
-              <a:rPr kumimoji="0" lang="en-US" altLang="en-US" sz="3200" b="0" i="0" u="none" strike="noStrike" cap="none" normalizeH="0" baseline="0" dirty="0" smtClean="0">
+              <a:rPr kumimoji="0" lang="en-US" altLang="en-US" sz="3200" b="0" i="0" u="none" strike="noStrike" cap="none" normalizeH="0" baseline="0" dirty="0">
                 <a:ln>
                   <a:noFill/>
                 </a:ln>
@@ -11352,7 +11066,7 @@
               <a:t>3</a:t>
             </a:r>
             <a:r>
-              <a:rPr kumimoji="0" lang="en-US" altLang="en-US" sz="3200" b="0" i="0" u="none" strike="noStrike" cap="none" normalizeH="0" baseline="0" dirty="0" smtClean="0">
+              <a:rPr kumimoji="0" lang="en-US" altLang="en-US" sz="3200" b="0" i="0" u="none" strike="noStrike" cap="none" normalizeH="0" baseline="0" dirty="0">
                 <a:ln>
                   <a:noFill/>
                 </a:ln>
@@ -11366,7 +11080,7 @@
               <a:t>};</a:t>
             </a:r>
             <a:br>
-              <a:rPr kumimoji="0" lang="en-US" altLang="en-US" sz="3200" b="0" i="0" u="none" strike="noStrike" cap="none" normalizeH="0" baseline="0" dirty="0" smtClean="0">
+              <a:rPr kumimoji="0" lang="en-US" altLang="en-US" sz="3200" b="0" i="0" u="none" strike="noStrike" cap="none" normalizeH="0" baseline="0" dirty="0">
                 <a:ln>
                   <a:noFill/>
                 </a:ln>
@@ -11378,22 +11092,8 @@
                 <a:cs typeface="Courier New" panose="02070309020205020404" pitchFamily="49" charset="0"/>
               </a:rPr>
             </a:br>
-            <a:r>
-              <a:rPr kumimoji="0" lang="en-US" altLang="en-US" sz="3200" b="0" i="0" u="none" strike="noStrike" cap="none" normalizeH="0" baseline="0" dirty="0" smtClean="0">
-                <a:ln>
-                  <a:noFill/>
-                </a:ln>
-                <a:solidFill>
-                  <a:srgbClr val="000000"/>
-                </a:solidFill>
-                <a:effectLst/>
-                <a:latin typeface="Courier New" panose="02070309020205020404" pitchFamily="49" charset="0"/>
-                <a:cs typeface="Courier New" panose="02070309020205020404" pitchFamily="49" charset="0"/>
-              </a:rPr>
-              <a:t/>
-            </a:r>
             <a:br>
-              <a:rPr kumimoji="0" lang="en-US" altLang="en-US" sz="3200" b="0" i="0" u="none" strike="noStrike" cap="none" normalizeH="0" baseline="0" dirty="0" smtClean="0">
+              <a:rPr kumimoji="0" lang="en-US" altLang="en-US" sz="3200" b="0" i="0" u="none" strike="noStrike" cap="none" normalizeH="0" baseline="0" dirty="0">
                 <a:ln>
                   <a:noFill/>
                 </a:ln>
@@ -11406,7 +11106,7 @@
               </a:rPr>
             </a:br>
             <a:r>
-              <a:rPr kumimoji="0" lang="en-US" altLang="en-US" sz="3200" b="0" i="0" u="none" strike="noStrike" cap="none" normalizeH="0" baseline="0" dirty="0" smtClean="0">
+              <a:rPr kumimoji="0" lang="en-US" altLang="en-US" sz="3200" b="0" i="0" u="none" strike="noStrike" cap="none" normalizeH="0" baseline="0" dirty="0">
                 <a:ln>
                   <a:noFill/>
                 </a:ln>
@@ -11420,7 +11120,7 @@
               <a:t>    </a:t>
             </a:r>
             <a:r>
-              <a:rPr kumimoji="0" lang="en-US" altLang="en-US" sz="3200" b="1" i="0" u="none" strike="noStrike" cap="none" normalizeH="0" baseline="0" dirty="0" err="1" smtClean="0">
+              <a:rPr kumimoji="0" lang="en-US" altLang="en-US" sz="3200" b="1" i="0" u="none" strike="noStrike" cap="none" normalizeH="0" baseline="0" dirty="0" err="1">
                 <a:ln>
                   <a:noFill/>
                 </a:ln>
@@ -11434,7 +11134,7 @@
               <a:t>int</a:t>
             </a:r>
             <a:r>
-              <a:rPr kumimoji="0" lang="en-US" altLang="en-US" sz="3200" b="1" i="0" u="none" strike="noStrike" cap="none" normalizeH="0" baseline="0" dirty="0" smtClean="0">
+              <a:rPr kumimoji="0" lang="en-US" altLang="en-US" sz="3200" b="1" i="0" u="none" strike="noStrike" cap="none" normalizeH="0" baseline="0" dirty="0">
                 <a:ln>
                   <a:noFill/>
                 </a:ln>
@@ -11448,7 +11148,7 @@
               <a:t> </a:t>
             </a:r>
             <a:r>
-              <a:rPr kumimoji="0" lang="en-US" altLang="en-US" sz="3200" b="0" i="0" u="none" strike="noStrike" cap="none" normalizeH="0" baseline="0" dirty="0" smtClean="0">
+              <a:rPr kumimoji="0" lang="en-US" altLang="en-US" sz="3200" b="0" i="0" u="none" strike="noStrike" cap="none" normalizeH="0" baseline="0" dirty="0">
                 <a:ln>
                   <a:noFill/>
                 </a:ln>
@@ -11462,7 +11162,7 @@
               <a:t>res = </a:t>
             </a:r>
             <a:r>
-              <a:rPr kumimoji="0" lang="en-US" altLang="en-US" sz="3200" b="0" i="0" u="none" strike="noStrike" cap="none" normalizeH="0" baseline="0" dirty="0" err="1" smtClean="0">
+              <a:rPr kumimoji="0" lang="en-US" altLang="en-US" sz="3200" b="0" i="0" u="none" strike="noStrike" cap="none" normalizeH="0" baseline="0" dirty="0" err="1">
                 <a:ln>
                   <a:noFill/>
                 </a:ln>
@@ -11476,7 +11176,7 @@
               <a:t>ArrayExample.</a:t>
             </a:r>
             <a:r>
-              <a:rPr kumimoji="0" lang="en-US" altLang="en-US" sz="3200" b="0" i="1" u="none" strike="noStrike" cap="none" normalizeH="0" baseline="0" dirty="0" err="1" smtClean="0">
+              <a:rPr kumimoji="0" lang="en-US" altLang="en-US" sz="3200" b="0" i="1" u="none" strike="noStrike" cap="none" normalizeH="0" baseline="0" dirty="0" err="1">
                 <a:ln>
                   <a:noFill/>
                 </a:ln>
@@ -11490,7 +11190,7 @@
               <a:t>sum</a:t>
             </a:r>
             <a:r>
-              <a:rPr kumimoji="0" lang="en-US" altLang="en-US" sz="3200" b="0" i="0" u="none" strike="noStrike" cap="none" normalizeH="0" baseline="0" dirty="0" smtClean="0">
+              <a:rPr kumimoji="0" lang="en-US" altLang="en-US" sz="3200" b="0" i="0" u="none" strike="noStrike" cap="none" normalizeH="0" baseline="0" dirty="0">
                 <a:ln>
                   <a:noFill/>
                 </a:ln>
@@ -11504,7 +11204,7 @@
               <a:t>(array);</a:t>
             </a:r>
             <a:br>
-              <a:rPr kumimoji="0" lang="en-US" altLang="en-US" sz="3200" b="0" i="0" u="none" strike="noStrike" cap="none" normalizeH="0" baseline="0" dirty="0" smtClean="0">
+              <a:rPr kumimoji="0" lang="en-US" altLang="en-US" sz="3200" b="0" i="0" u="none" strike="noStrike" cap="none" normalizeH="0" baseline="0" dirty="0">
                 <a:ln>
                   <a:noFill/>
                 </a:ln>
@@ -11516,22 +11216,8 @@
                 <a:cs typeface="Courier New" panose="02070309020205020404" pitchFamily="49" charset="0"/>
               </a:rPr>
             </a:br>
-            <a:r>
-              <a:rPr kumimoji="0" lang="en-US" altLang="en-US" sz="3200" b="0" i="0" u="none" strike="noStrike" cap="none" normalizeH="0" baseline="0" dirty="0" smtClean="0">
-                <a:ln>
-                  <a:noFill/>
-                </a:ln>
-                <a:solidFill>
-                  <a:srgbClr val="000000"/>
-                </a:solidFill>
-                <a:effectLst/>
-                <a:latin typeface="Courier New" panose="02070309020205020404" pitchFamily="49" charset="0"/>
-                <a:cs typeface="Courier New" panose="02070309020205020404" pitchFamily="49" charset="0"/>
-              </a:rPr>
-              <a:t/>
-            </a:r>
             <a:br>
-              <a:rPr kumimoji="0" lang="en-US" altLang="en-US" sz="3200" b="0" i="0" u="none" strike="noStrike" cap="none" normalizeH="0" baseline="0" dirty="0" smtClean="0">
+              <a:rPr kumimoji="0" lang="en-US" altLang="en-US" sz="3200" b="0" i="0" u="none" strike="noStrike" cap="none" normalizeH="0" baseline="0" dirty="0">
                 <a:ln>
                   <a:noFill/>
                 </a:ln>
@@ -11544,7 +11230,7 @@
               </a:rPr>
             </a:br>
             <a:r>
-              <a:rPr kumimoji="0" lang="en-US" altLang="en-US" sz="3200" b="0" i="0" u="none" strike="noStrike" cap="none" normalizeH="0" baseline="0" dirty="0" smtClean="0">
+              <a:rPr kumimoji="0" lang="en-US" altLang="en-US" sz="3200" b="0" i="0" u="none" strike="noStrike" cap="none" normalizeH="0" baseline="0" dirty="0">
                 <a:ln>
                   <a:noFill/>
                 </a:ln>
@@ -11558,7 +11244,7 @@
               <a:t>    </a:t>
             </a:r>
             <a:r>
-              <a:rPr kumimoji="0" lang="en-US" altLang="en-US" sz="3200" b="0" i="1" u="none" strike="noStrike" cap="none" normalizeH="0" baseline="0" dirty="0" err="1" smtClean="0">
+              <a:rPr kumimoji="0" lang="en-US" altLang="en-US" sz="3200" b="0" i="1" u="none" strike="noStrike" cap="none" normalizeH="0" baseline="0" dirty="0" err="1">
                 <a:ln>
                   <a:noFill/>
                 </a:ln>
@@ -11572,7 +11258,7 @@
               <a:t>assertEquals</a:t>
             </a:r>
             <a:r>
-              <a:rPr kumimoji="0" lang="en-US" altLang="en-US" sz="3200" b="0" i="0" u="none" strike="noStrike" cap="none" normalizeH="0" baseline="0" dirty="0" smtClean="0">
+              <a:rPr kumimoji="0" lang="en-US" altLang="en-US" sz="3200" b="0" i="0" u="none" strike="noStrike" cap="none" normalizeH="0" baseline="0" dirty="0">
                 <a:ln>
                   <a:noFill/>
                 </a:ln>
@@ -11586,7 +11272,7 @@
               <a:t>(</a:t>
             </a:r>
             <a:r>
-              <a:rPr kumimoji="0" lang="en-US" altLang="en-US" sz="3200" b="0" i="0" u="none" strike="noStrike" cap="none" normalizeH="0" baseline="0" dirty="0" smtClean="0">
+              <a:rPr kumimoji="0" lang="en-US" altLang="en-US" sz="3200" b="0" i="0" u="none" strike="noStrike" cap="none" normalizeH="0" baseline="0" dirty="0">
                 <a:ln>
                   <a:noFill/>
                 </a:ln>
@@ -11600,7 +11286,7 @@
               <a:t>6</a:t>
             </a:r>
             <a:r>
-              <a:rPr kumimoji="0" lang="en-US" altLang="en-US" sz="3200" b="0" i="0" u="none" strike="noStrike" cap="none" normalizeH="0" baseline="0" dirty="0" smtClean="0">
+              <a:rPr kumimoji="0" lang="en-US" altLang="en-US" sz="3200" b="0" i="0" u="none" strike="noStrike" cap="none" normalizeH="0" baseline="0" dirty="0">
                 <a:ln>
                   <a:noFill/>
                 </a:ln>
@@ -11614,7 +11300,7 @@
               <a:t>, res);</a:t>
             </a:r>
             <a:br>
-              <a:rPr kumimoji="0" lang="en-US" altLang="en-US" sz="3200" b="0" i="0" u="none" strike="noStrike" cap="none" normalizeH="0" baseline="0" dirty="0" smtClean="0">
+              <a:rPr kumimoji="0" lang="en-US" altLang="en-US" sz="3200" b="0" i="0" u="none" strike="noStrike" cap="none" normalizeH="0" baseline="0" dirty="0">
                 <a:ln>
                   <a:noFill/>
                 </a:ln>
@@ -11627,7 +11313,7 @@
               </a:rPr>
             </a:br>
             <a:r>
-              <a:rPr kumimoji="0" lang="en-US" altLang="en-US" sz="3200" b="0" i="0" u="none" strike="noStrike" cap="none" normalizeH="0" baseline="0" dirty="0" smtClean="0">
+              <a:rPr kumimoji="0" lang="en-US" altLang="en-US" sz="3200" b="0" i="0" u="none" strike="noStrike" cap="none" normalizeH="0" baseline="0" dirty="0">
                 <a:ln>
                   <a:noFill/>
                 </a:ln>
@@ -11640,7 +11326,7 @@
               </a:rPr>
               <a:t>}</a:t>
             </a:r>
-            <a:endParaRPr kumimoji="0" lang="en-US" altLang="en-US" sz="2800" b="0" i="0" u="none" strike="noStrike" cap="none" normalizeH="0" baseline="0" dirty="0" smtClean="0">
+            <a:endParaRPr kumimoji="0" lang="en-US" altLang="en-US" sz="2800" b="0" i="0" u="none" strike="noStrike" cap="none" normalizeH="0" baseline="0" dirty="0">
               <a:ln>
                 <a:noFill/>
               </a:ln>
@@ -11721,7 +11407,7 @@
               <a:tabLst/>
             </a:pPr>
             <a:r>
-              <a:rPr kumimoji="0" lang="en-US" sz="2400" b="0" i="0" u="none" strike="noStrike" cap="none" spc="0" normalizeH="0" baseline="0" dirty="0" smtClean="0">
+              <a:rPr kumimoji="0" lang="en-US" sz="2400" b="0" i="0" u="none" strike="noStrike" cap="none" spc="0" normalizeH="0" baseline="0" dirty="0">
                 <a:ln>
                   <a:noFill/>
                 </a:ln>
@@ -11737,20 +11423,6 @@
               </a:rPr>
               <a:t>Mark method as a test</a:t>
             </a:r>
-            <a:endParaRPr kumimoji="0" lang="en-US" sz="2400" b="0" i="0" u="none" strike="noStrike" cap="none" spc="0" normalizeH="0" baseline="0" dirty="0">
-              <a:ln>
-                <a:noFill/>
-              </a:ln>
-              <a:solidFill>
-                <a:srgbClr val="FFFFFF"/>
-              </a:solidFill>
-              <a:effectLst/>
-              <a:uFillTx/>
-              <a:latin typeface="+mn-lt"/>
-              <a:ea typeface="+mn-ea"/>
-              <a:cs typeface="+mn-cs"/>
-              <a:sym typeface="Helvetica Light"/>
-            </a:endParaRPr>
           </a:p>
         </p:txBody>
       </p:sp>
@@ -11822,7 +11494,7 @@
               <a:tabLst/>
             </a:pPr>
             <a:r>
-              <a:rPr kumimoji="0" lang="en-US" sz="2400" b="0" i="0" u="none" strike="noStrike" cap="none" spc="0" normalizeH="0" baseline="0" dirty="0" smtClean="0">
+              <a:rPr kumimoji="0" lang="en-US" sz="2400" b="0" i="0" u="none" strike="noStrike" cap="none" spc="0" normalizeH="0" baseline="0" dirty="0">
                 <a:ln>
                   <a:noFill/>
                 </a:ln>
@@ -11838,20 +11510,6 @@
               </a:rPr>
               <a:t>Input data</a:t>
             </a:r>
-            <a:endParaRPr kumimoji="0" lang="en-US" sz="2400" b="0" i="0" u="none" strike="noStrike" cap="none" spc="0" normalizeH="0" baseline="0" dirty="0">
-              <a:ln>
-                <a:noFill/>
-              </a:ln>
-              <a:solidFill>
-                <a:srgbClr val="FFFFFF"/>
-              </a:solidFill>
-              <a:effectLst/>
-              <a:uFillTx/>
-              <a:latin typeface="+mn-lt"/>
-              <a:ea typeface="+mn-ea"/>
-              <a:cs typeface="+mn-cs"/>
-              <a:sym typeface="Helvetica Light"/>
-            </a:endParaRPr>
           </a:p>
         </p:txBody>
       </p:sp>
@@ -11923,7 +11581,7 @@
               <a:tabLst/>
             </a:pPr>
             <a:r>
-              <a:rPr kumimoji="0" lang="en-US" sz="2400" b="0" i="0" u="none" strike="noStrike" cap="none" spc="0" normalizeH="0" baseline="0" dirty="0" smtClean="0">
+              <a:rPr kumimoji="0" lang="en-US" sz="2400" b="0" i="0" u="none" strike="noStrike" cap="none" spc="0" normalizeH="0" baseline="0" dirty="0">
                 <a:ln>
                   <a:noFill/>
                 </a:ln>
@@ -11939,20 +11597,6 @@
               </a:rPr>
               <a:t>Code execution</a:t>
             </a:r>
-            <a:endParaRPr kumimoji="0" lang="en-US" sz="2400" b="0" i="0" u="none" strike="noStrike" cap="none" spc="0" normalizeH="0" baseline="0" dirty="0">
-              <a:ln>
-                <a:noFill/>
-              </a:ln>
-              <a:solidFill>
-                <a:srgbClr val="FFFFFF"/>
-              </a:solidFill>
-              <a:effectLst/>
-              <a:uFillTx/>
-              <a:latin typeface="+mn-lt"/>
-              <a:ea typeface="+mn-ea"/>
-              <a:cs typeface="+mn-cs"/>
-              <a:sym typeface="Helvetica Light"/>
-            </a:endParaRPr>
           </a:p>
         </p:txBody>
       </p:sp>
@@ -12024,7 +11668,7 @@
               <a:tabLst/>
             </a:pPr>
             <a:r>
-              <a:rPr kumimoji="0" lang="en-US" sz="2400" b="0" i="0" u="none" strike="noStrike" cap="none" spc="0" normalizeH="0" baseline="0" dirty="0" smtClean="0">
+              <a:rPr kumimoji="0" lang="en-US" sz="2400" b="0" i="0" u="none" strike="noStrike" cap="none" spc="0" normalizeH="0" baseline="0" dirty="0">
                 <a:ln>
                   <a:noFill/>
                 </a:ln>
@@ -12040,20 +11684,6 @@
               </a:rPr>
               <a:t>Verify output</a:t>
             </a:r>
-            <a:endParaRPr kumimoji="0" lang="en-US" sz="2400" b="0" i="0" u="none" strike="noStrike" cap="none" spc="0" normalizeH="0" baseline="0" dirty="0">
-              <a:ln>
-                <a:noFill/>
-              </a:ln>
-              <a:solidFill>
-                <a:srgbClr val="FFFFFF"/>
-              </a:solidFill>
-              <a:effectLst/>
-              <a:uFillTx/>
-              <a:latin typeface="+mn-lt"/>
-              <a:ea typeface="+mn-ea"/>
-              <a:cs typeface="+mn-cs"/>
-              <a:sym typeface="Helvetica Light"/>
-            </a:endParaRPr>
           </a:p>
         </p:txBody>
       </p:sp>
@@ -12433,10 +12063,9 @@
           <a:lstStyle/>
           <a:p>
             <a:r>
-              <a:rPr lang="en-US" dirty="0" smtClean="0"/>
+              <a:rPr lang="en-US" dirty="0"/>
               <a:t>Running a Test</a:t>
             </a:r>
-            <a:endParaRPr lang="en-US" dirty="0"/>
           </a:p>
         </p:txBody>
       </p:sp>
@@ -12468,23 +12097,23 @@
               </a:spcBef>
             </a:pPr>
             <a:r>
-              <a:rPr lang="en-US" dirty="0" smtClean="0"/>
+              <a:rPr lang="en-US" dirty="0"/>
               <a:t>Right-click, and choose “</a:t>
             </a:r>
             <a:r>
-              <a:rPr lang="en-US" i="1" dirty="0" smtClean="0"/>
+              <a:rPr lang="en-US" i="1" dirty="0"/>
               <a:t>Run &lt;</a:t>
             </a:r>
             <a:r>
-              <a:rPr lang="en-US" i="1" dirty="0" err="1" smtClean="0"/>
+              <a:rPr lang="en-US" i="1" dirty="0" err="1"/>
               <a:t>ClassName</a:t>
             </a:r>
             <a:r>
-              <a:rPr lang="en-US" i="1" dirty="0" smtClean="0"/>
+              <a:rPr lang="en-US" i="1" dirty="0"/>
               <a:t>&gt;</a:t>
             </a:r>
             <a:r>
-              <a:rPr lang="en-US" dirty="0" smtClean="0"/>
+              <a:rPr lang="en-US" dirty="0"/>
               <a:t>”</a:t>
             </a:r>
           </a:p>
@@ -12495,26 +12124,25 @@
               </a:spcBef>
             </a:pPr>
             <a:r>
-              <a:rPr lang="en-US" dirty="0" smtClean="0"/>
+              <a:rPr lang="en-US" dirty="0"/>
               <a:t>Can also use “</a:t>
             </a:r>
             <a:r>
-              <a:rPr lang="en-US" i="1" dirty="0" smtClean="0"/>
+              <a:rPr lang="en-US" i="1" dirty="0"/>
               <a:t>Debug</a:t>
             </a:r>
             <a:r>
-              <a:rPr lang="en-US" dirty="0" smtClean="0"/>
+              <a:rPr lang="en-US" dirty="0"/>
               <a:t>” and “</a:t>
             </a:r>
             <a:r>
-              <a:rPr lang="en-US" i="1" dirty="0" smtClean="0"/>
+              <a:rPr lang="en-US" i="1" dirty="0"/>
               <a:t>Run With Coverage</a:t>
             </a:r>
             <a:r>
-              <a:rPr lang="en-US" dirty="0" smtClean="0"/>
+              <a:rPr lang="en-US" dirty="0"/>
               <a:t>” </a:t>
             </a:r>
-            <a:endParaRPr lang="en-US" dirty="0"/>
           </a:p>
         </p:txBody>
       </p:sp>
@@ -12589,10 +12217,9 @@
           <a:lstStyle/>
           <a:p>
             <a:r>
-              <a:rPr lang="en-US" dirty="0" smtClean="0"/>
+              <a:rPr lang="en-US" dirty="0"/>
               <a:t>Run With Coverage</a:t>
             </a:r>
-            <a:endParaRPr lang="en-US" dirty="0"/>
           </a:p>
         </p:txBody>
       </p:sp>
@@ -12619,30 +12246,25 @@
           <a:lstStyle/>
           <a:p>
             <a:r>
-              <a:rPr lang="en-US" dirty="0" smtClean="0"/>
+              <a:rPr lang="en-US" dirty="0"/>
               <a:t>Can tell you how much of the code is executed</a:t>
             </a:r>
           </a:p>
           <a:p>
             <a:r>
               <a:rPr lang="en-US" dirty="0" err="1"/>
-              <a:t>E</a:t>
-            </a:r>
-            <a:r>
-              <a:rPr lang="en-US" dirty="0" err="1" smtClean="0"/>
-              <a:t>g</a:t>
-            </a:r>
-            <a:r>
-              <a:rPr lang="en-US" dirty="0" smtClean="0"/>
+              <a:t>Eg</a:t>
+            </a:r>
+            <a:r>
+              <a:rPr lang="en-US" dirty="0"/>
               <a:t>, 83% in this case</a:t>
             </a:r>
           </a:p>
           <a:p>
             <a:r>
-              <a:rPr lang="en-US" dirty="0" smtClean="0"/>
+              <a:rPr lang="en-US" dirty="0"/>
               <a:t>Code that is never executed by a test, might have bugs</a:t>
             </a:r>
-            <a:endParaRPr lang="en-US" dirty="0"/>
           </a:p>
         </p:txBody>
       </p:sp>
@@ -12717,10 +12339,9 @@
           <a:lstStyle/>
           <a:p>
             <a:r>
-              <a:rPr lang="en-US" dirty="0" smtClean="0"/>
+              <a:rPr lang="en-US" dirty="0"/>
               <a:t>Debugging</a:t>
             </a:r>
-            <a:endParaRPr lang="en-US" dirty="0"/>
           </a:p>
         </p:txBody>
       </p:sp>
@@ -12745,42 +12366,41 @@
           <a:lstStyle/>
           <a:p>
             <a:r>
-              <a:rPr lang="en-US" b="1" dirty="0" smtClean="0"/>
+              <a:rPr lang="en-US" b="1" dirty="0"/>
               <a:t>VERY IMPORTANT</a:t>
             </a:r>
           </a:p>
           <a:p>
             <a:r>
-              <a:rPr lang="en-US" dirty="0" smtClean="0"/>
+              <a:rPr lang="en-US" dirty="0"/>
               <a:t>Can put “</a:t>
             </a:r>
             <a:r>
-              <a:rPr lang="en-US" i="1" dirty="0" smtClean="0"/>
+              <a:rPr lang="en-US" i="1" dirty="0"/>
               <a:t>break points</a:t>
             </a:r>
             <a:r>
-              <a:rPr lang="en-US" dirty="0" smtClean="0"/>
+              <a:rPr lang="en-US" dirty="0"/>
               <a:t>”</a:t>
             </a:r>
           </a:p>
           <a:p>
             <a:r>
-              <a:rPr lang="en-US" dirty="0" smtClean="0"/>
+              <a:rPr lang="en-US" dirty="0"/>
               <a:t>Execute one step at a time</a:t>
             </a:r>
           </a:p>
           <a:p>
             <a:r>
-              <a:rPr lang="en-US" dirty="0" smtClean="0"/>
+              <a:rPr lang="en-US" dirty="0"/>
               <a:t>Inspect status of all variables, at each step</a:t>
             </a:r>
           </a:p>
           <a:p>
             <a:r>
-              <a:rPr lang="en-US" dirty="0" smtClean="0"/>
+              <a:rPr lang="en-US" dirty="0"/>
               <a:t>Easier to understand with live demo</a:t>
             </a:r>
-            <a:endParaRPr lang="en-US" dirty="0"/>
           </a:p>
         </p:txBody>
       </p:sp>
@@ -12924,7 +12544,7 @@
               <a:tabLst/>
             </a:pPr>
             <a:r>
-              <a:rPr kumimoji="0" lang="en-US" sz="2400" b="0" i="0" u="none" strike="noStrike" cap="none" spc="0" normalizeH="0" baseline="0" dirty="0" smtClean="0">
+              <a:rPr kumimoji="0" lang="en-US" sz="2400" b="0" i="0" u="none" strike="noStrike" cap="none" spc="0" normalizeH="0" baseline="0" dirty="0">
                 <a:ln>
                   <a:noFill/>
                 </a:ln>
@@ -12940,20 +12560,6 @@
               </a:rPr>
               <a:t>Breakpoints</a:t>
             </a:r>
-            <a:endParaRPr kumimoji="0" lang="en-US" sz="2400" b="0" i="0" u="none" strike="noStrike" cap="none" spc="0" normalizeH="0" baseline="0" dirty="0">
-              <a:ln>
-                <a:noFill/>
-              </a:ln>
-              <a:solidFill>
-                <a:srgbClr val="000000"/>
-              </a:solidFill>
-              <a:effectLst/>
-              <a:uFillTx/>
-              <a:latin typeface="+mn-lt"/>
-              <a:ea typeface="+mn-ea"/>
-              <a:cs typeface="+mn-cs"/>
-              <a:sym typeface="Helvetica Light"/>
-            </a:endParaRPr>
           </a:p>
         </p:txBody>
       </p:sp>
@@ -13101,11 +12707,11 @@
               <a:tabLst/>
             </a:pPr>
             <a:r>
-              <a:rPr lang="en-US" sz="2400" dirty="0" smtClean="0"/>
+              <a:rPr lang="en-US" sz="2400" dirty="0"/>
               <a:t>S</a:t>
             </a:r>
             <a:r>
-              <a:rPr kumimoji="0" lang="en-US" sz="2400" b="0" i="0" u="none" strike="noStrike" cap="none" spc="0" normalizeH="0" dirty="0" smtClean="0">
+              <a:rPr kumimoji="0" lang="en-US" sz="2400" b="0" i="0" u="none" strike="noStrike" cap="none" spc="0" normalizeH="0" dirty="0">
                 <a:ln>
                   <a:noFill/>
                 </a:ln>
@@ -13282,7 +12888,7 @@
               <a:tabLst/>
             </a:pPr>
             <a:r>
-              <a:rPr kumimoji="0" lang="en-US" sz="2400" b="0" i="0" u="none" strike="noStrike" cap="none" spc="0" normalizeH="0" baseline="0" dirty="0" smtClean="0">
+              <a:rPr kumimoji="0" lang="en-US" sz="2400" b="0" i="0" u="none" strike="noStrike" cap="none" spc="0" normalizeH="0" baseline="0" dirty="0">
                 <a:ln>
                   <a:noFill/>
                 </a:ln>
@@ -13299,7 +12905,7 @@
               <a:t>Run</a:t>
             </a:r>
             <a:r>
-              <a:rPr kumimoji="0" lang="en-US" sz="2400" b="0" i="0" u="none" strike="noStrike" cap="none" spc="0" normalizeH="0" dirty="0" smtClean="0">
+              <a:rPr kumimoji="0" lang="en-US" sz="2400" b="0" i="0" u="none" strike="noStrike" cap="none" spc="0" normalizeH="0" dirty="0">
                 <a:ln>
                   <a:noFill/>
                 </a:ln>
@@ -13334,7 +12940,7 @@
               <a:tabLst/>
             </a:pPr>
             <a:r>
-              <a:rPr lang="en-US" sz="2400" baseline="0" dirty="0" smtClean="0"/>
+              <a:rPr lang="en-US" sz="2400" baseline="0" dirty="0"/>
               <a:t>breakpoint</a:t>
             </a:r>
             <a:endParaRPr kumimoji="0" lang="en-US" sz="2400" b="0" i="0" u="none" strike="noStrike" cap="none" spc="0" normalizeH="0" baseline="0" dirty="0">
@@ -13498,7 +13104,7 @@
               <a:tabLst/>
             </a:pPr>
             <a:r>
-              <a:rPr kumimoji="0" lang="en-US" sz="2400" b="0" i="0" u="none" strike="noStrike" cap="none" spc="0" normalizeH="0" baseline="0" dirty="0" smtClean="0">
+              <a:rPr kumimoji="0" lang="en-US" sz="2400" b="0" i="0" u="none" strike="noStrike" cap="none" spc="0" normalizeH="0" baseline="0" dirty="0">
                 <a:ln>
                   <a:noFill/>
                 </a:ln>
@@ -13514,20 +13120,6 @@
               </a:rPr>
               <a:t>One step forward</a:t>
             </a:r>
-            <a:endParaRPr kumimoji="0" lang="en-US" sz="2400" b="0" i="0" u="none" strike="noStrike" cap="none" spc="0" normalizeH="0" baseline="0" dirty="0">
-              <a:ln>
-                <a:noFill/>
-              </a:ln>
-              <a:solidFill>
-                <a:srgbClr val="000000"/>
-              </a:solidFill>
-              <a:effectLst/>
-              <a:uFillTx/>
-              <a:latin typeface="+mn-lt"/>
-              <a:ea typeface="+mn-ea"/>
-              <a:cs typeface="+mn-cs"/>
-              <a:sym typeface="Helvetica Light"/>
-            </a:endParaRPr>
           </a:p>
         </p:txBody>
       </p:sp>
@@ -13679,7 +13271,7 @@
               <a:t>S</a:t>
             </a:r>
             <a:r>
-              <a:rPr kumimoji="0" lang="en-US" sz="2400" b="0" i="0" u="none" strike="noStrike" cap="none" spc="0" normalizeH="0" baseline="0" dirty="0" smtClean="0">
+              <a:rPr kumimoji="0" lang="en-US" sz="2400" b="0" i="0" u="none" strike="noStrike" cap="none" spc="0" normalizeH="0" baseline="0" dirty="0">
                 <a:ln>
                   <a:noFill/>
                 </a:ln>
@@ -13697,11 +13289,7 @@
             </a:r>
             <a:r>
               <a:rPr lang="en-US" sz="2400" dirty="0"/>
-              <a:t> </a:t>
-            </a:r>
-            <a:r>
-              <a:rPr lang="en-US" sz="2400" dirty="0" smtClean="0"/>
-              <a:t>function call</a:t>
+              <a:t> function call</a:t>
             </a:r>
             <a:endParaRPr kumimoji="0" lang="en-US" sz="2400" b="0" i="0" u="none" strike="noStrike" cap="none" spc="0" normalizeH="0" baseline="0" dirty="0">
               <a:ln>
@@ -13864,7 +13452,7 @@
               <a:tabLst/>
             </a:pPr>
             <a:r>
-              <a:rPr kumimoji="0" lang="en-US" sz="2400" b="0" i="0" u="none" strike="noStrike" cap="none" spc="0" normalizeH="0" baseline="0" dirty="0" smtClean="0">
+              <a:rPr kumimoji="0" lang="en-US" sz="2400" b="0" i="0" u="none" strike="noStrike" cap="none" spc="0" normalizeH="0" baseline="0" dirty="0">
                 <a:ln>
                   <a:noFill/>
                 </a:ln>
@@ -13881,7 +13469,7 @@
               <a:t>Evaluate</a:t>
             </a:r>
             <a:r>
-              <a:rPr kumimoji="0" lang="en-US" sz="2400" b="0" i="0" u="none" strike="noStrike" cap="none" spc="0" normalizeH="0" dirty="0" smtClean="0">
+              <a:rPr kumimoji="0" lang="en-US" sz="2400" b="0" i="0" u="none" strike="noStrike" cap="none" spc="0" normalizeH="0" dirty="0">
                 <a:ln>
                   <a:noFill/>
                 </a:ln>
@@ -13916,7 +13504,7 @@
               <a:tabLst/>
             </a:pPr>
             <a:r>
-              <a:rPr kumimoji="0" lang="en-US" sz="2400" b="0" i="0" u="none" strike="noStrike" cap="none" spc="0" normalizeH="0" dirty="0" smtClean="0">
+              <a:rPr kumimoji="0" lang="en-US" sz="2400" b="0" i="0" u="none" strike="noStrike" cap="none" spc="0" normalizeH="0" dirty="0">
                 <a:ln>
                   <a:noFill/>
                 </a:ln>
@@ -14079,10 +13667,9 @@
           <a:lstStyle/>
           <a:p>
             <a:r>
-              <a:rPr lang="en-US" dirty="0" smtClean="0"/>
+              <a:rPr lang="en-US" dirty="0"/>
               <a:t>Homework</a:t>
             </a:r>
-            <a:endParaRPr lang="en-US" dirty="0"/>
           </a:p>
         </p:txBody>
       </p:sp>
@@ -14103,43 +13690,38 @@
           <a:p>
             <a:r>
               <a:rPr lang="en-US" dirty="0"/>
-              <a:t>Study Book Chapter </a:t>
-            </a:r>
-            <a:r>
-              <a:rPr lang="en-US" dirty="0" smtClean="0"/>
-              <a:t>1.1 and 1.2</a:t>
-            </a:r>
-          </a:p>
-          <a:p>
-            <a:r>
-              <a:rPr lang="en-US" dirty="0" smtClean="0"/>
+              <a:t>Study Book Chapter 1.1 and 1.2</a:t>
+            </a:r>
+          </a:p>
+          <a:p>
+            <a:r>
+              <a:rPr lang="en-US" dirty="0"/>
               <a:t>Study code in the </a:t>
             </a:r>
             <a:r>
-              <a:rPr lang="en-US" i="1" dirty="0" smtClean="0"/>
+              <a:rPr lang="en-US" i="1" dirty="0"/>
               <a:t>org.pg4200.les01</a:t>
             </a:r>
             <a:r>
-              <a:rPr lang="en-US" dirty="0" smtClean="0"/>
+              <a:rPr lang="en-US" dirty="0"/>
               <a:t> package</a:t>
             </a:r>
           </a:p>
           <a:p>
             <a:r>
-              <a:rPr lang="en-US" dirty="0" smtClean="0"/>
+              <a:rPr lang="en-US" dirty="0"/>
               <a:t>Do exercises in </a:t>
             </a:r>
             <a:r>
-              <a:rPr lang="en-US" i="1" dirty="0" smtClean="0"/>
+              <a:rPr lang="en-US" i="1" dirty="0"/>
               <a:t>exercises/ex01</a:t>
             </a:r>
           </a:p>
           <a:p>
             <a:r>
-              <a:rPr lang="en-US" dirty="0" smtClean="0"/>
+              <a:rPr lang="en-US" dirty="0"/>
               <a:t>Extra: do exercises in the book</a:t>
             </a:r>
-            <a:endParaRPr lang="en-US" dirty="0"/>
           </a:p>
         </p:txBody>
       </p:sp>
@@ -14198,7 +13780,7 @@
           <a:lstStyle/>
           <a:p>
             <a:r>
-              <a:rPr lang="en-US" dirty="0" smtClean="0"/>
+              <a:rPr lang="en-US" dirty="0"/>
               <a:t>Advanced</a:t>
             </a:r>
             <a:endParaRPr dirty="0"/>
@@ -14238,7 +13820,7 @@
               <a:buAutoNum type="arabicPeriod"/>
             </a:pPr>
             <a:r>
-              <a:rPr lang="en-US" dirty="0" smtClean="0"/>
+              <a:rPr lang="en-US" dirty="0"/>
               <a:t>Arrays/Lists/Tests</a:t>
             </a:r>
           </a:p>
@@ -14251,7 +13833,7 @@
               <a:buAutoNum type="arabicPeriod"/>
             </a:pPr>
             <a:r>
-              <a:rPr lang="en-US" dirty="0" smtClean="0"/>
+              <a:rPr lang="en-US" dirty="0"/>
               <a:t>Stacks/Queues</a:t>
             </a:r>
           </a:p>
@@ -14264,7 +13846,7 @@
               <a:buAutoNum type="arabicPeriod"/>
             </a:pPr>
             <a:r>
-              <a:rPr lang="en-US" dirty="0" smtClean="0"/>
+              <a:rPr lang="en-US" dirty="0"/>
               <a:t>Runtime analysis and Sorting</a:t>
             </a:r>
           </a:p>
@@ -14277,7 +13859,7 @@
               <a:buAutoNum type="arabicPeriod"/>
             </a:pPr>
             <a:r>
-              <a:rPr lang="en-US" dirty="0" smtClean="0"/>
+              <a:rPr lang="en-US" dirty="0"/>
               <a:t>Recursion and TDD</a:t>
             </a:r>
           </a:p>
@@ -14290,7 +13872,7 @@
               <a:buAutoNum type="arabicPeriod"/>
             </a:pPr>
             <a:r>
-              <a:rPr lang="en-US" dirty="0" smtClean="0"/>
+              <a:rPr lang="en-US" dirty="0"/>
               <a:t>Tree Maps</a:t>
             </a:r>
           </a:p>
@@ -14303,7 +13885,7 @@
               <a:buAutoNum type="arabicPeriod"/>
             </a:pPr>
             <a:r>
-              <a:rPr lang="en-US" dirty="0" smtClean="0"/>
+              <a:rPr lang="en-US" dirty="0"/>
               <a:t>Hash Maps</a:t>
             </a:r>
           </a:p>
@@ -14316,7 +13898,7 @@
               <a:buAutoNum type="arabicPeriod"/>
             </a:pPr>
             <a:r>
-              <a:rPr lang="en-US" dirty="0" smtClean="0"/>
+              <a:rPr lang="en-US" dirty="0"/>
               <a:t>Streams</a:t>
             </a:r>
           </a:p>
@@ -14342,7 +13924,7 @@
               <a:buAutoNum type="arabicPeriod"/>
             </a:pPr>
             <a:r>
-              <a:rPr lang="en-US" dirty="0" smtClean="0"/>
+              <a:rPr lang="en-US" dirty="0"/>
               <a:t>Regular Expressions</a:t>
             </a:r>
           </a:p>
@@ -14369,7 +13951,7 @@
           </a:ln>
           <a:extLst>
             <a:ext uri="{C572A759-6A51-4108-AA02-DFA0A04FC94B}">
-              <ma14:wrappingTextBoxFlag xmlns="" xmlns:ma14="http://schemas.microsoft.com/office/mac/drawingml/2011/main" val="1"/>
+              <ma14:wrappingTextBoxFlag xmlns:ma14="http://schemas.microsoft.com/office/mac/drawingml/2011/main" xmlns="" val="1"/>
             </a:ext>
           </a:extLst>
         </p:spPr>
@@ -14650,11 +14232,7 @@
             </a:pPr>
             <a:r>
               <a:rPr lang="en-US" dirty="0"/>
-              <a:t>Optimization </a:t>
-            </a:r>
-            <a:r>
-              <a:rPr lang="en-US" dirty="0" smtClean="0"/>
-              <a:t>Algorithms</a:t>
+              <a:t>Optimization Algorithms</a:t>
             </a:r>
           </a:p>
           <a:p>
@@ -14666,7 +14244,7 @@
               <a:buAutoNum type="arabicPeriod" startAt="10"/>
             </a:pPr>
             <a:r>
-              <a:rPr lang="en-US" dirty="0" smtClean="0"/>
+              <a:rPr lang="en-US" dirty="0"/>
               <a:t>Evolutionary Algorithms</a:t>
             </a:r>
           </a:p>
@@ -14679,7 +14257,7 @@
               <a:buAutoNum type="arabicPeriod" startAt="10"/>
             </a:pPr>
             <a:r>
-              <a:rPr lang="en-US" dirty="0" smtClean="0"/>
+              <a:rPr lang="en-US" dirty="0"/>
               <a:t>Data Compression</a:t>
             </a:r>
           </a:p>
@@ -14706,7 +14284,7 @@
           </a:ln>
           <a:extLst>
             <a:ext uri="{C572A759-6A51-4108-AA02-DFA0A04FC94B}">
-              <ma14:wrappingTextBoxFlag xmlns="" xmlns:ma14="http://schemas.microsoft.com/office/mac/drawingml/2011/main" val="1"/>
+              <ma14:wrappingTextBoxFlag xmlns:ma14="http://schemas.microsoft.com/office/mac/drawingml/2011/main" xmlns="" val="1"/>
             </a:ext>
           </a:extLst>
         </p:spPr>
@@ -14980,10 +14558,9 @@
           <a:p>
             <a:pPr hangingPunct="1"/>
             <a:r>
-              <a:rPr lang="en-US" dirty="0" smtClean="0"/>
+              <a:rPr lang="en-US" dirty="0"/>
               <a:t>Foundation</a:t>
             </a:r>
-            <a:endParaRPr lang="en-US" dirty="0"/>
           </a:p>
         </p:txBody>
       </p:sp>
@@ -15029,10 +14606,9 @@
           <a:lstStyle/>
           <a:p>
             <a:r>
-              <a:rPr lang="en-US" dirty="0" smtClean="0"/>
+              <a:rPr lang="en-US" dirty="0"/>
               <a:t>Class Structure</a:t>
             </a:r>
-            <a:endParaRPr lang="en-US" dirty="0"/>
           </a:p>
         </p:txBody>
       </p:sp>
@@ -15057,31 +14633,31 @@
           <a:lstStyle/>
           <a:p>
             <a:r>
-              <a:rPr lang="en-US" dirty="0" smtClean="0"/>
+              <a:rPr lang="en-US" dirty="0"/>
               <a:t>“Usually”  2+2</a:t>
             </a:r>
           </a:p>
           <a:p>
             <a:pPr lvl="1"/>
             <a:r>
-              <a:rPr lang="en-US" dirty="0" smtClean="0"/>
+              <a:rPr lang="en-US" dirty="0"/>
               <a:t>2-3 hours of lecture: code and slides</a:t>
             </a:r>
           </a:p>
           <a:p>
             <a:pPr lvl="1"/>
             <a:r>
-              <a:rPr lang="en-US" dirty="0" smtClean="0"/>
+              <a:rPr lang="en-US" dirty="0"/>
               <a:t>1-2 hours in which you should do exercises and get help</a:t>
             </a:r>
           </a:p>
           <a:p>
             <a:r>
-              <a:rPr lang="en-US" b="1" dirty="0" smtClean="0"/>
+              <a:rPr lang="en-US" b="1" dirty="0"/>
               <a:t>IMPORTANT</a:t>
             </a:r>
             <a:r>
-              <a:rPr lang="en-US" dirty="0" smtClean="0"/>
+              <a:rPr lang="en-US" dirty="0"/>
               <a:t>: the 1-2 hours after lecture is not only for exercises. If you are falling behind, or you need some more revision, you can ask for my help on anything related to coding</a:t>
             </a:r>
           </a:p>
@@ -15176,11 +14752,7 @@
             </a:pPr>
             <a:r>
               <a:rPr lang="en-US" dirty="0"/>
-              <a:t>Algorithms (4th Edition</a:t>
-            </a:r>
-            <a:r>
-              <a:rPr lang="en-US" dirty="0" smtClean="0"/>
-              <a:t>)</a:t>
+              <a:t>Algorithms (4th Edition)</a:t>
             </a:r>
           </a:p>
           <a:p>
@@ -15191,7 +14763,7 @@
               <a:defRPr sz="3132"/>
             </a:pPr>
             <a:r>
-              <a:rPr dirty="0" smtClean="0"/>
+              <a:rPr dirty="0"/>
               <a:t>We </a:t>
             </a:r>
             <a:r>
@@ -15204,13 +14776,9 @@
             </a:r>
             <a:r>
               <a:rPr i="1" dirty="0"/>
-              <a:t>you should really try to get a </a:t>
-            </a:r>
-            <a:r>
-              <a:rPr i="1" dirty="0" smtClean="0"/>
-              <a:t>copy</a:t>
-            </a:r>
-            <a:endParaRPr lang="en-US" i="1" dirty="0" smtClean="0"/>
+              <a:t>you should really try to get a copy</a:t>
+            </a:r>
+            <a:endParaRPr lang="en-US" i="1" dirty="0"/>
           </a:p>
           <a:p>
             <a:pPr marL="831215" lvl="1" indent="-386715" defTabSz="508254">
@@ -15220,15 +14788,15 @@
               <a:defRPr sz="3132"/>
             </a:pPr>
             <a:r>
-              <a:rPr lang="en-US" sz="2400" dirty="0" smtClean="0"/>
+              <a:rPr lang="en-US" sz="2400" dirty="0"/>
               <a:t>and likely you </a:t>
             </a:r>
             <a:r>
-              <a:rPr lang="en-US" sz="2400" dirty="0" err="1" smtClean="0"/>
+              <a:rPr lang="en-US" sz="2400" dirty="0" err="1"/>
               <a:t>ll</a:t>
             </a:r>
             <a:r>
-              <a:rPr lang="en-US" sz="2400" dirty="0" smtClean="0"/>
+              <a:rPr lang="en-US" sz="2400" dirty="0"/>
               <a:t> need it also outside of this course</a:t>
             </a:r>
           </a:p>
@@ -15240,7 +14808,7 @@
               <a:defRPr sz="3132"/>
             </a:pPr>
             <a:r>
-              <a:rPr lang="en-US" dirty="0" smtClean="0"/>
+              <a:rPr lang="en-US" dirty="0"/>
               <a:t>Note, however, that there are plenty of resources on internet to learn Algorithms</a:t>
             </a:r>
           </a:p>
@@ -15321,14 +14889,10 @@
             </a:r>
             <a:r>
               <a:rPr dirty="0"/>
-              <a:t> </a:t>
-            </a:r>
-            <a:r>
-              <a:rPr dirty="0" smtClean="0"/>
-              <a:t>Repositor</a:t>
-            </a:r>
-            <a:r>
-              <a:rPr lang="en-US" dirty="0" smtClean="0"/>
+              <a:t> Repositor</a:t>
+            </a:r>
+            <a:r>
+              <a:rPr lang="en-US" dirty="0"/>
               <a:t>y</a:t>
             </a:r>
             <a:endParaRPr dirty="0"/>
@@ -15364,74 +14928,62 @@
               </a:rPr>
               <a:t>https://github.com/arcuri82/algorithms</a:t>
             </a:r>
-            <a:endParaRPr lang="en-US" dirty="0" smtClean="0"/>
-          </a:p>
-          <a:p>
-            <a:r>
-              <a:rPr lang="en-US" dirty="0" smtClean="0"/>
+            <a:endParaRPr lang="en-US" dirty="0"/>
+          </a:p>
+          <a:p>
+            <a:r>
+              <a:rPr lang="en-US" dirty="0"/>
               <a:t>N</a:t>
             </a:r>
             <a:r>
-              <a:rPr dirty="0" smtClean="0"/>
-              <a:t>ote</a:t>
-            </a:r>
-            <a:r>
               <a:rPr dirty="0"/>
-              <a:t>: pull often, as new material </a:t>
-            </a:r>
-            <a:r>
-              <a:rPr lang="en-US" dirty="0" smtClean="0"/>
+              <a:t>ote: pull often, as new material </a:t>
+            </a:r>
+            <a:r>
+              <a:rPr lang="en-US" dirty="0"/>
               <a:t>and corrections can</a:t>
             </a:r>
             <a:r>
-              <a:rPr dirty="0" smtClean="0"/>
-              <a:t> </a:t>
-            </a:r>
-            <a:r>
               <a:rPr dirty="0"/>
-              <a:t>be added during the </a:t>
-            </a:r>
-            <a:r>
-              <a:rPr dirty="0" smtClean="0"/>
-              <a:t>course</a:t>
-            </a:r>
-            <a:endParaRPr lang="en-US" dirty="0" smtClean="0"/>
-          </a:p>
-          <a:p>
-            <a:r>
-              <a:rPr lang="en-US" dirty="0" smtClean="0"/>
+              <a:t> be added during the course</a:t>
+            </a:r>
+            <a:endParaRPr lang="en-US" dirty="0"/>
+          </a:p>
+          <a:p>
+            <a:r>
+              <a:rPr lang="en-US" dirty="0"/>
               <a:t>If you add code (</a:t>
             </a:r>
             <a:r>
-              <a:rPr lang="en-US" dirty="0" err="1" smtClean="0"/>
+              <a:rPr lang="en-US" dirty="0" err="1"/>
               <a:t>eg</a:t>
             </a:r>
             <a:r>
-              <a:rPr lang="en-US" dirty="0" smtClean="0"/>
+              <a:rPr lang="en-US" dirty="0"/>
               <a:t> working on exercises), recall to do a </a:t>
             </a:r>
             <a:r>
-              <a:rPr lang="en-US" dirty="0" err="1" smtClean="0"/>
+              <a:rPr lang="en-US" dirty="0" err="1"/>
               <a:t>Git</a:t>
             </a:r>
             <a:r>
-              <a:rPr lang="en-US" dirty="0" smtClean="0"/>
+              <a:rPr lang="en-US" dirty="0"/>
               <a:t> “</a:t>
             </a:r>
             <a:r>
-              <a:rPr lang="en-US" i="1" dirty="0" smtClean="0"/>
+              <a:rPr lang="en-US" i="1" dirty="0"/>
               <a:t>rebase</a:t>
             </a:r>
             <a:r>
-              <a:rPr lang="en-US" dirty="0" smtClean="0"/>
+              <a:rPr lang="en-US" dirty="0"/>
               <a:t>” or “</a:t>
             </a:r>
             <a:r>
-              <a:rPr lang="en-US" i="1" dirty="0" smtClean="0"/>
+              <a:rPr lang="en-US" i="1" dirty="0"/>
               <a:t>stash</a:t>
             </a:r>
             <a:r>
-              <a:rPr lang="en-US" dirty="0" smtClean="0"/>
+              <a:rPr lang="en-US" dirty="0"/>
               <a:t>” before pulling (which otherwise might fail)</a:t>
             </a:r>
             <a:endParaRPr dirty="0"/>
@@ -15487,7 +15039,7 @@
           <a:lstStyle/>
           <a:p>
             <a:r>
-              <a:rPr lang="en-US" dirty="0" err="1" smtClean="0"/>
+              <a:rPr lang="en-US" dirty="0" err="1"/>
               <a:t>Git</a:t>
             </a:r>
             <a:endParaRPr lang="en-US" dirty="0"/>
@@ -15517,67 +15069,67 @@
           <a:lstStyle/>
           <a:p>
             <a:r>
-              <a:rPr lang="en-US" sz="3200" i="1" dirty="0" err="1" smtClean="0"/>
+              <a:rPr lang="en-US" sz="3200" i="1" dirty="0" err="1"/>
               <a:t>Git</a:t>
             </a:r>
             <a:r>
-              <a:rPr lang="en-US" sz="3200" dirty="0" smtClean="0"/>
+              <a:rPr lang="en-US" sz="3200" dirty="0"/>
               <a:t> is a tool to share code among different developers in the same project</a:t>
             </a:r>
           </a:p>
           <a:p>
             <a:r>
-              <a:rPr lang="en-US" sz="3200" dirty="0" smtClean="0"/>
+              <a:rPr lang="en-US" sz="3200" dirty="0"/>
               <a:t>Also useful for single developers to keep track of changes, and automatically have backups on remote servers</a:t>
             </a:r>
           </a:p>
           <a:p>
             <a:r>
-              <a:rPr lang="en-US" sz="3200" dirty="0" smtClean="0"/>
+              <a:rPr lang="en-US" sz="3200" dirty="0"/>
               <a:t>You should have already seen the details of </a:t>
             </a:r>
             <a:r>
-              <a:rPr lang="en-US" sz="3200" i="1" dirty="0" err="1" smtClean="0"/>
+              <a:rPr lang="en-US" sz="3200" i="1" dirty="0" err="1"/>
               <a:t>Git</a:t>
             </a:r>
             <a:r>
-              <a:rPr lang="en-US" sz="3200" dirty="0" smtClean="0"/>
+              <a:rPr lang="en-US" sz="3200" dirty="0"/>
               <a:t> in other courses…</a:t>
             </a:r>
           </a:p>
           <a:p>
             <a:r>
-              <a:rPr lang="en-US" sz="3200" dirty="0" smtClean="0"/>
+              <a:rPr lang="en-US" sz="3200" dirty="0"/>
               <a:t>… but I am using </a:t>
             </a:r>
             <a:r>
-              <a:rPr lang="en-US" sz="3200" i="1" dirty="0" err="1" smtClean="0"/>
+              <a:rPr lang="en-US" sz="3200" i="1" dirty="0" err="1"/>
               <a:t>Git</a:t>
             </a:r>
             <a:r>
-              <a:rPr lang="en-US" sz="3200" dirty="0" smtClean="0"/>
+              <a:rPr lang="en-US" sz="3200" dirty="0"/>
               <a:t> to handle all the teaching material in this course</a:t>
             </a:r>
           </a:p>
           <a:p>
             <a:r>
-              <a:rPr lang="en-US" sz="3200" dirty="0" smtClean="0"/>
+              <a:rPr lang="en-US" sz="3200" dirty="0"/>
               <a:t>Note: usage of </a:t>
             </a:r>
             <a:r>
-              <a:rPr lang="en-US" sz="3200" i="1" dirty="0" err="1" smtClean="0"/>
+              <a:rPr lang="en-US" sz="3200" i="1" dirty="0" err="1"/>
               <a:t>Git</a:t>
             </a:r>
             <a:r>
-              <a:rPr lang="en-US" sz="3200" dirty="0" smtClean="0"/>
+              <a:rPr lang="en-US" sz="3200" dirty="0"/>
               <a:t> will </a:t>
             </a:r>
             <a:r>
-              <a:rPr lang="en-US" sz="3200" b="1" dirty="0" smtClean="0"/>
+              <a:rPr lang="en-US" sz="3200" b="1" dirty="0"/>
               <a:t>NOT</a:t>
             </a:r>
             <a:r>
-              <a:rPr lang="en-US" sz="3200" dirty="0" smtClean="0"/>
+              <a:rPr lang="en-US" sz="3200" dirty="0"/>
               <a:t> be part of the exam…</a:t>
             </a:r>
           </a:p>

--- a/docs/slides/01/01_intro.pptx
+++ b/docs/slides/01/01_intro.pptx
@@ -1243,7 +1243,7 @@
           <a:p>
             <a:fld id="{04F1D4A2-813C-F741-B481-C92B3A596030}" type="datetimeFigureOut">
               <a:rPr lang="en-US" smtClean="0"/>
-              <a:t>8/18/19</a:t>
+              <a:t>2/13/20</a:t>
             </a:fld>
             <a:endParaRPr lang="en-US"/>
           </a:p>
@@ -2518,7 +2518,7 @@
           </a:ln>
           <a:extLst>
             <a:ext uri="{C572A759-6A51-4108-AA02-DFA0A04FC94B}">
-              <ma14:wrappingTextBoxFlag xmlns:ma14="http://schemas.microsoft.com/office/mac/drawingml/2011/main" xmlns="" val="1"/>
+              <ma14:wrappingTextBoxFlag xmlns="" xmlns:ma14="http://schemas.microsoft.com/office/mac/drawingml/2011/main" val="1"/>
             </a:ext>
           </a:extLst>
         </p:spPr>
@@ -2557,7 +2557,7 @@
           </a:ln>
           <a:extLst>
             <a:ext uri="{C572A759-6A51-4108-AA02-DFA0A04FC94B}">
-              <ma14:wrappingTextBoxFlag xmlns:ma14="http://schemas.microsoft.com/office/mac/drawingml/2011/main" xmlns="" val="1"/>
+              <ma14:wrappingTextBoxFlag xmlns="" xmlns:ma14="http://schemas.microsoft.com/office/mac/drawingml/2011/main" val="1"/>
             </a:ext>
           </a:extLst>
         </p:spPr>
@@ -4870,7 +4870,7 @@
           </a:ln>
           <a:extLst>
             <a:ext uri="{C572A759-6A51-4108-AA02-DFA0A04FC94B}">
-              <ma14:wrappingTextBoxFlag xmlns="" xmlns:ma14="http://schemas.microsoft.com/office/mac/drawingml/2011/main" val="1"/>
+              <ma14:wrappingTextBoxFlag xmlns:ma14="http://schemas.microsoft.com/office/mac/drawingml/2011/main" xmlns="" val="1"/>
             </a:ext>
           </a:extLst>
         </p:spPr>
@@ -5635,7 +5635,7 @@
           <a:p>
             <a:r>
               <a:rPr lang="en-US" dirty="0"/>
-              <a:t>Expect around 10 questions/exercises</a:t>
+              <a:t>Expect 10 questions/exercises</a:t>
             </a:r>
           </a:p>
           <a:p>
@@ -5649,27 +5649,43 @@
             <a:pPr lvl="1"/>
             <a:r>
               <a:rPr lang="en-US" dirty="0"/>
-              <a:t>Typically only 1 question from the Advanced Topics</a:t>
+              <a:t>Only 1 question from the Advanced Topics</a:t>
+            </a:r>
+          </a:p>
+          <a:p>
+            <a:pPr lvl="2"/>
+            <a:r>
+              <a:rPr lang="en-US" sz="2200" dirty="0"/>
+              <a:t>However this does not apply to “</a:t>
+            </a:r>
+            <a:r>
+              <a:rPr lang="en-US" sz="2200" i="1" dirty="0"/>
+              <a:t>continuation</a:t>
+            </a:r>
+            <a:r>
+              <a:rPr lang="en-US" sz="2200" dirty="0"/>
+              <a:t>” exams, where there can be any number</a:t>
             </a:r>
           </a:p>
           <a:p>
             <a:pPr lvl="1"/>
             <a:r>
               <a:rPr lang="en-US" dirty="0"/>
-              <a:t>Note: this might change… but if so, you will be told before the exam</a:t>
-            </a:r>
-          </a:p>
-          <a:p>
-            <a:pPr lvl="1"/>
-            <a:r>
-              <a:rPr lang="en-US" dirty="0"/>
               <a:t>See mock exams in the Git repository </a:t>
             </a:r>
           </a:p>
           <a:p>
             <a:r>
               <a:rPr lang="en-US" dirty="0"/>
-              <a:t>Expect theoretical questions and also the writing of code from scratch (at least 1, but no more than 50%)</a:t>
+              <a:t>Expect theoretical questions and also the writing of code from scratch (at least 1, but </a:t>
+            </a:r>
+            <a:r>
+              <a:rPr lang="en-US" i="1" dirty="0"/>
+              <a:t>usually</a:t>
+            </a:r>
+            <a:r>
+              <a:rPr lang="en-US" dirty="0"/>
+              <a:t> no more than 50%)</a:t>
             </a:r>
           </a:p>
           <a:p>
@@ -5891,7 +5907,7 @@
             <a:pPr lvl="1"/>
             <a:r>
               <a:rPr lang="en-US" dirty="0"/>
-              <a:t>You can expect 1-3 of them ending up in the exam</a:t>
+              <a:t>You can expect 1-5 of them ending up in the exam</a:t>
             </a:r>
           </a:p>
           <a:p>
@@ -13951,7 +13967,7 @@
           </a:ln>
           <a:extLst>
             <a:ext uri="{C572A759-6A51-4108-AA02-DFA0A04FC94B}">
-              <ma14:wrappingTextBoxFlag xmlns:ma14="http://schemas.microsoft.com/office/mac/drawingml/2011/main" xmlns="" val="1"/>
+              <ma14:wrappingTextBoxFlag xmlns="" xmlns:ma14="http://schemas.microsoft.com/office/mac/drawingml/2011/main" val="1"/>
             </a:ext>
           </a:extLst>
         </p:spPr>
@@ -14284,7 +14300,7 @@
           </a:ln>
           <a:extLst>
             <a:ext uri="{C572A759-6A51-4108-AA02-DFA0A04FC94B}">
-              <ma14:wrappingTextBoxFlag xmlns:ma14="http://schemas.microsoft.com/office/mac/drawingml/2011/main" xmlns="" val="1"/>
+              <ma14:wrappingTextBoxFlag xmlns="" xmlns:ma14="http://schemas.microsoft.com/office/mac/drawingml/2011/main" val="1"/>
             </a:ext>
           </a:extLst>
         </p:spPr>
